--- a/source/lessons/lsn14-15/Lsn14-15.pptx
+++ b/source/lessons/lsn14-15/Lsn14-15.pptx
@@ -7,10 +7,10 @@
     <p:sldMasterId id="2147483667" r:id="rId3"/>
   </p:sldMasterIdLst>
   <p:notesMasterIdLst>
-    <p:notesMasterId r:id="rId30"/>
+    <p:notesMasterId r:id="rId32"/>
   </p:notesMasterIdLst>
   <p:handoutMasterIdLst>
-    <p:handoutMasterId r:id="rId31"/>
+    <p:handoutMasterId r:id="rId33"/>
   </p:handoutMasterIdLst>
   <p:sldIdLst>
     <p:sldId id="352" r:id="rId4"/>
@@ -18,27 +18,29 @@
     <p:sldId id="377" r:id="rId6"/>
     <p:sldId id="379" r:id="rId7"/>
     <p:sldId id="359" r:id="rId8"/>
-    <p:sldId id="378" r:id="rId9"/>
-    <p:sldId id="380" r:id="rId10"/>
-    <p:sldId id="360" r:id="rId11"/>
-    <p:sldId id="361" r:id="rId12"/>
-    <p:sldId id="362" r:id="rId13"/>
-    <p:sldId id="363" r:id="rId14"/>
-    <p:sldId id="367" r:id="rId15"/>
-    <p:sldId id="370" r:id="rId16"/>
-    <p:sldId id="371" r:id="rId17"/>
-    <p:sldId id="372" r:id="rId18"/>
-    <p:sldId id="374" r:id="rId19"/>
-    <p:sldId id="375" r:id="rId20"/>
-    <p:sldId id="376" r:id="rId21"/>
-    <p:sldId id="353" r:id="rId22"/>
-    <p:sldId id="355" r:id="rId23"/>
-    <p:sldId id="356" r:id="rId24"/>
-    <p:sldId id="357" r:id="rId25"/>
-    <p:sldId id="358" r:id="rId26"/>
-    <p:sldId id="368" r:id="rId27"/>
-    <p:sldId id="369" r:id="rId28"/>
-    <p:sldId id="373" r:id="rId29"/>
+    <p:sldId id="382" r:id="rId9"/>
+    <p:sldId id="378" r:id="rId10"/>
+    <p:sldId id="381" r:id="rId11"/>
+    <p:sldId id="380" r:id="rId12"/>
+    <p:sldId id="360" r:id="rId13"/>
+    <p:sldId id="361" r:id="rId14"/>
+    <p:sldId id="362" r:id="rId15"/>
+    <p:sldId id="363" r:id="rId16"/>
+    <p:sldId id="367" r:id="rId17"/>
+    <p:sldId id="370" r:id="rId18"/>
+    <p:sldId id="371" r:id="rId19"/>
+    <p:sldId id="372" r:id="rId20"/>
+    <p:sldId id="374" r:id="rId21"/>
+    <p:sldId id="375" r:id="rId22"/>
+    <p:sldId id="376" r:id="rId23"/>
+    <p:sldId id="353" r:id="rId24"/>
+    <p:sldId id="355" r:id="rId25"/>
+    <p:sldId id="356" r:id="rId26"/>
+    <p:sldId id="357" r:id="rId27"/>
+    <p:sldId id="358" r:id="rId28"/>
+    <p:sldId id="368" r:id="rId29"/>
+    <p:sldId id="369" r:id="rId30"/>
+    <p:sldId id="373" r:id="rId31"/>
   </p:sldIdLst>
   <p:sldSz cx="9144000" cy="6858000" type="screen4x3"/>
   <p:notesSz cx="7010400" cy="9296400"/>
@@ -1376,7 +1378,7 @@
           <a:p>
             <a:fld id="{834513E8-165F-4932-9E2D-FD497CB9A4FD}" type="datetimeFigureOut">
               <a:rPr lang="en-US" smtClean="0"/>
-              <a:t>6/5/2018</a:t>
+              <a:t>7/9/2018</a:t>
             </a:fld>
             <a:endParaRPr lang="en-US"/>
           </a:p>
@@ -1653,7 +1655,7 @@
           <a:p>
             <a:fld id="{834513E8-165F-4932-9E2D-FD497CB9A4FD}" type="datetimeFigureOut">
               <a:rPr lang="en-US" smtClean="0"/>
-              <a:t>6/5/2018</a:t>
+              <a:t>7/9/2018</a:t>
             </a:fld>
             <a:endParaRPr lang="en-US"/>
           </a:p>
@@ -1906,7 +1908,7 @@
           <a:p>
             <a:fld id="{834513E8-165F-4932-9E2D-FD497CB9A4FD}" type="datetimeFigureOut">
               <a:rPr lang="en-US" smtClean="0"/>
-              <a:t>6/5/2018</a:t>
+              <a:t>7/9/2018</a:t>
             </a:fld>
             <a:endParaRPr lang="en-US"/>
           </a:p>
@@ -2076,7 +2078,7 @@
           <a:p>
             <a:fld id="{834513E8-165F-4932-9E2D-FD497CB9A4FD}" type="datetimeFigureOut">
               <a:rPr lang="en-US" smtClean="0"/>
-              <a:t>6/5/2018</a:t>
+              <a:t>7/9/2018</a:t>
             </a:fld>
             <a:endParaRPr lang="en-US"/>
           </a:p>
@@ -2256,7 +2258,7 @@
           <a:p>
             <a:fld id="{834513E8-165F-4932-9E2D-FD497CB9A4FD}" type="datetimeFigureOut">
               <a:rPr lang="en-US" smtClean="0"/>
-              <a:t>6/5/2018</a:t>
+              <a:t>7/9/2018</a:t>
             </a:fld>
             <a:endParaRPr lang="en-US"/>
           </a:p>
@@ -3000,7 +3002,7 @@
           <a:p>
             <a:fld id="{834513E8-165F-4932-9E2D-FD497CB9A4FD}" type="datetimeFigureOut">
               <a:rPr lang="en-US" smtClean="0"/>
-              <a:t>6/5/2018</a:t>
+              <a:t>7/9/2018</a:t>
             </a:fld>
             <a:endParaRPr lang="en-US"/>
           </a:p>
@@ -3170,7 +3172,7 @@
           <a:p>
             <a:fld id="{834513E8-165F-4932-9E2D-FD497CB9A4FD}" type="datetimeFigureOut">
               <a:rPr lang="en-US" smtClean="0"/>
-              <a:t>6/5/2018</a:t>
+              <a:t>7/9/2018</a:t>
             </a:fld>
             <a:endParaRPr lang="en-US"/>
           </a:p>
@@ -3416,7 +3418,7 @@
           <a:p>
             <a:fld id="{834513E8-165F-4932-9E2D-FD497CB9A4FD}" type="datetimeFigureOut">
               <a:rPr lang="en-US" smtClean="0"/>
-              <a:t>6/5/2018</a:t>
+              <a:t>7/9/2018</a:t>
             </a:fld>
             <a:endParaRPr lang="en-US"/>
           </a:p>
@@ -3648,7 +3650,7 @@
           <a:p>
             <a:fld id="{834513E8-165F-4932-9E2D-FD497CB9A4FD}" type="datetimeFigureOut">
               <a:rPr lang="en-US" smtClean="0"/>
-              <a:t>6/5/2018</a:t>
+              <a:t>7/9/2018</a:t>
             </a:fld>
             <a:endParaRPr lang="en-US"/>
           </a:p>
@@ -4015,7 +4017,7 @@
           <a:p>
             <a:fld id="{834513E8-165F-4932-9E2D-FD497CB9A4FD}" type="datetimeFigureOut">
               <a:rPr lang="en-US" smtClean="0"/>
-              <a:t>6/5/2018</a:t>
+              <a:t>7/9/2018</a:t>
             </a:fld>
             <a:endParaRPr lang="en-US"/>
           </a:p>
@@ -4133,7 +4135,7 @@
           <a:p>
             <a:fld id="{834513E8-165F-4932-9E2D-FD497CB9A4FD}" type="datetimeFigureOut">
               <a:rPr lang="en-US" smtClean="0"/>
-              <a:t>6/5/2018</a:t>
+              <a:t>7/9/2018</a:t>
             </a:fld>
             <a:endParaRPr lang="en-US"/>
           </a:p>
@@ -5949,7 +5951,7 @@
           <a:p>
             <a:fld id="{834513E8-165F-4932-9E2D-FD497CB9A4FD}" type="datetimeFigureOut">
               <a:rPr lang="en-US" smtClean="0"/>
-              <a:t>6/5/2018</a:t>
+              <a:t>7/9/2018</a:t>
             </a:fld>
             <a:endParaRPr lang="en-US"/>
           </a:p>
@@ -6982,32 +6984,17 @@
           <a:bodyPr/>
           <a:lstStyle/>
           <a:p>
-            <a:endParaRPr lang="en-US"/>
-          </a:p>
-        </p:txBody>
-      </p:sp>
-      <p:sp>
-        <p:nvSpPr>
-          <p:cNvPr id="3" name="Content Placeholder 2"/>
-          <p:cNvSpPr>
-            <a:spLocks noGrp="1"/>
-          </p:cNvSpPr>
-          <p:nvPr>
-            <p:ph idx="1"/>
-          </p:nvPr>
-        </p:nvSpPr>
-        <p:spPr/>
-        <p:txBody>
-          <a:bodyPr/>
-          <a:lstStyle/>
-          <a:p>
-            <a:endParaRPr lang="en-US"/>
+            <a:r>
+              <a:rPr lang="en-US" b="1" dirty="0" smtClean="0"/>
+              <a:t>Logic Analyzer</a:t>
+            </a:r>
+            <a:endParaRPr lang="en-US" dirty="0"/>
           </a:p>
         </p:txBody>
       </p:sp>
       <p:pic>
         <p:nvPicPr>
-          <p:cNvPr id="3074" name="Picture 2"/>
+          <p:cNvPr id="1026" name="Picture 2" descr="Bounce Example 1"/>
           <p:cNvPicPr>
             <a:picLocks noChangeAspect="1" noChangeArrowheads="1"/>
           </p:cNvPicPr>
@@ -7028,33 +7015,20 @@
         </p:blipFill>
         <p:spPr bwMode="auto">
           <a:xfrm>
-            <a:off x="0" y="0"/>
-            <a:ext cx="9753600" cy="7315200"/>
+            <a:off x="972872" y="1646076"/>
+            <a:ext cx="6949232" cy="5211924"/>
           </a:xfrm>
           <a:prstGeom prst="rect">
             <a:avLst/>
           </a:prstGeom>
           <a:noFill/>
-          <a:ln>
-            <a:noFill/>
-          </a:ln>
           <a:extLst>
             <a:ext uri="{909E8E84-426E-40DD-AFC4-6F175D3DCCD1}">
               <a14:hiddenFill xmlns:a14="http://schemas.microsoft.com/office/drawing/2010/main">
                 <a:solidFill>
-                  <a:schemeClr val="accent1"/>
+                  <a:srgbClr val="FFFFFF"/>
                 </a:solidFill>
               </a14:hiddenFill>
-            </a:ext>
-            <a:ext uri="{91240B29-F687-4F45-9708-019B960494DF}">
-              <a14:hiddenLine xmlns:a14="http://schemas.microsoft.com/office/drawing/2010/main" w="9525">
-                <a:solidFill>
-                  <a:schemeClr val="tx1"/>
-                </a:solidFill>
-                <a:miter lim="800000"/>
-                <a:headEnd/>
-                <a:tailEnd/>
-              </a14:hiddenLine>
             </a:ext>
           </a:extLst>
         </p:spPr>
@@ -7062,7 +7036,7 @@
     </p:spTree>
     <p:extLst>
       <p:ext uri="{BB962C8B-B14F-4D97-AF65-F5344CB8AC3E}">
-        <p14:creationId xmlns:p14="http://schemas.microsoft.com/office/powerpoint/2010/main" val="538974518"/>
+        <p14:creationId xmlns:p14="http://schemas.microsoft.com/office/powerpoint/2010/main" val="22206249"/>
       </p:ext>
     </p:extLst>
   </p:cSld>
@@ -7112,12 +7086,8 @@
           <a:lstStyle/>
           <a:p>
             <a:r>
-              <a:rPr lang="en-US" dirty="0" err="1" smtClean="0"/>
-              <a:t>Debouncing</a:t>
-            </a:r>
-            <a:r>
-              <a:rPr lang="en-US" dirty="0" smtClean="0"/>
-              <a:t> and Polling</a:t>
+              <a:rPr lang="en-US" b="1" dirty="0" smtClean="0"/>
+              <a:t>Logic Analyzer</a:t>
             </a:r>
             <a:endParaRPr lang="en-US" dirty="0"/>
           </a:p>
@@ -7133,882 +7103,94 @@
             <p:ph idx="1"/>
           </p:nvPr>
         </p:nvSpPr>
-        <p:spPr/>
+        <p:spPr>
+          <a:xfrm>
+            <a:off x="489770" y="1536955"/>
+            <a:ext cx="8493642" cy="4724400"/>
+          </a:xfrm>
+        </p:spPr>
         <p:txBody>
           <a:bodyPr/>
           <a:lstStyle/>
           <a:p>
-            <a:pPr marL="0" indent="0">
-              <a:buNone/>
-            </a:pPr>
-            <a:r>
-              <a:rPr lang="en-US" sz="1400" b="1" dirty="0" smtClean="0">
-                <a:solidFill>
-                  <a:schemeClr val="accent2"/>
-                </a:solidFill>
-                <a:latin typeface="Courier New" pitchFamily="49" charset="0"/>
-                <a:cs typeface="Courier New" pitchFamily="49" charset="0"/>
-              </a:rPr>
-              <a:t>              </a:t>
-            </a:r>
-            <a:r>
-              <a:rPr lang="en-US" sz="1400" b="1" dirty="0" err="1" smtClean="0">
-                <a:solidFill>
-                  <a:schemeClr val="accent2"/>
-                </a:solidFill>
-                <a:latin typeface="Courier New" pitchFamily="49" charset="0"/>
-                <a:cs typeface="Courier New" pitchFamily="49" charset="0"/>
-              </a:rPr>
-              <a:t>bis.b</a:t>
-            </a:r>
-            <a:r>
-              <a:rPr lang="en-US" sz="1400" b="1" dirty="0" smtClean="0">
-                <a:solidFill>
-                  <a:schemeClr val="accent2"/>
-                </a:solidFill>
-                <a:latin typeface="Courier New" pitchFamily="49" charset="0"/>
-                <a:cs typeface="Courier New" pitchFamily="49" charset="0"/>
-              </a:rPr>
-              <a:t>  </a:t>
-            </a:r>
-            <a:r>
-              <a:rPr lang="en-US" sz="1400" b="1" dirty="0">
-                <a:solidFill>
-                  <a:schemeClr val="accent2"/>
-                </a:solidFill>
-                <a:latin typeface="Courier New" pitchFamily="49" charset="0"/>
-                <a:cs typeface="Courier New" pitchFamily="49" charset="0"/>
-              </a:rPr>
-              <a:t>#BIT3, &amp;P1OUT</a:t>
-            </a:r>
-          </a:p>
-          <a:p>
-            <a:pPr marL="0" indent="0">
-              <a:buNone/>
-            </a:pPr>
-            <a:r>
-              <a:rPr lang="en-US" sz="1400" b="1" dirty="0" smtClean="0">
-                <a:solidFill>
-                  <a:schemeClr val="accent2"/>
-                </a:solidFill>
-                <a:latin typeface="Courier New" pitchFamily="49" charset="0"/>
-                <a:cs typeface="Courier New" pitchFamily="49" charset="0"/>
-              </a:rPr>
-              <a:t>              </a:t>
-            </a:r>
-            <a:r>
-              <a:rPr lang="en-US" sz="1400" b="1" dirty="0" err="1" smtClean="0">
-                <a:solidFill>
-                  <a:schemeClr val="accent2"/>
-                </a:solidFill>
-                <a:latin typeface="Courier New" pitchFamily="49" charset="0"/>
-                <a:cs typeface="Courier New" pitchFamily="49" charset="0"/>
-              </a:rPr>
-              <a:t>bis.b</a:t>
-            </a:r>
-            <a:r>
-              <a:rPr lang="en-US" sz="1400" b="1" dirty="0" smtClean="0">
-                <a:solidFill>
-                  <a:schemeClr val="accent2"/>
-                </a:solidFill>
-                <a:latin typeface="Courier New" pitchFamily="49" charset="0"/>
-                <a:cs typeface="Courier New" pitchFamily="49" charset="0"/>
-              </a:rPr>
-              <a:t>  </a:t>
-            </a:r>
-            <a:r>
-              <a:rPr lang="en-US" sz="1400" b="1" dirty="0">
-                <a:solidFill>
-                  <a:schemeClr val="accent2"/>
-                </a:solidFill>
-                <a:latin typeface="Courier New" pitchFamily="49" charset="0"/>
-                <a:cs typeface="Courier New" pitchFamily="49" charset="0"/>
-              </a:rPr>
-              <a:t>#BIT3, &amp;P1REN</a:t>
-            </a:r>
-          </a:p>
-          <a:p>
-            <a:pPr marL="0" indent="0">
-              <a:buNone/>
-            </a:pPr>
-            <a:r>
-              <a:rPr lang="en-US" sz="1400" b="1" dirty="0" smtClean="0">
-                <a:solidFill>
-                  <a:schemeClr val="accent2"/>
-                </a:solidFill>
-                <a:latin typeface="Courier New" pitchFamily="49" charset="0"/>
-                <a:cs typeface="Courier New" pitchFamily="49" charset="0"/>
-              </a:rPr>
-              <a:t>              </a:t>
-            </a:r>
-            <a:r>
-              <a:rPr lang="en-US" sz="1400" b="1" dirty="0" err="1" smtClean="0">
-                <a:solidFill>
-                  <a:schemeClr val="accent2"/>
-                </a:solidFill>
-                <a:latin typeface="Courier New" pitchFamily="49" charset="0"/>
-                <a:cs typeface="Courier New" pitchFamily="49" charset="0"/>
-              </a:rPr>
-              <a:t>bic.b</a:t>
-            </a:r>
-            <a:r>
-              <a:rPr lang="en-US" sz="1400" b="1" dirty="0" smtClean="0">
-                <a:solidFill>
-                  <a:schemeClr val="accent2"/>
-                </a:solidFill>
-                <a:latin typeface="Courier New" pitchFamily="49" charset="0"/>
-                <a:cs typeface="Courier New" pitchFamily="49" charset="0"/>
-              </a:rPr>
-              <a:t>  </a:t>
-            </a:r>
-            <a:r>
-              <a:rPr lang="en-US" sz="1400" b="1" dirty="0">
-                <a:solidFill>
-                  <a:schemeClr val="accent2"/>
-                </a:solidFill>
-                <a:latin typeface="Courier New" pitchFamily="49" charset="0"/>
-                <a:cs typeface="Courier New" pitchFamily="49" charset="0"/>
-              </a:rPr>
-              <a:t>#BIT3, &amp;P1DIR</a:t>
-            </a:r>
-          </a:p>
-          <a:p>
-            <a:pPr marL="0" indent="0">
-              <a:buNone/>
-            </a:pPr>
-            <a:endParaRPr lang="en-US" sz="1400" b="1" dirty="0">
-              <a:solidFill>
-                <a:schemeClr val="accent2"/>
-              </a:solidFill>
-              <a:latin typeface="Courier New" pitchFamily="49" charset="0"/>
-              <a:cs typeface="Courier New" pitchFamily="49" charset="0"/>
-            </a:endParaRPr>
-          </a:p>
-          <a:p>
-            <a:pPr marL="0" indent="0">
-              <a:buNone/>
-            </a:pPr>
-            <a:r>
-              <a:rPr lang="en-US" sz="1400" b="1" dirty="0" smtClean="0">
-                <a:solidFill>
-                  <a:schemeClr val="accent2"/>
-                </a:solidFill>
-                <a:latin typeface="Courier New" pitchFamily="49" charset="0"/>
-                <a:cs typeface="Courier New" pitchFamily="49" charset="0"/>
-              </a:rPr>
-              <a:t>              </a:t>
-            </a:r>
-            <a:r>
-              <a:rPr lang="en-US" sz="1400" b="1" dirty="0" err="1" smtClean="0">
-                <a:solidFill>
-                  <a:schemeClr val="accent2"/>
-                </a:solidFill>
-                <a:latin typeface="Courier New" pitchFamily="49" charset="0"/>
-                <a:cs typeface="Courier New" pitchFamily="49" charset="0"/>
-              </a:rPr>
-              <a:t>clr</a:t>
-            </a:r>
-            <a:r>
-              <a:rPr lang="en-US" sz="1400" b="1" dirty="0" smtClean="0">
-                <a:solidFill>
-                  <a:schemeClr val="accent2"/>
-                </a:solidFill>
-                <a:latin typeface="Courier New" pitchFamily="49" charset="0"/>
-                <a:cs typeface="Courier New" pitchFamily="49" charset="0"/>
-              </a:rPr>
-              <a:t>    r4</a:t>
-            </a:r>
-            <a:endParaRPr lang="en-US" sz="1400" b="1" dirty="0">
-              <a:solidFill>
-                <a:schemeClr val="accent2"/>
-              </a:solidFill>
-              <a:latin typeface="Courier New" pitchFamily="49" charset="0"/>
-              <a:cs typeface="Courier New" pitchFamily="49" charset="0"/>
-            </a:endParaRPr>
-          </a:p>
-          <a:p>
-            <a:pPr marL="0" indent="0">
-              <a:buNone/>
-            </a:pPr>
-            <a:endParaRPr lang="en-US" sz="1400" b="1" dirty="0">
-              <a:solidFill>
-                <a:schemeClr val="accent2"/>
-              </a:solidFill>
-              <a:latin typeface="Courier New" pitchFamily="49" charset="0"/>
-              <a:cs typeface="Courier New" pitchFamily="49" charset="0"/>
-            </a:endParaRPr>
-          </a:p>
-          <a:p>
-            <a:pPr marL="0" indent="0">
-              <a:buNone/>
-            </a:pPr>
-            <a:r>
-              <a:rPr lang="en-US" sz="1400" b="1" dirty="0" err="1">
-                <a:solidFill>
-                  <a:schemeClr val="accent2"/>
-                </a:solidFill>
-                <a:latin typeface="Courier New" pitchFamily="49" charset="0"/>
-                <a:cs typeface="Courier New" pitchFamily="49" charset="0"/>
-              </a:rPr>
-              <a:t>check_btn</a:t>
-            </a:r>
-            <a:r>
-              <a:rPr lang="en-US" sz="1400" b="1" dirty="0">
-                <a:solidFill>
-                  <a:schemeClr val="accent2"/>
-                </a:solidFill>
-                <a:latin typeface="Courier New" pitchFamily="49" charset="0"/>
-                <a:cs typeface="Courier New" pitchFamily="49" charset="0"/>
-              </a:rPr>
-              <a:t>:    </a:t>
-            </a:r>
-            <a:r>
-              <a:rPr lang="en-US" sz="1400" b="1" dirty="0" err="1">
-                <a:solidFill>
-                  <a:schemeClr val="accent2"/>
-                </a:solidFill>
-                <a:latin typeface="Courier New" pitchFamily="49" charset="0"/>
-                <a:cs typeface="Courier New" pitchFamily="49" charset="0"/>
-              </a:rPr>
-              <a:t>bit.b</a:t>
-            </a:r>
-            <a:r>
-              <a:rPr lang="en-US" sz="1400" b="1" dirty="0">
-                <a:solidFill>
-                  <a:schemeClr val="accent2"/>
-                </a:solidFill>
-                <a:latin typeface="Courier New" pitchFamily="49" charset="0"/>
-                <a:cs typeface="Courier New" pitchFamily="49" charset="0"/>
-              </a:rPr>
-              <a:t>  #BIT3, &amp;P1IN</a:t>
-            </a:r>
-          </a:p>
-          <a:p>
-            <a:pPr marL="0" indent="0">
-              <a:buNone/>
-            </a:pPr>
-            <a:r>
-              <a:rPr lang="en-US" sz="1400" b="1" dirty="0" smtClean="0">
-                <a:solidFill>
-                  <a:schemeClr val="accent2"/>
-                </a:solidFill>
-                <a:latin typeface="Courier New" pitchFamily="49" charset="0"/>
-                <a:cs typeface="Courier New" pitchFamily="49" charset="0"/>
-              </a:rPr>
-              <a:t>              </a:t>
-            </a:r>
-            <a:r>
-              <a:rPr lang="en-US" sz="1400" b="1" dirty="0" err="1" smtClean="0">
-                <a:solidFill>
-                  <a:schemeClr val="accent2"/>
-                </a:solidFill>
-                <a:latin typeface="Courier New" pitchFamily="49" charset="0"/>
-                <a:cs typeface="Courier New" pitchFamily="49" charset="0"/>
-              </a:rPr>
-              <a:t>jz</a:t>
-            </a:r>
-            <a:r>
-              <a:rPr lang="en-US" sz="1400" b="1" dirty="0" smtClean="0">
-                <a:solidFill>
-                  <a:schemeClr val="accent2"/>
-                </a:solidFill>
-                <a:latin typeface="Courier New" pitchFamily="49" charset="0"/>
-                <a:cs typeface="Courier New" pitchFamily="49" charset="0"/>
-              </a:rPr>
-              <a:t>     </a:t>
-            </a:r>
-            <a:r>
-              <a:rPr lang="en-US" sz="1400" b="1" dirty="0" err="1" smtClean="0">
-                <a:solidFill>
-                  <a:schemeClr val="accent2"/>
-                </a:solidFill>
-                <a:latin typeface="Courier New" pitchFamily="49" charset="0"/>
-                <a:cs typeface="Courier New" pitchFamily="49" charset="0"/>
-              </a:rPr>
-              <a:t>btn_pushed</a:t>
-            </a:r>
-            <a:endParaRPr lang="en-US" sz="1400" b="1" dirty="0">
-              <a:solidFill>
-                <a:schemeClr val="accent2"/>
-              </a:solidFill>
-              <a:latin typeface="Courier New" pitchFamily="49" charset="0"/>
-              <a:cs typeface="Courier New" pitchFamily="49" charset="0"/>
-            </a:endParaRPr>
-          </a:p>
-          <a:p>
-            <a:pPr marL="0" indent="0">
-              <a:buNone/>
-            </a:pPr>
-            <a:r>
-              <a:rPr lang="en-US" sz="1400" b="1" dirty="0" smtClean="0">
-                <a:solidFill>
-                  <a:schemeClr val="accent2"/>
-                </a:solidFill>
-                <a:latin typeface="Courier New" pitchFamily="49" charset="0"/>
-                <a:cs typeface="Courier New" pitchFamily="49" charset="0"/>
-              </a:rPr>
-              <a:t>              </a:t>
-            </a:r>
-            <a:r>
-              <a:rPr lang="en-US" sz="1400" b="1" dirty="0" err="1" smtClean="0">
-                <a:solidFill>
-                  <a:schemeClr val="accent2"/>
-                </a:solidFill>
-                <a:latin typeface="Courier New" pitchFamily="49" charset="0"/>
-                <a:cs typeface="Courier New" pitchFamily="49" charset="0"/>
-              </a:rPr>
-              <a:t>jmp</a:t>
-            </a:r>
-            <a:r>
-              <a:rPr lang="en-US" sz="1400" b="1" dirty="0" smtClean="0">
-                <a:solidFill>
-                  <a:schemeClr val="accent2"/>
-                </a:solidFill>
-                <a:latin typeface="Courier New" pitchFamily="49" charset="0"/>
-                <a:cs typeface="Courier New" pitchFamily="49" charset="0"/>
-              </a:rPr>
-              <a:t>    </a:t>
-            </a:r>
-            <a:r>
-              <a:rPr lang="en-US" sz="1400" b="1" dirty="0" err="1" smtClean="0">
-                <a:solidFill>
-                  <a:schemeClr val="accent2"/>
-                </a:solidFill>
-                <a:latin typeface="Courier New" pitchFamily="49" charset="0"/>
-                <a:cs typeface="Courier New" pitchFamily="49" charset="0"/>
-              </a:rPr>
-              <a:t>check_btn</a:t>
-            </a:r>
-            <a:endParaRPr lang="en-US" sz="1400" b="1" dirty="0">
-              <a:solidFill>
-                <a:schemeClr val="accent2"/>
-              </a:solidFill>
-              <a:latin typeface="Courier New" pitchFamily="49" charset="0"/>
-              <a:cs typeface="Courier New" pitchFamily="49" charset="0"/>
-            </a:endParaRPr>
-          </a:p>
-          <a:p>
-            <a:pPr marL="0" indent="0">
-              <a:buNone/>
-            </a:pPr>
-            <a:endParaRPr lang="en-US" sz="1400" b="1" dirty="0">
-              <a:solidFill>
-                <a:schemeClr val="accent2"/>
-              </a:solidFill>
-              <a:latin typeface="Courier New" pitchFamily="49" charset="0"/>
-              <a:cs typeface="Courier New" pitchFamily="49" charset="0"/>
-            </a:endParaRPr>
-          </a:p>
-          <a:p>
-            <a:pPr marL="0" indent="0">
-              <a:buNone/>
-            </a:pPr>
-            <a:r>
-              <a:rPr lang="en-US" sz="1400" b="1" dirty="0" err="1">
-                <a:solidFill>
-                  <a:schemeClr val="accent2"/>
-                </a:solidFill>
-                <a:latin typeface="Courier New" pitchFamily="49" charset="0"/>
-                <a:cs typeface="Courier New" pitchFamily="49" charset="0"/>
-              </a:rPr>
-              <a:t>btn_pushed</a:t>
-            </a:r>
-            <a:r>
-              <a:rPr lang="en-US" sz="1400" b="1" dirty="0">
-                <a:solidFill>
-                  <a:schemeClr val="accent2"/>
-                </a:solidFill>
-                <a:latin typeface="Courier New" pitchFamily="49" charset="0"/>
-                <a:cs typeface="Courier New" pitchFamily="49" charset="0"/>
-              </a:rPr>
-              <a:t>:   </a:t>
-            </a:r>
-            <a:r>
-              <a:rPr lang="en-US" sz="1400" b="1" dirty="0" err="1">
-                <a:solidFill>
-                  <a:schemeClr val="accent2"/>
-                </a:solidFill>
-                <a:latin typeface="Courier New" pitchFamily="49" charset="0"/>
-                <a:cs typeface="Courier New" pitchFamily="49" charset="0"/>
-              </a:rPr>
-              <a:t>inc</a:t>
-            </a:r>
-            <a:r>
-              <a:rPr lang="en-US" sz="1400" b="1" dirty="0">
-                <a:solidFill>
-                  <a:schemeClr val="accent2"/>
-                </a:solidFill>
-                <a:latin typeface="Courier New" pitchFamily="49" charset="0"/>
-                <a:cs typeface="Courier New" pitchFamily="49" charset="0"/>
-              </a:rPr>
-              <a:t>    </a:t>
-            </a:r>
-            <a:r>
-              <a:rPr lang="en-US" sz="1400" b="1" dirty="0" smtClean="0">
-                <a:solidFill>
-                  <a:schemeClr val="accent2"/>
-                </a:solidFill>
-                <a:latin typeface="Courier New" pitchFamily="49" charset="0"/>
-                <a:cs typeface="Courier New" pitchFamily="49" charset="0"/>
-              </a:rPr>
-              <a:t>r4</a:t>
-            </a:r>
-            <a:endParaRPr lang="en-US" sz="1400" b="1" dirty="0">
-              <a:solidFill>
-                <a:schemeClr val="accent2"/>
-              </a:solidFill>
-              <a:latin typeface="Courier New" pitchFamily="49" charset="0"/>
-              <a:cs typeface="Courier New" pitchFamily="49" charset="0"/>
-            </a:endParaRPr>
-          </a:p>
-          <a:p>
-            <a:pPr marL="0" indent="0">
-              <a:buNone/>
-            </a:pPr>
-            <a:r>
-              <a:rPr lang="en-US" sz="1400" b="1" dirty="0">
-                <a:solidFill>
-                  <a:schemeClr val="accent2"/>
-                </a:solidFill>
-                <a:latin typeface="Courier New" pitchFamily="49" charset="0"/>
-                <a:cs typeface="Courier New" pitchFamily="49" charset="0"/>
-              </a:rPr>
-              <a:t>wait:         </a:t>
-            </a:r>
-            <a:r>
-              <a:rPr lang="en-US" sz="1400" b="1" dirty="0" err="1">
-                <a:solidFill>
-                  <a:schemeClr val="accent2"/>
-                </a:solidFill>
-                <a:latin typeface="Courier New" pitchFamily="49" charset="0"/>
-                <a:cs typeface="Courier New" pitchFamily="49" charset="0"/>
-              </a:rPr>
-              <a:t>bit.b</a:t>
-            </a:r>
-            <a:r>
-              <a:rPr lang="en-US" sz="1400" b="1" dirty="0">
-                <a:solidFill>
-                  <a:schemeClr val="accent2"/>
-                </a:solidFill>
-                <a:latin typeface="Courier New" pitchFamily="49" charset="0"/>
-                <a:cs typeface="Courier New" pitchFamily="49" charset="0"/>
-              </a:rPr>
-              <a:t>  #BIT3, &amp;P1IN</a:t>
-            </a:r>
-          </a:p>
-          <a:p>
-            <a:pPr marL="0" indent="0">
-              <a:buNone/>
-            </a:pPr>
-            <a:r>
-              <a:rPr lang="en-US" sz="1400" b="1" dirty="0">
-                <a:solidFill>
-                  <a:schemeClr val="accent2"/>
-                </a:solidFill>
-                <a:latin typeface="Courier New" pitchFamily="49" charset="0"/>
-                <a:cs typeface="Courier New" pitchFamily="49" charset="0"/>
-              </a:rPr>
-              <a:t>              </a:t>
-            </a:r>
-            <a:r>
-              <a:rPr lang="en-US" sz="1400" b="1" dirty="0" err="1" smtClean="0">
-                <a:solidFill>
-                  <a:schemeClr val="accent2"/>
-                </a:solidFill>
-                <a:latin typeface="Courier New" pitchFamily="49" charset="0"/>
-                <a:cs typeface="Courier New" pitchFamily="49" charset="0"/>
-              </a:rPr>
-              <a:t>jz</a:t>
-            </a:r>
-            <a:r>
-              <a:rPr lang="en-US" sz="1400" b="1" dirty="0" smtClean="0">
-                <a:solidFill>
-                  <a:schemeClr val="accent2"/>
-                </a:solidFill>
-                <a:latin typeface="Courier New" pitchFamily="49" charset="0"/>
-                <a:cs typeface="Courier New" pitchFamily="49" charset="0"/>
-              </a:rPr>
-              <a:t>     wait</a:t>
-            </a:r>
-          </a:p>
-          <a:p>
-            <a:pPr marL="0" indent="0">
-              <a:buNone/>
-            </a:pPr>
-            <a:r>
-              <a:rPr lang="en-US" sz="1400" b="1" dirty="0">
-                <a:solidFill>
-                  <a:schemeClr val="accent2"/>
-                </a:solidFill>
-                <a:latin typeface="Courier New" pitchFamily="49" charset="0"/>
-                <a:cs typeface="Courier New" pitchFamily="49" charset="0"/>
-              </a:rPr>
-              <a:t> </a:t>
-            </a:r>
-            <a:r>
-              <a:rPr lang="en-US" sz="1400" b="1" dirty="0" smtClean="0">
-                <a:solidFill>
-                  <a:schemeClr val="accent2"/>
-                </a:solidFill>
-                <a:latin typeface="Courier New" pitchFamily="49" charset="0"/>
-                <a:cs typeface="Courier New" pitchFamily="49" charset="0"/>
-              </a:rPr>
-              <a:t>             </a:t>
-            </a:r>
-            <a:r>
-              <a:rPr lang="en-US" sz="1400" b="1" dirty="0" err="1">
-                <a:solidFill>
-                  <a:schemeClr val="accent2"/>
-                </a:solidFill>
-                <a:latin typeface="Courier New" pitchFamily="49" charset="0"/>
-                <a:cs typeface="Courier New" pitchFamily="49" charset="0"/>
-              </a:rPr>
-              <a:t>inc</a:t>
-            </a:r>
-            <a:r>
-              <a:rPr lang="en-US" sz="1400" b="1" dirty="0">
-                <a:solidFill>
-                  <a:schemeClr val="accent2"/>
-                </a:solidFill>
-                <a:latin typeface="Courier New" pitchFamily="49" charset="0"/>
-                <a:cs typeface="Courier New" pitchFamily="49" charset="0"/>
-              </a:rPr>
-              <a:t>    </a:t>
-            </a:r>
-            <a:r>
-              <a:rPr lang="en-US" sz="1400" b="1" dirty="0" smtClean="0">
-                <a:solidFill>
-                  <a:schemeClr val="accent2"/>
-                </a:solidFill>
-                <a:latin typeface="Courier New" pitchFamily="49" charset="0"/>
-                <a:cs typeface="Courier New" pitchFamily="49" charset="0"/>
-              </a:rPr>
-              <a:t>r4</a:t>
-            </a:r>
-            <a:endParaRPr lang="en-US" sz="1400" b="1" dirty="0">
-              <a:solidFill>
-                <a:schemeClr val="accent2"/>
-              </a:solidFill>
-              <a:latin typeface="Courier New" pitchFamily="49" charset="0"/>
-              <a:cs typeface="Courier New" pitchFamily="49" charset="0"/>
-            </a:endParaRPr>
-          </a:p>
-          <a:p>
-            <a:pPr marL="0" indent="0">
-              <a:buNone/>
-            </a:pPr>
-            <a:r>
-              <a:rPr lang="en-US" sz="1400" b="1" dirty="0">
-                <a:solidFill>
-                  <a:schemeClr val="accent2"/>
-                </a:solidFill>
-                <a:latin typeface="Courier New" pitchFamily="49" charset="0"/>
-                <a:cs typeface="Courier New" pitchFamily="49" charset="0"/>
-              </a:rPr>
-              <a:t>              </a:t>
-            </a:r>
-            <a:r>
-              <a:rPr lang="en-US" sz="1400" b="1" dirty="0" err="1" smtClean="0">
-                <a:solidFill>
-                  <a:schemeClr val="accent2"/>
-                </a:solidFill>
-                <a:latin typeface="Courier New" pitchFamily="49" charset="0"/>
-                <a:cs typeface="Courier New" pitchFamily="49" charset="0"/>
-              </a:rPr>
-              <a:t>jmp</a:t>
-            </a:r>
-            <a:r>
-              <a:rPr lang="en-US" sz="1400" b="1" dirty="0" smtClean="0">
-                <a:solidFill>
-                  <a:schemeClr val="accent2"/>
-                </a:solidFill>
-                <a:latin typeface="Courier New" pitchFamily="49" charset="0"/>
-                <a:cs typeface="Courier New" pitchFamily="49" charset="0"/>
-              </a:rPr>
-              <a:t>    </a:t>
-            </a:r>
-            <a:r>
-              <a:rPr lang="en-US" sz="1400" b="1" dirty="0" err="1" smtClean="0">
-                <a:solidFill>
-                  <a:schemeClr val="accent2"/>
-                </a:solidFill>
-                <a:latin typeface="Courier New" pitchFamily="49" charset="0"/>
-                <a:cs typeface="Courier New" pitchFamily="49" charset="0"/>
-              </a:rPr>
-              <a:t>check_btn</a:t>
-            </a:r>
-            <a:endParaRPr lang="en-US" sz="1400" b="1" dirty="0"/>
+            <a:r>
+              <a:rPr lang="en-US" sz="2000" dirty="0" err="1" smtClean="0">
+                <a:solidFill>
+                  <a:schemeClr val="accent2"/>
+                </a:solidFill>
+              </a:rPr>
+              <a:t>Debouncing</a:t>
+            </a:r>
+            <a:r>
+              <a:rPr lang="en-US" sz="2000" dirty="0" smtClean="0">
+                <a:solidFill>
+                  <a:schemeClr val="accent2"/>
+                </a:solidFill>
+              </a:rPr>
+              <a:t>:   random bounces each time…</a:t>
+            </a:r>
+            <a:endParaRPr lang="en-US" sz="1600" dirty="0"/>
           </a:p>
         </p:txBody>
       </p:sp>
-      <p:sp>
-        <p:nvSpPr>
-          <p:cNvPr id="4" name="Right Brace 3"/>
-          <p:cNvSpPr/>
+      <p:pic>
+        <p:nvPicPr>
+          <p:cNvPr id="2050" name="Picture 2"/>
+          <p:cNvPicPr>
+            <a:picLocks noChangeAspect="1" noChangeArrowheads="1"/>
+          </p:cNvPicPr>
           <p:nvPr/>
-        </p:nvSpPr>
+        </p:nvPicPr>
+        <p:blipFill>
+          <a:blip r:embed="rId2">
+            <a:extLst>
+              <a:ext uri="{28A0092B-C50C-407E-A947-70E740481C1C}">
+                <a14:useLocalDpi xmlns:a14="http://schemas.microsoft.com/office/drawing/2010/main" val="0"/>
+              </a:ext>
+            </a:extLst>
+          </a:blip>
+          <a:srcRect/>
+          <a:stretch>
+            <a:fillRect/>
+          </a:stretch>
+        </p:blipFill>
         <p:spPr bwMode="auto">
           <a:xfrm>
-            <a:off x="4233041" y="3026979"/>
-            <a:ext cx="520262" cy="788276"/>
-          </a:xfrm>
-          <a:prstGeom prst="rightBrace">
-            <a:avLst/>
-          </a:prstGeom>
-          <a:noFill/>
-          <a:ln w="12700" cap="flat" cmpd="sng" algn="ctr">
-            <a:solidFill>
-              <a:schemeClr val="tx1"/>
-            </a:solidFill>
-            <a:prstDash val="solid"/>
-            <a:round/>
-            <a:headEnd type="none" w="med" len="med"/>
-            <a:tailEnd type="none" w="med" len="med"/>
-          </a:ln>
-          <a:effectLst/>
-        </p:spPr>
-        <p:txBody>
-          <a:bodyPr vert="horz" wrap="square" lIns="91440" tIns="45720" rIns="91440" bIns="45720" numCol="1" rtlCol="0" anchor="t" anchorCtr="0" compatLnSpc="1">
-            <a:prstTxWarp prst="textNoShape">
-              <a:avLst/>
-            </a:prstTxWarp>
-          </a:bodyPr>
-          <a:lstStyle/>
-          <a:p>
-            <a:pPr marL="0" marR="0" indent="0" algn="ctr" defTabSz="914400" rtl="0" eaLnBrk="0" fontAlgn="base" latinLnBrk="0" hangingPunct="0">
-              <a:lnSpc>
-                <a:spcPct val="100000"/>
-              </a:lnSpc>
-              <a:spcBef>
-                <a:spcPct val="0"/>
-              </a:spcBef>
-              <a:spcAft>
-                <a:spcPct val="0"/>
-              </a:spcAft>
-              <a:buClrTx/>
-              <a:buSzTx/>
-              <a:buFontTx/>
-              <a:buNone/>
-              <a:tabLst/>
-            </a:pPr>
-            <a:endParaRPr kumimoji="0" lang="en-US" sz="1600" b="0" i="0" u="none" strike="noStrike" cap="none" normalizeH="0" baseline="0" smtClean="0">
-              <a:ln>
-                <a:noFill/>
-              </a:ln>
-              <a:solidFill>
-                <a:schemeClr val="tx1"/>
-              </a:solidFill>
-              <a:effectLst/>
-              <a:latin typeface="Arial" charset="0"/>
-            </a:endParaRPr>
-          </a:p>
-        </p:txBody>
-      </p:sp>
-      <p:sp>
-        <p:nvSpPr>
-          <p:cNvPr id="5" name="TextBox 4"/>
-          <p:cNvSpPr txBox="1"/>
-          <p:nvPr/>
-        </p:nvSpPr>
-        <p:spPr>
-          <a:xfrm>
-            <a:off x="4753303" y="3190284"/>
-            <a:ext cx="3081293" cy="461665"/>
+            <a:off x="1702676" y="2409769"/>
+            <a:ext cx="5930974" cy="4448231"/>
           </a:xfrm>
           <a:prstGeom prst="rect">
             <a:avLst/>
           </a:prstGeom>
           <a:noFill/>
+          <a:ln>
+            <a:noFill/>
+          </a:ln>
+          <a:extLst>
+            <a:ext uri="{909E8E84-426E-40DD-AFC4-6F175D3DCCD1}">
+              <a14:hiddenFill xmlns:a14="http://schemas.microsoft.com/office/drawing/2010/main">
+                <a:solidFill>
+                  <a:schemeClr val="accent1"/>
+                </a:solidFill>
+              </a14:hiddenFill>
+            </a:ext>
+            <a:ext uri="{91240B29-F687-4F45-9708-019B960494DF}">
+              <a14:hiddenLine xmlns:a14="http://schemas.microsoft.com/office/drawing/2010/main" w="9525">
+                <a:solidFill>
+                  <a:schemeClr val="tx1"/>
+                </a:solidFill>
+                <a:miter lim="800000"/>
+                <a:headEnd/>
+                <a:tailEnd/>
+              </a14:hiddenLine>
+            </a:ext>
+          </a:extLst>
         </p:spPr>
-        <p:txBody>
-          <a:bodyPr wrap="none" rtlCol="0">
-            <a:spAutoFit/>
-          </a:bodyPr>
-          <a:lstStyle/>
-          <a:p>
-            <a:r>
-              <a:rPr lang="en-US" dirty="0" smtClean="0"/>
-              <a:t>Polling for button press</a:t>
-            </a:r>
-            <a:endParaRPr lang="en-US" dirty="0"/>
-          </a:p>
-        </p:txBody>
-      </p:sp>
-      <p:sp>
-        <p:nvSpPr>
-          <p:cNvPr id="6" name="Right Brace 5"/>
-          <p:cNvSpPr/>
-          <p:nvPr/>
-        </p:nvSpPr>
-        <p:spPr bwMode="auto">
-          <a:xfrm>
-            <a:off x="4233041" y="4025263"/>
-            <a:ext cx="520262" cy="1353930"/>
-          </a:xfrm>
-          <a:prstGeom prst="rightBrace">
-            <a:avLst/>
-          </a:prstGeom>
-          <a:noFill/>
-          <a:ln w="12700" cap="flat" cmpd="sng" algn="ctr">
-            <a:solidFill>
-              <a:schemeClr val="tx1"/>
-            </a:solidFill>
-            <a:prstDash val="solid"/>
-            <a:round/>
-            <a:headEnd type="none" w="med" len="med"/>
-            <a:tailEnd type="none" w="med" len="med"/>
-          </a:ln>
-          <a:effectLst/>
-        </p:spPr>
-        <p:txBody>
-          <a:bodyPr vert="horz" wrap="square" lIns="91440" tIns="45720" rIns="91440" bIns="45720" numCol="1" rtlCol="0" anchor="t" anchorCtr="0" compatLnSpc="1">
-            <a:prstTxWarp prst="textNoShape">
-              <a:avLst/>
-            </a:prstTxWarp>
-          </a:bodyPr>
-          <a:lstStyle/>
-          <a:p>
-            <a:pPr marL="0" marR="0" indent="0" algn="ctr" defTabSz="914400" rtl="0" eaLnBrk="0" fontAlgn="base" latinLnBrk="0" hangingPunct="0">
-              <a:lnSpc>
-                <a:spcPct val="100000"/>
-              </a:lnSpc>
-              <a:spcBef>
-                <a:spcPct val="0"/>
-              </a:spcBef>
-              <a:spcAft>
-                <a:spcPct val="0"/>
-              </a:spcAft>
-              <a:buClrTx/>
-              <a:buSzTx/>
-              <a:buFontTx/>
-              <a:buNone/>
-              <a:tabLst/>
-            </a:pPr>
-            <a:endParaRPr kumimoji="0" lang="en-US" sz="1600" b="0" i="0" u="none" strike="noStrike" cap="none" normalizeH="0" baseline="0" smtClean="0">
-              <a:ln>
-                <a:noFill/>
-              </a:ln>
-              <a:solidFill>
-                <a:schemeClr val="tx1"/>
-              </a:solidFill>
-              <a:effectLst/>
-              <a:latin typeface="Arial" charset="0"/>
-            </a:endParaRPr>
-          </a:p>
-        </p:txBody>
-      </p:sp>
-      <p:sp>
-        <p:nvSpPr>
-          <p:cNvPr id="7" name="TextBox 6"/>
-          <p:cNvSpPr txBox="1"/>
-          <p:nvPr/>
-        </p:nvSpPr>
-        <p:spPr>
-          <a:xfrm>
-            <a:off x="4753303" y="4286729"/>
-            <a:ext cx="3476297" cy="830997"/>
-          </a:xfrm>
-          <a:prstGeom prst="rect">
-            <a:avLst/>
-          </a:prstGeom>
-          <a:noFill/>
-        </p:spPr>
-        <p:txBody>
-          <a:bodyPr wrap="square" rtlCol="0">
-            <a:spAutoFit/>
-          </a:bodyPr>
-          <a:lstStyle/>
-          <a:p>
-            <a:r>
-              <a:rPr lang="en-US" dirty="0" smtClean="0"/>
-              <a:t>Subroutine to handle button press</a:t>
-            </a:r>
-            <a:endParaRPr lang="en-US" dirty="0"/>
-          </a:p>
-        </p:txBody>
-      </p:sp>
-      <p:sp>
-        <p:nvSpPr>
-          <p:cNvPr id="8" name="Rectangle 7"/>
-          <p:cNvSpPr/>
-          <p:nvPr/>
-        </p:nvSpPr>
-        <p:spPr bwMode="auto">
-          <a:xfrm>
-            <a:off x="985345" y="5549462"/>
-            <a:ext cx="6629400" cy="740979"/>
-          </a:xfrm>
-          <a:prstGeom prst="rect">
-            <a:avLst/>
-          </a:prstGeom>
-          <a:solidFill>
-            <a:srgbClr val="0070C0"/>
-          </a:solidFill>
-          <a:ln w="12700" cap="flat" cmpd="sng" algn="ctr">
-            <a:solidFill>
-              <a:srgbClr val="00B0F0"/>
-            </a:solidFill>
-            <a:prstDash val="solid"/>
-            <a:round/>
-            <a:headEnd type="none" w="med" len="med"/>
-            <a:tailEnd type="none" w="med" len="med"/>
-          </a:ln>
-          <a:effectLst/>
-        </p:spPr>
-        <p:txBody>
-          <a:bodyPr vert="horz" wrap="square" lIns="91440" tIns="45720" rIns="91440" bIns="45720" numCol="1" rtlCol="0" anchor="ctr" anchorCtr="0" compatLnSpc="1">
-            <a:prstTxWarp prst="textNoShape">
-              <a:avLst/>
-            </a:prstTxWarp>
-          </a:bodyPr>
-          <a:lstStyle/>
-          <a:p>
-            <a:pPr marL="0" marR="0" indent="0" algn="ctr" defTabSz="914400" rtl="0" eaLnBrk="0" fontAlgn="base" latinLnBrk="0" hangingPunct="0">
-              <a:lnSpc>
-                <a:spcPct val="100000"/>
-              </a:lnSpc>
-              <a:spcBef>
-                <a:spcPct val="0"/>
-              </a:spcBef>
-              <a:spcAft>
-                <a:spcPct val="0"/>
-              </a:spcAft>
-              <a:buClrTx/>
-              <a:buSzTx/>
-              <a:buFontTx/>
-              <a:buNone/>
-              <a:tabLst/>
-            </a:pPr>
-            <a:r>
-              <a:rPr kumimoji="0" lang="en-US" sz="1600" b="0" i="0" u="none" strike="noStrike" cap="none" normalizeH="0" baseline="0" dirty="0" smtClean="0">
-                <a:ln>
-                  <a:noFill/>
-                </a:ln>
-                <a:solidFill>
-                  <a:schemeClr val="bg1"/>
-                </a:solidFill>
-                <a:effectLst/>
-                <a:latin typeface="Arial" charset="0"/>
-              </a:rPr>
-              <a:t>So how does bouncing effect this software?</a:t>
-            </a:r>
-            <a:endParaRPr kumimoji="0" lang="en-US" sz="1600" b="0" i="0" u="none" strike="noStrike" cap="none" normalizeH="0" baseline="0" dirty="0" smtClean="0">
-              <a:ln>
-                <a:noFill/>
-              </a:ln>
-              <a:solidFill>
-                <a:schemeClr val="bg1"/>
-              </a:solidFill>
-              <a:effectLst/>
-              <a:latin typeface="Arial" charset="0"/>
-            </a:endParaRPr>
-          </a:p>
-        </p:txBody>
-      </p:sp>
+      </p:pic>
     </p:spTree>
     <p:extLst>
       <p:ext uri="{BB962C8B-B14F-4D97-AF65-F5344CB8AC3E}">
-        <p14:creationId xmlns:p14="http://schemas.microsoft.com/office/powerpoint/2010/main" val="879254010"/>
+        <p14:creationId xmlns:p14="http://schemas.microsoft.com/office/powerpoint/2010/main" val="3658102557"/>
       </p:ext>
     </p:extLst>
   </p:cSld>
@@ -8057,6 +7239,1071 @@
           <a:bodyPr/>
           <a:lstStyle/>
           <a:p>
+            <a:endParaRPr lang="en-US"/>
+          </a:p>
+        </p:txBody>
+      </p:sp>
+      <p:sp>
+        <p:nvSpPr>
+          <p:cNvPr id="3" name="Content Placeholder 2"/>
+          <p:cNvSpPr>
+            <a:spLocks noGrp="1"/>
+          </p:cNvSpPr>
+          <p:nvPr>
+            <p:ph idx="1"/>
+          </p:nvPr>
+        </p:nvSpPr>
+        <p:spPr/>
+        <p:txBody>
+          <a:bodyPr/>
+          <a:lstStyle/>
+          <a:p>
+            <a:endParaRPr lang="en-US"/>
+          </a:p>
+        </p:txBody>
+      </p:sp>
+      <p:pic>
+        <p:nvPicPr>
+          <p:cNvPr id="3074" name="Picture 2"/>
+          <p:cNvPicPr>
+            <a:picLocks noChangeAspect="1" noChangeArrowheads="1"/>
+          </p:cNvPicPr>
+          <p:nvPr/>
+        </p:nvPicPr>
+        <p:blipFill>
+          <a:blip r:embed="rId2">
+            <a:extLst>
+              <a:ext uri="{28A0092B-C50C-407E-A947-70E740481C1C}">
+                <a14:useLocalDpi xmlns:a14="http://schemas.microsoft.com/office/drawing/2010/main" val="0"/>
+              </a:ext>
+            </a:extLst>
+          </a:blip>
+          <a:srcRect/>
+          <a:stretch>
+            <a:fillRect/>
+          </a:stretch>
+        </p:blipFill>
+        <p:spPr bwMode="auto">
+          <a:xfrm>
+            <a:off x="0" y="0"/>
+            <a:ext cx="9753600" cy="7315200"/>
+          </a:xfrm>
+          <a:prstGeom prst="rect">
+            <a:avLst/>
+          </a:prstGeom>
+          <a:noFill/>
+          <a:ln>
+            <a:noFill/>
+          </a:ln>
+          <a:extLst>
+            <a:ext uri="{909E8E84-426E-40DD-AFC4-6F175D3DCCD1}">
+              <a14:hiddenFill xmlns:a14="http://schemas.microsoft.com/office/drawing/2010/main">
+                <a:solidFill>
+                  <a:schemeClr val="accent1"/>
+                </a:solidFill>
+              </a14:hiddenFill>
+            </a:ext>
+            <a:ext uri="{91240B29-F687-4F45-9708-019B960494DF}">
+              <a14:hiddenLine xmlns:a14="http://schemas.microsoft.com/office/drawing/2010/main" w="9525">
+                <a:solidFill>
+                  <a:schemeClr val="tx1"/>
+                </a:solidFill>
+                <a:miter lim="800000"/>
+                <a:headEnd/>
+                <a:tailEnd/>
+              </a14:hiddenLine>
+            </a:ext>
+          </a:extLst>
+        </p:spPr>
+      </p:pic>
+    </p:spTree>
+    <p:extLst>
+      <p:ext uri="{BB962C8B-B14F-4D97-AF65-F5344CB8AC3E}">
+        <p14:creationId xmlns:p14="http://schemas.microsoft.com/office/powerpoint/2010/main" val="538974518"/>
+      </p:ext>
+    </p:extLst>
+  </p:cSld>
+  <p:clrMapOvr>
+    <a:masterClrMapping/>
+  </p:clrMapOvr>
+  <p:timing>
+    <p:tnLst>
+      <p:par>
+        <p:cTn id="1" dur="indefinite" restart="never" nodeType="tmRoot"/>
+      </p:par>
+    </p:tnLst>
+  </p:timing>
+</p:sld>
+</file>
+
+<file path=ppt/slides/slide13.xml><?xml version="1.0" encoding="utf-8"?>
+<p:sld xmlns:a="http://schemas.openxmlformats.org/drawingml/2006/main" xmlns:r="http://schemas.openxmlformats.org/officeDocument/2006/relationships" xmlns:p="http://schemas.openxmlformats.org/presentationml/2006/main">
+  <p:cSld>
+    <p:spTree>
+      <p:nvGrpSpPr>
+        <p:cNvPr id="1" name=""/>
+        <p:cNvGrpSpPr/>
+        <p:nvPr/>
+      </p:nvGrpSpPr>
+      <p:grpSpPr>
+        <a:xfrm>
+          <a:off x="0" y="0"/>
+          <a:ext cx="0" cy="0"/>
+          <a:chOff x="0" y="0"/>
+          <a:chExt cx="0" cy="0"/>
+        </a:xfrm>
+      </p:grpSpPr>
+      <p:sp>
+        <p:nvSpPr>
+          <p:cNvPr id="2" name="Title 1"/>
+          <p:cNvSpPr>
+            <a:spLocks noGrp="1"/>
+          </p:cNvSpPr>
+          <p:nvPr>
+            <p:ph type="title"/>
+          </p:nvPr>
+        </p:nvSpPr>
+        <p:spPr/>
+        <p:txBody>
+          <a:bodyPr/>
+          <a:lstStyle/>
+          <a:p>
+            <a:r>
+              <a:rPr lang="en-US" dirty="0" err="1" smtClean="0"/>
+              <a:t>Debouncing</a:t>
+            </a:r>
+            <a:r>
+              <a:rPr lang="en-US" dirty="0" smtClean="0"/>
+              <a:t> and Polling</a:t>
+            </a:r>
+            <a:endParaRPr lang="en-US" dirty="0"/>
+          </a:p>
+        </p:txBody>
+      </p:sp>
+      <p:sp>
+        <p:nvSpPr>
+          <p:cNvPr id="3" name="Content Placeholder 2"/>
+          <p:cNvSpPr>
+            <a:spLocks noGrp="1"/>
+          </p:cNvSpPr>
+          <p:nvPr>
+            <p:ph idx="1"/>
+          </p:nvPr>
+        </p:nvSpPr>
+        <p:spPr/>
+        <p:txBody>
+          <a:bodyPr/>
+          <a:lstStyle/>
+          <a:p>
+            <a:pPr marL="0" indent="0">
+              <a:buNone/>
+            </a:pPr>
+            <a:r>
+              <a:rPr lang="en-US" sz="1400" b="1" dirty="0" smtClean="0">
+                <a:solidFill>
+                  <a:schemeClr val="accent2"/>
+                </a:solidFill>
+                <a:latin typeface="Courier New" pitchFamily="49" charset="0"/>
+                <a:cs typeface="Courier New" pitchFamily="49" charset="0"/>
+              </a:rPr>
+              <a:t>              </a:t>
+            </a:r>
+            <a:r>
+              <a:rPr lang="en-US" sz="1400" b="1" dirty="0" err="1" smtClean="0">
+                <a:solidFill>
+                  <a:schemeClr val="accent2"/>
+                </a:solidFill>
+                <a:latin typeface="Courier New" pitchFamily="49" charset="0"/>
+                <a:cs typeface="Courier New" pitchFamily="49" charset="0"/>
+              </a:rPr>
+              <a:t>bis.b</a:t>
+            </a:r>
+            <a:r>
+              <a:rPr lang="en-US" sz="1400" b="1" dirty="0" smtClean="0">
+                <a:solidFill>
+                  <a:schemeClr val="accent2"/>
+                </a:solidFill>
+                <a:latin typeface="Courier New" pitchFamily="49" charset="0"/>
+                <a:cs typeface="Courier New" pitchFamily="49" charset="0"/>
+              </a:rPr>
+              <a:t>  </a:t>
+            </a:r>
+            <a:r>
+              <a:rPr lang="en-US" sz="1400" b="1" dirty="0">
+                <a:solidFill>
+                  <a:schemeClr val="accent2"/>
+                </a:solidFill>
+                <a:latin typeface="Courier New" pitchFamily="49" charset="0"/>
+                <a:cs typeface="Courier New" pitchFamily="49" charset="0"/>
+              </a:rPr>
+              <a:t>#BIT3, &amp;P1OUT</a:t>
+            </a:r>
+          </a:p>
+          <a:p>
+            <a:pPr marL="0" indent="0">
+              <a:buNone/>
+            </a:pPr>
+            <a:r>
+              <a:rPr lang="en-US" sz="1400" b="1" dirty="0" smtClean="0">
+                <a:solidFill>
+                  <a:schemeClr val="accent2"/>
+                </a:solidFill>
+                <a:latin typeface="Courier New" pitchFamily="49" charset="0"/>
+                <a:cs typeface="Courier New" pitchFamily="49" charset="0"/>
+              </a:rPr>
+              <a:t>              </a:t>
+            </a:r>
+            <a:r>
+              <a:rPr lang="en-US" sz="1400" b="1" dirty="0" err="1" smtClean="0">
+                <a:solidFill>
+                  <a:schemeClr val="accent2"/>
+                </a:solidFill>
+                <a:latin typeface="Courier New" pitchFamily="49" charset="0"/>
+                <a:cs typeface="Courier New" pitchFamily="49" charset="0"/>
+              </a:rPr>
+              <a:t>bis.b</a:t>
+            </a:r>
+            <a:r>
+              <a:rPr lang="en-US" sz="1400" b="1" dirty="0" smtClean="0">
+                <a:solidFill>
+                  <a:schemeClr val="accent2"/>
+                </a:solidFill>
+                <a:latin typeface="Courier New" pitchFamily="49" charset="0"/>
+                <a:cs typeface="Courier New" pitchFamily="49" charset="0"/>
+              </a:rPr>
+              <a:t>  </a:t>
+            </a:r>
+            <a:r>
+              <a:rPr lang="en-US" sz="1400" b="1" dirty="0">
+                <a:solidFill>
+                  <a:schemeClr val="accent2"/>
+                </a:solidFill>
+                <a:latin typeface="Courier New" pitchFamily="49" charset="0"/>
+                <a:cs typeface="Courier New" pitchFamily="49" charset="0"/>
+              </a:rPr>
+              <a:t>#BIT3, &amp;P1REN</a:t>
+            </a:r>
+          </a:p>
+          <a:p>
+            <a:pPr marL="0" indent="0">
+              <a:buNone/>
+            </a:pPr>
+            <a:r>
+              <a:rPr lang="en-US" sz="1400" b="1" dirty="0" smtClean="0">
+                <a:solidFill>
+                  <a:schemeClr val="accent2"/>
+                </a:solidFill>
+                <a:latin typeface="Courier New" pitchFamily="49" charset="0"/>
+                <a:cs typeface="Courier New" pitchFamily="49" charset="0"/>
+              </a:rPr>
+              <a:t>              </a:t>
+            </a:r>
+            <a:r>
+              <a:rPr lang="en-US" sz="1400" b="1" dirty="0" err="1" smtClean="0">
+                <a:solidFill>
+                  <a:schemeClr val="accent2"/>
+                </a:solidFill>
+                <a:latin typeface="Courier New" pitchFamily="49" charset="0"/>
+                <a:cs typeface="Courier New" pitchFamily="49" charset="0"/>
+              </a:rPr>
+              <a:t>bic.b</a:t>
+            </a:r>
+            <a:r>
+              <a:rPr lang="en-US" sz="1400" b="1" dirty="0" smtClean="0">
+                <a:solidFill>
+                  <a:schemeClr val="accent2"/>
+                </a:solidFill>
+                <a:latin typeface="Courier New" pitchFamily="49" charset="0"/>
+                <a:cs typeface="Courier New" pitchFamily="49" charset="0"/>
+              </a:rPr>
+              <a:t>  </a:t>
+            </a:r>
+            <a:r>
+              <a:rPr lang="en-US" sz="1400" b="1" dirty="0">
+                <a:solidFill>
+                  <a:schemeClr val="accent2"/>
+                </a:solidFill>
+                <a:latin typeface="Courier New" pitchFamily="49" charset="0"/>
+                <a:cs typeface="Courier New" pitchFamily="49" charset="0"/>
+              </a:rPr>
+              <a:t>#BIT3, &amp;P1DIR</a:t>
+            </a:r>
+          </a:p>
+          <a:p>
+            <a:pPr marL="0" indent="0">
+              <a:buNone/>
+            </a:pPr>
+            <a:endParaRPr lang="en-US" sz="1400" b="1" dirty="0">
+              <a:solidFill>
+                <a:schemeClr val="accent2"/>
+              </a:solidFill>
+              <a:latin typeface="Courier New" pitchFamily="49" charset="0"/>
+              <a:cs typeface="Courier New" pitchFamily="49" charset="0"/>
+            </a:endParaRPr>
+          </a:p>
+          <a:p>
+            <a:pPr marL="0" indent="0">
+              <a:buNone/>
+            </a:pPr>
+            <a:r>
+              <a:rPr lang="en-US" sz="1400" b="1" dirty="0" smtClean="0">
+                <a:solidFill>
+                  <a:schemeClr val="accent2"/>
+                </a:solidFill>
+                <a:latin typeface="Courier New" pitchFamily="49" charset="0"/>
+                <a:cs typeface="Courier New" pitchFamily="49" charset="0"/>
+              </a:rPr>
+              <a:t>              </a:t>
+            </a:r>
+            <a:r>
+              <a:rPr lang="en-US" sz="1400" b="1" dirty="0" err="1" smtClean="0">
+                <a:solidFill>
+                  <a:schemeClr val="accent2"/>
+                </a:solidFill>
+                <a:latin typeface="Courier New" pitchFamily="49" charset="0"/>
+                <a:cs typeface="Courier New" pitchFamily="49" charset="0"/>
+              </a:rPr>
+              <a:t>clr</a:t>
+            </a:r>
+            <a:r>
+              <a:rPr lang="en-US" sz="1400" b="1" dirty="0" smtClean="0">
+                <a:solidFill>
+                  <a:schemeClr val="accent2"/>
+                </a:solidFill>
+                <a:latin typeface="Courier New" pitchFamily="49" charset="0"/>
+                <a:cs typeface="Courier New" pitchFamily="49" charset="0"/>
+              </a:rPr>
+              <a:t>    r4</a:t>
+            </a:r>
+            <a:endParaRPr lang="en-US" sz="1400" b="1" dirty="0">
+              <a:solidFill>
+                <a:schemeClr val="accent2"/>
+              </a:solidFill>
+              <a:latin typeface="Courier New" pitchFamily="49" charset="0"/>
+              <a:cs typeface="Courier New" pitchFamily="49" charset="0"/>
+            </a:endParaRPr>
+          </a:p>
+          <a:p>
+            <a:pPr marL="0" indent="0">
+              <a:buNone/>
+            </a:pPr>
+            <a:endParaRPr lang="en-US" sz="1400" b="1" dirty="0">
+              <a:solidFill>
+                <a:schemeClr val="accent2"/>
+              </a:solidFill>
+              <a:latin typeface="Courier New" pitchFamily="49" charset="0"/>
+              <a:cs typeface="Courier New" pitchFamily="49" charset="0"/>
+            </a:endParaRPr>
+          </a:p>
+          <a:p>
+            <a:pPr marL="0" indent="0">
+              <a:buNone/>
+            </a:pPr>
+            <a:r>
+              <a:rPr lang="en-US" sz="1400" b="1" dirty="0" err="1">
+                <a:solidFill>
+                  <a:schemeClr val="accent2"/>
+                </a:solidFill>
+                <a:latin typeface="Courier New" pitchFamily="49" charset="0"/>
+                <a:cs typeface="Courier New" pitchFamily="49" charset="0"/>
+              </a:rPr>
+              <a:t>check_btn</a:t>
+            </a:r>
+            <a:r>
+              <a:rPr lang="en-US" sz="1400" b="1" dirty="0">
+                <a:solidFill>
+                  <a:schemeClr val="accent2"/>
+                </a:solidFill>
+                <a:latin typeface="Courier New" pitchFamily="49" charset="0"/>
+                <a:cs typeface="Courier New" pitchFamily="49" charset="0"/>
+              </a:rPr>
+              <a:t>:    </a:t>
+            </a:r>
+            <a:r>
+              <a:rPr lang="en-US" sz="1400" b="1" dirty="0" err="1">
+                <a:solidFill>
+                  <a:schemeClr val="accent2"/>
+                </a:solidFill>
+                <a:latin typeface="Courier New" pitchFamily="49" charset="0"/>
+                <a:cs typeface="Courier New" pitchFamily="49" charset="0"/>
+              </a:rPr>
+              <a:t>bit.b</a:t>
+            </a:r>
+            <a:r>
+              <a:rPr lang="en-US" sz="1400" b="1" dirty="0">
+                <a:solidFill>
+                  <a:schemeClr val="accent2"/>
+                </a:solidFill>
+                <a:latin typeface="Courier New" pitchFamily="49" charset="0"/>
+                <a:cs typeface="Courier New" pitchFamily="49" charset="0"/>
+              </a:rPr>
+              <a:t>  #BIT3, &amp;P1IN</a:t>
+            </a:r>
+          </a:p>
+          <a:p>
+            <a:pPr marL="0" indent="0">
+              <a:buNone/>
+            </a:pPr>
+            <a:r>
+              <a:rPr lang="en-US" sz="1400" b="1" dirty="0" smtClean="0">
+                <a:solidFill>
+                  <a:schemeClr val="accent2"/>
+                </a:solidFill>
+                <a:latin typeface="Courier New" pitchFamily="49" charset="0"/>
+                <a:cs typeface="Courier New" pitchFamily="49" charset="0"/>
+              </a:rPr>
+              <a:t>              </a:t>
+            </a:r>
+            <a:r>
+              <a:rPr lang="en-US" sz="1400" b="1" dirty="0" err="1" smtClean="0">
+                <a:solidFill>
+                  <a:schemeClr val="accent2"/>
+                </a:solidFill>
+                <a:latin typeface="Courier New" pitchFamily="49" charset="0"/>
+                <a:cs typeface="Courier New" pitchFamily="49" charset="0"/>
+              </a:rPr>
+              <a:t>jz</a:t>
+            </a:r>
+            <a:r>
+              <a:rPr lang="en-US" sz="1400" b="1" dirty="0" smtClean="0">
+                <a:solidFill>
+                  <a:schemeClr val="accent2"/>
+                </a:solidFill>
+                <a:latin typeface="Courier New" pitchFamily="49" charset="0"/>
+                <a:cs typeface="Courier New" pitchFamily="49" charset="0"/>
+              </a:rPr>
+              <a:t>     </a:t>
+            </a:r>
+            <a:r>
+              <a:rPr lang="en-US" sz="1400" b="1" dirty="0" err="1" smtClean="0">
+                <a:solidFill>
+                  <a:schemeClr val="accent2"/>
+                </a:solidFill>
+                <a:latin typeface="Courier New" pitchFamily="49" charset="0"/>
+                <a:cs typeface="Courier New" pitchFamily="49" charset="0"/>
+              </a:rPr>
+              <a:t>btn_pushed</a:t>
+            </a:r>
+            <a:endParaRPr lang="en-US" sz="1400" b="1" dirty="0">
+              <a:solidFill>
+                <a:schemeClr val="accent2"/>
+              </a:solidFill>
+              <a:latin typeface="Courier New" pitchFamily="49" charset="0"/>
+              <a:cs typeface="Courier New" pitchFamily="49" charset="0"/>
+            </a:endParaRPr>
+          </a:p>
+          <a:p>
+            <a:pPr marL="0" indent="0">
+              <a:buNone/>
+            </a:pPr>
+            <a:r>
+              <a:rPr lang="en-US" sz="1400" b="1" dirty="0" smtClean="0">
+                <a:solidFill>
+                  <a:schemeClr val="accent2"/>
+                </a:solidFill>
+                <a:latin typeface="Courier New" pitchFamily="49" charset="0"/>
+                <a:cs typeface="Courier New" pitchFamily="49" charset="0"/>
+              </a:rPr>
+              <a:t>              </a:t>
+            </a:r>
+            <a:r>
+              <a:rPr lang="en-US" sz="1400" b="1" dirty="0" err="1" smtClean="0">
+                <a:solidFill>
+                  <a:schemeClr val="accent2"/>
+                </a:solidFill>
+                <a:latin typeface="Courier New" pitchFamily="49" charset="0"/>
+                <a:cs typeface="Courier New" pitchFamily="49" charset="0"/>
+              </a:rPr>
+              <a:t>jmp</a:t>
+            </a:r>
+            <a:r>
+              <a:rPr lang="en-US" sz="1400" b="1" dirty="0" smtClean="0">
+                <a:solidFill>
+                  <a:schemeClr val="accent2"/>
+                </a:solidFill>
+                <a:latin typeface="Courier New" pitchFamily="49" charset="0"/>
+                <a:cs typeface="Courier New" pitchFamily="49" charset="0"/>
+              </a:rPr>
+              <a:t>    </a:t>
+            </a:r>
+            <a:r>
+              <a:rPr lang="en-US" sz="1400" b="1" dirty="0" err="1" smtClean="0">
+                <a:solidFill>
+                  <a:schemeClr val="accent2"/>
+                </a:solidFill>
+                <a:latin typeface="Courier New" pitchFamily="49" charset="0"/>
+                <a:cs typeface="Courier New" pitchFamily="49" charset="0"/>
+              </a:rPr>
+              <a:t>check_btn</a:t>
+            </a:r>
+            <a:endParaRPr lang="en-US" sz="1400" b="1" dirty="0">
+              <a:solidFill>
+                <a:schemeClr val="accent2"/>
+              </a:solidFill>
+              <a:latin typeface="Courier New" pitchFamily="49" charset="0"/>
+              <a:cs typeface="Courier New" pitchFamily="49" charset="0"/>
+            </a:endParaRPr>
+          </a:p>
+          <a:p>
+            <a:pPr marL="0" indent="0">
+              <a:buNone/>
+            </a:pPr>
+            <a:endParaRPr lang="en-US" sz="1400" b="1" dirty="0">
+              <a:solidFill>
+                <a:schemeClr val="accent2"/>
+              </a:solidFill>
+              <a:latin typeface="Courier New" pitchFamily="49" charset="0"/>
+              <a:cs typeface="Courier New" pitchFamily="49" charset="0"/>
+            </a:endParaRPr>
+          </a:p>
+          <a:p>
+            <a:pPr marL="0" indent="0">
+              <a:buNone/>
+            </a:pPr>
+            <a:r>
+              <a:rPr lang="en-US" sz="1400" b="1" dirty="0" err="1">
+                <a:solidFill>
+                  <a:schemeClr val="accent2"/>
+                </a:solidFill>
+                <a:latin typeface="Courier New" pitchFamily="49" charset="0"/>
+                <a:cs typeface="Courier New" pitchFamily="49" charset="0"/>
+              </a:rPr>
+              <a:t>btn_pushed</a:t>
+            </a:r>
+            <a:r>
+              <a:rPr lang="en-US" sz="1400" b="1" dirty="0">
+                <a:solidFill>
+                  <a:schemeClr val="accent2"/>
+                </a:solidFill>
+                <a:latin typeface="Courier New" pitchFamily="49" charset="0"/>
+                <a:cs typeface="Courier New" pitchFamily="49" charset="0"/>
+              </a:rPr>
+              <a:t>:   </a:t>
+            </a:r>
+            <a:r>
+              <a:rPr lang="en-US" sz="1400" b="1" dirty="0" err="1">
+                <a:solidFill>
+                  <a:schemeClr val="accent2"/>
+                </a:solidFill>
+                <a:latin typeface="Courier New" pitchFamily="49" charset="0"/>
+                <a:cs typeface="Courier New" pitchFamily="49" charset="0"/>
+              </a:rPr>
+              <a:t>inc</a:t>
+            </a:r>
+            <a:r>
+              <a:rPr lang="en-US" sz="1400" b="1" dirty="0">
+                <a:solidFill>
+                  <a:schemeClr val="accent2"/>
+                </a:solidFill>
+                <a:latin typeface="Courier New" pitchFamily="49" charset="0"/>
+                <a:cs typeface="Courier New" pitchFamily="49" charset="0"/>
+              </a:rPr>
+              <a:t>    </a:t>
+            </a:r>
+            <a:r>
+              <a:rPr lang="en-US" sz="1400" b="1" dirty="0" smtClean="0">
+                <a:solidFill>
+                  <a:schemeClr val="accent2"/>
+                </a:solidFill>
+                <a:latin typeface="Courier New" pitchFamily="49" charset="0"/>
+                <a:cs typeface="Courier New" pitchFamily="49" charset="0"/>
+              </a:rPr>
+              <a:t>r4</a:t>
+            </a:r>
+            <a:endParaRPr lang="en-US" sz="1400" b="1" dirty="0">
+              <a:solidFill>
+                <a:schemeClr val="accent2"/>
+              </a:solidFill>
+              <a:latin typeface="Courier New" pitchFamily="49" charset="0"/>
+              <a:cs typeface="Courier New" pitchFamily="49" charset="0"/>
+            </a:endParaRPr>
+          </a:p>
+          <a:p>
+            <a:pPr marL="0" indent="0">
+              <a:buNone/>
+            </a:pPr>
+            <a:r>
+              <a:rPr lang="en-US" sz="1400" b="1" dirty="0">
+                <a:solidFill>
+                  <a:schemeClr val="accent2"/>
+                </a:solidFill>
+                <a:latin typeface="Courier New" pitchFamily="49" charset="0"/>
+                <a:cs typeface="Courier New" pitchFamily="49" charset="0"/>
+              </a:rPr>
+              <a:t>wait:         </a:t>
+            </a:r>
+            <a:r>
+              <a:rPr lang="en-US" sz="1400" b="1" dirty="0" err="1">
+                <a:solidFill>
+                  <a:schemeClr val="accent2"/>
+                </a:solidFill>
+                <a:latin typeface="Courier New" pitchFamily="49" charset="0"/>
+                <a:cs typeface="Courier New" pitchFamily="49" charset="0"/>
+              </a:rPr>
+              <a:t>bit.b</a:t>
+            </a:r>
+            <a:r>
+              <a:rPr lang="en-US" sz="1400" b="1" dirty="0">
+                <a:solidFill>
+                  <a:schemeClr val="accent2"/>
+                </a:solidFill>
+                <a:latin typeface="Courier New" pitchFamily="49" charset="0"/>
+                <a:cs typeface="Courier New" pitchFamily="49" charset="0"/>
+              </a:rPr>
+              <a:t>  #BIT3, &amp;P1IN</a:t>
+            </a:r>
+          </a:p>
+          <a:p>
+            <a:pPr marL="0" indent="0">
+              <a:buNone/>
+            </a:pPr>
+            <a:r>
+              <a:rPr lang="en-US" sz="1400" b="1" dirty="0">
+                <a:solidFill>
+                  <a:schemeClr val="accent2"/>
+                </a:solidFill>
+                <a:latin typeface="Courier New" pitchFamily="49" charset="0"/>
+                <a:cs typeface="Courier New" pitchFamily="49" charset="0"/>
+              </a:rPr>
+              <a:t>              </a:t>
+            </a:r>
+            <a:r>
+              <a:rPr lang="en-US" sz="1400" b="1" dirty="0" err="1" smtClean="0">
+                <a:solidFill>
+                  <a:schemeClr val="accent2"/>
+                </a:solidFill>
+                <a:latin typeface="Courier New" pitchFamily="49" charset="0"/>
+                <a:cs typeface="Courier New" pitchFamily="49" charset="0"/>
+              </a:rPr>
+              <a:t>jz</a:t>
+            </a:r>
+            <a:r>
+              <a:rPr lang="en-US" sz="1400" b="1" dirty="0" smtClean="0">
+                <a:solidFill>
+                  <a:schemeClr val="accent2"/>
+                </a:solidFill>
+                <a:latin typeface="Courier New" pitchFamily="49" charset="0"/>
+                <a:cs typeface="Courier New" pitchFamily="49" charset="0"/>
+              </a:rPr>
+              <a:t>     wait</a:t>
+            </a:r>
+          </a:p>
+          <a:p>
+            <a:pPr marL="0" indent="0">
+              <a:buNone/>
+            </a:pPr>
+            <a:r>
+              <a:rPr lang="en-US" sz="1400" b="1" dirty="0">
+                <a:solidFill>
+                  <a:schemeClr val="accent2"/>
+                </a:solidFill>
+                <a:latin typeface="Courier New" pitchFamily="49" charset="0"/>
+                <a:cs typeface="Courier New" pitchFamily="49" charset="0"/>
+              </a:rPr>
+              <a:t> </a:t>
+            </a:r>
+            <a:r>
+              <a:rPr lang="en-US" sz="1400" b="1" dirty="0" smtClean="0">
+                <a:solidFill>
+                  <a:schemeClr val="accent2"/>
+                </a:solidFill>
+                <a:latin typeface="Courier New" pitchFamily="49" charset="0"/>
+                <a:cs typeface="Courier New" pitchFamily="49" charset="0"/>
+              </a:rPr>
+              <a:t>             </a:t>
+            </a:r>
+            <a:r>
+              <a:rPr lang="en-US" sz="1400" b="1" dirty="0" err="1">
+                <a:solidFill>
+                  <a:schemeClr val="accent2"/>
+                </a:solidFill>
+                <a:latin typeface="Courier New" pitchFamily="49" charset="0"/>
+                <a:cs typeface="Courier New" pitchFamily="49" charset="0"/>
+              </a:rPr>
+              <a:t>inc</a:t>
+            </a:r>
+            <a:r>
+              <a:rPr lang="en-US" sz="1400" b="1" dirty="0">
+                <a:solidFill>
+                  <a:schemeClr val="accent2"/>
+                </a:solidFill>
+                <a:latin typeface="Courier New" pitchFamily="49" charset="0"/>
+                <a:cs typeface="Courier New" pitchFamily="49" charset="0"/>
+              </a:rPr>
+              <a:t>    </a:t>
+            </a:r>
+            <a:r>
+              <a:rPr lang="en-US" sz="1400" b="1" dirty="0" smtClean="0">
+                <a:solidFill>
+                  <a:schemeClr val="accent2"/>
+                </a:solidFill>
+                <a:latin typeface="Courier New" pitchFamily="49" charset="0"/>
+                <a:cs typeface="Courier New" pitchFamily="49" charset="0"/>
+              </a:rPr>
+              <a:t>r4</a:t>
+            </a:r>
+            <a:endParaRPr lang="en-US" sz="1400" b="1" dirty="0">
+              <a:solidFill>
+                <a:schemeClr val="accent2"/>
+              </a:solidFill>
+              <a:latin typeface="Courier New" pitchFamily="49" charset="0"/>
+              <a:cs typeface="Courier New" pitchFamily="49" charset="0"/>
+            </a:endParaRPr>
+          </a:p>
+          <a:p>
+            <a:pPr marL="0" indent="0">
+              <a:buNone/>
+            </a:pPr>
+            <a:r>
+              <a:rPr lang="en-US" sz="1400" b="1" dirty="0">
+                <a:solidFill>
+                  <a:schemeClr val="accent2"/>
+                </a:solidFill>
+                <a:latin typeface="Courier New" pitchFamily="49" charset="0"/>
+                <a:cs typeface="Courier New" pitchFamily="49" charset="0"/>
+              </a:rPr>
+              <a:t>              </a:t>
+            </a:r>
+            <a:r>
+              <a:rPr lang="en-US" sz="1400" b="1" dirty="0" err="1" smtClean="0">
+                <a:solidFill>
+                  <a:schemeClr val="accent2"/>
+                </a:solidFill>
+                <a:latin typeface="Courier New" pitchFamily="49" charset="0"/>
+                <a:cs typeface="Courier New" pitchFamily="49" charset="0"/>
+              </a:rPr>
+              <a:t>jmp</a:t>
+            </a:r>
+            <a:r>
+              <a:rPr lang="en-US" sz="1400" b="1" dirty="0" smtClean="0">
+                <a:solidFill>
+                  <a:schemeClr val="accent2"/>
+                </a:solidFill>
+                <a:latin typeface="Courier New" pitchFamily="49" charset="0"/>
+                <a:cs typeface="Courier New" pitchFamily="49" charset="0"/>
+              </a:rPr>
+              <a:t>    </a:t>
+            </a:r>
+            <a:r>
+              <a:rPr lang="en-US" sz="1400" b="1" dirty="0" err="1" smtClean="0">
+                <a:solidFill>
+                  <a:schemeClr val="accent2"/>
+                </a:solidFill>
+                <a:latin typeface="Courier New" pitchFamily="49" charset="0"/>
+                <a:cs typeface="Courier New" pitchFamily="49" charset="0"/>
+              </a:rPr>
+              <a:t>check_btn</a:t>
+            </a:r>
+            <a:endParaRPr lang="en-US" sz="1400" b="1" dirty="0"/>
+          </a:p>
+        </p:txBody>
+      </p:sp>
+      <p:sp>
+        <p:nvSpPr>
+          <p:cNvPr id="4" name="Right Brace 3"/>
+          <p:cNvSpPr/>
+          <p:nvPr/>
+        </p:nvSpPr>
+        <p:spPr bwMode="auto">
+          <a:xfrm>
+            <a:off x="4233041" y="3026979"/>
+            <a:ext cx="520262" cy="788276"/>
+          </a:xfrm>
+          <a:prstGeom prst="rightBrace">
+            <a:avLst/>
+          </a:prstGeom>
+          <a:noFill/>
+          <a:ln w="12700" cap="flat" cmpd="sng" algn="ctr">
+            <a:solidFill>
+              <a:schemeClr val="tx1"/>
+            </a:solidFill>
+            <a:prstDash val="solid"/>
+            <a:round/>
+            <a:headEnd type="none" w="med" len="med"/>
+            <a:tailEnd type="none" w="med" len="med"/>
+          </a:ln>
+          <a:effectLst/>
+        </p:spPr>
+        <p:txBody>
+          <a:bodyPr vert="horz" wrap="square" lIns="91440" tIns="45720" rIns="91440" bIns="45720" numCol="1" rtlCol="0" anchor="t" anchorCtr="0" compatLnSpc="1">
+            <a:prstTxWarp prst="textNoShape">
+              <a:avLst/>
+            </a:prstTxWarp>
+          </a:bodyPr>
+          <a:lstStyle/>
+          <a:p>
+            <a:pPr marL="0" marR="0" indent="0" algn="ctr" defTabSz="914400" rtl="0" eaLnBrk="0" fontAlgn="base" latinLnBrk="0" hangingPunct="0">
+              <a:lnSpc>
+                <a:spcPct val="100000"/>
+              </a:lnSpc>
+              <a:spcBef>
+                <a:spcPct val="0"/>
+              </a:spcBef>
+              <a:spcAft>
+                <a:spcPct val="0"/>
+              </a:spcAft>
+              <a:buClrTx/>
+              <a:buSzTx/>
+              <a:buFontTx/>
+              <a:buNone/>
+              <a:tabLst/>
+            </a:pPr>
+            <a:endParaRPr kumimoji="0" lang="en-US" sz="1600" b="0" i="0" u="none" strike="noStrike" cap="none" normalizeH="0" baseline="0" smtClean="0">
+              <a:ln>
+                <a:noFill/>
+              </a:ln>
+              <a:solidFill>
+                <a:schemeClr val="tx1"/>
+              </a:solidFill>
+              <a:effectLst/>
+              <a:latin typeface="Arial" charset="0"/>
+            </a:endParaRPr>
+          </a:p>
+        </p:txBody>
+      </p:sp>
+      <p:sp>
+        <p:nvSpPr>
+          <p:cNvPr id="5" name="TextBox 4"/>
+          <p:cNvSpPr txBox="1"/>
+          <p:nvPr/>
+        </p:nvSpPr>
+        <p:spPr>
+          <a:xfrm>
+            <a:off x="4753303" y="3190284"/>
+            <a:ext cx="3081293" cy="461665"/>
+          </a:xfrm>
+          <a:prstGeom prst="rect">
+            <a:avLst/>
+          </a:prstGeom>
+          <a:noFill/>
+        </p:spPr>
+        <p:txBody>
+          <a:bodyPr wrap="none" rtlCol="0">
+            <a:spAutoFit/>
+          </a:bodyPr>
+          <a:lstStyle/>
+          <a:p>
+            <a:r>
+              <a:rPr lang="en-US" dirty="0" smtClean="0"/>
+              <a:t>Polling for button press</a:t>
+            </a:r>
+            <a:endParaRPr lang="en-US" dirty="0"/>
+          </a:p>
+        </p:txBody>
+      </p:sp>
+      <p:sp>
+        <p:nvSpPr>
+          <p:cNvPr id="6" name="Right Brace 5"/>
+          <p:cNvSpPr/>
+          <p:nvPr/>
+        </p:nvSpPr>
+        <p:spPr bwMode="auto">
+          <a:xfrm>
+            <a:off x="4233041" y="4025263"/>
+            <a:ext cx="520262" cy="1353930"/>
+          </a:xfrm>
+          <a:prstGeom prst="rightBrace">
+            <a:avLst/>
+          </a:prstGeom>
+          <a:noFill/>
+          <a:ln w="12700" cap="flat" cmpd="sng" algn="ctr">
+            <a:solidFill>
+              <a:schemeClr val="tx1"/>
+            </a:solidFill>
+            <a:prstDash val="solid"/>
+            <a:round/>
+            <a:headEnd type="none" w="med" len="med"/>
+            <a:tailEnd type="none" w="med" len="med"/>
+          </a:ln>
+          <a:effectLst/>
+        </p:spPr>
+        <p:txBody>
+          <a:bodyPr vert="horz" wrap="square" lIns="91440" tIns="45720" rIns="91440" bIns="45720" numCol="1" rtlCol="0" anchor="t" anchorCtr="0" compatLnSpc="1">
+            <a:prstTxWarp prst="textNoShape">
+              <a:avLst/>
+            </a:prstTxWarp>
+          </a:bodyPr>
+          <a:lstStyle/>
+          <a:p>
+            <a:pPr marL="0" marR="0" indent="0" algn="ctr" defTabSz="914400" rtl="0" eaLnBrk="0" fontAlgn="base" latinLnBrk="0" hangingPunct="0">
+              <a:lnSpc>
+                <a:spcPct val="100000"/>
+              </a:lnSpc>
+              <a:spcBef>
+                <a:spcPct val="0"/>
+              </a:spcBef>
+              <a:spcAft>
+                <a:spcPct val="0"/>
+              </a:spcAft>
+              <a:buClrTx/>
+              <a:buSzTx/>
+              <a:buFontTx/>
+              <a:buNone/>
+              <a:tabLst/>
+            </a:pPr>
+            <a:endParaRPr kumimoji="0" lang="en-US" sz="1600" b="0" i="0" u="none" strike="noStrike" cap="none" normalizeH="0" baseline="0" smtClean="0">
+              <a:ln>
+                <a:noFill/>
+              </a:ln>
+              <a:solidFill>
+                <a:schemeClr val="tx1"/>
+              </a:solidFill>
+              <a:effectLst/>
+              <a:latin typeface="Arial" charset="0"/>
+            </a:endParaRPr>
+          </a:p>
+        </p:txBody>
+      </p:sp>
+      <p:sp>
+        <p:nvSpPr>
+          <p:cNvPr id="7" name="TextBox 6"/>
+          <p:cNvSpPr txBox="1"/>
+          <p:nvPr/>
+        </p:nvSpPr>
+        <p:spPr>
+          <a:xfrm>
+            <a:off x="4753303" y="4286729"/>
+            <a:ext cx="3476297" cy="830997"/>
+          </a:xfrm>
+          <a:prstGeom prst="rect">
+            <a:avLst/>
+          </a:prstGeom>
+          <a:noFill/>
+        </p:spPr>
+        <p:txBody>
+          <a:bodyPr wrap="square" rtlCol="0">
+            <a:spAutoFit/>
+          </a:bodyPr>
+          <a:lstStyle/>
+          <a:p>
+            <a:r>
+              <a:rPr lang="en-US" dirty="0" smtClean="0"/>
+              <a:t>Subroutine to handle button press</a:t>
+            </a:r>
+            <a:endParaRPr lang="en-US" dirty="0"/>
+          </a:p>
+        </p:txBody>
+      </p:sp>
+      <p:sp>
+        <p:nvSpPr>
+          <p:cNvPr id="8" name="Rectangle 7"/>
+          <p:cNvSpPr/>
+          <p:nvPr/>
+        </p:nvSpPr>
+        <p:spPr bwMode="auto">
+          <a:xfrm>
+            <a:off x="985345" y="5549462"/>
+            <a:ext cx="6629400" cy="740979"/>
+          </a:xfrm>
+          <a:prstGeom prst="rect">
+            <a:avLst/>
+          </a:prstGeom>
+          <a:solidFill>
+            <a:srgbClr val="0070C0"/>
+          </a:solidFill>
+          <a:ln w="12700" cap="flat" cmpd="sng" algn="ctr">
+            <a:solidFill>
+              <a:srgbClr val="00B0F0"/>
+            </a:solidFill>
+            <a:prstDash val="solid"/>
+            <a:round/>
+            <a:headEnd type="none" w="med" len="med"/>
+            <a:tailEnd type="none" w="med" len="med"/>
+          </a:ln>
+          <a:effectLst/>
+        </p:spPr>
+        <p:txBody>
+          <a:bodyPr vert="horz" wrap="square" lIns="91440" tIns="45720" rIns="91440" bIns="45720" numCol="1" rtlCol="0" anchor="ctr" anchorCtr="0" compatLnSpc="1">
+            <a:prstTxWarp prst="textNoShape">
+              <a:avLst/>
+            </a:prstTxWarp>
+          </a:bodyPr>
+          <a:lstStyle/>
+          <a:p>
+            <a:pPr marL="0" marR="0" indent="0" algn="ctr" defTabSz="914400" rtl="0" eaLnBrk="0" fontAlgn="base" latinLnBrk="0" hangingPunct="0">
+              <a:lnSpc>
+                <a:spcPct val="100000"/>
+              </a:lnSpc>
+              <a:spcBef>
+                <a:spcPct val="0"/>
+              </a:spcBef>
+              <a:spcAft>
+                <a:spcPct val="0"/>
+              </a:spcAft>
+              <a:buClrTx/>
+              <a:buSzTx/>
+              <a:buFontTx/>
+              <a:buNone/>
+              <a:tabLst/>
+            </a:pPr>
+            <a:r>
+              <a:rPr kumimoji="0" lang="en-US" sz="1600" b="0" i="0" u="none" strike="noStrike" cap="none" normalizeH="0" baseline="0" dirty="0" smtClean="0">
+                <a:ln>
+                  <a:noFill/>
+                </a:ln>
+                <a:solidFill>
+                  <a:schemeClr val="bg1"/>
+                </a:solidFill>
+                <a:effectLst/>
+                <a:latin typeface="Arial" charset="0"/>
+              </a:rPr>
+              <a:t>So how does bouncing effect this software?</a:t>
+            </a:r>
+          </a:p>
+        </p:txBody>
+      </p:sp>
+    </p:spTree>
+    <p:extLst>
+      <p:ext uri="{BB962C8B-B14F-4D97-AF65-F5344CB8AC3E}">
+        <p14:creationId xmlns:p14="http://schemas.microsoft.com/office/powerpoint/2010/main" val="879254010"/>
+      </p:ext>
+    </p:extLst>
+  </p:cSld>
+  <p:clrMapOvr>
+    <a:masterClrMapping/>
+  </p:clrMapOvr>
+  <p:timing>
+    <p:tnLst>
+      <p:par>
+        <p:cTn id="1" dur="indefinite" restart="never" nodeType="tmRoot"/>
+      </p:par>
+    </p:tnLst>
+  </p:timing>
+</p:sld>
+</file>
+
+<file path=ppt/slides/slide14.xml><?xml version="1.0" encoding="utf-8"?>
+<p:sld xmlns:a="http://schemas.openxmlformats.org/drawingml/2006/main" xmlns:r="http://schemas.openxmlformats.org/officeDocument/2006/relationships" xmlns:p="http://schemas.openxmlformats.org/presentationml/2006/main">
+  <p:cSld>
+    <p:spTree>
+      <p:nvGrpSpPr>
+        <p:cNvPr id="1" name=""/>
+        <p:cNvGrpSpPr/>
+        <p:nvPr/>
+      </p:nvGrpSpPr>
+      <p:grpSpPr>
+        <a:xfrm>
+          <a:off x="0" y="0"/>
+          <a:ext cx="0" cy="0"/>
+          <a:chOff x="0" y="0"/>
+          <a:chExt cx="0" cy="0"/>
+        </a:xfrm>
+      </p:grpSpPr>
+      <p:sp>
+        <p:nvSpPr>
+          <p:cNvPr id="2" name="Title 1"/>
+          <p:cNvSpPr>
+            <a:spLocks noGrp="1"/>
+          </p:cNvSpPr>
+          <p:nvPr>
+            <p:ph type="title"/>
+          </p:nvPr>
+        </p:nvSpPr>
+        <p:spPr/>
+        <p:txBody>
+          <a:bodyPr/>
+          <a:lstStyle/>
+          <a:p>
             <a:r>
               <a:rPr lang="en-US" dirty="0" smtClean="0"/>
               <a:t>Example Software Delay Routine</a:t>
@@ -8465,7 +8712,6 @@
               <a:rPr lang="en-US" sz="1400" b="1" dirty="0" smtClean="0"/>
               <a:t>instruction</a:t>
             </a:r>
-            <a:endParaRPr lang="en-US" sz="1400" b="1" dirty="0" smtClean="0"/>
           </a:p>
         </p:txBody>
       </p:sp>
@@ -8534,16 +8780,6 @@
               </a:rPr>
               <a:t>Remember when we talked about timing?</a:t>
             </a:r>
-            <a:endParaRPr kumimoji="0" lang="en-US" sz="1600" b="0" i="0" u="none" strike="noStrike" cap="none" normalizeH="0" baseline="0" dirty="0" smtClean="0">
-              <a:ln>
-                <a:noFill/>
-              </a:ln>
-              <a:solidFill>
-                <a:schemeClr val="tx1"/>
-              </a:solidFill>
-              <a:effectLst/>
-              <a:latin typeface="Arial" charset="0"/>
-            </a:endParaRPr>
           </a:p>
         </p:txBody>
       </p:sp>
@@ -8639,7 +8875,7 @@
 </p:sld>
 </file>
 
-<file path=ppt/slides/slide13.xml><?xml version="1.0" encoding="utf-8"?>
+<file path=ppt/slides/slide15.xml><?xml version="1.0" encoding="utf-8"?>
 <p:sld xmlns:a="http://schemas.openxmlformats.org/drawingml/2006/main" xmlns:r="http://schemas.openxmlformats.org/officeDocument/2006/relationships" xmlns:p="http://schemas.openxmlformats.org/presentationml/2006/main">
   <p:cSld>
     <p:spTree>
@@ -9476,7 +9712,7 @@
 </p:sld>
 </file>
 
-<file path=ppt/slides/slide14.xml><?xml version="1.0" encoding="utf-8"?>
+<file path=ppt/slides/slide16.xml><?xml version="1.0" encoding="utf-8"?>
 <p:sld xmlns:a="http://schemas.openxmlformats.org/drawingml/2006/main" xmlns:r="http://schemas.openxmlformats.org/officeDocument/2006/relationships" xmlns:p="http://schemas.openxmlformats.org/presentationml/2006/main">
   <p:cSld>
     <p:spTree>
@@ -9727,7 +9963,7 @@
 </p:sld>
 </file>
 
-<file path=ppt/slides/slide15.xml><?xml version="1.0" encoding="utf-8"?>
+<file path=ppt/slides/slide17.xml><?xml version="1.0" encoding="utf-8"?>
 <p:sld xmlns:a="http://schemas.openxmlformats.org/drawingml/2006/main" xmlns:r="http://schemas.openxmlformats.org/officeDocument/2006/relationships" xmlns:p="http://schemas.openxmlformats.org/presentationml/2006/main">
   <p:cSld>
     <p:spTree>
@@ -10408,7 +10644,7 @@
 </p:sld>
 </file>
 
-<file path=ppt/slides/slide16.xml><?xml version="1.0" encoding="utf-8"?>
+<file path=ppt/slides/slide18.xml><?xml version="1.0" encoding="utf-8"?>
 <p:sld xmlns:a="http://schemas.openxmlformats.org/drawingml/2006/main" xmlns:r="http://schemas.openxmlformats.org/officeDocument/2006/relationships" xmlns:p="http://schemas.openxmlformats.org/presentationml/2006/main">
   <p:cSld>
     <p:spTree>
@@ -10758,7 +10994,7 @@
 </p:sld>
 </file>
 
-<file path=ppt/slides/slide17.xml><?xml version="1.0" encoding="utf-8"?>
+<file path=ppt/slides/slide19.xml><?xml version="1.0" encoding="utf-8"?>
 <p:sld xmlns:a="http://schemas.openxmlformats.org/drawingml/2006/main" xmlns:r="http://schemas.openxmlformats.org/officeDocument/2006/relationships" xmlns:p="http://schemas.openxmlformats.org/presentationml/2006/main">
   <p:cSld>
     <p:spTree>
@@ -11872,836 +12108,6 @@
   <p:clrMapOvr>
     <a:masterClrMapping/>
   </p:clrMapOvr>
-  <p:timing>
-    <p:tnLst>
-      <p:par>
-        <p:cTn id="1" dur="indefinite" restart="never" nodeType="tmRoot"/>
-      </p:par>
-    </p:tnLst>
-  </p:timing>
-</p:sld>
-</file>
-
-<file path=ppt/slides/slide18.xml><?xml version="1.0" encoding="utf-8"?>
-<p:sld xmlns:a="http://schemas.openxmlformats.org/drawingml/2006/main" xmlns:r="http://schemas.openxmlformats.org/officeDocument/2006/relationships" xmlns:p="http://schemas.openxmlformats.org/presentationml/2006/main">
-  <p:cSld>
-    <p:spTree>
-      <p:nvGrpSpPr>
-        <p:cNvPr id="1" name=""/>
-        <p:cNvGrpSpPr/>
-        <p:nvPr/>
-      </p:nvGrpSpPr>
-      <p:grpSpPr>
-        <a:xfrm>
-          <a:off x="0" y="0"/>
-          <a:ext cx="0" cy="0"/>
-          <a:chOff x="0" y="0"/>
-          <a:chExt cx="0" cy="0"/>
-        </a:xfrm>
-      </p:grpSpPr>
-      <p:sp>
-        <p:nvSpPr>
-          <p:cNvPr id="2" name="Title 1"/>
-          <p:cNvSpPr>
-            <a:spLocks noGrp="1"/>
-          </p:cNvSpPr>
-          <p:nvPr>
-            <p:ph type="title"/>
-          </p:nvPr>
-        </p:nvSpPr>
-        <p:spPr/>
-        <p:txBody>
-          <a:bodyPr/>
-          <a:lstStyle/>
-          <a:p>
-            <a:r>
-              <a:rPr lang="en-US" dirty="0" err="1" smtClean="0"/>
-              <a:t>Debounced</a:t>
-            </a:r>
-            <a:r>
-              <a:rPr lang="en-US" dirty="0" smtClean="0"/>
-              <a:t> code with SW delay</a:t>
-            </a:r>
-            <a:endParaRPr lang="en-US" dirty="0"/>
-          </a:p>
-        </p:txBody>
-      </p:sp>
-      <p:sp>
-        <p:nvSpPr>
-          <p:cNvPr id="3" name="Content Placeholder 2"/>
-          <p:cNvSpPr>
-            <a:spLocks noGrp="1"/>
-          </p:cNvSpPr>
-          <p:nvPr>
-            <p:ph idx="1"/>
-          </p:nvPr>
-        </p:nvSpPr>
-        <p:spPr>
-          <a:xfrm>
-            <a:off x="708193" y="1574948"/>
-            <a:ext cx="7772400" cy="4724400"/>
-          </a:xfrm>
-        </p:spPr>
-        <p:txBody>
-          <a:bodyPr/>
-          <a:lstStyle/>
-          <a:p>
-            <a:pPr marL="0" indent="0">
-              <a:buNone/>
-            </a:pPr>
-            <a:r>
-              <a:rPr lang="en-US" sz="1400" b="1" dirty="0">
-                <a:solidFill>
-                  <a:srgbClr val="00B050"/>
-                </a:solidFill>
-                <a:latin typeface="Courier New" pitchFamily="49" charset="0"/>
-                <a:cs typeface="Courier New" pitchFamily="49" charset="0"/>
-              </a:rPr>
-              <a:t>; -------------------------------------------</a:t>
-            </a:r>
-          </a:p>
-          <a:p>
-            <a:pPr marL="0" indent="0">
-              <a:buNone/>
-            </a:pPr>
-            <a:r>
-              <a:rPr lang="en-US" sz="1400" b="1" dirty="0">
-                <a:solidFill>
-                  <a:srgbClr val="00B050"/>
-                </a:solidFill>
-                <a:latin typeface="Courier New" pitchFamily="49" charset="0"/>
-                <a:cs typeface="Courier New" pitchFamily="49" charset="0"/>
-              </a:rPr>
-              <a:t>; Software delay</a:t>
-            </a:r>
-          </a:p>
-          <a:p>
-            <a:pPr marL="0" indent="0">
-              <a:buNone/>
-            </a:pPr>
-            <a:r>
-              <a:rPr lang="en-US" sz="1400" b="1" dirty="0">
-                <a:solidFill>
-                  <a:srgbClr val="00B050"/>
-                </a:solidFill>
-                <a:latin typeface="Courier New" pitchFamily="49" charset="0"/>
-                <a:cs typeface="Courier New" pitchFamily="49" charset="0"/>
-              </a:rPr>
-              <a:t>; Purpose:  Delays code based on value of R5</a:t>
-            </a:r>
-          </a:p>
-          <a:p>
-            <a:pPr marL="0" indent="0">
-              <a:buNone/>
-            </a:pPr>
-            <a:r>
-              <a:rPr lang="en-US" sz="1400" b="1" dirty="0">
-                <a:solidFill>
-                  <a:srgbClr val="00B050"/>
-                </a:solidFill>
-                <a:latin typeface="Courier New" pitchFamily="49" charset="0"/>
-                <a:cs typeface="Courier New" pitchFamily="49" charset="0"/>
-              </a:rPr>
-              <a:t>;	</a:t>
-            </a:r>
-            <a:r>
-              <a:rPr lang="en-US" sz="1400" b="1" dirty="0" smtClean="0">
-                <a:solidFill>
-                  <a:srgbClr val="00B050"/>
-                </a:solidFill>
-                <a:latin typeface="Courier New" pitchFamily="49" charset="0"/>
-                <a:cs typeface="Courier New" pitchFamily="49" charset="0"/>
-              </a:rPr>
-              <a:t>   R5 </a:t>
-            </a:r>
-            <a:r>
-              <a:rPr lang="en-US" sz="1400" b="1" dirty="0">
-                <a:solidFill>
-                  <a:srgbClr val="00B050"/>
-                </a:solidFill>
-                <a:latin typeface="Courier New" pitchFamily="49" charset="0"/>
-                <a:cs typeface="Courier New" pitchFamily="49" charset="0"/>
-              </a:rPr>
-              <a:t>is currently hard coded as </a:t>
-            </a:r>
-            <a:r>
-              <a:rPr lang="en-US" sz="1400" b="1" dirty="0" smtClean="0">
-                <a:solidFill>
-                  <a:srgbClr val="00B050"/>
-                </a:solidFill>
-                <a:latin typeface="Courier New" pitchFamily="49" charset="0"/>
-                <a:cs typeface="Courier New" pitchFamily="49" charset="0"/>
-              </a:rPr>
-              <a:t>0xAAAA</a:t>
-            </a:r>
-          </a:p>
-          <a:p>
-            <a:pPr marL="0" indent="0">
-              <a:buNone/>
-            </a:pPr>
-            <a:r>
-              <a:rPr lang="en-US" sz="1400" dirty="0" smtClean="0">
-                <a:solidFill>
-                  <a:srgbClr val="00B050"/>
-                </a:solidFill>
-                <a:latin typeface="Courier New" pitchFamily="49" charset="0"/>
-                <a:cs typeface="Courier New" pitchFamily="49" charset="0"/>
-              </a:rPr>
-              <a:t>; Destroyed: None</a:t>
-            </a:r>
-          </a:p>
-          <a:p>
-            <a:pPr marL="0" indent="0">
-              <a:buNone/>
-            </a:pPr>
-            <a:r>
-              <a:rPr lang="en-US" sz="1400" b="1" dirty="0" smtClean="0">
-                <a:solidFill>
-                  <a:srgbClr val="00B050"/>
-                </a:solidFill>
-                <a:latin typeface="Courier New" pitchFamily="49" charset="0"/>
-                <a:cs typeface="Courier New" pitchFamily="49" charset="0"/>
-              </a:rPr>
-              <a:t>; Returned: None</a:t>
-            </a:r>
-            <a:endParaRPr lang="en-US" sz="1400" b="1" dirty="0">
-              <a:solidFill>
-                <a:srgbClr val="00B050"/>
-              </a:solidFill>
-              <a:latin typeface="Courier New" pitchFamily="49" charset="0"/>
-              <a:cs typeface="Courier New" pitchFamily="49" charset="0"/>
-            </a:endParaRPr>
-          </a:p>
-          <a:p>
-            <a:pPr marL="0" indent="0">
-              <a:buNone/>
-            </a:pPr>
-            <a:r>
-              <a:rPr lang="en-US" sz="1400" b="1" dirty="0">
-                <a:solidFill>
-                  <a:srgbClr val="00B050"/>
-                </a:solidFill>
-                <a:latin typeface="Courier New" pitchFamily="49" charset="0"/>
-                <a:cs typeface="Courier New" pitchFamily="49" charset="0"/>
-              </a:rPr>
-              <a:t>; -------------------------------------------</a:t>
-            </a:r>
-          </a:p>
-          <a:p>
-            <a:pPr marL="0" indent="0">
-              <a:buNone/>
-            </a:pPr>
-            <a:r>
-              <a:rPr lang="en-US" sz="1400" b="1" dirty="0" err="1">
-                <a:solidFill>
-                  <a:schemeClr val="accent2"/>
-                </a:solidFill>
-                <a:latin typeface="Courier New" pitchFamily="49" charset="0"/>
-                <a:cs typeface="Courier New" pitchFamily="49" charset="0"/>
-              </a:rPr>
-              <a:t>software_delay</a:t>
-            </a:r>
-            <a:r>
-              <a:rPr lang="en-US" sz="1400" b="1" dirty="0">
-                <a:solidFill>
-                  <a:schemeClr val="accent2"/>
-                </a:solidFill>
-                <a:latin typeface="Courier New" pitchFamily="49" charset="0"/>
-                <a:cs typeface="Courier New" pitchFamily="49" charset="0"/>
-              </a:rPr>
-              <a:t>:</a:t>
-            </a:r>
-          </a:p>
-          <a:p>
-            <a:pPr marL="0" indent="0">
-              <a:buNone/>
-            </a:pPr>
-            <a:r>
-              <a:rPr lang="en-US" sz="1400" b="1" dirty="0">
-                <a:solidFill>
-                  <a:schemeClr val="accent2"/>
-                </a:solidFill>
-                <a:latin typeface="Courier New" pitchFamily="49" charset="0"/>
-                <a:cs typeface="Courier New" pitchFamily="49" charset="0"/>
-              </a:rPr>
-              <a:t>		</a:t>
-            </a:r>
-            <a:r>
-              <a:rPr lang="en-US" sz="1400" b="1" dirty="0" smtClean="0">
-                <a:solidFill>
-                  <a:schemeClr val="accent2"/>
-                </a:solidFill>
-                <a:latin typeface="Courier New" pitchFamily="49" charset="0"/>
-                <a:cs typeface="Courier New" pitchFamily="49" charset="0"/>
-              </a:rPr>
-              <a:t>push </a:t>
-            </a:r>
-            <a:r>
-              <a:rPr lang="en-US" sz="1400" b="1" dirty="0">
-                <a:solidFill>
-                  <a:schemeClr val="accent2"/>
-                </a:solidFill>
-                <a:latin typeface="Courier New" pitchFamily="49" charset="0"/>
-                <a:cs typeface="Courier New" pitchFamily="49" charset="0"/>
-              </a:rPr>
-              <a:t>r5</a:t>
-            </a:r>
-          </a:p>
-          <a:p>
-            <a:pPr marL="0" indent="0">
-              <a:buNone/>
-            </a:pPr>
-            <a:r>
-              <a:rPr lang="en-US" sz="1400" b="1" dirty="0">
-                <a:solidFill>
-                  <a:schemeClr val="accent2"/>
-                </a:solidFill>
-                <a:latin typeface="Courier New" pitchFamily="49" charset="0"/>
-                <a:cs typeface="Courier New" pitchFamily="49" charset="0"/>
-              </a:rPr>
-              <a:t>		</a:t>
-            </a:r>
-            <a:r>
-              <a:rPr lang="en-US" sz="1400" b="1" dirty="0" err="1" smtClean="0">
-                <a:solidFill>
-                  <a:schemeClr val="accent2"/>
-                </a:solidFill>
-                <a:latin typeface="Courier New" pitchFamily="49" charset="0"/>
-                <a:cs typeface="Courier New" pitchFamily="49" charset="0"/>
-              </a:rPr>
-              <a:t>mov.w</a:t>
-            </a:r>
-            <a:r>
-              <a:rPr lang="en-US" sz="1400" b="1" dirty="0" smtClean="0">
-                <a:solidFill>
-                  <a:schemeClr val="accent2"/>
-                </a:solidFill>
-                <a:latin typeface="Courier New" pitchFamily="49" charset="0"/>
-                <a:cs typeface="Courier New" pitchFamily="49" charset="0"/>
-              </a:rPr>
-              <a:t> </a:t>
-            </a:r>
-            <a:r>
-              <a:rPr lang="en-US" sz="1400" b="1" dirty="0">
-                <a:solidFill>
-                  <a:schemeClr val="accent2"/>
-                </a:solidFill>
-                <a:latin typeface="Courier New" pitchFamily="49" charset="0"/>
-                <a:cs typeface="Courier New" pitchFamily="49" charset="0"/>
-              </a:rPr>
-              <a:t>#0xaaaa, r5</a:t>
-            </a:r>
-          </a:p>
-          <a:p>
-            <a:pPr marL="0" indent="0">
-              <a:buNone/>
-            </a:pPr>
-            <a:endParaRPr lang="en-US" sz="1400" b="1" dirty="0">
-              <a:solidFill>
-                <a:schemeClr val="accent2"/>
-              </a:solidFill>
-              <a:latin typeface="Courier New" pitchFamily="49" charset="0"/>
-              <a:cs typeface="Courier New" pitchFamily="49" charset="0"/>
-            </a:endParaRPr>
-          </a:p>
-          <a:p>
-            <a:pPr marL="0" indent="0">
-              <a:buNone/>
-            </a:pPr>
-            <a:r>
-              <a:rPr lang="en-US" sz="1400" b="1" dirty="0">
-                <a:solidFill>
-                  <a:schemeClr val="accent2"/>
-                </a:solidFill>
-                <a:latin typeface="Courier New" pitchFamily="49" charset="0"/>
-                <a:cs typeface="Courier New" pitchFamily="49" charset="0"/>
-              </a:rPr>
-              <a:t>delay:		</a:t>
-            </a:r>
-            <a:r>
-              <a:rPr lang="en-US" sz="1400" b="1" dirty="0" err="1" smtClean="0">
-                <a:solidFill>
-                  <a:schemeClr val="accent2"/>
-                </a:solidFill>
-                <a:latin typeface="Courier New" pitchFamily="49" charset="0"/>
-                <a:cs typeface="Courier New" pitchFamily="49" charset="0"/>
-              </a:rPr>
-              <a:t>dec</a:t>
-            </a:r>
-            <a:r>
-              <a:rPr lang="en-US" sz="1400" b="1" dirty="0" smtClean="0">
-                <a:solidFill>
-                  <a:schemeClr val="accent2"/>
-                </a:solidFill>
-                <a:latin typeface="Courier New" pitchFamily="49" charset="0"/>
-                <a:cs typeface="Courier New" pitchFamily="49" charset="0"/>
-              </a:rPr>
-              <a:t> </a:t>
-            </a:r>
-            <a:r>
-              <a:rPr lang="en-US" sz="1400" b="1" dirty="0">
-                <a:solidFill>
-                  <a:schemeClr val="accent2"/>
-                </a:solidFill>
-                <a:latin typeface="Courier New" pitchFamily="49" charset="0"/>
-                <a:cs typeface="Courier New" pitchFamily="49" charset="0"/>
-              </a:rPr>
-              <a:t>r5</a:t>
-            </a:r>
-          </a:p>
-          <a:p>
-            <a:pPr marL="0" indent="0">
-              <a:buNone/>
-            </a:pPr>
-            <a:r>
-              <a:rPr lang="en-US" sz="1400" b="1" dirty="0">
-                <a:solidFill>
-                  <a:schemeClr val="accent2"/>
-                </a:solidFill>
-                <a:latin typeface="Courier New" pitchFamily="49" charset="0"/>
-                <a:cs typeface="Courier New" pitchFamily="49" charset="0"/>
-              </a:rPr>
-              <a:t>		</a:t>
-            </a:r>
-            <a:r>
-              <a:rPr lang="en-US" sz="1400" b="1" dirty="0" err="1" smtClean="0">
-                <a:solidFill>
-                  <a:schemeClr val="accent2"/>
-                </a:solidFill>
-                <a:latin typeface="Courier New" pitchFamily="49" charset="0"/>
-                <a:cs typeface="Courier New" pitchFamily="49" charset="0"/>
-              </a:rPr>
-              <a:t>jnz</a:t>
-            </a:r>
-            <a:r>
-              <a:rPr lang="en-US" sz="1400" b="1" dirty="0" smtClean="0">
-                <a:solidFill>
-                  <a:schemeClr val="accent2"/>
-                </a:solidFill>
-                <a:latin typeface="Courier New" pitchFamily="49" charset="0"/>
-                <a:cs typeface="Courier New" pitchFamily="49" charset="0"/>
-              </a:rPr>
-              <a:t> </a:t>
-            </a:r>
-            <a:r>
-              <a:rPr lang="en-US" sz="1400" b="1" dirty="0">
-                <a:solidFill>
-                  <a:schemeClr val="accent2"/>
-                </a:solidFill>
-                <a:latin typeface="Courier New" pitchFamily="49" charset="0"/>
-                <a:cs typeface="Courier New" pitchFamily="49" charset="0"/>
-              </a:rPr>
-              <a:t>delay</a:t>
-            </a:r>
-          </a:p>
-          <a:p>
-            <a:pPr marL="0" indent="0">
-              <a:buNone/>
-            </a:pPr>
-            <a:r>
-              <a:rPr lang="en-US" sz="1400" b="1" dirty="0">
-                <a:solidFill>
-                  <a:schemeClr val="accent2"/>
-                </a:solidFill>
-                <a:latin typeface="Courier New" pitchFamily="49" charset="0"/>
-                <a:cs typeface="Courier New" pitchFamily="49" charset="0"/>
-              </a:rPr>
-              <a:t>		</a:t>
-            </a:r>
-            <a:r>
-              <a:rPr lang="en-US" sz="1400" b="1" dirty="0" smtClean="0">
-                <a:solidFill>
-                  <a:schemeClr val="accent2"/>
-                </a:solidFill>
-                <a:latin typeface="Courier New" pitchFamily="49" charset="0"/>
-                <a:cs typeface="Courier New" pitchFamily="49" charset="0"/>
-              </a:rPr>
-              <a:t>pop </a:t>
-            </a:r>
-            <a:r>
-              <a:rPr lang="en-US" sz="1400" b="1" dirty="0">
-                <a:solidFill>
-                  <a:schemeClr val="accent2"/>
-                </a:solidFill>
-                <a:latin typeface="Courier New" pitchFamily="49" charset="0"/>
-                <a:cs typeface="Courier New" pitchFamily="49" charset="0"/>
-              </a:rPr>
-              <a:t>r5</a:t>
-            </a:r>
-          </a:p>
-          <a:p>
-            <a:pPr marL="0" indent="0">
-              <a:buNone/>
-            </a:pPr>
-            <a:r>
-              <a:rPr lang="en-US" sz="1400" b="1" dirty="0">
-                <a:solidFill>
-                  <a:schemeClr val="accent2"/>
-                </a:solidFill>
-                <a:latin typeface="Courier New" pitchFamily="49" charset="0"/>
-                <a:cs typeface="Courier New" pitchFamily="49" charset="0"/>
-              </a:rPr>
-              <a:t>		</a:t>
-            </a:r>
-            <a:r>
-              <a:rPr lang="en-US" sz="1400" b="1" dirty="0" smtClean="0">
-                <a:solidFill>
-                  <a:schemeClr val="accent2"/>
-                </a:solidFill>
-                <a:latin typeface="Courier New" pitchFamily="49" charset="0"/>
-                <a:cs typeface="Courier New" pitchFamily="49" charset="0"/>
-              </a:rPr>
-              <a:t>ret</a:t>
-            </a:r>
-            <a:endParaRPr lang="en-US" sz="1400" b="1" dirty="0">
-              <a:solidFill>
-                <a:schemeClr val="accent2"/>
-              </a:solidFill>
-              <a:latin typeface="Courier New" pitchFamily="49" charset="0"/>
-              <a:cs typeface="Courier New" pitchFamily="49" charset="0"/>
-            </a:endParaRPr>
-          </a:p>
-          <a:p>
-            <a:pPr marL="0" indent="0">
-              <a:buNone/>
-            </a:pPr>
-            <a:r>
-              <a:rPr lang="en-US" sz="1400" b="1" dirty="0">
-                <a:solidFill>
-                  <a:srgbClr val="00B050"/>
-                </a:solidFill>
-                <a:latin typeface="Courier New" pitchFamily="49" charset="0"/>
-                <a:cs typeface="Courier New" pitchFamily="49" charset="0"/>
-              </a:rPr>
-              <a:t>; End Software delay ---------------------------</a:t>
-            </a:r>
-            <a:endParaRPr lang="en-US" sz="1400" b="1" dirty="0" smtClean="0">
-              <a:solidFill>
-                <a:srgbClr val="00B050"/>
-              </a:solidFill>
-              <a:latin typeface="Courier New" pitchFamily="49" charset="0"/>
-              <a:cs typeface="Courier New" pitchFamily="49" charset="0"/>
-            </a:endParaRPr>
-          </a:p>
-        </p:txBody>
-      </p:sp>
-      <p:sp>
-        <p:nvSpPr>
-          <p:cNvPr id="4" name="Rectangular Callout 3"/>
-          <p:cNvSpPr/>
-          <p:nvPr/>
-        </p:nvSpPr>
-        <p:spPr bwMode="auto">
-          <a:xfrm>
-            <a:off x="5716577" y="2648608"/>
-            <a:ext cx="3153103" cy="1198179"/>
-          </a:xfrm>
-          <a:prstGeom prst="wedgeRectCallout">
-            <a:avLst>
-              <a:gd name="adj1" fmla="val -111333"/>
-              <a:gd name="adj2" fmla="val 59868"/>
-            </a:avLst>
-          </a:prstGeom>
-          <a:solidFill>
-            <a:srgbClr val="FFFF00"/>
-          </a:solidFill>
-          <a:ln w="12700" cap="flat" cmpd="sng" algn="ctr">
-            <a:solidFill>
-              <a:schemeClr val="tx1"/>
-            </a:solidFill>
-            <a:prstDash val="solid"/>
-            <a:round/>
-            <a:headEnd type="none" w="med" len="med"/>
-            <a:tailEnd type="none" w="med" len="med"/>
-          </a:ln>
-          <a:effectLst/>
-        </p:spPr>
-        <p:txBody>
-          <a:bodyPr vert="horz" wrap="square" lIns="91440" tIns="45720" rIns="91440" bIns="45720" numCol="1" rtlCol="0" anchor="t" anchorCtr="0" compatLnSpc="1">
-            <a:prstTxWarp prst="textNoShape">
-              <a:avLst/>
-            </a:prstTxWarp>
-          </a:bodyPr>
-          <a:lstStyle/>
-          <a:p>
-            <a:pPr marL="0" marR="0" indent="0" algn="ctr" defTabSz="914400" rtl="0" eaLnBrk="0" fontAlgn="base" latinLnBrk="0" hangingPunct="0">
-              <a:lnSpc>
-                <a:spcPct val="100000"/>
-              </a:lnSpc>
-              <a:spcBef>
-                <a:spcPct val="0"/>
-              </a:spcBef>
-              <a:spcAft>
-                <a:spcPct val="0"/>
-              </a:spcAft>
-              <a:buClrTx/>
-              <a:buSzTx/>
-              <a:buFontTx/>
-              <a:buNone/>
-              <a:tabLst/>
-            </a:pPr>
-            <a:r>
-              <a:rPr kumimoji="0" lang="en-US" sz="1600" b="0" i="0" u="none" strike="noStrike" cap="none" normalizeH="0" baseline="0" dirty="0" smtClean="0">
-                <a:ln>
-                  <a:noFill/>
-                </a:ln>
-                <a:solidFill>
-                  <a:schemeClr val="tx1"/>
-                </a:solidFill>
-                <a:effectLst/>
-                <a:latin typeface="Arial" charset="0"/>
-              </a:rPr>
-              <a:t>For your </a:t>
-            </a:r>
-            <a:r>
-              <a:rPr kumimoji="0" lang="en-US" sz="1600" b="0" i="0" u="none" strike="noStrike" cap="none" normalizeH="0" baseline="0" dirty="0" err="1" smtClean="0">
-                <a:ln>
-                  <a:noFill/>
-                </a:ln>
-                <a:solidFill>
-                  <a:schemeClr val="tx1"/>
-                </a:solidFill>
-                <a:effectLst/>
-                <a:latin typeface="Arial" charset="0"/>
-              </a:rPr>
-              <a:t>uC</a:t>
-            </a:r>
-            <a:r>
-              <a:rPr kumimoji="0" lang="en-US" sz="1600" b="0" i="0" u="none" strike="noStrike" cap="none" normalizeH="0" baseline="0" dirty="0" smtClean="0">
-                <a:ln>
-                  <a:noFill/>
-                </a:ln>
-                <a:solidFill>
-                  <a:schemeClr val="tx1"/>
-                </a:solidFill>
-                <a:effectLst/>
-                <a:latin typeface="Arial" charset="0"/>
-              </a:rPr>
-              <a:t>, you need to determine how fast your oscillator</a:t>
-            </a:r>
-            <a:r>
-              <a:rPr kumimoji="0" lang="en-US" sz="1600" b="0" i="0" u="none" strike="noStrike" cap="none" normalizeH="0" dirty="0" smtClean="0">
-                <a:ln>
-                  <a:noFill/>
-                </a:ln>
-                <a:solidFill>
-                  <a:schemeClr val="tx1"/>
-                </a:solidFill>
-                <a:effectLst/>
-                <a:latin typeface="Arial" charset="0"/>
-              </a:rPr>
-              <a:t> is and set #0xaaaa to a value you want for </a:t>
-            </a:r>
-            <a:r>
-              <a:rPr kumimoji="0" lang="en-US" sz="1600" b="0" i="0" u="none" strike="noStrike" cap="none" normalizeH="0" dirty="0" err="1" smtClean="0">
-                <a:ln>
-                  <a:noFill/>
-                </a:ln>
-                <a:solidFill>
-                  <a:schemeClr val="tx1"/>
-                </a:solidFill>
-                <a:effectLst/>
-                <a:latin typeface="Arial" charset="0"/>
-              </a:rPr>
-              <a:t>debouncing</a:t>
-            </a:r>
-            <a:endParaRPr kumimoji="0" lang="en-US" sz="1600" b="0" i="0" u="none" strike="noStrike" cap="none" normalizeH="0" baseline="0" dirty="0" smtClean="0">
-              <a:ln>
-                <a:noFill/>
-              </a:ln>
-              <a:solidFill>
-                <a:schemeClr val="tx1"/>
-              </a:solidFill>
-              <a:effectLst/>
-              <a:latin typeface="Arial" charset="0"/>
-            </a:endParaRPr>
-          </a:p>
-        </p:txBody>
-      </p:sp>
-      <p:sp>
-        <p:nvSpPr>
-          <p:cNvPr id="5" name="Rectangular Callout 4"/>
-          <p:cNvSpPr/>
-          <p:nvPr/>
-        </p:nvSpPr>
-        <p:spPr bwMode="auto">
-          <a:xfrm>
-            <a:off x="5716577" y="4141575"/>
-            <a:ext cx="3153103" cy="1198179"/>
-          </a:xfrm>
-          <a:prstGeom prst="wedgeRectCallout">
-            <a:avLst>
-              <a:gd name="adj1" fmla="val -110583"/>
-              <a:gd name="adj2" fmla="val -49343"/>
-            </a:avLst>
-          </a:prstGeom>
-          <a:solidFill>
-            <a:srgbClr val="FFFF00"/>
-          </a:solidFill>
-          <a:ln w="12700" cap="flat" cmpd="sng" algn="ctr">
-            <a:solidFill>
-              <a:schemeClr val="tx1"/>
-            </a:solidFill>
-            <a:prstDash val="solid"/>
-            <a:round/>
-            <a:headEnd type="none" w="med" len="med"/>
-            <a:tailEnd type="none" w="med" len="med"/>
-          </a:ln>
-          <a:effectLst/>
-        </p:spPr>
-        <p:txBody>
-          <a:bodyPr vert="horz" wrap="square" lIns="91440" tIns="45720" rIns="91440" bIns="45720" numCol="1" rtlCol="0" anchor="t" anchorCtr="0" compatLnSpc="1">
-            <a:prstTxWarp prst="textNoShape">
-              <a:avLst/>
-            </a:prstTxWarp>
-          </a:bodyPr>
-          <a:lstStyle/>
-          <a:p>
-            <a:pPr marL="0" marR="0" indent="0" algn="ctr" defTabSz="914400" rtl="0" eaLnBrk="0" fontAlgn="base" latinLnBrk="0" hangingPunct="0">
-              <a:lnSpc>
-                <a:spcPct val="100000"/>
-              </a:lnSpc>
-              <a:spcBef>
-                <a:spcPct val="0"/>
-              </a:spcBef>
-              <a:spcAft>
-                <a:spcPct val="0"/>
-              </a:spcAft>
-              <a:buClrTx/>
-              <a:buSzTx/>
-              <a:buFontTx/>
-              <a:buNone/>
-              <a:tabLst/>
-            </a:pPr>
-            <a:r>
-              <a:rPr kumimoji="0" lang="en-US" sz="1600" b="0" i="0" u="none" strike="noStrike" cap="none" normalizeH="0" baseline="0" dirty="0" smtClean="0">
-                <a:ln>
-                  <a:noFill/>
-                </a:ln>
-                <a:solidFill>
-                  <a:schemeClr val="tx1"/>
-                </a:solidFill>
-                <a:effectLst/>
-                <a:latin typeface="Arial" charset="0"/>
-              </a:rPr>
-              <a:t>It might also be useful to pass in an</a:t>
-            </a:r>
-            <a:r>
-              <a:rPr kumimoji="0" lang="en-US" sz="1600" b="0" i="0" u="none" strike="noStrike" cap="none" normalizeH="0" dirty="0" smtClean="0">
-                <a:ln>
-                  <a:noFill/>
-                </a:ln>
-                <a:solidFill>
-                  <a:schemeClr val="tx1"/>
-                </a:solidFill>
-                <a:effectLst/>
-                <a:latin typeface="Arial" charset="0"/>
-              </a:rPr>
-              <a:t> argument for how long you want to delay instead of having it hardcoded</a:t>
-            </a:r>
-            <a:endParaRPr kumimoji="0" lang="en-US" sz="1600" b="0" i="0" u="none" strike="noStrike" cap="none" normalizeH="0" baseline="0" dirty="0" smtClean="0">
-              <a:ln>
-                <a:noFill/>
-              </a:ln>
-              <a:solidFill>
-                <a:schemeClr val="tx1"/>
-              </a:solidFill>
-              <a:effectLst/>
-              <a:latin typeface="Arial" charset="0"/>
-            </a:endParaRPr>
-          </a:p>
-        </p:txBody>
-      </p:sp>
-    </p:spTree>
-    <p:extLst>
-      <p:ext uri="{BB962C8B-B14F-4D97-AF65-F5344CB8AC3E}">
-        <p14:creationId xmlns:p14="http://schemas.microsoft.com/office/powerpoint/2010/main" val="2686562081"/>
-      </p:ext>
-    </p:extLst>
-  </p:cSld>
-  <p:clrMapOvr>
-    <a:masterClrMapping/>
-  </p:clrMapOvr>
-  <p:timing>
-    <p:tnLst>
-      <p:par>
-        <p:cTn id="1" dur="indefinite" restart="never" nodeType="tmRoot"/>
-      </p:par>
-    </p:tnLst>
-  </p:timing>
-</p:sld>
-</file>
-
-<file path=ppt/slides/slide19.xml><?xml version="1.0" encoding="utf-8"?>
-<p:sld xmlns:a="http://schemas.openxmlformats.org/drawingml/2006/main" xmlns:r="http://schemas.openxmlformats.org/officeDocument/2006/relationships" xmlns:p="http://schemas.openxmlformats.org/presentationml/2006/main">
-  <p:cSld>
-    <p:spTree>
-      <p:nvGrpSpPr>
-        <p:cNvPr id="1" name=""/>
-        <p:cNvGrpSpPr/>
-        <p:nvPr/>
-      </p:nvGrpSpPr>
-      <p:grpSpPr>
-        <a:xfrm>
-          <a:off x="0" y="0"/>
-          <a:ext cx="0" cy="0"/>
-          <a:chOff x="0" y="0"/>
-          <a:chExt cx="0" cy="0"/>
-        </a:xfrm>
-      </p:grpSpPr>
-      <p:sp>
-        <p:nvSpPr>
-          <p:cNvPr id="5" name="Subtitle 4"/>
-          <p:cNvSpPr>
-            <a:spLocks noGrp="1"/>
-          </p:cNvSpPr>
-          <p:nvPr>
-            <p:ph type="subTitle" idx="1"/>
-          </p:nvPr>
-        </p:nvSpPr>
-        <p:spPr/>
-        <p:txBody>
-          <a:bodyPr/>
-          <a:lstStyle/>
-          <a:p>
-            <a:endParaRPr lang="en-US" dirty="0"/>
-          </a:p>
-        </p:txBody>
-      </p:sp>
-      <p:sp>
-        <p:nvSpPr>
-          <p:cNvPr id="4" name="Title 3"/>
-          <p:cNvSpPr>
-            <a:spLocks noGrp="1"/>
-          </p:cNvSpPr>
-          <p:nvPr>
-            <p:ph type="title"/>
-          </p:nvPr>
-        </p:nvSpPr>
-        <p:spPr/>
-        <p:txBody>
-          <a:bodyPr/>
-          <a:lstStyle/>
-          <a:p>
-            <a:r>
-              <a:rPr lang="en-US" dirty="0" smtClean="0"/>
-              <a:t>BACKUPS</a:t>
-            </a:r>
-            <a:endParaRPr lang="en-US" dirty="0"/>
-          </a:p>
-        </p:txBody>
-      </p:sp>
-    </p:spTree>
-    <p:extLst>
-      <p:ext uri="{BB962C8B-B14F-4D97-AF65-F5344CB8AC3E}">
-        <p14:creationId xmlns:p14="http://schemas.microsoft.com/office/powerpoint/2010/main" val="3003632033"/>
-      </p:ext>
-    </p:extLst>
-  </p:cSld>
-  <p:clrMapOvr>
-    <a:masterClrMapping/>
-  </p:clrMapOvr>
-  <p:transition spd="med"/>
   <p:timing>
     <p:tnLst>
       <p:par>
@@ -12863,6 +12269,836 @@
 </file>
 
 <file path=ppt/slides/slide20.xml><?xml version="1.0" encoding="utf-8"?>
+<p:sld xmlns:a="http://schemas.openxmlformats.org/drawingml/2006/main" xmlns:r="http://schemas.openxmlformats.org/officeDocument/2006/relationships" xmlns:p="http://schemas.openxmlformats.org/presentationml/2006/main">
+  <p:cSld>
+    <p:spTree>
+      <p:nvGrpSpPr>
+        <p:cNvPr id="1" name=""/>
+        <p:cNvGrpSpPr/>
+        <p:nvPr/>
+      </p:nvGrpSpPr>
+      <p:grpSpPr>
+        <a:xfrm>
+          <a:off x="0" y="0"/>
+          <a:ext cx="0" cy="0"/>
+          <a:chOff x="0" y="0"/>
+          <a:chExt cx="0" cy="0"/>
+        </a:xfrm>
+      </p:grpSpPr>
+      <p:sp>
+        <p:nvSpPr>
+          <p:cNvPr id="2" name="Title 1"/>
+          <p:cNvSpPr>
+            <a:spLocks noGrp="1"/>
+          </p:cNvSpPr>
+          <p:nvPr>
+            <p:ph type="title"/>
+          </p:nvPr>
+        </p:nvSpPr>
+        <p:spPr/>
+        <p:txBody>
+          <a:bodyPr/>
+          <a:lstStyle/>
+          <a:p>
+            <a:r>
+              <a:rPr lang="en-US" dirty="0" err="1" smtClean="0"/>
+              <a:t>Debounced</a:t>
+            </a:r>
+            <a:r>
+              <a:rPr lang="en-US" dirty="0" smtClean="0"/>
+              <a:t> code with SW delay</a:t>
+            </a:r>
+            <a:endParaRPr lang="en-US" dirty="0"/>
+          </a:p>
+        </p:txBody>
+      </p:sp>
+      <p:sp>
+        <p:nvSpPr>
+          <p:cNvPr id="3" name="Content Placeholder 2"/>
+          <p:cNvSpPr>
+            <a:spLocks noGrp="1"/>
+          </p:cNvSpPr>
+          <p:nvPr>
+            <p:ph idx="1"/>
+          </p:nvPr>
+        </p:nvSpPr>
+        <p:spPr>
+          <a:xfrm>
+            <a:off x="708193" y="1574948"/>
+            <a:ext cx="7772400" cy="4724400"/>
+          </a:xfrm>
+        </p:spPr>
+        <p:txBody>
+          <a:bodyPr/>
+          <a:lstStyle/>
+          <a:p>
+            <a:pPr marL="0" indent="0">
+              <a:buNone/>
+            </a:pPr>
+            <a:r>
+              <a:rPr lang="en-US" sz="1400" b="1" dirty="0">
+                <a:solidFill>
+                  <a:srgbClr val="00B050"/>
+                </a:solidFill>
+                <a:latin typeface="Courier New" pitchFamily="49" charset="0"/>
+                <a:cs typeface="Courier New" pitchFamily="49" charset="0"/>
+              </a:rPr>
+              <a:t>; -------------------------------------------</a:t>
+            </a:r>
+          </a:p>
+          <a:p>
+            <a:pPr marL="0" indent="0">
+              <a:buNone/>
+            </a:pPr>
+            <a:r>
+              <a:rPr lang="en-US" sz="1400" b="1" dirty="0">
+                <a:solidFill>
+                  <a:srgbClr val="00B050"/>
+                </a:solidFill>
+                <a:latin typeface="Courier New" pitchFamily="49" charset="0"/>
+                <a:cs typeface="Courier New" pitchFamily="49" charset="0"/>
+              </a:rPr>
+              <a:t>; Software delay</a:t>
+            </a:r>
+          </a:p>
+          <a:p>
+            <a:pPr marL="0" indent="0">
+              <a:buNone/>
+            </a:pPr>
+            <a:r>
+              <a:rPr lang="en-US" sz="1400" b="1" dirty="0">
+                <a:solidFill>
+                  <a:srgbClr val="00B050"/>
+                </a:solidFill>
+                <a:latin typeface="Courier New" pitchFamily="49" charset="0"/>
+                <a:cs typeface="Courier New" pitchFamily="49" charset="0"/>
+              </a:rPr>
+              <a:t>; Purpose:  Delays code based on value of R5</a:t>
+            </a:r>
+          </a:p>
+          <a:p>
+            <a:pPr marL="0" indent="0">
+              <a:buNone/>
+            </a:pPr>
+            <a:r>
+              <a:rPr lang="en-US" sz="1400" b="1" dirty="0">
+                <a:solidFill>
+                  <a:srgbClr val="00B050"/>
+                </a:solidFill>
+                <a:latin typeface="Courier New" pitchFamily="49" charset="0"/>
+                <a:cs typeface="Courier New" pitchFamily="49" charset="0"/>
+              </a:rPr>
+              <a:t>;	</a:t>
+            </a:r>
+            <a:r>
+              <a:rPr lang="en-US" sz="1400" b="1" dirty="0" smtClean="0">
+                <a:solidFill>
+                  <a:srgbClr val="00B050"/>
+                </a:solidFill>
+                <a:latin typeface="Courier New" pitchFamily="49" charset="0"/>
+                <a:cs typeface="Courier New" pitchFamily="49" charset="0"/>
+              </a:rPr>
+              <a:t>   R5 </a:t>
+            </a:r>
+            <a:r>
+              <a:rPr lang="en-US" sz="1400" b="1" dirty="0">
+                <a:solidFill>
+                  <a:srgbClr val="00B050"/>
+                </a:solidFill>
+                <a:latin typeface="Courier New" pitchFamily="49" charset="0"/>
+                <a:cs typeface="Courier New" pitchFamily="49" charset="0"/>
+              </a:rPr>
+              <a:t>is currently hard coded as </a:t>
+            </a:r>
+            <a:r>
+              <a:rPr lang="en-US" sz="1400" b="1" dirty="0" smtClean="0">
+                <a:solidFill>
+                  <a:srgbClr val="00B050"/>
+                </a:solidFill>
+                <a:latin typeface="Courier New" pitchFamily="49" charset="0"/>
+                <a:cs typeface="Courier New" pitchFamily="49" charset="0"/>
+              </a:rPr>
+              <a:t>0xAAAA</a:t>
+            </a:r>
+          </a:p>
+          <a:p>
+            <a:pPr marL="0" indent="0">
+              <a:buNone/>
+            </a:pPr>
+            <a:r>
+              <a:rPr lang="en-US" sz="1400" dirty="0" smtClean="0">
+                <a:solidFill>
+                  <a:srgbClr val="00B050"/>
+                </a:solidFill>
+                <a:latin typeface="Courier New" pitchFamily="49" charset="0"/>
+                <a:cs typeface="Courier New" pitchFamily="49" charset="0"/>
+              </a:rPr>
+              <a:t>; Destroyed: None</a:t>
+            </a:r>
+          </a:p>
+          <a:p>
+            <a:pPr marL="0" indent="0">
+              <a:buNone/>
+            </a:pPr>
+            <a:r>
+              <a:rPr lang="en-US" sz="1400" b="1" dirty="0" smtClean="0">
+                <a:solidFill>
+                  <a:srgbClr val="00B050"/>
+                </a:solidFill>
+                <a:latin typeface="Courier New" pitchFamily="49" charset="0"/>
+                <a:cs typeface="Courier New" pitchFamily="49" charset="0"/>
+              </a:rPr>
+              <a:t>; Returned: None</a:t>
+            </a:r>
+            <a:endParaRPr lang="en-US" sz="1400" b="1" dirty="0">
+              <a:solidFill>
+                <a:srgbClr val="00B050"/>
+              </a:solidFill>
+              <a:latin typeface="Courier New" pitchFamily="49" charset="0"/>
+              <a:cs typeface="Courier New" pitchFamily="49" charset="0"/>
+            </a:endParaRPr>
+          </a:p>
+          <a:p>
+            <a:pPr marL="0" indent="0">
+              <a:buNone/>
+            </a:pPr>
+            <a:r>
+              <a:rPr lang="en-US" sz="1400" b="1" dirty="0">
+                <a:solidFill>
+                  <a:srgbClr val="00B050"/>
+                </a:solidFill>
+                <a:latin typeface="Courier New" pitchFamily="49" charset="0"/>
+                <a:cs typeface="Courier New" pitchFamily="49" charset="0"/>
+              </a:rPr>
+              <a:t>; -------------------------------------------</a:t>
+            </a:r>
+          </a:p>
+          <a:p>
+            <a:pPr marL="0" indent="0">
+              <a:buNone/>
+            </a:pPr>
+            <a:r>
+              <a:rPr lang="en-US" sz="1400" b="1" dirty="0" err="1">
+                <a:solidFill>
+                  <a:schemeClr val="accent2"/>
+                </a:solidFill>
+                <a:latin typeface="Courier New" pitchFamily="49" charset="0"/>
+                <a:cs typeface="Courier New" pitchFamily="49" charset="0"/>
+              </a:rPr>
+              <a:t>software_delay</a:t>
+            </a:r>
+            <a:r>
+              <a:rPr lang="en-US" sz="1400" b="1" dirty="0">
+                <a:solidFill>
+                  <a:schemeClr val="accent2"/>
+                </a:solidFill>
+                <a:latin typeface="Courier New" pitchFamily="49" charset="0"/>
+                <a:cs typeface="Courier New" pitchFamily="49" charset="0"/>
+              </a:rPr>
+              <a:t>:</a:t>
+            </a:r>
+          </a:p>
+          <a:p>
+            <a:pPr marL="0" indent="0">
+              <a:buNone/>
+            </a:pPr>
+            <a:r>
+              <a:rPr lang="en-US" sz="1400" b="1" dirty="0">
+                <a:solidFill>
+                  <a:schemeClr val="accent2"/>
+                </a:solidFill>
+                <a:latin typeface="Courier New" pitchFamily="49" charset="0"/>
+                <a:cs typeface="Courier New" pitchFamily="49" charset="0"/>
+              </a:rPr>
+              <a:t>		</a:t>
+            </a:r>
+            <a:r>
+              <a:rPr lang="en-US" sz="1400" b="1" dirty="0" smtClean="0">
+                <a:solidFill>
+                  <a:schemeClr val="accent2"/>
+                </a:solidFill>
+                <a:latin typeface="Courier New" pitchFamily="49" charset="0"/>
+                <a:cs typeface="Courier New" pitchFamily="49" charset="0"/>
+              </a:rPr>
+              <a:t>push </a:t>
+            </a:r>
+            <a:r>
+              <a:rPr lang="en-US" sz="1400" b="1" dirty="0">
+                <a:solidFill>
+                  <a:schemeClr val="accent2"/>
+                </a:solidFill>
+                <a:latin typeface="Courier New" pitchFamily="49" charset="0"/>
+                <a:cs typeface="Courier New" pitchFamily="49" charset="0"/>
+              </a:rPr>
+              <a:t>r5</a:t>
+            </a:r>
+          </a:p>
+          <a:p>
+            <a:pPr marL="0" indent="0">
+              <a:buNone/>
+            </a:pPr>
+            <a:r>
+              <a:rPr lang="en-US" sz="1400" b="1" dirty="0">
+                <a:solidFill>
+                  <a:schemeClr val="accent2"/>
+                </a:solidFill>
+                <a:latin typeface="Courier New" pitchFamily="49" charset="0"/>
+                <a:cs typeface="Courier New" pitchFamily="49" charset="0"/>
+              </a:rPr>
+              <a:t>		</a:t>
+            </a:r>
+            <a:r>
+              <a:rPr lang="en-US" sz="1400" b="1" dirty="0" err="1" smtClean="0">
+                <a:solidFill>
+                  <a:schemeClr val="accent2"/>
+                </a:solidFill>
+                <a:latin typeface="Courier New" pitchFamily="49" charset="0"/>
+                <a:cs typeface="Courier New" pitchFamily="49" charset="0"/>
+              </a:rPr>
+              <a:t>mov.w</a:t>
+            </a:r>
+            <a:r>
+              <a:rPr lang="en-US" sz="1400" b="1" dirty="0" smtClean="0">
+                <a:solidFill>
+                  <a:schemeClr val="accent2"/>
+                </a:solidFill>
+                <a:latin typeface="Courier New" pitchFamily="49" charset="0"/>
+                <a:cs typeface="Courier New" pitchFamily="49" charset="0"/>
+              </a:rPr>
+              <a:t> </a:t>
+            </a:r>
+            <a:r>
+              <a:rPr lang="en-US" sz="1400" b="1" dirty="0">
+                <a:solidFill>
+                  <a:schemeClr val="accent2"/>
+                </a:solidFill>
+                <a:latin typeface="Courier New" pitchFamily="49" charset="0"/>
+                <a:cs typeface="Courier New" pitchFamily="49" charset="0"/>
+              </a:rPr>
+              <a:t>#0xaaaa, r5</a:t>
+            </a:r>
+          </a:p>
+          <a:p>
+            <a:pPr marL="0" indent="0">
+              <a:buNone/>
+            </a:pPr>
+            <a:endParaRPr lang="en-US" sz="1400" b="1" dirty="0">
+              <a:solidFill>
+                <a:schemeClr val="accent2"/>
+              </a:solidFill>
+              <a:latin typeface="Courier New" pitchFamily="49" charset="0"/>
+              <a:cs typeface="Courier New" pitchFamily="49" charset="0"/>
+            </a:endParaRPr>
+          </a:p>
+          <a:p>
+            <a:pPr marL="0" indent="0">
+              <a:buNone/>
+            </a:pPr>
+            <a:r>
+              <a:rPr lang="en-US" sz="1400" b="1" dirty="0">
+                <a:solidFill>
+                  <a:schemeClr val="accent2"/>
+                </a:solidFill>
+                <a:latin typeface="Courier New" pitchFamily="49" charset="0"/>
+                <a:cs typeface="Courier New" pitchFamily="49" charset="0"/>
+              </a:rPr>
+              <a:t>delay:		</a:t>
+            </a:r>
+            <a:r>
+              <a:rPr lang="en-US" sz="1400" b="1" dirty="0" err="1" smtClean="0">
+                <a:solidFill>
+                  <a:schemeClr val="accent2"/>
+                </a:solidFill>
+                <a:latin typeface="Courier New" pitchFamily="49" charset="0"/>
+                <a:cs typeface="Courier New" pitchFamily="49" charset="0"/>
+              </a:rPr>
+              <a:t>dec</a:t>
+            </a:r>
+            <a:r>
+              <a:rPr lang="en-US" sz="1400" b="1" dirty="0" smtClean="0">
+                <a:solidFill>
+                  <a:schemeClr val="accent2"/>
+                </a:solidFill>
+                <a:latin typeface="Courier New" pitchFamily="49" charset="0"/>
+                <a:cs typeface="Courier New" pitchFamily="49" charset="0"/>
+              </a:rPr>
+              <a:t> </a:t>
+            </a:r>
+            <a:r>
+              <a:rPr lang="en-US" sz="1400" b="1" dirty="0">
+                <a:solidFill>
+                  <a:schemeClr val="accent2"/>
+                </a:solidFill>
+                <a:latin typeface="Courier New" pitchFamily="49" charset="0"/>
+                <a:cs typeface="Courier New" pitchFamily="49" charset="0"/>
+              </a:rPr>
+              <a:t>r5</a:t>
+            </a:r>
+          </a:p>
+          <a:p>
+            <a:pPr marL="0" indent="0">
+              <a:buNone/>
+            </a:pPr>
+            <a:r>
+              <a:rPr lang="en-US" sz="1400" b="1" dirty="0">
+                <a:solidFill>
+                  <a:schemeClr val="accent2"/>
+                </a:solidFill>
+                <a:latin typeface="Courier New" pitchFamily="49" charset="0"/>
+                <a:cs typeface="Courier New" pitchFamily="49" charset="0"/>
+              </a:rPr>
+              <a:t>		</a:t>
+            </a:r>
+            <a:r>
+              <a:rPr lang="en-US" sz="1400" b="1" dirty="0" err="1" smtClean="0">
+                <a:solidFill>
+                  <a:schemeClr val="accent2"/>
+                </a:solidFill>
+                <a:latin typeface="Courier New" pitchFamily="49" charset="0"/>
+                <a:cs typeface="Courier New" pitchFamily="49" charset="0"/>
+              </a:rPr>
+              <a:t>jnz</a:t>
+            </a:r>
+            <a:r>
+              <a:rPr lang="en-US" sz="1400" b="1" dirty="0" smtClean="0">
+                <a:solidFill>
+                  <a:schemeClr val="accent2"/>
+                </a:solidFill>
+                <a:latin typeface="Courier New" pitchFamily="49" charset="0"/>
+                <a:cs typeface="Courier New" pitchFamily="49" charset="0"/>
+              </a:rPr>
+              <a:t> </a:t>
+            </a:r>
+            <a:r>
+              <a:rPr lang="en-US" sz="1400" b="1" dirty="0">
+                <a:solidFill>
+                  <a:schemeClr val="accent2"/>
+                </a:solidFill>
+                <a:latin typeface="Courier New" pitchFamily="49" charset="0"/>
+                <a:cs typeface="Courier New" pitchFamily="49" charset="0"/>
+              </a:rPr>
+              <a:t>delay</a:t>
+            </a:r>
+          </a:p>
+          <a:p>
+            <a:pPr marL="0" indent="0">
+              <a:buNone/>
+            </a:pPr>
+            <a:r>
+              <a:rPr lang="en-US" sz="1400" b="1" dirty="0">
+                <a:solidFill>
+                  <a:schemeClr val="accent2"/>
+                </a:solidFill>
+                <a:latin typeface="Courier New" pitchFamily="49" charset="0"/>
+                <a:cs typeface="Courier New" pitchFamily="49" charset="0"/>
+              </a:rPr>
+              <a:t>		</a:t>
+            </a:r>
+            <a:r>
+              <a:rPr lang="en-US" sz="1400" b="1" dirty="0" smtClean="0">
+                <a:solidFill>
+                  <a:schemeClr val="accent2"/>
+                </a:solidFill>
+                <a:latin typeface="Courier New" pitchFamily="49" charset="0"/>
+                <a:cs typeface="Courier New" pitchFamily="49" charset="0"/>
+              </a:rPr>
+              <a:t>pop </a:t>
+            </a:r>
+            <a:r>
+              <a:rPr lang="en-US" sz="1400" b="1" dirty="0">
+                <a:solidFill>
+                  <a:schemeClr val="accent2"/>
+                </a:solidFill>
+                <a:latin typeface="Courier New" pitchFamily="49" charset="0"/>
+                <a:cs typeface="Courier New" pitchFamily="49" charset="0"/>
+              </a:rPr>
+              <a:t>r5</a:t>
+            </a:r>
+          </a:p>
+          <a:p>
+            <a:pPr marL="0" indent="0">
+              <a:buNone/>
+            </a:pPr>
+            <a:r>
+              <a:rPr lang="en-US" sz="1400" b="1" dirty="0">
+                <a:solidFill>
+                  <a:schemeClr val="accent2"/>
+                </a:solidFill>
+                <a:latin typeface="Courier New" pitchFamily="49" charset="0"/>
+                <a:cs typeface="Courier New" pitchFamily="49" charset="0"/>
+              </a:rPr>
+              <a:t>		</a:t>
+            </a:r>
+            <a:r>
+              <a:rPr lang="en-US" sz="1400" b="1" dirty="0" smtClean="0">
+                <a:solidFill>
+                  <a:schemeClr val="accent2"/>
+                </a:solidFill>
+                <a:latin typeface="Courier New" pitchFamily="49" charset="0"/>
+                <a:cs typeface="Courier New" pitchFamily="49" charset="0"/>
+              </a:rPr>
+              <a:t>ret</a:t>
+            </a:r>
+            <a:endParaRPr lang="en-US" sz="1400" b="1" dirty="0">
+              <a:solidFill>
+                <a:schemeClr val="accent2"/>
+              </a:solidFill>
+              <a:latin typeface="Courier New" pitchFamily="49" charset="0"/>
+              <a:cs typeface="Courier New" pitchFamily="49" charset="0"/>
+            </a:endParaRPr>
+          </a:p>
+          <a:p>
+            <a:pPr marL="0" indent="0">
+              <a:buNone/>
+            </a:pPr>
+            <a:r>
+              <a:rPr lang="en-US" sz="1400" b="1" dirty="0">
+                <a:solidFill>
+                  <a:srgbClr val="00B050"/>
+                </a:solidFill>
+                <a:latin typeface="Courier New" pitchFamily="49" charset="0"/>
+                <a:cs typeface="Courier New" pitchFamily="49" charset="0"/>
+              </a:rPr>
+              <a:t>; End Software delay ---------------------------</a:t>
+            </a:r>
+            <a:endParaRPr lang="en-US" sz="1400" b="1" dirty="0" smtClean="0">
+              <a:solidFill>
+                <a:srgbClr val="00B050"/>
+              </a:solidFill>
+              <a:latin typeface="Courier New" pitchFamily="49" charset="0"/>
+              <a:cs typeface="Courier New" pitchFamily="49" charset="0"/>
+            </a:endParaRPr>
+          </a:p>
+        </p:txBody>
+      </p:sp>
+      <p:sp>
+        <p:nvSpPr>
+          <p:cNvPr id="4" name="Rectangular Callout 3"/>
+          <p:cNvSpPr/>
+          <p:nvPr/>
+        </p:nvSpPr>
+        <p:spPr bwMode="auto">
+          <a:xfrm>
+            <a:off x="5716577" y="2648608"/>
+            <a:ext cx="3153103" cy="1198179"/>
+          </a:xfrm>
+          <a:prstGeom prst="wedgeRectCallout">
+            <a:avLst>
+              <a:gd name="adj1" fmla="val -111333"/>
+              <a:gd name="adj2" fmla="val 59868"/>
+            </a:avLst>
+          </a:prstGeom>
+          <a:solidFill>
+            <a:srgbClr val="FFFF00"/>
+          </a:solidFill>
+          <a:ln w="12700" cap="flat" cmpd="sng" algn="ctr">
+            <a:solidFill>
+              <a:schemeClr val="tx1"/>
+            </a:solidFill>
+            <a:prstDash val="solid"/>
+            <a:round/>
+            <a:headEnd type="none" w="med" len="med"/>
+            <a:tailEnd type="none" w="med" len="med"/>
+          </a:ln>
+          <a:effectLst/>
+        </p:spPr>
+        <p:txBody>
+          <a:bodyPr vert="horz" wrap="square" lIns="91440" tIns="45720" rIns="91440" bIns="45720" numCol="1" rtlCol="0" anchor="t" anchorCtr="0" compatLnSpc="1">
+            <a:prstTxWarp prst="textNoShape">
+              <a:avLst/>
+            </a:prstTxWarp>
+          </a:bodyPr>
+          <a:lstStyle/>
+          <a:p>
+            <a:pPr marL="0" marR="0" indent="0" algn="ctr" defTabSz="914400" rtl="0" eaLnBrk="0" fontAlgn="base" latinLnBrk="0" hangingPunct="0">
+              <a:lnSpc>
+                <a:spcPct val="100000"/>
+              </a:lnSpc>
+              <a:spcBef>
+                <a:spcPct val="0"/>
+              </a:spcBef>
+              <a:spcAft>
+                <a:spcPct val="0"/>
+              </a:spcAft>
+              <a:buClrTx/>
+              <a:buSzTx/>
+              <a:buFontTx/>
+              <a:buNone/>
+              <a:tabLst/>
+            </a:pPr>
+            <a:r>
+              <a:rPr kumimoji="0" lang="en-US" sz="1600" b="0" i="0" u="none" strike="noStrike" cap="none" normalizeH="0" baseline="0" dirty="0" smtClean="0">
+                <a:ln>
+                  <a:noFill/>
+                </a:ln>
+                <a:solidFill>
+                  <a:schemeClr val="tx1"/>
+                </a:solidFill>
+                <a:effectLst/>
+                <a:latin typeface="Arial" charset="0"/>
+              </a:rPr>
+              <a:t>For your </a:t>
+            </a:r>
+            <a:r>
+              <a:rPr kumimoji="0" lang="en-US" sz="1600" b="0" i="0" u="none" strike="noStrike" cap="none" normalizeH="0" baseline="0" dirty="0" err="1" smtClean="0">
+                <a:ln>
+                  <a:noFill/>
+                </a:ln>
+                <a:solidFill>
+                  <a:schemeClr val="tx1"/>
+                </a:solidFill>
+                <a:effectLst/>
+                <a:latin typeface="Arial" charset="0"/>
+              </a:rPr>
+              <a:t>uC</a:t>
+            </a:r>
+            <a:r>
+              <a:rPr kumimoji="0" lang="en-US" sz="1600" b="0" i="0" u="none" strike="noStrike" cap="none" normalizeH="0" baseline="0" dirty="0" smtClean="0">
+                <a:ln>
+                  <a:noFill/>
+                </a:ln>
+                <a:solidFill>
+                  <a:schemeClr val="tx1"/>
+                </a:solidFill>
+                <a:effectLst/>
+                <a:latin typeface="Arial" charset="0"/>
+              </a:rPr>
+              <a:t>, you need to determine how fast your oscillator</a:t>
+            </a:r>
+            <a:r>
+              <a:rPr kumimoji="0" lang="en-US" sz="1600" b="0" i="0" u="none" strike="noStrike" cap="none" normalizeH="0" dirty="0" smtClean="0">
+                <a:ln>
+                  <a:noFill/>
+                </a:ln>
+                <a:solidFill>
+                  <a:schemeClr val="tx1"/>
+                </a:solidFill>
+                <a:effectLst/>
+                <a:latin typeface="Arial" charset="0"/>
+              </a:rPr>
+              <a:t> is and set #0xaaaa to a value you want for </a:t>
+            </a:r>
+            <a:r>
+              <a:rPr kumimoji="0" lang="en-US" sz="1600" b="0" i="0" u="none" strike="noStrike" cap="none" normalizeH="0" dirty="0" err="1" smtClean="0">
+                <a:ln>
+                  <a:noFill/>
+                </a:ln>
+                <a:solidFill>
+                  <a:schemeClr val="tx1"/>
+                </a:solidFill>
+                <a:effectLst/>
+                <a:latin typeface="Arial" charset="0"/>
+              </a:rPr>
+              <a:t>debouncing</a:t>
+            </a:r>
+            <a:endParaRPr kumimoji="0" lang="en-US" sz="1600" b="0" i="0" u="none" strike="noStrike" cap="none" normalizeH="0" baseline="0" dirty="0" smtClean="0">
+              <a:ln>
+                <a:noFill/>
+              </a:ln>
+              <a:solidFill>
+                <a:schemeClr val="tx1"/>
+              </a:solidFill>
+              <a:effectLst/>
+              <a:latin typeface="Arial" charset="0"/>
+            </a:endParaRPr>
+          </a:p>
+        </p:txBody>
+      </p:sp>
+      <p:sp>
+        <p:nvSpPr>
+          <p:cNvPr id="5" name="Rectangular Callout 4"/>
+          <p:cNvSpPr/>
+          <p:nvPr/>
+        </p:nvSpPr>
+        <p:spPr bwMode="auto">
+          <a:xfrm>
+            <a:off x="5716577" y="4141575"/>
+            <a:ext cx="3153103" cy="1198179"/>
+          </a:xfrm>
+          <a:prstGeom prst="wedgeRectCallout">
+            <a:avLst>
+              <a:gd name="adj1" fmla="val -110583"/>
+              <a:gd name="adj2" fmla="val -49343"/>
+            </a:avLst>
+          </a:prstGeom>
+          <a:solidFill>
+            <a:srgbClr val="FFFF00"/>
+          </a:solidFill>
+          <a:ln w="12700" cap="flat" cmpd="sng" algn="ctr">
+            <a:solidFill>
+              <a:schemeClr val="tx1"/>
+            </a:solidFill>
+            <a:prstDash val="solid"/>
+            <a:round/>
+            <a:headEnd type="none" w="med" len="med"/>
+            <a:tailEnd type="none" w="med" len="med"/>
+          </a:ln>
+          <a:effectLst/>
+        </p:spPr>
+        <p:txBody>
+          <a:bodyPr vert="horz" wrap="square" lIns="91440" tIns="45720" rIns="91440" bIns="45720" numCol="1" rtlCol="0" anchor="t" anchorCtr="0" compatLnSpc="1">
+            <a:prstTxWarp prst="textNoShape">
+              <a:avLst/>
+            </a:prstTxWarp>
+          </a:bodyPr>
+          <a:lstStyle/>
+          <a:p>
+            <a:pPr marL="0" marR="0" indent="0" algn="ctr" defTabSz="914400" rtl="0" eaLnBrk="0" fontAlgn="base" latinLnBrk="0" hangingPunct="0">
+              <a:lnSpc>
+                <a:spcPct val="100000"/>
+              </a:lnSpc>
+              <a:spcBef>
+                <a:spcPct val="0"/>
+              </a:spcBef>
+              <a:spcAft>
+                <a:spcPct val="0"/>
+              </a:spcAft>
+              <a:buClrTx/>
+              <a:buSzTx/>
+              <a:buFontTx/>
+              <a:buNone/>
+              <a:tabLst/>
+            </a:pPr>
+            <a:r>
+              <a:rPr kumimoji="0" lang="en-US" sz="1600" b="0" i="0" u="none" strike="noStrike" cap="none" normalizeH="0" baseline="0" dirty="0" smtClean="0">
+                <a:ln>
+                  <a:noFill/>
+                </a:ln>
+                <a:solidFill>
+                  <a:schemeClr val="tx1"/>
+                </a:solidFill>
+                <a:effectLst/>
+                <a:latin typeface="Arial" charset="0"/>
+              </a:rPr>
+              <a:t>It might also be useful to pass in an</a:t>
+            </a:r>
+            <a:r>
+              <a:rPr kumimoji="0" lang="en-US" sz="1600" b="0" i="0" u="none" strike="noStrike" cap="none" normalizeH="0" dirty="0" smtClean="0">
+                <a:ln>
+                  <a:noFill/>
+                </a:ln>
+                <a:solidFill>
+                  <a:schemeClr val="tx1"/>
+                </a:solidFill>
+                <a:effectLst/>
+                <a:latin typeface="Arial" charset="0"/>
+              </a:rPr>
+              <a:t> argument for how long you want to delay instead of having it hardcoded</a:t>
+            </a:r>
+            <a:endParaRPr kumimoji="0" lang="en-US" sz="1600" b="0" i="0" u="none" strike="noStrike" cap="none" normalizeH="0" baseline="0" dirty="0" smtClean="0">
+              <a:ln>
+                <a:noFill/>
+              </a:ln>
+              <a:solidFill>
+                <a:schemeClr val="tx1"/>
+              </a:solidFill>
+              <a:effectLst/>
+              <a:latin typeface="Arial" charset="0"/>
+            </a:endParaRPr>
+          </a:p>
+        </p:txBody>
+      </p:sp>
+    </p:spTree>
+    <p:extLst>
+      <p:ext uri="{BB962C8B-B14F-4D97-AF65-F5344CB8AC3E}">
+        <p14:creationId xmlns:p14="http://schemas.microsoft.com/office/powerpoint/2010/main" val="2686562081"/>
+      </p:ext>
+    </p:extLst>
+  </p:cSld>
+  <p:clrMapOvr>
+    <a:masterClrMapping/>
+  </p:clrMapOvr>
+  <p:timing>
+    <p:tnLst>
+      <p:par>
+        <p:cTn id="1" dur="indefinite" restart="never" nodeType="tmRoot"/>
+      </p:par>
+    </p:tnLst>
+  </p:timing>
+</p:sld>
+</file>
+
+<file path=ppt/slides/slide21.xml><?xml version="1.0" encoding="utf-8"?>
+<p:sld xmlns:a="http://schemas.openxmlformats.org/drawingml/2006/main" xmlns:r="http://schemas.openxmlformats.org/officeDocument/2006/relationships" xmlns:p="http://schemas.openxmlformats.org/presentationml/2006/main">
+  <p:cSld>
+    <p:spTree>
+      <p:nvGrpSpPr>
+        <p:cNvPr id="1" name=""/>
+        <p:cNvGrpSpPr/>
+        <p:nvPr/>
+      </p:nvGrpSpPr>
+      <p:grpSpPr>
+        <a:xfrm>
+          <a:off x="0" y="0"/>
+          <a:ext cx="0" cy="0"/>
+          <a:chOff x="0" y="0"/>
+          <a:chExt cx="0" cy="0"/>
+        </a:xfrm>
+      </p:grpSpPr>
+      <p:sp>
+        <p:nvSpPr>
+          <p:cNvPr id="5" name="Subtitle 4"/>
+          <p:cNvSpPr>
+            <a:spLocks noGrp="1"/>
+          </p:cNvSpPr>
+          <p:nvPr>
+            <p:ph type="subTitle" idx="1"/>
+          </p:nvPr>
+        </p:nvSpPr>
+        <p:spPr/>
+        <p:txBody>
+          <a:bodyPr/>
+          <a:lstStyle/>
+          <a:p>
+            <a:endParaRPr lang="en-US" dirty="0"/>
+          </a:p>
+        </p:txBody>
+      </p:sp>
+      <p:sp>
+        <p:nvSpPr>
+          <p:cNvPr id="4" name="Title 3"/>
+          <p:cNvSpPr>
+            <a:spLocks noGrp="1"/>
+          </p:cNvSpPr>
+          <p:nvPr>
+            <p:ph type="title"/>
+          </p:nvPr>
+        </p:nvSpPr>
+        <p:spPr/>
+        <p:txBody>
+          <a:bodyPr/>
+          <a:lstStyle/>
+          <a:p>
+            <a:r>
+              <a:rPr lang="en-US" dirty="0" smtClean="0"/>
+              <a:t>BACKUPS</a:t>
+            </a:r>
+            <a:endParaRPr lang="en-US" dirty="0"/>
+          </a:p>
+        </p:txBody>
+      </p:sp>
+    </p:spTree>
+    <p:extLst>
+      <p:ext uri="{BB962C8B-B14F-4D97-AF65-F5344CB8AC3E}">
+        <p14:creationId xmlns:p14="http://schemas.microsoft.com/office/powerpoint/2010/main" val="3003632033"/>
+      </p:ext>
+    </p:extLst>
+  </p:cSld>
+  <p:clrMapOvr>
+    <a:masterClrMapping/>
+  </p:clrMapOvr>
+  <p:transition spd="med"/>
+  <p:timing>
+    <p:tnLst>
+      <p:par>
+        <p:cTn id="1" dur="indefinite" restart="never" nodeType="tmRoot"/>
+      </p:par>
+    </p:tnLst>
+  </p:timing>
+</p:sld>
+</file>
+
+<file path=ppt/slides/slide22.xml><?xml version="1.0" encoding="utf-8"?>
 <p:sld xmlns:a="http://schemas.openxmlformats.org/drawingml/2006/main" xmlns:r="http://schemas.openxmlformats.org/officeDocument/2006/relationships" xmlns:p="http://schemas.openxmlformats.org/presentationml/2006/main">
   <p:cSld>
     <p:spTree>
@@ -13210,7 +13446,7 @@
 </p:sld>
 </file>
 
-<file path=ppt/slides/slide21.xml><?xml version="1.0" encoding="utf-8"?>
+<file path=ppt/slides/slide23.xml><?xml version="1.0" encoding="utf-8"?>
 <p:sld xmlns:a="http://schemas.openxmlformats.org/drawingml/2006/main" xmlns:r="http://schemas.openxmlformats.org/officeDocument/2006/relationships" xmlns:p="http://schemas.openxmlformats.org/presentationml/2006/main">
   <p:cSld>
     <p:spTree>
@@ -13630,7 +13866,7 @@
 </p:sld>
 </file>
 
-<file path=ppt/slides/slide22.xml><?xml version="1.0" encoding="utf-8"?>
+<file path=ppt/slides/slide24.xml><?xml version="1.0" encoding="utf-8"?>
 <p:sld xmlns:a="http://schemas.openxmlformats.org/drawingml/2006/main" xmlns:r="http://schemas.openxmlformats.org/officeDocument/2006/relationships" xmlns:p="http://schemas.openxmlformats.org/presentationml/2006/main">
   <p:cSld>
     <p:spTree>
@@ -14514,7 +14750,7 @@
 </p:sld>
 </file>
 
-<file path=ppt/slides/slide23.xml><?xml version="1.0" encoding="utf-8"?>
+<file path=ppt/slides/slide25.xml><?xml version="1.0" encoding="utf-8"?>
 <p:sld xmlns:a="http://schemas.openxmlformats.org/drawingml/2006/main" xmlns:r="http://schemas.openxmlformats.org/officeDocument/2006/relationships" xmlns:p="http://schemas.openxmlformats.org/presentationml/2006/main">
   <p:cSld>
     <p:spTree>
@@ -14788,7 +15024,7 @@
 </p:sld>
 </file>
 
-<file path=ppt/slides/slide24.xml><?xml version="1.0" encoding="utf-8"?>
+<file path=ppt/slides/slide26.xml><?xml version="1.0" encoding="utf-8"?>
 <p:sld xmlns:a="http://schemas.openxmlformats.org/drawingml/2006/main" xmlns:r="http://schemas.openxmlformats.org/officeDocument/2006/relationships" xmlns:p="http://schemas.openxmlformats.org/presentationml/2006/main">
   <p:cSld>
     <p:spTree>
@@ -16948,7 +17184,7 @@
 </p:sld>
 </file>
 
-<file path=ppt/slides/slide25.xml><?xml version="1.0" encoding="utf-8"?>
+<file path=ppt/slides/slide27.xml><?xml version="1.0" encoding="utf-8"?>
 <p:sld xmlns:a="http://schemas.openxmlformats.org/drawingml/2006/main" xmlns:r="http://schemas.openxmlformats.org/officeDocument/2006/relationships" xmlns:p="http://schemas.openxmlformats.org/presentationml/2006/main">
   <p:cSld>
     <p:spTree>
@@ -18745,7 +18981,7 @@
 </p:sld>
 </file>
 
-<file path=ppt/slides/slide26.xml><?xml version="1.0" encoding="utf-8"?>
+<file path=ppt/slides/slide28.xml><?xml version="1.0" encoding="utf-8"?>
 <p:sld xmlns:a="http://schemas.openxmlformats.org/drawingml/2006/main" xmlns:r="http://schemas.openxmlformats.org/officeDocument/2006/relationships" xmlns:p="http://schemas.openxmlformats.org/presentationml/2006/main">
   <p:cSld>
     <p:spTree>
@@ -20184,6 +20420,96 @@
           </a:p>
         </p:txBody>
       </p:sp>
+      <p:sp>
+        <p:nvSpPr>
+          <p:cNvPr id="6" name="Rectangle 5"/>
+          <p:cNvSpPr/>
+          <p:nvPr/>
+        </p:nvSpPr>
+        <p:spPr bwMode="auto">
+          <a:xfrm>
+            <a:off x="930166" y="5305097"/>
+            <a:ext cx="7149662" cy="851337"/>
+          </a:xfrm>
+          <a:prstGeom prst="rect">
+            <a:avLst/>
+          </a:prstGeom>
+          <a:solidFill>
+            <a:srgbClr val="0C2D83"/>
+          </a:solidFill>
+          <a:ln w="12700" cap="flat" cmpd="sng" algn="ctr">
+            <a:solidFill>
+              <a:schemeClr val="accent2">
+                <a:lumMod val="60000"/>
+                <a:lumOff val="40000"/>
+              </a:schemeClr>
+            </a:solidFill>
+            <a:prstDash val="solid"/>
+            <a:round/>
+            <a:headEnd type="none" w="med" len="med"/>
+            <a:tailEnd type="none" w="med" len="med"/>
+          </a:ln>
+          <a:effectLst/>
+        </p:spPr>
+        <p:txBody>
+          <a:bodyPr vert="horz" wrap="square" lIns="91440" tIns="45720" rIns="91440" bIns="45720" numCol="1" rtlCol="0" anchor="ctr" anchorCtr="0" compatLnSpc="1">
+            <a:prstTxWarp prst="textNoShape">
+              <a:avLst/>
+            </a:prstTxWarp>
+          </a:bodyPr>
+          <a:lstStyle/>
+          <a:p>
+            <a:pPr marL="0" marR="0" indent="0" algn="ctr" defTabSz="914400" rtl="0" eaLnBrk="0" fontAlgn="base" latinLnBrk="0" hangingPunct="0">
+              <a:lnSpc>
+                <a:spcPct val="100000"/>
+              </a:lnSpc>
+              <a:spcBef>
+                <a:spcPct val="0"/>
+              </a:spcBef>
+              <a:spcAft>
+                <a:spcPct val="0"/>
+              </a:spcAft>
+              <a:buClrTx/>
+              <a:buSzTx/>
+              <a:buFontTx/>
+              <a:buNone/>
+              <a:tabLst/>
+            </a:pPr>
+            <a:r>
+              <a:rPr kumimoji="0" lang="en-US" sz="1800" b="1" i="0" u="none" strike="noStrike" cap="none" normalizeH="0" baseline="0" dirty="0" smtClean="0">
+                <a:ln>
+                  <a:noFill/>
+                </a:ln>
+                <a:solidFill>
+                  <a:schemeClr val="bg1"/>
+                </a:solidFill>
+                <a:effectLst/>
+                <a:latin typeface="Arial" charset="0"/>
+              </a:rPr>
+              <a:t>When we get to interrupts, we wil</a:t>
+            </a:r>
+            <a:r>
+              <a:rPr lang="en-US" sz="1800" b="1" dirty="0" smtClean="0">
+                <a:solidFill>
+                  <a:schemeClr val="bg1"/>
+                </a:solidFill>
+                <a:latin typeface="Arial" charset="0"/>
+              </a:rPr>
+              <a:t>l fix this waste of time</a:t>
+            </a:r>
+            <a:endParaRPr kumimoji="0" lang="en-US" sz="1800" b="1" i="0" u="none" strike="noStrike" cap="none" normalizeH="0" baseline="0" dirty="0" smtClean="0">
+              <a:ln>
+                <a:noFill/>
+              </a:ln>
+              <a:solidFill>
+                <a:schemeClr val="bg1"/>
+              </a:solidFill>
+              <a:effectLst/>
+              <a:latin typeface="Arial" charset="0"/>
+            </a:endParaRPr>
+          </a:p>
+        </p:txBody>
+      </p:sp>
     </p:spTree>
     <p:extLst>
       <p:ext uri="{BB962C8B-B14F-4D97-AF65-F5344CB8AC3E}">
@@ -20197,9 +20523,80 @@
   <p:timing>
     <p:tnLst>
       <p:par>
-        <p:cTn id="1" dur="indefinite" restart="never" nodeType="tmRoot"/>
+        <p:cTn id="1" dur="indefinite" restart="never" nodeType="tmRoot">
+          <p:childTnLst>
+            <p:seq concurrent="1" nextAc="seek">
+              <p:cTn id="2" dur="indefinite" nodeType="mainSeq">
+                <p:childTnLst>
+                  <p:par>
+                    <p:cTn id="3" fill="hold">
+                      <p:stCondLst>
+                        <p:cond delay="indefinite"/>
+                      </p:stCondLst>
+                      <p:childTnLst>
+                        <p:par>
+                          <p:cTn id="4" fill="hold">
+                            <p:stCondLst>
+                              <p:cond delay="0"/>
+                            </p:stCondLst>
+                            <p:childTnLst>
+                              <p:par>
+                                <p:cTn id="5" presetID="1" presetClass="entr" presetSubtype="0" fill="hold" grpId="0" nodeType="clickEffect">
+                                  <p:stCondLst>
+                                    <p:cond delay="0"/>
+                                  </p:stCondLst>
+                                  <p:childTnLst>
+                                    <p:set>
+                                      <p:cBhvr>
+                                        <p:cTn id="6" dur="1" fill="hold">
+                                          <p:stCondLst>
+                                            <p:cond delay="0"/>
+                                          </p:stCondLst>
+                                        </p:cTn>
+                                        <p:tgtEl>
+                                          <p:spTgt spid="6"/>
+                                        </p:tgtEl>
+                                        <p:attrNameLst>
+                                          <p:attrName>style.visibility</p:attrName>
+                                        </p:attrNameLst>
+                                      </p:cBhvr>
+                                      <p:to>
+                                        <p:strVal val="visible"/>
+                                      </p:to>
+                                    </p:set>
+                                  </p:childTnLst>
+                                </p:cTn>
+                              </p:par>
+                            </p:childTnLst>
+                          </p:cTn>
+                        </p:par>
+                      </p:childTnLst>
+                    </p:cTn>
+                  </p:par>
+                </p:childTnLst>
+              </p:cTn>
+              <p:prevCondLst>
+                <p:cond evt="onPrev" delay="0">
+                  <p:tgtEl>
+                    <p:sldTgt/>
+                  </p:tgtEl>
+                </p:cond>
+              </p:prevCondLst>
+              <p:nextCondLst>
+                <p:cond evt="onNext" delay="0">
+                  <p:tgtEl>
+                    <p:sldTgt/>
+                  </p:tgtEl>
+                </p:cond>
+              </p:nextCondLst>
+            </p:seq>
+          </p:childTnLst>
+        </p:cTn>
       </p:par>
     </p:tnLst>
+    <p:bldLst>
+      <p:bldP spid="6" grpId="0" animBg="1"/>
+    </p:bldLst>
   </p:timing>
 </p:sld>
 </file>
@@ -20237,6 +20634,131 @@
           <a:lstStyle/>
           <a:p>
             <a:r>
+              <a:rPr lang="en-US" dirty="0" smtClean="0"/>
+              <a:t>Digital Input Signals</a:t>
+            </a:r>
+            <a:endParaRPr lang="en-US" dirty="0"/>
+          </a:p>
+        </p:txBody>
+      </p:sp>
+      <p:sp>
+        <p:nvSpPr>
+          <p:cNvPr id="3" name="Content Placeholder 2"/>
+          <p:cNvSpPr>
+            <a:spLocks noGrp="1"/>
+          </p:cNvSpPr>
+          <p:nvPr>
+            <p:ph idx="1"/>
+          </p:nvPr>
+        </p:nvSpPr>
+        <p:spPr>
+          <a:xfrm>
+            <a:off x="365760" y="1463040"/>
+            <a:ext cx="5223116" cy="4937760"/>
+          </a:xfrm>
+        </p:spPr>
+        <p:txBody>
+          <a:bodyPr/>
+          <a:lstStyle/>
+          <a:p>
+            <a:r>
+              <a:rPr lang="en-US" dirty="0" smtClean="0"/>
+              <a:t>Often …</a:t>
+            </a:r>
+            <a:endParaRPr lang="en-US" dirty="0"/>
+          </a:p>
+        </p:txBody>
+      </p:sp>
+      <p:pic>
+        <p:nvPicPr>
+          <p:cNvPr id="4" name="Content Placeholder 4"/>
+          <p:cNvPicPr>
+            <a:picLocks noChangeAspect="1"/>
+          </p:cNvPicPr>
+          <p:nvPr/>
+        </p:nvPicPr>
+        <p:blipFill>
+          <a:blip r:embed="rId2">
+            <a:extLst>
+              <a:ext uri="{28A0092B-C50C-407E-A947-70E740481C1C}">
+                <a14:useLocalDpi xmlns:a14="http://schemas.microsoft.com/office/drawing/2010/main" val="0"/>
+              </a:ext>
+            </a:extLst>
+          </a:blip>
+          <a:stretch>
+            <a:fillRect/>
+          </a:stretch>
+        </p:blipFill>
+        <p:spPr bwMode="auto">
+          <a:xfrm>
+            <a:off x="5349240" y="1463675"/>
+            <a:ext cx="3450912" cy="4937125"/>
+          </a:xfrm>
+          <a:prstGeom prst="rect">
+            <a:avLst/>
+          </a:prstGeom>
+          <a:noFill/>
+          <a:ln w="9525">
+            <a:noFill/>
+            <a:miter lim="800000"/>
+            <a:headEnd/>
+            <a:tailEnd/>
+          </a:ln>
+        </p:spPr>
+      </p:pic>
+    </p:spTree>
+    <p:extLst>
+      <p:ext uri="{BB962C8B-B14F-4D97-AF65-F5344CB8AC3E}">
+        <p14:creationId xmlns:p14="http://schemas.microsoft.com/office/powerpoint/2010/main" val="1004733878"/>
+      </p:ext>
+    </p:extLst>
+  </p:cSld>
+  <p:clrMapOvr>
+    <a:masterClrMapping/>
+  </p:clrMapOvr>
+  <p:timing>
+    <p:tnLst>
+      <p:par>
+        <p:cTn id="1" dur="indefinite" restart="never" nodeType="tmRoot"/>
+      </p:par>
+    </p:tnLst>
+  </p:timing>
+</p:sld>
+</file>
+
+<file path=ppt/slides/slide7.xml><?xml version="1.0" encoding="utf-8"?>
+<p:sld xmlns:a="http://schemas.openxmlformats.org/drawingml/2006/main" xmlns:r="http://schemas.openxmlformats.org/officeDocument/2006/relationships" xmlns:p="http://schemas.openxmlformats.org/presentationml/2006/main">
+  <p:cSld>
+    <p:spTree>
+      <p:nvGrpSpPr>
+        <p:cNvPr id="1" name=""/>
+        <p:cNvGrpSpPr/>
+        <p:nvPr/>
+      </p:nvGrpSpPr>
+      <p:grpSpPr>
+        <a:xfrm>
+          <a:off x="0" y="0"/>
+          <a:ext cx="0" cy="0"/>
+          <a:chOff x="0" y="0"/>
+          <a:chExt cx="0" cy="0"/>
+        </a:xfrm>
+      </p:grpSpPr>
+      <p:sp>
+        <p:nvSpPr>
+          <p:cNvPr id="2" name="Title 1"/>
+          <p:cNvSpPr>
+            <a:spLocks noGrp="1"/>
+          </p:cNvSpPr>
+          <p:nvPr>
+            <p:ph type="title"/>
+          </p:nvPr>
+        </p:nvSpPr>
+        <p:spPr/>
+        <p:txBody>
+          <a:bodyPr/>
+          <a:lstStyle/>
+          <a:p>
+            <a:r>
               <a:rPr lang="en-US" dirty="0" err="1" smtClean="0"/>
               <a:t>Debouncing</a:t>
             </a:r>
@@ -20269,15 +20791,7 @@
             </a:r>
             <a:r>
               <a:rPr lang="en-US" dirty="0" smtClean="0"/>
-              <a:t> are mechanical devices </a:t>
-            </a:r>
-            <a:r>
-              <a:rPr lang="en-US" dirty="0" smtClean="0"/>
-              <a:t>and </a:t>
-            </a:r>
-            <a:r>
-              <a:rPr lang="en-US" dirty="0" smtClean="0"/>
-              <a:t>experience </a:t>
+              <a:t> are mechanical devices and experience </a:t>
             </a:r>
             <a:r>
               <a:rPr lang="en-US" dirty="0" smtClean="0">
@@ -20362,10 +20876,195 @@
   <p:clrMapOvr>
     <a:masterClrMapping/>
   </p:clrMapOvr>
+  <p:timing>
+    <p:tnLst>
+      <p:par>
+        <p:cTn id="1" dur="indefinite" restart="never" nodeType="tmRoot"/>
+      </p:par>
+    </p:tnLst>
+  </p:timing>
 </p:sld>
 </file>
 
-<file path=ppt/slides/slide7.xml><?xml version="1.0" encoding="utf-8"?>
+<file path=ppt/slides/slide8.xml><?xml version="1.0" encoding="utf-8"?>
+<p:sld xmlns:a="http://schemas.openxmlformats.org/drawingml/2006/main" xmlns:r="http://schemas.openxmlformats.org/officeDocument/2006/relationships" xmlns:p="http://schemas.openxmlformats.org/presentationml/2006/main">
+  <p:cSld>
+    <p:spTree>
+      <p:nvGrpSpPr>
+        <p:cNvPr id="1" name=""/>
+        <p:cNvGrpSpPr/>
+        <p:nvPr/>
+      </p:nvGrpSpPr>
+      <p:grpSpPr>
+        <a:xfrm>
+          <a:off x="0" y="0"/>
+          <a:ext cx="0" cy="0"/>
+          <a:chOff x="0" y="0"/>
+          <a:chExt cx="0" cy="0"/>
+        </a:xfrm>
+      </p:grpSpPr>
+      <p:sp>
+        <p:nvSpPr>
+          <p:cNvPr id="2" name="Title 1"/>
+          <p:cNvSpPr>
+            <a:spLocks noGrp="1"/>
+          </p:cNvSpPr>
+          <p:nvPr>
+            <p:ph type="title"/>
+          </p:nvPr>
+        </p:nvSpPr>
+        <p:spPr/>
+        <p:txBody>
+          <a:bodyPr/>
+          <a:lstStyle/>
+          <a:p>
+            <a:r>
+              <a:rPr lang="en-US" dirty="0" err="1" smtClean="0"/>
+              <a:t>Debouncing</a:t>
+            </a:r>
+            <a:endParaRPr lang="en-US" dirty="0"/>
+          </a:p>
+        </p:txBody>
+      </p:sp>
+      <p:pic>
+        <p:nvPicPr>
+          <p:cNvPr id="6" name="Picture 5"/>
+          <p:cNvPicPr>
+            <a:picLocks noChangeAspect="1"/>
+          </p:cNvPicPr>
+          <p:nvPr/>
+        </p:nvPicPr>
+        <p:blipFill>
+          <a:blip r:embed="rId2"/>
+          <a:stretch>
+            <a:fillRect/>
+          </a:stretch>
+        </p:blipFill>
+        <p:spPr>
+          <a:xfrm>
+            <a:off x="1323778" y="1587554"/>
+            <a:ext cx="6803346" cy="3840170"/>
+          </a:xfrm>
+          <a:prstGeom prst="rect">
+            <a:avLst/>
+          </a:prstGeom>
+        </p:spPr>
+      </p:pic>
+      <p:sp>
+        <p:nvSpPr>
+          <p:cNvPr id="7" name="Rectangular Callout 6"/>
+          <p:cNvSpPr/>
+          <p:nvPr/>
+        </p:nvSpPr>
+        <p:spPr bwMode="auto">
+          <a:xfrm>
+            <a:off x="670035" y="4871545"/>
+            <a:ext cx="3886200" cy="1300655"/>
+          </a:xfrm>
+          <a:prstGeom prst="wedgeRectCallout">
+            <a:avLst>
+              <a:gd name="adj1" fmla="val 45090"/>
+              <a:gd name="adj2" fmla="val -179924"/>
+            </a:avLst>
+          </a:prstGeom>
+          <a:solidFill>
+            <a:srgbClr val="FFFF00"/>
+          </a:solidFill>
+          <a:ln w="12700" cap="flat" cmpd="sng" algn="ctr">
+            <a:solidFill>
+              <a:schemeClr val="tx1"/>
+            </a:solidFill>
+            <a:prstDash val="solid"/>
+            <a:round/>
+            <a:headEnd type="none" w="med" len="med"/>
+            <a:tailEnd type="none" w="med" len="med"/>
+          </a:ln>
+          <a:effectLst/>
+        </p:spPr>
+        <p:txBody>
+          <a:bodyPr vert="horz" wrap="square" lIns="91440" tIns="45720" rIns="91440" bIns="45720" numCol="1" rtlCol="0" anchor="ctr" anchorCtr="0" compatLnSpc="1">
+            <a:prstTxWarp prst="textNoShape">
+              <a:avLst/>
+            </a:prstTxWarp>
+          </a:bodyPr>
+          <a:lstStyle/>
+          <a:p>
+            <a:pPr marL="0" marR="0" indent="0" algn="ctr" defTabSz="914400" rtl="0" eaLnBrk="0" fontAlgn="base" latinLnBrk="0" hangingPunct="0">
+              <a:lnSpc>
+                <a:spcPct val="100000"/>
+              </a:lnSpc>
+              <a:spcBef>
+                <a:spcPct val="0"/>
+              </a:spcBef>
+              <a:spcAft>
+                <a:spcPct val="0"/>
+              </a:spcAft>
+              <a:buClrTx/>
+              <a:buSzTx/>
+              <a:buFontTx/>
+              <a:buNone/>
+              <a:tabLst/>
+            </a:pPr>
+            <a:r>
+              <a:rPr kumimoji="0" lang="en-US" sz="1600" b="0" i="0" u="none" strike="noStrike" cap="none" normalizeH="0" baseline="0" dirty="0" smtClean="0">
+                <a:ln>
+                  <a:noFill/>
+                </a:ln>
+                <a:solidFill>
+                  <a:schemeClr val="tx1"/>
+                </a:solidFill>
+                <a:effectLst/>
+                <a:latin typeface="Arial" charset="0"/>
+              </a:rPr>
+              <a:t>Notice</a:t>
+            </a:r>
+            <a:r>
+              <a:rPr kumimoji="0" lang="en-US" sz="1600" b="0" i="0" u="none" strike="noStrike" cap="none" normalizeH="0" dirty="0" smtClean="0">
+                <a:ln>
+                  <a:noFill/>
+                </a:ln>
+                <a:solidFill>
+                  <a:schemeClr val="tx1"/>
+                </a:solidFill>
+                <a:effectLst/>
+                <a:latin typeface="Arial" charset="0"/>
+              </a:rPr>
+              <a:t> how this looks like high frequency noise. How do we remove high frequency noise …. think ECE231 or ECE315</a:t>
+            </a:r>
+            <a:endParaRPr kumimoji="0" lang="en-US" sz="1600" b="0" i="0" u="none" strike="noStrike" cap="none" normalizeH="0" baseline="0" dirty="0" smtClean="0">
+              <a:ln>
+                <a:noFill/>
+              </a:ln>
+              <a:solidFill>
+                <a:schemeClr val="tx1"/>
+              </a:solidFill>
+              <a:effectLst/>
+              <a:latin typeface="Arial" charset="0"/>
+            </a:endParaRPr>
+          </a:p>
+        </p:txBody>
+      </p:sp>
+    </p:spTree>
+    <p:extLst>
+      <p:ext uri="{BB962C8B-B14F-4D97-AF65-F5344CB8AC3E}">
+        <p14:creationId xmlns:p14="http://schemas.microsoft.com/office/powerpoint/2010/main" val="1221369276"/>
+      </p:ext>
+    </p:extLst>
+  </p:cSld>
+  <p:clrMapOvr>
+    <a:masterClrMapping/>
+  </p:clrMapOvr>
+  <p:timing>
+    <p:tnLst>
+      <p:par>
+        <p:cTn id="1" dur="indefinite" restart="never" nodeType="tmRoot"/>
+      </p:par>
+    </p:tnLst>
+  </p:timing>
+</p:sld>
+</file>
+
+<file path=ppt/slides/slide9.xml><?xml version="1.0" encoding="utf-8"?>
 <p:sld xmlns:a="http://schemas.openxmlformats.org/drawingml/2006/main" xmlns:r="http://schemas.openxmlformats.org/officeDocument/2006/relationships" xmlns:p="http://schemas.openxmlformats.org/presentationml/2006/main">
   <p:cSld>
     <p:spTree>
@@ -20801,254 +21500,6 @@
     <p:extLst>
       <p:ext uri="{BB962C8B-B14F-4D97-AF65-F5344CB8AC3E}">
         <p14:creationId xmlns:p14="http://schemas.microsoft.com/office/powerpoint/2010/main" val="4233297911"/>
-      </p:ext>
-    </p:extLst>
-  </p:cSld>
-  <p:clrMapOvr>
-    <a:masterClrMapping/>
-  </p:clrMapOvr>
-</p:sld>
-</file>
-
-<file path=ppt/slides/slide8.xml><?xml version="1.0" encoding="utf-8"?>
-<p:sld xmlns:a="http://schemas.openxmlformats.org/drawingml/2006/main" xmlns:r="http://schemas.openxmlformats.org/officeDocument/2006/relationships" xmlns:p="http://schemas.openxmlformats.org/presentationml/2006/main">
-  <p:cSld>
-    <p:spTree>
-      <p:nvGrpSpPr>
-        <p:cNvPr id="1" name=""/>
-        <p:cNvGrpSpPr/>
-        <p:nvPr/>
-      </p:nvGrpSpPr>
-      <p:grpSpPr>
-        <a:xfrm>
-          <a:off x="0" y="0"/>
-          <a:ext cx="0" cy="0"/>
-          <a:chOff x="0" y="0"/>
-          <a:chExt cx="0" cy="0"/>
-        </a:xfrm>
-      </p:grpSpPr>
-      <p:sp>
-        <p:nvSpPr>
-          <p:cNvPr id="2" name="Title 1"/>
-          <p:cNvSpPr>
-            <a:spLocks noGrp="1"/>
-          </p:cNvSpPr>
-          <p:nvPr>
-            <p:ph type="title"/>
-          </p:nvPr>
-        </p:nvSpPr>
-        <p:spPr/>
-        <p:txBody>
-          <a:bodyPr/>
-          <a:lstStyle/>
-          <a:p>
-            <a:r>
-              <a:rPr lang="en-US" b="1" dirty="0" smtClean="0"/>
-              <a:t>Logic Analyzer</a:t>
-            </a:r>
-            <a:endParaRPr lang="en-US" dirty="0"/>
-          </a:p>
-        </p:txBody>
-      </p:sp>
-      <p:pic>
-        <p:nvPicPr>
-          <p:cNvPr id="1026" name="Picture 2" descr="Bounce Example 1"/>
-          <p:cNvPicPr>
-            <a:picLocks noChangeAspect="1" noChangeArrowheads="1"/>
-          </p:cNvPicPr>
-          <p:nvPr/>
-        </p:nvPicPr>
-        <p:blipFill>
-          <a:blip r:embed="rId2">
-            <a:extLst>
-              <a:ext uri="{28A0092B-C50C-407E-A947-70E740481C1C}">
-                <a14:useLocalDpi xmlns:a14="http://schemas.microsoft.com/office/drawing/2010/main" val="0"/>
-              </a:ext>
-            </a:extLst>
-          </a:blip>
-          <a:srcRect/>
-          <a:stretch>
-            <a:fillRect/>
-          </a:stretch>
-        </p:blipFill>
-        <p:spPr bwMode="auto">
-          <a:xfrm>
-            <a:off x="972872" y="1646076"/>
-            <a:ext cx="6949232" cy="5211924"/>
-          </a:xfrm>
-          <a:prstGeom prst="rect">
-            <a:avLst/>
-          </a:prstGeom>
-          <a:noFill/>
-          <a:extLst>
-            <a:ext uri="{909E8E84-426E-40DD-AFC4-6F175D3DCCD1}">
-              <a14:hiddenFill xmlns:a14="http://schemas.microsoft.com/office/drawing/2010/main">
-                <a:solidFill>
-                  <a:srgbClr val="FFFFFF"/>
-                </a:solidFill>
-              </a14:hiddenFill>
-            </a:ext>
-          </a:extLst>
-        </p:spPr>
-      </p:pic>
-    </p:spTree>
-    <p:extLst>
-      <p:ext uri="{BB962C8B-B14F-4D97-AF65-F5344CB8AC3E}">
-        <p14:creationId xmlns:p14="http://schemas.microsoft.com/office/powerpoint/2010/main" val="22206249"/>
-      </p:ext>
-    </p:extLst>
-  </p:cSld>
-  <p:clrMapOvr>
-    <a:masterClrMapping/>
-  </p:clrMapOvr>
-  <p:timing>
-    <p:tnLst>
-      <p:par>
-        <p:cTn id="1" dur="indefinite" restart="never" nodeType="tmRoot"/>
-      </p:par>
-    </p:tnLst>
-  </p:timing>
-</p:sld>
-</file>
-
-<file path=ppt/slides/slide9.xml><?xml version="1.0" encoding="utf-8"?>
-<p:sld xmlns:a="http://schemas.openxmlformats.org/drawingml/2006/main" xmlns:r="http://schemas.openxmlformats.org/officeDocument/2006/relationships" xmlns:p="http://schemas.openxmlformats.org/presentationml/2006/main">
-  <p:cSld>
-    <p:spTree>
-      <p:nvGrpSpPr>
-        <p:cNvPr id="1" name=""/>
-        <p:cNvGrpSpPr/>
-        <p:nvPr/>
-      </p:nvGrpSpPr>
-      <p:grpSpPr>
-        <a:xfrm>
-          <a:off x="0" y="0"/>
-          <a:ext cx="0" cy="0"/>
-          <a:chOff x="0" y="0"/>
-          <a:chExt cx="0" cy="0"/>
-        </a:xfrm>
-      </p:grpSpPr>
-      <p:sp>
-        <p:nvSpPr>
-          <p:cNvPr id="2" name="Title 1"/>
-          <p:cNvSpPr>
-            <a:spLocks noGrp="1"/>
-          </p:cNvSpPr>
-          <p:nvPr>
-            <p:ph type="title"/>
-          </p:nvPr>
-        </p:nvSpPr>
-        <p:spPr/>
-        <p:txBody>
-          <a:bodyPr/>
-          <a:lstStyle/>
-          <a:p>
-            <a:r>
-              <a:rPr lang="en-US" b="1" dirty="0" smtClean="0"/>
-              <a:t>Logic Analyzer</a:t>
-            </a:r>
-            <a:endParaRPr lang="en-US" dirty="0"/>
-          </a:p>
-        </p:txBody>
-      </p:sp>
-      <p:sp>
-        <p:nvSpPr>
-          <p:cNvPr id="3" name="Content Placeholder 2"/>
-          <p:cNvSpPr>
-            <a:spLocks noGrp="1"/>
-          </p:cNvSpPr>
-          <p:nvPr>
-            <p:ph idx="1"/>
-          </p:nvPr>
-        </p:nvSpPr>
-        <p:spPr>
-          <a:xfrm>
-            <a:off x="489770" y="1536955"/>
-            <a:ext cx="8493642" cy="4724400"/>
-          </a:xfrm>
-        </p:spPr>
-        <p:txBody>
-          <a:bodyPr/>
-          <a:lstStyle/>
-          <a:p>
-            <a:r>
-              <a:rPr lang="en-US" sz="2000" dirty="0" err="1" smtClean="0">
-                <a:solidFill>
-                  <a:schemeClr val="accent2"/>
-                </a:solidFill>
-              </a:rPr>
-              <a:t>Debouncing</a:t>
-            </a:r>
-            <a:r>
-              <a:rPr lang="en-US" sz="2000" dirty="0" smtClean="0">
-                <a:solidFill>
-                  <a:schemeClr val="accent2"/>
-                </a:solidFill>
-              </a:rPr>
-              <a:t>:   random bounces each time…</a:t>
-            </a:r>
-            <a:endParaRPr lang="en-US" sz="1600" dirty="0"/>
-          </a:p>
-        </p:txBody>
-      </p:sp>
-      <p:pic>
-        <p:nvPicPr>
-          <p:cNvPr id="2050" name="Picture 2"/>
-          <p:cNvPicPr>
-            <a:picLocks noChangeAspect="1" noChangeArrowheads="1"/>
-          </p:cNvPicPr>
-          <p:nvPr/>
-        </p:nvPicPr>
-        <p:blipFill>
-          <a:blip r:embed="rId2">
-            <a:extLst>
-              <a:ext uri="{28A0092B-C50C-407E-A947-70E740481C1C}">
-                <a14:useLocalDpi xmlns:a14="http://schemas.microsoft.com/office/drawing/2010/main" val="0"/>
-              </a:ext>
-            </a:extLst>
-          </a:blip>
-          <a:srcRect/>
-          <a:stretch>
-            <a:fillRect/>
-          </a:stretch>
-        </p:blipFill>
-        <p:spPr bwMode="auto">
-          <a:xfrm>
-            <a:off x="1702676" y="2409769"/>
-            <a:ext cx="5930974" cy="4448231"/>
-          </a:xfrm>
-          <a:prstGeom prst="rect">
-            <a:avLst/>
-          </a:prstGeom>
-          <a:noFill/>
-          <a:ln>
-            <a:noFill/>
-          </a:ln>
-          <a:extLst>
-            <a:ext uri="{909E8E84-426E-40DD-AFC4-6F175D3DCCD1}">
-              <a14:hiddenFill xmlns:a14="http://schemas.microsoft.com/office/drawing/2010/main">
-                <a:solidFill>
-                  <a:schemeClr val="accent1"/>
-                </a:solidFill>
-              </a14:hiddenFill>
-            </a:ext>
-            <a:ext uri="{91240B29-F687-4F45-9708-019B960494DF}">
-              <a14:hiddenLine xmlns:a14="http://schemas.microsoft.com/office/drawing/2010/main" w="9525">
-                <a:solidFill>
-                  <a:schemeClr val="tx1"/>
-                </a:solidFill>
-                <a:miter lim="800000"/>
-                <a:headEnd/>
-                <a:tailEnd/>
-              </a14:hiddenLine>
-            </a:ext>
-          </a:extLst>
-        </p:spPr>
-      </p:pic>
-    </p:spTree>
-    <p:extLst>
-      <p:ext uri="{BB962C8B-B14F-4D97-AF65-F5344CB8AC3E}">
-        <p14:creationId xmlns:p14="http://schemas.microsoft.com/office/powerpoint/2010/main" val="3658102557"/>
       </p:ext>
     </p:extLst>
   </p:cSld>

--- a/source/lessons/lsn14-15/Lsn14-15.pptx
+++ b/source/lessons/lsn14-15/Lsn14-15.pptx
@@ -7,10 +7,10 @@
     <p:sldMasterId id="2147483667" r:id="rId3"/>
   </p:sldMasterIdLst>
   <p:notesMasterIdLst>
-    <p:notesMasterId r:id="rId32"/>
+    <p:notesMasterId r:id="rId26"/>
   </p:notesMasterIdLst>
   <p:handoutMasterIdLst>
-    <p:handoutMasterId r:id="rId33"/>
+    <p:handoutMasterId r:id="rId27"/>
   </p:handoutMasterIdLst>
   <p:sldIdLst>
     <p:sldId id="352" r:id="rId4"/>
@@ -18,29 +18,23 @@
     <p:sldId id="377" r:id="rId6"/>
     <p:sldId id="379" r:id="rId7"/>
     <p:sldId id="359" r:id="rId8"/>
-    <p:sldId id="382" r:id="rId9"/>
-    <p:sldId id="378" r:id="rId10"/>
-    <p:sldId id="381" r:id="rId11"/>
-    <p:sldId id="380" r:id="rId12"/>
-    <p:sldId id="360" r:id="rId13"/>
-    <p:sldId id="361" r:id="rId14"/>
-    <p:sldId id="362" r:id="rId15"/>
-    <p:sldId id="363" r:id="rId16"/>
-    <p:sldId id="367" r:id="rId17"/>
-    <p:sldId id="370" r:id="rId18"/>
-    <p:sldId id="371" r:id="rId19"/>
-    <p:sldId id="372" r:id="rId20"/>
-    <p:sldId id="374" r:id="rId21"/>
-    <p:sldId id="375" r:id="rId22"/>
-    <p:sldId id="376" r:id="rId23"/>
-    <p:sldId id="353" r:id="rId24"/>
-    <p:sldId id="355" r:id="rId25"/>
-    <p:sldId id="356" r:id="rId26"/>
-    <p:sldId id="357" r:id="rId27"/>
-    <p:sldId id="358" r:id="rId28"/>
-    <p:sldId id="368" r:id="rId29"/>
-    <p:sldId id="369" r:id="rId30"/>
-    <p:sldId id="373" r:id="rId31"/>
+    <p:sldId id="378" r:id="rId9"/>
+    <p:sldId id="381" r:id="rId10"/>
+    <p:sldId id="380" r:id="rId11"/>
+    <p:sldId id="360" r:id="rId12"/>
+    <p:sldId id="361" r:id="rId13"/>
+    <p:sldId id="362" r:id="rId14"/>
+    <p:sldId id="363" r:id="rId15"/>
+    <p:sldId id="367" r:id="rId16"/>
+    <p:sldId id="370" r:id="rId17"/>
+    <p:sldId id="371" r:id="rId18"/>
+    <p:sldId id="372" r:id="rId19"/>
+    <p:sldId id="374" r:id="rId20"/>
+    <p:sldId id="375" r:id="rId21"/>
+    <p:sldId id="376" r:id="rId22"/>
+    <p:sldId id="353" r:id="rId23"/>
+    <p:sldId id="358" r:id="rId24"/>
+    <p:sldId id="373" r:id="rId25"/>
   </p:sldIdLst>
   <p:sldSz cx="9144000" cy="6858000" type="screen4x3"/>
   <p:notesSz cx="7010400" cy="9296400"/>
@@ -1378,7 +1372,7 @@
           <a:p>
             <a:fld id="{834513E8-165F-4932-9E2D-FD497CB9A4FD}" type="datetimeFigureOut">
               <a:rPr lang="en-US" smtClean="0"/>
-              <a:t>7/9/2018</a:t>
+              <a:t>7/10/2018</a:t>
             </a:fld>
             <a:endParaRPr lang="en-US"/>
           </a:p>
@@ -1655,7 +1649,7 @@
           <a:p>
             <a:fld id="{834513E8-165F-4932-9E2D-FD497CB9A4FD}" type="datetimeFigureOut">
               <a:rPr lang="en-US" smtClean="0"/>
-              <a:t>7/9/2018</a:t>
+              <a:t>7/10/2018</a:t>
             </a:fld>
             <a:endParaRPr lang="en-US"/>
           </a:p>
@@ -1908,7 +1902,7 @@
           <a:p>
             <a:fld id="{834513E8-165F-4932-9E2D-FD497CB9A4FD}" type="datetimeFigureOut">
               <a:rPr lang="en-US" smtClean="0"/>
-              <a:t>7/9/2018</a:t>
+              <a:t>7/10/2018</a:t>
             </a:fld>
             <a:endParaRPr lang="en-US"/>
           </a:p>
@@ -2078,7 +2072,7 @@
           <a:p>
             <a:fld id="{834513E8-165F-4932-9E2D-FD497CB9A4FD}" type="datetimeFigureOut">
               <a:rPr lang="en-US" smtClean="0"/>
-              <a:t>7/9/2018</a:t>
+              <a:t>7/10/2018</a:t>
             </a:fld>
             <a:endParaRPr lang="en-US"/>
           </a:p>
@@ -2258,7 +2252,7 @@
           <a:p>
             <a:fld id="{834513E8-165F-4932-9E2D-FD497CB9A4FD}" type="datetimeFigureOut">
               <a:rPr lang="en-US" smtClean="0"/>
-              <a:t>7/9/2018</a:t>
+              <a:t>7/10/2018</a:t>
             </a:fld>
             <a:endParaRPr lang="en-US"/>
           </a:p>
@@ -3002,7 +2996,7 @@
           <a:p>
             <a:fld id="{834513E8-165F-4932-9E2D-FD497CB9A4FD}" type="datetimeFigureOut">
               <a:rPr lang="en-US" smtClean="0"/>
-              <a:t>7/9/2018</a:t>
+              <a:t>7/10/2018</a:t>
             </a:fld>
             <a:endParaRPr lang="en-US"/>
           </a:p>
@@ -3172,7 +3166,7 @@
           <a:p>
             <a:fld id="{834513E8-165F-4932-9E2D-FD497CB9A4FD}" type="datetimeFigureOut">
               <a:rPr lang="en-US" smtClean="0"/>
-              <a:t>7/9/2018</a:t>
+              <a:t>7/10/2018</a:t>
             </a:fld>
             <a:endParaRPr lang="en-US"/>
           </a:p>
@@ -3418,7 +3412,7 @@
           <a:p>
             <a:fld id="{834513E8-165F-4932-9E2D-FD497CB9A4FD}" type="datetimeFigureOut">
               <a:rPr lang="en-US" smtClean="0"/>
-              <a:t>7/9/2018</a:t>
+              <a:t>7/10/2018</a:t>
             </a:fld>
             <a:endParaRPr lang="en-US"/>
           </a:p>
@@ -3650,7 +3644,7 @@
           <a:p>
             <a:fld id="{834513E8-165F-4932-9E2D-FD497CB9A4FD}" type="datetimeFigureOut">
               <a:rPr lang="en-US" smtClean="0"/>
-              <a:t>7/9/2018</a:t>
+              <a:t>7/10/2018</a:t>
             </a:fld>
             <a:endParaRPr lang="en-US"/>
           </a:p>
@@ -4017,7 +4011,7 @@
           <a:p>
             <a:fld id="{834513E8-165F-4932-9E2D-FD497CB9A4FD}" type="datetimeFigureOut">
               <a:rPr lang="en-US" smtClean="0"/>
-              <a:t>7/9/2018</a:t>
+              <a:t>7/10/2018</a:t>
             </a:fld>
             <a:endParaRPr lang="en-US"/>
           </a:p>
@@ -4135,7 +4129,7 @@
           <a:p>
             <a:fld id="{834513E8-165F-4932-9E2D-FD497CB9A4FD}" type="datetimeFigureOut">
               <a:rPr lang="en-US" smtClean="0"/>
-              <a:t>7/9/2018</a:t>
+              <a:t>7/10/2018</a:t>
             </a:fld>
             <a:endParaRPr lang="en-US"/>
           </a:p>
@@ -5951,7 +5945,7 @@
           <a:p>
             <a:fld id="{834513E8-165F-4932-9E2D-FD497CB9A4FD}" type="datetimeFigureOut">
               <a:rPr lang="en-US" smtClean="0"/>
-              <a:t>7/9/2018</a:t>
+              <a:t>7/10/2018</a:t>
             </a:fld>
             <a:endParaRPr lang="en-US"/>
           </a:p>
@@ -6992,9 +6986,49 @@
           </a:p>
         </p:txBody>
       </p:sp>
+      <p:sp>
+        <p:nvSpPr>
+          <p:cNvPr id="3" name="Content Placeholder 2"/>
+          <p:cNvSpPr>
+            <a:spLocks noGrp="1"/>
+          </p:cNvSpPr>
+          <p:nvPr>
+            <p:ph idx="1"/>
+          </p:nvPr>
+        </p:nvSpPr>
+        <p:spPr>
+          <a:xfrm>
+            <a:off x="489770" y="1536955"/>
+            <a:ext cx="8493642" cy="4724400"/>
+          </a:xfrm>
+        </p:spPr>
+        <p:txBody>
+          <a:bodyPr/>
+          <a:lstStyle/>
+          <a:p>
+            <a:r>
+              <a:rPr lang="en-US" sz="2000" dirty="0" err="1" smtClean="0">
+                <a:solidFill>
+                  <a:schemeClr val="accent2"/>
+                </a:solidFill>
+              </a:rPr>
+              <a:t>Debouncing</a:t>
+            </a:r>
+            <a:r>
+              <a:rPr lang="en-US" sz="2000" dirty="0" smtClean="0">
+                <a:solidFill>
+                  <a:schemeClr val="accent2"/>
+                </a:solidFill>
+              </a:rPr>
+              <a:t>:   random bounces each time…</a:t>
+            </a:r>
+            <a:endParaRPr lang="en-US" sz="1600" dirty="0"/>
+          </a:p>
+        </p:txBody>
+      </p:sp>
       <p:pic>
         <p:nvPicPr>
-          <p:cNvPr id="1026" name="Picture 2" descr="Bounce Example 1"/>
+          <p:cNvPr id="2050" name="Picture 2"/>
           <p:cNvPicPr>
             <a:picLocks noChangeAspect="1" noChangeArrowheads="1"/>
           </p:cNvPicPr>
@@ -7015,20 +7049,33 @@
         </p:blipFill>
         <p:spPr bwMode="auto">
           <a:xfrm>
-            <a:off x="972872" y="1646076"/>
-            <a:ext cx="6949232" cy="5211924"/>
+            <a:off x="1702676" y="2409769"/>
+            <a:ext cx="5930974" cy="4448231"/>
           </a:xfrm>
           <a:prstGeom prst="rect">
             <a:avLst/>
           </a:prstGeom>
           <a:noFill/>
+          <a:ln>
+            <a:noFill/>
+          </a:ln>
           <a:extLst>
             <a:ext uri="{909E8E84-426E-40DD-AFC4-6F175D3DCCD1}">
               <a14:hiddenFill xmlns:a14="http://schemas.microsoft.com/office/drawing/2010/main">
                 <a:solidFill>
-                  <a:srgbClr val="FFFFFF"/>
+                  <a:schemeClr val="accent1"/>
                 </a:solidFill>
               </a14:hiddenFill>
+            </a:ext>
+            <a:ext uri="{91240B29-F687-4F45-9708-019B960494DF}">
+              <a14:hiddenLine xmlns:a14="http://schemas.microsoft.com/office/drawing/2010/main" w="9525">
+                <a:solidFill>
+                  <a:schemeClr val="tx1"/>
+                </a:solidFill>
+                <a:miter lim="800000"/>
+                <a:headEnd/>
+                <a:tailEnd/>
+              </a14:hiddenLine>
             </a:ext>
           </a:extLst>
         </p:spPr>
@@ -7036,7 +7083,7 @@
     </p:spTree>
     <p:extLst>
       <p:ext uri="{BB962C8B-B14F-4D97-AF65-F5344CB8AC3E}">
-        <p14:creationId xmlns:p14="http://schemas.microsoft.com/office/powerpoint/2010/main" val="22206249"/>
+        <p14:creationId xmlns:p14="http://schemas.microsoft.com/office/powerpoint/2010/main" val="3658102557"/>
       </p:ext>
     </p:extLst>
   </p:cSld>
@@ -7085,11 +7132,7 @@
           <a:bodyPr/>
           <a:lstStyle/>
           <a:p>
-            <a:r>
-              <a:rPr lang="en-US" b="1" dirty="0" smtClean="0"/>
-              <a:t>Logic Analyzer</a:t>
-            </a:r>
-            <a:endParaRPr lang="en-US" dirty="0"/>
+            <a:endParaRPr lang="en-US"/>
           </a:p>
         </p:txBody>
       </p:sp>
@@ -7103,39 +7146,18 @@
             <p:ph idx="1"/>
           </p:nvPr>
         </p:nvSpPr>
-        <p:spPr>
-          <a:xfrm>
-            <a:off x="489770" y="1536955"/>
-            <a:ext cx="8493642" cy="4724400"/>
-          </a:xfrm>
-        </p:spPr>
+        <p:spPr/>
         <p:txBody>
           <a:bodyPr/>
           <a:lstStyle/>
           <a:p>
-            <a:r>
-              <a:rPr lang="en-US" sz="2000" dirty="0" err="1" smtClean="0">
-                <a:solidFill>
-                  <a:schemeClr val="accent2"/>
-                </a:solidFill>
-              </a:rPr>
-              <a:t>Debouncing</a:t>
-            </a:r>
-            <a:r>
-              <a:rPr lang="en-US" sz="2000" dirty="0" smtClean="0">
-                <a:solidFill>
-                  <a:schemeClr val="accent2"/>
-                </a:solidFill>
-              </a:rPr>
-              <a:t>:   random bounces each time…</a:t>
-            </a:r>
-            <a:endParaRPr lang="en-US" sz="1600" dirty="0"/>
+            <a:endParaRPr lang="en-US"/>
           </a:p>
         </p:txBody>
       </p:sp>
       <p:pic>
         <p:nvPicPr>
-          <p:cNvPr id="2050" name="Picture 2"/>
+          <p:cNvPr id="3074" name="Picture 2"/>
           <p:cNvPicPr>
             <a:picLocks noChangeAspect="1" noChangeArrowheads="1"/>
           </p:cNvPicPr>
@@ -7156,8 +7178,8 @@
         </p:blipFill>
         <p:spPr bwMode="auto">
           <a:xfrm>
-            <a:off x="1702676" y="2409769"/>
-            <a:ext cx="5930974" cy="4448231"/>
+            <a:off x="0" y="0"/>
+            <a:ext cx="9753600" cy="7315200"/>
           </a:xfrm>
           <a:prstGeom prst="rect">
             <a:avLst/>
@@ -7190,7 +7212,7 @@
     </p:spTree>
     <p:extLst>
       <p:ext uri="{BB962C8B-B14F-4D97-AF65-F5344CB8AC3E}">
-        <p14:creationId xmlns:p14="http://schemas.microsoft.com/office/powerpoint/2010/main" val="3658102557"/>
+        <p14:creationId xmlns:p14="http://schemas.microsoft.com/office/powerpoint/2010/main" val="538974518"/>
       </p:ext>
     </p:extLst>
   </p:cSld>
@@ -7239,135 +7261,6 @@
           <a:bodyPr/>
           <a:lstStyle/>
           <a:p>
-            <a:endParaRPr lang="en-US"/>
-          </a:p>
-        </p:txBody>
-      </p:sp>
-      <p:sp>
-        <p:nvSpPr>
-          <p:cNvPr id="3" name="Content Placeholder 2"/>
-          <p:cNvSpPr>
-            <a:spLocks noGrp="1"/>
-          </p:cNvSpPr>
-          <p:nvPr>
-            <p:ph idx="1"/>
-          </p:nvPr>
-        </p:nvSpPr>
-        <p:spPr/>
-        <p:txBody>
-          <a:bodyPr/>
-          <a:lstStyle/>
-          <a:p>
-            <a:endParaRPr lang="en-US"/>
-          </a:p>
-        </p:txBody>
-      </p:sp>
-      <p:pic>
-        <p:nvPicPr>
-          <p:cNvPr id="3074" name="Picture 2"/>
-          <p:cNvPicPr>
-            <a:picLocks noChangeAspect="1" noChangeArrowheads="1"/>
-          </p:cNvPicPr>
-          <p:nvPr/>
-        </p:nvPicPr>
-        <p:blipFill>
-          <a:blip r:embed="rId2">
-            <a:extLst>
-              <a:ext uri="{28A0092B-C50C-407E-A947-70E740481C1C}">
-                <a14:useLocalDpi xmlns:a14="http://schemas.microsoft.com/office/drawing/2010/main" val="0"/>
-              </a:ext>
-            </a:extLst>
-          </a:blip>
-          <a:srcRect/>
-          <a:stretch>
-            <a:fillRect/>
-          </a:stretch>
-        </p:blipFill>
-        <p:spPr bwMode="auto">
-          <a:xfrm>
-            <a:off x="0" y="0"/>
-            <a:ext cx="9753600" cy="7315200"/>
-          </a:xfrm>
-          <a:prstGeom prst="rect">
-            <a:avLst/>
-          </a:prstGeom>
-          <a:noFill/>
-          <a:ln>
-            <a:noFill/>
-          </a:ln>
-          <a:extLst>
-            <a:ext uri="{909E8E84-426E-40DD-AFC4-6F175D3DCCD1}">
-              <a14:hiddenFill xmlns:a14="http://schemas.microsoft.com/office/drawing/2010/main">
-                <a:solidFill>
-                  <a:schemeClr val="accent1"/>
-                </a:solidFill>
-              </a14:hiddenFill>
-            </a:ext>
-            <a:ext uri="{91240B29-F687-4F45-9708-019B960494DF}">
-              <a14:hiddenLine xmlns:a14="http://schemas.microsoft.com/office/drawing/2010/main" w="9525">
-                <a:solidFill>
-                  <a:schemeClr val="tx1"/>
-                </a:solidFill>
-                <a:miter lim="800000"/>
-                <a:headEnd/>
-                <a:tailEnd/>
-              </a14:hiddenLine>
-            </a:ext>
-          </a:extLst>
-        </p:spPr>
-      </p:pic>
-    </p:spTree>
-    <p:extLst>
-      <p:ext uri="{BB962C8B-B14F-4D97-AF65-F5344CB8AC3E}">
-        <p14:creationId xmlns:p14="http://schemas.microsoft.com/office/powerpoint/2010/main" val="538974518"/>
-      </p:ext>
-    </p:extLst>
-  </p:cSld>
-  <p:clrMapOvr>
-    <a:masterClrMapping/>
-  </p:clrMapOvr>
-  <p:timing>
-    <p:tnLst>
-      <p:par>
-        <p:cTn id="1" dur="indefinite" restart="never" nodeType="tmRoot"/>
-      </p:par>
-    </p:tnLst>
-  </p:timing>
-</p:sld>
-</file>
-
-<file path=ppt/slides/slide13.xml><?xml version="1.0" encoding="utf-8"?>
-<p:sld xmlns:a="http://schemas.openxmlformats.org/drawingml/2006/main" xmlns:r="http://schemas.openxmlformats.org/officeDocument/2006/relationships" xmlns:p="http://schemas.openxmlformats.org/presentationml/2006/main">
-  <p:cSld>
-    <p:spTree>
-      <p:nvGrpSpPr>
-        <p:cNvPr id="1" name=""/>
-        <p:cNvGrpSpPr/>
-        <p:nvPr/>
-      </p:nvGrpSpPr>
-      <p:grpSpPr>
-        <a:xfrm>
-          <a:off x="0" y="0"/>
-          <a:ext cx="0" cy="0"/>
-          <a:chOff x="0" y="0"/>
-          <a:chExt cx="0" cy="0"/>
-        </a:xfrm>
-      </p:grpSpPr>
-      <p:sp>
-        <p:nvSpPr>
-          <p:cNvPr id="2" name="Title 1"/>
-          <p:cNvSpPr>
-            <a:spLocks noGrp="1"/>
-          </p:cNvSpPr>
-          <p:nvPr>
-            <p:ph type="title"/>
-          </p:nvPr>
-        </p:nvSpPr>
-        <p:spPr/>
-        <p:txBody>
-          <a:bodyPr/>
-          <a:lstStyle/>
-          <a:p>
             <a:r>
               <a:rPr lang="en-US" dirty="0" err="1" smtClean="0"/>
               <a:t>Debouncing</a:t>
@@ -8272,7 +8165,7 @@
 </p:sld>
 </file>
 
-<file path=ppt/slides/slide14.xml><?xml version="1.0" encoding="utf-8"?>
+<file path=ppt/slides/slide13.xml><?xml version="1.0" encoding="utf-8"?>
 <p:sld xmlns:a="http://schemas.openxmlformats.org/drawingml/2006/main" xmlns:r="http://schemas.openxmlformats.org/officeDocument/2006/relationships" xmlns:p="http://schemas.openxmlformats.org/presentationml/2006/main">
   <p:cSld>
     <p:spTree>
@@ -8875,7 +8768,7 @@
 </p:sld>
 </file>
 
-<file path=ppt/slides/slide15.xml><?xml version="1.0" encoding="utf-8"?>
+<file path=ppt/slides/slide14.xml><?xml version="1.0" encoding="utf-8"?>
 <p:sld xmlns:a="http://schemas.openxmlformats.org/drawingml/2006/main" xmlns:r="http://schemas.openxmlformats.org/officeDocument/2006/relationships" xmlns:p="http://schemas.openxmlformats.org/presentationml/2006/main">
   <p:cSld>
     <p:spTree>
@@ -9712,7 +9605,7 @@
 </p:sld>
 </file>
 
-<file path=ppt/slides/slide16.xml><?xml version="1.0" encoding="utf-8"?>
+<file path=ppt/slides/slide15.xml><?xml version="1.0" encoding="utf-8"?>
 <p:sld xmlns:a="http://schemas.openxmlformats.org/drawingml/2006/main" xmlns:r="http://schemas.openxmlformats.org/officeDocument/2006/relationships" xmlns:p="http://schemas.openxmlformats.org/presentationml/2006/main">
   <p:cSld>
     <p:spTree>
@@ -9963,7 +9856,7 @@
 </p:sld>
 </file>
 
-<file path=ppt/slides/slide17.xml><?xml version="1.0" encoding="utf-8"?>
+<file path=ppt/slides/slide16.xml><?xml version="1.0" encoding="utf-8"?>
 <p:sld xmlns:a="http://schemas.openxmlformats.org/drawingml/2006/main" xmlns:r="http://schemas.openxmlformats.org/officeDocument/2006/relationships" xmlns:p="http://schemas.openxmlformats.org/presentationml/2006/main">
   <p:cSld>
     <p:spTree>
@@ -10644,7 +10537,7 @@
 </p:sld>
 </file>
 
-<file path=ppt/slides/slide18.xml><?xml version="1.0" encoding="utf-8"?>
+<file path=ppt/slides/slide17.xml><?xml version="1.0" encoding="utf-8"?>
 <p:sld xmlns:a="http://schemas.openxmlformats.org/drawingml/2006/main" xmlns:r="http://schemas.openxmlformats.org/officeDocument/2006/relationships" xmlns:p="http://schemas.openxmlformats.org/presentationml/2006/main">
   <p:cSld>
     <p:spTree>
@@ -10978,6 +10871,1130 @@
     <p:extLst>
       <p:ext uri="{BB962C8B-B14F-4D97-AF65-F5344CB8AC3E}">
         <p14:creationId xmlns:p14="http://schemas.microsoft.com/office/powerpoint/2010/main" val="2563983900"/>
+      </p:ext>
+    </p:extLst>
+  </p:cSld>
+  <p:clrMapOvr>
+    <a:masterClrMapping/>
+  </p:clrMapOvr>
+  <p:timing>
+    <p:tnLst>
+      <p:par>
+        <p:cTn id="1" dur="indefinite" restart="never" nodeType="tmRoot"/>
+      </p:par>
+    </p:tnLst>
+  </p:timing>
+</p:sld>
+</file>
+
+<file path=ppt/slides/slide18.xml><?xml version="1.0" encoding="utf-8"?>
+<p:sld xmlns:a="http://schemas.openxmlformats.org/drawingml/2006/main" xmlns:r="http://schemas.openxmlformats.org/officeDocument/2006/relationships" xmlns:p="http://schemas.openxmlformats.org/presentationml/2006/main">
+  <p:cSld>
+    <p:spTree>
+      <p:nvGrpSpPr>
+        <p:cNvPr id="1" name=""/>
+        <p:cNvGrpSpPr/>
+        <p:nvPr/>
+      </p:nvGrpSpPr>
+      <p:grpSpPr>
+        <a:xfrm>
+          <a:off x="0" y="0"/>
+          <a:ext cx="0" cy="0"/>
+          <a:chOff x="0" y="0"/>
+          <a:chExt cx="0" cy="0"/>
+        </a:xfrm>
+      </p:grpSpPr>
+      <p:sp>
+        <p:nvSpPr>
+          <p:cNvPr id="2" name="Title 1"/>
+          <p:cNvSpPr>
+            <a:spLocks noGrp="1"/>
+          </p:cNvSpPr>
+          <p:nvPr>
+            <p:ph type="title"/>
+          </p:nvPr>
+        </p:nvSpPr>
+        <p:spPr/>
+        <p:txBody>
+          <a:bodyPr/>
+          <a:lstStyle/>
+          <a:p>
+            <a:r>
+              <a:rPr lang="en-US" dirty="0" err="1" smtClean="0"/>
+              <a:t>Debounced</a:t>
+            </a:r>
+            <a:r>
+              <a:rPr lang="en-US" dirty="0" smtClean="0"/>
+              <a:t> code with SW delay</a:t>
+            </a:r>
+            <a:endParaRPr lang="en-US" dirty="0"/>
+          </a:p>
+        </p:txBody>
+      </p:sp>
+      <p:sp>
+        <p:nvSpPr>
+          <p:cNvPr id="3" name="Content Placeholder 2"/>
+          <p:cNvSpPr>
+            <a:spLocks noGrp="1"/>
+          </p:cNvSpPr>
+          <p:nvPr>
+            <p:ph idx="1"/>
+          </p:nvPr>
+        </p:nvSpPr>
+        <p:spPr>
+          <a:xfrm>
+            <a:off x="723958" y="1551299"/>
+            <a:ext cx="7772400" cy="4724400"/>
+          </a:xfrm>
+        </p:spPr>
+        <p:txBody>
+          <a:bodyPr>
+            <a:normAutofit fontScale="92500" lnSpcReduction="20000"/>
+          </a:bodyPr>
+          <a:lstStyle/>
+          <a:p>
+            <a:pPr marL="0" indent="0">
+              <a:buNone/>
+            </a:pPr>
+            <a:r>
+              <a:rPr lang="en-US" sz="1400" b="1" dirty="0">
+                <a:solidFill>
+                  <a:schemeClr val="accent2"/>
+                </a:solidFill>
+                <a:latin typeface="Courier New" pitchFamily="49" charset="0"/>
+                <a:cs typeface="Courier New" pitchFamily="49" charset="0"/>
+              </a:rPr>
+              <a:t>		</a:t>
+            </a:r>
+            <a:r>
+              <a:rPr lang="en-US" sz="1400" b="1" dirty="0" smtClean="0">
+                <a:solidFill>
+                  <a:schemeClr val="accent2"/>
+                </a:solidFill>
+                <a:latin typeface="Courier New" pitchFamily="49" charset="0"/>
+                <a:cs typeface="Courier New" pitchFamily="49" charset="0"/>
+              </a:rPr>
+              <a:t>    </a:t>
+            </a:r>
+            <a:r>
+              <a:rPr lang="en-US" sz="1400" b="1" dirty="0" smtClean="0">
+                <a:solidFill>
+                  <a:srgbClr val="00B050"/>
+                </a:solidFill>
+                <a:latin typeface="Courier New" pitchFamily="49" charset="0"/>
+                <a:cs typeface="Courier New" pitchFamily="49" charset="0"/>
+              </a:rPr>
+              <a:t>; </a:t>
+            </a:r>
+            <a:r>
+              <a:rPr lang="en-US" sz="1400" b="1" dirty="0">
+                <a:solidFill>
+                  <a:srgbClr val="00B050"/>
+                </a:solidFill>
+                <a:latin typeface="Courier New" pitchFamily="49" charset="0"/>
+                <a:cs typeface="Courier New" pitchFamily="49" charset="0"/>
+              </a:rPr>
+              <a:t>Setup P1.3 for button input</a:t>
+            </a:r>
+          </a:p>
+          <a:p>
+            <a:pPr marL="0" indent="0">
+              <a:buNone/>
+            </a:pPr>
+            <a:r>
+              <a:rPr lang="en-US" sz="1400" b="1" dirty="0">
+                <a:solidFill>
+                  <a:schemeClr val="accent2"/>
+                </a:solidFill>
+                <a:latin typeface="Courier New" pitchFamily="49" charset="0"/>
+                <a:cs typeface="Courier New" pitchFamily="49" charset="0"/>
+              </a:rPr>
+              <a:t>                     </a:t>
+            </a:r>
+            <a:r>
+              <a:rPr lang="en-US" sz="1400" b="1" dirty="0" err="1">
+                <a:solidFill>
+                  <a:schemeClr val="accent2"/>
+                </a:solidFill>
+                <a:latin typeface="Courier New" pitchFamily="49" charset="0"/>
+                <a:cs typeface="Courier New" pitchFamily="49" charset="0"/>
+              </a:rPr>
+              <a:t>bis.b</a:t>
+            </a:r>
+            <a:r>
+              <a:rPr lang="en-US" sz="1400" b="1" dirty="0">
+                <a:solidFill>
+                  <a:schemeClr val="accent2"/>
+                </a:solidFill>
+                <a:latin typeface="Courier New" pitchFamily="49" charset="0"/>
+                <a:cs typeface="Courier New" pitchFamily="49" charset="0"/>
+              </a:rPr>
+              <a:t>  #BIT3, &amp;P1OUT</a:t>
+            </a:r>
+          </a:p>
+          <a:p>
+            <a:pPr marL="0" indent="0">
+              <a:buNone/>
+            </a:pPr>
+            <a:r>
+              <a:rPr lang="en-US" sz="1400" b="1" dirty="0">
+                <a:solidFill>
+                  <a:schemeClr val="accent2"/>
+                </a:solidFill>
+                <a:latin typeface="Courier New" pitchFamily="49" charset="0"/>
+                <a:cs typeface="Courier New" pitchFamily="49" charset="0"/>
+              </a:rPr>
+              <a:t>                     </a:t>
+            </a:r>
+            <a:r>
+              <a:rPr lang="en-US" sz="1400" b="1" dirty="0" err="1">
+                <a:solidFill>
+                  <a:schemeClr val="accent2"/>
+                </a:solidFill>
+                <a:latin typeface="Courier New" pitchFamily="49" charset="0"/>
+                <a:cs typeface="Courier New" pitchFamily="49" charset="0"/>
+              </a:rPr>
+              <a:t>bis.b</a:t>
+            </a:r>
+            <a:r>
+              <a:rPr lang="en-US" sz="1400" b="1" dirty="0">
+                <a:solidFill>
+                  <a:schemeClr val="accent2"/>
+                </a:solidFill>
+                <a:latin typeface="Courier New" pitchFamily="49" charset="0"/>
+                <a:cs typeface="Courier New" pitchFamily="49" charset="0"/>
+              </a:rPr>
+              <a:t>  #BIT3, &amp;P1REN</a:t>
+            </a:r>
+          </a:p>
+          <a:p>
+            <a:pPr marL="0" indent="0">
+              <a:buNone/>
+            </a:pPr>
+            <a:r>
+              <a:rPr lang="en-US" sz="1400" b="1" dirty="0">
+                <a:solidFill>
+                  <a:schemeClr val="accent2"/>
+                </a:solidFill>
+                <a:latin typeface="Courier New" pitchFamily="49" charset="0"/>
+                <a:cs typeface="Courier New" pitchFamily="49" charset="0"/>
+              </a:rPr>
+              <a:t>                     </a:t>
+            </a:r>
+            <a:r>
+              <a:rPr lang="en-US" sz="1400" b="1" dirty="0" err="1">
+                <a:solidFill>
+                  <a:schemeClr val="accent2"/>
+                </a:solidFill>
+                <a:latin typeface="Courier New" pitchFamily="49" charset="0"/>
+                <a:cs typeface="Courier New" pitchFamily="49" charset="0"/>
+              </a:rPr>
+              <a:t>bic.b</a:t>
+            </a:r>
+            <a:r>
+              <a:rPr lang="en-US" sz="1400" b="1" dirty="0">
+                <a:solidFill>
+                  <a:schemeClr val="accent2"/>
+                </a:solidFill>
+                <a:latin typeface="Courier New" pitchFamily="49" charset="0"/>
+                <a:cs typeface="Courier New" pitchFamily="49" charset="0"/>
+              </a:rPr>
+              <a:t>  #BIT3, &amp;P1DIR</a:t>
+            </a:r>
+          </a:p>
+          <a:p>
+            <a:pPr marL="0" indent="0">
+              <a:buNone/>
+            </a:pPr>
+            <a:endParaRPr lang="en-US" sz="1400" b="1" dirty="0">
+              <a:solidFill>
+                <a:schemeClr val="accent2"/>
+              </a:solidFill>
+              <a:latin typeface="Courier New" pitchFamily="49" charset="0"/>
+              <a:cs typeface="Courier New" pitchFamily="49" charset="0"/>
+            </a:endParaRPr>
+          </a:p>
+          <a:p>
+            <a:pPr marL="0" indent="0">
+              <a:buNone/>
+            </a:pPr>
+            <a:r>
+              <a:rPr lang="en-US" sz="1400" b="1" dirty="0">
+                <a:solidFill>
+                  <a:schemeClr val="accent2"/>
+                </a:solidFill>
+                <a:latin typeface="Courier New" pitchFamily="49" charset="0"/>
+                <a:cs typeface="Courier New" pitchFamily="49" charset="0"/>
+              </a:rPr>
+              <a:t>                     </a:t>
+            </a:r>
+            <a:r>
+              <a:rPr lang="en-US" sz="1400" b="1" dirty="0" err="1">
+                <a:solidFill>
+                  <a:schemeClr val="accent2"/>
+                </a:solidFill>
+                <a:latin typeface="Courier New" pitchFamily="49" charset="0"/>
+                <a:cs typeface="Courier New" pitchFamily="49" charset="0"/>
+              </a:rPr>
+              <a:t>clr</a:t>
+            </a:r>
+            <a:r>
+              <a:rPr lang="en-US" sz="1400" b="1" dirty="0">
+                <a:solidFill>
+                  <a:schemeClr val="accent2"/>
+                </a:solidFill>
+                <a:latin typeface="Courier New" pitchFamily="49" charset="0"/>
+                <a:cs typeface="Courier New" pitchFamily="49" charset="0"/>
+              </a:rPr>
+              <a:t> </a:t>
+            </a:r>
+            <a:r>
+              <a:rPr lang="en-US" sz="1400" b="1" dirty="0" smtClean="0">
+                <a:solidFill>
+                  <a:schemeClr val="accent2"/>
+                </a:solidFill>
+                <a:latin typeface="Courier New" pitchFamily="49" charset="0"/>
+                <a:cs typeface="Courier New" pitchFamily="49" charset="0"/>
+              </a:rPr>
+              <a:t>R4</a:t>
+            </a:r>
+            <a:r>
+              <a:rPr lang="en-US" sz="1400" dirty="0">
+                <a:solidFill>
+                  <a:schemeClr val="accent2"/>
+                </a:solidFill>
+                <a:latin typeface="Courier New" pitchFamily="49" charset="0"/>
+                <a:cs typeface="Courier New" pitchFamily="49" charset="0"/>
+              </a:rPr>
+              <a:t> </a:t>
+            </a:r>
+            <a:r>
+              <a:rPr lang="en-US" sz="1400" b="1" dirty="0" smtClean="0">
+                <a:solidFill>
+                  <a:srgbClr val="00B050"/>
+                </a:solidFill>
+                <a:latin typeface="Courier New" pitchFamily="49" charset="0"/>
+                <a:cs typeface="Courier New" pitchFamily="49" charset="0"/>
+              </a:rPr>
+              <a:t>; Variable to hold the number </a:t>
+            </a:r>
+            <a:r>
+              <a:rPr lang="en-US" sz="1400" dirty="0" smtClean="0">
+                <a:solidFill>
+                  <a:srgbClr val="00B050"/>
+                </a:solidFill>
+                <a:latin typeface="Courier New" pitchFamily="49" charset="0"/>
+                <a:cs typeface="Courier New" pitchFamily="49" charset="0"/>
+              </a:rPr>
+              <a:t> </a:t>
+            </a:r>
+            <a:r>
+              <a:rPr lang="en-US" sz="1400" b="1" dirty="0" smtClean="0">
+                <a:solidFill>
+                  <a:srgbClr val="00B050"/>
+                </a:solidFill>
+                <a:latin typeface="Courier New" pitchFamily="49" charset="0"/>
+                <a:cs typeface="Courier New" pitchFamily="49" charset="0"/>
+              </a:rPr>
+              <a:t>of button pushes</a:t>
+            </a:r>
+            <a:endParaRPr lang="en-US" sz="1400" b="1" dirty="0">
+              <a:solidFill>
+                <a:srgbClr val="00B050"/>
+              </a:solidFill>
+              <a:latin typeface="Courier New" pitchFamily="49" charset="0"/>
+              <a:cs typeface="Courier New" pitchFamily="49" charset="0"/>
+            </a:endParaRPr>
+          </a:p>
+          <a:p>
+            <a:pPr marL="0" indent="0">
+              <a:buNone/>
+            </a:pPr>
+            <a:endParaRPr lang="en-US" sz="1400" b="1" dirty="0">
+              <a:solidFill>
+                <a:schemeClr val="accent2"/>
+              </a:solidFill>
+              <a:latin typeface="Courier New" pitchFamily="49" charset="0"/>
+              <a:cs typeface="Courier New" pitchFamily="49" charset="0"/>
+            </a:endParaRPr>
+          </a:p>
+          <a:p>
+            <a:pPr marL="0" indent="0">
+              <a:buNone/>
+            </a:pPr>
+            <a:r>
+              <a:rPr lang="en-US" sz="1400" b="1" dirty="0">
+                <a:solidFill>
+                  <a:srgbClr val="00B050"/>
+                </a:solidFill>
+                <a:latin typeface="Courier New" pitchFamily="49" charset="0"/>
+                <a:cs typeface="Courier New" pitchFamily="49" charset="0"/>
+              </a:rPr>
+              <a:t>; Increment </a:t>
+            </a:r>
+            <a:r>
+              <a:rPr lang="en-US" sz="1400" b="1" dirty="0" err="1">
+                <a:solidFill>
+                  <a:srgbClr val="00B050"/>
+                </a:solidFill>
+                <a:latin typeface="Courier New" pitchFamily="49" charset="0"/>
+                <a:cs typeface="Courier New" pitchFamily="49" charset="0"/>
+              </a:rPr>
+              <a:t>Btn</a:t>
+            </a:r>
+            <a:r>
+              <a:rPr lang="en-US" sz="1400" b="1" dirty="0">
+                <a:solidFill>
+                  <a:srgbClr val="00B050"/>
+                </a:solidFill>
+                <a:latin typeface="Courier New" pitchFamily="49" charset="0"/>
+                <a:cs typeface="Courier New" pitchFamily="49" charset="0"/>
+              </a:rPr>
+              <a:t> Counter on </a:t>
+            </a:r>
+            <a:r>
+              <a:rPr lang="en-US" sz="1400" b="1" dirty="0" err="1">
+                <a:solidFill>
+                  <a:srgbClr val="00B050"/>
+                </a:solidFill>
+                <a:latin typeface="Courier New" pitchFamily="49" charset="0"/>
+                <a:cs typeface="Courier New" pitchFamily="49" charset="0"/>
+              </a:rPr>
+              <a:t>Btn</a:t>
+            </a:r>
+            <a:r>
+              <a:rPr lang="en-US" sz="1400" b="1" dirty="0">
+                <a:solidFill>
+                  <a:srgbClr val="00B050"/>
+                </a:solidFill>
+                <a:latin typeface="Courier New" pitchFamily="49" charset="0"/>
+                <a:cs typeface="Courier New" pitchFamily="49" charset="0"/>
+              </a:rPr>
+              <a:t> press</a:t>
+            </a:r>
+          </a:p>
+          <a:p>
+            <a:pPr marL="0" indent="0">
+              <a:buNone/>
+            </a:pPr>
+            <a:r>
+              <a:rPr lang="en-US" sz="1400" b="1" dirty="0">
+                <a:solidFill>
+                  <a:srgbClr val="00B050"/>
+                </a:solidFill>
+                <a:latin typeface="Courier New" pitchFamily="49" charset="0"/>
+                <a:cs typeface="Courier New" pitchFamily="49" charset="0"/>
+              </a:rPr>
+              <a:t>; A delay is used immediately after the press and release</a:t>
+            </a:r>
+          </a:p>
+          <a:p>
+            <a:pPr marL="0" indent="0">
+              <a:buNone/>
+            </a:pPr>
+            <a:r>
+              <a:rPr lang="en-US" sz="1400" b="1" dirty="0" err="1">
+                <a:solidFill>
+                  <a:schemeClr val="accent2"/>
+                </a:solidFill>
+                <a:latin typeface="Courier New" pitchFamily="49" charset="0"/>
+                <a:cs typeface="Courier New" pitchFamily="49" charset="0"/>
+              </a:rPr>
+              <a:t>check_btn</a:t>
+            </a:r>
+            <a:r>
+              <a:rPr lang="en-US" sz="1400" b="1" dirty="0">
+                <a:solidFill>
+                  <a:schemeClr val="accent2"/>
+                </a:solidFill>
+                <a:latin typeface="Courier New" pitchFamily="49" charset="0"/>
+                <a:cs typeface="Courier New" pitchFamily="49" charset="0"/>
+              </a:rPr>
+              <a:t>:           </a:t>
+            </a:r>
+            <a:r>
+              <a:rPr lang="en-US" sz="1400" b="1" dirty="0" err="1">
+                <a:solidFill>
+                  <a:schemeClr val="accent2"/>
+                </a:solidFill>
+                <a:latin typeface="Courier New" pitchFamily="49" charset="0"/>
+                <a:cs typeface="Courier New" pitchFamily="49" charset="0"/>
+              </a:rPr>
+              <a:t>bit.b</a:t>
+            </a:r>
+            <a:r>
+              <a:rPr lang="en-US" sz="1400" b="1" dirty="0">
+                <a:solidFill>
+                  <a:schemeClr val="accent2"/>
+                </a:solidFill>
+                <a:latin typeface="Courier New" pitchFamily="49" charset="0"/>
+                <a:cs typeface="Courier New" pitchFamily="49" charset="0"/>
+              </a:rPr>
+              <a:t>  #BIT3, &amp;P1IN</a:t>
+            </a:r>
+          </a:p>
+          <a:p>
+            <a:pPr marL="0" indent="0">
+              <a:buNone/>
+            </a:pPr>
+            <a:r>
+              <a:rPr lang="en-US" sz="1400" b="1" dirty="0">
+                <a:solidFill>
+                  <a:schemeClr val="accent2"/>
+                </a:solidFill>
+                <a:latin typeface="Courier New" pitchFamily="49" charset="0"/>
+                <a:cs typeface="Courier New" pitchFamily="49" charset="0"/>
+              </a:rPr>
+              <a:t>                     </a:t>
+            </a:r>
+            <a:r>
+              <a:rPr lang="en-US" sz="1400" b="1" dirty="0" err="1">
+                <a:solidFill>
+                  <a:schemeClr val="accent2"/>
+                </a:solidFill>
+                <a:latin typeface="Courier New" pitchFamily="49" charset="0"/>
+                <a:cs typeface="Courier New" pitchFamily="49" charset="0"/>
+              </a:rPr>
+              <a:t>jnz</a:t>
+            </a:r>
+            <a:r>
+              <a:rPr lang="en-US" sz="1400" b="1" dirty="0">
+                <a:solidFill>
+                  <a:schemeClr val="accent2"/>
+                </a:solidFill>
+                <a:latin typeface="Courier New" pitchFamily="49" charset="0"/>
+                <a:cs typeface="Courier New" pitchFamily="49" charset="0"/>
+              </a:rPr>
+              <a:t>    </a:t>
+            </a:r>
+            <a:r>
+              <a:rPr lang="en-US" sz="1400" b="1" dirty="0" err="1">
+                <a:solidFill>
+                  <a:schemeClr val="accent2"/>
+                </a:solidFill>
+                <a:latin typeface="Courier New" pitchFamily="49" charset="0"/>
+                <a:cs typeface="Courier New" pitchFamily="49" charset="0"/>
+              </a:rPr>
+              <a:t>check_btn</a:t>
+            </a:r>
+            <a:endParaRPr lang="en-US" sz="1400" b="1" dirty="0">
+              <a:solidFill>
+                <a:schemeClr val="accent2"/>
+              </a:solidFill>
+              <a:latin typeface="Courier New" pitchFamily="49" charset="0"/>
+              <a:cs typeface="Courier New" pitchFamily="49" charset="0"/>
+            </a:endParaRPr>
+          </a:p>
+          <a:p>
+            <a:pPr marL="0" indent="0">
+              <a:buNone/>
+            </a:pPr>
+            <a:endParaRPr lang="en-US" sz="1400" b="1" dirty="0">
+              <a:solidFill>
+                <a:schemeClr val="accent2"/>
+              </a:solidFill>
+              <a:latin typeface="Courier New" pitchFamily="49" charset="0"/>
+              <a:cs typeface="Courier New" pitchFamily="49" charset="0"/>
+            </a:endParaRPr>
+          </a:p>
+          <a:p>
+            <a:pPr marL="0" indent="0">
+              <a:buNone/>
+            </a:pPr>
+            <a:r>
+              <a:rPr lang="en-US" sz="1400" b="1" dirty="0">
+                <a:solidFill>
+                  <a:schemeClr val="accent2"/>
+                </a:solidFill>
+                <a:latin typeface="Courier New" pitchFamily="49" charset="0"/>
+                <a:cs typeface="Courier New" pitchFamily="49" charset="0"/>
+              </a:rPr>
+              <a:t>                     </a:t>
+            </a:r>
+            <a:r>
+              <a:rPr lang="en-US" sz="1400" b="1" dirty="0" err="1">
+                <a:solidFill>
+                  <a:schemeClr val="accent2"/>
+                </a:solidFill>
+                <a:latin typeface="Courier New" pitchFamily="49" charset="0"/>
+                <a:cs typeface="Courier New" pitchFamily="49" charset="0"/>
+              </a:rPr>
+              <a:t>inc</a:t>
+            </a:r>
+            <a:r>
+              <a:rPr lang="en-US" sz="1400" b="1" dirty="0">
+                <a:solidFill>
+                  <a:schemeClr val="accent2"/>
+                </a:solidFill>
+                <a:latin typeface="Courier New" pitchFamily="49" charset="0"/>
+                <a:cs typeface="Courier New" pitchFamily="49" charset="0"/>
+              </a:rPr>
+              <a:t> R4</a:t>
+            </a:r>
+          </a:p>
+          <a:p>
+            <a:pPr marL="0" indent="0">
+              <a:buNone/>
+            </a:pPr>
+            <a:endParaRPr lang="en-US" sz="1400" b="1" dirty="0">
+              <a:solidFill>
+                <a:schemeClr val="accent2"/>
+              </a:solidFill>
+              <a:latin typeface="Courier New" pitchFamily="49" charset="0"/>
+              <a:cs typeface="Courier New" pitchFamily="49" charset="0"/>
+            </a:endParaRPr>
+          </a:p>
+          <a:p>
+            <a:pPr marL="0" indent="0">
+              <a:buNone/>
+            </a:pPr>
+            <a:r>
+              <a:rPr lang="en-US" sz="1400" b="1" dirty="0">
+                <a:solidFill>
+                  <a:schemeClr val="accent2"/>
+                </a:solidFill>
+                <a:latin typeface="Courier New" pitchFamily="49" charset="0"/>
+                <a:cs typeface="Courier New" pitchFamily="49" charset="0"/>
+              </a:rPr>
+              <a:t>                     call   #</a:t>
+            </a:r>
+            <a:r>
+              <a:rPr lang="en-US" sz="1400" b="1" dirty="0" err="1">
+                <a:solidFill>
+                  <a:schemeClr val="accent2"/>
+                </a:solidFill>
+                <a:latin typeface="Courier New" pitchFamily="49" charset="0"/>
+                <a:cs typeface="Courier New" pitchFamily="49" charset="0"/>
+              </a:rPr>
+              <a:t>software_delay</a:t>
+            </a:r>
+            <a:endParaRPr lang="en-US" sz="1400" b="1" dirty="0">
+              <a:solidFill>
+                <a:schemeClr val="accent2"/>
+              </a:solidFill>
+              <a:latin typeface="Courier New" pitchFamily="49" charset="0"/>
+              <a:cs typeface="Courier New" pitchFamily="49" charset="0"/>
+            </a:endParaRPr>
+          </a:p>
+          <a:p>
+            <a:pPr marL="0" indent="0">
+              <a:buNone/>
+            </a:pPr>
+            <a:r>
+              <a:rPr lang="en-US" sz="1400" b="1" dirty="0">
+                <a:solidFill>
+                  <a:schemeClr val="accent2"/>
+                </a:solidFill>
+                <a:latin typeface="Courier New" pitchFamily="49" charset="0"/>
+                <a:cs typeface="Courier New" pitchFamily="49" charset="0"/>
+              </a:rPr>
+              <a:t>                     </a:t>
+            </a:r>
+            <a:r>
+              <a:rPr lang="en-US" sz="1400" b="1" dirty="0" err="1">
+                <a:solidFill>
+                  <a:schemeClr val="accent2"/>
+                </a:solidFill>
+                <a:latin typeface="Courier New" pitchFamily="49" charset="0"/>
+                <a:cs typeface="Courier New" pitchFamily="49" charset="0"/>
+              </a:rPr>
+              <a:t>jmp</a:t>
+            </a:r>
+            <a:r>
+              <a:rPr lang="en-US" sz="1400" b="1" dirty="0">
+                <a:solidFill>
+                  <a:schemeClr val="accent2"/>
+                </a:solidFill>
+                <a:latin typeface="Courier New" pitchFamily="49" charset="0"/>
+                <a:cs typeface="Courier New" pitchFamily="49" charset="0"/>
+              </a:rPr>
+              <a:t>    </a:t>
+            </a:r>
+            <a:r>
+              <a:rPr lang="en-US" sz="1400" b="1" dirty="0" err="1">
+                <a:solidFill>
+                  <a:schemeClr val="accent2"/>
+                </a:solidFill>
+                <a:latin typeface="Courier New" pitchFamily="49" charset="0"/>
+                <a:cs typeface="Courier New" pitchFamily="49" charset="0"/>
+              </a:rPr>
+              <a:t>btn_pushed</a:t>
+            </a:r>
+            <a:endParaRPr lang="en-US" sz="1400" b="1" dirty="0">
+              <a:solidFill>
+                <a:schemeClr val="accent2"/>
+              </a:solidFill>
+              <a:latin typeface="Courier New" pitchFamily="49" charset="0"/>
+              <a:cs typeface="Courier New" pitchFamily="49" charset="0"/>
+            </a:endParaRPr>
+          </a:p>
+          <a:p>
+            <a:pPr marL="0" indent="0">
+              <a:buNone/>
+            </a:pPr>
+            <a:endParaRPr lang="en-US" sz="1400" b="1" dirty="0">
+              <a:solidFill>
+                <a:schemeClr val="accent2"/>
+              </a:solidFill>
+              <a:latin typeface="Courier New" pitchFamily="49" charset="0"/>
+              <a:cs typeface="Courier New" pitchFamily="49" charset="0"/>
+            </a:endParaRPr>
+          </a:p>
+          <a:p>
+            <a:pPr marL="0" indent="0">
+              <a:buNone/>
+            </a:pPr>
+            <a:r>
+              <a:rPr lang="en-US" sz="1400" b="1" dirty="0" err="1">
+                <a:solidFill>
+                  <a:schemeClr val="accent2"/>
+                </a:solidFill>
+                <a:latin typeface="Courier New" pitchFamily="49" charset="0"/>
+                <a:cs typeface="Courier New" pitchFamily="49" charset="0"/>
+              </a:rPr>
+              <a:t>btn_pushed</a:t>
+            </a:r>
+            <a:r>
+              <a:rPr lang="en-US" sz="1400" b="1" dirty="0">
+                <a:solidFill>
+                  <a:schemeClr val="accent2"/>
+                </a:solidFill>
+                <a:latin typeface="Courier New" pitchFamily="49" charset="0"/>
+                <a:cs typeface="Courier New" pitchFamily="49" charset="0"/>
+              </a:rPr>
+              <a:t>:          </a:t>
+            </a:r>
+            <a:r>
+              <a:rPr lang="en-US" sz="1400" b="1" dirty="0" err="1">
+                <a:solidFill>
+                  <a:schemeClr val="accent2"/>
+                </a:solidFill>
+                <a:latin typeface="Courier New" pitchFamily="49" charset="0"/>
+                <a:cs typeface="Courier New" pitchFamily="49" charset="0"/>
+              </a:rPr>
+              <a:t>bit.b</a:t>
+            </a:r>
+            <a:r>
+              <a:rPr lang="en-US" sz="1400" b="1" dirty="0">
+                <a:solidFill>
+                  <a:schemeClr val="accent2"/>
+                </a:solidFill>
+                <a:latin typeface="Courier New" pitchFamily="49" charset="0"/>
+                <a:cs typeface="Courier New" pitchFamily="49" charset="0"/>
+              </a:rPr>
+              <a:t>  #BIT3, &amp;P1IN</a:t>
+            </a:r>
+          </a:p>
+          <a:p>
+            <a:pPr marL="0" indent="0">
+              <a:buNone/>
+            </a:pPr>
+            <a:r>
+              <a:rPr lang="en-US" sz="1400" b="1" dirty="0">
+                <a:solidFill>
+                  <a:schemeClr val="accent2"/>
+                </a:solidFill>
+                <a:latin typeface="Courier New" pitchFamily="49" charset="0"/>
+                <a:cs typeface="Courier New" pitchFamily="49" charset="0"/>
+              </a:rPr>
+              <a:t>                     </a:t>
+            </a:r>
+            <a:r>
+              <a:rPr lang="en-US" sz="1400" b="1" dirty="0" err="1">
+                <a:solidFill>
+                  <a:schemeClr val="accent2"/>
+                </a:solidFill>
+                <a:latin typeface="Courier New" pitchFamily="49" charset="0"/>
+                <a:cs typeface="Courier New" pitchFamily="49" charset="0"/>
+              </a:rPr>
+              <a:t>jz</a:t>
+            </a:r>
+            <a:r>
+              <a:rPr lang="en-US" sz="1400" b="1" dirty="0">
+                <a:solidFill>
+                  <a:schemeClr val="accent2"/>
+                </a:solidFill>
+                <a:latin typeface="Courier New" pitchFamily="49" charset="0"/>
+                <a:cs typeface="Courier New" pitchFamily="49" charset="0"/>
+              </a:rPr>
+              <a:t>     </a:t>
+            </a:r>
+            <a:r>
+              <a:rPr lang="en-US" sz="1400" b="1" dirty="0" err="1" smtClean="0">
+                <a:solidFill>
+                  <a:schemeClr val="accent2"/>
+                </a:solidFill>
+                <a:latin typeface="Courier New" pitchFamily="49" charset="0"/>
+                <a:cs typeface="Courier New" pitchFamily="49" charset="0"/>
+              </a:rPr>
+              <a:t>btn_pushed</a:t>
+            </a:r>
+            <a:endParaRPr lang="en-US" sz="1400" b="1" dirty="0" smtClean="0">
+              <a:solidFill>
+                <a:schemeClr val="accent2"/>
+              </a:solidFill>
+              <a:latin typeface="Courier New" pitchFamily="49" charset="0"/>
+              <a:cs typeface="Courier New" pitchFamily="49" charset="0"/>
+            </a:endParaRPr>
+          </a:p>
+          <a:p>
+            <a:pPr marL="0" indent="0">
+              <a:buNone/>
+            </a:pPr>
+            <a:r>
+              <a:rPr lang="en-US" sz="1400" b="1" dirty="0">
+                <a:solidFill>
+                  <a:schemeClr val="accent2"/>
+                </a:solidFill>
+                <a:latin typeface="Courier New" pitchFamily="49" charset="0"/>
+                <a:cs typeface="Courier New" pitchFamily="49" charset="0"/>
+              </a:rPr>
+              <a:t>	</a:t>
+            </a:r>
+            <a:r>
+              <a:rPr lang="en-US" sz="1400" b="1" dirty="0" smtClean="0">
+                <a:solidFill>
+                  <a:schemeClr val="accent2"/>
+                </a:solidFill>
+                <a:latin typeface="Courier New" pitchFamily="49" charset="0"/>
+                <a:cs typeface="Courier New" pitchFamily="49" charset="0"/>
+              </a:rPr>
+              <a:t>	    </a:t>
+            </a:r>
+          </a:p>
+          <a:p>
+            <a:pPr marL="0" indent="0">
+              <a:buNone/>
+            </a:pPr>
+            <a:r>
+              <a:rPr lang="en-US" sz="1400" b="1" dirty="0">
+                <a:solidFill>
+                  <a:schemeClr val="accent2"/>
+                </a:solidFill>
+                <a:latin typeface="Courier New" pitchFamily="49" charset="0"/>
+                <a:cs typeface="Courier New" pitchFamily="49" charset="0"/>
+              </a:rPr>
+              <a:t>	</a:t>
+            </a:r>
+            <a:r>
+              <a:rPr lang="en-US" sz="1400" b="1" dirty="0" smtClean="0">
+                <a:solidFill>
+                  <a:schemeClr val="accent2"/>
+                </a:solidFill>
+                <a:latin typeface="Courier New" pitchFamily="49" charset="0"/>
+                <a:cs typeface="Courier New" pitchFamily="49" charset="0"/>
+              </a:rPr>
+              <a:t>	  </a:t>
+            </a:r>
+            <a:r>
+              <a:rPr lang="en-US" sz="1400" b="1" dirty="0" smtClean="0">
+                <a:solidFill>
+                  <a:srgbClr val="00B050"/>
+                </a:solidFill>
+                <a:latin typeface="Courier New" pitchFamily="49" charset="0"/>
+                <a:cs typeface="Courier New" pitchFamily="49" charset="0"/>
+              </a:rPr>
+              <a:t>; </a:t>
+            </a:r>
+            <a:r>
+              <a:rPr lang="en-US" sz="1400" b="1" dirty="0" err="1">
+                <a:solidFill>
+                  <a:srgbClr val="00B050"/>
+                </a:solidFill>
+                <a:latin typeface="Courier New" pitchFamily="49" charset="0"/>
+                <a:cs typeface="Courier New" pitchFamily="49" charset="0"/>
+              </a:rPr>
+              <a:t>Btn</a:t>
+            </a:r>
+            <a:r>
+              <a:rPr lang="en-US" sz="1400" b="1" dirty="0">
+                <a:solidFill>
+                  <a:srgbClr val="00B050"/>
+                </a:solidFill>
+                <a:latin typeface="Courier New" pitchFamily="49" charset="0"/>
+                <a:cs typeface="Courier New" pitchFamily="49" charset="0"/>
+              </a:rPr>
+              <a:t> released</a:t>
+            </a:r>
+          </a:p>
+          <a:p>
+            <a:pPr marL="0" indent="0">
+              <a:buNone/>
+            </a:pPr>
+            <a:r>
+              <a:rPr lang="en-US" sz="1400" b="1" dirty="0">
+                <a:solidFill>
+                  <a:schemeClr val="accent2"/>
+                </a:solidFill>
+                <a:latin typeface="Courier New" pitchFamily="49" charset="0"/>
+                <a:cs typeface="Courier New" pitchFamily="49" charset="0"/>
+              </a:rPr>
+              <a:t>                     call   #</a:t>
+            </a:r>
+            <a:r>
+              <a:rPr lang="en-US" sz="1400" b="1" dirty="0" err="1">
+                <a:solidFill>
+                  <a:schemeClr val="accent2"/>
+                </a:solidFill>
+                <a:latin typeface="Courier New" pitchFamily="49" charset="0"/>
+                <a:cs typeface="Courier New" pitchFamily="49" charset="0"/>
+              </a:rPr>
+              <a:t>software_delay</a:t>
+            </a:r>
+            <a:endParaRPr lang="en-US" sz="1400" b="1" dirty="0">
+              <a:solidFill>
+                <a:schemeClr val="accent2"/>
+              </a:solidFill>
+              <a:latin typeface="Courier New" pitchFamily="49" charset="0"/>
+              <a:cs typeface="Courier New" pitchFamily="49" charset="0"/>
+            </a:endParaRPr>
+          </a:p>
+          <a:p>
+            <a:pPr marL="0" indent="0">
+              <a:buNone/>
+            </a:pPr>
+            <a:r>
+              <a:rPr lang="en-US" sz="1400" b="1" dirty="0">
+                <a:solidFill>
+                  <a:schemeClr val="accent2"/>
+                </a:solidFill>
+                <a:latin typeface="Courier New" pitchFamily="49" charset="0"/>
+                <a:cs typeface="Courier New" pitchFamily="49" charset="0"/>
+              </a:rPr>
+              <a:t>                     </a:t>
+            </a:r>
+            <a:r>
+              <a:rPr lang="en-US" sz="1400" b="1" dirty="0" err="1">
+                <a:solidFill>
+                  <a:schemeClr val="accent2"/>
+                </a:solidFill>
+                <a:latin typeface="Courier New" pitchFamily="49" charset="0"/>
+                <a:cs typeface="Courier New" pitchFamily="49" charset="0"/>
+              </a:rPr>
+              <a:t>jmp</a:t>
+            </a:r>
+            <a:r>
+              <a:rPr lang="en-US" sz="1400" b="1" dirty="0">
+                <a:solidFill>
+                  <a:schemeClr val="accent2"/>
+                </a:solidFill>
+                <a:latin typeface="Courier New" pitchFamily="49" charset="0"/>
+                <a:cs typeface="Courier New" pitchFamily="49" charset="0"/>
+              </a:rPr>
+              <a:t>    </a:t>
+            </a:r>
+            <a:r>
+              <a:rPr lang="en-US" sz="1400" b="1" dirty="0" err="1">
+                <a:solidFill>
+                  <a:schemeClr val="accent2"/>
+                </a:solidFill>
+                <a:latin typeface="Courier New" pitchFamily="49" charset="0"/>
+                <a:cs typeface="Courier New" pitchFamily="49" charset="0"/>
+              </a:rPr>
+              <a:t>check_btn</a:t>
+            </a:r>
+            <a:endParaRPr lang="en-US" sz="1400" b="1" dirty="0" smtClean="0">
+              <a:solidFill>
+                <a:schemeClr val="accent2"/>
+              </a:solidFill>
+              <a:latin typeface="Courier New" pitchFamily="49" charset="0"/>
+              <a:cs typeface="Courier New" pitchFamily="49" charset="0"/>
+            </a:endParaRPr>
+          </a:p>
+        </p:txBody>
+      </p:sp>
+      <p:sp>
+        <p:nvSpPr>
+          <p:cNvPr id="4" name="Rectangular Callout 3"/>
+          <p:cNvSpPr/>
+          <p:nvPr/>
+        </p:nvSpPr>
+        <p:spPr bwMode="auto">
+          <a:xfrm>
+            <a:off x="5716576" y="3487307"/>
+            <a:ext cx="3153103" cy="320066"/>
+          </a:xfrm>
+          <a:prstGeom prst="wedgeRectCallout">
+            <a:avLst>
+              <a:gd name="adj1" fmla="val -117833"/>
+              <a:gd name="adj2" fmla="val 127983"/>
+            </a:avLst>
+          </a:prstGeom>
+          <a:solidFill>
+            <a:srgbClr val="FFFF00"/>
+          </a:solidFill>
+          <a:ln w="12700" cap="flat" cmpd="sng" algn="ctr">
+            <a:solidFill>
+              <a:schemeClr val="tx1"/>
+            </a:solidFill>
+            <a:prstDash val="solid"/>
+            <a:round/>
+            <a:headEnd type="none" w="med" len="med"/>
+            <a:tailEnd type="none" w="med" len="med"/>
+          </a:ln>
+          <a:effectLst/>
+        </p:spPr>
+        <p:txBody>
+          <a:bodyPr vert="horz" wrap="square" lIns="91440" tIns="45720" rIns="91440" bIns="45720" numCol="1" rtlCol="0" anchor="t" anchorCtr="0" compatLnSpc="1">
+            <a:prstTxWarp prst="textNoShape">
+              <a:avLst/>
+            </a:prstTxWarp>
+          </a:bodyPr>
+          <a:lstStyle/>
+          <a:p>
+            <a:pPr marL="0" marR="0" indent="0" algn="ctr" defTabSz="914400" rtl="0" eaLnBrk="0" fontAlgn="base" latinLnBrk="0" hangingPunct="0">
+              <a:lnSpc>
+                <a:spcPct val="100000"/>
+              </a:lnSpc>
+              <a:spcBef>
+                <a:spcPct val="0"/>
+              </a:spcBef>
+              <a:spcAft>
+                <a:spcPct val="0"/>
+              </a:spcAft>
+              <a:buClrTx/>
+              <a:buSzTx/>
+              <a:buFontTx/>
+              <a:buNone/>
+              <a:tabLst/>
+            </a:pPr>
+            <a:r>
+              <a:rPr kumimoji="0" lang="en-US" sz="1600" b="0" i="0" u="none" strike="noStrike" cap="none" normalizeH="0" baseline="0" dirty="0" smtClean="0">
+                <a:ln>
+                  <a:noFill/>
+                </a:ln>
+                <a:solidFill>
+                  <a:schemeClr val="tx1"/>
+                </a:solidFill>
+                <a:effectLst/>
+                <a:latin typeface="Arial" charset="0"/>
+              </a:rPr>
+              <a:t>Button is push</a:t>
+            </a:r>
+            <a:r>
+              <a:rPr kumimoji="0" lang="en-US" sz="1600" b="0" i="0" u="none" strike="noStrike" cap="none" normalizeH="0" dirty="0" smtClean="0">
+                <a:ln>
+                  <a:noFill/>
+                </a:ln>
+                <a:solidFill>
+                  <a:schemeClr val="tx1"/>
+                </a:solidFill>
+                <a:effectLst/>
+                <a:latin typeface="Arial" charset="0"/>
+              </a:rPr>
+              <a:t> detected</a:t>
+            </a:r>
+            <a:endParaRPr kumimoji="0" lang="en-US" sz="1600" b="0" i="0" u="none" strike="noStrike" cap="none" normalizeH="0" baseline="0" dirty="0" smtClean="0">
+              <a:ln>
+                <a:noFill/>
+              </a:ln>
+              <a:solidFill>
+                <a:schemeClr val="tx1"/>
+              </a:solidFill>
+              <a:effectLst/>
+              <a:latin typeface="Arial" charset="0"/>
+            </a:endParaRPr>
+          </a:p>
+        </p:txBody>
+      </p:sp>
+      <p:sp>
+        <p:nvSpPr>
+          <p:cNvPr id="5" name="Rectangular Callout 4"/>
+          <p:cNvSpPr/>
+          <p:nvPr/>
+        </p:nvSpPr>
+        <p:spPr bwMode="auto">
+          <a:xfrm>
+            <a:off x="5716575" y="4977148"/>
+            <a:ext cx="3153103" cy="840328"/>
+          </a:xfrm>
+          <a:prstGeom prst="wedgeRectCallout">
+            <a:avLst>
+              <a:gd name="adj1" fmla="val -69583"/>
+              <a:gd name="adj2" fmla="val -104688"/>
+            </a:avLst>
+          </a:prstGeom>
+          <a:solidFill>
+            <a:srgbClr val="FFFF00"/>
+          </a:solidFill>
+          <a:ln w="12700" cap="flat" cmpd="sng" algn="ctr">
+            <a:solidFill>
+              <a:schemeClr val="tx1"/>
+            </a:solidFill>
+            <a:prstDash val="solid"/>
+            <a:round/>
+            <a:headEnd type="none" w="med" len="med"/>
+            <a:tailEnd type="none" w="med" len="med"/>
+          </a:ln>
+          <a:effectLst/>
+        </p:spPr>
+        <p:txBody>
+          <a:bodyPr vert="horz" wrap="square" lIns="91440" tIns="45720" rIns="91440" bIns="45720" numCol="1" rtlCol="0" anchor="t" anchorCtr="0" compatLnSpc="1">
+            <a:prstTxWarp prst="textNoShape">
+              <a:avLst/>
+            </a:prstTxWarp>
+          </a:bodyPr>
+          <a:lstStyle/>
+          <a:p>
+            <a:pPr marL="0" marR="0" indent="0" algn="ctr" defTabSz="914400" rtl="0" eaLnBrk="0" fontAlgn="base" latinLnBrk="0" hangingPunct="0">
+              <a:lnSpc>
+                <a:spcPct val="100000"/>
+              </a:lnSpc>
+              <a:spcBef>
+                <a:spcPct val="0"/>
+              </a:spcBef>
+              <a:spcAft>
+                <a:spcPct val="0"/>
+              </a:spcAft>
+              <a:buClrTx/>
+              <a:buSzTx/>
+              <a:buFontTx/>
+              <a:buNone/>
+              <a:tabLst/>
+            </a:pPr>
+            <a:r>
+              <a:rPr kumimoji="0" lang="en-US" sz="1600" b="0" i="0" u="none" strike="noStrike" cap="none" normalizeH="0" baseline="0" dirty="0" smtClean="0">
+                <a:ln>
+                  <a:noFill/>
+                </a:ln>
+                <a:solidFill>
+                  <a:schemeClr val="tx1"/>
+                </a:solidFill>
+                <a:effectLst/>
+                <a:latin typeface="Arial" charset="0"/>
+              </a:rPr>
+              <a:t>Call a delay (sleep) to wait for bouncing to settle down before reading</a:t>
+            </a:r>
+            <a:r>
+              <a:rPr kumimoji="0" lang="en-US" sz="1600" b="0" i="0" u="none" strike="noStrike" cap="none" normalizeH="0" dirty="0" smtClean="0">
+                <a:ln>
+                  <a:noFill/>
+                </a:ln>
+                <a:solidFill>
+                  <a:schemeClr val="tx1"/>
+                </a:solidFill>
+                <a:effectLst/>
+                <a:latin typeface="Arial" charset="0"/>
+              </a:rPr>
+              <a:t> again</a:t>
+            </a:r>
+            <a:endParaRPr kumimoji="0" lang="en-US" sz="1600" b="0" i="0" u="none" strike="noStrike" cap="none" normalizeH="0" baseline="0" dirty="0" smtClean="0">
+              <a:ln>
+                <a:noFill/>
+              </a:ln>
+              <a:solidFill>
+                <a:schemeClr val="tx1"/>
+              </a:solidFill>
+              <a:effectLst/>
+              <a:latin typeface="Arial" charset="0"/>
+            </a:endParaRPr>
+          </a:p>
+        </p:txBody>
+      </p:sp>
+    </p:spTree>
+    <p:extLst>
+      <p:ext uri="{BB962C8B-B14F-4D97-AF65-F5344CB8AC3E}">
+        <p14:creationId xmlns:p14="http://schemas.microsoft.com/office/powerpoint/2010/main" val="2711424685"/>
       </p:ext>
     </p:extLst>
   </p:cSld>
@@ -11050,14 +12067,12 @@
         </p:nvSpPr>
         <p:spPr>
           <a:xfrm>
-            <a:off x="723958" y="1551299"/>
+            <a:off x="708193" y="1574948"/>
             <a:ext cx="7772400" cy="4724400"/>
           </a:xfrm>
         </p:spPr>
         <p:txBody>
-          <a:bodyPr>
-            <a:normAutofit fontScale="92500" lnSpcReduction="20000"/>
-          </a:bodyPr>
+          <a:bodyPr/>
           <a:lstStyle/>
           <a:p>
             <a:pPr marL="0" indent="0">
@@ -11066,6 +12081,173 @@
             <a:r>
               <a:rPr lang="en-US" sz="1400" b="1" dirty="0">
                 <a:solidFill>
+                  <a:srgbClr val="00B050"/>
+                </a:solidFill>
+                <a:latin typeface="Courier New" pitchFamily="49" charset="0"/>
+                <a:cs typeface="Courier New" pitchFamily="49" charset="0"/>
+              </a:rPr>
+              <a:t>; -------------------------------------------</a:t>
+            </a:r>
+          </a:p>
+          <a:p>
+            <a:pPr marL="0" indent="0">
+              <a:buNone/>
+            </a:pPr>
+            <a:r>
+              <a:rPr lang="en-US" sz="1400" b="1" dirty="0">
+                <a:solidFill>
+                  <a:srgbClr val="00B050"/>
+                </a:solidFill>
+                <a:latin typeface="Courier New" pitchFamily="49" charset="0"/>
+                <a:cs typeface="Courier New" pitchFamily="49" charset="0"/>
+              </a:rPr>
+              <a:t>; Software delay</a:t>
+            </a:r>
+          </a:p>
+          <a:p>
+            <a:pPr marL="0" indent="0">
+              <a:buNone/>
+            </a:pPr>
+            <a:r>
+              <a:rPr lang="en-US" sz="1400" b="1" dirty="0">
+                <a:solidFill>
+                  <a:srgbClr val="00B050"/>
+                </a:solidFill>
+                <a:latin typeface="Courier New" pitchFamily="49" charset="0"/>
+                <a:cs typeface="Courier New" pitchFamily="49" charset="0"/>
+              </a:rPr>
+              <a:t>; Purpose:  Delays code based on value of R5</a:t>
+            </a:r>
+          </a:p>
+          <a:p>
+            <a:pPr marL="0" indent="0">
+              <a:buNone/>
+            </a:pPr>
+            <a:r>
+              <a:rPr lang="en-US" sz="1400" b="1" dirty="0">
+                <a:solidFill>
+                  <a:srgbClr val="00B050"/>
+                </a:solidFill>
+                <a:latin typeface="Courier New" pitchFamily="49" charset="0"/>
+                <a:cs typeface="Courier New" pitchFamily="49" charset="0"/>
+              </a:rPr>
+              <a:t>;	</a:t>
+            </a:r>
+            <a:r>
+              <a:rPr lang="en-US" sz="1400" b="1" dirty="0" smtClean="0">
+                <a:solidFill>
+                  <a:srgbClr val="00B050"/>
+                </a:solidFill>
+                <a:latin typeface="Courier New" pitchFamily="49" charset="0"/>
+                <a:cs typeface="Courier New" pitchFamily="49" charset="0"/>
+              </a:rPr>
+              <a:t>   R5 </a:t>
+            </a:r>
+            <a:r>
+              <a:rPr lang="en-US" sz="1400" b="1" dirty="0">
+                <a:solidFill>
+                  <a:srgbClr val="00B050"/>
+                </a:solidFill>
+                <a:latin typeface="Courier New" pitchFamily="49" charset="0"/>
+                <a:cs typeface="Courier New" pitchFamily="49" charset="0"/>
+              </a:rPr>
+              <a:t>is currently hard coded as </a:t>
+            </a:r>
+            <a:r>
+              <a:rPr lang="en-US" sz="1400" b="1" dirty="0" smtClean="0">
+                <a:solidFill>
+                  <a:srgbClr val="00B050"/>
+                </a:solidFill>
+                <a:latin typeface="Courier New" pitchFamily="49" charset="0"/>
+                <a:cs typeface="Courier New" pitchFamily="49" charset="0"/>
+              </a:rPr>
+              <a:t>0xAAAA</a:t>
+            </a:r>
+          </a:p>
+          <a:p>
+            <a:pPr marL="0" indent="0">
+              <a:buNone/>
+            </a:pPr>
+            <a:r>
+              <a:rPr lang="en-US" sz="1400" dirty="0" smtClean="0">
+                <a:solidFill>
+                  <a:srgbClr val="00B050"/>
+                </a:solidFill>
+                <a:latin typeface="Courier New" pitchFamily="49" charset="0"/>
+                <a:cs typeface="Courier New" pitchFamily="49" charset="0"/>
+              </a:rPr>
+              <a:t>; Destroyed: None</a:t>
+            </a:r>
+          </a:p>
+          <a:p>
+            <a:pPr marL="0" indent="0">
+              <a:buNone/>
+            </a:pPr>
+            <a:r>
+              <a:rPr lang="en-US" sz="1400" b="1" dirty="0" smtClean="0">
+                <a:solidFill>
+                  <a:srgbClr val="00B050"/>
+                </a:solidFill>
+                <a:latin typeface="Courier New" pitchFamily="49" charset="0"/>
+                <a:cs typeface="Courier New" pitchFamily="49" charset="0"/>
+              </a:rPr>
+              <a:t>; Returned: None</a:t>
+            </a:r>
+            <a:endParaRPr lang="en-US" sz="1400" b="1" dirty="0">
+              <a:solidFill>
+                <a:srgbClr val="00B050"/>
+              </a:solidFill>
+              <a:latin typeface="Courier New" pitchFamily="49" charset="0"/>
+              <a:cs typeface="Courier New" pitchFamily="49" charset="0"/>
+            </a:endParaRPr>
+          </a:p>
+          <a:p>
+            <a:pPr marL="0" indent="0">
+              <a:buNone/>
+            </a:pPr>
+            <a:r>
+              <a:rPr lang="en-US" sz="1400" b="1" dirty="0">
+                <a:solidFill>
+                  <a:srgbClr val="00B050"/>
+                </a:solidFill>
+                <a:latin typeface="Courier New" pitchFamily="49" charset="0"/>
+                <a:cs typeface="Courier New" pitchFamily="49" charset="0"/>
+              </a:rPr>
+              <a:t>; -------------------------------------------</a:t>
+            </a:r>
+          </a:p>
+          <a:p>
+            <a:pPr marL="0" indent="0">
+              <a:buNone/>
+            </a:pPr>
+            <a:r>
+              <a:rPr lang="en-US" sz="1400" b="1" dirty="0" err="1">
+                <a:solidFill>
+                  <a:schemeClr val="accent2"/>
+                </a:solidFill>
+                <a:latin typeface="Courier New" pitchFamily="49" charset="0"/>
+                <a:cs typeface="Courier New" pitchFamily="49" charset="0"/>
+              </a:rPr>
+              <a:t>software_delay</a:t>
+            </a:r>
+            <a:r>
+              <a:rPr lang="en-US" sz="1400" b="1" dirty="0">
+                <a:solidFill>
+                  <a:schemeClr val="accent2"/>
+                </a:solidFill>
+                <a:latin typeface="Courier New" pitchFamily="49" charset="0"/>
+                <a:cs typeface="Courier New" pitchFamily="49" charset="0"/>
+              </a:rPr>
+              <a:t>:</a:t>
+            </a:r>
+          </a:p>
+          <a:p>
+            <a:pPr marL="0" indent="0">
+              <a:buNone/>
+            </a:pPr>
+            <a:r>
+              <a:rPr lang="en-US" sz="1400" b="1" dirty="0">
+                <a:solidFill>
                   <a:schemeClr val="accent2"/>
                 </a:solidFill>
                 <a:latin typeface="Courier New" pitchFamily="49" charset="0"/>
@@ -11081,132 +12263,62 @@
                 <a:latin typeface="Courier New" pitchFamily="49" charset="0"/>
                 <a:cs typeface="Courier New" pitchFamily="49" charset="0"/>
               </a:rPr>
-              <a:t>    </a:t>
+              <a:t>push </a:t>
+            </a:r>
+            <a:r>
+              <a:rPr lang="en-US" sz="1400" b="1" dirty="0">
+                <a:solidFill>
+                  <a:schemeClr val="accent2"/>
+                </a:solidFill>
+                <a:latin typeface="Courier New" pitchFamily="49" charset="0"/>
+                <a:cs typeface="Courier New" pitchFamily="49" charset="0"/>
+              </a:rPr>
+              <a:t>r5</a:t>
+            </a:r>
+          </a:p>
+          <a:p>
+            <a:pPr marL="0" indent="0">
+              <a:buNone/>
+            </a:pPr>
+            <a:r>
+              <a:rPr lang="en-US" sz="1400" b="1" dirty="0">
+                <a:solidFill>
+                  <a:schemeClr val="accent2"/>
+                </a:solidFill>
+                <a:latin typeface="Courier New" pitchFamily="49" charset="0"/>
+                <a:cs typeface="Courier New" pitchFamily="49" charset="0"/>
+              </a:rPr>
+              <a:t>		</a:t>
+            </a:r>
+            <a:r>
+              <a:rPr lang="en-US" sz="1400" b="1" dirty="0" err="1" smtClean="0">
+                <a:solidFill>
+                  <a:schemeClr val="accent2"/>
+                </a:solidFill>
+                <a:latin typeface="Courier New" pitchFamily="49" charset="0"/>
+                <a:cs typeface="Courier New" pitchFamily="49" charset="0"/>
+              </a:rPr>
+              <a:t>mov.w</a:t>
             </a:r>
             <a:r>
               <a:rPr lang="en-US" sz="1400" b="1" dirty="0" smtClean="0">
                 <a:solidFill>
-                  <a:srgbClr val="00B050"/>
-                </a:solidFill>
-                <a:latin typeface="Courier New" pitchFamily="49" charset="0"/>
-                <a:cs typeface="Courier New" pitchFamily="49" charset="0"/>
-              </a:rPr>
-              <a:t>; </a:t>
+                  <a:schemeClr val="accent2"/>
+                </a:solidFill>
+                <a:latin typeface="Courier New" pitchFamily="49" charset="0"/>
+                <a:cs typeface="Courier New" pitchFamily="49" charset="0"/>
+              </a:rPr>
+              <a:t> </a:t>
             </a:r>
             <a:r>
               <a:rPr lang="en-US" sz="1400" b="1" dirty="0">
                 <a:solidFill>
-                  <a:srgbClr val="00B050"/>
-                </a:solidFill>
-                <a:latin typeface="Courier New" pitchFamily="49" charset="0"/>
-                <a:cs typeface="Courier New" pitchFamily="49" charset="0"/>
-              </a:rPr>
-              <a:t>Setup P1.3 for button input</a:t>
-            </a:r>
-          </a:p>
-          <a:p>
-            <a:pPr marL="0" indent="0">
-              <a:buNone/>
-            </a:pPr>
-            <a:r>
-              <a:rPr lang="en-US" sz="1400" b="1" dirty="0">
-                <a:solidFill>
-                  <a:schemeClr val="accent2"/>
-                </a:solidFill>
-                <a:latin typeface="Courier New" pitchFamily="49" charset="0"/>
-                <a:cs typeface="Courier New" pitchFamily="49" charset="0"/>
-              </a:rPr>
-              <a:t>                     </a:t>
-            </a:r>
-            <a:r>
-              <a:rPr lang="en-US" sz="1400" b="1" dirty="0" err="1">
-                <a:solidFill>
-                  <a:schemeClr val="accent2"/>
-                </a:solidFill>
-                <a:latin typeface="Courier New" pitchFamily="49" charset="0"/>
-                <a:cs typeface="Courier New" pitchFamily="49" charset="0"/>
-              </a:rPr>
-              <a:t>bis.b</a:t>
-            </a:r>
-            <a:r>
-              <a:rPr lang="en-US" sz="1400" b="1" dirty="0">
-                <a:solidFill>
-                  <a:schemeClr val="accent2"/>
-                </a:solidFill>
-                <a:latin typeface="Courier New" pitchFamily="49" charset="0"/>
-                <a:cs typeface="Courier New" pitchFamily="49" charset="0"/>
-              </a:rPr>
-              <a:t>  #BIT3, &amp;P1OUT</a:t>
-            </a:r>
-          </a:p>
-          <a:p>
-            <a:pPr marL="0" indent="0">
-              <a:buNone/>
-            </a:pPr>
-            <a:r>
-              <a:rPr lang="en-US" sz="1400" b="1" dirty="0">
-                <a:solidFill>
-                  <a:schemeClr val="accent2"/>
-                </a:solidFill>
-                <a:latin typeface="Courier New" pitchFamily="49" charset="0"/>
-                <a:cs typeface="Courier New" pitchFamily="49" charset="0"/>
-              </a:rPr>
-              <a:t>                     </a:t>
-            </a:r>
-            <a:r>
-              <a:rPr lang="en-US" sz="1400" b="1" dirty="0" err="1">
-                <a:solidFill>
-                  <a:schemeClr val="accent2"/>
-                </a:solidFill>
-                <a:latin typeface="Courier New" pitchFamily="49" charset="0"/>
-                <a:cs typeface="Courier New" pitchFamily="49" charset="0"/>
-              </a:rPr>
-              <a:t>bis.b</a:t>
-            </a:r>
-            <a:r>
-              <a:rPr lang="en-US" sz="1400" b="1" dirty="0">
-                <a:solidFill>
-                  <a:schemeClr val="accent2"/>
-                </a:solidFill>
-                <a:latin typeface="Courier New" pitchFamily="49" charset="0"/>
-                <a:cs typeface="Courier New" pitchFamily="49" charset="0"/>
-              </a:rPr>
-              <a:t>  #BIT3, &amp;P1REN</a:t>
-            </a:r>
-          </a:p>
-          <a:p>
-            <a:pPr marL="0" indent="0">
-              <a:buNone/>
-            </a:pPr>
-            <a:r>
-              <a:rPr lang="en-US" sz="1400" b="1" dirty="0">
-                <a:solidFill>
-                  <a:schemeClr val="accent2"/>
-                </a:solidFill>
-                <a:latin typeface="Courier New" pitchFamily="49" charset="0"/>
-                <a:cs typeface="Courier New" pitchFamily="49" charset="0"/>
-              </a:rPr>
-              <a:t>                     </a:t>
-            </a:r>
-            <a:r>
-              <a:rPr lang="en-US" sz="1400" b="1" dirty="0" err="1">
-                <a:solidFill>
-                  <a:schemeClr val="accent2"/>
-                </a:solidFill>
-                <a:latin typeface="Courier New" pitchFamily="49" charset="0"/>
-                <a:cs typeface="Courier New" pitchFamily="49" charset="0"/>
-              </a:rPr>
-              <a:t>bic.b</a:t>
-            </a:r>
-            <a:r>
-              <a:rPr lang="en-US" sz="1400" b="1" dirty="0">
-                <a:solidFill>
-                  <a:schemeClr val="accent2"/>
-                </a:solidFill>
-                <a:latin typeface="Courier New" pitchFamily="49" charset="0"/>
-                <a:cs typeface="Courier New" pitchFamily="49" charset="0"/>
-              </a:rPr>
-              <a:t>  #BIT3, &amp;P1DIR</a:t>
+                  <a:schemeClr val="accent2"/>
+                </a:solidFill>
+                <a:latin typeface="Courier New" pitchFamily="49" charset="0"/>
+                <a:cs typeface="Courier New" pitchFamily="49" charset="0"/>
+              </a:rPr>
+              <a:t>#0xaaaa, r5</a:t>
             </a:r>
           </a:p>
           <a:p>
@@ -11233,17 +12345,27 @@
                 <a:latin typeface="Courier New" pitchFamily="49" charset="0"/>
                 <a:cs typeface="Courier New" pitchFamily="49" charset="0"/>
               </a:rPr>
-              <a:t>                     </a:t>
-            </a:r>
-            <a:r>
-              <a:rPr lang="en-US" sz="1400" b="1" dirty="0" err="1">
-                <a:solidFill>
-                  <a:schemeClr val="accent2"/>
-                </a:solidFill>
-                <a:latin typeface="Courier New" pitchFamily="49" charset="0"/>
-                <a:cs typeface="Courier New" pitchFamily="49" charset="0"/>
-              </a:rPr>
-              <a:t>clr</a:t>
+              <a:t>delay:		</a:t>
+            </a:r>
+            <a:r>
+              <a:rPr lang="en-US" sz="1400" b="1" dirty="0" err="1" smtClean="0">
+                <a:solidFill>
+                  <a:schemeClr val="accent2"/>
+                </a:solidFill>
+                <a:latin typeface="Courier New" pitchFamily="49" charset="0"/>
+                <a:cs typeface="Courier New" pitchFamily="49" charset="0"/>
+              </a:rPr>
+              <a:t>dec</a:t>
+            </a:r>
+            <a:r>
+              <a:rPr lang="en-US" sz="1400" b="1" dirty="0" smtClean="0">
+                <a:solidFill>
+                  <a:schemeClr val="accent2"/>
+                </a:solidFill>
+                <a:latin typeface="Courier New" pitchFamily="49" charset="0"/>
+                <a:cs typeface="Courier New" pitchFamily="49" charset="0"/>
+              </a:rPr>
+              <a:t> </a:t>
             </a:r>
             <a:r>
               <a:rPr lang="en-US" sz="1400" b="1" dirty="0">
@@ -11253,9 +12375,69 @@
                 <a:latin typeface="Courier New" pitchFamily="49" charset="0"/>
                 <a:cs typeface="Courier New" pitchFamily="49" charset="0"/>
               </a:rPr>
+              <a:t>r5</a:t>
+            </a:r>
+          </a:p>
+          <a:p>
+            <a:pPr marL="0" indent="0">
+              <a:buNone/>
+            </a:pPr>
+            <a:r>
+              <a:rPr lang="en-US" sz="1400" b="1" dirty="0">
+                <a:solidFill>
+                  <a:schemeClr val="accent2"/>
+                </a:solidFill>
+                <a:latin typeface="Courier New" pitchFamily="49" charset="0"/>
+                <a:cs typeface="Courier New" pitchFamily="49" charset="0"/>
+              </a:rPr>
+              <a:t>		</a:t>
+            </a:r>
+            <a:r>
+              <a:rPr lang="en-US" sz="1400" b="1" dirty="0" err="1" smtClean="0">
+                <a:solidFill>
+                  <a:schemeClr val="accent2"/>
+                </a:solidFill>
+                <a:latin typeface="Courier New" pitchFamily="49" charset="0"/>
+                <a:cs typeface="Courier New" pitchFamily="49" charset="0"/>
+              </a:rPr>
+              <a:t>jnz</a:t>
+            </a:r>
+            <a:r>
+              <a:rPr lang="en-US" sz="1400" b="1" dirty="0" smtClean="0">
+                <a:solidFill>
+                  <a:schemeClr val="accent2"/>
+                </a:solidFill>
+                <a:latin typeface="Courier New" pitchFamily="49" charset="0"/>
+                <a:cs typeface="Courier New" pitchFamily="49" charset="0"/>
+              </a:rPr>
               <a:t> </a:t>
             </a:r>
             <a:r>
+              <a:rPr lang="en-US" sz="1400" b="1" dirty="0">
+                <a:solidFill>
+                  <a:schemeClr val="accent2"/>
+                </a:solidFill>
+                <a:latin typeface="Courier New" pitchFamily="49" charset="0"/>
+                <a:cs typeface="Courier New" pitchFamily="49" charset="0"/>
+              </a:rPr>
+              <a:t>delay</a:t>
+            </a:r>
+          </a:p>
+          <a:p>
+            <a:pPr marL="0" indent="0">
+              <a:buNone/>
+            </a:pPr>
+            <a:r>
+              <a:rPr lang="en-US" sz="1400" b="1" dirty="0">
+                <a:solidFill>
+                  <a:schemeClr val="accent2"/>
+                </a:solidFill>
+                <a:latin typeface="Courier New" pitchFamily="49" charset="0"/>
+                <a:cs typeface="Courier New" pitchFamily="49" charset="0"/>
+              </a:rPr>
+              <a:t>		</a:t>
+            </a:r>
+            <a:r>
               <a:rPr lang="en-US" sz="1400" b="1" dirty="0" smtClean="0">
                 <a:solidFill>
                   <a:schemeClr val="accent2"/>
@@ -11263,60 +12445,43 @@
                 <a:latin typeface="Courier New" pitchFamily="49" charset="0"/>
                 <a:cs typeface="Courier New" pitchFamily="49" charset="0"/>
               </a:rPr>
-              <a:t>R4</a:t>
-            </a:r>
-            <a:r>
-              <a:rPr lang="en-US" sz="1400" dirty="0">
-                <a:solidFill>
-                  <a:schemeClr val="accent2"/>
-                </a:solidFill>
-                <a:latin typeface="Courier New" pitchFamily="49" charset="0"/>
-                <a:cs typeface="Courier New" pitchFamily="49" charset="0"/>
-              </a:rPr>
-              <a:t> </a:t>
+              <a:t>pop </a:t>
+            </a:r>
+            <a:r>
+              <a:rPr lang="en-US" sz="1400" b="1" dirty="0">
+                <a:solidFill>
+                  <a:schemeClr val="accent2"/>
+                </a:solidFill>
+                <a:latin typeface="Courier New" pitchFamily="49" charset="0"/>
+                <a:cs typeface="Courier New" pitchFamily="49" charset="0"/>
+              </a:rPr>
+              <a:t>r5</a:t>
+            </a:r>
+          </a:p>
+          <a:p>
+            <a:pPr marL="0" indent="0">
+              <a:buNone/>
+            </a:pPr>
+            <a:r>
+              <a:rPr lang="en-US" sz="1400" b="1" dirty="0">
+                <a:solidFill>
+                  <a:schemeClr val="accent2"/>
+                </a:solidFill>
+                <a:latin typeface="Courier New" pitchFamily="49" charset="0"/>
+                <a:cs typeface="Courier New" pitchFamily="49" charset="0"/>
+              </a:rPr>
+              <a:t>		</a:t>
             </a:r>
             <a:r>
               <a:rPr lang="en-US" sz="1400" b="1" dirty="0" smtClean="0">
                 <a:solidFill>
-                  <a:srgbClr val="00B050"/>
-                </a:solidFill>
-                <a:latin typeface="Courier New" pitchFamily="49" charset="0"/>
-                <a:cs typeface="Courier New" pitchFamily="49" charset="0"/>
-              </a:rPr>
-              <a:t>; Variable to hold the number </a:t>
-            </a:r>
-            <a:r>
-              <a:rPr lang="en-US" sz="1400" dirty="0" smtClean="0">
-                <a:solidFill>
-                  <a:srgbClr val="00B050"/>
-                </a:solidFill>
-                <a:latin typeface="Courier New" pitchFamily="49" charset="0"/>
-                <a:cs typeface="Courier New" pitchFamily="49" charset="0"/>
-              </a:rPr>
-              <a:t> </a:t>
-            </a:r>
-            <a:r>
-              <a:rPr lang="en-US" sz="1400" b="1" dirty="0" smtClean="0">
-                <a:solidFill>
-                  <a:srgbClr val="00B050"/>
-                </a:solidFill>
-                <a:latin typeface="Courier New" pitchFamily="49" charset="0"/>
-                <a:cs typeface="Courier New" pitchFamily="49" charset="0"/>
-              </a:rPr>
-              <a:t>of button pushes</a:t>
-            </a:r>
-            <a:endParaRPr lang="en-US" sz="1400" b="1" dirty="0">
-              <a:solidFill>
-                <a:srgbClr val="00B050"/>
-              </a:solidFill>
-              <a:latin typeface="Courier New" pitchFamily="49" charset="0"/>
-              <a:cs typeface="Courier New" pitchFamily="49" charset="0"/>
-            </a:endParaRPr>
-          </a:p>
-          <a:p>
-            <a:pPr marL="0" indent="0">
-              <a:buNone/>
-            </a:pPr>
+                  <a:schemeClr val="accent2"/>
+                </a:solidFill>
+                <a:latin typeface="Courier New" pitchFamily="49" charset="0"/>
+                <a:cs typeface="Courier New" pitchFamily="49" charset="0"/>
+              </a:rPr>
+              <a:t>ret</a:t>
+            </a:r>
             <a:endParaRPr lang="en-US" sz="1400" b="1" dirty="0">
               <a:solidFill>
                 <a:schemeClr val="accent2"/>
@@ -11337,572 +12502,11 @@
                 <a:latin typeface="Courier New" pitchFamily="49" charset="0"/>
                 <a:cs typeface="Courier New" pitchFamily="49" charset="0"/>
               </a:rPr>
-              <a:t>; Increment </a:t>
-            </a:r>
-            <a:r>
-              <a:rPr lang="en-US" sz="1400" b="1" dirty="0" err="1">
-                <a:solidFill>
-                  <a:srgbClr val="00B050"/>
-                </a:solidFill>
-                <a:latin typeface="Courier New" pitchFamily="49" charset="0"/>
-                <a:cs typeface="Courier New" pitchFamily="49" charset="0"/>
-              </a:rPr>
-              <a:t>Btn</a:t>
-            </a:r>
-            <a:r>
-              <a:rPr lang="en-US" sz="1400" b="1" dirty="0">
-                <a:solidFill>
-                  <a:srgbClr val="00B050"/>
-                </a:solidFill>
-                <a:latin typeface="Courier New" pitchFamily="49" charset="0"/>
-                <a:cs typeface="Courier New" pitchFamily="49" charset="0"/>
-              </a:rPr>
-              <a:t> Counter on </a:t>
-            </a:r>
-            <a:r>
-              <a:rPr lang="en-US" sz="1400" b="1" dirty="0" err="1">
-                <a:solidFill>
-                  <a:srgbClr val="00B050"/>
-                </a:solidFill>
-                <a:latin typeface="Courier New" pitchFamily="49" charset="0"/>
-                <a:cs typeface="Courier New" pitchFamily="49" charset="0"/>
-              </a:rPr>
-              <a:t>Btn</a:t>
-            </a:r>
-            <a:r>
-              <a:rPr lang="en-US" sz="1400" b="1" dirty="0">
-                <a:solidFill>
-                  <a:srgbClr val="00B050"/>
-                </a:solidFill>
-                <a:latin typeface="Courier New" pitchFamily="49" charset="0"/>
-                <a:cs typeface="Courier New" pitchFamily="49" charset="0"/>
-              </a:rPr>
-              <a:t> press</a:t>
-            </a:r>
-          </a:p>
-          <a:p>
-            <a:pPr marL="0" indent="0">
-              <a:buNone/>
-            </a:pPr>
-            <a:r>
-              <a:rPr lang="en-US" sz="1400" b="1" dirty="0">
-                <a:solidFill>
-                  <a:srgbClr val="00B050"/>
-                </a:solidFill>
-                <a:latin typeface="Courier New" pitchFamily="49" charset="0"/>
-                <a:cs typeface="Courier New" pitchFamily="49" charset="0"/>
-              </a:rPr>
-              <a:t>; A delay is used immediately after the press and release</a:t>
-            </a:r>
-          </a:p>
-          <a:p>
-            <a:pPr marL="0" indent="0">
-              <a:buNone/>
-            </a:pPr>
-            <a:r>
-              <a:rPr lang="en-US" sz="1400" b="1" dirty="0" err="1">
-                <a:solidFill>
-                  <a:schemeClr val="accent2"/>
-                </a:solidFill>
-                <a:latin typeface="Courier New" pitchFamily="49" charset="0"/>
-                <a:cs typeface="Courier New" pitchFamily="49" charset="0"/>
-              </a:rPr>
-              <a:t>check_btn</a:t>
-            </a:r>
-            <a:r>
-              <a:rPr lang="en-US" sz="1400" b="1" dirty="0">
-                <a:solidFill>
-                  <a:schemeClr val="accent2"/>
-                </a:solidFill>
-                <a:latin typeface="Courier New" pitchFamily="49" charset="0"/>
-                <a:cs typeface="Courier New" pitchFamily="49" charset="0"/>
-              </a:rPr>
-              <a:t>:           </a:t>
-            </a:r>
-            <a:r>
-              <a:rPr lang="en-US" sz="1400" b="1" dirty="0" err="1">
-                <a:solidFill>
-                  <a:schemeClr val="accent2"/>
-                </a:solidFill>
-                <a:latin typeface="Courier New" pitchFamily="49" charset="0"/>
-                <a:cs typeface="Courier New" pitchFamily="49" charset="0"/>
-              </a:rPr>
-              <a:t>bit.b</a:t>
-            </a:r>
-            <a:r>
-              <a:rPr lang="en-US" sz="1400" b="1" dirty="0">
-                <a:solidFill>
-                  <a:schemeClr val="accent2"/>
-                </a:solidFill>
-                <a:latin typeface="Courier New" pitchFamily="49" charset="0"/>
-                <a:cs typeface="Courier New" pitchFamily="49" charset="0"/>
-              </a:rPr>
-              <a:t>  #BIT3, &amp;P1IN</a:t>
-            </a:r>
-          </a:p>
-          <a:p>
-            <a:pPr marL="0" indent="0">
-              <a:buNone/>
-            </a:pPr>
-            <a:r>
-              <a:rPr lang="en-US" sz="1400" b="1" dirty="0">
-                <a:solidFill>
-                  <a:schemeClr val="accent2"/>
-                </a:solidFill>
-                <a:latin typeface="Courier New" pitchFamily="49" charset="0"/>
-                <a:cs typeface="Courier New" pitchFamily="49" charset="0"/>
-              </a:rPr>
-              <a:t>                     </a:t>
-            </a:r>
-            <a:r>
-              <a:rPr lang="en-US" sz="1400" b="1" dirty="0" err="1">
-                <a:solidFill>
-                  <a:schemeClr val="accent2"/>
-                </a:solidFill>
-                <a:latin typeface="Courier New" pitchFamily="49" charset="0"/>
-                <a:cs typeface="Courier New" pitchFamily="49" charset="0"/>
-              </a:rPr>
-              <a:t>jnz</a:t>
-            </a:r>
-            <a:r>
-              <a:rPr lang="en-US" sz="1400" b="1" dirty="0">
-                <a:solidFill>
-                  <a:schemeClr val="accent2"/>
-                </a:solidFill>
-                <a:latin typeface="Courier New" pitchFamily="49" charset="0"/>
-                <a:cs typeface="Courier New" pitchFamily="49" charset="0"/>
-              </a:rPr>
-              <a:t>    </a:t>
-            </a:r>
-            <a:r>
-              <a:rPr lang="en-US" sz="1400" b="1" dirty="0" err="1">
-                <a:solidFill>
-                  <a:schemeClr val="accent2"/>
-                </a:solidFill>
-                <a:latin typeface="Courier New" pitchFamily="49" charset="0"/>
-                <a:cs typeface="Courier New" pitchFamily="49" charset="0"/>
-              </a:rPr>
-              <a:t>check_btn</a:t>
-            </a:r>
-            <a:endParaRPr lang="en-US" sz="1400" b="1" dirty="0">
-              <a:solidFill>
-                <a:schemeClr val="accent2"/>
-              </a:solidFill>
-              <a:latin typeface="Courier New" pitchFamily="49" charset="0"/>
-              <a:cs typeface="Courier New" pitchFamily="49" charset="0"/>
-            </a:endParaRPr>
-          </a:p>
-          <a:p>
-            <a:pPr marL="0" indent="0">
-              <a:buNone/>
-            </a:pPr>
-            <a:endParaRPr lang="en-US" sz="1400" b="1" dirty="0">
-              <a:solidFill>
-                <a:schemeClr val="accent2"/>
-              </a:solidFill>
-              <a:latin typeface="Courier New" pitchFamily="49" charset="0"/>
-              <a:cs typeface="Courier New" pitchFamily="49" charset="0"/>
-            </a:endParaRPr>
-          </a:p>
-          <a:p>
-            <a:pPr marL="0" indent="0">
-              <a:buNone/>
-            </a:pPr>
-            <a:r>
-              <a:rPr lang="en-US" sz="1400" b="1" dirty="0">
-                <a:solidFill>
-                  <a:schemeClr val="accent2"/>
-                </a:solidFill>
-                <a:latin typeface="Courier New" pitchFamily="49" charset="0"/>
-                <a:cs typeface="Courier New" pitchFamily="49" charset="0"/>
-              </a:rPr>
-              <a:t>                     </a:t>
-            </a:r>
-            <a:r>
-              <a:rPr lang="en-US" sz="1400" b="1" dirty="0" err="1">
-                <a:solidFill>
-                  <a:schemeClr val="accent2"/>
-                </a:solidFill>
-                <a:latin typeface="Courier New" pitchFamily="49" charset="0"/>
-                <a:cs typeface="Courier New" pitchFamily="49" charset="0"/>
-              </a:rPr>
-              <a:t>inc</a:t>
-            </a:r>
-            <a:r>
-              <a:rPr lang="en-US" sz="1400" b="1" dirty="0">
-                <a:solidFill>
-                  <a:schemeClr val="accent2"/>
-                </a:solidFill>
-                <a:latin typeface="Courier New" pitchFamily="49" charset="0"/>
-                <a:cs typeface="Courier New" pitchFamily="49" charset="0"/>
-              </a:rPr>
-              <a:t> R4</a:t>
-            </a:r>
-          </a:p>
-          <a:p>
-            <a:pPr marL="0" indent="0">
-              <a:buNone/>
-            </a:pPr>
-            <a:endParaRPr lang="en-US" sz="1400" b="1" dirty="0">
-              <a:solidFill>
-                <a:schemeClr val="accent2"/>
-              </a:solidFill>
-              <a:latin typeface="Courier New" pitchFamily="49" charset="0"/>
-              <a:cs typeface="Courier New" pitchFamily="49" charset="0"/>
-            </a:endParaRPr>
-          </a:p>
-          <a:p>
-            <a:pPr marL="0" indent="0">
-              <a:buNone/>
-            </a:pPr>
-            <a:r>
-              <a:rPr lang="en-US" sz="1400" b="1" dirty="0">
-                <a:solidFill>
-                  <a:schemeClr val="accent2"/>
-                </a:solidFill>
-                <a:latin typeface="Courier New" pitchFamily="49" charset="0"/>
-                <a:cs typeface="Courier New" pitchFamily="49" charset="0"/>
-              </a:rPr>
-              <a:t>                     call   #</a:t>
-            </a:r>
-            <a:r>
-              <a:rPr lang="en-US" sz="1400" b="1" dirty="0" err="1">
-                <a:solidFill>
-                  <a:schemeClr val="accent2"/>
-                </a:solidFill>
-                <a:latin typeface="Courier New" pitchFamily="49" charset="0"/>
-                <a:cs typeface="Courier New" pitchFamily="49" charset="0"/>
-              </a:rPr>
-              <a:t>software_delay</a:t>
-            </a:r>
-            <a:endParaRPr lang="en-US" sz="1400" b="1" dirty="0">
-              <a:solidFill>
-                <a:schemeClr val="accent2"/>
-              </a:solidFill>
-              <a:latin typeface="Courier New" pitchFamily="49" charset="0"/>
-              <a:cs typeface="Courier New" pitchFamily="49" charset="0"/>
-            </a:endParaRPr>
-          </a:p>
-          <a:p>
-            <a:pPr marL="0" indent="0">
-              <a:buNone/>
-            </a:pPr>
-            <a:r>
-              <a:rPr lang="en-US" sz="1400" b="1" dirty="0">
-                <a:solidFill>
-                  <a:schemeClr val="accent2"/>
-                </a:solidFill>
-                <a:latin typeface="Courier New" pitchFamily="49" charset="0"/>
-                <a:cs typeface="Courier New" pitchFamily="49" charset="0"/>
-              </a:rPr>
-              <a:t>                     </a:t>
-            </a:r>
-            <a:r>
-              <a:rPr lang="en-US" sz="1400" b="1" dirty="0" err="1">
-                <a:solidFill>
-                  <a:schemeClr val="accent2"/>
-                </a:solidFill>
-                <a:latin typeface="Courier New" pitchFamily="49" charset="0"/>
-                <a:cs typeface="Courier New" pitchFamily="49" charset="0"/>
-              </a:rPr>
-              <a:t>jmp</a:t>
-            </a:r>
-            <a:r>
-              <a:rPr lang="en-US" sz="1400" b="1" dirty="0">
-                <a:solidFill>
-                  <a:schemeClr val="accent2"/>
-                </a:solidFill>
-                <a:latin typeface="Courier New" pitchFamily="49" charset="0"/>
-                <a:cs typeface="Courier New" pitchFamily="49" charset="0"/>
-              </a:rPr>
-              <a:t>    </a:t>
-            </a:r>
-            <a:r>
-              <a:rPr lang="en-US" sz="1400" b="1" dirty="0" err="1">
-                <a:solidFill>
-                  <a:schemeClr val="accent2"/>
-                </a:solidFill>
-                <a:latin typeface="Courier New" pitchFamily="49" charset="0"/>
-                <a:cs typeface="Courier New" pitchFamily="49" charset="0"/>
-              </a:rPr>
-              <a:t>btn_pushed</a:t>
-            </a:r>
-            <a:endParaRPr lang="en-US" sz="1400" b="1" dirty="0">
-              <a:solidFill>
-                <a:schemeClr val="accent2"/>
-              </a:solidFill>
-              <a:latin typeface="Courier New" pitchFamily="49" charset="0"/>
-              <a:cs typeface="Courier New" pitchFamily="49" charset="0"/>
-            </a:endParaRPr>
-          </a:p>
-          <a:p>
-            <a:pPr marL="0" indent="0">
-              <a:buNone/>
-            </a:pPr>
-            <a:endParaRPr lang="en-US" sz="1400" b="1" dirty="0">
-              <a:solidFill>
-                <a:schemeClr val="accent2"/>
-              </a:solidFill>
-              <a:latin typeface="Courier New" pitchFamily="49" charset="0"/>
-              <a:cs typeface="Courier New" pitchFamily="49" charset="0"/>
-            </a:endParaRPr>
-          </a:p>
-          <a:p>
-            <a:pPr marL="0" indent="0">
-              <a:buNone/>
-            </a:pPr>
-            <a:r>
-              <a:rPr lang="en-US" sz="1400" b="1" dirty="0" err="1">
-                <a:solidFill>
-                  <a:schemeClr val="accent2"/>
-                </a:solidFill>
-                <a:latin typeface="Courier New" pitchFamily="49" charset="0"/>
-                <a:cs typeface="Courier New" pitchFamily="49" charset="0"/>
-              </a:rPr>
-              <a:t>btn_pushed</a:t>
-            </a:r>
-            <a:r>
-              <a:rPr lang="en-US" sz="1400" b="1" dirty="0">
-                <a:solidFill>
-                  <a:schemeClr val="accent2"/>
-                </a:solidFill>
-                <a:latin typeface="Courier New" pitchFamily="49" charset="0"/>
-                <a:cs typeface="Courier New" pitchFamily="49" charset="0"/>
-              </a:rPr>
-              <a:t>:          </a:t>
-            </a:r>
-            <a:r>
-              <a:rPr lang="en-US" sz="1400" b="1" dirty="0" err="1">
-                <a:solidFill>
-                  <a:schemeClr val="accent2"/>
-                </a:solidFill>
-                <a:latin typeface="Courier New" pitchFamily="49" charset="0"/>
-                <a:cs typeface="Courier New" pitchFamily="49" charset="0"/>
-              </a:rPr>
-              <a:t>bit.b</a:t>
-            </a:r>
-            <a:r>
-              <a:rPr lang="en-US" sz="1400" b="1" dirty="0">
-                <a:solidFill>
-                  <a:schemeClr val="accent2"/>
-                </a:solidFill>
-                <a:latin typeface="Courier New" pitchFamily="49" charset="0"/>
-                <a:cs typeface="Courier New" pitchFamily="49" charset="0"/>
-              </a:rPr>
-              <a:t>  #BIT3, &amp;P1IN</a:t>
-            </a:r>
-          </a:p>
-          <a:p>
-            <a:pPr marL="0" indent="0">
-              <a:buNone/>
-            </a:pPr>
-            <a:r>
-              <a:rPr lang="en-US" sz="1400" b="1" dirty="0">
-                <a:solidFill>
-                  <a:schemeClr val="accent2"/>
-                </a:solidFill>
-                <a:latin typeface="Courier New" pitchFamily="49" charset="0"/>
-                <a:cs typeface="Courier New" pitchFamily="49" charset="0"/>
-              </a:rPr>
-              <a:t>                     </a:t>
-            </a:r>
-            <a:r>
-              <a:rPr lang="en-US" sz="1400" b="1" dirty="0" err="1">
-                <a:solidFill>
-                  <a:schemeClr val="accent2"/>
-                </a:solidFill>
-                <a:latin typeface="Courier New" pitchFamily="49" charset="0"/>
-                <a:cs typeface="Courier New" pitchFamily="49" charset="0"/>
-              </a:rPr>
-              <a:t>jz</a:t>
-            </a:r>
-            <a:r>
-              <a:rPr lang="en-US" sz="1400" b="1" dirty="0">
-                <a:solidFill>
-                  <a:schemeClr val="accent2"/>
-                </a:solidFill>
-                <a:latin typeface="Courier New" pitchFamily="49" charset="0"/>
-                <a:cs typeface="Courier New" pitchFamily="49" charset="0"/>
-              </a:rPr>
-              <a:t>     </a:t>
-            </a:r>
-            <a:r>
-              <a:rPr lang="en-US" sz="1400" b="1" dirty="0" err="1" smtClean="0">
-                <a:solidFill>
-                  <a:schemeClr val="accent2"/>
-                </a:solidFill>
-                <a:latin typeface="Courier New" pitchFamily="49" charset="0"/>
-                <a:cs typeface="Courier New" pitchFamily="49" charset="0"/>
-              </a:rPr>
-              <a:t>btn_pushed</a:t>
+              <a:t>; End Software delay ---------------------------</a:t>
             </a:r>
             <a:endParaRPr lang="en-US" sz="1400" b="1" dirty="0" smtClean="0">
               <a:solidFill>
-                <a:schemeClr val="accent2"/>
-              </a:solidFill>
-              <a:latin typeface="Courier New" pitchFamily="49" charset="0"/>
-              <a:cs typeface="Courier New" pitchFamily="49" charset="0"/>
-            </a:endParaRPr>
-          </a:p>
-          <a:p>
-            <a:pPr marL="0" indent="0">
-              <a:buNone/>
-            </a:pPr>
-            <a:r>
-              <a:rPr lang="en-US" sz="1400" b="1" dirty="0">
-                <a:solidFill>
-                  <a:schemeClr val="accent2"/>
-                </a:solidFill>
-                <a:latin typeface="Courier New" pitchFamily="49" charset="0"/>
-                <a:cs typeface="Courier New" pitchFamily="49" charset="0"/>
-              </a:rPr>
-              <a:t>	</a:t>
-            </a:r>
-            <a:r>
-              <a:rPr lang="en-US" sz="1400" b="1" dirty="0" smtClean="0">
-                <a:solidFill>
-                  <a:schemeClr val="accent2"/>
-                </a:solidFill>
-                <a:latin typeface="Courier New" pitchFamily="49" charset="0"/>
-                <a:cs typeface="Courier New" pitchFamily="49" charset="0"/>
-              </a:rPr>
-              <a:t>	    </a:t>
-            </a:r>
-          </a:p>
-          <a:p>
-            <a:pPr marL="0" indent="0">
-              <a:buNone/>
-            </a:pPr>
-            <a:r>
-              <a:rPr lang="en-US" sz="1400" b="1" dirty="0">
-                <a:solidFill>
-                  <a:schemeClr val="accent2"/>
-                </a:solidFill>
-                <a:latin typeface="Courier New" pitchFamily="49" charset="0"/>
-                <a:cs typeface="Courier New" pitchFamily="49" charset="0"/>
-              </a:rPr>
-              <a:t>	</a:t>
-            </a:r>
-            <a:r>
-              <a:rPr lang="en-US" sz="1400" b="1" dirty="0" smtClean="0">
-                <a:solidFill>
-                  <a:schemeClr val="accent2"/>
-                </a:solidFill>
-                <a:latin typeface="Courier New" pitchFamily="49" charset="0"/>
-                <a:cs typeface="Courier New" pitchFamily="49" charset="0"/>
-              </a:rPr>
-              <a:t>	  </a:t>
-            </a:r>
-            <a:r>
-              <a:rPr lang="en-US" sz="1400" b="1" dirty="0" smtClean="0">
-                <a:solidFill>
-                  <a:srgbClr val="00B050"/>
-                </a:solidFill>
-                <a:latin typeface="Courier New" pitchFamily="49" charset="0"/>
-                <a:cs typeface="Courier New" pitchFamily="49" charset="0"/>
-              </a:rPr>
-              <a:t>; </a:t>
-            </a:r>
-            <a:r>
-              <a:rPr lang="en-US" sz="1400" b="1" dirty="0" err="1">
-                <a:solidFill>
-                  <a:srgbClr val="00B050"/>
-                </a:solidFill>
-                <a:latin typeface="Courier New" pitchFamily="49" charset="0"/>
-                <a:cs typeface="Courier New" pitchFamily="49" charset="0"/>
-              </a:rPr>
-              <a:t>Btn</a:t>
-            </a:r>
-            <a:r>
-              <a:rPr lang="en-US" sz="1400" b="1" dirty="0">
-                <a:solidFill>
-                  <a:srgbClr val="00B050"/>
-                </a:solidFill>
-                <a:latin typeface="Courier New" pitchFamily="49" charset="0"/>
-                <a:cs typeface="Courier New" pitchFamily="49" charset="0"/>
-              </a:rPr>
-              <a:t> released</a:t>
-            </a:r>
-          </a:p>
-          <a:p>
-            <a:pPr marL="0" indent="0">
-              <a:buNone/>
-            </a:pPr>
-            <a:r>
-              <a:rPr lang="en-US" sz="1400" b="1" dirty="0">
-                <a:solidFill>
-                  <a:schemeClr val="accent2"/>
-                </a:solidFill>
-                <a:latin typeface="Courier New" pitchFamily="49" charset="0"/>
-                <a:cs typeface="Courier New" pitchFamily="49" charset="0"/>
-              </a:rPr>
-              <a:t>                     call   #</a:t>
-            </a:r>
-            <a:r>
-              <a:rPr lang="en-US" sz="1400" b="1" dirty="0" err="1">
-                <a:solidFill>
-                  <a:schemeClr val="accent2"/>
-                </a:solidFill>
-                <a:latin typeface="Courier New" pitchFamily="49" charset="0"/>
-                <a:cs typeface="Courier New" pitchFamily="49" charset="0"/>
-              </a:rPr>
-              <a:t>software_delay</a:t>
-            </a:r>
-            <a:endParaRPr lang="en-US" sz="1400" b="1" dirty="0">
-              <a:solidFill>
-                <a:schemeClr val="accent2"/>
-              </a:solidFill>
-              <a:latin typeface="Courier New" pitchFamily="49" charset="0"/>
-              <a:cs typeface="Courier New" pitchFamily="49" charset="0"/>
-            </a:endParaRPr>
-          </a:p>
-          <a:p>
-            <a:pPr marL="0" indent="0">
-              <a:buNone/>
-            </a:pPr>
-            <a:r>
-              <a:rPr lang="en-US" sz="1400" b="1" dirty="0">
-                <a:solidFill>
-                  <a:schemeClr val="accent2"/>
-                </a:solidFill>
-                <a:latin typeface="Courier New" pitchFamily="49" charset="0"/>
-                <a:cs typeface="Courier New" pitchFamily="49" charset="0"/>
-              </a:rPr>
-              <a:t>                     </a:t>
-            </a:r>
-            <a:r>
-              <a:rPr lang="en-US" sz="1400" b="1" dirty="0" err="1">
-                <a:solidFill>
-                  <a:schemeClr val="accent2"/>
-                </a:solidFill>
-                <a:latin typeface="Courier New" pitchFamily="49" charset="0"/>
-                <a:cs typeface="Courier New" pitchFamily="49" charset="0"/>
-              </a:rPr>
-              <a:t>jmp</a:t>
-            </a:r>
-            <a:r>
-              <a:rPr lang="en-US" sz="1400" b="1" dirty="0">
-                <a:solidFill>
-                  <a:schemeClr val="accent2"/>
-                </a:solidFill>
-                <a:latin typeface="Courier New" pitchFamily="49" charset="0"/>
-                <a:cs typeface="Courier New" pitchFamily="49" charset="0"/>
-              </a:rPr>
-              <a:t>    </a:t>
-            </a:r>
-            <a:r>
-              <a:rPr lang="en-US" sz="1400" b="1" dirty="0" err="1">
-                <a:solidFill>
-                  <a:schemeClr val="accent2"/>
-                </a:solidFill>
-                <a:latin typeface="Courier New" pitchFamily="49" charset="0"/>
-                <a:cs typeface="Courier New" pitchFamily="49" charset="0"/>
-              </a:rPr>
-              <a:t>check_btn</a:t>
-            </a:r>
-            <a:endParaRPr lang="en-US" sz="1400" b="1" dirty="0" smtClean="0">
-              <a:solidFill>
-                <a:schemeClr val="accent2"/>
+                <a:srgbClr val="00B050"/>
               </a:solidFill>
               <a:latin typeface="Courier New" pitchFamily="49" charset="0"/>
               <a:cs typeface="Courier New" pitchFamily="49" charset="0"/>
@@ -11918,13 +12522,13 @@
         </p:nvSpPr>
         <p:spPr bwMode="auto">
           <a:xfrm>
-            <a:off x="5716576" y="3487307"/>
-            <a:ext cx="3153103" cy="320066"/>
+            <a:off x="5716577" y="2648608"/>
+            <a:ext cx="3153103" cy="1198179"/>
           </a:xfrm>
           <a:prstGeom prst="wedgeRectCallout">
             <a:avLst>
-              <a:gd name="adj1" fmla="val -117833"/>
-              <a:gd name="adj2" fmla="val 127983"/>
+              <a:gd name="adj1" fmla="val -111333"/>
+              <a:gd name="adj2" fmla="val 59868"/>
             </a:avLst>
           </a:prstGeom>
           <a:solidFill>
@@ -11976,7 +12580,33 @@
                 <a:effectLst/>
                 <a:latin typeface="Arial" charset="0"/>
               </a:rPr>
-              <a:t>Button is push</a:t>
+              <a:t>For your </a:t>
+            </a:r>
+            <a:r>
+              <a:rPr kumimoji="0" lang="en-US" sz="1600" b="0" i="0" u="none" strike="noStrike" cap="none" normalizeH="0" baseline="0" dirty="0" err="1" smtClean="0">
+                <a:ln>
+                  <a:noFill/>
+                </a:ln>
+                <a:solidFill>
+                  <a:schemeClr val="tx1"/>
+                </a:solidFill>
+                <a:effectLst/>
+                <a:latin typeface="Arial" charset="0"/>
+              </a:rPr>
+              <a:t>uC</a:t>
+            </a:r>
+            <a:r>
+              <a:rPr kumimoji="0" lang="en-US" sz="1600" b="0" i="0" u="none" strike="noStrike" cap="none" normalizeH="0" baseline="0" dirty="0" smtClean="0">
+                <a:ln>
+                  <a:noFill/>
+                </a:ln>
+                <a:solidFill>
+                  <a:schemeClr val="tx1"/>
+                </a:solidFill>
+                <a:effectLst/>
+                <a:latin typeface="Arial" charset="0"/>
+              </a:rPr>
+              <a:t>, you need to determine how fast your oscillator</a:t>
             </a:r>
             <a:r>
               <a:rPr kumimoji="0" lang="en-US" sz="1600" b="0" i="0" u="none" strike="noStrike" cap="none" normalizeH="0" dirty="0" smtClean="0">
@@ -11989,7 +12619,20 @@
                 <a:effectLst/>
                 <a:latin typeface="Arial" charset="0"/>
               </a:rPr>
-              <a:t> detected</a:t>
+              <a:t> is and set #0xaaaa to a value you want for </a:t>
+            </a:r>
+            <a:r>
+              <a:rPr kumimoji="0" lang="en-US" sz="1600" b="0" i="0" u="none" strike="noStrike" cap="none" normalizeH="0" dirty="0" err="1" smtClean="0">
+                <a:ln>
+                  <a:noFill/>
+                </a:ln>
+                <a:solidFill>
+                  <a:schemeClr val="tx1"/>
+                </a:solidFill>
+                <a:effectLst/>
+                <a:latin typeface="Arial" charset="0"/>
+              </a:rPr>
+              <a:t>debouncing</a:t>
             </a:r>
             <a:endParaRPr kumimoji="0" lang="en-US" sz="1600" b="0" i="0" u="none" strike="noStrike" cap="none" normalizeH="0" baseline="0" dirty="0" smtClean="0">
               <a:ln>
@@ -12012,13 +12655,13 @@
         </p:nvSpPr>
         <p:spPr bwMode="auto">
           <a:xfrm>
-            <a:off x="5716575" y="4977148"/>
-            <a:ext cx="3153103" cy="840328"/>
+            <a:off x="5716577" y="4141575"/>
+            <a:ext cx="3153103" cy="1198179"/>
           </a:xfrm>
           <a:prstGeom prst="wedgeRectCallout">
             <a:avLst>
-              <a:gd name="adj1" fmla="val -69583"/>
-              <a:gd name="adj2" fmla="val -104688"/>
+              <a:gd name="adj1" fmla="val -110583"/>
+              <a:gd name="adj2" fmla="val -49343"/>
             </a:avLst>
           </a:prstGeom>
           <a:solidFill>
@@ -12070,7 +12713,7 @@
                 <a:effectLst/>
                 <a:latin typeface="Arial" charset="0"/>
               </a:rPr>
-              <a:t>Call a delay (sleep) to wait for bouncing to settle down before reading</a:t>
+              <a:t>It might also be useful to pass in an</a:t>
             </a:r>
             <a:r>
               <a:rPr kumimoji="0" lang="en-US" sz="1600" b="0" i="0" u="none" strike="noStrike" cap="none" normalizeH="0" dirty="0" smtClean="0">
@@ -12083,7 +12726,7 @@
                 <a:effectLst/>
                 <a:latin typeface="Arial" charset="0"/>
               </a:rPr>
-              <a:t> again</a:t>
+              <a:t> argument for how long you want to delay instead of having it hardcoded</a:t>
             </a:r>
             <a:endParaRPr kumimoji="0" lang="en-US" sz="1600" b="0" i="0" u="none" strike="noStrike" cap="none" normalizeH="0" baseline="0" dirty="0" smtClean="0">
               <a:ln>
@@ -12101,7 +12744,7 @@
     </p:spTree>
     <p:extLst>
       <p:ext uri="{BB962C8B-B14F-4D97-AF65-F5344CB8AC3E}">
-        <p14:creationId xmlns:p14="http://schemas.microsoft.com/office/powerpoint/2010/main" val="2711424685"/>
+        <p14:creationId xmlns:p14="http://schemas.microsoft.com/office/powerpoint/2010/main" val="2686562081"/>
       </p:ext>
     </p:extLst>
   </p:cSld>
@@ -12242,8 +12885,64 @@
             </a:endParaRPr>
           </a:p>
           <a:p>
-            <a:pPr algn="l"/>
+            <a:pPr marL="0" indent="0" algn="l">
+              <a:buNone/>
+            </a:pPr>
             <a:endParaRPr lang="en-US" sz="2400" dirty="0" smtClean="0"/>
+          </a:p>
+        </p:txBody>
+      </p:sp>
+      <p:pic>
+        <p:nvPicPr>
+          <p:cNvPr id="4" name="Picture 3"/>
+          <p:cNvPicPr>
+            <a:picLocks noChangeAspect="1"/>
+          </p:cNvPicPr>
+          <p:nvPr/>
+        </p:nvPicPr>
+        <p:blipFill>
+          <a:blip r:embed="rId2"/>
+          <a:stretch>
+            <a:fillRect/>
+          </a:stretch>
+        </p:blipFill>
+        <p:spPr>
+          <a:xfrm>
+            <a:off x="4461640" y="1718746"/>
+            <a:ext cx="4543097" cy="3026838"/>
+          </a:xfrm>
+          <a:prstGeom prst="rect">
+            <a:avLst/>
+          </a:prstGeom>
+        </p:spPr>
+      </p:pic>
+      <p:sp>
+        <p:nvSpPr>
+          <p:cNvPr id="5" name="TextBox 4"/>
+          <p:cNvSpPr txBox="1"/>
+          <p:nvPr/>
+        </p:nvSpPr>
+        <p:spPr>
+          <a:xfrm>
+            <a:off x="4348391" y="4811526"/>
+            <a:ext cx="4543097" cy="1200329"/>
+          </a:xfrm>
+          <a:prstGeom prst="rect">
+            <a:avLst/>
+          </a:prstGeom>
+          <a:noFill/>
+        </p:spPr>
+        <p:txBody>
+          <a:bodyPr wrap="square" rtlCol="0">
+            <a:spAutoFit/>
+          </a:bodyPr>
+          <a:lstStyle/>
+          <a:p>
+            <a:r>
+              <a:rPr lang="en-US" dirty="0" smtClean="0"/>
+              <a:t>Being able to “see” what is coming into and out of our microcontroller is very useful (debugging)</a:t>
+            </a:r>
+            <a:endParaRPr lang="en-US" dirty="0"/>
           </a:p>
         </p:txBody>
       </p:sp>
@@ -12287,756 +12986,6 @@
       </p:grpSpPr>
       <p:sp>
         <p:nvSpPr>
-          <p:cNvPr id="2" name="Title 1"/>
-          <p:cNvSpPr>
-            <a:spLocks noGrp="1"/>
-          </p:cNvSpPr>
-          <p:nvPr>
-            <p:ph type="title"/>
-          </p:nvPr>
-        </p:nvSpPr>
-        <p:spPr/>
-        <p:txBody>
-          <a:bodyPr/>
-          <a:lstStyle/>
-          <a:p>
-            <a:r>
-              <a:rPr lang="en-US" dirty="0" err="1" smtClean="0"/>
-              <a:t>Debounced</a:t>
-            </a:r>
-            <a:r>
-              <a:rPr lang="en-US" dirty="0" smtClean="0"/>
-              <a:t> code with SW delay</a:t>
-            </a:r>
-            <a:endParaRPr lang="en-US" dirty="0"/>
-          </a:p>
-        </p:txBody>
-      </p:sp>
-      <p:sp>
-        <p:nvSpPr>
-          <p:cNvPr id="3" name="Content Placeholder 2"/>
-          <p:cNvSpPr>
-            <a:spLocks noGrp="1"/>
-          </p:cNvSpPr>
-          <p:nvPr>
-            <p:ph idx="1"/>
-          </p:nvPr>
-        </p:nvSpPr>
-        <p:spPr>
-          <a:xfrm>
-            <a:off x="708193" y="1574948"/>
-            <a:ext cx="7772400" cy="4724400"/>
-          </a:xfrm>
-        </p:spPr>
-        <p:txBody>
-          <a:bodyPr/>
-          <a:lstStyle/>
-          <a:p>
-            <a:pPr marL="0" indent="0">
-              <a:buNone/>
-            </a:pPr>
-            <a:r>
-              <a:rPr lang="en-US" sz="1400" b="1" dirty="0">
-                <a:solidFill>
-                  <a:srgbClr val="00B050"/>
-                </a:solidFill>
-                <a:latin typeface="Courier New" pitchFamily="49" charset="0"/>
-                <a:cs typeface="Courier New" pitchFamily="49" charset="0"/>
-              </a:rPr>
-              <a:t>; -------------------------------------------</a:t>
-            </a:r>
-          </a:p>
-          <a:p>
-            <a:pPr marL="0" indent="0">
-              <a:buNone/>
-            </a:pPr>
-            <a:r>
-              <a:rPr lang="en-US" sz="1400" b="1" dirty="0">
-                <a:solidFill>
-                  <a:srgbClr val="00B050"/>
-                </a:solidFill>
-                <a:latin typeface="Courier New" pitchFamily="49" charset="0"/>
-                <a:cs typeface="Courier New" pitchFamily="49" charset="0"/>
-              </a:rPr>
-              <a:t>; Software delay</a:t>
-            </a:r>
-          </a:p>
-          <a:p>
-            <a:pPr marL="0" indent="0">
-              <a:buNone/>
-            </a:pPr>
-            <a:r>
-              <a:rPr lang="en-US" sz="1400" b="1" dirty="0">
-                <a:solidFill>
-                  <a:srgbClr val="00B050"/>
-                </a:solidFill>
-                <a:latin typeface="Courier New" pitchFamily="49" charset="0"/>
-                <a:cs typeface="Courier New" pitchFamily="49" charset="0"/>
-              </a:rPr>
-              <a:t>; Purpose:  Delays code based on value of R5</a:t>
-            </a:r>
-          </a:p>
-          <a:p>
-            <a:pPr marL="0" indent="0">
-              <a:buNone/>
-            </a:pPr>
-            <a:r>
-              <a:rPr lang="en-US" sz="1400" b="1" dirty="0">
-                <a:solidFill>
-                  <a:srgbClr val="00B050"/>
-                </a:solidFill>
-                <a:latin typeface="Courier New" pitchFamily="49" charset="0"/>
-                <a:cs typeface="Courier New" pitchFamily="49" charset="0"/>
-              </a:rPr>
-              <a:t>;	</a:t>
-            </a:r>
-            <a:r>
-              <a:rPr lang="en-US" sz="1400" b="1" dirty="0" smtClean="0">
-                <a:solidFill>
-                  <a:srgbClr val="00B050"/>
-                </a:solidFill>
-                <a:latin typeface="Courier New" pitchFamily="49" charset="0"/>
-                <a:cs typeface="Courier New" pitchFamily="49" charset="0"/>
-              </a:rPr>
-              <a:t>   R5 </a:t>
-            </a:r>
-            <a:r>
-              <a:rPr lang="en-US" sz="1400" b="1" dirty="0">
-                <a:solidFill>
-                  <a:srgbClr val="00B050"/>
-                </a:solidFill>
-                <a:latin typeface="Courier New" pitchFamily="49" charset="0"/>
-                <a:cs typeface="Courier New" pitchFamily="49" charset="0"/>
-              </a:rPr>
-              <a:t>is currently hard coded as </a:t>
-            </a:r>
-            <a:r>
-              <a:rPr lang="en-US" sz="1400" b="1" dirty="0" smtClean="0">
-                <a:solidFill>
-                  <a:srgbClr val="00B050"/>
-                </a:solidFill>
-                <a:latin typeface="Courier New" pitchFamily="49" charset="0"/>
-                <a:cs typeface="Courier New" pitchFamily="49" charset="0"/>
-              </a:rPr>
-              <a:t>0xAAAA</a:t>
-            </a:r>
-          </a:p>
-          <a:p>
-            <a:pPr marL="0" indent="0">
-              <a:buNone/>
-            </a:pPr>
-            <a:r>
-              <a:rPr lang="en-US" sz="1400" dirty="0" smtClean="0">
-                <a:solidFill>
-                  <a:srgbClr val="00B050"/>
-                </a:solidFill>
-                <a:latin typeface="Courier New" pitchFamily="49" charset="0"/>
-                <a:cs typeface="Courier New" pitchFamily="49" charset="0"/>
-              </a:rPr>
-              <a:t>; Destroyed: None</a:t>
-            </a:r>
-          </a:p>
-          <a:p>
-            <a:pPr marL="0" indent="0">
-              <a:buNone/>
-            </a:pPr>
-            <a:r>
-              <a:rPr lang="en-US" sz="1400" b="1" dirty="0" smtClean="0">
-                <a:solidFill>
-                  <a:srgbClr val="00B050"/>
-                </a:solidFill>
-                <a:latin typeface="Courier New" pitchFamily="49" charset="0"/>
-                <a:cs typeface="Courier New" pitchFamily="49" charset="0"/>
-              </a:rPr>
-              <a:t>; Returned: None</a:t>
-            </a:r>
-            <a:endParaRPr lang="en-US" sz="1400" b="1" dirty="0">
-              <a:solidFill>
-                <a:srgbClr val="00B050"/>
-              </a:solidFill>
-              <a:latin typeface="Courier New" pitchFamily="49" charset="0"/>
-              <a:cs typeface="Courier New" pitchFamily="49" charset="0"/>
-            </a:endParaRPr>
-          </a:p>
-          <a:p>
-            <a:pPr marL="0" indent="0">
-              <a:buNone/>
-            </a:pPr>
-            <a:r>
-              <a:rPr lang="en-US" sz="1400" b="1" dirty="0">
-                <a:solidFill>
-                  <a:srgbClr val="00B050"/>
-                </a:solidFill>
-                <a:latin typeface="Courier New" pitchFamily="49" charset="0"/>
-                <a:cs typeface="Courier New" pitchFamily="49" charset="0"/>
-              </a:rPr>
-              <a:t>; -------------------------------------------</a:t>
-            </a:r>
-          </a:p>
-          <a:p>
-            <a:pPr marL="0" indent="0">
-              <a:buNone/>
-            </a:pPr>
-            <a:r>
-              <a:rPr lang="en-US" sz="1400" b="1" dirty="0" err="1">
-                <a:solidFill>
-                  <a:schemeClr val="accent2"/>
-                </a:solidFill>
-                <a:latin typeface="Courier New" pitchFamily="49" charset="0"/>
-                <a:cs typeface="Courier New" pitchFamily="49" charset="0"/>
-              </a:rPr>
-              <a:t>software_delay</a:t>
-            </a:r>
-            <a:r>
-              <a:rPr lang="en-US" sz="1400" b="1" dirty="0">
-                <a:solidFill>
-                  <a:schemeClr val="accent2"/>
-                </a:solidFill>
-                <a:latin typeface="Courier New" pitchFamily="49" charset="0"/>
-                <a:cs typeface="Courier New" pitchFamily="49" charset="0"/>
-              </a:rPr>
-              <a:t>:</a:t>
-            </a:r>
-          </a:p>
-          <a:p>
-            <a:pPr marL="0" indent="0">
-              <a:buNone/>
-            </a:pPr>
-            <a:r>
-              <a:rPr lang="en-US" sz="1400" b="1" dirty="0">
-                <a:solidFill>
-                  <a:schemeClr val="accent2"/>
-                </a:solidFill>
-                <a:latin typeface="Courier New" pitchFamily="49" charset="0"/>
-                <a:cs typeface="Courier New" pitchFamily="49" charset="0"/>
-              </a:rPr>
-              <a:t>		</a:t>
-            </a:r>
-            <a:r>
-              <a:rPr lang="en-US" sz="1400" b="1" dirty="0" smtClean="0">
-                <a:solidFill>
-                  <a:schemeClr val="accent2"/>
-                </a:solidFill>
-                <a:latin typeface="Courier New" pitchFamily="49" charset="0"/>
-                <a:cs typeface="Courier New" pitchFamily="49" charset="0"/>
-              </a:rPr>
-              <a:t>push </a:t>
-            </a:r>
-            <a:r>
-              <a:rPr lang="en-US" sz="1400" b="1" dirty="0">
-                <a:solidFill>
-                  <a:schemeClr val="accent2"/>
-                </a:solidFill>
-                <a:latin typeface="Courier New" pitchFamily="49" charset="0"/>
-                <a:cs typeface="Courier New" pitchFamily="49" charset="0"/>
-              </a:rPr>
-              <a:t>r5</a:t>
-            </a:r>
-          </a:p>
-          <a:p>
-            <a:pPr marL="0" indent="0">
-              <a:buNone/>
-            </a:pPr>
-            <a:r>
-              <a:rPr lang="en-US" sz="1400" b="1" dirty="0">
-                <a:solidFill>
-                  <a:schemeClr val="accent2"/>
-                </a:solidFill>
-                <a:latin typeface="Courier New" pitchFamily="49" charset="0"/>
-                <a:cs typeface="Courier New" pitchFamily="49" charset="0"/>
-              </a:rPr>
-              <a:t>		</a:t>
-            </a:r>
-            <a:r>
-              <a:rPr lang="en-US" sz="1400" b="1" dirty="0" err="1" smtClean="0">
-                <a:solidFill>
-                  <a:schemeClr val="accent2"/>
-                </a:solidFill>
-                <a:latin typeface="Courier New" pitchFamily="49" charset="0"/>
-                <a:cs typeface="Courier New" pitchFamily="49" charset="0"/>
-              </a:rPr>
-              <a:t>mov.w</a:t>
-            </a:r>
-            <a:r>
-              <a:rPr lang="en-US" sz="1400" b="1" dirty="0" smtClean="0">
-                <a:solidFill>
-                  <a:schemeClr val="accent2"/>
-                </a:solidFill>
-                <a:latin typeface="Courier New" pitchFamily="49" charset="0"/>
-                <a:cs typeface="Courier New" pitchFamily="49" charset="0"/>
-              </a:rPr>
-              <a:t> </a:t>
-            </a:r>
-            <a:r>
-              <a:rPr lang="en-US" sz="1400" b="1" dirty="0">
-                <a:solidFill>
-                  <a:schemeClr val="accent2"/>
-                </a:solidFill>
-                <a:latin typeface="Courier New" pitchFamily="49" charset="0"/>
-                <a:cs typeface="Courier New" pitchFamily="49" charset="0"/>
-              </a:rPr>
-              <a:t>#0xaaaa, r5</a:t>
-            </a:r>
-          </a:p>
-          <a:p>
-            <a:pPr marL="0" indent="0">
-              <a:buNone/>
-            </a:pPr>
-            <a:endParaRPr lang="en-US" sz="1400" b="1" dirty="0">
-              <a:solidFill>
-                <a:schemeClr val="accent2"/>
-              </a:solidFill>
-              <a:latin typeface="Courier New" pitchFamily="49" charset="0"/>
-              <a:cs typeface="Courier New" pitchFamily="49" charset="0"/>
-            </a:endParaRPr>
-          </a:p>
-          <a:p>
-            <a:pPr marL="0" indent="0">
-              <a:buNone/>
-            </a:pPr>
-            <a:r>
-              <a:rPr lang="en-US" sz="1400" b="1" dirty="0">
-                <a:solidFill>
-                  <a:schemeClr val="accent2"/>
-                </a:solidFill>
-                <a:latin typeface="Courier New" pitchFamily="49" charset="0"/>
-                <a:cs typeface="Courier New" pitchFamily="49" charset="0"/>
-              </a:rPr>
-              <a:t>delay:		</a:t>
-            </a:r>
-            <a:r>
-              <a:rPr lang="en-US" sz="1400" b="1" dirty="0" err="1" smtClean="0">
-                <a:solidFill>
-                  <a:schemeClr val="accent2"/>
-                </a:solidFill>
-                <a:latin typeface="Courier New" pitchFamily="49" charset="0"/>
-                <a:cs typeface="Courier New" pitchFamily="49" charset="0"/>
-              </a:rPr>
-              <a:t>dec</a:t>
-            </a:r>
-            <a:r>
-              <a:rPr lang="en-US" sz="1400" b="1" dirty="0" smtClean="0">
-                <a:solidFill>
-                  <a:schemeClr val="accent2"/>
-                </a:solidFill>
-                <a:latin typeface="Courier New" pitchFamily="49" charset="0"/>
-                <a:cs typeface="Courier New" pitchFamily="49" charset="0"/>
-              </a:rPr>
-              <a:t> </a:t>
-            </a:r>
-            <a:r>
-              <a:rPr lang="en-US" sz="1400" b="1" dirty="0">
-                <a:solidFill>
-                  <a:schemeClr val="accent2"/>
-                </a:solidFill>
-                <a:latin typeface="Courier New" pitchFamily="49" charset="0"/>
-                <a:cs typeface="Courier New" pitchFamily="49" charset="0"/>
-              </a:rPr>
-              <a:t>r5</a:t>
-            </a:r>
-          </a:p>
-          <a:p>
-            <a:pPr marL="0" indent="0">
-              <a:buNone/>
-            </a:pPr>
-            <a:r>
-              <a:rPr lang="en-US" sz="1400" b="1" dirty="0">
-                <a:solidFill>
-                  <a:schemeClr val="accent2"/>
-                </a:solidFill>
-                <a:latin typeface="Courier New" pitchFamily="49" charset="0"/>
-                <a:cs typeface="Courier New" pitchFamily="49" charset="0"/>
-              </a:rPr>
-              <a:t>		</a:t>
-            </a:r>
-            <a:r>
-              <a:rPr lang="en-US" sz="1400" b="1" dirty="0" err="1" smtClean="0">
-                <a:solidFill>
-                  <a:schemeClr val="accent2"/>
-                </a:solidFill>
-                <a:latin typeface="Courier New" pitchFamily="49" charset="0"/>
-                <a:cs typeface="Courier New" pitchFamily="49" charset="0"/>
-              </a:rPr>
-              <a:t>jnz</a:t>
-            </a:r>
-            <a:r>
-              <a:rPr lang="en-US" sz="1400" b="1" dirty="0" smtClean="0">
-                <a:solidFill>
-                  <a:schemeClr val="accent2"/>
-                </a:solidFill>
-                <a:latin typeface="Courier New" pitchFamily="49" charset="0"/>
-                <a:cs typeface="Courier New" pitchFamily="49" charset="0"/>
-              </a:rPr>
-              <a:t> </a:t>
-            </a:r>
-            <a:r>
-              <a:rPr lang="en-US" sz="1400" b="1" dirty="0">
-                <a:solidFill>
-                  <a:schemeClr val="accent2"/>
-                </a:solidFill>
-                <a:latin typeface="Courier New" pitchFamily="49" charset="0"/>
-                <a:cs typeface="Courier New" pitchFamily="49" charset="0"/>
-              </a:rPr>
-              <a:t>delay</a:t>
-            </a:r>
-          </a:p>
-          <a:p>
-            <a:pPr marL="0" indent="0">
-              <a:buNone/>
-            </a:pPr>
-            <a:r>
-              <a:rPr lang="en-US" sz="1400" b="1" dirty="0">
-                <a:solidFill>
-                  <a:schemeClr val="accent2"/>
-                </a:solidFill>
-                <a:latin typeface="Courier New" pitchFamily="49" charset="0"/>
-                <a:cs typeface="Courier New" pitchFamily="49" charset="0"/>
-              </a:rPr>
-              <a:t>		</a:t>
-            </a:r>
-            <a:r>
-              <a:rPr lang="en-US" sz="1400" b="1" dirty="0" smtClean="0">
-                <a:solidFill>
-                  <a:schemeClr val="accent2"/>
-                </a:solidFill>
-                <a:latin typeface="Courier New" pitchFamily="49" charset="0"/>
-                <a:cs typeface="Courier New" pitchFamily="49" charset="0"/>
-              </a:rPr>
-              <a:t>pop </a:t>
-            </a:r>
-            <a:r>
-              <a:rPr lang="en-US" sz="1400" b="1" dirty="0">
-                <a:solidFill>
-                  <a:schemeClr val="accent2"/>
-                </a:solidFill>
-                <a:latin typeface="Courier New" pitchFamily="49" charset="0"/>
-                <a:cs typeface="Courier New" pitchFamily="49" charset="0"/>
-              </a:rPr>
-              <a:t>r5</a:t>
-            </a:r>
-          </a:p>
-          <a:p>
-            <a:pPr marL="0" indent="0">
-              <a:buNone/>
-            </a:pPr>
-            <a:r>
-              <a:rPr lang="en-US" sz="1400" b="1" dirty="0">
-                <a:solidFill>
-                  <a:schemeClr val="accent2"/>
-                </a:solidFill>
-                <a:latin typeface="Courier New" pitchFamily="49" charset="0"/>
-                <a:cs typeface="Courier New" pitchFamily="49" charset="0"/>
-              </a:rPr>
-              <a:t>		</a:t>
-            </a:r>
-            <a:r>
-              <a:rPr lang="en-US" sz="1400" b="1" dirty="0" smtClean="0">
-                <a:solidFill>
-                  <a:schemeClr val="accent2"/>
-                </a:solidFill>
-                <a:latin typeface="Courier New" pitchFamily="49" charset="0"/>
-                <a:cs typeface="Courier New" pitchFamily="49" charset="0"/>
-              </a:rPr>
-              <a:t>ret</a:t>
-            </a:r>
-            <a:endParaRPr lang="en-US" sz="1400" b="1" dirty="0">
-              <a:solidFill>
-                <a:schemeClr val="accent2"/>
-              </a:solidFill>
-              <a:latin typeface="Courier New" pitchFamily="49" charset="0"/>
-              <a:cs typeface="Courier New" pitchFamily="49" charset="0"/>
-            </a:endParaRPr>
-          </a:p>
-          <a:p>
-            <a:pPr marL="0" indent="0">
-              <a:buNone/>
-            </a:pPr>
-            <a:r>
-              <a:rPr lang="en-US" sz="1400" b="1" dirty="0">
-                <a:solidFill>
-                  <a:srgbClr val="00B050"/>
-                </a:solidFill>
-                <a:latin typeface="Courier New" pitchFamily="49" charset="0"/>
-                <a:cs typeface="Courier New" pitchFamily="49" charset="0"/>
-              </a:rPr>
-              <a:t>; End Software delay ---------------------------</a:t>
-            </a:r>
-            <a:endParaRPr lang="en-US" sz="1400" b="1" dirty="0" smtClean="0">
-              <a:solidFill>
-                <a:srgbClr val="00B050"/>
-              </a:solidFill>
-              <a:latin typeface="Courier New" pitchFamily="49" charset="0"/>
-              <a:cs typeface="Courier New" pitchFamily="49" charset="0"/>
-            </a:endParaRPr>
-          </a:p>
-        </p:txBody>
-      </p:sp>
-      <p:sp>
-        <p:nvSpPr>
-          <p:cNvPr id="4" name="Rectangular Callout 3"/>
-          <p:cNvSpPr/>
-          <p:nvPr/>
-        </p:nvSpPr>
-        <p:spPr bwMode="auto">
-          <a:xfrm>
-            <a:off x="5716577" y="2648608"/>
-            <a:ext cx="3153103" cy="1198179"/>
-          </a:xfrm>
-          <a:prstGeom prst="wedgeRectCallout">
-            <a:avLst>
-              <a:gd name="adj1" fmla="val -111333"/>
-              <a:gd name="adj2" fmla="val 59868"/>
-            </a:avLst>
-          </a:prstGeom>
-          <a:solidFill>
-            <a:srgbClr val="FFFF00"/>
-          </a:solidFill>
-          <a:ln w="12700" cap="flat" cmpd="sng" algn="ctr">
-            <a:solidFill>
-              <a:schemeClr val="tx1"/>
-            </a:solidFill>
-            <a:prstDash val="solid"/>
-            <a:round/>
-            <a:headEnd type="none" w="med" len="med"/>
-            <a:tailEnd type="none" w="med" len="med"/>
-          </a:ln>
-          <a:effectLst/>
-        </p:spPr>
-        <p:txBody>
-          <a:bodyPr vert="horz" wrap="square" lIns="91440" tIns="45720" rIns="91440" bIns="45720" numCol="1" rtlCol="0" anchor="t" anchorCtr="0" compatLnSpc="1">
-            <a:prstTxWarp prst="textNoShape">
-              <a:avLst/>
-            </a:prstTxWarp>
-          </a:bodyPr>
-          <a:lstStyle/>
-          <a:p>
-            <a:pPr marL="0" marR="0" indent="0" algn="ctr" defTabSz="914400" rtl="0" eaLnBrk="0" fontAlgn="base" latinLnBrk="0" hangingPunct="0">
-              <a:lnSpc>
-                <a:spcPct val="100000"/>
-              </a:lnSpc>
-              <a:spcBef>
-                <a:spcPct val="0"/>
-              </a:spcBef>
-              <a:spcAft>
-                <a:spcPct val="0"/>
-              </a:spcAft>
-              <a:buClrTx/>
-              <a:buSzTx/>
-              <a:buFontTx/>
-              <a:buNone/>
-              <a:tabLst/>
-            </a:pPr>
-            <a:r>
-              <a:rPr kumimoji="0" lang="en-US" sz="1600" b="0" i="0" u="none" strike="noStrike" cap="none" normalizeH="0" baseline="0" dirty="0" smtClean="0">
-                <a:ln>
-                  <a:noFill/>
-                </a:ln>
-                <a:solidFill>
-                  <a:schemeClr val="tx1"/>
-                </a:solidFill>
-                <a:effectLst/>
-                <a:latin typeface="Arial" charset="0"/>
-              </a:rPr>
-              <a:t>For your </a:t>
-            </a:r>
-            <a:r>
-              <a:rPr kumimoji="0" lang="en-US" sz="1600" b="0" i="0" u="none" strike="noStrike" cap="none" normalizeH="0" baseline="0" dirty="0" err="1" smtClean="0">
-                <a:ln>
-                  <a:noFill/>
-                </a:ln>
-                <a:solidFill>
-                  <a:schemeClr val="tx1"/>
-                </a:solidFill>
-                <a:effectLst/>
-                <a:latin typeface="Arial" charset="0"/>
-              </a:rPr>
-              <a:t>uC</a:t>
-            </a:r>
-            <a:r>
-              <a:rPr kumimoji="0" lang="en-US" sz="1600" b="0" i="0" u="none" strike="noStrike" cap="none" normalizeH="0" baseline="0" dirty="0" smtClean="0">
-                <a:ln>
-                  <a:noFill/>
-                </a:ln>
-                <a:solidFill>
-                  <a:schemeClr val="tx1"/>
-                </a:solidFill>
-                <a:effectLst/>
-                <a:latin typeface="Arial" charset="0"/>
-              </a:rPr>
-              <a:t>, you need to determine how fast your oscillator</a:t>
-            </a:r>
-            <a:r>
-              <a:rPr kumimoji="0" lang="en-US" sz="1600" b="0" i="0" u="none" strike="noStrike" cap="none" normalizeH="0" dirty="0" smtClean="0">
-                <a:ln>
-                  <a:noFill/>
-                </a:ln>
-                <a:solidFill>
-                  <a:schemeClr val="tx1"/>
-                </a:solidFill>
-                <a:effectLst/>
-                <a:latin typeface="Arial" charset="0"/>
-              </a:rPr>
-              <a:t> is and set #0xaaaa to a value you want for </a:t>
-            </a:r>
-            <a:r>
-              <a:rPr kumimoji="0" lang="en-US" sz="1600" b="0" i="0" u="none" strike="noStrike" cap="none" normalizeH="0" dirty="0" err="1" smtClean="0">
-                <a:ln>
-                  <a:noFill/>
-                </a:ln>
-                <a:solidFill>
-                  <a:schemeClr val="tx1"/>
-                </a:solidFill>
-                <a:effectLst/>
-                <a:latin typeface="Arial" charset="0"/>
-              </a:rPr>
-              <a:t>debouncing</a:t>
-            </a:r>
-            <a:endParaRPr kumimoji="0" lang="en-US" sz="1600" b="0" i="0" u="none" strike="noStrike" cap="none" normalizeH="0" baseline="0" dirty="0" smtClean="0">
-              <a:ln>
-                <a:noFill/>
-              </a:ln>
-              <a:solidFill>
-                <a:schemeClr val="tx1"/>
-              </a:solidFill>
-              <a:effectLst/>
-              <a:latin typeface="Arial" charset="0"/>
-            </a:endParaRPr>
-          </a:p>
-        </p:txBody>
-      </p:sp>
-      <p:sp>
-        <p:nvSpPr>
-          <p:cNvPr id="5" name="Rectangular Callout 4"/>
-          <p:cNvSpPr/>
-          <p:nvPr/>
-        </p:nvSpPr>
-        <p:spPr bwMode="auto">
-          <a:xfrm>
-            <a:off x="5716577" y="4141575"/>
-            <a:ext cx="3153103" cy="1198179"/>
-          </a:xfrm>
-          <a:prstGeom prst="wedgeRectCallout">
-            <a:avLst>
-              <a:gd name="adj1" fmla="val -110583"/>
-              <a:gd name="adj2" fmla="val -49343"/>
-            </a:avLst>
-          </a:prstGeom>
-          <a:solidFill>
-            <a:srgbClr val="FFFF00"/>
-          </a:solidFill>
-          <a:ln w="12700" cap="flat" cmpd="sng" algn="ctr">
-            <a:solidFill>
-              <a:schemeClr val="tx1"/>
-            </a:solidFill>
-            <a:prstDash val="solid"/>
-            <a:round/>
-            <a:headEnd type="none" w="med" len="med"/>
-            <a:tailEnd type="none" w="med" len="med"/>
-          </a:ln>
-          <a:effectLst/>
-        </p:spPr>
-        <p:txBody>
-          <a:bodyPr vert="horz" wrap="square" lIns="91440" tIns="45720" rIns="91440" bIns="45720" numCol="1" rtlCol="0" anchor="t" anchorCtr="0" compatLnSpc="1">
-            <a:prstTxWarp prst="textNoShape">
-              <a:avLst/>
-            </a:prstTxWarp>
-          </a:bodyPr>
-          <a:lstStyle/>
-          <a:p>
-            <a:pPr marL="0" marR="0" indent="0" algn="ctr" defTabSz="914400" rtl="0" eaLnBrk="0" fontAlgn="base" latinLnBrk="0" hangingPunct="0">
-              <a:lnSpc>
-                <a:spcPct val="100000"/>
-              </a:lnSpc>
-              <a:spcBef>
-                <a:spcPct val="0"/>
-              </a:spcBef>
-              <a:spcAft>
-                <a:spcPct val="0"/>
-              </a:spcAft>
-              <a:buClrTx/>
-              <a:buSzTx/>
-              <a:buFontTx/>
-              <a:buNone/>
-              <a:tabLst/>
-            </a:pPr>
-            <a:r>
-              <a:rPr kumimoji="0" lang="en-US" sz="1600" b="0" i="0" u="none" strike="noStrike" cap="none" normalizeH="0" baseline="0" dirty="0" smtClean="0">
-                <a:ln>
-                  <a:noFill/>
-                </a:ln>
-                <a:solidFill>
-                  <a:schemeClr val="tx1"/>
-                </a:solidFill>
-                <a:effectLst/>
-                <a:latin typeface="Arial" charset="0"/>
-              </a:rPr>
-              <a:t>It might also be useful to pass in an</a:t>
-            </a:r>
-            <a:r>
-              <a:rPr kumimoji="0" lang="en-US" sz="1600" b="0" i="0" u="none" strike="noStrike" cap="none" normalizeH="0" dirty="0" smtClean="0">
-                <a:ln>
-                  <a:noFill/>
-                </a:ln>
-                <a:solidFill>
-                  <a:schemeClr val="tx1"/>
-                </a:solidFill>
-                <a:effectLst/>
-                <a:latin typeface="Arial" charset="0"/>
-              </a:rPr>
-              <a:t> argument for how long you want to delay instead of having it hardcoded</a:t>
-            </a:r>
-            <a:endParaRPr kumimoji="0" lang="en-US" sz="1600" b="0" i="0" u="none" strike="noStrike" cap="none" normalizeH="0" baseline="0" dirty="0" smtClean="0">
-              <a:ln>
-                <a:noFill/>
-              </a:ln>
-              <a:solidFill>
-                <a:schemeClr val="tx1"/>
-              </a:solidFill>
-              <a:effectLst/>
-              <a:latin typeface="Arial" charset="0"/>
-            </a:endParaRPr>
-          </a:p>
-        </p:txBody>
-      </p:sp>
-    </p:spTree>
-    <p:extLst>
-      <p:ext uri="{BB962C8B-B14F-4D97-AF65-F5344CB8AC3E}">
-        <p14:creationId xmlns:p14="http://schemas.microsoft.com/office/powerpoint/2010/main" val="2686562081"/>
-      </p:ext>
-    </p:extLst>
-  </p:cSld>
-  <p:clrMapOvr>
-    <a:masterClrMapping/>
-  </p:clrMapOvr>
-  <p:timing>
-    <p:tnLst>
-      <p:par>
-        <p:cTn id="1" dur="indefinite" restart="never" nodeType="tmRoot"/>
-      </p:par>
-    </p:tnLst>
-  </p:timing>
-</p:sld>
-</file>
-
-<file path=ppt/slides/slide21.xml><?xml version="1.0" encoding="utf-8"?>
-<p:sld xmlns:a="http://schemas.openxmlformats.org/drawingml/2006/main" xmlns:r="http://schemas.openxmlformats.org/officeDocument/2006/relationships" xmlns:p="http://schemas.openxmlformats.org/presentationml/2006/main">
-  <p:cSld>
-    <p:spTree>
-      <p:nvGrpSpPr>
-        <p:cNvPr id="1" name=""/>
-        <p:cNvGrpSpPr/>
-        <p:nvPr/>
-      </p:nvGrpSpPr>
-      <p:grpSpPr>
-        <a:xfrm>
-          <a:off x="0" y="0"/>
-          <a:ext cx="0" cy="0"/>
-          <a:chOff x="0" y="0"/>
-          <a:chExt cx="0" cy="0"/>
-        </a:xfrm>
-      </p:grpSpPr>
-      <p:sp>
-        <p:nvSpPr>
           <p:cNvPr id="5" name="Subtitle 4"/>
           <p:cNvSpPr>
             <a:spLocks noGrp="1"/>
@@ -13098,7 +13047,7 @@
 </p:sld>
 </file>
 
-<file path=ppt/slides/slide22.xml><?xml version="1.0" encoding="utf-8"?>
+<file path=ppt/slides/slide21.xml><?xml version="1.0" encoding="utf-8"?>
 <p:sld xmlns:a="http://schemas.openxmlformats.org/drawingml/2006/main" xmlns:r="http://schemas.openxmlformats.org/officeDocument/2006/relationships" xmlns:p="http://schemas.openxmlformats.org/presentationml/2006/main">
   <p:cSld>
     <p:spTree>
@@ -13132,1658 +13081,6 @@
           <a:p>
             <a:r>
               <a:rPr lang="en-US" b="1" dirty="0" smtClean="0"/>
-              <a:t>Review: Multiplexing</a:t>
-            </a:r>
-            <a:endParaRPr lang="en-US" dirty="0"/>
-          </a:p>
-        </p:txBody>
-      </p:sp>
-      <p:sp>
-        <p:nvSpPr>
-          <p:cNvPr id="3" name="Content Placeholder 2"/>
-          <p:cNvSpPr>
-            <a:spLocks noGrp="1"/>
-          </p:cNvSpPr>
-          <p:nvPr>
-            <p:ph idx="1"/>
-          </p:nvPr>
-        </p:nvSpPr>
-        <p:spPr>
-          <a:xfrm>
-            <a:off x="395177" y="669852"/>
-            <a:ext cx="8493642" cy="4724400"/>
-          </a:xfrm>
-        </p:spPr>
-        <p:txBody>
-          <a:bodyPr/>
-          <a:lstStyle/>
-          <a:p>
-            <a:r>
-              <a:rPr lang="en-US" sz="2000" dirty="0" smtClean="0">
-                <a:solidFill>
-                  <a:schemeClr val="accent2"/>
-                </a:solidFill>
-              </a:rPr>
-              <a:t>Only 20 Pins !!! But want access to many more signals</a:t>
-            </a:r>
-          </a:p>
-          <a:p>
-            <a:pPr lvl="1"/>
-            <a:r>
-              <a:rPr lang="en-US" sz="1600" dirty="0" smtClean="0"/>
-              <a:t>Therefore, each pin shares several signals </a:t>
-            </a:r>
-            <a:r>
-              <a:rPr lang="en-US" sz="1600" dirty="0" smtClean="0">
-                <a:sym typeface="Wingdings" pitchFamily="2" charset="2"/>
-              </a:rPr>
-              <a:t> multiplexing</a:t>
-            </a:r>
-            <a:endParaRPr lang="en-US" sz="1600" dirty="0" smtClean="0"/>
-          </a:p>
-          <a:p>
-            <a:endParaRPr lang="en-US" sz="2000" dirty="0" smtClean="0">
-              <a:solidFill>
-                <a:schemeClr val="accent2"/>
-              </a:solidFill>
-            </a:endParaRPr>
-          </a:p>
-          <a:p>
-            <a:endParaRPr lang="en-US" sz="2000" dirty="0">
-              <a:solidFill>
-                <a:schemeClr val="accent2"/>
-              </a:solidFill>
-            </a:endParaRPr>
-          </a:p>
-          <a:p>
-            <a:endParaRPr lang="en-US" sz="2000" dirty="0" smtClean="0">
-              <a:solidFill>
-                <a:schemeClr val="accent2"/>
-              </a:solidFill>
-            </a:endParaRPr>
-          </a:p>
-          <a:p>
-            <a:endParaRPr lang="en-US" sz="2000" dirty="0">
-              <a:solidFill>
-                <a:schemeClr val="accent2"/>
-              </a:solidFill>
-            </a:endParaRPr>
-          </a:p>
-          <a:p>
-            <a:endParaRPr lang="en-US" sz="2000" dirty="0" smtClean="0">
-              <a:solidFill>
-                <a:schemeClr val="accent2"/>
-              </a:solidFill>
-            </a:endParaRPr>
-          </a:p>
-          <a:p>
-            <a:endParaRPr lang="en-US" sz="2000" dirty="0" smtClean="0">
-              <a:solidFill>
-                <a:schemeClr val="accent2"/>
-              </a:solidFill>
-            </a:endParaRPr>
-          </a:p>
-          <a:p>
-            <a:endParaRPr lang="en-US" sz="2000" dirty="0">
-              <a:solidFill>
-                <a:schemeClr val="accent2"/>
-              </a:solidFill>
-            </a:endParaRPr>
-          </a:p>
-          <a:p>
-            <a:r>
-              <a:rPr lang="en-US" sz="2000" dirty="0" smtClean="0">
-                <a:solidFill>
-                  <a:schemeClr val="accent2"/>
-                </a:solidFill>
-              </a:rPr>
-              <a:t>Use PxSEL1 and PxSEL2 to select signal for each pin</a:t>
-            </a:r>
-          </a:p>
-          <a:p>
-            <a:pPr lvl="1"/>
-            <a:r>
-              <a:rPr lang="en-US" sz="2000" dirty="0"/>
-              <a:t>The details are in the </a:t>
-            </a:r>
-            <a:r>
-              <a:rPr lang="en-US" sz="2000" dirty="0">
-                <a:hlinkClick r:id="rId2"/>
-              </a:rPr>
-              <a:t>MSP430G2x53 2x13 Mixed Signal MCU Datasheet</a:t>
-            </a:r>
-            <a:r>
-              <a:rPr lang="en-US" sz="2000" dirty="0"/>
-              <a:t>.</a:t>
-            </a:r>
-            <a:endParaRPr lang="en-US" sz="1600" dirty="0"/>
-          </a:p>
-        </p:txBody>
-      </p:sp>
-      <p:pic>
-        <p:nvPicPr>
-          <p:cNvPr id="4" name="Picture 2" descr="MSP430G2553 Pinout"/>
-          <p:cNvPicPr>
-            <a:picLocks noChangeAspect="1" noChangeArrowheads="1"/>
-          </p:cNvPicPr>
-          <p:nvPr/>
-        </p:nvPicPr>
-        <p:blipFill>
-          <a:blip r:embed="rId3">
-            <a:extLst>
-              <a:ext uri="{28A0092B-C50C-407E-A947-70E740481C1C}">
-                <a14:useLocalDpi xmlns:a14="http://schemas.microsoft.com/office/drawing/2010/main" val="0"/>
-              </a:ext>
-            </a:extLst>
-          </a:blip>
-          <a:srcRect/>
-          <a:stretch>
-            <a:fillRect/>
-          </a:stretch>
-        </p:blipFill>
-        <p:spPr bwMode="auto">
-          <a:xfrm>
-            <a:off x="1121224" y="1334418"/>
-            <a:ext cx="6543675" cy="2381250"/>
-          </a:xfrm>
-          <a:prstGeom prst="rect">
-            <a:avLst/>
-          </a:prstGeom>
-          <a:noFill/>
-          <a:extLst>
-            <a:ext uri="{909E8E84-426E-40DD-AFC4-6F175D3DCCD1}">
-              <a14:hiddenFill xmlns:a14="http://schemas.microsoft.com/office/drawing/2010/main">
-                <a:solidFill>
-                  <a:srgbClr val="FFFFFF"/>
-                </a:solidFill>
-              </a14:hiddenFill>
-            </a:ext>
-          </a:extLst>
-        </p:spPr>
-      </p:pic>
-      <p:sp>
-        <p:nvSpPr>
-          <p:cNvPr id="5" name="TextBox 4"/>
-          <p:cNvSpPr txBox="1"/>
-          <p:nvPr/>
-        </p:nvSpPr>
-        <p:spPr>
-          <a:xfrm>
-            <a:off x="1350934" y="4855336"/>
-            <a:ext cx="6892313" cy="1569660"/>
-          </a:xfrm>
-          <a:prstGeom prst="rect">
-            <a:avLst/>
-          </a:prstGeom>
-          <a:noFill/>
-        </p:spPr>
-        <p:txBody>
-          <a:bodyPr wrap="square" rtlCol="0">
-            <a:spAutoFit/>
-          </a:bodyPr>
-          <a:lstStyle/>
-          <a:p>
-            <a:r>
-              <a:rPr lang="en-US" dirty="0" smtClean="0"/>
-              <a:t>Reference:</a:t>
-            </a:r>
-          </a:p>
-          <a:p>
-            <a:r>
-              <a:rPr lang="en-US" dirty="0" smtClean="0"/>
-              <a:t>Page 43 of Device </a:t>
-            </a:r>
-            <a:r>
-              <a:rPr lang="en-US" dirty="0"/>
-              <a:t>Specific (BB pp </a:t>
-            </a:r>
-            <a:r>
-              <a:rPr lang="en-US" dirty="0" smtClean="0"/>
-              <a:t>124)</a:t>
-            </a:r>
-          </a:p>
-          <a:p>
-            <a:r>
-              <a:rPr lang="en-US" dirty="0" err="1" smtClean="0"/>
-              <a:t>And/Or</a:t>
-            </a:r>
-            <a:r>
-              <a:rPr lang="en-US" dirty="0" smtClean="0"/>
-              <a:t> Page 333 of Family User Guide (BB pp 41)</a:t>
-            </a:r>
-            <a:endParaRPr lang="en-US" dirty="0"/>
-          </a:p>
-        </p:txBody>
-      </p:sp>
-    </p:spTree>
-    <p:extLst>
-      <p:ext uri="{BB962C8B-B14F-4D97-AF65-F5344CB8AC3E}">
-        <p14:creationId xmlns:p14="http://schemas.microsoft.com/office/powerpoint/2010/main" val="3016912926"/>
-      </p:ext>
-    </p:extLst>
-  </p:cSld>
-  <p:clrMapOvr>
-    <a:masterClrMapping/>
-  </p:clrMapOvr>
-  <p:timing>
-    <p:tnLst>
-      <p:par>
-        <p:cTn id="1" dur="indefinite" restart="never" nodeType="tmRoot">
-          <p:childTnLst>
-            <p:seq concurrent="1" nextAc="seek">
-              <p:cTn id="2" dur="indefinite" nodeType="mainSeq">
-                <p:childTnLst>
-                  <p:par>
-                    <p:cTn id="3" fill="hold">
-                      <p:stCondLst>
-                        <p:cond delay="indefinite"/>
-                      </p:stCondLst>
-                      <p:childTnLst>
-                        <p:par>
-                          <p:cTn id="4" fill="hold">
-                            <p:stCondLst>
-                              <p:cond delay="0"/>
-                            </p:stCondLst>
-                            <p:childTnLst>
-                              <p:par>
-                                <p:cTn id="5" presetID="1" presetClass="entr" presetSubtype="0" fill="hold" grpId="0" nodeType="clickEffect">
-                                  <p:stCondLst>
-                                    <p:cond delay="0"/>
-                                  </p:stCondLst>
-                                  <p:childTnLst>
-                                    <p:set>
-                                      <p:cBhvr>
-                                        <p:cTn id="6" dur="1" fill="hold">
-                                          <p:stCondLst>
-                                            <p:cond delay="0"/>
-                                          </p:stCondLst>
-                                        </p:cTn>
-                                        <p:tgtEl>
-                                          <p:spTgt spid="5"/>
-                                        </p:tgtEl>
-                                        <p:attrNameLst>
-                                          <p:attrName>style.visibility</p:attrName>
-                                        </p:attrNameLst>
-                                      </p:cBhvr>
-                                      <p:to>
-                                        <p:strVal val="visible"/>
-                                      </p:to>
-                                    </p:set>
-                                  </p:childTnLst>
-                                </p:cTn>
-                              </p:par>
-                            </p:childTnLst>
-                          </p:cTn>
-                        </p:par>
-                      </p:childTnLst>
-                    </p:cTn>
-                  </p:par>
-                </p:childTnLst>
-              </p:cTn>
-              <p:prevCondLst>
-                <p:cond evt="onPrev" delay="0">
-                  <p:tgtEl>
-                    <p:sldTgt/>
-                  </p:tgtEl>
-                </p:cond>
-              </p:prevCondLst>
-              <p:nextCondLst>
-                <p:cond evt="onNext" delay="0">
-                  <p:tgtEl>
-                    <p:sldTgt/>
-                  </p:tgtEl>
-                </p:cond>
-              </p:nextCondLst>
-            </p:seq>
-          </p:childTnLst>
-        </p:cTn>
-      </p:par>
-    </p:tnLst>
-    <p:bldLst>
-      <p:bldP spid="5" grpId="0"/>
-    </p:bldLst>
-  </p:timing>
-</p:sld>
-</file>
-
-<file path=ppt/slides/slide23.xml><?xml version="1.0" encoding="utf-8"?>
-<p:sld xmlns:a="http://schemas.openxmlformats.org/drawingml/2006/main" xmlns:r="http://schemas.openxmlformats.org/officeDocument/2006/relationships" xmlns:p="http://schemas.openxmlformats.org/presentationml/2006/main">
-  <p:cSld>
-    <p:spTree>
-      <p:nvGrpSpPr>
-        <p:cNvPr id="1" name=""/>
-        <p:cNvGrpSpPr/>
-        <p:nvPr/>
-      </p:nvGrpSpPr>
-      <p:grpSpPr>
-        <a:xfrm>
-          <a:off x="0" y="0"/>
-          <a:ext cx="0" cy="0"/>
-          <a:chOff x="0" y="0"/>
-          <a:chExt cx="0" cy="0"/>
-        </a:xfrm>
-      </p:grpSpPr>
-      <p:sp>
-        <p:nvSpPr>
-          <p:cNvPr id="2" name="Title 1"/>
-          <p:cNvSpPr>
-            <a:spLocks noGrp="1"/>
-          </p:cNvSpPr>
-          <p:nvPr>
-            <p:ph type="title"/>
-          </p:nvPr>
-        </p:nvSpPr>
-        <p:spPr/>
-        <p:txBody>
-          <a:bodyPr/>
-          <a:lstStyle/>
-          <a:p>
-            <a:r>
-              <a:rPr lang="en-US" b="1" dirty="0" smtClean="0"/>
-              <a:t>Pitfall !!!</a:t>
-            </a:r>
-            <a:endParaRPr lang="en-US" dirty="0"/>
-          </a:p>
-        </p:txBody>
-      </p:sp>
-      <p:sp>
-        <p:nvSpPr>
-          <p:cNvPr id="3" name="Content Placeholder 2"/>
-          <p:cNvSpPr>
-            <a:spLocks noGrp="1"/>
-          </p:cNvSpPr>
-          <p:nvPr>
-            <p:ph idx="1"/>
-          </p:nvPr>
-        </p:nvSpPr>
-        <p:spPr>
-          <a:xfrm>
-            <a:off x="395177" y="669852"/>
-            <a:ext cx="8493642" cy="4724400"/>
-          </a:xfrm>
-        </p:spPr>
-        <p:txBody>
-          <a:bodyPr/>
-          <a:lstStyle/>
-          <a:p>
-            <a:endParaRPr lang="en-US" sz="2000" dirty="0" smtClean="0">
-              <a:solidFill>
-                <a:schemeClr val="accent2"/>
-              </a:solidFill>
-            </a:endParaRPr>
-          </a:p>
-          <a:p>
-            <a:endParaRPr lang="en-US" sz="2000" dirty="0">
-              <a:solidFill>
-                <a:schemeClr val="accent2"/>
-              </a:solidFill>
-            </a:endParaRPr>
-          </a:p>
-          <a:p>
-            <a:endParaRPr lang="en-US" sz="2000" dirty="0" smtClean="0">
-              <a:solidFill>
-                <a:schemeClr val="accent2"/>
-              </a:solidFill>
-            </a:endParaRPr>
-          </a:p>
-          <a:p>
-            <a:endParaRPr lang="en-US" sz="2000" dirty="0">
-              <a:solidFill>
-                <a:schemeClr val="accent2"/>
-              </a:solidFill>
-            </a:endParaRPr>
-          </a:p>
-          <a:p>
-            <a:endParaRPr lang="en-US" sz="2000" dirty="0" smtClean="0">
-              <a:solidFill>
-                <a:schemeClr val="accent2"/>
-              </a:solidFill>
-            </a:endParaRPr>
-          </a:p>
-          <a:p>
-            <a:endParaRPr lang="en-US" sz="2000" dirty="0">
-              <a:solidFill>
-                <a:schemeClr val="accent2"/>
-              </a:solidFill>
-            </a:endParaRPr>
-          </a:p>
-          <a:p>
-            <a:endParaRPr lang="en-US" sz="2000" dirty="0" smtClean="0">
-              <a:solidFill>
-                <a:schemeClr val="accent2"/>
-              </a:solidFill>
-            </a:endParaRPr>
-          </a:p>
-          <a:p>
-            <a:endParaRPr lang="en-US" sz="2000" dirty="0" smtClean="0">
-              <a:solidFill>
-                <a:schemeClr val="accent2"/>
-              </a:solidFill>
-            </a:endParaRPr>
-          </a:p>
-          <a:p>
-            <a:endParaRPr lang="en-US" sz="2000" dirty="0" smtClean="0">
-              <a:solidFill>
-                <a:schemeClr val="accent2"/>
-              </a:solidFill>
-            </a:endParaRPr>
-          </a:p>
-          <a:p>
-            <a:endParaRPr lang="en-US" sz="2000" dirty="0" smtClean="0">
-              <a:solidFill>
-                <a:schemeClr val="accent2"/>
-              </a:solidFill>
-            </a:endParaRPr>
-          </a:p>
-          <a:p>
-            <a:endParaRPr lang="en-US" sz="2000" dirty="0">
-              <a:solidFill>
-                <a:schemeClr val="accent2"/>
-              </a:solidFill>
-            </a:endParaRPr>
-          </a:p>
-          <a:p>
-            <a:endParaRPr lang="en-US" sz="2000" dirty="0" smtClean="0">
-              <a:solidFill>
-                <a:schemeClr val="accent2"/>
-              </a:solidFill>
-            </a:endParaRPr>
-          </a:p>
-          <a:p>
-            <a:pPr marL="0" indent="0">
-              <a:buNone/>
-            </a:pPr>
-            <a:r>
-              <a:rPr lang="en-US" sz="1800" dirty="0" smtClean="0"/>
-              <a:t>Let's </a:t>
-            </a:r>
-            <a:r>
-              <a:rPr lang="en-US" sz="1800" dirty="0"/>
-              <a:t>say I wanted to make the UCA0SOMI function available on </a:t>
-            </a:r>
-            <a:r>
-              <a:rPr lang="en-US" sz="1800" dirty="0" smtClean="0"/>
-              <a:t>P1.1:</a:t>
-            </a:r>
-          </a:p>
-          <a:p>
-            <a:pPr lvl="1"/>
-            <a:r>
-              <a:rPr lang="en-US" sz="1200" dirty="0">
-                <a:solidFill>
-                  <a:srgbClr val="00B050"/>
-                </a:solidFill>
-                <a:latin typeface="Courier New" pitchFamily="49" charset="0"/>
-                <a:cs typeface="Courier New" pitchFamily="49" charset="0"/>
-              </a:rPr>
-              <a:t>; 'from USCI' means this bit is set automatically by the USCI when enabled</a:t>
-            </a:r>
-          </a:p>
-          <a:p>
-            <a:pPr lvl="1"/>
-            <a:r>
-              <a:rPr lang="en-US" sz="1200" dirty="0">
-                <a:latin typeface="Courier New" pitchFamily="49" charset="0"/>
-                <a:cs typeface="Courier New" pitchFamily="49" charset="0"/>
-              </a:rPr>
-              <a:t>    </a:t>
-            </a:r>
-            <a:r>
-              <a:rPr lang="en-US" sz="1200" dirty="0" err="1">
-                <a:latin typeface="Courier New" pitchFamily="49" charset="0"/>
-                <a:cs typeface="Courier New" pitchFamily="49" charset="0"/>
-              </a:rPr>
-              <a:t>bis.b</a:t>
-            </a:r>
-            <a:r>
-              <a:rPr lang="en-US" sz="1200" dirty="0">
-                <a:latin typeface="Courier New" pitchFamily="49" charset="0"/>
-                <a:cs typeface="Courier New" pitchFamily="49" charset="0"/>
-              </a:rPr>
-              <a:t>   #BIT1, P1SEL   </a:t>
-            </a:r>
-          </a:p>
-          <a:p>
-            <a:pPr lvl="1"/>
-            <a:r>
-              <a:rPr lang="en-US" sz="1200" dirty="0">
-                <a:latin typeface="Courier New" pitchFamily="49" charset="0"/>
-                <a:cs typeface="Courier New" pitchFamily="49" charset="0"/>
-              </a:rPr>
-              <a:t>    </a:t>
-            </a:r>
-            <a:r>
-              <a:rPr lang="en-US" sz="1200" dirty="0" err="1">
-                <a:latin typeface="Courier New" pitchFamily="49" charset="0"/>
-                <a:cs typeface="Courier New" pitchFamily="49" charset="0"/>
-              </a:rPr>
-              <a:t>bis.b</a:t>
-            </a:r>
-            <a:r>
-              <a:rPr lang="en-US" sz="1200" dirty="0">
-                <a:latin typeface="Courier New" pitchFamily="49" charset="0"/>
-                <a:cs typeface="Courier New" pitchFamily="49" charset="0"/>
-              </a:rPr>
-              <a:t>   #BIT1, </a:t>
-            </a:r>
-            <a:r>
-              <a:rPr lang="en-US" sz="1200" dirty="0" smtClean="0">
-                <a:latin typeface="Courier New" pitchFamily="49" charset="0"/>
-                <a:cs typeface="Courier New" pitchFamily="49" charset="0"/>
-              </a:rPr>
-              <a:t>P1SEL2</a:t>
-            </a:r>
-            <a:endParaRPr lang="en-US" sz="1600" dirty="0"/>
-          </a:p>
-          <a:p>
-            <a:endParaRPr lang="en-US" sz="2000" dirty="0">
-              <a:solidFill>
-                <a:schemeClr val="accent2"/>
-              </a:solidFill>
-            </a:endParaRPr>
-          </a:p>
-          <a:p>
-            <a:pPr lvl="1"/>
-            <a:endParaRPr lang="en-US" sz="2000" dirty="0" smtClean="0"/>
-          </a:p>
-          <a:p>
-            <a:endParaRPr lang="en-US" sz="2000" dirty="0">
-              <a:solidFill>
-                <a:schemeClr val="accent2"/>
-              </a:solidFill>
-            </a:endParaRPr>
-          </a:p>
-          <a:p>
-            <a:endParaRPr lang="en-US" sz="2000" dirty="0" smtClean="0">
-              <a:solidFill>
-                <a:schemeClr val="accent2"/>
-              </a:solidFill>
-            </a:endParaRPr>
-          </a:p>
-          <a:p>
-            <a:endParaRPr lang="en-US" sz="2000" dirty="0"/>
-          </a:p>
-        </p:txBody>
-      </p:sp>
-      <p:pic>
-        <p:nvPicPr>
-          <p:cNvPr id="3074" name="Picture 2" descr="P1.0-2 Multiplexing Control Bits / Signals"/>
-          <p:cNvPicPr>
-            <a:picLocks noChangeAspect="1" noChangeArrowheads="1"/>
-          </p:cNvPicPr>
-          <p:nvPr/>
-        </p:nvPicPr>
-        <p:blipFill>
-          <a:blip r:embed="rId2">
-            <a:extLst>
-              <a:ext uri="{28A0092B-C50C-407E-A947-70E740481C1C}">
-                <a14:useLocalDpi xmlns:a14="http://schemas.microsoft.com/office/drawing/2010/main" val="0"/>
-              </a:ext>
-            </a:extLst>
-          </a:blip>
-          <a:srcRect/>
-          <a:stretch>
-            <a:fillRect/>
-          </a:stretch>
-        </p:blipFill>
-        <p:spPr bwMode="auto">
-          <a:xfrm>
-            <a:off x="1097539" y="100645"/>
-            <a:ext cx="6753225" cy="4848225"/>
-          </a:xfrm>
-          <a:prstGeom prst="rect">
-            <a:avLst/>
-          </a:prstGeom>
-          <a:noFill/>
-          <a:extLst>
-            <a:ext uri="{909E8E84-426E-40DD-AFC4-6F175D3DCCD1}">
-              <a14:hiddenFill xmlns:a14="http://schemas.microsoft.com/office/drawing/2010/main">
-                <a:solidFill>
-                  <a:srgbClr val="FFFFFF"/>
-                </a:solidFill>
-              </a14:hiddenFill>
-            </a:ext>
-          </a:extLst>
-        </p:spPr>
-      </p:pic>
-      <p:sp>
-        <p:nvSpPr>
-          <p:cNvPr id="5" name="TextBox 4"/>
-          <p:cNvSpPr txBox="1"/>
-          <p:nvPr/>
-        </p:nvSpPr>
-        <p:spPr>
-          <a:xfrm>
-            <a:off x="3168201" y="4646934"/>
-            <a:ext cx="5061399" cy="461665"/>
-          </a:xfrm>
-          <a:prstGeom prst="rect">
-            <a:avLst/>
-          </a:prstGeom>
-          <a:noFill/>
-        </p:spPr>
-        <p:txBody>
-          <a:bodyPr wrap="square" rtlCol="0">
-            <a:spAutoFit/>
-          </a:bodyPr>
-          <a:lstStyle/>
-          <a:p>
-            <a:r>
-              <a:rPr lang="en-US" dirty="0" smtClean="0"/>
-              <a:t>Reference:  Page 43 of Device Specific</a:t>
-            </a:r>
-          </a:p>
-        </p:txBody>
-      </p:sp>
-    </p:spTree>
-    <p:extLst>
-      <p:ext uri="{BB962C8B-B14F-4D97-AF65-F5344CB8AC3E}">
-        <p14:creationId xmlns:p14="http://schemas.microsoft.com/office/powerpoint/2010/main" val="3912623082"/>
-      </p:ext>
-    </p:extLst>
-  </p:cSld>
-  <p:clrMapOvr>
-    <a:masterClrMapping/>
-  </p:clrMapOvr>
-  <p:timing>
-    <p:tnLst>
-      <p:par>
-        <p:cTn id="1" dur="indefinite" restart="never" nodeType="tmRoot">
-          <p:childTnLst>
-            <p:seq concurrent="1" nextAc="seek">
-              <p:cTn id="2" dur="indefinite" nodeType="mainSeq">
-                <p:childTnLst>
-                  <p:par>
-                    <p:cTn id="3" fill="hold">
-                      <p:stCondLst>
-                        <p:cond delay="indefinite"/>
-                      </p:stCondLst>
-                      <p:childTnLst>
-                        <p:par>
-                          <p:cTn id="4" fill="hold">
-                            <p:stCondLst>
-                              <p:cond delay="0"/>
-                            </p:stCondLst>
-                            <p:childTnLst>
-                              <p:par>
-                                <p:cTn id="5" presetID="1" presetClass="entr" presetSubtype="0" fill="hold" grpId="0" nodeType="clickEffect">
-                                  <p:stCondLst>
-                                    <p:cond delay="0"/>
-                                  </p:stCondLst>
-                                  <p:childTnLst>
-                                    <p:set>
-                                      <p:cBhvr>
-                                        <p:cTn id="6" dur="1" fill="hold">
-                                          <p:stCondLst>
-                                            <p:cond delay="0"/>
-                                          </p:stCondLst>
-                                        </p:cTn>
-                                        <p:tgtEl>
-                                          <p:spTgt spid="5"/>
-                                        </p:tgtEl>
-                                        <p:attrNameLst>
-                                          <p:attrName>style.visibility</p:attrName>
-                                        </p:attrNameLst>
-                                      </p:cBhvr>
-                                      <p:to>
-                                        <p:strVal val="visible"/>
-                                      </p:to>
-                                    </p:set>
-                                  </p:childTnLst>
-                                </p:cTn>
-                              </p:par>
-                            </p:childTnLst>
-                          </p:cTn>
-                        </p:par>
-                      </p:childTnLst>
-                    </p:cTn>
-                  </p:par>
-                </p:childTnLst>
-              </p:cTn>
-              <p:prevCondLst>
-                <p:cond evt="onPrev" delay="0">
-                  <p:tgtEl>
-                    <p:sldTgt/>
-                  </p:tgtEl>
-                </p:cond>
-              </p:prevCondLst>
-              <p:nextCondLst>
-                <p:cond evt="onNext" delay="0">
-                  <p:tgtEl>
-                    <p:sldTgt/>
-                  </p:tgtEl>
-                </p:cond>
-              </p:nextCondLst>
-            </p:seq>
-          </p:childTnLst>
-        </p:cTn>
-      </p:par>
-    </p:tnLst>
-    <p:bldLst>
-      <p:bldP spid="5" grpId="0"/>
-    </p:bldLst>
-  </p:timing>
-</p:sld>
-</file>
-
-<file path=ppt/slides/slide24.xml><?xml version="1.0" encoding="utf-8"?>
-<p:sld xmlns:a="http://schemas.openxmlformats.org/drawingml/2006/main" xmlns:r="http://schemas.openxmlformats.org/officeDocument/2006/relationships" xmlns:p="http://schemas.openxmlformats.org/presentationml/2006/main">
-  <p:cSld>
-    <p:spTree>
-      <p:nvGrpSpPr>
-        <p:cNvPr id="1" name=""/>
-        <p:cNvGrpSpPr/>
-        <p:nvPr/>
-      </p:nvGrpSpPr>
-      <p:grpSpPr>
-        <a:xfrm>
-          <a:off x="0" y="0"/>
-          <a:ext cx="0" cy="0"/>
-          <a:chOff x="0" y="0"/>
-          <a:chExt cx="0" cy="0"/>
-        </a:xfrm>
-      </p:grpSpPr>
-      <p:sp>
-        <p:nvSpPr>
-          <p:cNvPr id="2" name="Title 1"/>
-          <p:cNvSpPr>
-            <a:spLocks noGrp="1"/>
-          </p:cNvSpPr>
-          <p:nvPr>
-            <p:ph type="title"/>
-          </p:nvPr>
-        </p:nvSpPr>
-        <p:spPr/>
-        <p:txBody>
-          <a:bodyPr/>
-          <a:lstStyle/>
-          <a:p>
-            <a:r>
-              <a:rPr lang="en-US" b="1" dirty="0" smtClean="0"/>
-              <a:t>Review</a:t>
-            </a:r>
-            <a:endParaRPr lang="en-US" dirty="0"/>
-          </a:p>
-        </p:txBody>
-      </p:sp>
-      <p:sp>
-        <p:nvSpPr>
-          <p:cNvPr id="3" name="Content Placeholder 2"/>
-          <p:cNvSpPr>
-            <a:spLocks noGrp="1"/>
-          </p:cNvSpPr>
-          <p:nvPr>
-            <p:ph idx="1"/>
-          </p:nvPr>
-        </p:nvSpPr>
-        <p:spPr>
-          <a:xfrm>
-            <a:off x="295275" y="2955544"/>
-            <a:ext cx="8083562" cy="2818013"/>
-          </a:xfrm>
-        </p:spPr>
-        <p:txBody>
-          <a:bodyPr/>
-          <a:lstStyle/>
-          <a:p>
-            <a:pPr marL="0" indent="0">
-              <a:buNone/>
-            </a:pPr>
-            <a:endParaRPr lang="en-US" sz="1400" dirty="0" smtClean="0"/>
-          </a:p>
-          <a:p>
-            <a:pPr marL="0" indent="0">
-              <a:buNone/>
-            </a:pPr>
-            <a:r>
-              <a:rPr lang="en-US" sz="1400" dirty="0" smtClean="0"/>
-              <a:t>Modify this program so the two LEDs always have the opposite value</a:t>
-            </a:r>
-            <a:endParaRPr lang="en-US" sz="1400" dirty="0" smtClean="0">
-              <a:solidFill>
-                <a:schemeClr val="accent2"/>
-              </a:solidFill>
-              <a:latin typeface="Courier New" pitchFamily="49" charset="0"/>
-              <a:cs typeface="Courier New" pitchFamily="49" charset="0"/>
-            </a:endParaRPr>
-          </a:p>
-          <a:p>
-            <a:pPr marL="0" indent="0">
-              <a:buNone/>
-            </a:pPr>
-            <a:endParaRPr lang="en-US" sz="1400" dirty="0" smtClean="0">
-              <a:solidFill>
-                <a:schemeClr val="accent2"/>
-              </a:solidFill>
-              <a:latin typeface="Courier New" pitchFamily="49" charset="0"/>
-              <a:cs typeface="Courier New" pitchFamily="49" charset="0"/>
-            </a:endParaRPr>
-          </a:p>
-          <a:p>
-            <a:pPr marL="0" indent="0">
-              <a:buNone/>
-            </a:pPr>
-            <a:endParaRPr lang="en-US" sz="1400" dirty="0">
-              <a:solidFill>
-                <a:schemeClr val="accent2"/>
-              </a:solidFill>
-              <a:latin typeface="Courier New" pitchFamily="49" charset="0"/>
-              <a:cs typeface="Courier New" pitchFamily="49" charset="0"/>
-            </a:endParaRPr>
-          </a:p>
-          <a:p>
-            <a:pPr marL="0" indent="0">
-              <a:buNone/>
-            </a:pPr>
-            <a:r>
-              <a:rPr lang="en-US" sz="1400" b="1" dirty="0" smtClean="0">
-                <a:solidFill>
-                  <a:schemeClr val="accent2"/>
-                </a:solidFill>
-                <a:latin typeface="Courier New" pitchFamily="49" charset="0"/>
-                <a:cs typeface="Courier New" pitchFamily="49" charset="0"/>
-              </a:rPr>
-              <a:t>              </a:t>
-            </a:r>
-            <a:r>
-              <a:rPr lang="en-US" sz="1400" b="1" dirty="0" err="1" smtClean="0">
-                <a:solidFill>
-                  <a:schemeClr val="accent2"/>
-                </a:solidFill>
-                <a:latin typeface="Courier New" pitchFamily="49" charset="0"/>
-                <a:cs typeface="Courier New" pitchFamily="49" charset="0"/>
-              </a:rPr>
-              <a:t>bis.b</a:t>
-            </a:r>
-            <a:r>
-              <a:rPr lang="en-US" sz="1400" b="1" dirty="0" smtClean="0">
-                <a:solidFill>
-                  <a:schemeClr val="accent2"/>
-                </a:solidFill>
-                <a:latin typeface="Courier New" pitchFamily="49" charset="0"/>
-                <a:cs typeface="Courier New" pitchFamily="49" charset="0"/>
-              </a:rPr>
-              <a:t>  </a:t>
-            </a:r>
-            <a:r>
-              <a:rPr lang="en-US" sz="1400" b="1" dirty="0">
-                <a:solidFill>
-                  <a:schemeClr val="accent2"/>
-                </a:solidFill>
-                <a:latin typeface="Courier New" pitchFamily="49" charset="0"/>
-                <a:cs typeface="Courier New" pitchFamily="49" charset="0"/>
-              </a:rPr>
-              <a:t>#BIT0|BIT6, &amp;</a:t>
-            </a:r>
-            <a:r>
-              <a:rPr lang="en-US" sz="1400" b="1" dirty="0" smtClean="0">
-                <a:solidFill>
-                  <a:schemeClr val="accent2"/>
-                </a:solidFill>
-                <a:latin typeface="Courier New" pitchFamily="49" charset="0"/>
-                <a:cs typeface="Courier New" pitchFamily="49" charset="0"/>
-              </a:rPr>
-              <a:t>P1DIR   </a:t>
-            </a:r>
-            <a:r>
-              <a:rPr lang="en-US" sz="1400" b="1" dirty="0" smtClean="0">
-                <a:solidFill>
-                  <a:srgbClr val="00B050"/>
-                </a:solidFill>
-                <a:latin typeface="Courier New" pitchFamily="49" charset="0"/>
-                <a:cs typeface="Courier New" pitchFamily="49" charset="0"/>
-              </a:rPr>
-              <a:t>; output pin direction</a:t>
-            </a:r>
-            <a:endParaRPr lang="en-US" sz="1400" b="1" dirty="0">
-              <a:solidFill>
-                <a:srgbClr val="00B050"/>
-              </a:solidFill>
-              <a:latin typeface="Courier New" pitchFamily="49" charset="0"/>
-              <a:cs typeface="Courier New" pitchFamily="49" charset="0"/>
-            </a:endParaRPr>
-          </a:p>
-          <a:p>
-            <a:pPr marL="0" indent="0">
-              <a:buNone/>
-            </a:pPr>
-            <a:r>
-              <a:rPr lang="en-US" sz="1400" b="1" dirty="0" smtClean="0">
-                <a:solidFill>
-                  <a:schemeClr val="accent2"/>
-                </a:solidFill>
-                <a:latin typeface="Courier New" pitchFamily="49" charset="0"/>
-                <a:cs typeface="Courier New" pitchFamily="49" charset="0"/>
-              </a:rPr>
-              <a:t>              </a:t>
-            </a:r>
-            <a:r>
-              <a:rPr lang="en-US" sz="1400" b="1" dirty="0" err="1" smtClean="0">
-                <a:solidFill>
-                  <a:schemeClr val="accent2"/>
-                </a:solidFill>
-                <a:latin typeface="Courier New" pitchFamily="49" charset="0"/>
-                <a:cs typeface="Courier New" pitchFamily="49" charset="0"/>
-              </a:rPr>
-              <a:t>bic.b</a:t>
-            </a:r>
-            <a:r>
-              <a:rPr lang="en-US" sz="1400" b="1" dirty="0" smtClean="0">
-                <a:solidFill>
-                  <a:schemeClr val="accent2"/>
-                </a:solidFill>
-                <a:latin typeface="Courier New" pitchFamily="49" charset="0"/>
-                <a:cs typeface="Courier New" pitchFamily="49" charset="0"/>
-              </a:rPr>
-              <a:t>  </a:t>
-            </a:r>
-            <a:r>
-              <a:rPr lang="en-US" sz="1400" b="1" dirty="0">
-                <a:solidFill>
-                  <a:schemeClr val="accent2"/>
-                </a:solidFill>
-                <a:latin typeface="Courier New" pitchFamily="49" charset="0"/>
-                <a:cs typeface="Courier New" pitchFamily="49" charset="0"/>
-              </a:rPr>
-              <a:t>#BIT3, &amp;</a:t>
-            </a:r>
-            <a:r>
-              <a:rPr lang="en-US" sz="1400" b="1" dirty="0" smtClean="0">
-                <a:solidFill>
-                  <a:schemeClr val="accent2"/>
-                </a:solidFill>
-                <a:latin typeface="Courier New" pitchFamily="49" charset="0"/>
-                <a:cs typeface="Courier New" pitchFamily="49" charset="0"/>
-              </a:rPr>
-              <a:t>P1DIR</a:t>
-            </a:r>
-            <a:r>
-              <a:rPr lang="en-US" sz="1400" b="1" dirty="0">
-                <a:solidFill>
-                  <a:srgbClr val="00B050"/>
-                </a:solidFill>
-                <a:latin typeface="Courier New" pitchFamily="49" charset="0"/>
-                <a:cs typeface="Courier New" pitchFamily="49" charset="0"/>
-              </a:rPr>
-              <a:t> </a:t>
-            </a:r>
-            <a:r>
-              <a:rPr lang="en-US" sz="1400" b="1" dirty="0" smtClean="0">
-                <a:solidFill>
-                  <a:srgbClr val="00B050"/>
-                </a:solidFill>
-                <a:latin typeface="Courier New" pitchFamily="49" charset="0"/>
-                <a:cs typeface="Courier New" pitchFamily="49" charset="0"/>
-              </a:rPr>
-              <a:t>       ; input </a:t>
-            </a:r>
-            <a:r>
-              <a:rPr lang="en-US" sz="1400" b="1" dirty="0">
-                <a:solidFill>
-                  <a:srgbClr val="00B050"/>
-                </a:solidFill>
-                <a:latin typeface="Courier New" pitchFamily="49" charset="0"/>
-                <a:cs typeface="Courier New" pitchFamily="49" charset="0"/>
-              </a:rPr>
-              <a:t>pin direction</a:t>
-            </a:r>
-            <a:endParaRPr lang="en-US" sz="1400" b="1" dirty="0">
-              <a:solidFill>
-                <a:schemeClr val="accent2"/>
-              </a:solidFill>
-              <a:latin typeface="Courier New" pitchFamily="49" charset="0"/>
-              <a:cs typeface="Courier New" pitchFamily="49" charset="0"/>
-            </a:endParaRPr>
-          </a:p>
-          <a:p>
-            <a:pPr marL="0" indent="0">
-              <a:buNone/>
-            </a:pPr>
-            <a:r>
-              <a:rPr lang="en-US" sz="1400" b="1" dirty="0" smtClean="0">
-                <a:solidFill>
-                  <a:schemeClr val="accent2"/>
-                </a:solidFill>
-                <a:latin typeface="Courier New" pitchFamily="49" charset="0"/>
-                <a:cs typeface="Courier New" pitchFamily="49" charset="0"/>
-              </a:rPr>
-              <a:t>              </a:t>
-            </a:r>
-            <a:r>
-              <a:rPr lang="en-US" sz="1400" b="1" dirty="0" err="1" smtClean="0">
-                <a:solidFill>
-                  <a:schemeClr val="accent2"/>
-                </a:solidFill>
-                <a:latin typeface="Courier New" pitchFamily="49" charset="0"/>
-                <a:cs typeface="Courier New" pitchFamily="49" charset="0"/>
-              </a:rPr>
-              <a:t>bis.b</a:t>
-            </a:r>
-            <a:r>
-              <a:rPr lang="en-US" sz="1400" b="1" dirty="0" smtClean="0">
-                <a:solidFill>
-                  <a:schemeClr val="accent2"/>
-                </a:solidFill>
-                <a:latin typeface="Courier New" pitchFamily="49" charset="0"/>
-                <a:cs typeface="Courier New" pitchFamily="49" charset="0"/>
-              </a:rPr>
-              <a:t>  </a:t>
-            </a:r>
-            <a:r>
-              <a:rPr lang="en-US" sz="1400" b="1" dirty="0">
-                <a:solidFill>
-                  <a:schemeClr val="accent2"/>
-                </a:solidFill>
-                <a:latin typeface="Courier New" pitchFamily="49" charset="0"/>
-                <a:cs typeface="Courier New" pitchFamily="49" charset="0"/>
-              </a:rPr>
-              <a:t>#BIT3, &amp;</a:t>
-            </a:r>
-            <a:r>
-              <a:rPr lang="en-US" sz="1400" b="1" dirty="0" smtClean="0">
-                <a:solidFill>
-                  <a:schemeClr val="accent2"/>
-                </a:solidFill>
-                <a:latin typeface="Courier New" pitchFamily="49" charset="0"/>
-                <a:cs typeface="Courier New" pitchFamily="49" charset="0"/>
-              </a:rPr>
-              <a:t>P1REN        </a:t>
-            </a:r>
-            <a:r>
-              <a:rPr lang="en-US" sz="1400" b="1" dirty="0" smtClean="0">
-                <a:solidFill>
-                  <a:srgbClr val="00B050"/>
-                </a:solidFill>
-                <a:latin typeface="Courier New" pitchFamily="49" charset="0"/>
-                <a:cs typeface="Courier New" pitchFamily="49" charset="0"/>
-              </a:rPr>
-              <a:t>; enable pin 3’s resistor</a:t>
-            </a:r>
-            <a:endParaRPr lang="en-US" sz="1400" b="1" dirty="0">
-              <a:solidFill>
-                <a:schemeClr val="accent2"/>
-              </a:solidFill>
-              <a:latin typeface="Courier New" pitchFamily="49" charset="0"/>
-              <a:cs typeface="Courier New" pitchFamily="49" charset="0"/>
-            </a:endParaRPr>
-          </a:p>
-          <a:p>
-            <a:pPr marL="0" indent="0">
-              <a:buNone/>
-            </a:pPr>
-            <a:r>
-              <a:rPr lang="en-US" sz="1400" b="1" dirty="0" smtClean="0">
-                <a:solidFill>
-                  <a:schemeClr val="accent2"/>
-                </a:solidFill>
-                <a:latin typeface="Courier New" pitchFamily="49" charset="0"/>
-                <a:cs typeface="Courier New" pitchFamily="49" charset="0"/>
-              </a:rPr>
-              <a:t>              </a:t>
-            </a:r>
-            <a:r>
-              <a:rPr lang="en-US" sz="1400" b="1" dirty="0" err="1" smtClean="0">
-                <a:solidFill>
-                  <a:schemeClr val="accent2"/>
-                </a:solidFill>
-                <a:latin typeface="Courier New" pitchFamily="49" charset="0"/>
-                <a:cs typeface="Courier New" pitchFamily="49" charset="0"/>
-              </a:rPr>
-              <a:t>bis.b</a:t>
-            </a:r>
-            <a:r>
-              <a:rPr lang="en-US" sz="1400" b="1" dirty="0" smtClean="0">
-                <a:solidFill>
-                  <a:schemeClr val="accent2"/>
-                </a:solidFill>
-                <a:latin typeface="Courier New" pitchFamily="49" charset="0"/>
-                <a:cs typeface="Courier New" pitchFamily="49" charset="0"/>
-              </a:rPr>
-              <a:t>  </a:t>
-            </a:r>
-            <a:r>
-              <a:rPr lang="en-US" sz="1400" b="1" dirty="0">
-                <a:solidFill>
-                  <a:schemeClr val="accent2"/>
-                </a:solidFill>
-                <a:latin typeface="Courier New" pitchFamily="49" charset="0"/>
-                <a:cs typeface="Courier New" pitchFamily="49" charset="0"/>
-              </a:rPr>
-              <a:t>#BIT3, &amp;</a:t>
-            </a:r>
-            <a:r>
-              <a:rPr lang="en-US" sz="1400" b="1" dirty="0" smtClean="0">
-                <a:solidFill>
-                  <a:schemeClr val="accent2"/>
-                </a:solidFill>
-                <a:latin typeface="Courier New" pitchFamily="49" charset="0"/>
-                <a:cs typeface="Courier New" pitchFamily="49" charset="0"/>
-              </a:rPr>
-              <a:t>P1OUT        </a:t>
-            </a:r>
-            <a:r>
-              <a:rPr lang="en-US" sz="1400" b="1" dirty="0" smtClean="0">
-                <a:solidFill>
-                  <a:srgbClr val="00B050"/>
-                </a:solidFill>
-                <a:latin typeface="Courier New" pitchFamily="49" charset="0"/>
-                <a:cs typeface="Courier New" pitchFamily="49" charset="0"/>
-              </a:rPr>
-              <a:t>; make it a pull-up</a:t>
-            </a:r>
-            <a:r>
-              <a:rPr lang="en-US" sz="1400" b="1" dirty="0">
-                <a:solidFill>
-                  <a:srgbClr val="00B050"/>
-                </a:solidFill>
-                <a:latin typeface="Courier New" pitchFamily="49" charset="0"/>
-                <a:cs typeface="Courier New" pitchFamily="49" charset="0"/>
-              </a:rPr>
-              <a:t> </a:t>
-            </a:r>
-            <a:r>
-              <a:rPr lang="en-US" sz="1400" b="1" dirty="0" smtClean="0">
-                <a:solidFill>
-                  <a:srgbClr val="00B050"/>
-                </a:solidFill>
-                <a:latin typeface="Courier New" pitchFamily="49" charset="0"/>
-                <a:cs typeface="Courier New" pitchFamily="49" charset="0"/>
-              </a:rPr>
-              <a:t>or down?</a:t>
-            </a:r>
-            <a:endParaRPr lang="en-US" sz="1400" b="1" dirty="0">
-              <a:solidFill>
-                <a:srgbClr val="00B050"/>
-              </a:solidFill>
-              <a:latin typeface="Courier New" pitchFamily="49" charset="0"/>
-              <a:cs typeface="Courier New" pitchFamily="49" charset="0"/>
-            </a:endParaRPr>
-          </a:p>
-          <a:p>
-            <a:pPr marL="0" indent="0">
-              <a:buNone/>
-            </a:pPr>
-            <a:endParaRPr lang="en-US" sz="1400" b="1" dirty="0">
-              <a:solidFill>
-                <a:schemeClr val="accent2"/>
-              </a:solidFill>
-              <a:latin typeface="Courier New" pitchFamily="49" charset="0"/>
-              <a:cs typeface="Courier New" pitchFamily="49" charset="0"/>
-            </a:endParaRPr>
-          </a:p>
-        </p:txBody>
-      </p:sp>
-      <p:sp>
-        <p:nvSpPr>
-          <p:cNvPr id="4" name="TextBox 3"/>
-          <p:cNvSpPr txBox="1"/>
-          <p:nvPr/>
-        </p:nvSpPr>
-        <p:spPr>
-          <a:xfrm>
-            <a:off x="295275" y="1400175"/>
-            <a:ext cx="8488221" cy="461665"/>
-          </a:xfrm>
-          <a:prstGeom prst="rect">
-            <a:avLst/>
-          </a:prstGeom>
-          <a:noFill/>
-        </p:spPr>
-        <p:txBody>
-          <a:bodyPr wrap="none" rtlCol="0">
-            <a:spAutoFit/>
-          </a:bodyPr>
-          <a:lstStyle/>
-          <a:p>
-            <a:r>
-              <a:rPr lang="en-US" dirty="0" smtClean="0"/>
-              <a:t>What are some of the important registers we talked about last time?</a:t>
-            </a:r>
-            <a:endParaRPr lang="en-US" dirty="0"/>
-          </a:p>
-        </p:txBody>
-      </p:sp>
-      <p:sp>
-        <p:nvSpPr>
-          <p:cNvPr id="5" name="TextBox 4"/>
-          <p:cNvSpPr txBox="1"/>
-          <p:nvPr/>
-        </p:nvSpPr>
-        <p:spPr>
-          <a:xfrm>
-            <a:off x="552450" y="2171700"/>
-            <a:ext cx="5856732" cy="461665"/>
-          </a:xfrm>
-          <a:prstGeom prst="rect">
-            <a:avLst/>
-          </a:prstGeom>
-          <a:noFill/>
-        </p:spPr>
-        <p:txBody>
-          <a:bodyPr wrap="none" rtlCol="0">
-            <a:spAutoFit/>
-          </a:bodyPr>
-          <a:lstStyle/>
-          <a:p>
-            <a:r>
-              <a:rPr lang="en-US" dirty="0" err="1" smtClean="0"/>
-              <a:t>PxIN</a:t>
-            </a:r>
-            <a:r>
-              <a:rPr lang="en-US" dirty="0" smtClean="0"/>
-              <a:t> </a:t>
-            </a:r>
-            <a:r>
-              <a:rPr lang="en-US" dirty="0" err="1" smtClean="0"/>
-              <a:t>PxOUT</a:t>
-            </a:r>
-            <a:r>
-              <a:rPr lang="en-US" dirty="0" smtClean="0"/>
-              <a:t> </a:t>
-            </a:r>
-            <a:r>
-              <a:rPr lang="en-US" dirty="0" err="1" smtClean="0"/>
-              <a:t>PxSEL</a:t>
-            </a:r>
-            <a:r>
-              <a:rPr lang="en-US" dirty="0" smtClean="0"/>
-              <a:t> PxSEL2 </a:t>
-            </a:r>
-            <a:r>
-              <a:rPr lang="en-US" dirty="0" err="1" smtClean="0"/>
-              <a:t>PxREN</a:t>
-            </a:r>
-            <a:r>
-              <a:rPr lang="en-US" dirty="0" smtClean="0"/>
-              <a:t> </a:t>
-            </a:r>
-            <a:r>
-              <a:rPr lang="en-US" dirty="0" err="1" smtClean="0"/>
-              <a:t>PxDIR</a:t>
-            </a:r>
-            <a:endParaRPr lang="en-US" dirty="0"/>
-          </a:p>
-        </p:txBody>
-      </p:sp>
-    </p:spTree>
-    <p:extLst>
-      <p:ext uri="{BB962C8B-B14F-4D97-AF65-F5344CB8AC3E}">
-        <p14:creationId xmlns:p14="http://schemas.microsoft.com/office/powerpoint/2010/main" val="677770294"/>
-      </p:ext>
-    </p:extLst>
-  </p:cSld>
-  <p:clrMapOvr>
-    <a:masterClrMapping/>
-  </p:clrMapOvr>
-  <mc:AlternateContent xmlns:mc="http://schemas.openxmlformats.org/markup-compatibility/2006" xmlns:p14="http://schemas.microsoft.com/office/powerpoint/2010/main">
-    <mc:Choice Requires="p14">
-      <p:transition spd="slow" p14:dur="2000"/>
-    </mc:Choice>
-    <mc:Fallback xmlns="">
-      <p:transition spd="slow"/>
-    </mc:Fallback>
-  </mc:AlternateContent>
-  <p:timing>
-    <p:tnLst>
-      <p:par>
-        <p:cTn id="1" dur="indefinite" restart="never" nodeType="tmRoot">
-          <p:childTnLst>
-            <p:seq concurrent="1" nextAc="seek">
-              <p:cTn id="2" dur="indefinite" nodeType="mainSeq">
-                <p:childTnLst>
-                  <p:par>
-                    <p:cTn id="3" fill="hold">
-                      <p:stCondLst>
-                        <p:cond delay="indefinite"/>
-                      </p:stCondLst>
-                      <p:childTnLst>
-                        <p:par>
-                          <p:cTn id="4" fill="hold">
-                            <p:stCondLst>
-                              <p:cond delay="0"/>
-                            </p:stCondLst>
-                            <p:childTnLst>
-                              <p:par>
-                                <p:cTn id="5" presetID="1" presetClass="entr" presetSubtype="0" fill="hold" grpId="0" nodeType="clickEffect">
-                                  <p:stCondLst>
-                                    <p:cond delay="0"/>
-                                  </p:stCondLst>
-                                  <p:childTnLst>
-                                    <p:set>
-                                      <p:cBhvr>
-                                        <p:cTn id="6" dur="1" fill="hold">
-                                          <p:stCondLst>
-                                            <p:cond delay="0"/>
-                                          </p:stCondLst>
-                                        </p:cTn>
-                                        <p:tgtEl>
-                                          <p:spTgt spid="5"/>
-                                        </p:tgtEl>
-                                        <p:attrNameLst>
-                                          <p:attrName>style.visibility</p:attrName>
-                                        </p:attrNameLst>
-                                      </p:cBhvr>
-                                      <p:to>
-                                        <p:strVal val="visible"/>
-                                      </p:to>
-                                    </p:set>
-                                  </p:childTnLst>
-                                </p:cTn>
-                              </p:par>
-                            </p:childTnLst>
-                          </p:cTn>
-                        </p:par>
-                      </p:childTnLst>
-                    </p:cTn>
-                  </p:par>
-                  <p:par>
-                    <p:cTn id="7" fill="hold">
-                      <p:stCondLst>
-                        <p:cond delay="indefinite"/>
-                      </p:stCondLst>
-                      <p:childTnLst>
-                        <p:par>
-                          <p:cTn id="8" fill="hold">
-                            <p:stCondLst>
-                              <p:cond delay="0"/>
-                            </p:stCondLst>
-                            <p:childTnLst>
-                              <p:par>
-                                <p:cTn id="9" presetID="1" presetClass="entr" presetSubtype="0" fill="hold" grpId="0" nodeType="clickEffect">
-                                  <p:stCondLst>
-                                    <p:cond delay="0"/>
-                                  </p:stCondLst>
-                                  <p:childTnLst>
-                                    <p:set>
-                                      <p:cBhvr>
-                                        <p:cTn id="10" dur="1" fill="hold">
-                                          <p:stCondLst>
-                                            <p:cond delay="0"/>
-                                          </p:stCondLst>
-                                        </p:cTn>
-                                        <p:tgtEl>
-                                          <p:spTgt spid="3">
-                                            <p:txEl>
-                                              <p:pRg st="1" end="1"/>
-                                            </p:txEl>
-                                          </p:spTgt>
-                                        </p:tgtEl>
-                                        <p:attrNameLst>
-                                          <p:attrName>style.visibility</p:attrName>
-                                        </p:attrNameLst>
-                                      </p:cBhvr>
-                                      <p:to>
-                                        <p:strVal val="visible"/>
-                                      </p:to>
-                                    </p:set>
-                                  </p:childTnLst>
-                                </p:cTn>
-                              </p:par>
-                            </p:childTnLst>
-                          </p:cTn>
-                        </p:par>
-                      </p:childTnLst>
-                    </p:cTn>
-                  </p:par>
-                  <p:par>
-                    <p:cTn id="11" fill="hold">
-                      <p:stCondLst>
-                        <p:cond delay="indefinite"/>
-                      </p:stCondLst>
-                      <p:childTnLst>
-                        <p:par>
-                          <p:cTn id="12" fill="hold">
-                            <p:stCondLst>
-                              <p:cond delay="0"/>
-                            </p:stCondLst>
-                            <p:childTnLst>
-                              <p:par>
-                                <p:cTn id="13" presetID="1" presetClass="entr" presetSubtype="0" fill="hold" grpId="0" nodeType="clickEffect">
-                                  <p:stCondLst>
-                                    <p:cond delay="0"/>
-                                  </p:stCondLst>
-                                  <p:childTnLst>
-                                    <p:set>
-                                      <p:cBhvr>
-                                        <p:cTn id="14" dur="1" fill="hold">
-                                          <p:stCondLst>
-                                            <p:cond delay="0"/>
-                                          </p:stCondLst>
-                                        </p:cTn>
-                                        <p:tgtEl>
-                                          <p:spTgt spid="3">
-                                            <p:txEl>
-                                              <p:pRg st="4" end="4"/>
-                                            </p:txEl>
-                                          </p:spTgt>
-                                        </p:tgtEl>
-                                        <p:attrNameLst>
-                                          <p:attrName>style.visibility</p:attrName>
-                                        </p:attrNameLst>
-                                      </p:cBhvr>
-                                      <p:to>
-                                        <p:strVal val="visible"/>
-                                      </p:to>
-                                    </p:set>
-                                  </p:childTnLst>
-                                </p:cTn>
-                              </p:par>
-                            </p:childTnLst>
-                          </p:cTn>
-                        </p:par>
-                      </p:childTnLst>
-                    </p:cTn>
-                  </p:par>
-                  <p:par>
-                    <p:cTn id="15" fill="hold">
-                      <p:stCondLst>
-                        <p:cond delay="indefinite"/>
-                      </p:stCondLst>
-                      <p:childTnLst>
-                        <p:par>
-                          <p:cTn id="16" fill="hold">
-                            <p:stCondLst>
-                              <p:cond delay="0"/>
-                            </p:stCondLst>
-                            <p:childTnLst>
-                              <p:par>
-                                <p:cTn id="17" presetID="1" presetClass="entr" presetSubtype="0" fill="hold" grpId="0" nodeType="clickEffect">
-                                  <p:stCondLst>
-                                    <p:cond delay="0"/>
-                                  </p:stCondLst>
-                                  <p:childTnLst>
-                                    <p:set>
-                                      <p:cBhvr>
-                                        <p:cTn id="18" dur="1" fill="hold">
-                                          <p:stCondLst>
-                                            <p:cond delay="0"/>
-                                          </p:stCondLst>
-                                        </p:cTn>
-                                        <p:tgtEl>
-                                          <p:spTgt spid="3">
-                                            <p:txEl>
-                                              <p:pRg st="5" end="5"/>
-                                            </p:txEl>
-                                          </p:spTgt>
-                                        </p:tgtEl>
-                                        <p:attrNameLst>
-                                          <p:attrName>style.visibility</p:attrName>
-                                        </p:attrNameLst>
-                                      </p:cBhvr>
-                                      <p:to>
-                                        <p:strVal val="visible"/>
-                                      </p:to>
-                                    </p:set>
-                                  </p:childTnLst>
-                                </p:cTn>
-                              </p:par>
-                            </p:childTnLst>
-                          </p:cTn>
-                        </p:par>
-                      </p:childTnLst>
-                    </p:cTn>
-                  </p:par>
-                  <p:par>
-                    <p:cTn id="19" fill="hold">
-                      <p:stCondLst>
-                        <p:cond delay="indefinite"/>
-                      </p:stCondLst>
-                      <p:childTnLst>
-                        <p:par>
-                          <p:cTn id="20" fill="hold">
-                            <p:stCondLst>
-                              <p:cond delay="0"/>
-                            </p:stCondLst>
-                            <p:childTnLst>
-                              <p:par>
-                                <p:cTn id="21" presetID="1" presetClass="entr" presetSubtype="0" fill="hold" grpId="0" nodeType="clickEffect">
-                                  <p:stCondLst>
-                                    <p:cond delay="0"/>
-                                  </p:stCondLst>
-                                  <p:childTnLst>
-                                    <p:set>
-                                      <p:cBhvr>
-                                        <p:cTn id="22" dur="1" fill="hold">
-                                          <p:stCondLst>
-                                            <p:cond delay="0"/>
-                                          </p:stCondLst>
-                                        </p:cTn>
-                                        <p:tgtEl>
-                                          <p:spTgt spid="3">
-                                            <p:txEl>
-                                              <p:pRg st="6" end="6"/>
-                                            </p:txEl>
-                                          </p:spTgt>
-                                        </p:tgtEl>
-                                        <p:attrNameLst>
-                                          <p:attrName>style.visibility</p:attrName>
-                                        </p:attrNameLst>
-                                      </p:cBhvr>
-                                      <p:to>
-                                        <p:strVal val="visible"/>
-                                      </p:to>
-                                    </p:set>
-                                  </p:childTnLst>
-                                </p:cTn>
-                              </p:par>
-                            </p:childTnLst>
-                          </p:cTn>
-                        </p:par>
-                      </p:childTnLst>
-                    </p:cTn>
-                  </p:par>
-                  <p:par>
-                    <p:cTn id="23" fill="hold">
-                      <p:stCondLst>
-                        <p:cond delay="indefinite"/>
-                      </p:stCondLst>
-                      <p:childTnLst>
-                        <p:par>
-                          <p:cTn id="24" fill="hold">
-                            <p:stCondLst>
-                              <p:cond delay="0"/>
-                            </p:stCondLst>
-                            <p:childTnLst>
-                              <p:par>
-                                <p:cTn id="25" presetID="1" presetClass="entr" presetSubtype="0" fill="hold" grpId="0" nodeType="clickEffect">
-                                  <p:stCondLst>
-                                    <p:cond delay="0"/>
-                                  </p:stCondLst>
-                                  <p:childTnLst>
-                                    <p:set>
-                                      <p:cBhvr>
-                                        <p:cTn id="26" dur="1" fill="hold">
-                                          <p:stCondLst>
-                                            <p:cond delay="0"/>
-                                          </p:stCondLst>
-                                        </p:cTn>
-                                        <p:tgtEl>
-                                          <p:spTgt spid="3">
-                                            <p:txEl>
-                                              <p:pRg st="7" end="7"/>
-                                            </p:txEl>
-                                          </p:spTgt>
-                                        </p:tgtEl>
-                                        <p:attrNameLst>
-                                          <p:attrName>style.visibility</p:attrName>
-                                        </p:attrNameLst>
-                                      </p:cBhvr>
-                                      <p:to>
-                                        <p:strVal val="visible"/>
-                                      </p:to>
-                                    </p:set>
-                                  </p:childTnLst>
-                                </p:cTn>
-                              </p:par>
-                            </p:childTnLst>
-                          </p:cTn>
-                        </p:par>
-                      </p:childTnLst>
-                    </p:cTn>
-                  </p:par>
-                </p:childTnLst>
-              </p:cTn>
-              <p:prevCondLst>
-                <p:cond evt="onPrev" delay="0">
-                  <p:tgtEl>
-                    <p:sldTgt/>
-                  </p:tgtEl>
-                </p:cond>
-              </p:prevCondLst>
-              <p:nextCondLst>
-                <p:cond evt="onNext" delay="0">
-                  <p:tgtEl>
-                    <p:sldTgt/>
-                  </p:tgtEl>
-                </p:cond>
-              </p:nextCondLst>
-            </p:seq>
-          </p:childTnLst>
-        </p:cTn>
-      </p:par>
-    </p:tnLst>
-    <p:bldLst>
-      <p:bldP spid="3" grpId="0" build="p"/>
-      <p:bldP spid="5" grpId="0"/>
-    </p:bldLst>
-  </p:timing>
-</p:sld>
-</file>
-
-<file path=ppt/slides/slide25.xml><?xml version="1.0" encoding="utf-8"?>
-<p:sld xmlns:a="http://schemas.openxmlformats.org/drawingml/2006/main" xmlns:r="http://schemas.openxmlformats.org/officeDocument/2006/relationships" xmlns:p="http://schemas.openxmlformats.org/presentationml/2006/main">
-  <p:cSld>
-    <p:spTree>
-      <p:nvGrpSpPr>
-        <p:cNvPr id="1" name=""/>
-        <p:cNvGrpSpPr/>
-        <p:nvPr/>
-      </p:nvGrpSpPr>
-      <p:grpSpPr>
-        <a:xfrm>
-          <a:off x="0" y="0"/>
-          <a:ext cx="0" cy="0"/>
-          <a:chOff x="0" y="0"/>
-          <a:chExt cx="0" cy="0"/>
-        </a:xfrm>
-      </p:grpSpPr>
-      <p:sp>
-        <p:nvSpPr>
-          <p:cNvPr id="2" name="Title 1"/>
-          <p:cNvSpPr>
-            <a:spLocks noGrp="1"/>
-          </p:cNvSpPr>
-          <p:nvPr>
-            <p:ph type="title"/>
-          </p:nvPr>
-        </p:nvSpPr>
-        <p:spPr/>
-        <p:txBody>
-          <a:bodyPr/>
-          <a:lstStyle/>
-          <a:p>
-            <a:r>
-              <a:rPr lang="en-US" b="1" dirty="0" smtClean="0"/>
               <a:t>Review</a:t>
             </a:r>
             <a:endParaRPr lang="en-US" dirty="0"/>
@@ -15024,3964 +13321,7 @@
 </p:sld>
 </file>
 
-<file path=ppt/slides/slide26.xml><?xml version="1.0" encoding="utf-8"?>
-<p:sld xmlns:a="http://schemas.openxmlformats.org/drawingml/2006/main" xmlns:r="http://schemas.openxmlformats.org/officeDocument/2006/relationships" xmlns:p="http://schemas.openxmlformats.org/presentationml/2006/main">
-  <p:cSld>
-    <p:spTree>
-      <p:nvGrpSpPr>
-        <p:cNvPr id="1" name=""/>
-        <p:cNvGrpSpPr/>
-        <p:nvPr/>
-      </p:nvGrpSpPr>
-      <p:grpSpPr>
-        <a:xfrm>
-          <a:off x="0" y="0"/>
-          <a:ext cx="0" cy="0"/>
-          <a:chOff x="0" y="0"/>
-          <a:chExt cx="0" cy="0"/>
-        </a:xfrm>
-      </p:grpSpPr>
-      <p:sp>
-        <p:nvSpPr>
-          <p:cNvPr id="2" name="Title 1"/>
-          <p:cNvSpPr>
-            <a:spLocks noGrp="1"/>
-          </p:cNvSpPr>
-          <p:nvPr>
-            <p:ph type="title"/>
-          </p:nvPr>
-        </p:nvSpPr>
-        <p:spPr/>
-        <p:txBody>
-          <a:bodyPr/>
-          <a:lstStyle/>
-          <a:p>
-            <a:r>
-              <a:rPr lang="en-US" b="1" dirty="0"/>
-              <a:t>Emulated Instructions</a:t>
-            </a:r>
-          </a:p>
-        </p:txBody>
-      </p:sp>
-      <p:graphicFrame>
-        <p:nvGraphicFramePr>
-          <p:cNvPr id="4" name="Content Placeholder 3"/>
-          <p:cNvGraphicFramePr>
-            <a:graphicFrameLocks noGrp="1"/>
-          </p:cNvGraphicFramePr>
-          <p:nvPr>
-            <p:ph idx="1"/>
-            <p:extLst>
-              <p:ext uri="{D42A27DB-BD31-4B8C-83A1-F6EECF244321}">
-                <p14:modId xmlns:p14="http://schemas.microsoft.com/office/powerpoint/2010/main" val="1097113189"/>
-              </p:ext>
-            </p:extLst>
-          </p:nvPr>
-        </p:nvGraphicFramePr>
-        <p:xfrm>
-          <a:off x="702888" y="1388550"/>
-          <a:ext cx="7772400" cy="5003592"/>
-        </p:xfrm>
-        <a:graphic>
-          <a:graphicData uri="http://schemas.openxmlformats.org/drawingml/2006/table">
-            <a:tbl>
-              <a:tblPr/>
-              <a:tblGrid>
-                <a:gridCol w="2590800"/>
-                <a:gridCol w="2590800"/>
-                <a:gridCol w="2590800"/>
-              </a:tblGrid>
-              <a:tr h="211203">
-                <a:tc>
-                  <a:txBody>
-                    <a:bodyPr/>
-                    <a:lstStyle/>
-                    <a:p>
-                      <a:pPr algn="l" fontAlgn="b"/>
-                      <a:r>
-                        <a:rPr lang="en-US" sz="1200" b="1" dirty="0">
-                          <a:effectLst/>
-                        </a:rPr>
-                        <a:t>Emulated Instruction</a:t>
-                      </a:r>
-                    </a:p>
-                  </a:txBody>
-                  <a:tcPr marL="66219" marR="66219" marT="66219" marB="66219" anchor="b">
-                    <a:lnL w="9525" cap="flat" cmpd="sng" algn="ctr">
-                      <a:solidFill>
-                        <a:srgbClr val="DDDDDD"/>
-                      </a:solidFill>
-                      <a:prstDash val="solid"/>
-                      <a:round/>
-                      <a:headEnd type="none" w="med" len="med"/>
-                      <a:tailEnd type="none" w="med" len="med"/>
-                    </a:lnL>
-                    <a:lnR w="9525" cap="flat" cmpd="sng" algn="ctr">
-                      <a:solidFill>
-                        <a:srgbClr val="DDDDDD"/>
-                      </a:solidFill>
-                      <a:prstDash val="solid"/>
-                      <a:round/>
-                      <a:headEnd type="none" w="med" len="med"/>
-                      <a:tailEnd type="none" w="med" len="med"/>
-                    </a:lnR>
-                    <a:lnT w="9525" cap="flat" cmpd="sng" algn="ctr">
-                      <a:solidFill>
-                        <a:srgbClr val="DDDDDD"/>
-                      </a:solidFill>
-                      <a:prstDash val="solid"/>
-                      <a:round/>
-                      <a:headEnd type="none" w="med" len="med"/>
-                      <a:tailEnd type="none" w="med" len="med"/>
-                    </a:lnT>
-                    <a:lnB w="9525" cap="flat" cmpd="sng" algn="ctr">
-                      <a:solidFill>
-                        <a:srgbClr val="DDDDDD"/>
-                      </a:solidFill>
-                      <a:prstDash val="solid"/>
-                      <a:round/>
-                      <a:headEnd type="none" w="med" len="med"/>
-                      <a:tailEnd type="none" w="med" len="med"/>
-                    </a:lnB>
-                    <a:solidFill>
-                      <a:srgbClr val="FFFFFF"/>
-                    </a:solidFill>
-                  </a:tcPr>
-                </a:tc>
-                <a:tc>
-                  <a:txBody>
-                    <a:bodyPr/>
-                    <a:lstStyle/>
-                    <a:p>
-                      <a:pPr algn="l" fontAlgn="b"/>
-                      <a:r>
-                        <a:rPr lang="en-US" sz="1200" b="1">
-                          <a:effectLst/>
-                        </a:rPr>
-                        <a:t>Assembly Instruction</a:t>
-                      </a:r>
-                    </a:p>
-                  </a:txBody>
-                  <a:tcPr marL="66219" marR="66219" marT="66219" marB="66219" anchor="b">
-                    <a:lnL w="9525" cap="flat" cmpd="sng" algn="ctr">
-                      <a:solidFill>
-                        <a:srgbClr val="DDDDDD"/>
-                      </a:solidFill>
-                      <a:prstDash val="solid"/>
-                      <a:round/>
-                      <a:headEnd type="none" w="med" len="med"/>
-                      <a:tailEnd type="none" w="med" len="med"/>
-                    </a:lnL>
-                    <a:lnR w="9525" cap="flat" cmpd="sng" algn="ctr">
-                      <a:solidFill>
-                        <a:srgbClr val="DDDDDD"/>
-                      </a:solidFill>
-                      <a:prstDash val="solid"/>
-                      <a:round/>
-                      <a:headEnd type="none" w="med" len="med"/>
-                      <a:tailEnd type="none" w="med" len="med"/>
-                    </a:lnR>
-                    <a:lnT w="9525" cap="flat" cmpd="sng" algn="ctr">
-                      <a:solidFill>
-                        <a:srgbClr val="DDDDDD"/>
-                      </a:solidFill>
-                      <a:prstDash val="solid"/>
-                      <a:round/>
-                      <a:headEnd type="none" w="med" len="med"/>
-                      <a:tailEnd type="none" w="med" len="med"/>
-                    </a:lnT>
-                    <a:lnB w="9525" cap="flat" cmpd="sng" algn="ctr">
-                      <a:solidFill>
-                        <a:srgbClr val="DDDDDD"/>
-                      </a:solidFill>
-                      <a:prstDash val="solid"/>
-                      <a:round/>
-                      <a:headEnd type="none" w="med" len="med"/>
-                      <a:tailEnd type="none" w="med" len="med"/>
-                    </a:lnB>
-                    <a:solidFill>
-                      <a:srgbClr val="FFFFFF"/>
-                    </a:solidFill>
-                  </a:tcPr>
-                </a:tc>
-                <a:tc>
-                  <a:txBody>
-                    <a:bodyPr/>
-                    <a:lstStyle/>
-                    <a:p>
-                      <a:pPr algn="l" fontAlgn="b"/>
-                      <a:r>
-                        <a:rPr lang="en-US" sz="1200" b="1">
-                          <a:effectLst/>
-                        </a:rPr>
-                        <a:t>Notes</a:t>
-                      </a:r>
-                    </a:p>
-                  </a:txBody>
-                  <a:tcPr marL="66219" marR="66219" marT="66219" marB="66219" anchor="b">
-                    <a:lnL w="9525" cap="flat" cmpd="sng" algn="ctr">
-                      <a:solidFill>
-                        <a:srgbClr val="DDDDDD"/>
-                      </a:solidFill>
-                      <a:prstDash val="solid"/>
-                      <a:round/>
-                      <a:headEnd type="none" w="med" len="med"/>
-                      <a:tailEnd type="none" w="med" len="med"/>
-                    </a:lnL>
-                    <a:lnR w="9525" cap="flat" cmpd="sng" algn="ctr">
-                      <a:solidFill>
-                        <a:srgbClr val="DDDDDD"/>
-                      </a:solidFill>
-                      <a:prstDash val="solid"/>
-                      <a:round/>
-                      <a:headEnd type="none" w="med" len="med"/>
-                      <a:tailEnd type="none" w="med" len="med"/>
-                    </a:lnR>
-                    <a:lnT w="9525" cap="flat" cmpd="sng" algn="ctr">
-                      <a:solidFill>
-                        <a:srgbClr val="DDDDDD"/>
-                      </a:solidFill>
-                      <a:prstDash val="solid"/>
-                      <a:round/>
-                      <a:headEnd type="none" w="med" len="med"/>
-                      <a:tailEnd type="none" w="med" len="med"/>
-                    </a:lnT>
-                    <a:lnB w="9525" cap="flat" cmpd="sng" algn="ctr">
-                      <a:solidFill>
-                        <a:srgbClr val="DDDDDD"/>
-                      </a:solidFill>
-                      <a:prstDash val="solid"/>
-                      <a:round/>
-                      <a:headEnd type="none" w="med" len="med"/>
-                      <a:tailEnd type="none" w="med" len="med"/>
-                    </a:lnB>
-                    <a:solidFill>
-                      <a:srgbClr val="FFFFFF"/>
-                    </a:solidFill>
-                  </a:tcPr>
-                </a:tc>
-              </a:tr>
-              <a:tr h="609210">
-                <a:tc>
-                  <a:txBody>
-                    <a:bodyPr/>
-                    <a:lstStyle/>
-                    <a:p>
-                      <a:pPr algn="l" fontAlgn="t"/>
-                      <a:r>
-                        <a:rPr lang="en-US" sz="1200" dirty="0">
-                          <a:effectLst/>
-                        </a:rPr>
-                        <a:t>NOP</a:t>
-                      </a:r>
-                    </a:p>
-                  </a:txBody>
-                  <a:tcPr marL="66219" marR="66219" marT="66219" marB="66219">
-                    <a:lnL w="9525" cap="flat" cmpd="sng" algn="ctr">
-                      <a:solidFill>
-                        <a:srgbClr val="DDDDDD"/>
-                      </a:solidFill>
-                      <a:prstDash val="solid"/>
-                      <a:round/>
-                      <a:headEnd type="none" w="med" len="med"/>
-                      <a:tailEnd type="none" w="med" len="med"/>
-                    </a:lnL>
-                    <a:lnR w="9525" cap="flat" cmpd="sng" algn="ctr">
-                      <a:solidFill>
-                        <a:srgbClr val="DDDDDD"/>
-                      </a:solidFill>
-                      <a:prstDash val="solid"/>
-                      <a:round/>
-                      <a:headEnd type="none" w="med" len="med"/>
-                      <a:tailEnd type="none" w="med" len="med"/>
-                    </a:lnR>
-                    <a:lnT w="9525" cap="flat" cmpd="sng" algn="ctr">
-                      <a:solidFill>
-                        <a:srgbClr val="DDDDDD"/>
-                      </a:solidFill>
-                      <a:prstDash val="solid"/>
-                      <a:round/>
-                      <a:headEnd type="none" w="med" len="med"/>
-                      <a:tailEnd type="none" w="med" len="med"/>
-                    </a:lnT>
-                    <a:lnB w="9525" cap="flat" cmpd="sng" algn="ctr">
-                      <a:solidFill>
-                        <a:srgbClr val="DDDDDD"/>
-                      </a:solidFill>
-                      <a:prstDash val="solid"/>
-                      <a:round/>
-                      <a:headEnd type="none" w="med" len="med"/>
-                      <a:tailEnd type="none" w="med" len="med"/>
-                    </a:lnB>
-                    <a:solidFill>
-                      <a:srgbClr val="F9F9F9"/>
-                    </a:solidFill>
-                  </a:tcPr>
-                </a:tc>
-                <a:tc>
-                  <a:txBody>
-                    <a:bodyPr/>
-                    <a:lstStyle/>
-                    <a:p>
-                      <a:pPr algn="l" fontAlgn="t"/>
-                      <a:r>
-                        <a:rPr lang="en-US" sz="1200" dirty="0">
-                          <a:effectLst/>
-                        </a:rPr>
-                        <a:t>MOV r3, r3</a:t>
-                      </a:r>
-                    </a:p>
-                  </a:txBody>
-                  <a:tcPr marL="66219" marR="66219" marT="66219" marB="66219">
-                    <a:lnL w="9525" cap="flat" cmpd="sng" algn="ctr">
-                      <a:solidFill>
-                        <a:srgbClr val="DDDDDD"/>
-                      </a:solidFill>
-                      <a:prstDash val="solid"/>
-                      <a:round/>
-                      <a:headEnd type="none" w="med" len="med"/>
-                      <a:tailEnd type="none" w="med" len="med"/>
-                    </a:lnL>
-                    <a:lnR w="9525" cap="flat" cmpd="sng" algn="ctr">
-                      <a:solidFill>
-                        <a:srgbClr val="DDDDDD"/>
-                      </a:solidFill>
-                      <a:prstDash val="solid"/>
-                      <a:round/>
-                      <a:headEnd type="none" w="med" len="med"/>
-                      <a:tailEnd type="none" w="med" len="med"/>
-                    </a:lnR>
-                    <a:lnT w="9525" cap="flat" cmpd="sng" algn="ctr">
-                      <a:solidFill>
-                        <a:srgbClr val="DDDDDD"/>
-                      </a:solidFill>
-                      <a:prstDash val="solid"/>
-                      <a:round/>
-                      <a:headEnd type="none" w="med" len="med"/>
-                      <a:tailEnd type="none" w="med" len="med"/>
-                    </a:lnT>
-                    <a:lnB w="9525" cap="flat" cmpd="sng" algn="ctr">
-                      <a:solidFill>
-                        <a:srgbClr val="DDDDDD"/>
-                      </a:solidFill>
-                      <a:prstDash val="solid"/>
-                      <a:round/>
-                      <a:headEnd type="none" w="med" len="med"/>
-                      <a:tailEnd type="none" w="med" len="med"/>
-                    </a:lnB>
-                    <a:solidFill>
-                      <a:srgbClr val="F9F9F9"/>
-                    </a:solidFill>
-                  </a:tcPr>
-                </a:tc>
-                <a:tc>
-                  <a:txBody>
-                    <a:bodyPr/>
-                    <a:lstStyle/>
-                    <a:p>
-                      <a:pPr algn="l" fontAlgn="t"/>
-                      <a:r>
-                        <a:rPr lang="en-US" sz="1200">
-                          <a:effectLst/>
-                        </a:rPr>
-                        <a:t>Any register from r3 to r15 would do the same thing.</a:t>
-                      </a:r>
-                    </a:p>
-                  </a:txBody>
-                  <a:tcPr marL="66219" marR="66219" marT="66219" marB="66219">
-                    <a:lnL w="9525" cap="flat" cmpd="sng" algn="ctr">
-                      <a:solidFill>
-                        <a:srgbClr val="DDDDDD"/>
-                      </a:solidFill>
-                      <a:prstDash val="solid"/>
-                      <a:round/>
-                      <a:headEnd type="none" w="med" len="med"/>
-                      <a:tailEnd type="none" w="med" len="med"/>
-                    </a:lnL>
-                    <a:lnR w="9525" cap="flat" cmpd="sng" algn="ctr">
-                      <a:solidFill>
-                        <a:srgbClr val="DDDDDD"/>
-                      </a:solidFill>
-                      <a:prstDash val="solid"/>
-                      <a:round/>
-                      <a:headEnd type="none" w="med" len="med"/>
-                      <a:tailEnd type="none" w="med" len="med"/>
-                    </a:lnR>
-                    <a:lnT w="9525" cap="flat" cmpd="sng" algn="ctr">
-                      <a:solidFill>
-                        <a:srgbClr val="DDDDDD"/>
-                      </a:solidFill>
-                      <a:prstDash val="solid"/>
-                      <a:round/>
-                      <a:headEnd type="none" w="med" len="med"/>
-                      <a:tailEnd type="none" w="med" len="med"/>
-                    </a:lnT>
-                    <a:lnB w="9525" cap="flat" cmpd="sng" algn="ctr">
-                      <a:solidFill>
-                        <a:srgbClr val="DDDDDD"/>
-                      </a:solidFill>
-                      <a:prstDash val="solid"/>
-                      <a:round/>
-                      <a:headEnd type="none" w="med" len="med"/>
-                      <a:tailEnd type="none" w="med" len="med"/>
-                    </a:lnB>
-                    <a:solidFill>
-                      <a:srgbClr val="F9F9F9"/>
-                    </a:solidFill>
-                  </a:tcPr>
-                </a:tc>
-              </a:tr>
-              <a:tr h="370824">
-                <a:tc>
-                  <a:txBody>
-                    <a:bodyPr/>
-                    <a:lstStyle/>
-                    <a:p>
-                      <a:pPr algn="l" fontAlgn="t"/>
-                      <a:r>
-                        <a:rPr lang="en-US" sz="1200">
-                          <a:effectLst/>
-                        </a:rPr>
-                        <a:t>POP dst</a:t>
-                      </a:r>
-                    </a:p>
-                  </a:txBody>
-                  <a:tcPr marL="66219" marR="66219" marT="66219" marB="66219">
-                    <a:lnL w="9525" cap="flat" cmpd="sng" algn="ctr">
-                      <a:solidFill>
-                        <a:srgbClr val="DDDDDD"/>
-                      </a:solidFill>
-                      <a:prstDash val="solid"/>
-                      <a:round/>
-                      <a:headEnd type="none" w="med" len="med"/>
-                      <a:tailEnd type="none" w="med" len="med"/>
-                    </a:lnL>
-                    <a:lnR w="9525" cap="flat" cmpd="sng" algn="ctr">
-                      <a:solidFill>
-                        <a:srgbClr val="DDDDDD"/>
-                      </a:solidFill>
-                      <a:prstDash val="solid"/>
-                      <a:round/>
-                      <a:headEnd type="none" w="med" len="med"/>
-                      <a:tailEnd type="none" w="med" len="med"/>
-                    </a:lnR>
-                    <a:lnT w="9525" cap="flat" cmpd="sng" algn="ctr">
-                      <a:solidFill>
-                        <a:srgbClr val="DDDDDD"/>
-                      </a:solidFill>
-                      <a:prstDash val="solid"/>
-                      <a:round/>
-                      <a:headEnd type="none" w="med" len="med"/>
-                      <a:tailEnd type="none" w="med" len="med"/>
-                    </a:lnT>
-                    <a:lnB w="9525" cap="flat" cmpd="sng" algn="ctr">
-                      <a:solidFill>
-                        <a:srgbClr val="DDDDDD"/>
-                      </a:solidFill>
-                      <a:prstDash val="solid"/>
-                      <a:round/>
-                      <a:headEnd type="none" w="med" len="med"/>
-                      <a:tailEnd type="none" w="med" len="med"/>
-                    </a:lnB>
-                    <a:solidFill>
-                      <a:srgbClr val="FFFFFF"/>
-                    </a:solidFill>
-                  </a:tcPr>
-                </a:tc>
-                <a:tc>
-                  <a:txBody>
-                    <a:bodyPr/>
-                    <a:lstStyle/>
-                    <a:p>
-                      <a:pPr algn="l" fontAlgn="t"/>
-                      <a:r>
-                        <a:rPr lang="en-US" sz="1200">
-                          <a:effectLst/>
-                        </a:rPr>
-                        <a:t>MOV @SP+, dst</a:t>
-                      </a:r>
-                    </a:p>
-                  </a:txBody>
-                  <a:tcPr marL="66219" marR="66219" marT="66219" marB="66219">
-                    <a:lnL w="9525" cap="flat" cmpd="sng" algn="ctr">
-                      <a:solidFill>
-                        <a:srgbClr val="DDDDDD"/>
-                      </a:solidFill>
-                      <a:prstDash val="solid"/>
-                      <a:round/>
-                      <a:headEnd type="none" w="med" len="med"/>
-                      <a:tailEnd type="none" w="med" len="med"/>
-                    </a:lnL>
-                    <a:lnR w="9525" cap="flat" cmpd="sng" algn="ctr">
-                      <a:solidFill>
-                        <a:srgbClr val="DDDDDD"/>
-                      </a:solidFill>
-                      <a:prstDash val="solid"/>
-                      <a:round/>
-                      <a:headEnd type="none" w="med" len="med"/>
-                      <a:tailEnd type="none" w="med" len="med"/>
-                    </a:lnR>
-                    <a:lnT w="9525" cap="flat" cmpd="sng" algn="ctr">
-                      <a:solidFill>
-                        <a:srgbClr val="DDDDDD"/>
-                      </a:solidFill>
-                      <a:prstDash val="solid"/>
-                      <a:round/>
-                      <a:headEnd type="none" w="med" len="med"/>
-                      <a:tailEnd type="none" w="med" len="med"/>
-                    </a:lnT>
-                    <a:lnB w="9525" cap="flat" cmpd="sng" algn="ctr">
-                      <a:solidFill>
-                        <a:srgbClr val="DDDDDD"/>
-                      </a:solidFill>
-                      <a:prstDash val="solid"/>
-                      <a:round/>
-                      <a:headEnd type="none" w="med" len="med"/>
-                      <a:tailEnd type="none" w="med" len="med"/>
-                    </a:lnB>
-                    <a:solidFill>
-                      <a:srgbClr val="FFFFFF"/>
-                    </a:solidFill>
-                  </a:tcPr>
-                </a:tc>
-                <a:tc>
-                  <a:txBody>
-                    <a:bodyPr/>
-                    <a:lstStyle/>
-                    <a:p>
-                      <a:endParaRPr lang="en-US" sz="1200" dirty="0"/>
-                    </a:p>
-                  </a:txBody>
-                  <a:tcPr marL="79462" marR="79462" marT="39731" marB="39731">
-                    <a:lnL w="9525" cap="flat" cmpd="sng" algn="ctr">
-                      <a:solidFill>
-                        <a:srgbClr val="DDDDDD"/>
-                      </a:solidFill>
-                      <a:prstDash val="solid"/>
-                      <a:round/>
-                      <a:headEnd type="none" w="med" len="med"/>
-                      <a:tailEnd type="none" w="med" len="med"/>
-                    </a:lnL>
-                    <a:lnT w="9525" cap="flat" cmpd="sng" algn="ctr">
-                      <a:solidFill>
-                        <a:srgbClr val="DDDDDD"/>
-                      </a:solidFill>
-                      <a:prstDash val="solid"/>
-                      <a:round/>
-                      <a:headEnd type="none" w="med" len="med"/>
-                      <a:tailEnd type="none" w="med" len="med"/>
-                    </a:lnT>
-                    <a:lnB w="9525" cap="flat" cmpd="sng" algn="ctr">
-                      <a:solidFill>
-                        <a:srgbClr val="DDDDDD"/>
-                      </a:solidFill>
-                      <a:prstDash val="solid"/>
-                      <a:round/>
-                      <a:headEnd type="none" w="med" len="med"/>
-                      <a:tailEnd type="none" w="med" len="med"/>
-                    </a:lnB>
-                  </a:tcPr>
-                </a:tc>
-              </a:tr>
-              <a:tr h="370824">
-                <a:tc>
-                  <a:txBody>
-                    <a:bodyPr/>
-                    <a:lstStyle/>
-                    <a:p>
-                      <a:pPr algn="l" fontAlgn="t"/>
-                      <a:r>
-                        <a:rPr lang="en-US" sz="1400" dirty="0">
-                          <a:effectLst/>
-                        </a:rPr>
-                        <a:t>BR </a:t>
-                      </a:r>
-                      <a:r>
-                        <a:rPr lang="en-US" sz="1400" dirty="0" err="1">
-                          <a:effectLst/>
-                        </a:rPr>
-                        <a:t>dst</a:t>
-                      </a:r>
-                      <a:endParaRPr lang="en-US" sz="1400" dirty="0">
-                        <a:effectLst/>
-                      </a:endParaRPr>
-                    </a:p>
-                  </a:txBody>
-                  <a:tcPr marL="76200" marR="76200" marT="76200" marB="76200">
-                    <a:lnL w="9525" cap="flat" cmpd="sng" algn="ctr">
-                      <a:solidFill>
-                        <a:srgbClr val="DDDDDD"/>
-                      </a:solidFill>
-                      <a:prstDash val="solid"/>
-                      <a:round/>
-                      <a:headEnd type="none" w="med" len="med"/>
-                      <a:tailEnd type="none" w="med" len="med"/>
-                    </a:lnL>
-                    <a:lnR w="9525" cap="flat" cmpd="sng" algn="ctr">
-                      <a:solidFill>
-                        <a:srgbClr val="DDDDDD"/>
-                      </a:solidFill>
-                      <a:prstDash val="solid"/>
-                      <a:round/>
-                      <a:headEnd type="none" w="med" len="med"/>
-                      <a:tailEnd type="none" w="med" len="med"/>
-                    </a:lnR>
-                    <a:lnT w="9525" cap="flat" cmpd="sng" algn="ctr">
-                      <a:solidFill>
-                        <a:srgbClr val="DDDDDD"/>
-                      </a:solidFill>
-                      <a:prstDash val="solid"/>
-                      <a:round/>
-                      <a:headEnd type="none" w="med" len="med"/>
-                      <a:tailEnd type="none" w="med" len="med"/>
-                    </a:lnT>
-                    <a:lnB w="9525" cap="flat" cmpd="sng" algn="ctr">
-                      <a:solidFill>
-                        <a:srgbClr val="DDDDDD"/>
-                      </a:solidFill>
-                      <a:prstDash val="solid"/>
-                      <a:round/>
-                      <a:headEnd type="none" w="med" len="med"/>
-                      <a:tailEnd type="none" w="med" len="med"/>
-                    </a:lnB>
-                    <a:solidFill>
-                      <a:srgbClr val="FFFFFF"/>
-                    </a:solidFill>
-                  </a:tcPr>
-                </a:tc>
-                <a:tc>
-                  <a:txBody>
-                    <a:bodyPr/>
-                    <a:lstStyle/>
-                    <a:p>
-                      <a:pPr algn="l" fontAlgn="t"/>
-                      <a:r>
-                        <a:rPr lang="en-US" sz="1400" dirty="0">
-                          <a:effectLst/>
-                        </a:rPr>
-                        <a:t>MOV </a:t>
-                      </a:r>
-                      <a:r>
-                        <a:rPr lang="en-US" sz="1400" dirty="0" err="1">
-                          <a:effectLst/>
-                        </a:rPr>
-                        <a:t>dst</a:t>
-                      </a:r>
-                      <a:r>
-                        <a:rPr lang="en-US" sz="1400" dirty="0">
-                          <a:effectLst/>
-                        </a:rPr>
-                        <a:t>, PC</a:t>
-                      </a:r>
-                    </a:p>
-                  </a:txBody>
-                  <a:tcPr marL="76200" marR="76200" marT="76200" marB="76200">
-                    <a:lnL w="9525" cap="flat" cmpd="sng" algn="ctr">
-                      <a:solidFill>
-                        <a:srgbClr val="DDDDDD"/>
-                      </a:solidFill>
-                      <a:prstDash val="solid"/>
-                      <a:round/>
-                      <a:headEnd type="none" w="med" len="med"/>
-                      <a:tailEnd type="none" w="med" len="med"/>
-                    </a:lnL>
-                    <a:lnR w="9525" cap="flat" cmpd="sng" algn="ctr">
-                      <a:solidFill>
-                        <a:srgbClr val="DDDDDD"/>
-                      </a:solidFill>
-                      <a:prstDash val="solid"/>
-                      <a:round/>
-                      <a:headEnd type="none" w="med" len="med"/>
-                      <a:tailEnd type="none" w="med" len="med"/>
-                    </a:lnR>
-                    <a:lnT w="9525" cap="flat" cmpd="sng" algn="ctr">
-                      <a:solidFill>
-                        <a:srgbClr val="DDDDDD"/>
-                      </a:solidFill>
-                      <a:prstDash val="solid"/>
-                      <a:round/>
-                      <a:headEnd type="none" w="med" len="med"/>
-                      <a:tailEnd type="none" w="med" len="med"/>
-                    </a:lnT>
-                    <a:lnB w="9525" cap="flat" cmpd="sng" algn="ctr">
-                      <a:solidFill>
-                        <a:srgbClr val="DDDDDD"/>
-                      </a:solidFill>
-                      <a:prstDash val="solid"/>
-                      <a:round/>
-                      <a:headEnd type="none" w="med" len="med"/>
-                      <a:tailEnd type="none" w="med" len="med"/>
-                    </a:lnB>
-                    <a:solidFill>
-                      <a:srgbClr val="FFFFFF"/>
-                    </a:solidFill>
-                  </a:tcPr>
-                </a:tc>
-                <a:tc>
-                  <a:txBody>
-                    <a:bodyPr/>
-                    <a:lstStyle/>
-                    <a:p>
-                      <a:pPr algn="l" fontAlgn="t"/>
-                      <a:r>
-                        <a:rPr lang="en-US" sz="1400" dirty="0">
-                          <a:effectLst/>
-                        </a:rPr>
-                        <a:t>BR </a:t>
-                      </a:r>
-                      <a:r>
-                        <a:rPr lang="en-US" sz="1400" dirty="0" err="1">
-                          <a:effectLst/>
-                        </a:rPr>
-                        <a:t>dst</a:t>
-                      </a:r>
-                      <a:endParaRPr lang="en-US" sz="1400" dirty="0">
-                        <a:effectLst/>
-                      </a:endParaRPr>
-                    </a:p>
-                  </a:txBody>
-                  <a:tcPr marL="76200" marR="76200" marT="76200" marB="76200">
-                    <a:lnL w="9525" cap="flat" cmpd="sng" algn="ctr">
-                      <a:solidFill>
-                        <a:srgbClr val="DDDDDD"/>
-                      </a:solidFill>
-                      <a:prstDash val="solid"/>
-                      <a:round/>
-                      <a:headEnd type="none" w="med" len="med"/>
-                      <a:tailEnd type="none" w="med" len="med"/>
-                    </a:lnL>
-                    <a:lnT w="9525" cap="flat" cmpd="sng" algn="ctr">
-                      <a:solidFill>
-                        <a:srgbClr val="DDDDDD"/>
-                      </a:solidFill>
-                      <a:prstDash val="solid"/>
-                      <a:round/>
-                      <a:headEnd type="none" w="med" len="med"/>
-                      <a:tailEnd type="none" w="med" len="med"/>
-                    </a:lnT>
-                    <a:lnB w="9525" cap="flat" cmpd="sng" algn="ctr">
-                      <a:solidFill>
-                        <a:srgbClr val="DDDDDD"/>
-                      </a:solidFill>
-                      <a:prstDash val="solid"/>
-                      <a:round/>
-                      <a:headEnd type="none" w="med" len="med"/>
-                      <a:tailEnd type="none" w="med" len="med"/>
-                    </a:lnB>
-                  </a:tcPr>
-                </a:tc>
-              </a:tr>
-              <a:tr h="370824">
-                <a:tc>
-                  <a:txBody>
-                    <a:bodyPr/>
-                    <a:lstStyle/>
-                    <a:p>
-                      <a:pPr algn="l" fontAlgn="t"/>
-                      <a:r>
-                        <a:rPr lang="en-US" sz="1400">
-                          <a:effectLst/>
-                        </a:rPr>
-                        <a:t>RET</a:t>
-                      </a:r>
-                    </a:p>
-                  </a:txBody>
-                  <a:tcPr marL="76200" marR="76200" marT="76200" marB="76200">
-                    <a:lnL w="9525" cap="flat" cmpd="sng" algn="ctr">
-                      <a:solidFill>
-                        <a:srgbClr val="DDDDDD"/>
-                      </a:solidFill>
-                      <a:prstDash val="solid"/>
-                      <a:round/>
-                      <a:headEnd type="none" w="med" len="med"/>
-                      <a:tailEnd type="none" w="med" len="med"/>
-                    </a:lnL>
-                    <a:lnR w="9525" cap="flat" cmpd="sng" algn="ctr">
-                      <a:solidFill>
-                        <a:srgbClr val="DDDDDD"/>
-                      </a:solidFill>
-                      <a:prstDash val="solid"/>
-                      <a:round/>
-                      <a:headEnd type="none" w="med" len="med"/>
-                      <a:tailEnd type="none" w="med" len="med"/>
-                    </a:lnR>
-                    <a:lnT w="9525" cap="flat" cmpd="sng" algn="ctr">
-                      <a:solidFill>
-                        <a:srgbClr val="DDDDDD"/>
-                      </a:solidFill>
-                      <a:prstDash val="solid"/>
-                      <a:round/>
-                      <a:headEnd type="none" w="med" len="med"/>
-                      <a:tailEnd type="none" w="med" len="med"/>
-                    </a:lnT>
-                    <a:lnB w="9525" cap="flat" cmpd="sng" algn="ctr">
-                      <a:solidFill>
-                        <a:srgbClr val="DDDDDD"/>
-                      </a:solidFill>
-                      <a:prstDash val="solid"/>
-                      <a:round/>
-                      <a:headEnd type="none" w="med" len="med"/>
-                      <a:tailEnd type="none" w="med" len="med"/>
-                    </a:lnB>
-                    <a:solidFill>
-                      <a:srgbClr val="FFFFFF"/>
-                    </a:solidFill>
-                  </a:tcPr>
-                </a:tc>
-                <a:tc>
-                  <a:txBody>
-                    <a:bodyPr/>
-                    <a:lstStyle/>
-                    <a:p>
-                      <a:pPr algn="l" fontAlgn="t"/>
-                      <a:r>
-                        <a:rPr lang="en-US" sz="1400">
-                          <a:effectLst/>
-                        </a:rPr>
-                        <a:t>MOV @SP+, PC</a:t>
-                      </a:r>
-                    </a:p>
-                  </a:txBody>
-                  <a:tcPr marL="76200" marR="76200" marT="76200" marB="76200">
-                    <a:lnL w="9525" cap="flat" cmpd="sng" algn="ctr">
-                      <a:solidFill>
-                        <a:srgbClr val="DDDDDD"/>
-                      </a:solidFill>
-                      <a:prstDash val="solid"/>
-                      <a:round/>
-                      <a:headEnd type="none" w="med" len="med"/>
-                      <a:tailEnd type="none" w="med" len="med"/>
-                    </a:lnL>
-                    <a:lnR w="9525" cap="flat" cmpd="sng" algn="ctr">
-                      <a:solidFill>
-                        <a:srgbClr val="DDDDDD"/>
-                      </a:solidFill>
-                      <a:prstDash val="solid"/>
-                      <a:round/>
-                      <a:headEnd type="none" w="med" len="med"/>
-                      <a:tailEnd type="none" w="med" len="med"/>
-                    </a:lnR>
-                    <a:lnT w="9525" cap="flat" cmpd="sng" algn="ctr">
-                      <a:solidFill>
-                        <a:srgbClr val="DDDDDD"/>
-                      </a:solidFill>
-                      <a:prstDash val="solid"/>
-                      <a:round/>
-                      <a:headEnd type="none" w="med" len="med"/>
-                      <a:tailEnd type="none" w="med" len="med"/>
-                    </a:lnT>
-                    <a:lnB w="9525" cap="flat" cmpd="sng" algn="ctr">
-                      <a:solidFill>
-                        <a:srgbClr val="DDDDDD"/>
-                      </a:solidFill>
-                      <a:prstDash val="solid"/>
-                      <a:round/>
-                      <a:headEnd type="none" w="med" len="med"/>
-                      <a:tailEnd type="none" w="med" len="med"/>
-                    </a:lnB>
-                    <a:solidFill>
-                      <a:srgbClr val="FFFFFF"/>
-                    </a:solidFill>
-                  </a:tcPr>
-                </a:tc>
-                <a:tc>
-                  <a:txBody>
-                    <a:bodyPr/>
-                    <a:lstStyle/>
-                    <a:p>
-                      <a:pPr algn="l" fontAlgn="t"/>
-                      <a:r>
-                        <a:rPr lang="en-US" sz="1400" dirty="0">
-                          <a:effectLst/>
-                        </a:rPr>
-                        <a:t>RET</a:t>
-                      </a:r>
-                    </a:p>
-                  </a:txBody>
-                  <a:tcPr marL="76200" marR="76200" marT="76200" marB="76200">
-                    <a:lnL w="9525" cap="flat" cmpd="sng" algn="ctr">
-                      <a:solidFill>
-                        <a:srgbClr val="DDDDDD"/>
-                      </a:solidFill>
-                      <a:prstDash val="solid"/>
-                      <a:round/>
-                      <a:headEnd type="none" w="med" len="med"/>
-                      <a:tailEnd type="none" w="med" len="med"/>
-                    </a:lnL>
-                    <a:lnT w="9525" cap="flat" cmpd="sng" algn="ctr">
-                      <a:solidFill>
-                        <a:srgbClr val="DDDDDD"/>
-                      </a:solidFill>
-                      <a:prstDash val="solid"/>
-                      <a:round/>
-                      <a:headEnd type="none" w="med" len="med"/>
-                      <a:tailEnd type="none" w="med" len="med"/>
-                    </a:lnT>
-                    <a:lnB w="9525" cap="flat" cmpd="sng" algn="ctr">
-                      <a:solidFill>
-                        <a:srgbClr val="DDDDDD"/>
-                      </a:solidFill>
-                      <a:prstDash val="solid"/>
-                      <a:round/>
-                      <a:headEnd type="none" w="med" len="med"/>
-                      <a:tailEnd type="none" w="med" len="med"/>
-                    </a:lnB>
-                  </a:tcPr>
-                </a:tc>
-              </a:tr>
-              <a:tr h="370824">
-                <a:tc>
-                  <a:txBody>
-                    <a:bodyPr/>
-                    <a:lstStyle/>
-                    <a:p>
-                      <a:pPr algn="l" fontAlgn="t"/>
-                      <a:r>
-                        <a:rPr lang="en-US" sz="1400" dirty="0">
-                          <a:effectLst/>
-                        </a:rPr>
-                        <a:t>CLRC</a:t>
-                      </a:r>
-                    </a:p>
-                  </a:txBody>
-                  <a:tcPr marL="76200" marR="76200" marT="76200" marB="76200">
-                    <a:lnL w="9525" cap="flat" cmpd="sng" algn="ctr">
-                      <a:solidFill>
-                        <a:srgbClr val="DDDDDD"/>
-                      </a:solidFill>
-                      <a:prstDash val="solid"/>
-                      <a:round/>
-                      <a:headEnd type="none" w="med" len="med"/>
-                      <a:tailEnd type="none" w="med" len="med"/>
-                    </a:lnL>
-                    <a:lnR w="9525" cap="flat" cmpd="sng" algn="ctr">
-                      <a:solidFill>
-                        <a:srgbClr val="DDDDDD"/>
-                      </a:solidFill>
-                      <a:prstDash val="solid"/>
-                      <a:round/>
-                      <a:headEnd type="none" w="med" len="med"/>
-                      <a:tailEnd type="none" w="med" len="med"/>
-                    </a:lnR>
-                    <a:lnT w="9525" cap="flat" cmpd="sng" algn="ctr">
-                      <a:solidFill>
-                        <a:srgbClr val="DDDDDD"/>
-                      </a:solidFill>
-                      <a:prstDash val="solid"/>
-                      <a:round/>
-                      <a:headEnd type="none" w="med" len="med"/>
-                      <a:tailEnd type="none" w="med" len="med"/>
-                    </a:lnT>
-                    <a:lnB w="9525" cap="flat" cmpd="sng" algn="ctr">
-                      <a:solidFill>
-                        <a:srgbClr val="DDDDDD"/>
-                      </a:solidFill>
-                      <a:prstDash val="solid"/>
-                      <a:round/>
-                      <a:headEnd type="none" w="med" len="med"/>
-                      <a:tailEnd type="none" w="med" len="med"/>
-                    </a:lnB>
-                    <a:solidFill>
-                      <a:srgbClr val="FFFFFF"/>
-                    </a:solidFill>
-                  </a:tcPr>
-                </a:tc>
-                <a:tc>
-                  <a:txBody>
-                    <a:bodyPr/>
-                    <a:lstStyle/>
-                    <a:p>
-                      <a:pPr algn="l" fontAlgn="t"/>
-                      <a:r>
-                        <a:rPr lang="en-US" sz="1400" dirty="0">
-                          <a:effectLst/>
-                        </a:rPr>
-                        <a:t>BIC #1, SR</a:t>
-                      </a:r>
-                    </a:p>
-                  </a:txBody>
-                  <a:tcPr marL="76200" marR="76200" marT="76200" marB="76200">
-                    <a:lnL w="9525" cap="flat" cmpd="sng" algn="ctr">
-                      <a:solidFill>
-                        <a:srgbClr val="DDDDDD"/>
-                      </a:solidFill>
-                      <a:prstDash val="solid"/>
-                      <a:round/>
-                      <a:headEnd type="none" w="med" len="med"/>
-                      <a:tailEnd type="none" w="med" len="med"/>
-                    </a:lnL>
-                    <a:lnR w="9525" cap="flat" cmpd="sng" algn="ctr">
-                      <a:solidFill>
-                        <a:srgbClr val="DDDDDD"/>
-                      </a:solidFill>
-                      <a:prstDash val="solid"/>
-                      <a:round/>
-                      <a:headEnd type="none" w="med" len="med"/>
-                      <a:tailEnd type="none" w="med" len="med"/>
-                    </a:lnR>
-                    <a:lnT w="9525" cap="flat" cmpd="sng" algn="ctr">
-                      <a:solidFill>
-                        <a:srgbClr val="DDDDDD"/>
-                      </a:solidFill>
-                      <a:prstDash val="solid"/>
-                      <a:round/>
-                      <a:headEnd type="none" w="med" len="med"/>
-                      <a:tailEnd type="none" w="med" len="med"/>
-                    </a:lnT>
-                    <a:lnB w="9525" cap="flat" cmpd="sng" algn="ctr">
-                      <a:solidFill>
-                        <a:srgbClr val="DDDDDD"/>
-                      </a:solidFill>
-                      <a:prstDash val="solid"/>
-                      <a:round/>
-                      <a:headEnd type="none" w="med" len="med"/>
-                      <a:tailEnd type="none" w="med" len="med"/>
-                    </a:lnB>
-                    <a:solidFill>
-                      <a:srgbClr val="FFFFFF"/>
-                    </a:solidFill>
-                  </a:tcPr>
-                </a:tc>
-                <a:tc>
-                  <a:txBody>
-                    <a:bodyPr/>
-                    <a:lstStyle/>
-                    <a:p>
-                      <a:pPr algn="l" fontAlgn="t"/>
-                      <a:endParaRPr lang="en-US" sz="1400" dirty="0">
-                        <a:effectLst/>
-                      </a:endParaRPr>
-                    </a:p>
-                  </a:txBody>
-                  <a:tcPr marL="76200" marR="76200" marT="76200" marB="76200">
-                    <a:lnL w="9525" cap="flat" cmpd="sng" algn="ctr">
-                      <a:solidFill>
-                        <a:srgbClr val="DDDDDD"/>
-                      </a:solidFill>
-                      <a:prstDash val="solid"/>
-                      <a:round/>
-                      <a:headEnd type="none" w="med" len="med"/>
-                      <a:tailEnd type="none" w="med" len="med"/>
-                    </a:lnL>
-                    <a:lnT w="9525" cap="flat" cmpd="sng" algn="ctr">
-                      <a:solidFill>
-                        <a:srgbClr val="DDDDDD"/>
-                      </a:solidFill>
-                      <a:prstDash val="solid"/>
-                      <a:round/>
-                      <a:headEnd type="none" w="med" len="med"/>
-                      <a:tailEnd type="none" w="med" len="med"/>
-                    </a:lnT>
-                    <a:lnB w="9525" cap="flat" cmpd="sng" algn="ctr">
-                      <a:solidFill>
-                        <a:srgbClr val="DDDDDD"/>
-                      </a:solidFill>
-                      <a:prstDash val="solid"/>
-                      <a:round/>
-                      <a:headEnd type="none" w="med" len="med"/>
-                      <a:tailEnd type="none" w="med" len="med"/>
-                    </a:lnB>
-                  </a:tcPr>
-                </a:tc>
-              </a:tr>
-              <a:tr h="370824">
-                <a:tc>
-                  <a:txBody>
-                    <a:bodyPr/>
-                    <a:lstStyle/>
-                    <a:p>
-                      <a:pPr algn="l" fontAlgn="t"/>
-                      <a:r>
-                        <a:rPr lang="en-US" sz="1400">
-                          <a:effectLst/>
-                        </a:rPr>
-                        <a:t>SETC</a:t>
-                      </a:r>
-                    </a:p>
-                  </a:txBody>
-                  <a:tcPr marL="76200" marR="76200" marT="76200" marB="76200">
-                    <a:lnL w="9525" cap="flat" cmpd="sng" algn="ctr">
-                      <a:solidFill>
-                        <a:srgbClr val="DDDDDD"/>
-                      </a:solidFill>
-                      <a:prstDash val="solid"/>
-                      <a:round/>
-                      <a:headEnd type="none" w="med" len="med"/>
-                      <a:tailEnd type="none" w="med" len="med"/>
-                    </a:lnL>
-                    <a:lnR w="9525" cap="flat" cmpd="sng" algn="ctr">
-                      <a:solidFill>
-                        <a:srgbClr val="DDDDDD"/>
-                      </a:solidFill>
-                      <a:prstDash val="solid"/>
-                      <a:round/>
-                      <a:headEnd type="none" w="med" len="med"/>
-                      <a:tailEnd type="none" w="med" len="med"/>
-                    </a:lnR>
-                    <a:lnT w="9525" cap="flat" cmpd="sng" algn="ctr">
-                      <a:solidFill>
-                        <a:srgbClr val="DDDDDD"/>
-                      </a:solidFill>
-                      <a:prstDash val="solid"/>
-                      <a:round/>
-                      <a:headEnd type="none" w="med" len="med"/>
-                      <a:tailEnd type="none" w="med" len="med"/>
-                    </a:lnT>
-                    <a:lnB w="9525" cap="flat" cmpd="sng" algn="ctr">
-                      <a:solidFill>
-                        <a:srgbClr val="DDDDDD"/>
-                      </a:solidFill>
-                      <a:prstDash val="solid"/>
-                      <a:round/>
-                      <a:headEnd type="none" w="med" len="med"/>
-                      <a:tailEnd type="none" w="med" len="med"/>
-                    </a:lnB>
-                    <a:solidFill>
-                      <a:srgbClr val="FFFFFF"/>
-                    </a:solidFill>
-                  </a:tcPr>
-                </a:tc>
-                <a:tc>
-                  <a:txBody>
-                    <a:bodyPr/>
-                    <a:lstStyle/>
-                    <a:p>
-                      <a:pPr algn="l" fontAlgn="t"/>
-                      <a:r>
-                        <a:rPr lang="en-US" sz="1400">
-                          <a:effectLst/>
-                        </a:rPr>
-                        <a:t>BIS #1, SR</a:t>
-                      </a:r>
-                    </a:p>
-                  </a:txBody>
-                  <a:tcPr marL="76200" marR="76200" marT="76200" marB="76200">
-                    <a:lnL w="9525" cap="flat" cmpd="sng" algn="ctr">
-                      <a:solidFill>
-                        <a:srgbClr val="DDDDDD"/>
-                      </a:solidFill>
-                      <a:prstDash val="solid"/>
-                      <a:round/>
-                      <a:headEnd type="none" w="med" len="med"/>
-                      <a:tailEnd type="none" w="med" len="med"/>
-                    </a:lnL>
-                    <a:lnR w="9525" cap="flat" cmpd="sng" algn="ctr">
-                      <a:solidFill>
-                        <a:srgbClr val="DDDDDD"/>
-                      </a:solidFill>
-                      <a:prstDash val="solid"/>
-                      <a:round/>
-                      <a:headEnd type="none" w="med" len="med"/>
-                      <a:tailEnd type="none" w="med" len="med"/>
-                    </a:lnR>
-                    <a:lnT w="9525" cap="flat" cmpd="sng" algn="ctr">
-                      <a:solidFill>
-                        <a:srgbClr val="DDDDDD"/>
-                      </a:solidFill>
-                      <a:prstDash val="solid"/>
-                      <a:round/>
-                      <a:headEnd type="none" w="med" len="med"/>
-                      <a:tailEnd type="none" w="med" len="med"/>
-                    </a:lnT>
-                    <a:lnB w="9525" cap="flat" cmpd="sng" algn="ctr">
-                      <a:solidFill>
-                        <a:srgbClr val="DDDDDD"/>
-                      </a:solidFill>
-                      <a:prstDash val="solid"/>
-                      <a:round/>
-                      <a:headEnd type="none" w="med" len="med"/>
-                      <a:tailEnd type="none" w="med" len="med"/>
-                    </a:lnB>
-                    <a:solidFill>
-                      <a:srgbClr val="FFFFFF"/>
-                    </a:solidFill>
-                  </a:tcPr>
-                </a:tc>
-                <a:tc>
-                  <a:txBody>
-                    <a:bodyPr/>
-                    <a:lstStyle/>
-                    <a:p>
-                      <a:pPr algn="l" fontAlgn="t"/>
-                      <a:endParaRPr lang="en-US" sz="1400" dirty="0">
-                        <a:effectLst/>
-                      </a:endParaRPr>
-                    </a:p>
-                  </a:txBody>
-                  <a:tcPr marL="76200" marR="76200" marT="76200" marB="76200">
-                    <a:lnL w="9525" cap="flat" cmpd="sng" algn="ctr">
-                      <a:solidFill>
-                        <a:srgbClr val="DDDDDD"/>
-                      </a:solidFill>
-                      <a:prstDash val="solid"/>
-                      <a:round/>
-                      <a:headEnd type="none" w="med" len="med"/>
-                      <a:tailEnd type="none" w="med" len="med"/>
-                    </a:lnL>
-                    <a:lnT w="9525" cap="flat" cmpd="sng" algn="ctr">
-                      <a:solidFill>
-                        <a:srgbClr val="DDDDDD"/>
-                      </a:solidFill>
-                      <a:prstDash val="solid"/>
-                      <a:round/>
-                      <a:headEnd type="none" w="med" len="med"/>
-                      <a:tailEnd type="none" w="med" len="med"/>
-                    </a:lnT>
-                    <a:lnB w="9525" cap="flat" cmpd="sng" algn="ctr">
-                      <a:solidFill>
-                        <a:srgbClr val="DDDDDD"/>
-                      </a:solidFill>
-                      <a:prstDash val="solid"/>
-                      <a:round/>
-                      <a:headEnd type="none" w="med" len="med"/>
-                      <a:tailEnd type="none" w="med" len="med"/>
-                    </a:lnB>
-                  </a:tcPr>
-                </a:tc>
-              </a:tr>
-              <a:tr h="370824">
-                <a:tc>
-                  <a:txBody>
-                    <a:bodyPr/>
-                    <a:lstStyle/>
-                    <a:p>
-                      <a:pPr algn="l" fontAlgn="t"/>
-                      <a:r>
-                        <a:rPr lang="en-US" sz="1400">
-                          <a:effectLst/>
-                        </a:rPr>
-                        <a:t>CLRZ</a:t>
-                      </a:r>
-                    </a:p>
-                  </a:txBody>
-                  <a:tcPr marL="76200" marR="76200" marT="76200" marB="76200">
-                    <a:lnL w="9525" cap="flat" cmpd="sng" algn="ctr">
-                      <a:solidFill>
-                        <a:srgbClr val="DDDDDD"/>
-                      </a:solidFill>
-                      <a:prstDash val="solid"/>
-                      <a:round/>
-                      <a:headEnd type="none" w="med" len="med"/>
-                      <a:tailEnd type="none" w="med" len="med"/>
-                    </a:lnL>
-                    <a:lnR w="9525" cap="flat" cmpd="sng" algn="ctr">
-                      <a:solidFill>
-                        <a:srgbClr val="DDDDDD"/>
-                      </a:solidFill>
-                      <a:prstDash val="solid"/>
-                      <a:round/>
-                      <a:headEnd type="none" w="med" len="med"/>
-                      <a:tailEnd type="none" w="med" len="med"/>
-                    </a:lnR>
-                    <a:lnT w="9525" cap="flat" cmpd="sng" algn="ctr">
-                      <a:solidFill>
-                        <a:srgbClr val="DDDDDD"/>
-                      </a:solidFill>
-                      <a:prstDash val="solid"/>
-                      <a:round/>
-                      <a:headEnd type="none" w="med" len="med"/>
-                      <a:tailEnd type="none" w="med" len="med"/>
-                    </a:lnT>
-                    <a:lnB w="9525" cap="flat" cmpd="sng" algn="ctr">
-                      <a:solidFill>
-                        <a:srgbClr val="DDDDDD"/>
-                      </a:solidFill>
-                      <a:prstDash val="solid"/>
-                      <a:round/>
-                      <a:headEnd type="none" w="med" len="med"/>
-                      <a:tailEnd type="none" w="med" len="med"/>
-                    </a:lnB>
-                    <a:solidFill>
-                      <a:srgbClr val="FFFFFF"/>
-                    </a:solidFill>
-                  </a:tcPr>
-                </a:tc>
-                <a:tc>
-                  <a:txBody>
-                    <a:bodyPr/>
-                    <a:lstStyle/>
-                    <a:p>
-                      <a:pPr algn="l" fontAlgn="t"/>
-                      <a:r>
-                        <a:rPr lang="en-US" sz="1400">
-                          <a:effectLst/>
-                        </a:rPr>
-                        <a:t>BIC #2, SR</a:t>
-                      </a:r>
-                    </a:p>
-                  </a:txBody>
-                  <a:tcPr marL="76200" marR="76200" marT="76200" marB="76200">
-                    <a:lnL w="9525" cap="flat" cmpd="sng" algn="ctr">
-                      <a:solidFill>
-                        <a:srgbClr val="DDDDDD"/>
-                      </a:solidFill>
-                      <a:prstDash val="solid"/>
-                      <a:round/>
-                      <a:headEnd type="none" w="med" len="med"/>
-                      <a:tailEnd type="none" w="med" len="med"/>
-                    </a:lnL>
-                    <a:lnR w="9525" cap="flat" cmpd="sng" algn="ctr">
-                      <a:solidFill>
-                        <a:srgbClr val="DDDDDD"/>
-                      </a:solidFill>
-                      <a:prstDash val="solid"/>
-                      <a:round/>
-                      <a:headEnd type="none" w="med" len="med"/>
-                      <a:tailEnd type="none" w="med" len="med"/>
-                    </a:lnR>
-                    <a:lnT w="9525" cap="flat" cmpd="sng" algn="ctr">
-                      <a:solidFill>
-                        <a:srgbClr val="DDDDDD"/>
-                      </a:solidFill>
-                      <a:prstDash val="solid"/>
-                      <a:round/>
-                      <a:headEnd type="none" w="med" len="med"/>
-                      <a:tailEnd type="none" w="med" len="med"/>
-                    </a:lnT>
-                    <a:lnB w="9525" cap="flat" cmpd="sng" algn="ctr">
-                      <a:solidFill>
-                        <a:srgbClr val="DDDDDD"/>
-                      </a:solidFill>
-                      <a:prstDash val="solid"/>
-                      <a:round/>
-                      <a:headEnd type="none" w="med" len="med"/>
-                      <a:tailEnd type="none" w="med" len="med"/>
-                    </a:lnB>
-                    <a:solidFill>
-                      <a:srgbClr val="FFFFFF"/>
-                    </a:solidFill>
-                  </a:tcPr>
-                </a:tc>
-                <a:tc>
-                  <a:txBody>
-                    <a:bodyPr/>
-                    <a:lstStyle/>
-                    <a:p>
-                      <a:pPr algn="l" fontAlgn="t"/>
-                      <a:endParaRPr lang="en-US" sz="1400" dirty="0">
-                        <a:effectLst/>
-                      </a:endParaRPr>
-                    </a:p>
-                  </a:txBody>
-                  <a:tcPr marL="76200" marR="76200" marT="76200" marB="76200">
-                    <a:lnL w="9525" cap="flat" cmpd="sng" algn="ctr">
-                      <a:solidFill>
-                        <a:srgbClr val="DDDDDD"/>
-                      </a:solidFill>
-                      <a:prstDash val="solid"/>
-                      <a:round/>
-                      <a:headEnd type="none" w="med" len="med"/>
-                      <a:tailEnd type="none" w="med" len="med"/>
-                    </a:lnL>
-                    <a:lnT w="9525" cap="flat" cmpd="sng" algn="ctr">
-                      <a:solidFill>
-                        <a:srgbClr val="DDDDDD"/>
-                      </a:solidFill>
-                      <a:prstDash val="solid"/>
-                      <a:round/>
-                      <a:headEnd type="none" w="med" len="med"/>
-                      <a:tailEnd type="none" w="med" len="med"/>
-                    </a:lnT>
-                    <a:lnB w="9525" cap="flat" cmpd="sng" algn="ctr">
-                      <a:solidFill>
-                        <a:srgbClr val="DDDDDD"/>
-                      </a:solidFill>
-                      <a:prstDash val="solid"/>
-                      <a:round/>
-                      <a:headEnd type="none" w="med" len="med"/>
-                      <a:tailEnd type="none" w="med" len="med"/>
-                    </a:lnB>
-                  </a:tcPr>
-                </a:tc>
-              </a:tr>
-              <a:tr h="370824">
-                <a:tc>
-                  <a:txBody>
-                    <a:bodyPr/>
-                    <a:lstStyle/>
-                    <a:p>
-                      <a:pPr algn="l" fontAlgn="t"/>
-                      <a:r>
-                        <a:rPr lang="en-US" sz="1400">
-                          <a:effectLst/>
-                        </a:rPr>
-                        <a:t>SETZ</a:t>
-                      </a:r>
-                    </a:p>
-                  </a:txBody>
-                  <a:tcPr marL="76200" marR="76200" marT="76200" marB="76200">
-                    <a:lnL w="9525" cap="flat" cmpd="sng" algn="ctr">
-                      <a:solidFill>
-                        <a:srgbClr val="DDDDDD"/>
-                      </a:solidFill>
-                      <a:prstDash val="solid"/>
-                      <a:round/>
-                      <a:headEnd type="none" w="med" len="med"/>
-                      <a:tailEnd type="none" w="med" len="med"/>
-                    </a:lnL>
-                    <a:lnR w="9525" cap="flat" cmpd="sng" algn="ctr">
-                      <a:solidFill>
-                        <a:srgbClr val="DDDDDD"/>
-                      </a:solidFill>
-                      <a:prstDash val="solid"/>
-                      <a:round/>
-                      <a:headEnd type="none" w="med" len="med"/>
-                      <a:tailEnd type="none" w="med" len="med"/>
-                    </a:lnR>
-                    <a:lnT w="9525" cap="flat" cmpd="sng" algn="ctr">
-                      <a:solidFill>
-                        <a:srgbClr val="DDDDDD"/>
-                      </a:solidFill>
-                      <a:prstDash val="solid"/>
-                      <a:round/>
-                      <a:headEnd type="none" w="med" len="med"/>
-                      <a:tailEnd type="none" w="med" len="med"/>
-                    </a:lnT>
-                    <a:lnB w="9525" cap="flat" cmpd="sng" algn="ctr">
-                      <a:solidFill>
-                        <a:srgbClr val="DDDDDD"/>
-                      </a:solidFill>
-                      <a:prstDash val="solid"/>
-                      <a:round/>
-                      <a:headEnd type="none" w="med" len="med"/>
-                      <a:tailEnd type="none" w="med" len="med"/>
-                    </a:lnB>
-                    <a:solidFill>
-                      <a:srgbClr val="FFFFFF"/>
-                    </a:solidFill>
-                  </a:tcPr>
-                </a:tc>
-                <a:tc>
-                  <a:txBody>
-                    <a:bodyPr/>
-                    <a:lstStyle/>
-                    <a:p>
-                      <a:pPr algn="l" fontAlgn="t"/>
-                      <a:r>
-                        <a:rPr lang="en-US" sz="1400">
-                          <a:effectLst/>
-                        </a:rPr>
-                        <a:t>BIS #2, SR</a:t>
-                      </a:r>
-                    </a:p>
-                  </a:txBody>
-                  <a:tcPr marL="76200" marR="76200" marT="76200" marB="76200">
-                    <a:lnL w="9525" cap="flat" cmpd="sng" algn="ctr">
-                      <a:solidFill>
-                        <a:srgbClr val="DDDDDD"/>
-                      </a:solidFill>
-                      <a:prstDash val="solid"/>
-                      <a:round/>
-                      <a:headEnd type="none" w="med" len="med"/>
-                      <a:tailEnd type="none" w="med" len="med"/>
-                    </a:lnL>
-                    <a:lnR w="9525" cap="flat" cmpd="sng" algn="ctr">
-                      <a:solidFill>
-                        <a:srgbClr val="DDDDDD"/>
-                      </a:solidFill>
-                      <a:prstDash val="solid"/>
-                      <a:round/>
-                      <a:headEnd type="none" w="med" len="med"/>
-                      <a:tailEnd type="none" w="med" len="med"/>
-                    </a:lnR>
-                    <a:lnT w="9525" cap="flat" cmpd="sng" algn="ctr">
-                      <a:solidFill>
-                        <a:srgbClr val="DDDDDD"/>
-                      </a:solidFill>
-                      <a:prstDash val="solid"/>
-                      <a:round/>
-                      <a:headEnd type="none" w="med" len="med"/>
-                      <a:tailEnd type="none" w="med" len="med"/>
-                    </a:lnT>
-                    <a:lnB w="9525" cap="flat" cmpd="sng" algn="ctr">
-                      <a:solidFill>
-                        <a:srgbClr val="DDDDDD"/>
-                      </a:solidFill>
-                      <a:prstDash val="solid"/>
-                      <a:round/>
-                      <a:headEnd type="none" w="med" len="med"/>
-                      <a:tailEnd type="none" w="med" len="med"/>
-                    </a:lnB>
-                    <a:solidFill>
-                      <a:srgbClr val="FFFFFF"/>
-                    </a:solidFill>
-                  </a:tcPr>
-                </a:tc>
-                <a:tc>
-                  <a:txBody>
-                    <a:bodyPr/>
-                    <a:lstStyle/>
-                    <a:p>
-                      <a:pPr algn="l" fontAlgn="t"/>
-                      <a:endParaRPr lang="en-US" sz="1400" dirty="0">
-                        <a:effectLst/>
-                      </a:endParaRPr>
-                    </a:p>
-                  </a:txBody>
-                  <a:tcPr marL="76200" marR="76200" marT="76200" marB="76200">
-                    <a:lnL w="9525" cap="flat" cmpd="sng" algn="ctr">
-                      <a:solidFill>
-                        <a:srgbClr val="DDDDDD"/>
-                      </a:solidFill>
-                      <a:prstDash val="solid"/>
-                      <a:round/>
-                      <a:headEnd type="none" w="med" len="med"/>
-                      <a:tailEnd type="none" w="med" len="med"/>
-                    </a:lnL>
-                    <a:lnT w="9525" cap="flat" cmpd="sng" algn="ctr">
-                      <a:solidFill>
-                        <a:srgbClr val="DDDDDD"/>
-                      </a:solidFill>
-                      <a:prstDash val="solid"/>
-                      <a:round/>
-                      <a:headEnd type="none" w="med" len="med"/>
-                      <a:tailEnd type="none" w="med" len="med"/>
-                    </a:lnT>
-                    <a:lnB w="9525" cap="flat" cmpd="sng" algn="ctr">
-                      <a:solidFill>
-                        <a:srgbClr val="DDDDDD"/>
-                      </a:solidFill>
-                      <a:prstDash val="solid"/>
-                      <a:round/>
-                      <a:headEnd type="none" w="med" len="med"/>
-                      <a:tailEnd type="none" w="med" len="med"/>
-                    </a:lnB>
-                  </a:tcPr>
-                </a:tc>
-              </a:tr>
-              <a:tr h="370824">
-                <a:tc>
-                  <a:txBody>
-                    <a:bodyPr/>
-                    <a:lstStyle/>
-                    <a:p>
-                      <a:pPr algn="l" fontAlgn="t"/>
-                      <a:r>
-                        <a:rPr lang="en-US" sz="1400">
-                          <a:effectLst/>
-                        </a:rPr>
-                        <a:t>CLRN</a:t>
-                      </a:r>
-                    </a:p>
-                  </a:txBody>
-                  <a:tcPr marL="76200" marR="76200" marT="76200" marB="76200">
-                    <a:lnL w="9525" cap="flat" cmpd="sng" algn="ctr">
-                      <a:solidFill>
-                        <a:srgbClr val="DDDDDD"/>
-                      </a:solidFill>
-                      <a:prstDash val="solid"/>
-                      <a:round/>
-                      <a:headEnd type="none" w="med" len="med"/>
-                      <a:tailEnd type="none" w="med" len="med"/>
-                    </a:lnL>
-                    <a:lnR w="9525" cap="flat" cmpd="sng" algn="ctr">
-                      <a:solidFill>
-                        <a:srgbClr val="DDDDDD"/>
-                      </a:solidFill>
-                      <a:prstDash val="solid"/>
-                      <a:round/>
-                      <a:headEnd type="none" w="med" len="med"/>
-                      <a:tailEnd type="none" w="med" len="med"/>
-                    </a:lnR>
-                    <a:lnT w="9525" cap="flat" cmpd="sng" algn="ctr">
-                      <a:solidFill>
-                        <a:srgbClr val="DDDDDD"/>
-                      </a:solidFill>
-                      <a:prstDash val="solid"/>
-                      <a:round/>
-                      <a:headEnd type="none" w="med" len="med"/>
-                      <a:tailEnd type="none" w="med" len="med"/>
-                    </a:lnT>
-                    <a:lnB w="9525" cap="flat" cmpd="sng" algn="ctr">
-                      <a:solidFill>
-                        <a:srgbClr val="DDDDDD"/>
-                      </a:solidFill>
-                      <a:prstDash val="solid"/>
-                      <a:round/>
-                      <a:headEnd type="none" w="med" len="med"/>
-                      <a:tailEnd type="none" w="med" len="med"/>
-                    </a:lnB>
-                    <a:solidFill>
-                      <a:srgbClr val="FFFFFF"/>
-                    </a:solidFill>
-                  </a:tcPr>
-                </a:tc>
-                <a:tc>
-                  <a:txBody>
-                    <a:bodyPr/>
-                    <a:lstStyle/>
-                    <a:p>
-                      <a:pPr algn="l" fontAlgn="t"/>
-                      <a:r>
-                        <a:rPr lang="en-US" sz="1400">
-                          <a:effectLst/>
-                        </a:rPr>
-                        <a:t>BIC #4, SR</a:t>
-                      </a:r>
-                    </a:p>
-                  </a:txBody>
-                  <a:tcPr marL="76200" marR="76200" marT="76200" marB="76200">
-                    <a:lnL w="9525" cap="flat" cmpd="sng" algn="ctr">
-                      <a:solidFill>
-                        <a:srgbClr val="DDDDDD"/>
-                      </a:solidFill>
-                      <a:prstDash val="solid"/>
-                      <a:round/>
-                      <a:headEnd type="none" w="med" len="med"/>
-                      <a:tailEnd type="none" w="med" len="med"/>
-                    </a:lnL>
-                    <a:lnR w="9525" cap="flat" cmpd="sng" algn="ctr">
-                      <a:solidFill>
-                        <a:srgbClr val="DDDDDD"/>
-                      </a:solidFill>
-                      <a:prstDash val="solid"/>
-                      <a:round/>
-                      <a:headEnd type="none" w="med" len="med"/>
-                      <a:tailEnd type="none" w="med" len="med"/>
-                    </a:lnR>
-                    <a:lnT w="9525" cap="flat" cmpd="sng" algn="ctr">
-                      <a:solidFill>
-                        <a:srgbClr val="DDDDDD"/>
-                      </a:solidFill>
-                      <a:prstDash val="solid"/>
-                      <a:round/>
-                      <a:headEnd type="none" w="med" len="med"/>
-                      <a:tailEnd type="none" w="med" len="med"/>
-                    </a:lnT>
-                    <a:lnB w="9525" cap="flat" cmpd="sng" algn="ctr">
-                      <a:solidFill>
-                        <a:srgbClr val="DDDDDD"/>
-                      </a:solidFill>
-                      <a:prstDash val="solid"/>
-                      <a:round/>
-                      <a:headEnd type="none" w="med" len="med"/>
-                      <a:tailEnd type="none" w="med" len="med"/>
-                    </a:lnB>
-                    <a:solidFill>
-                      <a:srgbClr val="FFFFFF"/>
-                    </a:solidFill>
-                  </a:tcPr>
-                </a:tc>
-                <a:tc>
-                  <a:txBody>
-                    <a:bodyPr/>
-                    <a:lstStyle/>
-                    <a:p>
-                      <a:pPr algn="l" fontAlgn="t"/>
-                      <a:endParaRPr lang="en-US" sz="1400" dirty="0">
-                        <a:effectLst/>
-                      </a:endParaRPr>
-                    </a:p>
-                  </a:txBody>
-                  <a:tcPr marL="76200" marR="76200" marT="76200" marB="76200">
-                    <a:lnL w="9525" cap="flat" cmpd="sng" algn="ctr">
-                      <a:solidFill>
-                        <a:srgbClr val="DDDDDD"/>
-                      </a:solidFill>
-                      <a:prstDash val="solid"/>
-                      <a:round/>
-                      <a:headEnd type="none" w="med" len="med"/>
-                      <a:tailEnd type="none" w="med" len="med"/>
-                    </a:lnL>
-                    <a:lnT w="9525" cap="flat" cmpd="sng" algn="ctr">
-                      <a:solidFill>
-                        <a:srgbClr val="DDDDDD"/>
-                      </a:solidFill>
-                      <a:prstDash val="solid"/>
-                      <a:round/>
-                      <a:headEnd type="none" w="med" len="med"/>
-                      <a:tailEnd type="none" w="med" len="med"/>
-                    </a:lnT>
-                    <a:lnB w="9525" cap="flat" cmpd="sng" algn="ctr">
-                      <a:solidFill>
-                        <a:srgbClr val="DDDDDD"/>
-                      </a:solidFill>
-                      <a:prstDash val="solid"/>
-                      <a:round/>
-                      <a:headEnd type="none" w="med" len="med"/>
-                      <a:tailEnd type="none" w="med" len="med"/>
-                    </a:lnB>
-                  </a:tcPr>
-                </a:tc>
-              </a:tr>
-              <a:tr h="370824">
-                <a:tc>
-                  <a:txBody>
-                    <a:bodyPr/>
-                    <a:lstStyle/>
-                    <a:p>
-                      <a:pPr algn="l" fontAlgn="t"/>
-                      <a:r>
-                        <a:rPr lang="en-US" sz="1400">
-                          <a:effectLst/>
-                        </a:rPr>
-                        <a:t>SETN</a:t>
-                      </a:r>
-                    </a:p>
-                  </a:txBody>
-                  <a:tcPr marL="76200" marR="76200" marT="76200" marB="76200">
-                    <a:lnL w="9525" cap="flat" cmpd="sng" algn="ctr">
-                      <a:solidFill>
-                        <a:srgbClr val="DDDDDD"/>
-                      </a:solidFill>
-                      <a:prstDash val="solid"/>
-                      <a:round/>
-                      <a:headEnd type="none" w="med" len="med"/>
-                      <a:tailEnd type="none" w="med" len="med"/>
-                    </a:lnL>
-                    <a:lnR w="9525" cap="flat" cmpd="sng" algn="ctr">
-                      <a:solidFill>
-                        <a:srgbClr val="DDDDDD"/>
-                      </a:solidFill>
-                      <a:prstDash val="solid"/>
-                      <a:round/>
-                      <a:headEnd type="none" w="med" len="med"/>
-                      <a:tailEnd type="none" w="med" len="med"/>
-                    </a:lnR>
-                    <a:lnT w="9525" cap="flat" cmpd="sng" algn="ctr">
-                      <a:solidFill>
-                        <a:srgbClr val="DDDDDD"/>
-                      </a:solidFill>
-                      <a:prstDash val="solid"/>
-                      <a:round/>
-                      <a:headEnd type="none" w="med" len="med"/>
-                      <a:tailEnd type="none" w="med" len="med"/>
-                    </a:lnT>
-                    <a:lnB w="9525" cap="flat" cmpd="sng" algn="ctr">
-                      <a:solidFill>
-                        <a:srgbClr val="DDDDDD"/>
-                      </a:solidFill>
-                      <a:prstDash val="solid"/>
-                      <a:round/>
-                      <a:headEnd type="none" w="med" len="med"/>
-                      <a:tailEnd type="none" w="med" len="med"/>
-                    </a:lnB>
-                    <a:solidFill>
-                      <a:srgbClr val="FFFFFF"/>
-                    </a:solidFill>
-                  </a:tcPr>
-                </a:tc>
-                <a:tc>
-                  <a:txBody>
-                    <a:bodyPr/>
-                    <a:lstStyle/>
-                    <a:p>
-                      <a:pPr algn="l" fontAlgn="t"/>
-                      <a:r>
-                        <a:rPr lang="en-US" sz="1400">
-                          <a:effectLst/>
-                        </a:rPr>
-                        <a:t>BIS #4, SR</a:t>
-                      </a:r>
-                    </a:p>
-                  </a:txBody>
-                  <a:tcPr marL="76200" marR="76200" marT="76200" marB="76200">
-                    <a:lnL w="9525" cap="flat" cmpd="sng" algn="ctr">
-                      <a:solidFill>
-                        <a:srgbClr val="DDDDDD"/>
-                      </a:solidFill>
-                      <a:prstDash val="solid"/>
-                      <a:round/>
-                      <a:headEnd type="none" w="med" len="med"/>
-                      <a:tailEnd type="none" w="med" len="med"/>
-                    </a:lnL>
-                    <a:lnR w="9525" cap="flat" cmpd="sng" algn="ctr">
-                      <a:solidFill>
-                        <a:srgbClr val="DDDDDD"/>
-                      </a:solidFill>
-                      <a:prstDash val="solid"/>
-                      <a:round/>
-                      <a:headEnd type="none" w="med" len="med"/>
-                      <a:tailEnd type="none" w="med" len="med"/>
-                    </a:lnR>
-                    <a:lnT w="9525" cap="flat" cmpd="sng" algn="ctr">
-                      <a:solidFill>
-                        <a:srgbClr val="DDDDDD"/>
-                      </a:solidFill>
-                      <a:prstDash val="solid"/>
-                      <a:round/>
-                      <a:headEnd type="none" w="med" len="med"/>
-                      <a:tailEnd type="none" w="med" len="med"/>
-                    </a:lnT>
-                    <a:lnB w="9525" cap="flat" cmpd="sng" algn="ctr">
-                      <a:solidFill>
-                        <a:srgbClr val="DDDDDD"/>
-                      </a:solidFill>
-                      <a:prstDash val="solid"/>
-                      <a:round/>
-                      <a:headEnd type="none" w="med" len="med"/>
-                      <a:tailEnd type="none" w="med" len="med"/>
-                    </a:lnB>
-                    <a:solidFill>
-                      <a:srgbClr val="FFFFFF"/>
-                    </a:solidFill>
-                  </a:tcPr>
-                </a:tc>
-                <a:tc>
-                  <a:txBody>
-                    <a:bodyPr/>
-                    <a:lstStyle/>
-                    <a:p>
-                      <a:pPr algn="l" fontAlgn="t"/>
-                      <a:endParaRPr lang="en-US" sz="1400" dirty="0">
-                        <a:effectLst/>
-                      </a:endParaRPr>
-                    </a:p>
-                  </a:txBody>
-                  <a:tcPr marL="76200" marR="76200" marT="76200" marB="76200">
-                    <a:lnL w="9525" cap="flat" cmpd="sng" algn="ctr">
-                      <a:solidFill>
-                        <a:srgbClr val="DDDDDD"/>
-                      </a:solidFill>
-                      <a:prstDash val="solid"/>
-                      <a:round/>
-                      <a:headEnd type="none" w="med" len="med"/>
-                      <a:tailEnd type="none" w="med" len="med"/>
-                    </a:lnL>
-                    <a:lnT w="9525" cap="flat" cmpd="sng" algn="ctr">
-                      <a:solidFill>
-                        <a:srgbClr val="DDDDDD"/>
-                      </a:solidFill>
-                      <a:prstDash val="solid"/>
-                      <a:round/>
-                      <a:headEnd type="none" w="med" len="med"/>
-                      <a:tailEnd type="none" w="med" len="med"/>
-                    </a:lnT>
-                    <a:lnB w="9525" cap="flat" cmpd="sng" algn="ctr">
-                      <a:solidFill>
-                        <a:srgbClr val="DDDDDD"/>
-                      </a:solidFill>
-                      <a:prstDash val="solid"/>
-                      <a:round/>
-                      <a:headEnd type="none" w="med" len="med"/>
-                      <a:tailEnd type="none" w="med" len="med"/>
-                    </a:lnB>
-                  </a:tcPr>
-                </a:tc>
-              </a:tr>
-              <a:tr h="370824">
-                <a:tc>
-                  <a:txBody>
-                    <a:bodyPr/>
-                    <a:lstStyle/>
-                    <a:p>
-                      <a:pPr algn="l" fontAlgn="t"/>
-                      <a:r>
-                        <a:rPr lang="en-US" sz="1400">
-                          <a:effectLst/>
-                        </a:rPr>
-                        <a:t>DINT</a:t>
-                      </a:r>
-                    </a:p>
-                  </a:txBody>
-                  <a:tcPr marL="76200" marR="76200" marT="76200" marB="76200">
-                    <a:lnL w="9525" cap="flat" cmpd="sng" algn="ctr">
-                      <a:solidFill>
-                        <a:srgbClr val="DDDDDD"/>
-                      </a:solidFill>
-                      <a:prstDash val="solid"/>
-                      <a:round/>
-                      <a:headEnd type="none" w="med" len="med"/>
-                      <a:tailEnd type="none" w="med" len="med"/>
-                    </a:lnL>
-                    <a:lnR w="9525" cap="flat" cmpd="sng" algn="ctr">
-                      <a:solidFill>
-                        <a:srgbClr val="DDDDDD"/>
-                      </a:solidFill>
-                      <a:prstDash val="solid"/>
-                      <a:round/>
-                      <a:headEnd type="none" w="med" len="med"/>
-                      <a:tailEnd type="none" w="med" len="med"/>
-                    </a:lnR>
-                    <a:lnT w="9525" cap="flat" cmpd="sng" algn="ctr">
-                      <a:solidFill>
-                        <a:srgbClr val="DDDDDD"/>
-                      </a:solidFill>
-                      <a:prstDash val="solid"/>
-                      <a:round/>
-                      <a:headEnd type="none" w="med" len="med"/>
-                      <a:tailEnd type="none" w="med" len="med"/>
-                    </a:lnT>
-                    <a:lnB w="9525" cap="flat" cmpd="sng" algn="ctr">
-                      <a:solidFill>
-                        <a:srgbClr val="DDDDDD"/>
-                      </a:solidFill>
-                      <a:prstDash val="solid"/>
-                      <a:round/>
-                      <a:headEnd type="none" w="med" len="med"/>
-                      <a:tailEnd type="none" w="med" len="med"/>
-                    </a:lnB>
-                    <a:solidFill>
-                      <a:srgbClr val="FFFFFF"/>
-                    </a:solidFill>
-                  </a:tcPr>
-                </a:tc>
-                <a:tc>
-                  <a:txBody>
-                    <a:bodyPr/>
-                    <a:lstStyle/>
-                    <a:p>
-                      <a:pPr algn="l" fontAlgn="t"/>
-                      <a:r>
-                        <a:rPr lang="en-US" sz="1400">
-                          <a:effectLst/>
-                        </a:rPr>
-                        <a:t>BIC #8, SR</a:t>
-                      </a:r>
-                    </a:p>
-                  </a:txBody>
-                  <a:tcPr marL="76200" marR="76200" marT="76200" marB="76200">
-                    <a:lnL w="9525" cap="flat" cmpd="sng" algn="ctr">
-                      <a:solidFill>
-                        <a:srgbClr val="DDDDDD"/>
-                      </a:solidFill>
-                      <a:prstDash val="solid"/>
-                      <a:round/>
-                      <a:headEnd type="none" w="med" len="med"/>
-                      <a:tailEnd type="none" w="med" len="med"/>
-                    </a:lnL>
-                    <a:lnR w="9525" cap="flat" cmpd="sng" algn="ctr">
-                      <a:solidFill>
-                        <a:srgbClr val="DDDDDD"/>
-                      </a:solidFill>
-                      <a:prstDash val="solid"/>
-                      <a:round/>
-                      <a:headEnd type="none" w="med" len="med"/>
-                      <a:tailEnd type="none" w="med" len="med"/>
-                    </a:lnR>
-                    <a:lnT w="9525" cap="flat" cmpd="sng" algn="ctr">
-                      <a:solidFill>
-                        <a:srgbClr val="DDDDDD"/>
-                      </a:solidFill>
-                      <a:prstDash val="solid"/>
-                      <a:round/>
-                      <a:headEnd type="none" w="med" len="med"/>
-                      <a:tailEnd type="none" w="med" len="med"/>
-                    </a:lnT>
-                    <a:lnB w="9525" cap="flat" cmpd="sng" algn="ctr">
-                      <a:solidFill>
-                        <a:srgbClr val="DDDDDD"/>
-                      </a:solidFill>
-                      <a:prstDash val="solid"/>
-                      <a:round/>
-                      <a:headEnd type="none" w="med" len="med"/>
-                      <a:tailEnd type="none" w="med" len="med"/>
-                    </a:lnB>
-                    <a:solidFill>
-                      <a:srgbClr val="FFFFFF"/>
-                    </a:solidFill>
-                  </a:tcPr>
-                </a:tc>
-                <a:tc>
-                  <a:txBody>
-                    <a:bodyPr/>
-                    <a:lstStyle/>
-                    <a:p>
-                      <a:pPr algn="l" fontAlgn="t"/>
-                      <a:endParaRPr lang="en-US" sz="1400" dirty="0">
-                        <a:effectLst/>
-                      </a:endParaRPr>
-                    </a:p>
-                  </a:txBody>
-                  <a:tcPr marL="76200" marR="76200" marT="76200" marB="76200">
-                    <a:lnL w="9525" cap="flat" cmpd="sng" algn="ctr">
-                      <a:solidFill>
-                        <a:srgbClr val="DDDDDD"/>
-                      </a:solidFill>
-                      <a:prstDash val="solid"/>
-                      <a:round/>
-                      <a:headEnd type="none" w="med" len="med"/>
-                      <a:tailEnd type="none" w="med" len="med"/>
-                    </a:lnL>
-                    <a:lnT w="9525" cap="flat" cmpd="sng" algn="ctr">
-                      <a:solidFill>
-                        <a:srgbClr val="DDDDDD"/>
-                      </a:solidFill>
-                      <a:prstDash val="solid"/>
-                      <a:round/>
-                      <a:headEnd type="none" w="med" len="med"/>
-                      <a:tailEnd type="none" w="med" len="med"/>
-                    </a:lnT>
-                    <a:lnB w="9525" cap="flat" cmpd="sng" algn="ctr">
-                      <a:solidFill>
-                        <a:srgbClr val="DDDDDD"/>
-                      </a:solidFill>
-                      <a:prstDash val="solid"/>
-                      <a:round/>
-                      <a:headEnd type="none" w="med" len="med"/>
-                      <a:tailEnd type="none" w="med" len="med"/>
-                    </a:lnB>
-                  </a:tcPr>
-                </a:tc>
-              </a:tr>
-              <a:tr h="370824">
-                <a:tc>
-                  <a:txBody>
-                    <a:bodyPr/>
-                    <a:lstStyle/>
-                    <a:p>
-                      <a:pPr algn="l" fontAlgn="t"/>
-                      <a:r>
-                        <a:rPr lang="en-US" sz="1400">
-                          <a:effectLst/>
-                        </a:rPr>
-                        <a:t>EINT</a:t>
-                      </a:r>
-                    </a:p>
-                  </a:txBody>
-                  <a:tcPr marL="76200" marR="76200" marT="76200" marB="76200">
-                    <a:lnL w="9525" cap="flat" cmpd="sng" algn="ctr">
-                      <a:solidFill>
-                        <a:srgbClr val="DDDDDD"/>
-                      </a:solidFill>
-                      <a:prstDash val="solid"/>
-                      <a:round/>
-                      <a:headEnd type="none" w="med" len="med"/>
-                      <a:tailEnd type="none" w="med" len="med"/>
-                    </a:lnL>
-                    <a:lnR w="9525" cap="flat" cmpd="sng" algn="ctr">
-                      <a:solidFill>
-                        <a:srgbClr val="DDDDDD"/>
-                      </a:solidFill>
-                      <a:prstDash val="solid"/>
-                      <a:round/>
-                      <a:headEnd type="none" w="med" len="med"/>
-                      <a:tailEnd type="none" w="med" len="med"/>
-                    </a:lnR>
-                    <a:lnT w="9525" cap="flat" cmpd="sng" algn="ctr">
-                      <a:solidFill>
-                        <a:srgbClr val="DDDDDD"/>
-                      </a:solidFill>
-                      <a:prstDash val="solid"/>
-                      <a:round/>
-                      <a:headEnd type="none" w="med" len="med"/>
-                      <a:tailEnd type="none" w="med" len="med"/>
-                    </a:lnT>
-                    <a:lnB w="9525" cap="flat" cmpd="sng" algn="ctr">
-                      <a:solidFill>
-                        <a:srgbClr val="DDDDDD"/>
-                      </a:solidFill>
-                      <a:prstDash val="solid"/>
-                      <a:round/>
-                      <a:headEnd type="none" w="med" len="med"/>
-                      <a:tailEnd type="none" w="med" len="med"/>
-                    </a:lnB>
-                    <a:solidFill>
-                      <a:srgbClr val="FFFFFF"/>
-                    </a:solidFill>
-                  </a:tcPr>
-                </a:tc>
-                <a:tc>
-                  <a:txBody>
-                    <a:bodyPr/>
-                    <a:lstStyle/>
-                    <a:p>
-                      <a:pPr algn="l" fontAlgn="t"/>
-                      <a:r>
-                        <a:rPr lang="en-US" sz="1400" dirty="0">
-                          <a:effectLst/>
-                        </a:rPr>
-                        <a:t>BIS #8, SR</a:t>
-                      </a:r>
-                    </a:p>
-                  </a:txBody>
-                  <a:tcPr marL="76200" marR="76200" marT="76200" marB="76200">
-                    <a:lnL w="9525" cap="flat" cmpd="sng" algn="ctr">
-                      <a:solidFill>
-                        <a:srgbClr val="DDDDDD"/>
-                      </a:solidFill>
-                      <a:prstDash val="solid"/>
-                      <a:round/>
-                      <a:headEnd type="none" w="med" len="med"/>
-                      <a:tailEnd type="none" w="med" len="med"/>
-                    </a:lnL>
-                    <a:lnR w="9525" cap="flat" cmpd="sng" algn="ctr">
-                      <a:solidFill>
-                        <a:srgbClr val="DDDDDD"/>
-                      </a:solidFill>
-                      <a:prstDash val="solid"/>
-                      <a:round/>
-                      <a:headEnd type="none" w="med" len="med"/>
-                      <a:tailEnd type="none" w="med" len="med"/>
-                    </a:lnR>
-                    <a:lnT w="9525" cap="flat" cmpd="sng" algn="ctr">
-                      <a:solidFill>
-                        <a:srgbClr val="DDDDDD"/>
-                      </a:solidFill>
-                      <a:prstDash val="solid"/>
-                      <a:round/>
-                      <a:headEnd type="none" w="med" len="med"/>
-                      <a:tailEnd type="none" w="med" len="med"/>
-                    </a:lnT>
-                    <a:lnB w="9525" cap="flat" cmpd="sng" algn="ctr">
-                      <a:solidFill>
-                        <a:srgbClr val="DDDDDD"/>
-                      </a:solidFill>
-                      <a:prstDash val="solid"/>
-                      <a:round/>
-                      <a:headEnd type="none" w="med" len="med"/>
-                      <a:tailEnd type="none" w="med" len="med"/>
-                    </a:lnB>
-                    <a:solidFill>
-                      <a:srgbClr val="FFFFFF"/>
-                    </a:solidFill>
-                  </a:tcPr>
-                </a:tc>
-                <a:tc>
-                  <a:txBody>
-                    <a:bodyPr/>
-                    <a:lstStyle/>
-                    <a:p>
-                      <a:pPr algn="l" fontAlgn="t"/>
-                      <a:endParaRPr lang="en-US" sz="1400" dirty="0">
-                        <a:effectLst/>
-                      </a:endParaRPr>
-                    </a:p>
-                  </a:txBody>
-                  <a:tcPr marL="76200" marR="76200" marT="76200" marB="76200">
-                    <a:lnL w="9525" cap="flat" cmpd="sng" algn="ctr">
-                      <a:solidFill>
-                        <a:srgbClr val="DDDDDD"/>
-                      </a:solidFill>
-                      <a:prstDash val="solid"/>
-                      <a:round/>
-                      <a:headEnd type="none" w="med" len="med"/>
-                      <a:tailEnd type="none" w="med" len="med"/>
-                    </a:lnL>
-                    <a:lnT w="9525" cap="flat" cmpd="sng" algn="ctr">
-                      <a:solidFill>
-                        <a:srgbClr val="DDDDDD"/>
-                      </a:solidFill>
-                      <a:prstDash val="solid"/>
-                      <a:round/>
-                      <a:headEnd type="none" w="med" len="med"/>
-                      <a:tailEnd type="none" w="med" len="med"/>
-                    </a:lnT>
-                  </a:tcPr>
-                </a:tc>
-              </a:tr>
-            </a:tbl>
-          </a:graphicData>
-        </a:graphic>
-      </p:graphicFrame>
-    </p:spTree>
-    <p:extLst>
-      <p:ext uri="{BB962C8B-B14F-4D97-AF65-F5344CB8AC3E}">
-        <p14:creationId xmlns:p14="http://schemas.microsoft.com/office/powerpoint/2010/main" val="1098887325"/>
-      </p:ext>
-    </p:extLst>
-  </p:cSld>
-  <p:clrMapOvr>
-    <a:masterClrMapping/>
-  </p:clrMapOvr>
-  <p:timing>
-    <p:tnLst>
-      <p:par>
-        <p:cTn id="1" dur="indefinite" restart="never" nodeType="tmRoot"/>
-      </p:par>
-    </p:tnLst>
-  </p:timing>
-</p:sld>
-</file>
-
-<file path=ppt/slides/slide27.xml><?xml version="1.0" encoding="utf-8"?>
-<p:sld xmlns:a="http://schemas.openxmlformats.org/drawingml/2006/main" xmlns:r="http://schemas.openxmlformats.org/officeDocument/2006/relationships" xmlns:p="http://schemas.openxmlformats.org/presentationml/2006/main">
-  <p:cSld>
-    <p:spTree>
-      <p:nvGrpSpPr>
-        <p:cNvPr id="1" name=""/>
-        <p:cNvGrpSpPr/>
-        <p:nvPr/>
-      </p:nvGrpSpPr>
-      <p:grpSpPr>
-        <a:xfrm>
-          <a:off x="0" y="0"/>
-          <a:ext cx="0" cy="0"/>
-          <a:chOff x="0" y="0"/>
-          <a:chExt cx="0" cy="0"/>
-        </a:xfrm>
-      </p:grpSpPr>
-      <p:sp>
-        <p:nvSpPr>
-          <p:cNvPr id="2" name="Title 1"/>
-          <p:cNvSpPr>
-            <a:spLocks noGrp="1"/>
-          </p:cNvSpPr>
-          <p:nvPr>
-            <p:ph type="title"/>
-          </p:nvPr>
-        </p:nvSpPr>
-        <p:spPr/>
-        <p:txBody>
-          <a:bodyPr/>
-          <a:lstStyle/>
-          <a:p>
-            <a:r>
-              <a:rPr lang="en-US" b="1" dirty="0" smtClean="0"/>
-              <a:t>More Emulated </a:t>
-            </a:r>
-            <a:r>
-              <a:rPr lang="en-US" b="1" dirty="0"/>
-              <a:t>Instructions</a:t>
-            </a:r>
-          </a:p>
-        </p:txBody>
-      </p:sp>
-      <p:sp>
-        <p:nvSpPr>
-          <p:cNvPr id="7" name="Rectangle 1"/>
-          <p:cNvSpPr>
-            <a:spLocks noChangeArrowheads="1"/>
-          </p:cNvSpPr>
-          <p:nvPr/>
-        </p:nvSpPr>
-        <p:spPr bwMode="auto">
-          <a:xfrm>
-            <a:off x="6115556" y="4767183"/>
-            <a:ext cx="219932" cy="523220"/>
-          </a:xfrm>
-          <a:prstGeom prst="rect">
-            <a:avLst/>
-          </a:prstGeom>
-          <a:noFill/>
-          <a:ln>
-            <a:noFill/>
-          </a:ln>
-          <a:effectLst/>
-          <a:extLst>
-            <a:ext uri="{909E8E84-426E-40DD-AFC4-6F175D3DCCD1}">
-              <a14:hiddenFill xmlns:a14="http://schemas.microsoft.com/office/drawing/2010/main">
-                <a:solidFill>
-                  <a:schemeClr val="accent1"/>
-                </a:solidFill>
-              </a14:hiddenFill>
-            </a:ext>
-            <a:ext uri="{91240B29-F687-4F45-9708-019B960494DF}">
-              <a14:hiddenLine xmlns:a14="http://schemas.microsoft.com/office/drawing/2010/main" w="9525">
-                <a:solidFill>
-                  <a:schemeClr val="tx1"/>
-                </a:solidFill>
-                <a:miter lim="800000"/>
-                <a:headEnd/>
-                <a:tailEnd/>
-              </a14:hiddenLine>
-            </a:ext>
-            <a:ext uri="{AF507438-7753-43E0-B8FC-AC1667EBCBE1}">
-              <a14:hiddenEffects xmlns:a14="http://schemas.microsoft.com/office/drawing/2010/main">
-                <a:effectLst>
-                  <a:outerShdw dist="35921" dir="2700000" algn="ctr" rotWithShape="0">
-                    <a:schemeClr val="bg2"/>
-                  </a:outerShdw>
-                </a:effectLst>
-              </a14:hiddenEffects>
-            </a:ext>
-          </a:extLst>
-        </p:spPr>
-        <p:txBody>
-          <a:bodyPr vert="horz" wrap="none" lIns="91440" tIns="45720" rIns="91440" bIns="45720" numCol="1" anchor="ctr" anchorCtr="0" compatLnSpc="1">
-            <a:prstTxWarp prst="textNoShape">
-              <a:avLst/>
-            </a:prstTxWarp>
-            <a:spAutoFit/>
-          </a:bodyPr>
-          <a:lstStyle/>
-          <a:p>
-            <a:pPr marL="0" marR="0" lvl="0" indent="0" algn="l" defTabSz="914400" rtl="0" eaLnBrk="1" fontAlgn="base" latinLnBrk="0" hangingPunct="1">
-              <a:lnSpc>
-                <a:spcPct val="100000"/>
-              </a:lnSpc>
-              <a:spcBef>
-                <a:spcPct val="0"/>
-              </a:spcBef>
-              <a:spcAft>
-                <a:spcPct val="0"/>
-              </a:spcAft>
-              <a:buClrTx/>
-              <a:buSzTx/>
-              <a:buFontTx/>
-              <a:buNone/>
-              <a:tabLst/>
-            </a:pPr>
-            <a:r>
-              <a:rPr kumimoji="0" lang="en-US" sz="1000" b="0" i="0" u="none" strike="noStrike" cap="none" normalizeH="0" baseline="0" dirty="0" smtClean="0">
-                <a:ln>
-                  <a:noFill/>
-                </a:ln>
-                <a:solidFill>
-                  <a:srgbClr val="333333"/>
-                </a:solidFill>
-                <a:effectLst/>
-                <a:latin typeface="Helvetica Neue"/>
-                <a:cs typeface="Arial" pitchFamily="34" charset="0"/>
-              </a:rPr>
-              <a:t>:</a:t>
-            </a:r>
-            <a:endParaRPr kumimoji="0" lang="en-US" sz="700" b="0" i="0" u="none" strike="noStrike" cap="none" normalizeH="0" baseline="0" dirty="0" smtClean="0">
-              <a:ln>
-                <a:noFill/>
-              </a:ln>
-              <a:solidFill>
-                <a:schemeClr val="tx1"/>
-              </a:solidFill>
-              <a:effectLst/>
-              <a:latin typeface="Arial" pitchFamily="34" charset="0"/>
-              <a:cs typeface="Arial" pitchFamily="34" charset="0"/>
-            </a:endParaRPr>
-          </a:p>
-          <a:p>
-            <a:pPr marL="0" marR="0" lvl="0" indent="0" algn="l" defTabSz="914400" rtl="0" eaLnBrk="0" fontAlgn="base" latinLnBrk="0" hangingPunct="0">
-              <a:lnSpc>
-                <a:spcPct val="100000"/>
-              </a:lnSpc>
-              <a:spcBef>
-                <a:spcPct val="0"/>
-              </a:spcBef>
-              <a:spcAft>
-                <a:spcPct val="0"/>
-              </a:spcAft>
-              <a:buClrTx/>
-              <a:buSzTx/>
-              <a:buFontTx/>
-              <a:buNone/>
-              <a:tabLst/>
-            </a:pPr>
-            <a:endParaRPr kumimoji="0" lang="en-US" sz="1800" b="0" i="0" u="none" strike="noStrike" cap="none" normalizeH="0" baseline="0" dirty="0" smtClean="0">
-              <a:ln>
-                <a:noFill/>
-              </a:ln>
-              <a:solidFill>
-                <a:schemeClr val="tx1"/>
-              </a:solidFill>
-              <a:effectLst/>
-              <a:latin typeface="Arial" pitchFamily="34" charset="0"/>
-              <a:cs typeface="Arial" pitchFamily="34" charset="0"/>
-            </a:endParaRPr>
-          </a:p>
-        </p:txBody>
-      </p:sp>
-      <p:graphicFrame>
-        <p:nvGraphicFramePr>
-          <p:cNvPr id="5" name="Content Placeholder 4"/>
-          <p:cNvGraphicFramePr>
-            <a:graphicFrameLocks noGrp="1"/>
-          </p:cNvGraphicFramePr>
-          <p:nvPr>
-            <p:ph idx="1"/>
-            <p:extLst/>
-          </p:nvPr>
-        </p:nvGraphicFramePr>
-        <p:xfrm>
-          <a:off x="564419" y="806508"/>
-          <a:ext cx="7772400" cy="5396034"/>
-        </p:xfrm>
-        <a:graphic>
-          <a:graphicData uri="http://schemas.openxmlformats.org/drawingml/2006/table">
-            <a:tbl>
-              <a:tblPr/>
-              <a:tblGrid>
-                <a:gridCol w="3886200"/>
-                <a:gridCol w="3886200"/>
-              </a:tblGrid>
-              <a:tr h="370824">
-                <a:tc>
-                  <a:txBody>
-                    <a:bodyPr/>
-                    <a:lstStyle/>
-                    <a:p>
-                      <a:pPr algn="l" fontAlgn="b"/>
-                      <a:r>
-                        <a:rPr lang="en-US" sz="1600" b="1" dirty="0">
-                          <a:effectLst/>
-                        </a:rPr>
-                        <a:t>Emulated Instruction</a:t>
-                      </a:r>
-                    </a:p>
-                  </a:txBody>
-                  <a:tcPr marL="66219" marR="66219" marT="66219" marB="66219" anchor="b">
-                    <a:lnL w="9525" cap="flat" cmpd="sng" algn="ctr">
-                      <a:solidFill>
-                        <a:srgbClr val="DDDDDD"/>
-                      </a:solidFill>
-                      <a:prstDash val="solid"/>
-                      <a:round/>
-                      <a:headEnd type="none" w="med" len="med"/>
-                      <a:tailEnd type="none" w="med" len="med"/>
-                    </a:lnL>
-                    <a:lnR w="9525" cap="flat" cmpd="sng" algn="ctr">
-                      <a:solidFill>
-                        <a:srgbClr val="DDDDDD"/>
-                      </a:solidFill>
-                      <a:prstDash val="solid"/>
-                      <a:round/>
-                      <a:headEnd type="none" w="med" len="med"/>
-                      <a:tailEnd type="none" w="med" len="med"/>
-                    </a:lnR>
-                    <a:lnT w="9525" cap="flat" cmpd="sng" algn="ctr">
-                      <a:solidFill>
-                        <a:srgbClr val="DDDDDD"/>
-                      </a:solidFill>
-                      <a:prstDash val="solid"/>
-                      <a:round/>
-                      <a:headEnd type="none" w="med" len="med"/>
-                      <a:tailEnd type="none" w="med" len="med"/>
-                    </a:lnT>
-                    <a:lnB w="9525" cap="flat" cmpd="sng" algn="ctr">
-                      <a:solidFill>
-                        <a:srgbClr val="DDDDDD"/>
-                      </a:solidFill>
-                      <a:prstDash val="solid"/>
-                      <a:round/>
-                      <a:headEnd type="none" w="med" len="med"/>
-                      <a:tailEnd type="none" w="med" len="med"/>
-                    </a:lnB>
-                    <a:solidFill>
-                      <a:srgbClr val="FFFFFF"/>
-                    </a:solidFill>
-                  </a:tcPr>
-                </a:tc>
-                <a:tc>
-                  <a:txBody>
-                    <a:bodyPr/>
-                    <a:lstStyle/>
-                    <a:p>
-                      <a:pPr algn="l" fontAlgn="b"/>
-                      <a:r>
-                        <a:rPr lang="en-US" sz="1600" b="1">
-                          <a:effectLst/>
-                        </a:rPr>
-                        <a:t>Assembly Instruction</a:t>
-                      </a:r>
-                    </a:p>
-                  </a:txBody>
-                  <a:tcPr marL="66219" marR="66219" marT="66219" marB="66219" anchor="b">
-                    <a:lnL w="9525" cap="flat" cmpd="sng" algn="ctr">
-                      <a:solidFill>
-                        <a:srgbClr val="DDDDDD"/>
-                      </a:solidFill>
-                      <a:prstDash val="solid"/>
-                      <a:round/>
-                      <a:headEnd type="none" w="med" len="med"/>
-                      <a:tailEnd type="none" w="med" len="med"/>
-                    </a:lnL>
-                    <a:lnR w="9525" cap="flat" cmpd="sng" algn="ctr">
-                      <a:solidFill>
-                        <a:srgbClr val="DDDDDD"/>
-                      </a:solidFill>
-                      <a:prstDash val="solid"/>
-                      <a:round/>
-                      <a:headEnd type="none" w="med" len="med"/>
-                      <a:tailEnd type="none" w="med" len="med"/>
-                    </a:lnR>
-                    <a:lnT w="9525" cap="flat" cmpd="sng" algn="ctr">
-                      <a:solidFill>
-                        <a:srgbClr val="DDDDDD"/>
-                      </a:solidFill>
-                      <a:prstDash val="solid"/>
-                      <a:round/>
-                      <a:headEnd type="none" w="med" len="med"/>
-                      <a:tailEnd type="none" w="med" len="med"/>
-                    </a:lnT>
-                    <a:lnB w="9525" cap="flat" cmpd="sng" algn="ctr">
-                      <a:solidFill>
-                        <a:srgbClr val="DDDDDD"/>
-                      </a:solidFill>
-                      <a:prstDash val="solid"/>
-                      <a:round/>
-                      <a:headEnd type="none" w="med" len="med"/>
-                      <a:tailEnd type="none" w="med" len="med"/>
-                    </a:lnB>
-                    <a:solidFill>
-                      <a:srgbClr val="FFFFFF"/>
-                    </a:solidFill>
-                  </a:tcPr>
-                </a:tc>
-              </a:tr>
-              <a:tr h="370824">
-                <a:tc>
-                  <a:txBody>
-                    <a:bodyPr/>
-                    <a:lstStyle/>
-                    <a:p>
-                      <a:pPr algn="l" fontAlgn="t"/>
-                      <a:r>
-                        <a:rPr lang="en-US" sz="1600">
-                          <a:effectLst/>
-                        </a:rPr>
-                        <a:t>RLA(.B)</a:t>
-                      </a:r>
-                    </a:p>
-                  </a:txBody>
-                  <a:tcPr marL="66219" marR="66219" marT="66219" marB="66219">
-                    <a:lnL w="9525" cap="flat" cmpd="sng" algn="ctr">
-                      <a:solidFill>
-                        <a:srgbClr val="DDDDDD"/>
-                      </a:solidFill>
-                      <a:prstDash val="solid"/>
-                      <a:round/>
-                      <a:headEnd type="none" w="med" len="med"/>
-                      <a:tailEnd type="none" w="med" len="med"/>
-                    </a:lnL>
-                    <a:lnR w="9525" cap="flat" cmpd="sng" algn="ctr">
-                      <a:solidFill>
-                        <a:srgbClr val="DDDDDD"/>
-                      </a:solidFill>
-                      <a:prstDash val="solid"/>
-                      <a:round/>
-                      <a:headEnd type="none" w="med" len="med"/>
-                      <a:tailEnd type="none" w="med" len="med"/>
-                    </a:lnR>
-                    <a:lnT w="9525" cap="flat" cmpd="sng" algn="ctr">
-                      <a:solidFill>
-                        <a:srgbClr val="DDDDDD"/>
-                      </a:solidFill>
-                      <a:prstDash val="solid"/>
-                      <a:round/>
-                      <a:headEnd type="none" w="med" len="med"/>
-                      <a:tailEnd type="none" w="med" len="med"/>
-                    </a:lnT>
-                    <a:lnB w="9525" cap="flat" cmpd="sng" algn="ctr">
-                      <a:solidFill>
-                        <a:srgbClr val="DDDDDD"/>
-                      </a:solidFill>
-                      <a:prstDash val="solid"/>
-                      <a:round/>
-                      <a:headEnd type="none" w="med" len="med"/>
-                      <a:tailEnd type="none" w="med" len="med"/>
-                    </a:lnB>
-                    <a:solidFill>
-                      <a:srgbClr val="F9F9F9"/>
-                    </a:solidFill>
-                  </a:tcPr>
-                </a:tc>
-                <a:tc>
-                  <a:txBody>
-                    <a:bodyPr/>
-                    <a:lstStyle/>
-                    <a:p>
-                      <a:pPr algn="l" fontAlgn="t"/>
-                      <a:r>
-                        <a:rPr lang="en-US" sz="1600">
-                          <a:effectLst/>
-                        </a:rPr>
-                        <a:t>ADD(.B) dst, dst</a:t>
-                      </a:r>
-                    </a:p>
-                  </a:txBody>
-                  <a:tcPr marL="66219" marR="66219" marT="66219" marB="66219">
-                    <a:lnL w="9525" cap="flat" cmpd="sng" algn="ctr">
-                      <a:solidFill>
-                        <a:srgbClr val="DDDDDD"/>
-                      </a:solidFill>
-                      <a:prstDash val="solid"/>
-                      <a:round/>
-                      <a:headEnd type="none" w="med" len="med"/>
-                      <a:tailEnd type="none" w="med" len="med"/>
-                    </a:lnL>
-                    <a:lnR w="9525" cap="flat" cmpd="sng" algn="ctr">
-                      <a:solidFill>
-                        <a:srgbClr val="DDDDDD"/>
-                      </a:solidFill>
-                      <a:prstDash val="solid"/>
-                      <a:round/>
-                      <a:headEnd type="none" w="med" len="med"/>
-                      <a:tailEnd type="none" w="med" len="med"/>
-                    </a:lnR>
-                    <a:lnT w="9525" cap="flat" cmpd="sng" algn="ctr">
-                      <a:solidFill>
-                        <a:srgbClr val="DDDDDD"/>
-                      </a:solidFill>
-                      <a:prstDash val="solid"/>
-                      <a:round/>
-                      <a:headEnd type="none" w="med" len="med"/>
-                      <a:tailEnd type="none" w="med" len="med"/>
-                    </a:lnT>
-                    <a:lnB w="9525" cap="flat" cmpd="sng" algn="ctr">
-                      <a:solidFill>
-                        <a:srgbClr val="DDDDDD"/>
-                      </a:solidFill>
-                      <a:prstDash val="solid"/>
-                      <a:round/>
-                      <a:headEnd type="none" w="med" len="med"/>
-                      <a:tailEnd type="none" w="med" len="med"/>
-                    </a:lnB>
-                    <a:solidFill>
-                      <a:srgbClr val="F9F9F9"/>
-                    </a:solidFill>
-                  </a:tcPr>
-                </a:tc>
-              </a:tr>
-              <a:tr h="370824">
-                <a:tc>
-                  <a:txBody>
-                    <a:bodyPr/>
-                    <a:lstStyle/>
-                    <a:p>
-                      <a:pPr algn="l" fontAlgn="t"/>
-                      <a:r>
-                        <a:rPr lang="en-US" sz="1600">
-                          <a:effectLst/>
-                        </a:rPr>
-                        <a:t>RLC(.B)</a:t>
-                      </a:r>
-                    </a:p>
-                  </a:txBody>
-                  <a:tcPr marL="66219" marR="66219" marT="66219" marB="66219">
-                    <a:lnL w="9525" cap="flat" cmpd="sng" algn="ctr">
-                      <a:solidFill>
-                        <a:srgbClr val="DDDDDD"/>
-                      </a:solidFill>
-                      <a:prstDash val="solid"/>
-                      <a:round/>
-                      <a:headEnd type="none" w="med" len="med"/>
-                      <a:tailEnd type="none" w="med" len="med"/>
-                    </a:lnL>
-                    <a:lnR w="9525" cap="flat" cmpd="sng" algn="ctr">
-                      <a:solidFill>
-                        <a:srgbClr val="DDDDDD"/>
-                      </a:solidFill>
-                      <a:prstDash val="solid"/>
-                      <a:round/>
-                      <a:headEnd type="none" w="med" len="med"/>
-                      <a:tailEnd type="none" w="med" len="med"/>
-                    </a:lnR>
-                    <a:lnT w="9525" cap="flat" cmpd="sng" algn="ctr">
-                      <a:solidFill>
-                        <a:srgbClr val="DDDDDD"/>
-                      </a:solidFill>
-                      <a:prstDash val="solid"/>
-                      <a:round/>
-                      <a:headEnd type="none" w="med" len="med"/>
-                      <a:tailEnd type="none" w="med" len="med"/>
-                    </a:lnT>
-                    <a:lnB w="9525" cap="flat" cmpd="sng" algn="ctr">
-                      <a:solidFill>
-                        <a:srgbClr val="DDDDDD"/>
-                      </a:solidFill>
-                      <a:prstDash val="solid"/>
-                      <a:round/>
-                      <a:headEnd type="none" w="med" len="med"/>
-                      <a:tailEnd type="none" w="med" len="med"/>
-                    </a:lnB>
-                    <a:solidFill>
-                      <a:srgbClr val="FFFFFF"/>
-                    </a:solidFill>
-                  </a:tcPr>
-                </a:tc>
-                <a:tc>
-                  <a:txBody>
-                    <a:bodyPr/>
-                    <a:lstStyle/>
-                    <a:p>
-                      <a:pPr algn="l" fontAlgn="t"/>
-                      <a:r>
-                        <a:rPr lang="en-US" sz="1600" dirty="0">
-                          <a:effectLst/>
-                        </a:rPr>
-                        <a:t>ADDC(.B) </a:t>
-                      </a:r>
-                      <a:r>
-                        <a:rPr lang="en-US" sz="1600" dirty="0" err="1">
-                          <a:effectLst/>
-                        </a:rPr>
-                        <a:t>dst</a:t>
-                      </a:r>
-                      <a:r>
-                        <a:rPr lang="en-US" sz="1600" dirty="0">
-                          <a:effectLst/>
-                        </a:rPr>
-                        <a:t>, </a:t>
-                      </a:r>
-                      <a:r>
-                        <a:rPr lang="en-US" sz="1600" dirty="0" err="1">
-                          <a:effectLst/>
-                        </a:rPr>
-                        <a:t>dst</a:t>
-                      </a:r>
-                      <a:endParaRPr lang="en-US" sz="1600" dirty="0">
-                        <a:effectLst/>
-                      </a:endParaRPr>
-                    </a:p>
-                  </a:txBody>
-                  <a:tcPr marL="66219" marR="66219" marT="66219" marB="66219">
-                    <a:lnL w="9525" cap="flat" cmpd="sng" algn="ctr">
-                      <a:solidFill>
-                        <a:srgbClr val="DDDDDD"/>
-                      </a:solidFill>
-                      <a:prstDash val="solid"/>
-                      <a:round/>
-                      <a:headEnd type="none" w="med" len="med"/>
-                      <a:tailEnd type="none" w="med" len="med"/>
-                    </a:lnL>
-                    <a:lnR w="9525" cap="flat" cmpd="sng" algn="ctr">
-                      <a:solidFill>
-                        <a:srgbClr val="DDDDDD"/>
-                      </a:solidFill>
-                      <a:prstDash val="solid"/>
-                      <a:round/>
-                      <a:headEnd type="none" w="med" len="med"/>
-                      <a:tailEnd type="none" w="med" len="med"/>
-                    </a:lnR>
-                    <a:lnT w="9525" cap="flat" cmpd="sng" algn="ctr">
-                      <a:solidFill>
-                        <a:srgbClr val="DDDDDD"/>
-                      </a:solidFill>
-                      <a:prstDash val="solid"/>
-                      <a:round/>
-                      <a:headEnd type="none" w="med" len="med"/>
-                      <a:tailEnd type="none" w="med" len="med"/>
-                    </a:lnT>
-                    <a:lnB w="9525" cap="flat" cmpd="sng" algn="ctr">
-                      <a:solidFill>
-                        <a:srgbClr val="DDDDDD"/>
-                      </a:solidFill>
-                      <a:prstDash val="solid"/>
-                      <a:round/>
-                      <a:headEnd type="none" w="med" len="med"/>
-                      <a:tailEnd type="none" w="med" len="med"/>
-                    </a:lnB>
-                    <a:solidFill>
-                      <a:srgbClr val="FFFFFF"/>
-                    </a:solidFill>
-                  </a:tcPr>
-                </a:tc>
-              </a:tr>
-              <a:tr h="370824">
-                <a:tc>
-                  <a:txBody>
-                    <a:bodyPr/>
-                    <a:lstStyle/>
-                    <a:p>
-                      <a:pPr algn="l" fontAlgn="t"/>
-                      <a:r>
-                        <a:rPr lang="en-US" dirty="0">
-                          <a:effectLst/>
-                        </a:rPr>
-                        <a:t>INV(.B) </a:t>
-                      </a:r>
-                      <a:r>
-                        <a:rPr lang="en-US" dirty="0" err="1">
-                          <a:effectLst/>
-                        </a:rPr>
-                        <a:t>dst</a:t>
-                      </a:r>
-                      <a:endParaRPr lang="en-US" dirty="0">
-                        <a:effectLst/>
-                      </a:endParaRPr>
-                    </a:p>
-                  </a:txBody>
-                  <a:tcPr marL="76200" marR="76200" marT="76200" marB="76200">
-                    <a:lnL w="9525" cap="flat" cmpd="sng" algn="ctr">
-                      <a:solidFill>
-                        <a:srgbClr val="DDDDDD"/>
-                      </a:solidFill>
-                      <a:prstDash val="solid"/>
-                      <a:round/>
-                      <a:headEnd type="none" w="med" len="med"/>
-                      <a:tailEnd type="none" w="med" len="med"/>
-                    </a:lnL>
-                    <a:lnR w="9525" cap="flat" cmpd="sng" algn="ctr">
-                      <a:solidFill>
-                        <a:srgbClr val="DDDDDD"/>
-                      </a:solidFill>
-                      <a:prstDash val="solid"/>
-                      <a:round/>
-                      <a:headEnd type="none" w="med" len="med"/>
-                      <a:tailEnd type="none" w="med" len="med"/>
-                    </a:lnR>
-                    <a:lnT w="9525" cap="flat" cmpd="sng" algn="ctr">
-                      <a:solidFill>
-                        <a:srgbClr val="DDDDDD"/>
-                      </a:solidFill>
-                      <a:prstDash val="solid"/>
-                      <a:round/>
-                      <a:headEnd type="none" w="med" len="med"/>
-                      <a:tailEnd type="none" w="med" len="med"/>
-                    </a:lnT>
-                    <a:lnB w="9525" cap="flat" cmpd="sng" algn="ctr">
-                      <a:solidFill>
-                        <a:srgbClr val="DDDDDD"/>
-                      </a:solidFill>
-                      <a:prstDash val="solid"/>
-                      <a:round/>
-                      <a:headEnd type="none" w="med" len="med"/>
-                      <a:tailEnd type="none" w="med" len="med"/>
-                    </a:lnB>
-                    <a:solidFill>
-                      <a:srgbClr val="FFFFFF"/>
-                    </a:solidFill>
-                  </a:tcPr>
-                </a:tc>
-                <a:tc>
-                  <a:txBody>
-                    <a:bodyPr/>
-                    <a:lstStyle/>
-                    <a:p>
-                      <a:pPr algn="l" fontAlgn="t"/>
-                      <a:r>
-                        <a:rPr lang="en-US">
-                          <a:effectLst/>
-                        </a:rPr>
-                        <a:t>XOR(.B) #-1, dst</a:t>
-                      </a:r>
-                    </a:p>
-                  </a:txBody>
-                  <a:tcPr marL="76200" marR="76200" marT="76200" marB="76200">
-                    <a:lnL w="9525" cap="flat" cmpd="sng" algn="ctr">
-                      <a:solidFill>
-                        <a:srgbClr val="DDDDDD"/>
-                      </a:solidFill>
-                      <a:prstDash val="solid"/>
-                      <a:round/>
-                      <a:headEnd type="none" w="med" len="med"/>
-                      <a:tailEnd type="none" w="med" len="med"/>
-                    </a:lnL>
-                    <a:lnR w="9525" cap="flat" cmpd="sng" algn="ctr">
-                      <a:solidFill>
-                        <a:srgbClr val="DDDDDD"/>
-                      </a:solidFill>
-                      <a:prstDash val="solid"/>
-                      <a:round/>
-                      <a:headEnd type="none" w="med" len="med"/>
-                      <a:tailEnd type="none" w="med" len="med"/>
-                    </a:lnR>
-                    <a:lnT w="9525" cap="flat" cmpd="sng" algn="ctr">
-                      <a:solidFill>
-                        <a:srgbClr val="DDDDDD"/>
-                      </a:solidFill>
-                      <a:prstDash val="solid"/>
-                      <a:round/>
-                      <a:headEnd type="none" w="med" len="med"/>
-                      <a:tailEnd type="none" w="med" len="med"/>
-                    </a:lnT>
-                    <a:lnB w="9525" cap="flat" cmpd="sng" algn="ctr">
-                      <a:solidFill>
-                        <a:srgbClr val="DDDDDD"/>
-                      </a:solidFill>
-                      <a:prstDash val="solid"/>
-                      <a:round/>
-                      <a:headEnd type="none" w="med" len="med"/>
-                      <a:tailEnd type="none" w="med" len="med"/>
-                    </a:lnB>
-                    <a:solidFill>
-                      <a:srgbClr val="FFFFFF"/>
-                    </a:solidFill>
-                  </a:tcPr>
-                </a:tc>
-              </a:tr>
-              <a:tr h="370824">
-                <a:tc>
-                  <a:txBody>
-                    <a:bodyPr/>
-                    <a:lstStyle/>
-                    <a:p>
-                      <a:pPr algn="l" fontAlgn="t"/>
-                      <a:r>
-                        <a:rPr lang="en-US">
-                          <a:effectLst/>
-                        </a:rPr>
-                        <a:t>CLR(.B) dst</a:t>
-                      </a:r>
-                    </a:p>
-                  </a:txBody>
-                  <a:tcPr marL="76200" marR="76200" marT="76200" marB="76200">
-                    <a:lnL w="9525" cap="flat" cmpd="sng" algn="ctr">
-                      <a:solidFill>
-                        <a:srgbClr val="DDDDDD"/>
-                      </a:solidFill>
-                      <a:prstDash val="solid"/>
-                      <a:round/>
-                      <a:headEnd type="none" w="med" len="med"/>
-                      <a:tailEnd type="none" w="med" len="med"/>
-                    </a:lnL>
-                    <a:lnR w="9525" cap="flat" cmpd="sng" algn="ctr">
-                      <a:solidFill>
-                        <a:srgbClr val="DDDDDD"/>
-                      </a:solidFill>
-                      <a:prstDash val="solid"/>
-                      <a:round/>
-                      <a:headEnd type="none" w="med" len="med"/>
-                      <a:tailEnd type="none" w="med" len="med"/>
-                    </a:lnR>
-                    <a:lnT w="9525" cap="flat" cmpd="sng" algn="ctr">
-                      <a:solidFill>
-                        <a:srgbClr val="DDDDDD"/>
-                      </a:solidFill>
-                      <a:prstDash val="solid"/>
-                      <a:round/>
-                      <a:headEnd type="none" w="med" len="med"/>
-                      <a:tailEnd type="none" w="med" len="med"/>
-                    </a:lnT>
-                    <a:lnB w="9525" cap="flat" cmpd="sng" algn="ctr">
-                      <a:solidFill>
-                        <a:srgbClr val="DDDDDD"/>
-                      </a:solidFill>
-                      <a:prstDash val="solid"/>
-                      <a:round/>
-                      <a:headEnd type="none" w="med" len="med"/>
-                      <a:tailEnd type="none" w="med" len="med"/>
-                    </a:lnB>
-                    <a:solidFill>
-                      <a:srgbClr val="FFFFFF"/>
-                    </a:solidFill>
-                  </a:tcPr>
-                </a:tc>
-                <a:tc>
-                  <a:txBody>
-                    <a:bodyPr/>
-                    <a:lstStyle/>
-                    <a:p>
-                      <a:pPr algn="l" fontAlgn="t"/>
-                      <a:r>
-                        <a:rPr lang="en-US">
-                          <a:effectLst/>
-                        </a:rPr>
-                        <a:t>MOV(.B) #0, dst</a:t>
-                      </a:r>
-                    </a:p>
-                  </a:txBody>
-                  <a:tcPr marL="76200" marR="76200" marT="76200" marB="76200">
-                    <a:lnL w="9525" cap="flat" cmpd="sng" algn="ctr">
-                      <a:solidFill>
-                        <a:srgbClr val="DDDDDD"/>
-                      </a:solidFill>
-                      <a:prstDash val="solid"/>
-                      <a:round/>
-                      <a:headEnd type="none" w="med" len="med"/>
-                      <a:tailEnd type="none" w="med" len="med"/>
-                    </a:lnL>
-                    <a:lnR w="9525" cap="flat" cmpd="sng" algn="ctr">
-                      <a:solidFill>
-                        <a:srgbClr val="DDDDDD"/>
-                      </a:solidFill>
-                      <a:prstDash val="solid"/>
-                      <a:round/>
-                      <a:headEnd type="none" w="med" len="med"/>
-                      <a:tailEnd type="none" w="med" len="med"/>
-                    </a:lnR>
-                    <a:lnT w="9525" cap="flat" cmpd="sng" algn="ctr">
-                      <a:solidFill>
-                        <a:srgbClr val="DDDDDD"/>
-                      </a:solidFill>
-                      <a:prstDash val="solid"/>
-                      <a:round/>
-                      <a:headEnd type="none" w="med" len="med"/>
-                      <a:tailEnd type="none" w="med" len="med"/>
-                    </a:lnT>
-                    <a:lnB w="9525" cap="flat" cmpd="sng" algn="ctr">
-                      <a:solidFill>
-                        <a:srgbClr val="DDDDDD"/>
-                      </a:solidFill>
-                      <a:prstDash val="solid"/>
-                      <a:round/>
-                      <a:headEnd type="none" w="med" len="med"/>
-                      <a:tailEnd type="none" w="med" len="med"/>
-                    </a:lnB>
-                    <a:solidFill>
-                      <a:srgbClr val="FFFFFF"/>
-                    </a:solidFill>
-                  </a:tcPr>
-                </a:tc>
-              </a:tr>
-              <a:tr h="370824">
-                <a:tc>
-                  <a:txBody>
-                    <a:bodyPr/>
-                    <a:lstStyle/>
-                    <a:p>
-                      <a:pPr algn="l" fontAlgn="t"/>
-                      <a:r>
-                        <a:rPr lang="en-US" dirty="0">
-                          <a:effectLst/>
-                        </a:rPr>
-                        <a:t>TST(.B) </a:t>
-                      </a:r>
-                      <a:r>
-                        <a:rPr lang="en-US" dirty="0" err="1">
-                          <a:effectLst/>
-                        </a:rPr>
-                        <a:t>dst</a:t>
-                      </a:r>
-                      <a:endParaRPr lang="en-US" dirty="0">
-                        <a:effectLst/>
-                      </a:endParaRPr>
-                    </a:p>
-                  </a:txBody>
-                  <a:tcPr marL="76200" marR="76200" marT="76200" marB="76200">
-                    <a:lnL w="9525" cap="flat" cmpd="sng" algn="ctr">
-                      <a:solidFill>
-                        <a:srgbClr val="DDDDDD"/>
-                      </a:solidFill>
-                      <a:prstDash val="solid"/>
-                      <a:round/>
-                      <a:headEnd type="none" w="med" len="med"/>
-                      <a:tailEnd type="none" w="med" len="med"/>
-                    </a:lnL>
-                    <a:lnR w="9525" cap="flat" cmpd="sng" algn="ctr">
-                      <a:solidFill>
-                        <a:srgbClr val="DDDDDD"/>
-                      </a:solidFill>
-                      <a:prstDash val="solid"/>
-                      <a:round/>
-                      <a:headEnd type="none" w="med" len="med"/>
-                      <a:tailEnd type="none" w="med" len="med"/>
-                    </a:lnR>
-                    <a:lnT w="9525" cap="flat" cmpd="sng" algn="ctr">
-                      <a:solidFill>
-                        <a:srgbClr val="DDDDDD"/>
-                      </a:solidFill>
-                      <a:prstDash val="solid"/>
-                      <a:round/>
-                      <a:headEnd type="none" w="med" len="med"/>
-                      <a:tailEnd type="none" w="med" len="med"/>
-                    </a:lnT>
-                    <a:lnB w="9525" cap="flat" cmpd="sng" algn="ctr">
-                      <a:solidFill>
-                        <a:srgbClr val="DDDDDD"/>
-                      </a:solidFill>
-                      <a:prstDash val="solid"/>
-                      <a:round/>
-                      <a:headEnd type="none" w="med" len="med"/>
-                      <a:tailEnd type="none" w="med" len="med"/>
-                    </a:lnB>
-                    <a:solidFill>
-                      <a:srgbClr val="FFFFFF"/>
-                    </a:solidFill>
-                  </a:tcPr>
-                </a:tc>
-                <a:tc>
-                  <a:txBody>
-                    <a:bodyPr/>
-                    <a:lstStyle/>
-                    <a:p>
-                      <a:pPr algn="l" fontAlgn="t"/>
-                      <a:r>
-                        <a:rPr lang="en-US" dirty="0">
-                          <a:effectLst/>
-                        </a:rPr>
-                        <a:t>CMP(.B) #0, </a:t>
-                      </a:r>
-                      <a:r>
-                        <a:rPr lang="en-US" dirty="0" err="1">
-                          <a:effectLst/>
-                        </a:rPr>
-                        <a:t>dst</a:t>
-                      </a:r>
-                      <a:endParaRPr lang="en-US" dirty="0">
-                        <a:effectLst/>
-                      </a:endParaRPr>
-                    </a:p>
-                  </a:txBody>
-                  <a:tcPr marL="76200" marR="76200" marT="76200" marB="76200">
-                    <a:lnL w="9525" cap="flat" cmpd="sng" algn="ctr">
-                      <a:solidFill>
-                        <a:srgbClr val="DDDDDD"/>
-                      </a:solidFill>
-                      <a:prstDash val="solid"/>
-                      <a:round/>
-                      <a:headEnd type="none" w="med" len="med"/>
-                      <a:tailEnd type="none" w="med" len="med"/>
-                    </a:lnL>
-                    <a:lnR w="9525" cap="flat" cmpd="sng" algn="ctr">
-                      <a:solidFill>
-                        <a:srgbClr val="DDDDDD"/>
-                      </a:solidFill>
-                      <a:prstDash val="solid"/>
-                      <a:round/>
-                      <a:headEnd type="none" w="med" len="med"/>
-                      <a:tailEnd type="none" w="med" len="med"/>
-                    </a:lnR>
-                    <a:lnT w="9525" cap="flat" cmpd="sng" algn="ctr">
-                      <a:solidFill>
-                        <a:srgbClr val="DDDDDD"/>
-                      </a:solidFill>
-                      <a:prstDash val="solid"/>
-                      <a:round/>
-                      <a:headEnd type="none" w="med" len="med"/>
-                      <a:tailEnd type="none" w="med" len="med"/>
-                    </a:lnT>
-                    <a:lnB w="9525" cap="flat" cmpd="sng" algn="ctr">
-                      <a:solidFill>
-                        <a:srgbClr val="DDDDDD"/>
-                      </a:solidFill>
-                      <a:prstDash val="solid"/>
-                      <a:round/>
-                      <a:headEnd type="none" w="med" len="med"/>
-                      <a:tailEnd type="none" w="med" len="med"/>
-                    </a:lnB>
-                    <a:solidFill>
-                      <a:srgbClr val="FFFFFF"/>
-                    </a:solidFill>
-                  </a:tcPr>
-                </a:tc>
-              </a:tr>
-              <a:tr h="370824">
-                <a:tc>
-                  <a:txBody>
-                    <a:bodyPr/>
-                    <a:lstStyle/>
-                    <a:p>
-                      <a:pPr algn="l" fontAlgn="t"/>
-                      <a:r>
-                        <a:rPr lang="en-US" dirty="0">
-                          <a:effectLst/>
-                        </a:rPr>
-                        <a:t>DEC(.B) </a:t>
-                      </a:r>
-                      <a:r>
-                        <a:rPr lang="en-US" dirty="0" err="1">
-                          <a:effectLst/>
-                        </a:rPr>
-                        <a:t>dst</a:t>
-                      </a:r>
-                      <a:endParaRPr lang="en-US" dirty="0">
-                        <a:effectLst/>
-                      </a:endParaRPr>
-                    </a:p>
-                  </a:txBody>
-                  <a:tcPr marL="76200" marR="76200" marT="76200" marB="76200">
-                    <a:lnL w="9525" cap="flat" cmpd="sng" algn="ctr">
-                      <a:solidFill>
-                        <a:srgbClr val="DDDDDD"/>
-                      </a:solidFill>
-                      <a:prstDash val="solid"/>
-                      <a:round/>
-                      <a:headEnd type="none" w="med" len="med"/>
-                      <a:tailEnd type="none" w="med" len="med"/>
-                    </a:lnL>
-                    <a:lnR w="9525" cap="flat" cmpd="sng" algn="ctr">
-                      <a:solidFill>
-                        <a:srgbClr val="DDDDDD"/>
-                      </a:solidFill>
-                      <a:prstDash val="solid"/>
-                      <a:round/>
-                      <a:headEnd type="none" w="med" len="med"/>
-                      <a:tailEnd type="none" w="med" len="med"/>
-                    </a:lnR>
-                    <a:lnT w="9525" cap="flat" cmpd="sng" algn="ctr">
-                      <a:solidFill>
-                        <a:srgbClr val="DDDDDD"/>
-                      </a:solidFill>
-                      <a:prstDash val="solid"/>
-                      <a:round/>
-                      <a:headEnd type="none" w="med" len="med"/>
-                      <a:tailEnd type="none" w="med" len="med"/>
-                    </a:lnT>
-                    <a:lnB w="9525" cap="flat" cmpd="sng" algn="ctr">
-                      <a:solidFill>
-                        <a:srgbClr val="DDDDDD"/>
-                      </a:solidFill>
-                      <a:prstDash val="solid"/>
-                      <a:round/>
-                      <a:headEnd type="none" w="med" len="med"/>
-                      <a:tailEnd type="none" w="med" len="med"/>
-                    </a:lnB>
-                    <a:solidFill>
-                      <a:srgbClr val="FFFFFF"/>
-                    </a:solidFill>
-                  </a:tcPr>
-                </a:tc>
-                <a:tc>
-                  <a:txBody>
-                    <a:bodyPr/>
-                    <a:lstStyle/>
-                    <a:p>
-                      <a:pPr algn="l" fontAlgn="t"/>
-                      <a:r>
-                        <a:rPr lang="en-US">
-                          <a:effectLst/>
-                        </a:rPr>
-                        <a:t>SUB(.B) #1, dst</a:t>
-                      </a:r>
-                    </a:p>
-                  </a:txBody>
-                  <a:tcPr marL="76200" marR="76200" marT="76200" marB="76200">
-                    <a:lnL w="9525" cap="flat" cmpd="sng" algn="ctr">
-                      <a:solidFill>
-                        <a:srgbClr val="DDDDDD"/>
-                      </a:solidFill>
-                      <a:prstDash val="solid"/>
-                      <a:round/>
-                      <a:headEnd type="none" w="med" len="med"/>
-                      <a:tailEnd type="none" w="med" len="med"/>
-                    </a:lnL>
-                    <a:lnR w="9525" cap="flat" cmpd="sng" algn="ctr">
-                      <a:solidFill>
-                        <a:srgbClr val="DDDDDD"/>
-                      </a:solidFill>
-                      <a:prstDash val="solid"/>
-                      <a:round/>
-                      <a:headEnd type="none" w="med" len="med"/>
-                      <a:tailEnd type="none" w="med" len="med"/>
-                    </a:lnR>
-                    <a:lnT w="9525" cap="flat" cmpd="sng" algn="ctr">
-                      <a:solidFill>
-                        <a:srgbClr val="DDDDDD"/>
-                      </a:solidFill>
-                      <a:prstDash val="solid"/>
-                      <a:round/>
-                      <a:headEnd type="none" w="med" len="med"/>
-                      <a:tailEnd type="none" w="med" len="med"/>
-                    </a:lnT>
-                    <a:lnB w="9525" cap="flat" cmpd="sng" algn="ctr">
-                      <a:solidFill>
-                        <a:srgbClr val="DDDDDD"/>
-                      </a:solidFill>
-                      <a:prstDash val="solid"/>
-                      <a:round/>
-                      <a:headEnd type="none" w="med" len="med"/>
-                      <a:tailEnd type="none" w="med" len="med"/>
-                    </a:lnB>
-                    <a:solidFill>
-                      <a:srgbClr val="FFFFFF"/>
-                    </a:solidFill>
-                  </a:tcPr>
-                </a:tc>
-              </a:tr>
-              <a:tr h="370824">
-                <a:tc>
-                  <a:txBody>
-                    <a:bodyPr/>
-                    <a:lstStyle/>
-                    <a:p>
-                      <a:pPr algn="l" fontAlgn="t"/>
-                      <a:r>
-                        <a:rPr lang="en-US">
-                          <a:effectLst/>
-                        </a:rPr>
-                        <a:t>DECD(.B) dst</a:t>
-                      </a:r>
-                    </a:p>
-                  </a:txBody>
-                  <a:tcPr marL="76200" marR="76200" marT="76200" marB="76200">
-                    <a:lnL w="9525" cap="flat" cmpd="sng" algn="ctr">
-                      <a:solidFill>
-                        <a:srgbClr val="DDDDDD"/>
-                      </a:solidFill>
-                      <a:prstDash val="solid"/>
-                      <a:round/>
-                      <a:headEnd type="none" w="med" len="med"/>
-                      <a:tailEnd type="none" w="med" len="med"/>
-                    </a:lnL>
-                    <a:lnR w="9525" cap="flat" cmpd="sng" algn="ctr">
-                      <a:solidFill>
-                        <a:srgbClr val="DDDDDD"/>
-                      </a:solidFill>
-                      <a:prstDash val="solid"/>
-                      <a:round/>
-                      <a:headEnd type="none" w="med" len="med"/>
-                      <a:tailEnd type="none" w="med" len="med"/>
-                    </a:lnR>
-                    <a:lnT w="9525" cap="flat" cmpd="sng" algn="ctr">
-                      <a:solidFill>
-                        <a:srgbClr val="DDDDDD"/>
-                      </a:solidFill>
-                      <a:prstDash val="solid"/>
-                      <a:round/>
-                      <a:headEnd type="none" w="med" len="med"/>
-                      <a:tailEnd type="none" w="med" len="med"/>
-                    </a:lnT>
-                    <a:lnB w="9525" cap="flat" cmpd="sng" algn="ctr">
-                      <a:solidFill>
-                        <a:srgbClr val="DDDDDD"/>
-                      </a:solidFill>
-                      <a:prstDash val="solid"/>
-                      <a:round/>
-                      <a:headEnd type="none" w="med" len="med"/>
-                      <a:tailEnd type="none" w="med" len="med"/>
-                    </a:lnB>
-                    <a:solidFill>
-                      <a:srgbClr val="FFFFFF"/>
-                    </a:solidFill>
-                  </a:tcPr>
-                </a:tc>
-                <a:tc>
-                  <a:txBody>
-                    <a:bodyPr/>
-                    <a:lstStyle/>
-                    <a:p>
-                      <a:pPr algn="l" fontAlgn="t"/>
-                      <a:r>
-                        <a:rPr lang="en-US">
-                          <a:effectLst/>
-                        </a:rPr>
-                        <a:t>SUB(.B) #2, dst</a:t>
-                      </a:r>
-                    </a:p>
-                  </a:txBody>
-                  <a:tcPr marL="76200" marR="76200" marT="76200" marB="76200">
-                    <a:lnL w="9525" cap="flat" cmpd="sng" algn="ctr">
-                      <a:solidFill>
-                        <a:srgbClr val="DDDDDD"/>
-                      </a:solidFill>
-                      <a:prstDash val="solid"/>
-                      <a:round/>
-                      <a:headEnd type="none" w="med" len="med"/>
-                      <a:tailEnd type="none" w="med" len="med"/>
-                    </a:lnL>
-                    <a:lnR w="9525" cap="flat" cmpd="sng" algn="ctr">
-                      <a:solidFill>
-                        <a:srgbClr val="DDDDDD"/>
-                      </a:solidFill>
-                      <a:prstDash val="solid"/>
-                      <a:round/>
-                      <a:headEnd type="none" w="med" len="med"/>
-                      <a:tailEnd type="none" w="med" len="med"/>
-                    </a:lnR>
-                    <a:lnT w="9525" cap="flat" cmpd="sng" algn="ctr">
-                      <a:solidFill>
-                        <a:srgbClr val="DDDDDD"/>
-                      </a:solidFill>
-                      <a:prstDash val="solid"/>
-                      <a:round/>
-                      <a:headEnd type="none" w="med" len="med"/>
-                      <a:tailEnd type="none" w="med" len="med"/>
-                    </a:lnT>
-                    <a:lnB w="9525" cap="flat" cmpd="sng" algn="ctr">
-                      <a:solidFill>
-                        <a:srgbClr val="DDDDDD"/>
-                      </a:solidFill>
-                      <a:prstDash val="solid"/>
-                      <a:round/>
-                      <a:headEnd type="none" w="med" len="med"/>
-                      <a:tailEnd type="none" w="med" len="med"/>
-                    </a:lnB>
-                    <a:solidFill>
-                      <a:srgbClr val="FFFFFF"/>
-                    </a:solidFill>
-                  </a:tcPr>
-                </a:tc>
-              </a:tr>
-              <a:tr h="370824">
-                <a:tc>
-                  <a:txBody>
-                    <a:bodyPr/>
-                    <a:lstStyle/>
-                    <a:p>
-                      <a:pPr algn="l" fontAlgn="t"/>
-                      <a:r>
-                        <a:rPr lang="en-US">
-                          <a:effectLst/>
-                        </a:rPr>
-                        <a:t>INC(.B) dst</a:t>
-                      </a:r>
-                    </a:p>
-                  </a:txBody>
-                  <a:tcPr marL="76200" marR="76200" marT="76200" marB="76200">
-                    <a:lnL w="9525" cap="flat" cmpd="sng" algn="ctr">
-                      <a:solidFill>
-                        <a:srgbClr val="DDDDDD"/>
-                      </a:solidFill>
-                      <a:prstDash val="solid"/>
-                      <a:round/>
-                      <a:headEnd type="none" w="med" len="med"/>
-                      <a:tailEnd type="none" w="med" len="med"/>
-                    </a:lnL>
-                    <a:lnR w="9525" cap="flat" cmpd="sng" algn="ctr">
-                      <a:solidFill>
-                        <a:srgbClr val="DDDDDD"/>
-                      </a:solidFill>
-                      <a:prstDash val="solid"/>
-                      <a:round/>
-                      <a:headEnd type="none" w="med" len="med"/>
-                      <a:tailEnd type="none" w="med" len="med"/>
-                    </a:lnR>
-                    <a:lnT w="9525" cap="flat" cmpd="sng" algn="ctr">
-                      <a:solidFill>
-                        <a:srgbClr val="DDDDDD"/>
-                      </a:solidFill>
-                      <a:prstDash val="solid"/>
-                      <a:round/>
-                      <a:headEnd type="none" w="med" len="med"/>
-                      <a:tailEnd type="none" w="med" len="med"/>
-                    </a:lnT>
-                    <a:lnB w="9525" cap="flat" cmpd="sng" algn="ctr">
-                      <a:solidFill>
-                        <a:srgbClr val="DDDDDD"/>
-                      </a:solidFill>
-                      <a:prstDash val="solid"/>
-                      <a:round/>
-                      <a:headEnd type="none" w="med" len="med"/>
-                      <a:tailEnd type="none" w="med" len="med"/>
-                    </a:lnB>
-                    <a:solidFill>
-                      <a:srgbClr val="FFFFFF"/>
-                    </a:solidFill>
-                  </a:tcPr>
-                </a:tc>
-                <a:tc>
-                  <a:txBody>
-                    <a:bodyPr/>
-                    <a:lstStyle/>
-                    <a:p>
-                      <a:pPr algn="l" fontAlgn="t"/>
-                      <a:r>
-                        <a:rPr lang="en-US">
-                          <a:effectLst/>
-                        </a:rPr>
-                        <a:t>ADD(.B) #1, dst</a:t>
-                      </a:r>
-                    </a:p>
-                  </a:txBody>
-                  <a:tcPr marL="76200" marR="76200" marT="76200" marB="76200">
-                    <a:lnL w="9525" cap="flat" cmpd="sng" algn="ctr">
-                      <a:solidFill>
-                        <a:srgbClr val="DDDDDD"/>
-                      </a:solidFill>
-                      <a:prstDash val="solid"/>
-                      <a:round/>
-                      <a:headEnd type="none" w="med" len="med"/>
-                      <a:tailEnd type="none" w="med" len="med"/>
-                    </a:lnL>
-                    <a:lnR w="9525" cap="flat" cmpd="sng" algn="ctr">
-                      <a:solidFill>
-                        <a:srgbClr val="DDDDDD"/>
-                      </a:solidFill>
-                      <a:prstDash val="solid"/>
-                      <a:round/>
-                      <a:headEnd type="none" w="med" len="med"/>
-                      <a:tailEnd type="none" w="med" len="med"/>
-                    </a:lnR>
-                    <a:lnT w="9525" cap="flat" cmpd="sng" algn="ctr">
-                      <a:solidFill>
-                        <a:srgbClr val="DDDDDD"/>
-                      </a:solidFill>
-                      <a:prstDash val="solid"/>
-                      <a:round/>
-                      <a:headEnd type="none" w="med" len="med"/>
-                      <a:tailEnd type="none" w="med" len="med"/>
-                    </a:lnT>
-                    <a:lnB w="9525" cap="flat" cmpd="sng" algn="ctr">
-                      <a:solidFill>
-                        <a:srgbClr val="DDDDDD"/>
-                      </a:solidFill>
-                      <a:prstDash val="solid"/>
-                      <a:round/>
-                      <a:headEnd type="none" w="med" len="med"/>
-                      <a:tailEnd type="none" w="med" len="med"/>
-                    </a:lnB>
-                    <a:solidFill>
-                      <a:srgbClr val="FFFFFF"/>
-                    </a:solidFill>
-                  </a:tcPr>
-                </a:tc>
-              </a:tr>
-              <a:tr h="370824">
-                <a:tc>
-                  <a:txBody>
-                    <a:bodyPr/>
-                    <a:lstStyle/>
-                    <a:p>
-                      <a:pPr algn="l" fontAlgn="t"/>
-                      <a:r>
-                        <a:rPr lang="en-US" dirty="0">
-                          <a:effectLst/>
-                        </a:rPr>
-                        <a:t>INCD(.B) </a:t>
-                      </a:r>
-                      <a:r>
-                        <a:rPr lang="en-US" dirty="0" err="1">
-                          <a:effectLst/>
-                        </a:rPr>
-                        <a:t>dst</a:t>
-                      </a:r>
-                      <a:endParaRPr lang="en-US" dirty="0">
-                        <a:effectLst/>
-                      </a:endParaRPr>
-                    </a:p>
-                  </a:txBody>
-                  <a:tcPr marL="76200" marR="76200" marT="76200" marB="76200">
-                    <a:lnL w="9525" cap="flat" cmpd="sng" algn="ctr">
-                      <a:solidFill>
-                        <a:srgbClr val="DDDDDD"/>
-                      </a:solidFill>
-                      <a:prstDash val="solid"/>
-                      <a:round/>
-                      <a:headEnd type="none" w="med" len="med"/>
-                      <a:tailEnd type="none" w="med" len="med"/>
-                    </a:lnL>
-                    <a:lnR w="9525" cap="flat" cmpd="sng" algn="ctr">
-                      <a:solidFill>
-                        <a:srgbClr val="DDDDDD"/>
-                      </a:solidFill>
-                      <a:prstDash val="solid"/>
-                      <a:round/>
-                      <a:headEnd type="none" w="med" len="med"/>
-                      <a:tailEnd type="none" w="med" len="med"/>
-                    </a:lnR>
-                    <a:lnT w="9525" cap="flat" cmpd="sng" algn="ctr">
-                      <a:solidFill>
-                        <a:srgbClr val="DDDDDD"/>
-                      </a:solidFill>
-                      <a:prstDash val="solid"/>
-                      <a:round/>
-                      <a:headEnd type="none" w="med" len="med"/>
-                      <a:tailEnd type="none" w="med" len="med"/>
-                    </a:lnT>
-                    <a:lnB w="9525" cap="flat" cmpd="sng" algn="ctr">
-                      <a:solidFill>
-                        <a:srgbClr val="DDDDDD"/>
-                      </a:solidFill>
-                      <a:prstDash val="solid"/>
-                      <a:round/>
-                      <a:headEnd type="none" w="med" len="med"/>
-                      <a:tailEnd type="none" w="med" len="med"/>
-                    </a:lnB>
-                    <a:solidFill>
-                      <a:srgbClr val="FFFFFF"/>
-                    </a:solidFill>
-                  </a:tcPr>
-                </a:tc>
-                <a:tc>
-                  <a:txBody>
-                    <a:bodyPr/>
-                    <a:lstStyle/>
-                    <a:p>
-                      <a:pPr algn="l" fontAlgn="t"/>
-                      <a:r>
-                        <a:rPr lang="en-US" dirty="0">
-                          <a:effectLst/>
-                        </a:rPr>
-                        <a:t>ADD(.B) #2, </a:t>
-                      </a:r>
-                      <a:r>
-                        <a:rPr lang="en-US" dirty="0" err="1">
-                          <a:effectLst/>
-                        </a:rPr>
-                        <a:t>dst</a:t>
-                      </a:r>
-                      <a:endParaRPr lang="en-US" dirty="0">
-                        <a:effectLst/>
-                      </a:endParaRPr>
-                    </a:p>
-                  </a:txBody>
-                  <a:tcPr marL="76200" marR="76200" marT="76200" marB="76200">
-                    <a:lnL w="9525" cap="flat" cmpd="sng" algn="ctr">
-                      <a:solidFill>
-                        <a:srgbClr val="DDDDDD"/>
-                      </a:solidFill>
-                      <a:prstDash val="solid"/>
-                      <a:round/>
-                      <a:headEnd type="none" w="med" len="med"/>
-                      <a:tailEnd type="none" w="med" len="med"/>
-                    </a:lnL>
-                    <a:lnR w="9525" cap="flat" cmpd="sng" algn="ctr">
-                      <a:solidFill>
-                        <a:srgbClr val="DDDDDD"/>
-                      </a:solidFill>
-                      <a:prstDash val="solid"/>
-                      <a:round/>
-                      <a:headEnd type="none" w="med" len="med"/>
-                      <a:tailEnd type="none" w="med" len="med"/>
-                    </a:lnR>
-                    <a:lnT w="9525" cap="flat" cmpd="sng" algn="ctr">
-                      <a:solidFill>
-                        <a:srgbClr val="DDDDDD"/>
-                      </a:solidFill>
-                      <a:prstDash val="solid"/>
-                      <a:round/>
-                      <a:headEnd type="none" w="med" len="med"/>
-                      <a:tailEnd type="none" w="med" len="med"/>
-                    </a:lnT>
-                    <a:lnB w="9525" cap="flat" cmpd="sng" algn="ctr">
-                      <a:solidFill>
-                        <a:srgbClr val="DDDDDD"/>
-                      </a:solidFill>
-                      <a:prstDash val="solid"/>
-                      <a:round/>
-                      <a:headEnd type="none" w="med" len="med"/>
-                      <a:tailEnd type="none" w="med" len="med"/>
-                    </a:lnB>
-                    <a:solidFill>
-                      <a:srgbClr val="FFFFFF"/>
-                    </a:solidFill>
-                  </a:tcPr>
-                </a:tc>
-              </a:tr>
-              <a:tr h="370824">
-                <a:tc>
-                  <a:txBody>
-                    <a:bodyPr/>
-                    <a:lstStyle/>
-                    <a:p>
-                      <a:pPr algn="l" fontAlgn="t"/>
-                      <a:r>
-                        <a:rPr lang="en-US" dirty="0">
-                          <a:effectLst/>
-                        </a:rPr>
-                        <a:t>ADC(.B) </a:t>
-                      </a:r>
-                      <a:r>
-                        <a:rPr lang="en-US" dirty="0" err="1">
-                          <a:effectLst/>
-                        </a:rPr>
-                        <a:t>dst</a:t>
-                      </a:r>
-                      <a:endParaRPr lang="en-US" dirty="0">
-                        <a:effectLst/>
-                      </a:endParaRPr>
-                    </a:p>
-                  </a:txBody>
-                  <a:tcPr marL="76200" marR="76200" marT="76200" marB="76200">
-                    <a:lnL w="9525" cap="flat" cmpd="sng" algn="ctr">
-                      <a:solidFill>
-                        <a:srgbClr val="DDDDDD"/>
-                      </a:solidFill>
-                      <a:prstDash val="solid"/>
-                      <a:round/>
-                      <a:headEnd type="none" w="med" len="med"/>
-                      <a:tailEnd type="none" w="med" len="med"/>
-                    </a:lnL>
-                    <a:lnR w="9525" cap="flat" cmpd="sng" algn="ctr">
-                      <a:solidFill>
-                        <a:srgbClr val="DDDDDD"/>
-                      </a:solidFill>
-                      <a:prstDash val="solid"/>
-                      <a:round/>
-                      <a:headEnd type="none" w="med" len="med"/>
-                      <a:tailEnd type="none" w="med" len="med"/>
-                    </a:lnR>
-                    <a:lnT w="9525" cap="flat" cmpd="sng" algn="ctr">
-                      <a:solidFill>
-                        <a:srgbClr val="DDDDDD"/>
-                      </a:solidFill>
-                      <a:prstDash val="solid"/>
-                      <a:round/>
-                      <a:headEnd type="none" w="med" len="med"/>
-                      <a:tailEnd type="none" w="med" len="med"/>
-                    </a:lnT>
-                    <a:lnB w="9525" cap="flat" cmpd="sng" algn="ctr">
-                      <a:solidFill>
-                        <a:srgbClr val="DDDDDD"/>
-                      </a:solidFill>
-                      <a:prstDash val="solid"/>
-                      <a:round/>
-                      <a:headEnd type="none" w="med" len="med"/>
-                      <a:tailEnd type="none" w="med" len="med"/>
-                    </a:lnB>
-                    <a:solidFill>
-                      <a:srgbClr val="FFFFFF"/>
-                    </a:solidFill>
-                  </a:tcPr>
-                </a:tc>
-                <a:tc>
-                  <a:txBody>
-                    <a:bodyPr/>
-                    <a:lstStyle/>
-                    <a:p>
-                      <a:pPr algn="l" fontAlgn="t"/>
-                      <a:r>
-                        <a:rPr lang="en-US">
-                          <a:effectLst/>
-                        </a:rPr>
-                        <a:t>ADDC(.B) #0, dst</a:t>
-                      </a:r>
-                    </a:p>
-                  </a:txBody>
-                  <a:tcPr marL="76200" marR="76200" marT="76200" marB="76200">
-                    <a:lnL w="9525" cap="flat" cmpd="sng" algn="ctr">
-                      <a:solidFill>
-                        <a:srgbClr val="DDDDDD"/>
-                      </a:solidFill>
-                      <a:prstDash val="solid"/>
-                      <a:round/>
-                      <a:headEnd type="none" w="med" len="med"/>
-                      <a:tailEnd type="none" w="med" len="med"/>
-                    </a:lnL>
-                    <a:lnR w="9525" cap="flat" cmpd="sng" algn="ctr">
-                      <a:solidFill>
-                        <a:srgbClr val="DDDDDD"/>
-                      </a:solidFill>
-                      <a:prstDash val="solid"/>
-                      <a:round/>
-                      <a:headEnd type="none" w="med" len="med"/>
-                      <a:tailEnd type="none" w="med" len="med"/>
-                    </a:lnR>
-                    <a:lnT w="9525" cap="flat" cmpd="sng" algn="ctr">
-                      <a:solidFill>
-                        <a:srgbClr val="DDDDDD"/>
-                      </a:solidFill>
-                      <a:prstDash val="solid"/>
-                      <a:round/>
-                      <a:headEnd type="none" w="med" len="med"/>
-                      <a:tailEnd type="none" w="med" len="med"/>
-                    </a:lnT>
-                    <a:lnB w="9525" cap="flat" cmpd="sng" algn="ctr">
-                      <a:solidFill>
-                        <a:srgbClr val="DDDDDD"/>
-                      </a:solidFill>
-                      <a:prstDash val="solid"/>
-                      <a:round/>
-                      <a:headEnd type="none" w="med" len="med"/>
-                      <a:tailEnd type="none" w="med" len="med"/>
-                    </a:lnB>
-                    <a:solidFill>
-                      <a:srgbClr val="FFFFFF"/>
-                    </a:solidFill>
-                  </a:tcPr>
-                </a:tc>
-              </a:tr>
-              <a:tr h="370824">
-                <a:tc>
-                  <a:txBody>
-                    <a:bodyPr/>
-                    <a:lstStyle/>
-                    <a:p>
-                      <a:pPr algn="l" fontAlgn="t"/>
-                      <a:r>
-                        <a:rPr lang="en-US">
-                          <a:effectLst/>
-                        </a:rPr>
-                        <a:t>DADC(.B) dst</a:t>
-                      </a:r>
-                    </a:p>
-                  </a:txBody>
-                  <a:tcPr marL="76200" marR="76200" marT="76200" marB="76200">
-                    <a:lnL w="9525" cap="flat" cmpd="sng" algn="ctr">
-                      <a:solidFill>
-                        <a:srgbClr val="DDDDDD"/>
-                      </a:solidFill>
-                      <a:prstDash val="solid"/>
-                      <a:round/>
-                      <a:headEnd type="none" w="med" len="med"/>
-                      <a:tailEnd type="none" w="med" len="med"/>
-                    </a:lnL>
-                    <a:lnR w="9525" cap="flat" cmpd="sng" algn="ctr">
-                      <a:solidFill>
-                        <a:srgbClr val="DDDDDD"/>
-                      </a:solidFill>
-                      <a:prstDash val="solid"/>
-                      <a:round/>
-                      <a:headEnd type="none" w="med" len="med"/>
-                      <a:tailEnd type="none" w="med" len="med"/>
-                    </a:lnR>
-                    <a:lnT w="9525" cap="flat" cmpd="sng" algn="ctr">
-                      <a:solidFill>
-                        <a:srgbClr val="DDDDDD"/>
-                      </a:solidFill>
-                      <a:prstDash val="solid"/>
-                      <a:round/>
-                      <a:headEnd type="none" w="med" len="med"/>
-                      <a:tailEnd type="none" w="med" len="med"/>
-                    </a:lnT>
-                    <a:lnB w="9525" cap="flat" cmpd="sng" algn="ctr">
-                      <a:solidFill>
-                        <a:srgbClr val="DDDDDD"/>
-                      </a:solidFill>
-                      <a:prstDash val="solid"/>
-                      <a:round/>
-                      <a:headEnd type="none" w="med" len="med"/>
-                      <a:tailEnd type="none" w="med" len="med"/>
-                    </a:lnB>
-                    <a:solidFill>
-                      <a:srgbClr val="FFFFFF"/>
-                    </a:solidFill>
-                  </a:tcPr>
-                </a:tc>
-                <a:tc>
-                  <a:txBody>
-                    <a:bodyPr/>
-                    <a:lstStyle/>
-                    <a:p>
-                      <a:pPr algn="l" fontAlgn="t"/>
-                      <a:r>
-                        <a:rPr lang="en-US">
-                          <a:effectLst/>
-                        </a:rPr>
-                        <a:t>DADD(.B) #0, dst</a:t>
-                      </a:r>
-                    </a:p>
-                  </a:txBody>
-                  <a:tcPr marL="76200" marR="76200" marT="76200" marB="76200">
-                    <a:lnL w="9525" cap="flat" cmpd="sng" algn="ctr">
-                      <a:solidFill>
-                        <a:srgbClr val="DDDDDD"/>
-                      </a:solidFill>
-                      <a:prstDash val="solid"/>
-                      <a:round/>
-                      <a:headEnd type="none" w="med" len="med"/>
-                      <a:tailEnd type="none" w="med" len="med"/>
-                    </a:lnL>
-                    <a:lnR w="9525" cap="flat" cmpd="sng" algn="ctr">
-                      <a:solidFill>
-                        <a:srgbClr val="DDDDDD"/>
-                      </a:solidFill>
-                      <a:prstDash val="solid"/>
-                      <a:round/>
-                      <a:headEnd type="none" w="med" len="med"/>
-                      <a:tailEnd type="none" w="med" len="med"/>
-                    </a:lnR>
-                    <a:lnT w="9525" cap="flat" cmpd="sng" algn="ctr">
-                      <a:solidFill>
-                        <a:srgbClr val="DDDDDD"/>
-                      </a:solidFill>
-                      <a:prstDash val="solid"/>
-                      <a:round/>
-                      <a:headEnd type="none" w="med" len="med"/>
-                      <a:tailEnd type="none" w="med" len="med"/>
-                    </a:lnT>
-                    <a:lnB w="9525" cap="flat" cmpd="sng" algn="ctr">
-                      <a:solidFill>
-                        <a:srgbClr val="DDDDDD"/>
-                      </a:solidFill>
-                      <a:prstDash val="solid"/>
-                      <a:round/>
-                      <a:headEnd type="none" w="med" len="med"/>
-                      <a:tailEnd type="none" w="med" len="med"/>
-                    </a:lnB>
-                    <a:solidFill>
-                      <a:srgbClr val="FFFFFF"/>
-                    </a:solidFill>
-                  </a:tcPr>
-                </a:tc>
-              </a:tr>
-              <a:tr h="370824">
-                <a:tc>
-                  <a:txBody>
-                    <a:bodyPr/>
-                    <a:lstStyle/>
-                    <a:p>
-                      <a:pPr algn="l" fontAlgn="t"/>
-                      <a:r>
-                        <a:rPr lang="en-US">
-                          <a:effectLst/>
-                        </a:rPr>
-                        <a:t>SBC(.B) dst</a:t>
-                      </a:r>
-                    </a:p>
-                  </a:txBody>
-                  <a:tcPr marL="76200" marR="76200" marT="76200" marB="76200">
-                    <a:lnL w="9525" cap="flat" cmpd="sng" algn="ctr">
-                      <a:solidFill>
-                        <a:srgbClr val="DDDDDD"/>
-                      </a:solidFill>
-                      <a:prstDash val="solid"/>
-                      <a:round/>
-                      <a:headEnd type="none" w="med" len="med"/>
-                      <a:tailEnd type="none" w="med" len="med"/>
-                    </a:lnL>
-                    <a:lnR w="9525" cap="flat" cmpd="sng" algn="ctr">
-                      <a:solidFill>
-                        <a:srgbClr val="DDDDDD"/>
-                      </a:solidFill>
-                      <a:prstDash val="solid"/>
-                      <a:round/>
-                      <a:headEnd type="none" w="med" len="med"/>
-                      <a:tailEnd type="none" w="med" len="med"/>
-                    </a:lnR>
-                    <a:lnT w="9525" cap="flat" cmpd="sng" algn="ctr">
-                      <a:solidFill>
-                        <a:srgbClr val="DDDDDD"/>
-                      </a:solidFill>
-                      <a:prstDash val="solid"/>
-                      <a:round/>
-                      <a:headEnd type="none" w="med" len="med"/>
-                      <a:tailEnd type="none" w="med" len="med"/>
-                    </a:lnT>
-                    <a:lnB w="9525" cap="flat" cmpd="sng" algn="ctr">
-                      <a:solidFill>
-                        <a:srgbClr val="DDDDDD"/>
-                      </a:solidFill>
-                      <a:prstDash val="solid"/>
-                      <a:round/>
-                      <a:headEnd type="none" w="med" len="med"/>
-                      <a:tailEnd type="none" w="med" len="med"/>
-                    </a:lnB>
-                    <a:solidFill>
-                      <a:srgbClr val="FFFFFF"/>
-                    </a:solidFill>
-                  </a:tcPr>
-                </a:tc>
-                <a:tc>
-                  <a:txBody>
-                    <a:bodyPr/>
-                    <a:lstStyle/>
-                    <a:p>
-                      <a:pPr algn="l" fontAlgn="t"/>
-                      <a:r>
-                        <a:rPr lang="en-US" dirty="0">
-                          <a:effectLst/>
-                        </a:rPr>
-                        <a:t>SUBC(.B) #0, </a:t>
-                      </a:r>
-                      <a:r>
-                        <a:rPr lang="en-US" dirty="0" err="1">
-                          <a:effectLst/>
-                        </a:rPr>
-                        <a:t>dst</a:t>
-                      </a:r>
-                      <a:endParaRPr lang="en-US" dirty="0">
-                        <a:effectLst/>
-                      </a:endParaRPr>
-                    </a:p>
-                  </a:txBody>
-                  <a:tcPr marL="76200" marR="76200" marT="76200" marB="76200">
-                    <a:lnL w="9525" cap="flat" cmpd="sng" algn="ctr">
-                      <a:solidFill>
-                        <a:srgbClr val="DDDDDD"/>
-                      </a:solidFill>
-                      <a:prstDash val="solid"/>
-                      <a:round/>
-                      <a:headEnd type="none" w="med" len="med"/>
-                      <a:tailEnd type="none" w="med" len="med"/>
-                    </a:lnL>
-                    <a:lnR w="9525" cap="flat" cmpd="sng" algn="ctr">
-                      <a:solidFill>
-                        <a:srgbClr val="DDDDDD"/>
-                      </a:solidFill>
-                      <a:prstDash val="solid"/>
-                      <a:round/>
-                      <a:headEnd type="none" w="med" len="med"/>
-                      <a:tailEnd type="none" w="med" len="med"/>
-                    </a:lnR>
-                    <a:lnT w="9525" cap="flat" cmpd="sng" algn="ctr">
-                      <a:solidFill>
-                        <a:srgbClr val="DDDDDD"/>
-                      </a:solidFill>
-                      <a:prstDash val="solid"/>
-                      <a:round/>
-                      <a:headEnd type="none" w="med" len="med"/>
-                      <a:tailEnd type="none" w="med" len="med"/>
-                    </a:lnT>
-                    <a:lnB w="9525" cap="flat" cmpd="sng" algn="ctr">
-                      <a:solidFill>
-                        <a:srgbClr val="DDDDDD"/>
-                      </a:solidFill>
-                      <a:prstDash val="solid"/>
-                      <a:round/>
-                      <a:headEnd type="none" w="med" len="med"/>
-                      <a:tailEnd type="none" w="med" len="med"/>
-                    </a:lnB>
-                    <a:solidFill>
-                      <a:srgbClr val="FFFFFF"/>
-                    </a:solidFill>
-                  </a:tcPr>
-                </a:tc>
-              </a:tr>
-            </a:tbl>
-          </a:graphicData>
-        </a:graphic>
-      </p:graphicFrame>
-    </p:spTree>
-    <p:extLst>
-      <p:ext uri="{BB962C8B-B14F-4D97-AF65-F5344CB8AC3E}">
-        <p14:creationId xmlns:p14="http://schemas.microsoft.com/office/powerpoint/2010/main" val="3941392501"/>
-      </p:ext>
-    </p:extLst>
-  </p:cSld>
-  <p:clrMapOvr>
-    <a:masterClrMapping/>
-  </p:clrMapOvr>
-  <p:timing>
-    <p:tnLst>
-      <p:par>
-        <p:cTn id="1" dur="indefinite" restart="never" nodeType="tmRoot"/>
-      </p:par>
-    </p:tnLst>
-  </p:timing>
-</p:sld>
-</file>
-
-<file path=ppt/slides/slide28.xml><?xml version="1.0" encoding="utf-8"?>
+<file path=ppt/slides/slide22.xml><?xml version="1.0" encoding="utf-8"?>
 <p:sld xmlns:a="http://schemas.openxmlformats.org/drawingml/2006/main" xmlns:r="http://schemas.openxmlformats.org/officeDocument/2006/relationships" xmlns:p="http://schemas.openxmlformats.org/presentationml/2006/main">
   <p:cSld>
     <p:spTree>
@@ -20634,131 +14974,6 @@
           <a:lstStyle/>
           <a:p>
             <a:r>
-              <a:rPr lang="en-US" dirty="0" smtClean="0"/>
-              <a:t>Digital Input Signals</a:t>
-            </a:r>
-            <a:endParaRPr lang="en-US" dirty="0"/>
-          </a:p>
-        </p:txBody>
-      </p:sp>
-      <p:sp>
-        <p:nvSpPr>
-          <p:cNvPr id="3" name="Content Placeholder 2"/>
-          <p:cNvSpPr>
-            <a:spLocks noGrp="1"/>
-          </p:cNvSpPr>
-          <p:nvPr>
-            <p:ph idx="1"/>
-          </p:nvPr>
-        </p:nvSpPr>
-        <p:spPr>
-          <a:xfrm>
-            <a:off x="365760" y="1463040"/>
-            <a:ext cx="5223116" cy="4937760"/>
-          </a:xfrm>
-        </p:spPr>
-        <p:txBody>
-          <a:bodyPr/>
-          <a:lstStyle/>
-          <a:p>
-            <a:r>
-              <a:rPr lang="en-US" dirty="0" smtClean="0"/>
-              <a:t>Often …</a:t>
-            </a:r>
-            <a:endParaRPr lang="en-US" dirty="0"/>
-          </a:p>
-        </p:txBody>
-      </p:sp>
-      <p:pic>
-        <p:nvPicPr>
-          <p:cNvPr id="4" name="Content Placeholder 4"/>
-          <p:cNvPicPr>
-            <a:picLocks noChangeAspect="1"/>
-          </p:cNvPicPr>
-          <p:nvPr/>
-        </p:nvPicPr>
-        <p:blipFill>
-          <a:blip r:embed="rId2">
-            <a:extLst>
-              <a:ext uri="{28A0092B-C50C-407E-A947-70E740481C1C}">
-                <a14:useLocalDpi xmlns:a14="http://schemas.microsoft.com/office/drawing/2010/main" val="0"/>
-              </a:ext>
-            </a:extLst>
-          </a:blip>
-          <a:stretch>
-            <a:fillRect/>
-          </a:stretch>
-        </p:blipFill>
-        <p:spPr bwMode="auto">
-          <a:xfrm>
-            <a:off x="5349240" y="1463675"/>
-            <a:ext cx="3450912" cy="4937125"/>
-          </a:xfrm>
-          <a:prstGeom prst="rect">
-            <a:avLst/>
-          </a:prstGeom>
-          <a:noFill/>
-          <a:ln w="9525">
-            <a:noFill/>
-            <a:miter lim="800000"/>
-            <a:headEnd/>
-            <a:tailEnd/>
-          </a:ln>
-        </p:spPr>
-      </p:pic>
-    </p:spTree>
-    <p:extLst>
-      <p:ext uri="{BB962C8B-B14F-4D97-AF65-F5344CB8AC3E}">
-        <p14:creationId xmlns:p14="http://schemas.microsoft.com/office/powerpoint/2010/main" val="1004733878"/>
-      </p:ext>
-    </p:extLst>
-  </p:cSld>
-  <p:clrMapOvr>
-    <a:masterClrMapping/>
-  </p:clrMapOvr>
-  <p:timing>
-    <p:tnLst>
-      <p:par>
-        <p:cTn id="1" dur="indefinite" restart="never" nodeType="tmRoot"/>
-      </p:par>
-    </p:tnLst>
-  </p:timing>
-</p:sld>
-</file>
-
-<file path=ppt/slides/slide7.xml><?xml version="1.0" encoding="utf-8"?>
-<p:sld xmlns:a="http://schemas.openxmlformats.org/drawingml/2006/main" xmlns:r="http://schemas.openxmlformats.org/officeDocument/2006/relationships" xmlns:p="http://schemas.openxmlformats.org/presentationml/2006/main">
-  <p:cSld>
-    <p:spTree>
-      <p:nvGrpSpPr>
-        <p:cNvPr id="1" name=""/>
-        <p:cNvGrpSpPr/>
-        <p:nvPr/>
-      </p:nvGrpSpPr>
-      <p:grpSpPr>
-        <a:xfrm>
-          <a:off x="0" y="0"/>
-          <a:ext cx="0" cy="0"/>
-          <a:chOff x="0" y="0"/>
-          <a:chExt cx="0" cy="0"/>
-        </a:xfrm>
-      </p:grpSpPr>
-      <p:sp>
-        <p:nvSpPr>
-          <p:cNvPr id="2" name="Title 1"/>
-          <p:cNvSpPr>
-            <a:spLocks noGrp="1"/>
-          </p:cNvSpPr>
-          <p:nvPr>
-            <p:ph type="title"/>
-          </p:nvPr>
-        </p:nvSpPr>
-        <p:spPr/>
-        <p:txBody>
-          <a:bodyPr/>
-          <a:lstStyle/>
-          <a:p>
-            <a:r>
               <a:rPr lang="en-US" dirty="0" err="1" smtClean="0"/>
               <a:t>Debouncing</a:t>
             </a:r>
@@ -20783,7 +14998,17 @@
           <a:p>
             <a:r>
               <a:rPr lang="en-US" dirty="0" smtClean="0"/>
-              <a:t>Most buttons, switches, relays, </a:t>
+              <a:t>Lot of inputs have a mechanical component to them</a:t>
+            </a:r>
+          </a:p>
+          <a:p>
+            <a:r>
+              <a:rPr lang="en-US" dirty="0" smtClean="0"/>
+              <a:t>Most </a:t>
+            </a:r>
+            <a:r>
+              <a:rPr lang="en-US" dirty="0" smtClean="0"/>
+              <a:t>buttons, switches, relays, </a:t>
             </a:r>
             <a:r>
               <a:rPr lang="en-US" dirty="0" err="1" smtClean="0"/>
@@ -20828,7 +15053,7 @@
         </p:blipFill>
         <p:spPr>
           <a:xfrm>
-            <a:off x="943138" y="3102528"/>
+            <a:off x="882015" y="3475968"/>
             <a:ext cx="4467225" cy="2838450"/>
           </a:xfrm>
           <a:prstGeom prst="rect">
@@ -20844,7 +15069,7 @@
         </p:nvSpPr>
         <p:spPr>
           <a:xfrm>
-            <a:off x="5586330" y="3102528"/>
+            <a:off x="5680923" y="3741031"/>
             <a:ext cx="3015943" cy="2308324"/>
           </a:xfrm>
           <a:prstGeom prst="rect">
@@ -20886,7 +15111,7 @@
 </p:sld>
 </file>
 
-<file path=ppt/slides/slide8.xml><?xml version="1.0" encoding="utf-8"?>
+<file path=ppt/slides/slide7.xml><?xml version="1.0" encoding="utf-8"?>
 <p:sld xmlns:a="http://schemas.openxmlformats.org/drawingml/2006/main" xmlns:r="http://schemas.openxmlformats.org/officeDocument/2006/relationships" xmlns:p="http://schemas.openxmlformats.org/presentationml/2006/main">
   <p:cSld>
     <p:spTree>
@@ -21064,7 +15289,7 @@
 </p:sld>
 </file>
 
-<file path=ppt/slides/slide9.xml><?xml version="1.0" encoding="utf-8"?>
+<file path=ppt/slides/slide8.xml><?xml version="1.0" encoding="utf-8"?>
 <p:sld xmlns:a="http://schemas.openxmlformats.org/drawingml/2006/main" xmlns:r="http://schemas.openxmlformats.org/officeDocument/2006/relationships" xmlns:p="http://schemas.openxmlformats.org/presentationml/2006/main">
   <p:cSld>
     <p:spTree>
@@ -21500,6 +15725,107 @@
     <p:extLst>
       <p:ext uri="{BB962C8B-B14F-4D97-AF65-F5344CB8AC3E}">
         <p14:creationId xmlns:p14="http://schemas.microsoft.com/office/powerpoint/2010/main" val="4233297911"/>
+      </p:ext>
+    </p:extLst>
+  </p:cSld>
+  <p:clrMapOvr>
+    <a:masterClrMapping/>
+  </p:clrMapOvr>
+  <p:timing>
+    <p:tnLst>
+      <p:par>
+        <p:cTn id="1" dur="indefinite" restart="never" nodeType="tmRoot"/>
+      </p:par>
+    </p:tnLst>
+  </p:timing>
+</p:sld>
+</file>
+
+<file path=ppt/slides/slide9.xml><?xml version="1.0" encoding="utf-8"?>
+<p:sld xmlns:a="http://schemas.openxmlformats.org/drawingml/2006/main" xmlns:r="http://schemas.openxmlformats.org/officeDocument/2006/relationships" xmlns:p="http://schemas.openxmlformats.org/presentationml/2006/main">
+  <p:cSld>
+    <p:spTree>
+      <p:nvGrpSpPr>
+        <p:cNvPr id="1" name=""/>
+        <p:cNvGrpSpPr/>
+        <p:nvPr/>
+      </p:nvGrpSpPr>
+      <p:grpSpPr>
+        <a:xfrm>
+          <a:off x="0" y="0"/>
+          <a:ext cx="0" cy="0"/>
+          <a:chOff x="0" y="0"/>
+          <a:chExt cx="0" cy="0"/>
+        </a:xfrm>
+      </p:grpSpPr>
+      <p:sp>
+        <p:nvSpPr>
+          <p:cNvPr id="2" name="Title 1"/>
+          <p:cNvSpPr>
+            <a:spLocks noGrp="1"/>
+          </p:cNvSpPr>
+          <p:nvPr>
+            <p:ph type="title"/>
+          </p:nvPr>
+        </p:nvSpPr>
+        <p:spPr/>
+        <p:txBody>
+          <a:bodyPr/>
+          <a:lstStyle/>
+          <a:p>
+            <a:r>
+              <a:rPr lang="en-US" b="1" dirty="0" smtClean="0"/>
+              <a:t>Logic Analyzer</a:t>
+            </a:r>
+            <a:endParaRPr lang="en-US" dirty="0"/>
+          </a:p>
+        </p:txBody>
+      </p:sp>
+      <p:pic>
+        <p:nvPicPr>
+          <p:cNvPr id="1026" name="Picture 2" descr="Bounce Example 1"/>
+          <p:cNvPicPr>
+            <a:picLocks noChangeAspect="1" noChangeArrowheads="1"/>
+          </p:cNvPicPr>
+          <p:nvPr/>
+        </p:nvPicPr>
+        <p:blipFill>
+          <a:blip r:embed="rId2">
+            <a:extLst>
+              <a:ext uri="{28A0092B-C50C-407E-A947-70E740481C1C}">
+                <a14:useLocalDpi xmlns:a14="http://schemas.microsoft.com/office/drawing/2010/main" val="0"/>
+              </a:ext>
+            </a:extLst>
+          </a:blip>
+          <a:srcRect/>
+          <a:stretch>
+            <a:fillRect/>
+          </a:stretch>
+        </p:blipFill>
+        <p:spPr bwMode="auto">
+          <a:xfrm>
+            <a:off x="972872" y="1646076"/>
+            <a:ext cx="6949232" cy="5211924"/>
+          </a:xfrm>
+          <a:prstGeom prst="rect">
+            <a:avLst/>
+          </a:prstGeom>
+          <a:noFill/>
+          <a:extLst>
+            <a:ext uri="{909E8E84-426E-40DD-AFC4-6F175D3DCCD1}">
+              <a14:hiddenFill xmlns:a14="http://schemas.microsoft.com/office/drawing/2010/main">
+                <a:solidFill>
+                  <a:srgbClr val="FFFFFF"/>
+                </a:solidFill>
+              </a14:hiddenFill>
+            </a:ext>
+          </a:extLst>
+        </p:spPr>
+      </p:pic>
+    </p:spTree>
+    <p:extLst>
+      <p:ext uri="{BB962C8B-B14F-4D97-AF65-F5344CB8AC3E}">
+        <p14:creationId xmlns:p14="http://schemas.microsoft.com/office/powerpoint/2010/main" val="22206249"/>
       </p:ext>
     </p:extLst>
   </p:cSld>

--- a/source/lessons/lsn14-15/Lsn14-15.pptx
+++ b/source/lessons/lsn14-15/Lsn14-15.pptx
@@ -1372,7 +1372,7 @@
           <a:p>
             <a:fld id="{834513E8-165F-4932-9E2D-FD497CB9A4FD}" type="datetimeFigureOut">
               <a:rPr lang="en-US" smtClean="0"/>
-              <a:t>7/10/2018</a:t>
+              <a:t>7/16/2018</a:t>
             </a:fld>
             <a:endParaRPr lang="en-US"/>
           </a:p>
@@ -1649,7 +1649,7 @@
           <a:p>
             <a:fld id="{834513E8-165F-4932-9E2D-FD497CB9A4FD}" type="datetimeFigureOut">
               <a:rPr lang="en-US" smtClean="0"/>
-              <a:t>7/10/2018</a:t>
+              <a:t>7/16/2018</a:t>
             </a:fld>
             <a:endParaRPr lang="en-US"/>
           </a:p>
@@ -1902,7 +1902,7 @@
           <a:p>
             <a:fld id="{834513E8-165F-4932-9E2D-FD497CB9A4FD}" type="datetimeFigureOut">
               <a:rPr lang="en-US" smtClean="0"/>
-              <a:t>7/10/2018</a:t>
+              <a:t>7/16/2018</a:t>
             </a:fld>
             <a:endParaRPr lang="en-US"/>
           </a:p>
@@ -2072,7 +2072,7 @@
           <a:p>
             <a:fld id="{834513E8-165F-4932-9E2D-FD497CB9A4FD}" type="datetimeFigureOut">
               <a:rPr lang="en-US" smtClean="0"/>
-              <a:t>7/10/2018</a:t>
+              <a:t>7/16/2018</a:t>
             </a:fld>
             <a:endParaRPr lang="en-US"/>
           </a:p>
@@ -2252,7 +2252,7 @@
           <a:p>
             <a:fld id="{834513E8-165F-4932-9E2D-FD497CB9A4FD}" type="datetimeFigureOut">
               <a:rPr lang="en-US" smtClean="0"/>
-              <a:t>7/10/2018</a:t>
+              <a:t>7/16/2018</a:t>
             </a:fld>
             <a:endParaRPr lang="en-US"/>
           </a:p>
@@ -2996,7 +2996,7 @@
           <a:p>
             <a:fld id="{834513E8-165F-4932-9E2D-FD497CB9A4FD}" type="datetimeFigureOut">
               <a:rPr lang="en-US" smtClean="0"/>
-              <a:t>7/10/2018</a:t>
+              <a:t>7/16/2018</a:t>
             </a:fld>
             <a:endParaRPr lang="en-US"/>
           </a:p>
@@ -3166,7 +3166,7 @@
           <a:p>
             <a:fld id="{834513E8-165F-4932-9E2D-FD497CB9A4FD}" type="datetimeFigureOut">
               <a:rPr lang="en-US" smtClean="0"/>
-              <a:t>7/10/2018</a:t>
+              <a:t>7/16/2018</a:t>
             </a:fld>
             <a:endParaRPr lang="en-US"/>
           </a:p>
@@ -3412,7 +3412,7 @@
           <a:p>
             <a:fld id="{834513E8-165F-4932-9E2D-FD497CB9A4FD}" type="datetimeFigureOut">
               <a:rPr lang="en-US" smtClean="0"/>
-              <a:t>7/10/2018</a:t>
+              <a:t>7/16/2018</a:t>
             </a:fld>
             <a:endParaRPr lang="en-US"/>
           </a:p>
@@ -3644,7 +3644,7 @@
           <a:p>
             <a:fld id="{834513E8-165F-4932-9E2D-FD497CB9A4FD}" type="datetimeFigureOut">
               <a:rPr lang="en-US" smtClean="0"/>
-              <a:t>7/10/2018</a:t>
+              <a:t>7/16/2018</a:t>
             </a:fld>
             <a:endParaRPr lang="en-US"/>
           </a:p>
@@ -4011,7 +4011,7 @@
           <a:p>
             <a:fld id="{834513E8-165F-4932-9E2D-FD497CB9A4FD}" type="datetimeFigureOut">
               <a:rPr lang="en-US" smtClean="0"/>
-              <a:t>7/10/2018</a:t>
+              <a:t>7/16/2018</a:t>
             </a:fld>
             <a:endParaRPr lang="en-US"/>
           </a:p>
@@ -4129,7 +4129,7 @@
           <a:p>
             <a:fld id="{834513E8-165F-4932-9E2D-FD497CB9A4FD}" type="datetimeFigureOut">
               <a:rPr lang="en-US" smtClean="0"/>
-              <a:t>7/10/2018</a:t>
+              <a:t>7/16/2018</a:t>
             </a:fld>
             <a:endParaRPr lang="en-US"/>
           </a:p>
@@ -5945,7 +5945,7 @@
           <a:p>
             <a:fld id="{834513E8-165F-4932-9E2D-FD497CB9A4FD}" type="datetimeFigureOut">
               <a:rPr lang="en-US" smtClean="0"/>
-              <a:t>7/10/2018</a:t>
+              <a:t>7/16/2018</a:t>
             </a:fld>
             <a:endParaRPr lang="en-US"/>
           </a:p>
@@ -10188,74 +10188,6 @@
       </p:sp>
       <p:sp>
         <p:nvSpPr>
-          <p:cNvPr id="5" name="Rectangle 4"/>
-          <p:cNvSpPr/>
-          <p:nvPr/>
-        </p:nvSpPr>
-        <p:spPr bwMode="auto">
-          <a:xfrm>
-            <a:off x="6312877" y="3863945"/>
-            <a:ext cx="1793631" cy="461665"/>
-          </a:xfrm>
-          <a:prstGeom prst="rect">
-            <a:avLst/>
-          </a:prstGeom>
-          <a:solidFill>
-            <a:srgbClr val="FFFF00"/>
-          </a:solidFill>
-          <a:ln w="9525" cap="flat" cmpd="sng" algn="ctr">
-            <a:noFill/>
-            <a:prstDash val="solid"/>
-            <a:round/>
-            <a:headEnd type="none" w="med" len="med"/>
-            <a:tailEnd type="none" w="med" len="med"/>
-          </a:ln>
-          <a:effectLst/>
-        </p:spPr>
-        <p:txBody>
-          <a:bodyPr vert="horz" wrap="square" lIns="91440" tIns="45720" rIns="91440" bIns="45720" numCol="1" rtlCol="0" anchor="t" anchorCtr="0" compatLnSpc="1">
-            <a:prstTxWarp prst="textNoShape">
-              <a:avLst/>
-            </a:prstTxWarp>
-            <a:spAutoFit/>
-          </a:bodyPr>
-          <a:lstStyle/>
-          <a:p>
-            <a:pPr marL="0" marR="0" indent="0" algn="l" defTabSz="914400" rtl="0" eaLnBrk="1" fontAlgn="base" latinLnBrk="0" hangingPunct="1">
-              <a:lnSpc>
-                <a:spcPct val="100000"/>
-              </a:lnSpc>
-              <a:spcBef>
-                <a:spcPct val="50000"/>
-              </a:spcBef>
-              <a:spcAft>
-                <a:spcPct val="0"/>
-              </a:spcAft>
-              <a:buClrTx/>
-              <a:buSzTx/>
-              <a:buFontTx/>
-              <a:buNone/>
-              <a:tabLst/>
-            </a:pPr>
-            <a:r>
-              <a:rPr kumimoji="0" lang="en-US" sz="2400" b="0" i="0" u="none" strike="noStrike" cap="none" normalizeH="0" baseline="0" dirty="0" smtClean="0">
-                <a:ln>
-                  <a:noFill/>
-                </a:ln>
-                <a:solidFill>
-                  <a:schemeClr val="tx1"/>
-                </a:solidFill>
-                <a:effectLst/>
-                <a:latin typeface="Times New Roman" pitchFamily="18" charset="0"/>
-                <a:sym typeface="Wingdings" pitchFamily="2" charset="2"/>
-              </a:rPr>
-              <a:t>BB Pg. 126 </a:t>
-            </a:r>
-          </a:p>
-        </p:txBody>
-      </p:sp>
-      <p:sp>
-        <p:nvSpPr>
           <p:cNvPr id="8" name="Rectangle 7"/>
           <p:cNvSpPr/>
           <p:nvPr/>
@@ -15004,11 +14936,7 @@
           <a:p>
             <a:r>
               <a:rPr lang="en-US" dirty="0" smtClean="0"/>
-              <a:t>Most </a:t>
-            </a:r>
-            <a:r>
-              <a:rPr lang="en-US" dirty="0" smtClean="0"/>
-              <a:t>buttons, switches, relays, </a:t>
+              <a:t>Most buttons, switches, relays, </a:t>
             </a:r>
             <a:r>
               <a:rPr lang="en-US" dirty="0" err="1" smtClean="0"/>
@@ -15675,8 +15603,8 @@
         </p:nvSpPr>
         <p:spPr>
           <a:xfrm>
-            <a:off x="270422" y="3981446"/>
-            <a:ext cx="2522483" cy="1569660"/>
+            <a:off x="367812" y="3663051"/>
+            <a:ext cx="2522483" cy="2092881"/>
           </a:xfrm>
           <a:prstGeom prst="rect">
             <a:avLst/>
@@ -15690,7 +15618,7 @@
           <a:lstStyle/>
           <a:p>
             <a:r>
-              <a:rPr lang="en-US" dirty="0" smtClean="0">
+              <a:rPr lang="en-US" sz="2000" dirty="0" smtClean="0">
                 <a:solidFill>
                   <a:srgbClr val="00B050"/>
                 </a:solidFill>
@@ -15698,7 +15626,7 @@
               <a:t>When the button is pressed, what value does the </a:t>
             </a:r>
             <a:r>
-              <a:rPr lang="en-US" dirty="0" err="1" smtClean="0">
+              <a:rPr lang="en-US" sz="2000" dirty="0" err="1" smtClean="0">
                 <a:solidFill>
                   <a:srgbClr val="00B050"/>
                 </a:solidFill>
@@ -15706,14 +15634,48 @@
               <a:t>uC</a:t>
             </a:r>
             <a:r>
-              <a:rPr lang="en-US" dirty="0" smtClean="0">
+              <a:rPr lang="en-US" sz="2000" dirty="0" smtClean="0">
                 <a:solidFill>
                   <a:srgbClr val="00B050"/>
                 </a:solidFill>
               </a:rPr>
+              <a:t> see</a:t>
+            </a:r>
+            <a:r>
+              <a:rPr lang="en-US" sz="2000" dirty="0" smtClean="0">
+                <a:solidFill>
+                  <a:srgbClr val="00B050"/>
+                </a:solidFill>
+              </a:rPr>
+              <a:t>?</a:t>
+            </a:r>
+          </a:p>
+          <a:p>
+            <a:r>
+              <a:rPr lang="en-US" sz="2000" dirty="0" smtClean="0">
+                <a:solidFill>
+                  <a:srgbClr val="00B050"/>
+                </a:solidFill>
+              </a:rPr>
+              <a:t>When the button is open, what value does the </a:t>
+            </a:r>
+            <a:r>
+              <a:rPr lang="en-US" sz="2000" dirty="0" err="1" smtClean="0">
+                <a:solidFill>
+                  <a:srgbClr val="00B050"/>
+                </a:solidFill>
+              </a:rPr>
+              <a:t>uC</a:t>
+            </a:r>
+            <a:r>
+              <a:rPr lang="en-US" sz="2000" dirty="0" smtClean="0">
+                <a:solidFill>
+                  <a:srgbClr val="00B050"/>
+                </a:solidFill>
+              </a:rPr>
               <a:t> see?</a:t>
             </a:r>
-            <a:endParaRPr lang="en-US" dirty="0">
+            <a:endParaRPr lang="en-US" sz="2000" dirty="0">
               <a:solidFill>
                 <a:srgbClr val="00B050"/>
               </a:solidFill>

--- a/source/lessons/lsn14-15/Lsn14-15.pptx
+++ b/source/lessons/lsn14-15/Lsn14-15.pptx
@@ -1372,7 +1372,7 @@
           <a:p>
             <a:fld id="{834513E8-165F-4932-9E2D-FD497CB9A4FD}" type="datetimeFigureOut">
               <a:rPr lang="en-US" smtClean="0"/>
-              <a:t>7/16/2018</a:t>
+              <a:t>7/23/2018</a:t>
             </a:fld>
             <a:endParaRPr lang="en-US"/>
           </a:p>
@@ -1649,7 +1649,7 @@
           <a:p>
             <a:fld id="{834513E8-165F-4932-9E2D-FD497CB9A4FD}" type="datetimeFigureOut">
               <a:rPr lang="en-US" smtClean="0"/>
-              <a:t>7/16/2018</a:t>
+              <a:t>7/23/2018</a:t>
             </a:fld>
             <a:endParaRPr lang="en-US"/>
           </a:p>
@@ -1902,7 +1902,7 @@
           <a:p>
             <a:fld id="{834513E8-165F-4932-9E2D-FD497CB9A4FD}" type="datetimeFigureOut">
               <a:rPr lang="en-US" smtClean="0"/>
-              <a:t>7/16/2018</a:t>
+              <a:t>7/23/2018</a:t>
             </a:fld>
             <a:endParaRPr lang="en-US"/>
           </a:p>
@@ -2072,7 +2072,7 @@
           <a:p>
             <a:fld id="{834513E8-165F-4932-9E2D-FD497CB9A4FD}" type="datetimeFigureOut">
               <a:rPr lang="en-US" smtClean="0"/>
-              <a:t>7/16/2018</a:t>
+              <a:t>7/23/2018</a:t>
             </a:fld>
             <a:endParaRPr lang="en-US"/>
           </a:p>
@@ -2252,7 +2252,7 @@
           <a:p>
             <a:fld id="{834513E8-165F-4932-9E2D-FD497CB9A4FD}" type="datetimeFigureOut">
               <a:rPr lang="en-US" smtClean="0"/>
-              <a:t>7/16/2018</a:t>
+              <a:t>7/23/2018</a:t>
             </a:fld>
             <a:endParaRPr lang="en-US"/>
           </a:p>
@@ -2996,7 +2996,7 @@
           <a:p>
             <a:fld id="{834513E8-165F-4932-9E2D-FD497CB9A4FD}" type="datetimeFigureOut">
               <a:rPr lang="en-US" smtClean="0"/>
-              <a:t>7/16/2018</a:t>
+              <a:t>7/23/2018</a:t>
             </a:fld>
             <a:endParaRPr lang="en-US"/>
           </a:p>
@@ -3166,7 +3166,7 @@
           <a:p>
             <a:fld id="{834513E8-165F-4932-9E2D-FD497CB9A4FD}" type="datetimeFigureOut">
               <a:rPr lang="en-US" smtClean="0"/>
-              <a:t>7/16/2018</a:t>
+              <a:t>7/23/2018</a:t>
             </a:fld>
             <a:endParaRPr lang="en-US"/>
           </a:p>
@@ -3412,7 +3412,7 @@
           <a:p>
             <a:fld id="{834513E8-165F-4932-9E2D-FD497CB9A4FD}" type="datetimeFigureOut">
               <a:rPr lang="en-US" smtClean="0"/>
-              <a:t>7/16/2018</a:t>
+              <a:t>7/23/2018</a:t>
             </a:fld>
             <a:endParaRPr lang="en-US"/>
           </a:p>
@@ -3644,7 +3644,7 @@
           <a:p>
             <a:fld id="{834513E8-165F-4932-9E2D-FD497CB9A4FD}" type="datetimeFigureOut">
               <a:rPr lang="en-US" smtClean="0"/>
-              <a:t>7/16/2018</a:t>
+              <a:t>7/23/2018</a:t>
             </a:fld>
             <a:endParaRPr lang="en-US"/>
           </a:p>
@@ -4011,7 +4011,7 @@
           <a:p>
             <a:fld id="{834513E8-165F-4932-9E2D-FD497CB9A4FD}" type="datetimeFigureOut">
               <a:rPr lang="en-US" smtClean="0"/>
-              <a:t>7/16/2018</a:t>
+              <a:t>7/23/2018</a:t>
             </a:fld>
             <a:endParaRPr lang="en-US"/>
           </a:p>
@@ -4129,7 +4129,7 @@
           <a:p>
             <a:fld id="{834513E8-165F-4932-9E2D-FD497CB9A4FD}" type="datetimeFigureOut">
               <a:rPr lang="en-US" smtClean="0"/>
-              <a:t>7/16/2018</a:t>
+              <a:t>7/23/2018</a:t>
             </a:fld>
             <a:endParaRPr lang="en-US"/>
           </a:p>
@@ -5945,7 +5945,7 @@
           <a:p>
             <a:fld id="{834513E8-165F-4932-9E2D-FD497CB9A4FD}" type="datetimeFigureOut">
               <a:rPr lang="en-US" smtClean="0"/>
-              <a:t>7/16/2018</a:t>
+              <a:t>7/23/2018</a:t>
             </a:fld>
             <a:endParaRPr lang="en-US"/>
           </a:p>
@@ -15639,15 +15639,7 @@
                   <a:srgbClr val="00B050"/>
                 </a:solidFill>
               </a:rPr>
-              <a:t> see</a:t>
-            </a:r>
-            <a:r>
-              <a:rPr lang="en-US" sz="2000" dirty="0" smtClean="0">
-                <a:solidFill>
-                  <a:srgbClr val="00B050"/>
-                </a:solidFill>
-              </a:rPr>
-              <a:t>?</a:t>
+              <a:t> see?</a:t>
             </a:r>
           </a:p>
           <a:p>

--- a/source/lessons/lsn14-15/Lsn14-15.pptx
+++ b/source/lessons/lsn14-15/Lsn14-15.pptx
@@ -7,10 +7,10 @@
     <p:sldMasterId id="2147483667" r:id="rId3"/>
   </p:sldMasterIdLst>
   <p:notesMasterIdLst>
-    <p:notesMasterId r:id="rId26"/>
+    <p:notesMasterId r:id="rId27"/>
   </p:notesMasterIdLst>
   <p:handoutMasterIdLst>
-    <p:handoutMasterId r:id="rId27"/>
+    <p:handoutMasterId r:id="rId28"/>
   </p:handoutMasterIdLst>
   <p:sldIdLst>
     <p:sldId id="352" r:id="rId4"/>
@@ -28,13 +28,14 @@
     <p:sldId id="367" r:id="rId16"/>
     <p:sldId id="370" r:id="rId17"/>
     <p:sldId id="371" r:id="rId18"/>
-    <p:sldId id="372" r:id="rId19"/>
-    <p:sldId id="374" r:id="rId20"/>
-    <p:sldId id="375" r:id="rId21"/>
-    <p:sldId id="376" r:id="rId22"/>
-    <p:sldId id="353" r:id="rId23"/>
-    <p:sldId id="358" r:id="rId24"/>
-    <p:sldId id="373" r:id="rId25"/>
+    <p:sldId id="382" r:id="rId19"/>
+    <p:sldId id="372" r:id="rId20"/>
+    <p:sldId id="374" r:id="rId21"/>
+    <p:sldId id="375" r:id="rId22"/>
+    <p:sldId id="376" r:id="rId23"/>
+    <p:sldId id="353" r:id="rId24"/>
+    <p:sldId id="358" r:id="rId25"/>
+    <p:sldId id="373" r:id="rId26"/>
   </p:sldIdLst>
   <p:sldSz cx="9144000" cy="6858000" type="screen4x3"/>
   <p:notesSz cx="7010400" cy="9296400"/>
@@ -1372,7 +1373,7 @@
           <a:p>
             <a:fld id="{834513E8-165F-4932-9E2D-FD497CB9A4FD}" type="datetimeFigureOut">
               <a:rPr lang="en-US" smtClean="0"/>
-              <a:t>7/23/2018</a:t>
+              <a:t>7/31/2018</a:t>
             </a:fld>
             <a:endParaRPr lang="en-US"/>
           </a:p>
@@ -1649,7 +1650,7 @@
           <a:p>
             <a:fld id="{834513E8-165F-4932-9E2D-FD497CB9A4FD}" type="datetimeFigureOut">
               <a:rPr lang="en-US" smtClean="0"/>
-              <a:t>7/23/2018</a:t>
+              <a:t>7/31/2018</a:t>
             </a:fld>
             <a:endParaRPr lang="en-US"/>
           </a:p>
@@ -1902,7 +1903,7 @@
           <a:p>
             <a:fld id="{834513E8-165F-4932-9E2D-FD497CB9A4FD}" type="datetimeFigureOut">
               <a:rPr lang="en-US" smtClean="0"/>
-              <a:t>7/23/2018</a:t>
+              <a:t>7/31/2018</a:t>
             </a:fld>
             <a:endParaRPr lang="en-US"/>
           </a:p>
@@ -2072,7 +2073,7 @@
           <a:p>
             <a:fld id="{834513E8-165F-4932-9E2D-FD497CB9A4FD}" type="datetimeFigureOut">
               <a:rPr lang="en-US" smtClean="0"/>
-              <a:t>7/23/2018</a:t>
+              <a:t>7/31/2018</a:t>
             </a:fld>
             <a:endParaRPr lang="en-US"/>
           </a:p>
@@ -2252,7 +2253,7 @@
           <a:p>
             <a:fld id="{834513E8-165F-4932-9E2D-FD497CB9A4FD}" type="datetimeFigureOut">
               <a:rPr lang="en-US" smtClean="0"/>
-              <a:t>7/23/2018</a:t>
+              <a:t>7/31/2018</a:t>
             </a:fld>
             <a:endParaRPr lang="en-US"/>
           </a:p>
@@ -2996,7 +2997,7 @@
           <a:p>
             <a:fld id="{834513E8-165F-4932-9E2D-FD497CB9A4FD}" type="datetimeFigureOut">
               <a:rPr lang="en-US" smtClean="0"/>
-              <a:t>7/23/2018</a:t>
+              <a:t>7/31/2018</a:t>
             </a:fld>
             <a:endParaRPr lang="en-US"/>
           </a:p>
@@ -3166,7 +3167,7 @@
           <a:p>
             <a:fld id="{834513E8-165F-4932-9E2D-FD497CB9A4FD}" type="datetimeFigureOut">
               <a:rPr lang="en-US" smtClean="0"/>
-              <a:t>7/23/2018</a:t>
+              <a:t>7/31/2018</a:t>
             </a:fld>
             <a:endParaRPr lang="en-US"/>
           </a:p>
@@ -3412,7 +3413,7 @@
           <a:p>
             <a:fld id="{834513E8-165F-4932-9E2D-FD497CB9A4FD}" type="datetimeFigureOut">
               <a:rPr lang="en-US" smtClean="0"/>
-              <a:t>7/23/2018</a:t>
+              <a:t>7/31/2018</a:t>
             </a:fld>
             <a:endParaRPr lang="en-US"/>
           </a:p>
@@ -3644,7 +3645,7 @@
           <a:p>
             <a:fld id="{834513E8-165F-4932-9E2D-FD497CB9A4FD}" type="datetimeFigureOut">
               <a:rPr lang="en-US" smtClean="0"/>
-              <a:t>7/23/2018</a:t>
+              <a:t>7/31/2018</a:t>
             </a:fld>
             <a:endParaRPr lang="en-US"/>
           </a:p>
@@ -4011,7 +4012,7 @@
           <a:p>
             <a:fld id="{834513E8-165F-4932-9E2D-FD497CB9A4FD}" type="datetimeFigureOut">
               <a:rPr lang="en-US" smtClean="0"/>
-              <a:t>7/23/2018</a:t>
+              <a:t>7/31/2018</a:t>
             </a:fld>
             <a:endParaRPr lang="en-US"/>
           </a:p>
@@ -4129,7 +4130,7 @@
           <a:p>
             <a:fld id="{834513E8-165F-4932-9E2D-FD497CB9A4FD}" type="datetimeFigureOut">
               <a:rPr lang="en-US" smtClean="0"/>
-              <a:t>7/23/2018</a:t>
+              <a:t>7/31/2018</a:t>
             </a:fld>
             <a:endParaRPr lang="en-US"/>
           </a:p>
@@ -5945,7 +5946,7 @@
           <a:p>
             <a:fld id="{834513E8-165F-4932-9E2D-FD497CB9A4FD}" type="datetimeFigureOut">
               <a:rPr lang="en-US" smtClean="0"/>
-              <a:t>7/23/2018</a:t>
+              <a:t>7/31/2018</a:t>
             </a:fld>
             <a:endParaRPr lang="en-US"/>
           </a:p>
@@ -8217,7 +8218,7 @@
         </p:nvSpPr>
         <p:spPr>
           <a:xfrm>
-            <a:off x="487266" y="1540975"/>
+            <a:off x="487266" y="1548858"/>
             <a:ext cx="7772400" cy="4724400"/>
           </a:xfrm>
         </p:spPr>
@@ -8617,7 +8618,7 @@
         <p:spPr bwMode="auto">
           <a:xfrm>
             <a:off x="4966137" y="2885090"/>
-            <a:ext cx="2435773" cy="1174531"/>
+            <a:ext cx="2435773" cy="1623848"/>
           </a:xfrm>
           <a:prstGeom prst="leftArrow">
             <a:avLst/>
@@ -8671,8 +8672,31 @@
                 <a:effectLst/>
                 <a:latin typeface="Arial" charset="0"/>
               </a:rPr>
-              <a:t>Remember when we talked about timing?</a:t>
-            </a:r>
+              <a:t>Remember when we talked about </a:t>
+            </a:r>
+            <a:r>
+              <a:rPr kumimoji="0" lang="en-US" sz="1600" b="0" i="0" u="none" strike="noStrike" cap="none" normalizeH="0" baseline="0" dirty="0" smtClean="0">
+                <a:ln>
+                  <a:noFill/>
+                </a:ln>
+                <a:solidFill>
+                  <a:schemeClr val="tx1"/>
+                </a:solidFill>
+                <a:effectLst/>
+                <a:latin typeface="Arial" charset="0"/>
+              </a:rPr>
+              <a:t>clock cycles?</a:t>
+            </a:r>
+            <a:endParaRPr kumimoji="0" lang="en-US" sz="1600" b="0" i="0" u="none" strike="noStrike" cap="none" normalizeH="0" baseline="0" dirty="0" smtClean="0">
+              <a:ln>
+                <a:noFill/>
+              </a:ln>
+              <a:solidFill>
+                <a:schemeClr val="tx1"/>
+              </a:solidFill>
+              <a:effectLst/>
+              <a:latin typeface="Arial" charset="0"/>
+            </a:endParaRPr>
           </a:p>
         </p:txBody>
       </p:sp>
@@ -9836,6 +9860,71 @@
           </a:extLst>
         </p:spPr>
       </p:pic>
+      <p:sp>
+        <p:nvSpPr>
+          <p:cNvPr id="5" name="Right Arrow 4"/>
+          <p:cNvSpPr/>
+          <p:nvPr/>
+        </p:nvSpPr>
+        <p:spPr bwMode="auto">
+          <a:xfrm>
+            <a:off x="1064172" y="5163207"/>
+            <a:ext cx="953814" cy="402021"/>
+          </a:xfrm>
+          <a:prstGeom prst="rightArrow">
+            <a:avLst/>
+          </a:prstGeom>
+          <a:solidFill>
+            <a:srgbClr val="00B050"/>
+          </a:solidFill>
+          <a:ln w="12700" cap="flat" cmpd="sng" algn="ctr">
+            <a:solidFill>
+              <a:schemeClr val="tx1"/>
+            </a:solidFill>
+            <a:prstDash val="solid"/>
+            <a:round/>
+            <a:headEnd type="none" w="med" len="med"/>
+            <a:tailEnd type="none" w="med" len="med"/>
+          </a:ln>
+          <a:effectLst/>
+        </p:spPr>
+        <p:txBody>
+          <a:bodyPr vert="horz" wrap="square" lIns="91440" tIns="45720" rIns="91440" bIns="45720" numCol="1" rtlCol="0" anchor="t" anchorCtr="0" compatLnSpc="1">
+            <a:prstTxWarp prst="textNoShape">
+              <a:avLst/>
+            </a:prstTxWarp>
+          </a:bodyPr>
+          <a:lstStyle/>
+          <a:p>
+            <a:pPr marL="0" marR="0" indent="0" algn="ctr" defTabSz="914400" rtl="0" eaLnBrk="0" fontAlgn="base" latinLnBrk="0" hangingPunct="0">
+              <a:lnSpc>
+                <a:spcPct val="100000"/>
+              </a:lnSpc>
+              <a:spcBef>
+                <a:spcPct val="0"/>
+              </a:spcBef>
+              <a:spcAft>
+                <a:spcPct val="0"/>
+              </a:spcAft>
+              <a:buClrTx/>
+              <a:buSzTx/>
+              <a:buFontTx/>
+              <a:buNone/>
+              <a:tabLst/>
+            </a:pPr>
+            <a:endParaRPr kumimoji="0" lang="en-US" sz="1600" b="0" i="0" u="none" strike="noStrike" cap="none" normalizeH="0" baseline="0" smtClean="0">
+              <a:ln>
+                <a:noFill/>
+              </a:ln>
+              <a:solidFill>
+                <a:schemeClr val="tx1"/>
+              </a:solidFill>
+              <a:effectLst/>
+              <a:latin typeface="Arial" charset="0"/>
+            </a:endParaRPr>
+          </a:p>
+        </p:txBody>
+      </p:sp>
     </p:spTree>
     <p:extLst>
       <p:ext uri="{BB962C8B-B14F-4D97-AF65-F5344CB8AC3E}">
@@ -9857,6 +9946,192 @@
 </file>
 
 <file path=ppt/slides/slide16.xml><?xml version="1.0" encoding="utf-8"?>
+<p:sld xmlns:a="http://schemas.openxmlformats.org/drawingml/2006/main" xmlns:r="http://schemas.openxmlformats.org/officeDocument/2006/relationships" xmlns:p="http://schemas.openxmlformats.org/presentationml/2006/main">
+  <p:cSld>
+    <p:spTree>
+      <p:nvGrpSpPr>
+        <p:cNvPr id="1" name=""/>
+        <p:cNvGrpSpPr/>
+        <p:nvPr/>
+      </p:nvGrpSpPr>
+      <p:grpSpPr>
+        <a:xfrm>
+          <a:off x="0" y="0"/>
+          <a:ext cx="0" cy="0"/>
+          <a:chOff x="0" y="0"/>
+          <a:chExt cx="0" cy="0"/>
+        </a:xfrm>
+      </p:grpSpPr>
+      <p:sp>
+        <p:nvSpPr>
+          <p:cNvPr id="2" name="Title 1"/>
+          <p:cNvSpPr>
+            <a:spLocks noGrp="1"/>
+          </p:cNvSpPr>
+          <p:nvPr>
+            <p:ph type="title"/>
+          </p:nvPr>
+        </p:nvSpPr>
+        <p:spPr/>
+        <p:txBody>
+          <a:bodyPr/>
+          <a:lstStyle/>
+          <a:p>
+            <a:r>
+              <a:rPr lang="en-US" dirty="0" smtClean="0"/>
+              <a:t>Calibrate DCO</a:t>
+            </a:r>
+            <a:endParaRPr lang="en-US" dirty="0"/>
+          </a:p>
+        </p:txBody>
+      </p:sp>
+      <p:sp>
+        <p:nvSpPr>
+          <p:cNvPr id="3" name="Content Placeholder 2"/>
+          <p:cNvSpPr>
+            <a:spLocks noGrp="1"/>
+          </p:cNvSpPr>
+          <p:nvPr>
+            <p:ph idx="1"/>
+          </p:nvPr>
+        </p:nvSpPr>
+        <p:spPr/>
+        <p:txBody>
+          <a:bodyPr/>
+          <a:lstStyle/>
+          <a:p>
+            <a:r>
+              <a:rPr lang="en-US" dirty="0" smtClean="0"/>
+              <a:t>Use </a:t>
+            </a:r>
+            <a:r>
+              <a:rPr lang="en-US" dirty="0" smtClean="0">
+                <a:solidFill>
+                  <a:srgbClr val="0070C0"/>
+                </a:solidFill>
+              </a:rPr>
+              <a:t>clock.asm</a:t>
+            </a:r>
+            <a:r>
+              <a:rPr lang="en-US" dirty="0" smtClean="0"/>
+              <a:t> to send the SMCLK to pin P1.4 and measure it with the logic analyzer</a:t>
+            </a:r>
+          </a:p>
+          <a:p>
+            <a:endParaRPr lang="en-US" dirty="0" smtClean="0"/>
+          </a:p>
+          <a:p>
+            <a:pPr marL="0" indent="0">
+              <a:buNone/>
+            </a:pPr>
+            <a:r>
+              <a:rPr lang="en-US" sz="1800" dirty="0">
+                <a:solidFill>
+                  <a:srgbClr val="00B050"/>
+                </a:solidFill>
+              </a:rPr>
+              <a:t>;-------------------------------------------------------------------------------</a:t>
+            </a:r>
+          </a:p>
+          <a:p>
+            <a:pPr marL="0" indent="0">
+              <a:buNone/>
+            </a:pPr>
+            <a:r>
+              <a:rPr lang="en-US" sz="1800" dirty="0">
+                <a:solidFill>
+                  <a:srgbClr val="00B050"/>
+                </a:solidFill>
+              </a:rPr>
+              <a:t>; Main loop here</a:t>
+            </a:r>
+          </a:p>
+          <a:p>
+            <a:pPr marL="0" indent="0">
+              <a:buNone/>
+            </a:pPr>
+            <a:r>
+              <a:rPr lang="en-US" sz="1800" dirty="0">
+                <a:solidFill>
+                  <a:srgbClr val="00B050"/>
+                </a:solidFill>
+              </a:rPr>
+              <a:t>;-------------------------------------------------------------------------------</a:t>
+            </a:r>
+          </a:p>
+          <a:p>
+            <a:pPr marL="0" indent="0">
+              <a:buNone/>
+            </a:pPr>
+            <a:r>
+              <a:rPr lang="en-US" sz="1800" dirty="0"/>
+              <a:t>            </a:t>
+            </a:r>
+            <a:r>
+              <a:rPr lang="en-US" sz="1800" dirty="0" err="1"/>
+              <a:t>bis.b</a:t>
+            </a:r>
+            <a:r>
+              <a:rPr lang="en-US" sz="1800" dirty="0"/>
+              <a:t> #BIT4, &amp;P1DIR ; show SMCLK on P1.4</a:t>
+            </a:r>
+          </a:p>
+          <a:p>
+            <a:pPr marL="0" indent="0">
+              <a:buNone/>
+            </a:pPr>
+            <a:r>
+              <a:rPr lang="en-US" sz="1800" dirty="0"/>
+              <a:t>            </a:t>
+            </a:r>
+            <a:r>
+              <a:rPr lang="en-US" sz="1800" dirty="0" err="1"/>
+              <a:t>bis.b</a:t>
+            </a:r>
+            <a:r>
+              <a:rPr lang="en-US" sz="1800" dirty="0"/>
+              <a:t> #BIT4, &amp;P1SEL</a:t>
+            </a:r>
+          </a:p>
+          <a:p>
+            <a:pPr marL="0" indent="0">
+              <a:buNone/>
+            </a:pPr>
+            <a:endParaRPr lang="en-US" sz="1800" dirty="0" smtClean="0"/>
+          </a:p>
+          <a:p>
+            <a:pPr marL="0" indent="0">
+              <a:buNone/>
+            </a:pPr>
+            <a:r>
+              <a:rPr lang="en-US" sz="1800" dirty="0" smtClean="0"/>
+              <a:t>forever     </a:t>
+            </a:r>
+            <a:r>
+              <a:rPr lang="en-US" sz="1800" dirty="0" err="1"/>
+              <a:t>jmp</a:t>
+            </a:r>
+            <a:r>
+              <a:rPr lang="en-US" sz="1800" dirty="0"/>
+              <a:t> forever</a:t>
+            </a:r>
+          </a:p>
+        </p:txBody>
+      </p:sp>
+    </p:spTree>
+    <p:extLst>
+      <p:ext uri="{BB962C8B-B14F-4D97-AF65-F5344CB8AC3E}">
+        <p14:creationId xmlns:p14="http://schemas.microsoft.com/office/powerpoint/2010/main" val="3322171891"/>
+      </p:ext>
+    </p:extLst>
+  </p:cSld>
+  <p:clrMapOvr>
+    <a:masterClrMapping/>
+  </p:clrMapOvr>
+</p:sld>
+</file>
+
+<file path=ppt/slides/slide17.xml><?xml version="1.0" encoding="utf-8"?>
 <p:sld xmlns:a="http://schemas.openxmlformats.org/drawingml/2006/main" xmlns:r="http://schemas.openxmlformats.org/officeDocument/2006/relationships" xmlns:p="http://schemas.openxmlformats.org/presentationml/2006/main">
   <p:cSld>
     <p:spTree>
@@ -10469,8 +10744,8 @@
 </p:sld>
 </file>
 
-<file path=ppt/slides/slide17.xml><?xml version="1.0" encoding="utf-8"?>
-<p:sld xmlns:a="http://schemas.openxmlformats.org/drawingml/2006/main" xmlns:r="http://schemas.openxmlformats.org/officeDocument/2006/relationships" xmlns:p="http://schemas.openxmlformats.org/presentationml/2006/main">
+<file path=ppt/slides/slide18.xml><?xml version="1.0" encoding="utf-8"?>
+<p:sld xmlns:a="http://schemas.openxmlformats.org/drawingml/2006/main" xmlns:r="http://schemas.openxmlformats.org/officeDocument/2006/relationships" xmlns:p="http://schemas.openxmlformats.org/presentationml/2006/main" show="0">
   <p:cSld>
     <p:spTree>
       <p:nvGrpSpPr>
@@ -10809,1130 +11084,7 @@
   <p:clrMapOvr>
     <a:masterClrMapping/>
   </p:clrMapOvr>
-  <p:timing>
-    <p:tnLst>
-      <p:par>
-        <p:cTn id="1" dur="indefinite" restart="never" nodeType="tmRoot"/>
-      </p:par>
-    </p:tnLst>
-  </p:timing>
-</p:sld>
-</file>
-
-<file path=ppt/slides/slide18.xml><?xml version="1.0" encoding="utf-8"?>
-<p:sld xmlns:a="http://schemas.openxmlformats.org/drawingml/2006/main" xmlns:r="http://schemas.openxmlformats.org/officeDocument/2006/relationships" xmlns:p="http://schemas.openxmlformats.org/presentationml/2006/main">
-  <p:cSld>
-    <p:spTree>
-      <p:nvGrpSpPr>
-        <p:cNvPr id="1" name=""/>
-        <p:cNvGrpSpPr/>
-        <p:nvPr/>
-      </p:nvGrpSpPr>
-      <p:grpSpPr>
-        <a:xfrm>
-          <a:off x="0" y="0"/>
-          <a:ext cx="0" cy="0"/>
-          <a:chOff x="0" y="0"/>
-          <a:chExt cx="0" cy="0"/>
-        </a:xfrm>
-      </p:grpSpPr>
-      <p:sp>
-        <p:nvSpPr>
-          <p:cNvPr id="2" name="Title 1"/>
-          <p:cNvSpPr>
-            <a:spLocks noGrp="1"/>
-          </p:cNvSpPr>
-          <p:nvPr>
-            <p:ph type="title"/>
-          </p:nvPr>
-        </p:nvSpPr>
-        <p:spPr/>
-        <p:txBody>
-          <a:bodyPr/>
-          <a:lstStyle/>
-          <a:p>
-            <a:r>
-              <a:rPr lang="en-US" dirty="0" err="1" smtClean="0"/>
-              <a:t>Debounced</a:t>
-            </a:r>
-            <a:r>
-              <a:rPr lang="en-US" dirty="0" smtClean="0"/>
-              <a:t> code with SW delay</a:t>
-            </a:r>
-            <a:endParaRPr lang="en-US" dirty="0"/>
-          </a:p>
-        </p:txBody>
-      </p:sp>
-      <p:sp>
-        <p:nvSpPr>
-          <p:cNvPr id="3" name="Content Placeholder 2"/>
-          <p:cNvSpPr>
-            <a:spLocks noGrp="1"/>
-          </p:cNvSpPr>
-          <p:nvPr>
-            <p:ph idx="1"/>
-          </p:nvPr>
-        </p:nvSpPr>
-        <p:spPr>
-          <a:xfrm>
-            <a:off x="723958" y="1551299"/>
-            <a:ext cx="7772400" cy="4724400"/>
-          </a:xfrm>
-        </p:spPr>
-        <p:txBody>
-          <a:bodyPr>
-            <a:normAutofit fontScale="92500" lnSpcReduction="20000"/>
-          </a:bodyPr>
-          <a:lstStyle/>
-          <a:p>
-            <a:pPr marL="0" indent="0">
-              <a:buNone/>
-            </a:pPr>
-            <a:r>
-              <a:rPr lang="en-US" sz="1400" b="1" dirty="0">
-                <a:solidFill>
-                  <a:schemeClr val="accent2"/>
-                </a:solidFill>
-                <a:latin typeface="Courier New" pitchFamily="49" charset="0"/>
-                <a:cs typeface="Courier New" pitchFamily="49" charset="0"/>
-              </a:rPr>
-              <a:t>		</a:t>
-            </a:r>
-            <a:r>
-              <a:rPr lang="en-US" sz="1400" b="1" dirty="0" smtClean="0">
-                <a:solidFill>
-                  <a:schemeClr val="accent2"/>
-                </a:solidFill>
-                <a:latin typeface="Courier New" pitchFamily="49" charset="0"/>
-                <a:cs typeface="Courier New" pitchFamily="49" charset="0"/>
-              </a:rPr>
-              <a:t>    </a:t>
-            </a:r>
-            <a:r>
-              <a:rPr lang="en-US" sz="1400" b="1" dirty="0" smtClean="0">
-                <a:solidFill>
-                  <a:srgbClr val="00B050"/>
-                </a:solidFill>
-                <a:latin typeface="Courier New" pitchFamily="49" charset="0"/>
-                <a:cs typeface="Courier New" pitchFamily="49" charset="0"/>
-              </a:rPr>
-              <a:t>; </a:t>
-            </a:r>
-            <a:r>
-              <a:rPr lang="en-US" sz="1400" b="1" dirty="0">
-                <a:solidFill>
-                  <a:srgbClr val="00B050"/>
-                </a:solidFill>
-                <a:latin typeface="Courier New" pitchFamily="49" charset="0"/>
-                <a:cs typeface="Courier New" pitchFamily="49" charset="0"/>
-              </a:rPr>
-              <a:t>Setup P1.3 for button input</a:t>
-            </a:r>
-          </a:p>
-          <a:p>
-            <a:pPr marL="0" indent="0">
-              <a:buNone/>
-            </a:pPr>
-            <a:r>
-              <a:rPr lang="en-US" sz="1400" b="1" dirty="0">
-                <a:solidFill>
-                  <a:schemeClr val="accent2"/>
-                </a:solidFill>
-                <a:latin typeface="Courier New" pitchFamily="49" charset="0"/>
-                <a:cs typeface="Courier New" pitchFamily="49" charset="0"/>
-              </a:rPr>
-              <a:t>                     </a:t>
-            </a:r>
-            <a:r>
-              <a:rPr lang="en-US" sz="1400" b="1" dirty="0" err="1">
-                <a:solidFill>
-                  <a:schemeClr val="accent2"/>
-                </a:solidFill>
-                <a:latin typeface="Courier New" pitchFamily="49" charset="0"/>
-                <a:cs typeface="Courier New" pitchFamily="49" charset="0"/>
-              </a:rPr>
-              <a:t>bis.b</a:t>
-            </a:r>
-            <a:r>
-              <a:rPr lang="en-US" sz="1400" b="1" dirty="0">
-                <a:solidFill>
-                  <a:schemeClr val="accent2"/>
-                </a:solidFill>
-                <a:latin typeface="Courier New" pitchFamily="49" charset="0"/>
-                <a:cs typeface="Courier New" pitchFamily="49" charset="0"/>
-              </a:rPr>
-              <a:t>  #BIT3, &amp;P1OUT</a:t>
-            </a:r>
-          </a:p>
-          <a:p>
-            <a:pPr marL="0" indent="0">
-              <a:buNone/>
-            </a:pPr>
-            <a:r>
-              <a:rPr lang="en-US" sz="1400" b="1" dirty="0">
-                <a:solidFill>
-                  <a:schemeClr val="accent2"/>
-                </a:solidFill>
-                <a:latin typeface="Courier New" pitchFamily="49" charset="0"/>
-                <a:cs typeface="Courier New" pitchFamily="49" charset="0"/>
-              </a:rPr>
-              <a:t>                     </a:t>
-            </a:r>
-            <a:r>
-              <a:rPr lang="en-US" sz="1400" b="1" dirty="0" err="1">
-                <a:solidFill>
-                  <a:schemeClr val="accent2"/>
-                </a:solidFill>
-                <a:latin typeface="Courier New" pitchFamily="49" charset="0"/>
-                <a:cs typeface="Courier New" pitchFamily="49" charset="0"/>
-              </a:rPr>
-              <a:t>bis.b</a:t>
-            </a:r>
-            <a:r>
-              <a:rPr lang="en-US" sz="1400" b="1" dirty="0">
-                <a:solidFill>
-                  <a:schemeClr val="accent2"/>
-                </a:solidFill>
-                <a:latin typeface="Courier New" pitchFamily="49" charset="0"/>
-                <a:cs typeface="Courier New" pitchFamily="49" charset="0"/>
-              </a:rPr>
-              <a:t>  #BIT3, &amp;P1REN</a:t>
-            </a:r>
-          </a:p>
-          <a:p>
-            <a:pPr marL="0" indent="0">
-              <a:buNone/>
-            </a:pPr>
-            <a:r>
-              <a:rPr lang="en-US" sz="1400" b="1" dirty="0">
-                <a:solidFill>
-                  <a:schemeClr val="accent2"/>
-                </a:solidFill>
-                <a:latin typeface="Courier New" pitchFamily="49" charset="0"/>
-                <a:cs typeface="Courier New" pitchFamily="49" charset="0"/>
-              </a:rPr>
-              <a:t>                     </a:t>
-            </a:r>
-            <a:r>
-              <a:rPr lang="en-US" sz="1400" b="1" dirty="0" err="1">
-                <a:solidFill>
-                  <a:schemeClr val="accent2"/>
-                </a:solidFill>
-                <a:latin typeface="Courier New" pitchFamily="49" charset="0"/>
-                <a:cs typeface="Courier New" pitchFamily="49" charset="0"/>
-              </a:rPr>
-              <a:t>bic.b</a:t>
-            </a:r>
-            <a:r>
-              <a:rPr lang="en-US" sz="1400" b="1" dirty="0">
-                <a:solidFill>
-                  <a:schemeClr val="accent2"/>
-                </a:solidFill>
-                <a:latin typeface="Courier New" pitchFamily="49" charset="0"/>
-                <a:cs typeface="Courier New" pitchFamily="49" charset="0"/>
-              </a:rPr>
-              <a:t>  #BIT3, &amp;P1DIR</a:t>
-            </a:r>
-          </a:p>
-          <a:p>
-            <a:pPr marL="0" indent="0">
-              <a:buNone/>
-            </a:pPr>
-            <a:endParaRPr lang="en-US" sz="1400" b="1" dirty="0">
-              <a:solidFill>
-                <a:schemeClr val="accent2"/>
-              </a:solidFill>
-              <a:latin typeface="Courier New" pitchFamily="49" charset="0"/>
-              <a:cs typeface="Courier New" pitchFamily="49" charset="0"/>
-            </a:endParaRPr>
-          </a:p>
-          <a:p>
-            <a:pPr marL="0" indent="0">
-              <a:buNone/>
-            </a:pPr>
-            <a:r>
-              <a:rPr lang="en-US" sz="1400" b="1" dirty="0">
-                <a:solidFill>
-                  <a:schemeClr val="accent2"/>
-                </a:solidFill>
-                <a:latin typeface="Courier New" pitchFamily="49" charset="0"/>
-                <a:cs typeface="Courier New" pitchFamily="49" charset="0"/>
-              </a:rPr>
-              <a:t>                     </a:t>
-            </a:r>
-            <a:r>
-              <a:rPr lang="en-US" sz="1400" b="1" dirty="0" err="1">
-                <a:solidFill>
-                  <a:schemeClr val="accent2"/>
-                </a:solidFill>
-                <a:latin typeface="Courier New" pitchFamily="49" charset="0"/>
-                <a:cs typeface="Courier New" pitchFamily="49" charset="0"/>
-              </a:rPr>
-              <a:t>clr</a:t>
-            </a:r>
-            <a:r>
-              <a:rPr lang="en-US" sz="1400" b="1" dirty="0">
-                <a:solidFill>
-                  <a:schemeClr val="accent2"/>
-                </a:solidFill>
-                <a:latin typeface="Courier New" pitchFamily="49" charset="0"/>
-                <a:cs typeface="Courier New" pitchFamily="49" charset="0"/>
-              </a:rPr>
-              <a:t> </a:t>
-            </a:r>
-            <a:r>
-              <a:rPr lang="en-US" sz="1400" b="1" dirty="0" smtClean="0">
-                <a:solidFill>
-                  <a:schemeClr val="accent2"/>
-                </a:solidFill>
-                <a:latin typeface="Courier New" pitchFamily="49" charset="0"/>
-                <a:cs typeface="Courier New" pitchFamily="49" charset="0"/>
-              </a:rPr>
-              <a:t>R4</a:t>
-            </a:r>
-            <a:r>
-              <a:rPr lang="en-US" sz="1400" dirty="0">
-                <a:solidFill>
-                  <a:schemeClr val="accent2"/>
-                </a:solidFill>
-                <a:latin typeface="Courier New" pitchFamily="49" charset="0"/>
-                <a:cs typeface="Courier New" pitchFamily="49" charset="0"/>
-              </a:rPr>
-              <a:t> </a:t>
-            </a:r>
-            <a:r>
-              <a:rPr lang="en-US" sz="1400" b="1" dirty="0" smtClean="0">
-                <a:solidFill>
-                  <a:srgbClr val="00B050"/>
-                </a:solidFill>
-                <a:latin typeface="Courier New" pitchFamily="49" charset="0"/>
-                <a:cs typeface="Courier New" pitchFamily="49" charset="0"/>
-              </a:rPr>
-              <a:t>; Variable to hold the number </a:t>
-            </a:r>
-            <a:r>
-              <a:rPr lang="en-US" sz="1400" dirty="0" smtClean="0">
-                <a:solidFill>
-                  <a:srgbClr val="00B050"/>
-                </a:solidFill>
-                <a:latin typeface="Courier New" pitchFamily="49" charset="0"/>
-                <a:cs typeface="Courier New" pitchFamily="49" charset="0"/>
-              </a:rPr>
-              <a:t> </a:t>
-            </a:r>
-            <a:r>
-              <a:rPr lang="en-US" sz="1400" b="1" dirty="0" smtClean="0">
-                <a:solidFill>
-                  <a:srgbClr val="00B050"/>
-                </a:solidFill>
-                <a:latin typeface="Courier New" pitchFamily="49" charset="0"/>
-                <a:cs typeface="Courier New" pitchFamily="49" charset="0"/>
-              </a:rPr>
-              <a:t>of button pushes</a:t>
-            </a:r>
-            <a:endParaRPr lang="en-US" sz="1400" b="1" dirty="0">
-              <a:solidFill>
-                <a:srgbClr val="00B050"/>
-              </a:solidFill>
-              <a:latin typeface="Courier New" pitchFamily="49" charset="0"/>
-              <a:cs typeface="Courier New" pitchFamily="49" charset="0"/>
-            </a:endParaRPr>
-          </a:p>
-          <a:p>
-            <a:pPr marL="0" indent="0">
-              <a:buNone/>
-            </a:pPr>
-            <a:endParaRPr lang="en-US" sz="1400" b="1" dirty="0">
-              <a:solidFill>
-                <a:schemeClr val="accent2"/>
-              </a:solidFill>
-              <a:latin typeface="Courier New" pitchFamily="49" charset="0"/>
-              <a:cs typeface="Courier New" pitchFamily="49" charset="0"/>
-            </a:endParaRPr>
-          </a:p>
-          <a:p>
-            <a:pPr marL="0" indent="0">
-              <a:buNone/>
-            </a:pPr>
-            <a:r>
-              <a:rPr lang="en-US" sz="1400" b="1" dirty="0">
-                <a:solidFill>
-                  <a:srgbClr val="00B050"/>
-                </a:solidFill>
-                <a:latin typeface="Courier New" pitchFamily="49" charset="0"/>
-                <a:cs typeface="Courier New" pitchFamily="49" charset="0"/>
-              </a:rPr>
-              <a:t>; Increment </a:t>
-            </a:r>
-            <a:r>
-              <a:rPr lang="en-US" sz="1400" b="1" dirty="0" err="1">
-                <a:solidFill>
-                  <a:srgbClr val="00B050"/>
-                </a:solidFill>
-                <a:latin typeface="Courier New" pitchFamily="49" charset="0"/>
-                <a:cs typeface="Courier New" pitchFamily="49" charset="0"/>
-              </a:rPr>
-              <a:t>Btn</a:t>
-            </a:r>
-            <a:r>
-              <a:rPr lang="en-US" sz="1400" b="1" dirty="0">
-                <a:solidFill>
-                  <a:srgbClr val="00B050"/>
-                </a:solidFill>
-                <a:latin typeface="Courier New" pitchFamily="49" charset="0"/>
-                <a:cs typeface="Courier New" pitchFamily="49" charset="0"/>
-              </a:rPr>
-              <a:t> Counter on </a:t>
-            </a:r>
-            <a:r>
-              <a:rPr lang="en-US" sz="1400" b="1" dirty="0" err="1">
-                <a:solidFill>
-                  <a:srgbClr val="00B050"/>
-                </a:solidFill>
-                <a:latin typeface="Courier New" pitchFamily="49" charset="0"/>
-                <a:cs typeface="Courier New" pitchFamily="49" charset="0"/>
-              </a:rPr>
-              <a:t>Btn</a:t>
-            </a:r>
-            <a:r>
-              <a:rPr lang="en-US" sz="1400" b="1" dirty="0">
-                <a:solidFill>
-                  <a:srgbClr val="00B050"/>
-                </a:solidFill>
-                <a:latin typeface="Courier New" pitchFamily="49" charset="0"/>
-                <a:cs typeface="Courier New" pitchFamily="49" charset="0"/>
-              </a:rPr>
-              <a:t> press</a:t>
-            </a:r>
-          </a:p>
-          <a:p>
-            <a:pPr marL="0" indent="0">
-              <a:buNone/>
-            </a:pPr>
-            <a:r>
-              <a:rPr lang="en-US" sz="1400" b="1" dirty="0">
-                <a:solidFill>
-                  <a:srgbClr val="00B050"/>
-                </a:solidFill>
-                <a:latin typeface="Courier New" pitchFamily="49" charset="0"/>
-                <a:cs typeface="Courier New" pitchFamily="49" charset="0"/>
-              </a:rPr>
-              <a:t>; A delay is used immediately after the press and release</a:t>
-            </a:r>
-          </a:p>
-          <a:p>
-            <a:pPr marL="0" indent="0">
-              <a:buNone/>
-            </a:pPr>
-            <a:r>
-              <a:rPr lang="en-US" sz="1400" b="1" dirty="0" err="1">
-                <a:solidFill>
-                  <a:schemeClr val="accent2"/>
-                </a:solidFill>
-                <a:latin typeface="Courier New" pitchFamily="49" charset="0"/>
-                <a:cs typeface="Courier New" pitchFamily="49" charset="0"/>
-              </a:rPr>
-              <a:t>check_btn</a:t>
-            </a:r>
-            <a:r>
-              <a:rPr lang="en-US" sz="1400" b="1" dirty="0">
-                <a:solidFill>
-                  <a:schemeClr val="accent2"/>
-                </a:solidFill>
-                <a:latin typeface="Courier New" pitchFamily="49" charset="0"/>
-                <a:cs typeface="Courier New" pitchFamily="49" charset="0"/>
-              </a:rPr>
-              <a:t>:           </a:t>
-            </a:r>
-            <a:r>
-              <a:rPr lang="en-US" sz="1400" b="1" dirty="0" err="1">
-                <a:solidFill>
-                  <a:schemeClr val="accent2"/>
-                </a:solidFill>
-                <a:latin typeface="Courier New" pitchFamily="49" charset="0"/>
-                <a:cs typeface="Courier New" pitchFamily="49" charset="0"/>
-              </a:rPr>
-              <a:t>bit.b</a:t>
-            </a:r>
-            <a:r>
-              <a:rPr lang="en-US" sz="1400" b="1" dirty="0">
-                <a:solidFill>
-                  <a:schemeClr val="accent2"/>
-                </a:solidFill>
-                <a:latin typeface="Courier New" pitchFamily="49" charset="0"/>
-                <a:cs typeface="Courier New" pitchFamily="49" charset="0"/>
-              </a:rPr>
-              <a:t>  #BIT3, &amp;P1IN</a:t>
-            </a:r>
-          </a:p>
-          <a:p>
-            <a:pPr marL="0" indent="0">
-              <a:buNone/>
-            </a:pPr>
-            <a:r>
-              <a:rPr lang="en-US" sz="1400" b="1" dirty="0">
-                <a:solidFill>
-                  <a:schemeClr val="accent2"/>
-                </a:solidFill>
-                <a:latin typeface="Courier New" pitchFamily="49" charset="0"/>
-                <a:cs typeface="Courier New" pitchFamily="49" charset="0"/>
-              </a:rPr>
-              <a:t>                     </a:t>
-            </a:r>
-            <a:r>
-              <a:rPr lang="en-US" sz="1400" b="1" dirty="0" err="1">
-                <a:solidFill>
-                  <a:schemeClr val="accent2"/>
-                </a:solidFill>
-                <a:latin typeface="Courier New" pitchFamily="49" charset="0"/>
-                <a:cs typeface="Courier New" pitchFamily="49" charset="0"/>
-              </a:rPr>
-              <a:t>jnz</a:t>
-            </a:r>
-            <a:r>
-              <a:rPr lang="en-US" sz="1400" b="1" dirty="0">
-                <a:solidFill>
-                  <a:schemeClr val="accent2"/>
-                </a:solidFill>
-                <a:latin typeface="Courier New" pitchFamily="49" charset="0"/>
-                <a:cs typeface="Courier New" pitchFamily="49" charset="0"/>
-              </a:rPr>
-              <a:t>    </a:t>
-            </a:r>
-            <a:r>
-              <a:rPr lang="en-US" sz="1400" b="1" dirty="0" err="1">
-                <a:solidFill>
-                  <a:schemeClr val="accent2"/>
-                </a:solidFill>
-                <a:latin typeface="Courier New" pitchFamily="49" charset="0"/>
-                <a:cs typeface="Courier New" pitchFamily="49" charset="0"/>
-              </a:rPr>
-              <a:t>check_btn</a:t>
-            </a:r>
-            <a:endParaRPr lang="en-US" sz="1400" b="1" dirty="0">
-              <a:solidFill>
-                <a:schemeClr val="accent2"/>
-              </a:solidFill>
-              <a:latin typeface="Courier New" pitchFamily="49" charset="0"/>
-              <a:cs typeface="Courier New" pitchFamily="49" charset="0"/>
-            </a:endParaRPr>
-          </a:p>
-          <a:p>
-            <a:pPr marL="0" indent="0">
-              <a:buNone/>
-            </a:pPr>
-            <a:endParaRPr lang="en-US" sz="1400" b="1" dirty="0">
-              <a:solidFill>
-                <a:schemeClr val="accent2"/>
-              </a:solidFill>
-              <a:latin typeface="Courier New" pitchFamily="49" charset="0"/>
-              <a:cs typeface="Courier New" pitchFamily="49" charset="0"/>
-            </a:endParaRPr>
-          </a:p>
-          <a:p>
-            <a:pPr marL="0" indent="0">
-              <a:buNone/>
-            </a:pPr>
-            <a:r>
-              <a:rPr lang="en-US" sz="1400" b="1" dirty="0">
-                <a:solidFill>
-                  <a:schemeClr val="accent2"/>
-                </a:solidFill>
-                <a:latin typeface="Courier New" pitchFamily="49" charset="0"/>
-                <a:cs typeface="Courier New" pitchFamily="49" charset="0"/>
-              </a:rPr>
-              <a:t>                     </a:t>
-            </a:r>
-            <a:r>
-              <a:rPr lang="en-US" sz="1400" b="1" dirty="0" err="1">
-                <a:solidFill>
-                  <a:schemeClr val="accent2"/>
-                </a:solidFill>
-                <a:latin typeface="Courier New" pitchFamily="49" charset="0"/>
-                <a:cs typeface="Courier New" pitchFamily="49" charset="0"/>
-              </a:rPr>
-              <a:t>inc</a:t>
-            </a:r>
-            <a:r>
-              <a:rPr lang="en-US" sz="1400" b="1" dirty="0">
-                <a:solidFill>
-                  <a:schemeClr val="accent2"/>
-                </a:solidFill>
-                <a:latin typeface="Courier New" pitchFamily="49" charset="0"/>
-                <a:cs typeface="Courier New" pitchFamily="49" charset="0"/>
-              </a:rPr>
-              <a:t> R4</a:t>
-            </a:r>
-          </a:p>
-          <a:p>
-            <a:pPr marL="0" indent="0">
-              <a:buNone/>
-            </a:pPr>
-            <a:endParaRPr lang="en-US" sz="1400" b="1" dirty="0">
-              <a:solidFill>
-                <a:schemeClr val="accent2"/>
-              </a:solidFill>
-              <a:latin typeface="Courier New" pitchFamily="49" charset="0"/>
-              <a:cs typeface="Courier New" pitchFamily="49" charset="0"/>
-            </a:endParaRPr>
-          </a:p>
-          <a:p>
-            <a:pPr marL="0" indent="0">
-              <a:buNone/>
-            </a:pPr>
-            <a:r>
-              <a:rPr lang="en-US" sz="1400" b="1" dirty="0">
-                <a:solidFill>
-                  <a:schemeClr val="accent2"/>
-                </a:solidFill>
-                <a:latin typeface="Courier New" pitchFamily="49" charset="0"/>
-                <a:cs typeface="Courier New" pitchFamily="49" charset="0"/>
-              </a:rPr>
-              <a:t>                     call   #</a:t>
-            </a:r>
-            <a:r>
-              <a:rPr lang="en-US" sz="1400" b="1" dirty="0" err="1">
-                <a:solidFill>
-                  <a:schemeClr val="accent2"/>
-                </a:solidFill>
-                <a:latin typeface="Courier New" pitchFamily="49" charset="0"/>
-                <a:cs typeface="Courier New" pitchFamily="49" charset="0"/>
-              </a:rPr>
-              <a:t>software_delay</a:t>
-            </a:r>
-            <a:endParaRPr lang="en-US" sz="1400" b="1" dirty="0">
-              <a:solidFill>
-                <a:schemeClr val="accent2"/>
-              </a:solidFill>
-              <a:latin typeface="Courier New" pitchFamily="49" charset="0"/>
-              <a:cs typeface="Courier New" pitchFamily="49" charset="0"/>
-            </a:endParaRPr>
-          </a:p>
-          <a:p>
-            <a:pPr marL="0" indent="0">
-              <a:buNone/>
-            </a:pPr>
-            <a:r>
-              <a:rPr lang="en-US" sz="1400" b="1" dirty="0">
-                <a:solidFill>
-                  <a:schemeClr val="accent2"/>
-                </a:solidFill>
-                <a:latin typeface="Courier New" pitchFamily="49" charset="0"/>
-                <a:cs typeface="Courier New" pitchFamily="49" charset="0"/>
-              </a:rPr>
-              <a:t>                     </a:t>
-            </a:r>
-            <a:r>
-              <a:rPr lang="en-US" sz="1400" b="1" dirty="0" err="1">
-                <a:solidFill>
-                  <a:schemeClr val="accent2"/>
-                </a:solidFill>
-                <a:latin typeface="Courier New" pitchFamily="49" charset="0"/>
-                <a:cs typeface="Courier New" pitchFamily="49" charset="0"/>
-              </a:rPr>
-              <a:t>jmp</a:t>
-            </a:r>
-            <a:r>
-              <a:rPr lang="en-US" sz="1400" b="1" dirty="0">
-                <a:solidFill>
-                  <a:schemeClr val="accent2"/>
-                </a:solidFill>
-                <a:latin typeface="Courier New" pitchFamily="49" charset="0"/>
-                <a:cs typeface="Courier New" pitchFamily="49" charset="0"/>
-              </a:rPr>
-              <a:t>    </a:t>
-            </a:r>
-            <a:r>
-              <a:rPr lang="en-US" sz="1400" b="1" dirty="0" err="1">
-                <a:solidFill>
-                  <a:schemeClr val="accent2"/>
-                </a:solidFill>
-                <a:latin typeface="Courier New" pitchFamily="49" charset="0"/>
-                <a:cs typeface="Courier New" pitchFamily="49" charset="0"/>
-              </a:rPr>
-              <a:t>btn_pushed</a:t>
-            </a:r>
-            <a:endParaRPr lang="en-US" sz="1400" b="1" dirty="0">
-              <a:solidFill>
-                <a:schemeClr val="accent2"/>
-              </a:solidFill>
-              <a:latin typeface="Courier New" pitchFamily="49" charset="0"/>
-              <a:cs typeface="Courier New" pitchFamily="49" charset="0"/>
-            </a:endParaRPr>
-          </a:p>
-          <a:p>
-            <a:pPr marL="0" indent="0">
-              <a:buNone/>
-            </a:pPr>
-            <a:endParaRPr lang="en-US" sz="1400" b="1" dirty="0">
-              <a:solidFill>
-                <a:schemeClr val="accent2"/>
-              </a:solidFill>
-              <a:latin typeface="Courier New" pitchFamily="49" charset="0"/>
-              <a:cs typeface="Courier New" pitchFamily="49" charset="0"/>
-            </a:endParaRPr>
-          </a:p>
-          <a:p>
-            <a:pPr marL="0" indent="0">
-              <a:buNone/>
-            </a:pPr>
-            <a:r>
-              <a:rPr lang="en-US" sz="1400" b="1" dirty="0" err="1">
-                <a:solidFill>
-                  <a:schemeClr val="accent2"/>
-                </a:solidFill>
-                <a:latin typeface="Courier New" pitchFamily="49" charset="0"/>
-                <a:cs typeface="Courier New" pitchFamily="49" charset="0"/>
-              </a:rPr>
-              <a:t>btn_pushed</a:t>
-            </a:r>
-            <a:r>
-              <a:rPr lang="en-US" sz="1400" b="1" dirty="0">
-                <a:solidFill>
-                  <a:schemeClr val="accent2"/>
-                </a:solidFill>
-                <a:latin typeface="Courier New" pitchFamily="49" charset="0"/>
-                <a:cs typeface="Courier New" pitchFamily="49" charset="0"/>
-              </a:rPr>
-              <a:t>:          </a:t>
-            </a:r>
-            <a:r>
-              <a:rPr lang="en-US" sz="1400" b="1" dirty="0" err="1">
-                <a:solidFill>
-                  <a:schemeClr val="accent2"/>
-                </a:solidFill>
-                <a:latin typeface="Courier New" pitchFamily="49" charset="0"/>
-                <a:cs typeface="Courier New" pitchFamily="49" charset="0"/>
-              </a:rPr>
-              <a:t>bit.b</a:t>
-            </a:r>
-            <a:r>
-              <a:rPr lang="en-US" sz="1400" b="1" dirty="0">
-                <a:solidFill>
-                  <a:schemeClr val="accent2"/>
-                </a:solidFill>
-                <a:latin typeface="Courier New" pitchFamily="49" charset="0"/>
-                <a:cs typeface="Courier New" pitchFamily="49" charset="0"/>
-              </a:rPr>
-              <a:t>  #BIT3, &amp;P1IN</a:t>
-            </a:r>
-          </a:p>
-          <a:p>
-            <a:pPr marL="0" indent="0">
-              <a:buNone/>
-            </a:pPr>
-            <a:r>
-              <a:rPr lang="en-US" sz="1400" b="1" dirty="0">
-                <a:solidFill>
-                  <a:schemeClr val="accent2"/>
-                </a:solidFill>
-                <a:latin typeface="Courier New" pitchFamily="49" charset="0"/>
-                <a:cs typeface="Courier New" pitchFamily="49" charset="0"/>
-              </a:rPr>
-              <a:t>                     </a:t>
-            </a:r>
-            <a:r>
-              <a:rPr lang="en-US" sz="1400" b="1" dirty="0" err="1">
-                <a:solidFill>
-                  <a:schemeClr val="accent2"/>
-                </a:solidFill>
-                <a:latin typeface="Courier New" pitchFamily="49" charset="0"/>
-                <a:cs typeface="Courier New" pitchFamily="49" charset="0"/>
-              </a:rPr>
-              <a:t>jz</a:t>
-            </a:r>
-            <a:r>
-              <a:rPr lang="en-US" sz="1400" b="1" dirty="0">
-                <a:solidFill>
-                  <a:schemeClr val="accent2"/>
-                </a:solidFill>
-                <a:latin typeface="Courier New" pitchFamily="49" charset="0"/>
-                <a:cs typeface="Courier New" pitchFamily="49" charset="0"/>
-              </a:rPr>
-              <a:t>     </a:t>
-            </a:r>
-            <a:r>
-              <a:rPr lang="en-US" sz="1400" b="1" dirty="0" err="1" smtClean="0">
-                <a:solidFill>
-                  <a:schemeClr val="accent2"/>
-                </a:solidFill>
-                <a:latin typeface="Courier New" pitchFamily="49" charset="0"/>
-                <a:cs typeface="Courier New" pitchFamily="49" charset="0"/>
-              </a:rPr>
-              <a:t>btn_pushed</a:t>
-            </a:r>
-            <a:endParaRPr lang="en-US" sz="1400" b="1" dirty="0" smtClean="0">
-              <a:solidFill>
-                <a:schemeClr val="accent2"/>
-              </a:solidFill>
-              <a:latin typeface="Courier New" pitchFamily="49" charset="0"/>
-              <a:cs typeface="Courier New" pitchFamily="49" charset="0"/>
-            </a:endParaRPr>
-          </a:p>
-          <a:p>
-            <a:pPr marL="0" indent="0">
-              <a:buNone/>
-            </a:pPr>
-            <a:r>
-              <a:rPr lang="en-US" sz="1400" b="1" dirty="0">
-                <a:solidFill>
-                  <a:schemeClr val="accent2"/>
-                </a:solidFill>
-                <a:latin typeface="Courier New" pitchFamily="49" charset="0"/>
-                <a:cs typeface="Courier New" pitchFamily="49" charset="0"/>
-              </a:rPr>
-              <a:t>	</a:t>
-            </a:r>
-            <a:r>
-              <a:rPr lang="en-US" sz="1400" b="1" dirty="0" smtClean="0">
-                <a:solidFill>
-                  <a:schemeClr val="accent2"/>
-                </a:solidFill>
-                <a:latin typeface="Courier New" pitchFamily="49" charset="0"/>
-                <a:cs typeface="Courier New" pitchFamily="49" charset="0"/>
-              </a:rPr>
-              <a:t>	    </a:t>
-            </a:r>
-          </a:p>
-          <a:p>
-            <a:pPr marL="0" indent="0">
-              <a:buNone/>
-            </a:pPr>
-            <a:r>
-              <a:rPr lang="en-US" sz="1400" b="1" dirty="0">
-                <a:solidFill>
-                  <a:schemeClr val="accent2"/>
-                </a:solidFill>
-                <a:latin typeface="Courier New" pitchFamily="49" charset="0"/>
-                <a:cs typeface="Courier New" pitchFamily="49" charset="0"/>
-              </a:rPr>
-              <a:t>	</a:t>
-            </a:r>
-            <a:r>
-              <a:rPr lang="en-US" sz="1400" b="1" dirty="0" smtClean="0">
-                <a:solidFill>
-                  <a:schemeClr val="accent2"/>
-                </a:solidFill>
-                <a:latin typeface="Courier New" pitchFamily="49" charset="0"/>
-                <a:cs typeface="Courier New" pitchFamily="49" charset="0"/>
-              </a:rPr>
-              <a:t>	  </a:t>
-            </a:r>
-            <a:r>
-              <a:rPr lang="en-US" sz="1400" b="1" dirty="0" smtClean="0">
-                <a:solidFill>
-                  <a:srgbClr val="00B050"/>
-                </a:solidFill>
-                <a:latin typeface="Courier New" pitchFamily="49" charset="0"/>
-                <a:cs typeface="Courier New" pitchFamily="49" charset="0"/>
-              </a:rPr>
-              <a:t>; </a:t>
-            </a:r>
-            <a:r>
-              <a:rPr lang="en-US" sz="1400" b="1" dirty="0" err="1">
-                <a:solidFill>
-                  <a:srgbClr val="00B050"/>
-                </a:solidFill>
-                <a:latin typeface="Courier New" pitchFamily="49" charset="0"/>
-                <a:cs typeface="Courier New" pitchFamily="49" charset="0"/>
-              </a:rPr>
-              <a:t>Btn</a:t>
-            </a:r>
-            <a:r>
-              <a:rPr lang="en-US" sz="1400" b="1" dirty="0">
-                <a:solidFill>
-                  <a:srgbClr val="00B050"/>
-                </a:solidFill>
-                <a:latin typeface="Courier New" pitchFamily="49" charset="0"/>
-                <a:cs typeface="Courier New" pitchFamily="49" charset="0"/>
-              </a:rPr>
-              <a:t> released</a:t>
-            </a:r>
-          </a:p>
-          <a:p>
-            <a:pPr marL="0" indent="0">
-              <a:buNone/>
-            </a:pPr>
-            <a:r>
-              <a:rPr lang="en-US" sz="1400" b="1" dirty="0">
-                <a:solidFill>
-                  <a:schemeClr val="accent2"/>
-                </a:solidFill>
-                <a:latin typeface="Courier New" pitchFamily="49" charset="0"/>
-                <a:cs typeface="Courier New" pitchFamily="49" charset="0"/>
-              </a:rPr>
-              <a:t>                     call   #</a:t>
-            </a:r>
-            <a:r>
-              <a:rPr lang="en-US" sz="1400" b="1" dirty="0" err="1">
-                <a:solidFill>
-                  <a:schemeClr val="accent2"/>
-                </a:solidFill>
-                <a:latin typeface="Courier New" pitchFamily="49" charset="0"/>
-                <a:cs typeface="Courier New" pitchFamily="49" charset="0"/>
-              </a:rPr>
-              <a:t>software_delay</a:t>
-            </a:r>
-            <a:endParaRPr lang="en-US" sz="1400" b="1" dirty="0">
-              <a:solidFill>
-                <a:schemeClr val="accent2"/>
-              </a:solidFill>
-              <a:latin typeface="Courier New" pitchFamily="49" charset="0"/>
-              <a:cs typeface="Courier New" pitchFamily="49" charset="0"/>
-            </a:endParaRPr>
-          </a:p>
-          <a:p>
-            <a:pPr marL="0" indent="0">
-              <a:buNone/>
-            </a:pPr>
-            <a:r>
-              <a:rPr lang="en-US" sz="1400" b="1" dirty="0">
-                <a:solidFill>
-                  <a:schemeClr val="accent2"/>
-                </a:solidFill>
-                <a:latin typeface="Courier New" pitchFamily="49" charset="0"/>
-                <a:cs typeface="Courier New" pitchFamily="49" charset="0"/>
-              </a:rPr>
-              <a:t>                     </a:t>
-            </a:r>
-            <a:r>
-              <a:rPr lang="en-US" sz="1400" b="1" dirty="0" err="1">
-                <a:solidFill>
-                  <a:schemeClr val="accent2"/>
-                </a:solidFill>
-                <a:latin typeface="Courier New" pitchFamily="49" charset="0"/>
-                <a:cs typeface="Courier New" pitchFamily="49" charset="0"/>
-              </a:rPr>
-              <a:t>jmp</a:t>
-            </a:r>
-            <a:r>
-              <a:rPr lang="en-US" sz="1400" b="1" dirty="0">
-                <a:solidFill>
-                  <a:schemeClr val="accent2"/>
-                </a:solidFill>
-                <a:latin typeface="Courier New" pitchFamily="49" charset="0"/>
-                <a:cs typeface="Courier New" pitchFamily="49" charset="0"/>
-              </a:rPr>
-              <a:t>    </a:t>
-            </a:r>
-            <a:r>
-              <a:rPr lang="en-US" sz="1400" b="1" dirty="0" err="1">
-                <a:solidFill>
-                  <a:schemeClr val="accent2"/>
-                </a:solidFill>
-                <a:latin typeface="Courier New" pitchFamily="49" charset="0"/>
-                <a:cs typeface="Courier New" pitchFamily="49" charset="0"/>
-              </a:rPr>
-              <a:t>check_btn</a:t>
-            </a:r>
-            <a:endParaRPr lang="en-US" sz="1400" b="1" dirty="0" smtClean="0">
-              <a:solidFill>
-                <a:schemeClr val="accent2"/>
-              </a:solidFill>
-              <a:latin typeface="Courier New" pitchFamily="49" charset="0"/>
-              <a:cs typeface="Courier New" pitchFamily="49" charset="0"/>
-            </a:endParaRPr>
-          </a:p>
-        </p:txBody>
-      </p:sp>
-      <p:sp>
-        <p:nvSpPr>
-          <p:cNvPr id="4" name="Rectangular Callout 3"/>
-          <p:cNvSpPr/>
-          <p:nvPr/>
-        </p:nvSpPr>
-        <p:spPr bwMode="auto">
-          <a:xfrm>
-            <a:off x="5716576" y="3487307"/>
-            <a:ext cx="3153103" cy="320066"/>
-          </a:xfrm>
-          <a:prstGeom prst="wedgeRectCallout">
-            <a:avLst>
-              <a:gd name="adj1" fmla="val -117833"/>
-              <a:gd name="adj2" fmla="val 127983"/>
-            </a:avLst>
-          </a:prstGeom>
-          <a:solidFill>
-            <a:srgbClr val="FFFF00"/>
-          </a:solidFill>
-          <a:ln w="12700" cap="flat" cmpd="sng" algn="ctr">
-            <a:solidFill>
-              <a:schemeClr val="tx1"/>
-            </a:solidFill>
-            <a:prstDash val="solid"/>
-            <a:round/>
-            <a:headEnd type="none" w="med" len="med"/>
-            <a:tailEnd type="none" w="med" len="med"/>
-          </a:ln>
-          <a:effectLst/>
-        </p:spPr>
-        <p:txBody>
-          <a:bodyPr vert="horz" wrap="square" lIns="91440" tIns="45720" rIns="91440" bIns="45720" numCol="1" rtlCol="0" anchor="t" anchorCtr="0" compatLnSpc="1">
-            <a:prstTxWarp prst="textNoShape">
-              <a:avLst/>
-            </a:prstTxWarp>
-          </a:bodyPr>
-          <a:lstStyle/>
-          <a:p>
-            <a:pPr marL="0" marR="0" indent="0" algn="ctr" defTabSz="914400" rtl="0" eaLnBrk="0" fontAlgn="base" latinLnBrk="0" hangingPunct="0">
-              <a:lnSpc>
-                <a:spcPct val="100000"/>
-              </a:lnSpc>
-              <a:spcBef>
-                <a:spcPct val="0"/>
-              </a:spcBef>
-              <a:spcAft>
-                <a:spcPct val="0"/>
-              </a:spcAft>
-              <a:buClrTx/>
-              <a:buSzTx/>
-              <a:buFontTx/>
-              <a:buNone/>
-              <a:tabLst/>
-            </a:pPr>
-            <a:r>
-              <a:rPr kumimoji="0" lang="en-US" sz="1600" b="0" i="0" u="none" strike="noStrike" cap="none" normalizeH="0" baseline="0" dirty="0" smtClean="0">
-                <a:ln>
-                  <a:noFill/>
-                </a:ln>
-                <a:solidFill>
-                  <a:schemeClr val="tx1"/>
-                </a:solidFill>
-                <a:effectLst/>
-                <a:latin typeface="Arial" charset="0"/>
-              </a:rPr>
-              <a:t>Button is push</a:t>
-            </a:r>
-            <a:r>
-              <a:rPr kumimoji="0" lang="en-US" sz="1600" b="0" i="0" u="none" strike="noStrike" cap="none" normalizeH="0" dirty="0" smtClean="0">
-                <a:ln>
-                  <a:noFill/>
-                </a:ln>
-                <a:solidFill>
-                  <a:schemeClr val="tx1"/>
-                </a:solidFill>
-                <a:effectLst/>
-                <a:latin typeface="Arial" charset="0"/>
-              </a:rPr>
-              <a:t> detected</a:t>
-            </a:r>
-            <a:endParaRPr kumimoji="0" lang="en-US" sz="1600" b="0" i="0" u="none" strike="noStrike" cap="none" normalizeH="0" baseline="0" dirty="0" smtClean="0">
-              <a:ln>
-                <a:noFill/>
-              </a:ln>
-              <a:solidFill>
-                <a:schemeClr val="tx1"/>
-              </a:solidFill>
-              <a:effectLst/>
-              <a:latin typeface="Arial" charset="0"/>
-            </a:endParaRPr>
-          </a:p>
-        </p:txBody>
-      </p:sp>
-      <p:sp>
-        <p:nvSpPr>
-          <p:cNvPr id="5" name="Rectangular Callout 4"/>
-          <p:cNvSpPr/>
-          <p:nvPr/>
-        </p:nvSpPr>
-        <p:spPr bwMode="auto">
-          <a:xfrm>
-            <a:off x="5716575" y="4977148"/>
-            <a:ext cx="3153103" cy="840328"/>
-          </a:xfrm>
-          <a:prstGeom prst="wedgeRectCallout">
-            <a:avLst>
-              <a:gd name="adj1" fmla="val -69583"/>
-              <a:gd name="adj2" fmla="val -104688"/>
-            </a:avLst>
-          </a:prstGeom>
-          <a:solidFill>
-            <a:srgbClr val="FFFF00"/>
-          </a:solidFill>
-          <a:ln w="12700" cap="flat" cmpd="sng" algn="ctr">
-            <a:solidFill>
-              <a:schemeClr val="tx1"/>
-            </a:solidFill>
-            <a:prstDash val="solid"/>
-            <a:round/>
-            <a:headEnd type="none" w="med" len="med"/>
-            <a:tailEnd type="none" w="med" len="med"/>
-          </a:ln>
-          <a:effectLst/>
-        </p:spPr>
-        <p:txBody>
-          <a:bodyPr vert="horz" wrap="square" lIns="91440" tIns="45720" rIns="91440" bIns="45720" numCol="1" rtlCol="0" anchor="t" anchorCtr="0" compatLnSpc="1">
-            <a:prstTxWarp prst="textNoShape">
-              <a:avLst/>
-            </a:prstTxWarp>
-          </a:bodyPr>
-          <a:lstStyle/>
-          <a:p>
-            <a:pPr marL="0" marR="0" indent="0" algn="ctr" defTabSz="914400" rtl="0" eaLnBrk="0" fontAlgn="base" latinLnBrk="0" hangingPunct="0">
-              <a:lnSpc>
-                <a:spcPct val="100000"/>
-              </a:lnSpc>
-              <a:spcBef>
-                <a:spcPct val="0"/>
-              </a:spcBef>
-              <a:spcAft>
-                <a:spcPct val="0"/>
-              </a:spcAft>
-              <a:buClrTx/>
-              <a:buSzTx/>
-              <a:buFontTx/>
-              <a:buNone/>
-              <a:tabLst/>
-            </a:pPr>
-            <a:r>
-              <a:rPr kumimoji="0" lang="en-US" sz="1600" b="0" i="0" u="none" strike="noStrike" cap="none" normalizeH="0" baseline="0" dirty="0" smtClean="0">
-                <a:ln>
-                  <a:noFill/>
-                </a:ln>
-                <a:solidFill>
-                  <a:schemeClr val="tx1"/>
-                </a:solidFill>
-                <a:effectLst/>
-                <a:latin typeface="Arial" charset="0"/>
-              </a:rPr>
-              <a:t>Call a delay (sleep) to wait for bouncing to settle down before reading</a:t>
-            </a:r>
-            <a:r>
-              <a:rPr kumimoji="0" lang="en-US" sz="1600" b="0" i="0" u="none" strike="noStrike" cap="none" normalizeH="0" dirty="0" smtClean="0">
-                <a:ln>
-                  <a:noFill/>
-                </a:ln>
-                <a:solidFill>
-                  <a:schemeClr val="tx1"/>
-                </a:solidFill>
-                <a:effectLst/>
-                <a:latin typeface="Arial" charset="0"/>
-              </a:rPr>
-              <a:t> again</a:t>
-            </a:r>
-            <a:endParaRPr kumimoji="0" lang="en-US" sz="1600" b="0" i="0" u="none" strike="noStrike" cap="none" normalizeH="0" baseline="0" dirty="0" smtClean="0">
-              <a:ln>
-                <a:noFill/>
-              </a:ln>
-              <a:solidFill>
-                <a:schemeClr val="tx1"/>
-              </a:solidFill>
-              <a:effectLst/>
-              <a:latin typeface="Arial" charset="0"/>
-            </a:endParaRPr>
-          </a:p>
-        </p:txBody>
-      </p:sp>
-    </p:spTree>
-    <p:extLst>
-      <p:ext uri="{BB962C8B-B14F-4D97-AF65-F5344CB8AC3E}">
-        <p14:creationId xmlns:p14="http://schemas.microsoft.com/office/powerpoint/2010/main" val="2711424685"/>
-      </p:ext>
-    </p:extLst>
-  </p:cSld>
-  <p:clrMapOvr>
-    <a:masterClrMapping/>
-  </p:clrMapOvr>
+  <p:transition spd="med"/>
   <p:timing>
     <p:tnLst>
       <p:par>
@@ -11999,12 +11151,14 @@
         </p:nvSpPr>
         <p:spPr>
           <a:xfrm>
-            <a:off x="708193" y="1574948"/>
+            <a:off x="723958" y="1551299"/>
             <a:ext cx="7772400" cy="4724400"/>
           </a:xfrm>
         </p:spPr>
         <p:txBody>
-          <a:bodyPr/>
+          <a:bodyPr>
+            <a:normAutofit fontScale="92500" lnSpcReduction="20000"/>
+          </a:bodyPr>
           <a:lstStyle/>
           <a:p>
             <a:pPr marL="0" indent="0">
@@ -12013,12 +11167,42 @@
             <a:r>
               <a:rPr lang="en-US" sz="1400" b="1" dirty="0">
                 <a:solidFill>
+                  <a:schemeClr val="accent2"/>
+                </a:solidFill>
+                <a:latin typeface="Courier New" pitchFamily="49" charset="0"/>
+                <a:cs typeface="Courier New" pitchFamily="49" charset="0"/>
+              </a:rPr>
+              <a:t>		</a:t>
+            </a:r>
+            <a:r>
+              <a:rPr lang="en-US" sz="1400" b="1" dirty="0" smtClean="0">
+                <a:solidFill>
+                  <a:schemeClr val="accent2"/>
+                </a:solidFill>
+                <a:latin typeface="Courier New" pitchFamily="49" charset="0"/>
+                <a:cs typeface="Courier New" pitchFamily="49" charset="0"/>
+              </a:rPr>
+              <a:t>    </a:t>
+            </a:r>
+            <a:r>
+              <a:rPr lang="en-US" sz="1400" b="1" dirty="0" smtClean="0">
+                <a:solidFill>
                   <a:srgbClr val="00B050"/>
                 </a:solidFill>
                 <a:latin typeface="Courier New" pitchFamily="49" charset="0"/>
                 <a:cs typeface="Courier New" pitchFamily="49" charset="0"/>
               </a:rPr>
-              <a:t>; -------------------------------------------</a:t>
+              <a:t>; </a:t>
+            </a:r>
+            <a:r>
+              <a:rPr lang="en-US" sz="1400" b="1" dirty="0">
+                <a:solidFill>
+                  <a:srgbClr val="00B050"/>
+                </a:solidFill>
+                <a:latin typeface="Courier New" pitchFamily="49" charset="0"/>
+                <a:cs typeface="Courier New" pitchFamily="49" charset="0"/>
+              </a:rPr>
+              <a:t>Setup P1.3 for button input</a:t>
             </a:r>
           </a:p>
           <a:p>
@@ -12028,12 +11212,32 @@
             <a:r>
               <a:rPr lang="en-US" sz="1400" b="1" dirty="0">
                 <a:solidFill>
-                  <a:srgbClr val="00B050"/>
-                </a:solidFill>
-                <a:latin typeface="Courier New" pitchFamily="49" charset="0"/>
-                <a:cs typeface="Courier New" pitchFamily="49" charset="0"/>
-              </a:rPr>
-              <a:t>; Software delay</a:t>
+                  <a:schemeClr val="accent2"/>
+                </a:solidFill>
+                <a:latin typeface="Courier New" pitchFamily="49" charset="0"/>
+                <a:cs typeface="Courier New" pitchFamily="49" charset="0"/>
+              </a:rPr>
+              <a:t>                     </a:t>
+            </a:r>
+            <a:r>
+              <a:rPr lang="en-US" sz="1400" b="1" dirty="0" err="1">
+                <a:solidFill>
+                  <a:schemeClr val="accent2"/>
+                </a:solidFill>
+                <a:latin typeface="Courier New" pitchFamily="49" charset="0"/>
+                <a:cs typeface="Courier New" pitchFamily="49" charset="0"/>
+              </a:rPr>
+              <a:t>bis.b</a:t>
+            </a:r>
+            <a:r>
+              <a:rPr lang="en-US" sz="1400" b="1" dirty="0">
+                <a:solidFill>
+                  <a:schemeClr val="accent2"/>
+                </a:solidFill>
+                <a:latin typeface="Courier New" pitchFamily="49" charset="0"/>
+                <a:cs typeface="Courier New" pitchFamily="49" charset="0"/>
+              </a:rPr>
+              <a:t>  #BIT3, &amp;P1OUT</a:t>
             </a:r>
           </a:p>
           <a:p>
@@ -12043,12 +11247,32 @@
             <a:r>
               <a:rPr lang="en-US" sz="1400" b="1" dirty="0">
                 <a:solidFill>
-                  <a:srgbClr val="00B050"/>
-                </a:solidFill>
-                <a:latin typeface="Courier New" pitchFamily="49" charset="0"/>
-                <a:cs typeface="Courier New" pitchFamily="49" charset="0"/>
-              </a:rPr>
-              <a:t>; Purpose:  Delays code based on value of R5</a:t>
+                  <a:schemeClr val="accent2"/>
+                </a:solidFill>
+                <a:latin typeface="Courier New" pitchFamily="49" charset="0"/>
+                <a:cs typeface="Courier New" pitchFamily="49" charset="0"/>
+              </a:rPr>
+              <a:t>                     </a:t>
+            </a:r>
+            <a:r>
+              <a:rPr lang="en-US" sz="1400" b="1" dirty="0" err="1">
+                <a:solidFill>
+                  <a:schemeClr val="accent2"/>
+                </a:solidFill>
+                <a:latin typeface="Courier New" pitchFamily="49" charset="0"/>
+                <a:cs typeface="Courier New" pitchFamily="49" charset="0"/>
+              </a:rPr>
+              <a:t>bis.b</a:t>
+            </a:r>
+            <a:r>
+              <a:rPr lang="en-US" sz="1400" b="1" dirty="0">
+                <a:solidFill>
+                  <a:schemeClr val="accent2"/>
+                </a:solidFill>
+                <a:latin typeface="Courier New" pitchFamily="49" charset="0"/>
+                <a:cs typeface="Courier New" pitchFamily="49" charset="0"/>
+              </a:rPr>
+              <a:t>  #BIT3, &amp;P1REN</a:t>
             </a:r>
           </a:p>
           <a:p>
@@ -12058,199 +11282,32 @@
             <a:r>
               <a:rPr lang="en-US" sz="1400" b="1" dirty="0">
                 <a:solidFill>
-                  <a:srgbClr val="00B050"/>
-                </a:solidFill>
-                <a:latin typeface="Courier New" pitchFamily="49" charset="0"/>
-                <a:cs typeface="Courier New" pitchFamily="49" charset="0"/>
-              </a:rPr>
-              <a:t>;	</a:t>
-            </a:r>
-            <a:r>
-              <a:rPr lang="en-US" sz="1400" b="1" dirty="0" smtClean="0">
-                <a:solidFill>
-                  <a:srgbClr val="00B050"/>
-                </a:solidFill>
-                <a:latin typeface="Courier New" pitchFamily="49" charset="0"/>
-                <a:cs typeface="Courier New" pitchFamily="49" charset="0"/>
-              </a:rPr>
-              <a:t>   R5 </a:t>
+                  <a:schemeClr val="accent2"/>
+                </a:solidFill>
+                <a:latin typeface="Courier New" pitchFamily="49" charset="0"/>
+                <a:cs typeface="Courier New" pitchFamily="49" charset="0"/>
+              </a:rPr>
+              <a:t>                     </a:t>
+            </a:r>
+            <a:r>
+              <a:rPr lang="en-US" sz="1400" b="1" dirty="0" err="1">
+                <a:solidFill>
+                  <a:schemeClr val="accent2"/>
+                </a:solidFill>
+                <a:latin typeface="Courier New" pitchFamily="49" charset="0"/>
+                <a:cs typeface="Courier New" pitchFamily="49" charset="0"/>
+              </a:rPr>
+              <a:t>bic.b</a:t>
             </a:r>
             <a:r>
               <a:rPr lang="en-US" sz="1400" b="1" dirty="0">
                 <a:solidFill>
-                  <a:srgbClr val="00B050"/>
-                </a:solidFill>
-                <a:latin typeface="Courier New" pitchFamily="49" charset="0"/>
-                <a:cs typeface="Courier New" pitchFamily="49" charset="0"/>
-              </a:rPr>
-              <a:t>is currently hard coded as </a:t>
-            </a:r>
-            <a:r>
-              <a:rPr lang="en-US" sz="1400" b="1" dirty="0" smtClean="0">
-                <a:solidFill>
-                  <a:srgbClr val="00B050"/>
-                </a:solidFill>
-                <a:latin typeface="Courier New" pitchFamily="49" charset="0"/>
-                <a:cs typeface="Courier New" pitchFamily="49" charset="0"/>
-              </a:rPr>
-              <a:t>0xAAAA</a:t>
-            </a:r>
-          </a:p>
-          <a:p>
-            <a:pPr marL="0" indent="0">
-              <a:buNone/>
-            </a:pPr>
-            <a:r>
-              <a:rPr lang="en-US" sz="1400" dirty="0" smtClean="0">
-                <a:solidFill>
-                  <a:srgbClr val="00B050"/>
-                </a:solidFill>
-                <a:latin typeface="Courier New" pitchFamily="49" charset="0"/>
-                <a:cs typeface="Courier New" pitchFamily="49" charset="0"/>
-              </a:rPr>
-              <a:t>; Destroyed: None</a:t>
-            </a:r>
-          </a:p>
-          <a:p>
-            <a:pPr marL="0" indent="0">
-              <a:buNone/>
-            </a:pPr>
-            <a:r>
-              <a:rPr lang="en-US" sz="1400" b="1" dirty="0" smtClean="0">
-                <a:solidFill>
-                  <a:srgbClr val="00B050"/>
-                </a:solidFill>
-                <a:latin typeface="Courier New" pitchFamily="49" charset="0"/>
-                <a:cs typeface="Courier New" pitchFamily="49" charset="0"/>
-              </a:rPr>
-              <a:t>; Returned: None</a:t>
-            </a:r>
-            <a:endParaRPr lang="en-US" sz="1400" b="1" dirty="0">
-              <a:solidFill>
-                <a:srgbClr val="00B050"/>
-              </a:solidFill>
-              <a:latin typeface="Courier New" pitchFamily="49" charset="0"/>
-              <a:cs typeface="Courier New" pitchFamily="49" charset="0"/>
-            </a:endParaRPr>
-          </a:p>
-          <a:p>
-            <a:pPr marL="0" indent="0">
-              <a:buNone/>
-            </a:pPr>
-            <a:r>
-              <a:rPr lang="en-US" sz="1400" b="1" dirty="0">
-                <a:solidFill>
-                  <a:srgbClr val="00B050"/>
-                </a:solidFill>
-                <a:latin typeface="Courier New" pitchFamily="49" charset="0"/>
-                <a:cs typeface="Courier New" pitchFamily="49" charset="0"/>
-              </a:rPr>
-              <a:t>; -------------------------------------------</a:t>
-            </a:r>
-          </a:p>
-          <a:p>
-            <a:pPr marL="0" indent="0">
-              <a:buNone/>
-            </a:pPr>
-            <a:r>
-              <a:rPr lang="en-US" sz="1400" b="1" dirty="0" err="1">
-                <a:solidFill>
-                  <a:schemeClr val="accent2"/>
-                </a:solidFill>
-                <a:latin typeface="Courier New" pitchFamily="49" charset="0"/>
-                <a:cs typeface="Courier New" pitchFamily="49" charset="0"/>
-              </a:rPr>
-              <a:t>software_delay</a:t>
-            </a:r>
-            <a:r>
-              <a:rPr lang="en-US" sz="1400" b="1" dirty="0">
-                <a:solidFill>
-                  <a:schemeClr val="accent2"/>
-                </a:solidFill>
-                <a:latin typeface="Courier New" pitchFamily="49" charset="0"/>
-                <a:cs typeface="Courier New" pitchFamily="49" charset="0"/>
-              </a:rPr>
-              <a:t>:</a:t>
-            </a:r>
-          </a:p>
-          <a:p>
-            <a:pPr marL="0" indent="0">
-              <a:buNone/>
-            </a:pPr>
-            <a:r>
-              <a:rPr lang="en-US" sz="1400" b="1" dirty="0">
-                <a:solidFill>
-                  <a:schemeClr val="accent2"/>
-                </a:solidFill>
-                <a:latin typeface="Courier New" pitchFamily="49" charset="0"/>
-                <a:cs typeface="Courier New" pitchFamily="49" charset="0"/>
-              </a:rPr>
-              <a:t>		</a:t>
-            </a:r>
-            <a:r>
-              <a:rPr lang="en-US" sz="1400" b="1" dirty="0" smtClean="0">
-                <a:solidFill>
-                  <a:schemeClr val="accent2"/>
-                </a:solidFill>
-                <a:latin typeface="Courier New" pitchFamily="49" charset="0"/>
-                <a:cs typeface="Courier New" pitchFamily="49" charset="0"/>
-              </a:rPr>
-              <a:t>push </a:t>
-            </a:r>
-            <a:r>
-              <a:rPr lang="en-US" sz="1400" b="1" dirty="0">
-                <a:solidFill>
-                  <a:schemeClr val="accent2"/>
-                </a:solidFill>
-                <a:latin typeface="Courier New" pitchFamily="49" charset="0"/>
-                <a:cs typeface="Courier New" pitchFamily="49" charset="0"/>
-              </a:rPr>
-              <a:t>r5</a:t>
-            </a:r>
-          </a:p>
-          <a:p>
-            <a:pPr marL="0" indent="0">
-              <a:buNone/>
-            </a:pPr>
-            <a:r>
-              <a:rPr lang="en-US" sz="1400" b="1" dirty="0">
-                <a:solidFill>
-                  <a:schemeClr val="accent2"/>
-                </a:solidFill>
-                <a:latin typeface="Courier New" pitchFamily="49" charset="0"/>
-                <a:cs typeface="Courier New" pitchFamily="49" charset="0"/>
-              </a:rPr>
-              <a:t>		</a:t>
-            </a:r>
-            <a:r>
-              <a:rPr lang="en-US" sz="1400" b="1" dirty="0" err="1" smtClean="0">
-                <a:solidFill>
-                  <a:schemeClr val="accent2"/>
-                </a:solidFill>
-                <a:latin typeface="Courier New" pitchFamily="49" charset="0"/>
-                <a:cs typeface="Courier New" pitchFamily="49" charset="0"/>
-              </a:rPr>
-              <a:t>mov.w</a:t>
-            </a:r>
-            <a:r>
-              <a:rPr lang="en-US" sz="1400" b="1" dirty="0" smtClean="0">
-                <a:solidFill>
-                  <a:schemeClr val="accent2"/>
-                </a:solidFill>
-                <a:latin typeface="Courier New" pitchFamily="49" charset="0"/>
-                <a:cs typeface="Courier New" pitchFamily="49" charset="0"/>
-              </a:rPr>
-              <a:t> </a:t>
-            </a:r>
-            <a:r>
-              <a:rPr lang="en-US" sz="1400" b="1" dirty="0">
-                <a:solidFill>
-                  <a:schemeClr val="accent2"/>
-                </a:solidFill>
-                <a:latin typeface="Courier New" pitchFamily="49" charset="0"/>
-                <a:cs typeface="Courier New" pitchFamily="49" charset="0"/>
-              </a:rPr>
-              <a:t>#0xaaaa, r5</a:t>
+                  <a:schemeClr val="accent2"/>
+                </a:solidFill>
+                <a:latin typeface="Courier New" pitchFamily="49" charset="0"/>
+                <a:cs typeface="Courier New" pitchFamily="49" charset="0"/>
+              </a:rPr>
+              <a:t>  #BIT3, &amp;P1DIR</a:t>
             </a:r>
           </a:p>
           <a:p>
@@ -12277,17 +11334,27 @@
                 <a:latin typeface="Courier New" pitchFamily="49" charset="0"/>
                 <a:cs typeface="Courier New" pitchFamily="49" charset="0"/>
               </a:rPr>
-              <a:t>delay:		</a:t>
-            </a:r>
-            <a:r>
-              <a:rPr lang="en-US" sz="1400" b="1" dirty="0" err="1" smtClean="0">
-                <a:solidFill>
-                  <a:schemeClr val="accent2"/>
-                </a:solidFill>
-                <a:latin typeface="Courier New" pitchFamily="49" charset="0"/>
-                <a:cs typeface="Courier New" pitchFamily="49" charset="0"/>
-              </a:rPr>
-              <a:t>dec</a:t>
+              <a:t>                     </a:t>
+            </a:r>
+            <a:r>
+              <a:rPr lang="en-US" sz="1400" b="1" dirty="0" err="1">
+                <a:solidFill>
+                  <a:schemeClr val="accent2"/>
+                </a:solidFill>
+                <a:latin typeface="Courier New" pitchFamily="49" charset="0"/>
+                <a:cs typeface="Courier New" pitchFamily="49" charset="0"/>
+              </a:rPr>
+              <a:t>clr</a:t>
+            </a:r>
+            <a:r>
+              <a:rPr lang="en-US" sz="1400" b="1" dirty="0">
+                <a:solidFill>
+                  <a:schemeClr val="accent2"/>
+                </a:solidFill>
+                <a:latin typeface="Courier New" pitchFamily="49" charset="0"/>
+                <a:cs typeface="Courier New" pitchFamily="49" charset="0"/>
+              </a:rPr>
+              <a:t> </a:t>
             </a:r>
             <a:r>
               <a:rPr lang="en-US" sz="1400" b="1" dirty="0" smtClean="0">
@@ -12297,123 +11364,60 @@
                 <a:latin typeface="Courier New" pitchFamily="49" charset="0"/>
                 <a:cs typeface="Courier New" pitchFamily="49" charset="0"/>
               </a:rPr>
+              <a:t>R4</a:t>
+            </a:r>
+            <a:r>
+              <a:rPr lang="en-US" sz="1400" dirty="0">
+                <a:solidFill>
+                  <a:schemeClr val="accent2"/>
+                </a:solidFill>
+                <a:latin typeface="Courier New" pitchFamily="49" charset="0"/>
+                <a:cs typeface="Courier New" pitchFamily="49" charset="0"/>
+              </a:rPr>
               <a:t> </a:t>
             </a:r>
             <a:r>
-              <a:rPr lang="en-US" sz="1400" b="1" dirty="0">
-                <a:solidFill>
-                  <a:schemeClr val="accent2"/>
-                </a:solidFill>
-                <a:latin typeface="Courier New" pitchFamily="49" charset="0"/>
-                <a:cs typeface="Courier New" pitchFamily="49" charset="0"/>
-              </a:rPr>
-              <a:t>r5</a:t>
-            </a:r>
+              <a:rPr lang="en-US" sz="1400" b="1" dirty="0" smtClean="0">
+                <a:solidFill>
+                  <a:srgbClr val="00B050"/>
+                </a:solidFill>
+                <a:latin typeface="Courier New" pitchFamily="49" charset="0"/>
+                <a:cs typeface="Courier New" pitchFamily="49" charset="0"/>
+              </a:rPr>
+              <a:t>; Variable to hold the number </a:t>
+            </a:r>
+            <a:r>
+              <a:rPr lang="en-US" sz="1400" dirty="0" smtClean="0">
+                <a:solidFill>
+                  <a:srgbClr val="00B050"/>
+                </a:solidFill>
+                <a:latin typeface="Courier New" pitchFamily="49" charset="0"/>
+                <a:cs typeface="Courier New" pitchFamily="49" charset="0"/>
+              </a:rPr>
+              <a:t> </a:t>
+            </a:r>
+            <a:r>
+              <a:rPr lang="en-US" sz="1400" b="1" dirty="0" smtClean="0">
+                <a:solidFill>
+                  <a:srgbClr val="00B050"/>
+                </a:solidFill>
+                <a:latin typeface="Courier New" pitchFamily="49" charset="0"/>
+                <a:cs typeface="Courier New" pitchFamily="49" charset="0"/>
+              </a:rPr>
+              <a:t>of button pushes</a:t>
+            </a:r>
+            <a:endParaRPr lang="en-US" sz="1400" b="1" dirty="0">
+              <a:solidFill>
+                <a:srgbClr val="00B050"/>
+              </a:solidFill>
+              <a:latin typeface="Courier New" pitchFamily="49" charset="0"/>
+              <a:cs typeface="Courier New" pitchFamily="49" charset="0"/>
+            </a:endParaRPr>
           </a:p>
           <a:p>
             <a:pPr marL="0" indent="0">
               <a:buNone/>
             </a:pPr>
-            <a:r>
-              <a:rPr lang="en-US" sz="1400" b="1" dirty="0">
-                <a:solidFill>
-                  <a:schemeClr val="accent2"/>
-                </a:solidFill>
-                <a:latin typeface="Courier New" pitchFamily="49" charset="0"/>
-                <a:cs typeface="Courier New" pitchFamily="49" charset="0"/>
-              </a:rPr>
-              <a:t>		</a:t>
-            </a:r>
-            <a:r>
-              <a:rPr lang="en-US" sz="1400" b="1" dirty="0" err="1" smtClean="0">
-                <a:solidFill>
-                  <a:schemeClr val="accent2"/>
-                </a:solidFill>
-                <a:latin typeface="Courier New" pitchFamily="49" charset="0"/>
-                <a:cs typeface="Courier New" pitchFamily="49" charset="0"/>
-              </a:rPr>
-              <a:t>jnz</a:t>
-            </a:r>
-            <a:r>
-              <a:rPr lang="en-US" sz="1400" b="1" dirty="0" smtClean="0">
-                <a:solidFill>
-                  <a:schemeClr val="accent2"/>
-                </a:solidFill>
-                <a:latin typeface="Courier New" pitchFamily="49" charset="0"/>
-                <a:cs typeface="Courier New" pitchFamily="49" charset="0"/>
-              </a:rPr>
-              <a:t> </a:t>
-            </a:r>
-            <a:r>
-              <a:rPr lang="en-US" sz="1400" b="1" dirty="0">
-                <a:solidFill>
-                  <a:schemeClr val="accent2"/>
-                </a:solidFill>
-                <a:latin typeface="Courier New" pitchFamily="49" charset="0"/>
-                <a:cs typeface="Courier New" pitchFamily="49" charset="0"/>
-              </a:rPr>
-              <a:t>delay</a:t>
-            </a:r>
-          </a:p>
-          <a:p>
-            <a:pPr marL="0" indent="0">
-              <a:buNone/>
-            </a:pPr>
-            <a:r>
-              <a:rPr lang="en-US" sz="1400" b="1" dirty="0">
-                <a:solidFill>
-                  <a:schemeClr val="accent2"/>
-                </a:solidFill>
-                <a:latin typeface="Courier New" pitchFamily="49" charset="0"/>
-                <a:cs typeface="Courier New" pitchFamily="49" charset="0"/>
-              </a:rPr>
-              <a:t>		</a:t>
-            </a:r>
-            <a:r>
-              <a:rPr lang="en-US" sz="1400" b="1" dirty="0" smtClean="0">
-                <a:solidFill>
-                  <a:schemeClr val="accent2"/>
-                </a:solidFill>
-                <a:latin typeface="Courier New" pitchFamily="49" charset="0"/>
-                <a:cs typeface="Courier New" pitchFamily="49" charset="0"/>
-              </a:rPr>
-              <a:t>pop </a:t>
-            </a:r>
-            <a:r>
-              <a:rPr lang="en-US" sz="1400" b="1" dirty="0">
-                <a:solidFill>
-                  <a:schemeClr val="accent2"/>
-                </a:solidFill>
-                <a:latin typeface="Courier New" pitchFamily="49" charset="0"/>
-                <a:cs typeface="Courier New" pitchFamily="49" charset="0"/>
-              </a:rPr>
-              <a:t>r5</a:t>
-            </a:r>
-          </a:p>
-          <a:p>
-            <a:pPr marL="0" indent="0">
-              <a:buNone/>
-            </a:pPr>
-            <a:r>
-              <a:rPr lang="en-US" sz="1400" b="1" dirty="0">
-                <a:solidFill>
-                  <a:schemeClr val="accent2"/>
-                </a:solidFill>
-                <a:latin typeface="Courier New" pitchFamily="49" charset="0"/>
-                <a:cs typeface="Courier New" pitchFamily="49" charset="0"/>
-              </a:rPr>
-              <a:t>		</a:t>
-            </a:r>
-            <a:r>
-              <a:rPr lang="en-US" sz="1400" b="1" dirty="0" smtClean="0">
-                <a:solidFill>
-                  <a:schemeClr val="accent2"/>
-                </a:solidFill>
-                <a:latin typeface="Courier New" pitchFamily="49" charset="0"/>
-                <a:cs typeface="Courier New" pitchFamily="49" charset="0"/>
-              </a:rPr>
-              <a:t>ret</a:t>
-            </a:r>
             <a:endParaRPr lang="en-US" sz="1400" b="1" dirty="0">
               <a:solidFill>
                 <a:schemeClr val="accent2"/>
@@ -12434,11 +11438,572 @@
                 <a:latin typeface="Courier New" pitchFamily="49" charset="0"/>
                 <a:cs typeface="Courier New" pitchFamily="49" charset="0"/>
               </a:rPr>
-              <a:t>; End Software delay ---------------------------</a:t>
+              <a:t>; Increment </a:t>
+            </a:r>
+            <a:r>
+              <a:rPr lang="en-US" sz="1400" b="1" dirty="0" err="1">
+                <a:solidFill>
+                  <a:srgbClr val="00B050"/>
+                </a:solidFill>
+                <a:latin typeface="Courier New" pitchFamily="49" charset="0"/>
+                <a:cs typeface="Courier New" pitchFamily="49" charset="0"/>
+              </a:rPr>
+              <a:t>Btn</a:t>
+            </a:r>
+            <a:r>
+              <a:rPr lang="en-US" sz="1400" b="1" dirty="0">
+                <a:solidFill>
+                  <a:srgbClr val="00B050"/>
+                </a:solidFill>
+                <a:latin typeface="Courier New" pitchFamily="49" charset="0"/>
+                <a:cs typeface="Courier New" pitchFamily="49" charset="0"/>
+              </a:rPr>
+              <a:t> Counter on </a:t>
+            </a:r>
+            <a:r>
+              <a:rPr lang="en-US" sz="1400" b="1" dirty="0" err="1">
+                <a:solidFill>
+                  <a:srgbClr val="00B050"/>
+                </a:solidFill>
+                <a:latin typeface="Courier New" pitchFamily="49" charset="0"/>
+                <a:cs typeface="Courier New" pitchFamily="49" charset="0"/>
+              </a:rPr>
+              <a:t>Btn</a:t>
+            </a:r>
+            <a:r>
+              <a:rPr lang="en-US" sz="1400" b="1" dirty="0">
+                <a:solidFill>
+                  <a:srgbClr val="00B050"/>
+                </a:solidFill>
+                <a:latin typeface="Courier New" pitchFamily="49" charset="0"/>
+                <a:cs typeface="Courier New" pitchFamily="49" charset="0"/>
+              </a:rPr>
+              <a:t> press</a:t>
+            </a:r>
+          </a:p>
+          <a:p>
+            <a:pPr marL="0" indent="0">
+              <a:buNone/>
+            </a:pPr>
+            <a:r>
+              <a:rPr lang="en-US" sz="1400" b="1" dirty="0">
+                <a:solidFill>
+                  <a:srgbClr val="00B050"/>
+                </a:solidFill>
+                <a:latin typeface="Courier New" pitchFamily="49" charset="0"/>
+                <a:cs typeface="Courier New" pitchFamily="49" charset="0"/>
+              </a:rPr>
+              <a:t>; A delay is used immediately after the press and release</a:t>
+            </a:r>
+          </a:p>
+          <a:p>
+            <a:pPr marL="0" indent="0">
+              <a:buNone/>
+            </a:pPr>
+            <a:r>
+              <a:rPr lang="en-US" sz="1400" b="1" dirty="0" err="1">
+                <a:solidFill>
+                  <a:schemeClr val="accent2"/>
+                </a:solidFill>
+                <a:latin typeface="Courier New" pitchFamily="49" charset="0"/>
+                <a:cs typeface="Courier New" pitchFamily="49" charset="0"/>
+              </a:rPr>
+              <a:t>check_btn</a:t>
+            </a:r>
+            <a:r>
+              <a:rPr lang="en-US" sz="1400" b="1" dirty="0">
+                <a:solidFill>
+                  <a:schemeClr val="accent2"/>
+                </a:solidFill>
+                <a:latin typeface="Courier New" pitchFamily="49" charset="0"/>
+                <a:cs typeface="Courier New" pitchFamily="49" charset="0"/>
+              </a:rPr>
+              <a:t>:           </a:t>
+            </a:r>
+            <a:r>
+              <a:rPr lang="en-US" sz="1400" b="1" dirty="0" err="1">
+                <a:solidFill>
+                  <a:schemeClr val="accent2"/>
+                </a:solidFill>
+                <a:latin typeface="Courier New" pitchFamily="49" charset="0"/>
+                <a:cs typeface="Courier New" pitchFamily="49" charset="0"/>
+              </a:rPr>
+              <a:t>bit.b</a:t>
+            </a:r>
+            <a:r>
+              <a:rPr lang="en-US" sz="1400" b="1" dirty="0">
+                <a:solidFill>
+                  <a:schemeClr val="accent2"/>
+                </a:solidFill>
+                <a:latin typeface="Courier New" pitchFamily="49" charset="0"/>
+                <a:cs typeface="Courier New" pitchFamily="49" charset="0"/>
+              </a:rPr>
+              <a:t>  #BIT3, &amp;P1IN</a:t>
+            </a:r>
+          </a:p>
+          <a:p>
+            <a:pPr marL="0" indent="0">
+              <a:buNone/>
+            </a:pPr>
+            <a:r>
+              <a:rPr lang="en-US" sz="1400" b="1" dirty="0">
+                <a:solidFill>
+                  <a:schemeClr val="accent2"/>
+                </a:solidFill>
+                <a:latin typeface="Courier New" pitchFamily="49" charset="0"/>
+                <a:cs typeface="Courier New" pitchFamily="49" charset="0"/>
+              </a:rPr>
+              <a:t>                     </a:t>
+            </a:r>
+            <a:r>
+              <a:rPr lang="en-US" sz="1400" b="1" dirty="0" err="1">
+                <a:solidFill>
+                  <a:schemeClr val="accent2"/>
+                </a:solidFill>
+                <a:latin typeface="Courier New" pitchFamily="49" charset="0"/>
+                <a:cs typeface="Courier New" pitchFamily="49" charset="0"/>
+              </a:rPr>
+              <a:t>jnz</a:t>
+            </a:r>
+            <a:r>
+              <a:rPr lang="en-US" sz="1400" b="1" dirty="0">
+                <a:solidFill>
+                  <a:schemeClr val="accent2"/>
+                </a:solidFill>
+                <a:latin typeface="Courier New" pitchFamily="49" charset="0"/>
+                <a:cs typeface="Courier New" pitchFamily="49" charset="0"/>
+              </a:rPr>
+              <a:t>    </a:t>
+            </a:r>
+            <a:r>
+              <a:rPr lang="en-US" sz="1400" b="1" dirty="0" err="1">
+                <a:solidFill>
+                  <a:schemeClr val="accent2"/>
+                </a:solidFill>
+                <a:latin typeface="Courier New" pitchFamily="49" charset="0"/>
+                <a:cs typeface="Courier New" pitchFamily="49" charset="0"/>
+              </a:rPr>
+              <a:t>check_btn</a:t>
+            </a:r>
+            <a:endParaRPr lang="en-US" sz="1400" b="1" dirty="0">
+              <a:solidFill>
+                <a:schemeClr val="accent2"/>
+              </a:solidFill>
+              <a:latin typeface="Courier New" pitchFamily="49" charset="0"/>
+              <a:cs typeface="Courier New" pitchFamily="49" charset="0"/>
+            </a:endParaRPr>
+          </a:p>
+          <a:p>
+            <a:pPr marL="0" indent="0">
+              <a:buNone/>
+            </a:pPr>
+            <a:endParaRPr lang="en-US" sz="1400" b="1" dirty="0">
+              <a:solidFill>
+                <a:schemeClr val="accent2"/>
+              </a:solidFill>
+              <a:latin typeface="Courier New" pitchFamily="49" charset="0"/>
+              <a:cs typeface="Courier New" pitchFamily="49" charset="0"/>
+            </a:endParaRPr>
+          </a:p>
+          <a:p>
+            <a:pPr marL="0" indent="0">
+              <a:buNone/>
+            </a:pPr>
+            <a:r>
+              <a:rPr lang="en-US" sz="1400" b="1" dirty="0">
+                <a:solidFill>
+                  <a:schemeClr val="accent2"/>
+                </a:solidFill>
+                <a:latin typeface="Courier New" pitchFamily="49" charset="0"/>
+                <a:cs typeface="Courier New" pitchFamily="49" charset="0"/>
+              </a:rPr>
+              <a:t>                     </a:t>
+            </a:r>
+            <a:r>
+              <a:rPr lang="en-US" sz="1400" b="1" dirty="0" err="1">
+                <a:solidFill>
+                  <a:schemeClr val="accent2"/>
+                </a:solidFill>
+                <a:latin typeface="Courier New" pitchFamily="49" charset="0"/>
+                <a:cs typeface="Courier New" pitchFamily="49" charset="0"/>
+              </a:rPr>
+              <a:t>inc</a:t>
+            </a:r>
+            <a:r>
+              <a:rPr lang="en-US" sz="1400" b="1" dirty="0">
+                <a:solidFill>
+                  <a:schemeClr val="accent2"/>
+                </a:solidFill>
+                <a:latin typeface="Courier New" pitchFamily="49" charset="0"/>
+                <a:cs typeface="Courier New" pitchFamily="49" charset="0"/>
+              </a:rPr>
+              <a:t> R4</a:t>
+            </a:r>
+          </a:p>
+          <a:p>
+            <a:pPr marL="0" indent="0">
+              <a:buNone/>
+            </a:pPr>
+            <a:endParaRPr lang="en-US" sz="1400" b="1" dirty="0">
+              <a:solidFill>
+                <a:schemeClr val="accent2"/>
+              </a:solidFill>
+              <a:latin typeface="Courier New" pitchFamily="49" charset="0"/>
+              <a:cs typeface="Courier New" pitchFamily="49" charset="0"/>
+            </a:endParaRPr>
+          </a:p>
+          <a:p>
+            <a:pPr marL="0" indent="0">
+              <a:buNone/>
+            </a:pPr>
+            <a:r>
+              <a:rPr lang="en-US" sz="1400" b="1" dirty="0">
+                <a:solidFill>
+                  <a:schemeClr val="accent2"/>
+                </a:solidFill>
+                <a:latin typeface="Courier New" pitchFamily="49" charset="0"/>
+                <a:cs typeface="Courier New" pitchFamily="49" charset="0"/>
+              </a:rPr>
+              <a:t>                     call   #</a:t>
+            </a:r>
+            <a:r>
+              <a:rPr lang="en-US" sz="1400" b="1" dirty="0" err="1">
+                <a:solidFill>
+                  <a:schemeClr val="accent2"/>
+                </a:solidFill>
+                <a:latin typeface="Courier New" pitchFamily="49" charset="0"/>
+                <a:cs typeface="Courier New" pitchFamily="49" charset="0"/>
+              </a:rPr>
+              <a:t>software_delay</a:t>
+            </a:r>
+            <a:endParaRPr lang="en-US" sz="1400" b="1" dirty="0">
+              <a:solidFill>
+                <a:schemeClr val="accent2"/>
+              </a:solidFill>
+              <a:latin typeface="Courier New" pitchFamily="49" charset="0"/>
+              <a:cs typeface="Courier New" pitchFamily="49" charset="0"/>
+            </a:endParaRPr>
+          </a:p>
+          <a:p>
+            <a:pPr marL="0" indent="0">
+              <a:buNone/>
+            </a:pPr>
+            <a:r>
+              <a:rPr lang="en-US" sz="1400" b="1" dirty="0">
+                <a:solidFill>
+                  <a:schemeClr val="accent2"/>
+                </a:solidFill>
+                <a:latin typeface="Courier New" pitchFamily="49" charset="0"/>
+                <a:cs typeface="Courier New" pitchFamily="49" charset="0"/>
+              </a:rPr>
+              <a:t>                     </a:t>
+            </a:r>
+            <a:r>
+              <a:rPr lang="en-US" sz="1400" b="1" dirty="0" err="1">
+                <a:solidFill>
+                  <a:schemeClr val="accent2"/>
+                </a:solidFill>
+                <a:latin typeface="Courier New" pitchFamily="49" charset="0"/>
+                <a:cs typeface="Courier New" pitchFamily="49" charset="0"/>
+              </a:rPr>
+              <a:t>jmp</a:t>
+            </a:r>
+            <a:r>
+              <a:rPr lang="en-US" sz="1400" b="1" dirty="0">
+                <a:solidFill>
+                  <a:schemeClr val="accent2"/>
+                </a:solidFill>
+                <a:latin typeface="Courier New" pitchFamily="49" charset="0"/>
+                <a:cs typeface="Courier New" pitchFamily="49" charset="0"/>
+              </a:rPr>
+              <a:t>    </a:t>
+            </a:r>
+            <a:r>
+              <a:rPr lang="en-US" sz="1400" b="1" dirty="0" err="1">
+                <a:solidFill>
+                  <a:schemeClr val="accent2"/>
+                </a:solidFill>
+                <a:latin typeface="Courier New" pitchFamily="49" charset="0"/>
+                <a:cs typeface="Courier New" pitchFamily="49" charset="0"/>
+              </a:rPr>
+              <a:t>btn_pushed</a:t>
+            </a:r>
+            <a:endParaRPr lang="en-US" sz="1400" b="1" dirty="0">
+              <a:solidFill>
+                <a:schemeClr val="accent2"/>
+              </a:solidFill>
+              <a:latin typeface="Courier New" pitchFamily="49" charset="0"/>
+              <a:cs typeface="Courier New" pitchFamily="49" charset="0"/>
+            </a:endParaRPr>
+          </a:p>
+          <a:p>
+            <a:pPr marL="0" indent="0">
+              <a:buNone/>
+            </a:pPr>
+            <a:endParaRPr lang="en-US" sz="1400" b="1" dirty="0">
+              <a:solidFill>
+                <a:schemeClr val="accent2"/>
+              </a:solidFill>
+              <a:latin typeface="Courier New" pitchFamily="49" charset="0"/>
+              <a:cs typeface="Courier New" pitchFamily="49" charset="0"/>
+            </a:endParaRPr>
+          </a:p>
+          <a:p>
+            <a:pPr marL="0" indent="0">
+              <a:buNone/>
+            </a:pPr>
+            <a:r>
+              <a:rPr lang="en-US" sz="1400" b="1" dirty="0" err="1">
+                <a:solidFill>
+                  <a:schemeClr val="accent2"/>
+                </a:solidFill>
+                <a:latin typeface="Courier New" pitchFamily="49" charset="0"/>
+                <a:cs typeface="Courier New" pitchFamily="49" charset="0"/>
+              </a:rPr>
+              <a:t>btn_pushed</a:t>
+            </a:r>
+            <a:r>
+              <a:rPr lang="en-US" sz="1400" b="1" dirty="0">
+                <a:solidFill>
+                  <a:schemeClr val="accent2"/>
+                </a:solidFill>
+                <a:latin typeface="Courier New" pitchFamily="49" charset="0"/>
+                <a:cs typeface="Courier New" pitchFamily="49" charset="0"/>
+              </a:rPr>
+              <a:t>:          </a:t>
+            </a:r>
+            <a:r>
+              <a:rPr lang="en-US" sz="1400" b="1" dirty="0" err="1">
+                <a:solidFill>
+                  <a:schemeClr val="accent2"/>
+                </a:solidFill>
+                <a:latin typeface="Courier New" pitchFamily="49" charset="0"/>
+                <a:cs typeface="Courier New" pitchFamily="49" charset="0"/>
+              </a:rPr>
+              <a:t>bit.b</a:t>
+            </a:r>
+            <a:r>
+              <a:rPr lang="en-US" sz="1400" b="1" dirty="0">
+                <a:solidFill>
+                  <a:schemeClr val="accent2"/>
+                </a:solidFill>
+                <a:latin typeface="Courier New" pitchFamily="49" charset="0"/>
+                <a:cs typeface="Courier New" pitchFamily="49" charset="0"/>
+              </a:rPr>
+              <a:t>  #BIT3, &amp;P1IN</a:t>
+            </a:r>
+          </a:p>
+          <a:p>
+            <a:pPr marL="0" indent="0">
+              <a:buNone/>
+            </a:pPr>
+            <a:r>
+              <a:rPr lang="en-US" sz="1400" b="1" dirty="0">
+                <a:solidFill>
+                  <a:schemeClr val="accent2"/>
+                </a:solidFill>
+                <a:latin typeface="Courier New" pitchFamily="49" charset="0"/>
+                <a:cs typeface="Courier New" pitchFamily="49" charset="0"/>
+              </a:rPr>
+              <a:t>                     </a:t>
+            </a:r>
+            <a:r>
+              <a:rPr lang="en-US" sz="1400" b="1" dirty="0" err="1">
+                <a:solidFill>
+                  <a:schemeClr val="accent2"/>
+                </a:solidFill>
+                <a:latin typeface="Courier New" pitchFamily="49" charset="0"/>
+                <a:cs typeface="Courier New" pitchFamily="49" charset="0"/>
+              </a:rPr>
+              <a:t>jz</a:t>
+            </a:r>
+            <a:r>
+              <a:rPr lang="en-US" sz="1400" b="1" dirty="0">
+                <a:solidFill>
+                  <a:schemeClr val="accent2"/>
+                </a:solidFill>
+                <a:latin typeface="Courier New" pitchFamily="49" charset="0"/>
+                <a:cs typeface="Courier New" pitchFamily="49" charset="0"/>
+              </a:rPr>
+              <a:t>     </a:t>
+            </a:r>
+            <a:r>
+              <a:rPr lang="en-US" sz="1400" b="1" dirty="0" err="1" smtClean="0">
+                <a:solidFill>
+                  <a:schemeClr val="accent2"/>
+                </a:solidFill>
+                <a:latin typeface="Courier New" pitchFamily="49" charset="0"/>
+                <a:cs typeface="Courier New" pitchFamily="49" charset="0"/>
+              </a:rPr>
+              <a:t>btn_pushed</a:t>
             </a:r>
             <a:endParaRPr lang="en-US" sz="1400" b="1" dirty="0" smtClean="0">
               <a:solidFill>
-                <a:srgbClr val="00B050"/>
+                <a:schemeClr val="accent2"/>
+              </a:solidFill>
+              <a:latin typeface="Courier New" pitchFamily="49" charset="0"/>
+              <a:cs typeface="Courier New" pitchFamily="49" charset="0"/>
+            </a:endParaRPr>
+          </a:p>
+          <a:p>
+            <a:pPr marL="0" indent="0">
+              <a:buNone/>
+            </a:pPr>
+            <a:r>
+              <a:rPr lang="en-US" sz="1400" b="1" dirty="0">
+                <a:solidFill>
+                  <a:schemeClr val="accent2"/>
+                </a:solidFill>
+                <a:latin typeface="Courier New" pitchFamily="49" charset="0"/>
+                <a:cs typeface="Courier New" pitchFamily="49" charset="0"/>
+              </a:rPr>
+              <a:t>	</a:t>
+            </a:r>
+            <a:r>
+              <a:rPr lang="en-US" sz="1400" b="1" dirty="0" smtClean="0">
+                <a:solidFill>
+                  <a:schemeClr val="accent2"/>
+                </a:solidFill>
+                <a:latin typeface="Courier New" pitchFamily="49" charset="0"/>
+                <a:cs typeface="Courier New" pitchFamily="49" charset="0"/>
+              </a:rPr>
+              <a:t>	    </a:t>
+            </a:r>
+          </a:p>
+          <a:p>
+            <a:pPr marL="0" indent="0">
+              <a:buNone/>
+            </a:pPr>
+            <a:r>
+              <a:rPr lang="en-US" sz="1400" b="1" dirty="0">
+                <a:solidFill>
+                  <a:schemeClr val="accent2"/>
+                </a:solidFill>
+                <a:latin typeface="Courier New" pitchFamily="49" charset="0"/>
+                <a:cs typeface="Courier New" pitchFamily="49" charset="0"/>
+              </a:rPr>
+              <a:t>	</a:t>
+            </a:r>
+            <a:r>
+              <a:rPr lang="en-US" sz="1400" b="1" dirty="0" smtClean="0">
+                <a:solidFill>
+                  <a:schemeClr val="accent2"/>
+                </a:solidFill>
+                <a:latin typeface="Courier New" pitchFamily="49" charset="0"/>
+                <a:cs typeface="Courier New" pitchFamily="49" charset="0"/>
+              </a:rPr>
+              <a:t>	  </a:t>
+            </a:r>
+            <a:r>
+              <a:rPr lang="en-US" sz="1400" b="1" dirty="0" smtClean="0">
+                <a:solidFill>
+                  <a:srgbClr val="00B050"/>
+                </a:solidFill>
+                <a:latin typeface="Courier New" pitchFamily="49" charset="0"/>
+                <a:cs typeface="Courier New" pitchFamily="49" charset="0"/>
+              </a:rPr>
+              <a:t>; </a:t>
+            </a:r>
+            <a:r>
+              <a:rPr lang="en-US" sz="1400" b="1" dirty="0" err="1">
+                <a:solidFill>
+                  <a:srgbClr val="00B050"/>
+                </a:solidFill>
+                <a:latin typeface="Courier New" pitchFamily="49" charset="0"/>
+                <a:cs typeface="Courier New" pitchFamily="49" charset="0"/>
+              </a:rPr>
+              <a:t>Btn</a:t>
+            </a:r>
+            <a:r>
+              <a:rPr lang="en-US" sz="1400" b="1" dirty="0">
+                <a:solidFill>
+                  <a:srgbClr val="00B050"/>
+                </a:solidFill>
+                <a:latin typeface="Courier New" pitchFamily="49" charset="0"/>
+                <a:cs typeface="Courier New" pitchFamily="49" charset="0"/>
+              </a:rPr>
+              <a:t> released</a:t>
+            </a:r>
+          </a:p>
+          <a:p>
+            <a:pPr marL="0" indent="0">
+              <a:buNone/>
+            </a:pPr>
+            <a:r>
+              <a:rPr lang="en-US" sz="1400" b="1" dirty="0">
+                <a:solidFill>
+                  <a:schemeClr val="accent2"/>
+                </a:solidFill>
+                <a:latin typeface="Courier New" pitchFamily="49" charset="0"/>
+                <a:cs typeface="Courier New" pitchFamily="49" charset="0"/>
+              </a:rPr>
+              <a:t>                     call   #</a:t>
+            </a:r>
+            <a:r>
+              <a:rPr lang="en-US" sz="1400" b="1" dirty="0" err="1">
+                <a:solidFill>
+                  <a:schemeClr val="accent2"/>
+                </a:solidFill>
+                <a:latin typeface="Courier New" pitchFamily="49" charset="0"/>
+                <a:cs typeface="Courier New" pitchFamily="49" charset="0"/>
+              </a:rPr>
+              <a:t>software_delay</a:t>
+            </a:r>
+            <a:endParaRPr lang="en-US" sz="1400" b="1" dirty="0">
+              <a:solidFill>
+                <a:schemeClr val="accent2"/>
+              </a:solidFill>
+              <a:latin typeface="Courier New" pitchFamily="49" charset="0"/>
+              <a:cs typeface="Courier New" pitchFamily="49" charset="0"/>
+            </a:endParaRPr>
+          </a:p>
+          <a:p>
+            <a:pPr marL="0" indent="0">
+              <a:buNone/>
+            </a:pPr>
+            <a:r>
+              <a:rPr lang="en-US" sz="1400" b="1" dirty="0">
+                <a:solidFill>
+                  <a:schemeClr val="accent2"/>
+                </a:solidFill>
+                <a:latin typeface="Courier New" pitchFamily="49" charset="0"/>
+                <a:cs typeface="Courier New" pitchFamily="49" charset="0"/>
+              </a:rPr>
+              <a:t>                     </a:t>
+            </a:r>
+            <a:r>
+              <a:rPr lang="en-US" sz="1400" b="1" dirty="0" err="1">
+                <a:solidFill>
+                  <a:schemeClr val="accent2"/>
+                </a:solidFill>
+                <a:latin typeface="Courier New" pitchFamily="49" charset="0"/>
+                <a:cs typeface="Courier New" pitchFamily="49" charset="0"/>
+              </a:rPr>
+              <a:t>jmp</a:t>
+            </a:r>
+            <a:r>
+              <a:rPr lang="en-US" sz="1400" b="1" dirty="0">
+                <a:solidFill>
+                  <a:schemeClr val="accent2"/>
+                </a:solidFill>
+                <a:latin typeface="Courier New" pitchFamily="49" charset="0"/>
+                <a:cs typeface="Courier New" pitchFamily="49" charset="0"/>
+              </a:rPr>
+              <a:t>    </a:t>
+            </a:r>
+            <a:r>
+              <a:rPr lang="en-US" sz="1400" b="1" dirty="0" err="1">
+                <a:solidFill>
+                  <a:schemeClr val="accent2"/>
+                </a:solidFill>
+                <a:latin typeface="Courier New" pitchFamily="49" charset="0"/>
+                <a:cs typeface="Courier New" pitchFamily="49" charset="0"/>
+              </a:rPr>
+              <a:t>check_btn</a:t>
+            </a:r>
+            <a:endParaRPr lang="en-US" sz="1400" b="1" dirty="0" smtClean="0">
+              <a:solidFill>
+                <a:schemeClr val="accent2"/>
               </a:solidFill>
               <a:latin typeface="Courier New" pitchFamily="49" charset="0"/>
               <a:cs typeface="Courier New" pitchFamily="49" charset="0"/>
@@ -12454,13 +12019,13 @@
         </p:nvSpPr>
         <p:spPr bwMode="auto">
           <a:xfrm>
-            <a:off x="5716577" y="2648608"/>
-            <a:ext cx="3153103" cy="1198179"/>
+            <a:off x="5716576" y="3487307"/>
+            <a:ext cx="3153103" cy="320066"/>
           </a:xfrm>
           <a:prstGeom prst="wedgeRectCallout">
             <a:avLst>
-              <a:gd name="adj1" fmla="val -111333"/>
-              <a:gd name="adj2" fmla="val 59868"/>
+              <a:gd name="adj1" fmla="val -117833"/>
+              <a:gd name="adj2" fmla="val 127983"/>
             </a:avLst>
           </a:prstGeom>
           <a:solidFill>
@@ -12512,33 +12077,7 @@
                 <a:effectLst/>
                 <a:latin typeface="Arial" charset="0"/>
               </a:rPr>
-              <a:t>For your </a:t>
-            </a:r>
-            <a:r>
-              <a:rPr kumimoji="0" lang="en-US" sz="1600" b="0" i="0" u="none" strike="noStrike" cap="none" normalizeH="0" baseline="0" dirty="0" err="1" smtClean="0">
-                <a:ln>
-                  <a:noFill/>
-                </a:ln>
-                <a:solidFill>
-                  <a:schemeClr val="tx1"/>
-                </a:solidFill>
-                <a:effectLst/>
-                <a:latin typeface="Arial" charset="0"/>
-              </a:rPr>
-              <a:t>uC</a:t>
-            </a:r>
-            <a:r>
-              <a:rPr kumimoji="0" lang="en-US" sz="1600" b="0" i="0" u="none" strike="noStrike" cap="none" normalizeH="0" baseline="0" dirty="0" smtClean="0">
-                <a:ln>
-                  <a:noFill/>
-                </a:ln>
-                <a:solidFill>
-                  <a:schemeClr val="tx1"/>
-                </a:solidFill>
-                <a:effectLst/>
-                <a:latin typeface="Arial" charset="0"/>
-              </a:rPr>
-              <a:t>, you need to determine how fast your oscillator</a:t>
+              <a:t>Button is push</a:t>
             </a:r>
             <a:r>
               <a:rPr kumimoji="0" lang="en-US" sz="1600" b="0" i="0" u="none" strike="noStrike" cap="none" normalizeH="0" dirty="0" smtClean="0">
@@ -12551,20 +12090,7 @@
                 <a:effectLst/>
                 <a:latin typeface="Arial" charset="0"/>
               </a:rPr>
-              <a:t> is and set #0xaaaa to a value you want for </a:t>
-            </a:r>
-            <a:r>
-              <a:rPr kumimoji="0" lang="en-US" sz="1600" b="0" i="0" u="none" strike="noStrike" cap="none" normalizeH="0" dirty="0" err="1" smtClean="0">
-                <a:ln>
-                  <a:noFill/>
-                </a:ln>
-                <a:solidFill>
-                  <a:schemeClr val="tx1"/>
-                </a:solidFill>
-                <a:effectLst/>
-                <a:latin typeface="Arial" charset="0"/>
-              </a:rPr>
-              <a:t>debouncing</a:t>
+              <a:t> detected</a:t>
             </a:r>
             <a:endParaRPr kumimoji="0" lang="en-US" sz="1600" b="0" i="0" u="none" strike="noStrike" cap="none" normalizeH="0" baseline="0" dirty="0" smtClean="0">
               <a:ln>
@@ -12587,13 +12113,13 @@
         </p:nvSpPr>
         <p:spPr bwMode="auto">
           <a:xfrm>
-            <a:off x="5716577" y="4141575"/>
-            <a:ext cx="3153103" cy="1198179"/>
+            <a:off x="5716575" y="4977148"/>
+            <a:ext cx="3153103" cy="840328"/>
           </a:xfrm>
           <a:prstGeom prst="wedgeRectCallout">
             <a:avLst>
-              <a:gd name="adj1" fmla="val -110583"/>
-              <a:gd name="adj2" fmla="val -49343"/>
+              <a:gd name="adj1" fmla="val -69583"/>
+              <a:gd name="adj2" fmla="val -104688"/>
             </a:avLst>
           </a:prstGeom>
           <a:solidFill>
@@ -12645,7 +12171,7 @@
                 <a:effectLst/>
                 <a:latin typeface="Arial" charset="0"/>
               </a:rPr>
-              <a:t>It might also be useful to pass in an</a:t>
+              <a:t>Call a delay (sleep) to wait for bouncing to settle down before reading</a:t>
             </a:r>
             <a:r>
               <a:rPr kumimoji="0" lang="en-US" sz="1600" b="0" i="0" u="none" strike="noStrike" cap="none" normalizeH="0" dirty="0" smtClean="0">
@@ -12658,7 +12184,7 @@
                 <a:effectLst/>
                 <a:latin typeface="Arial" charset="0"/>
               </a:rPr>
-              <a:t> argument for how long you want to delay instead of having it hardcoded</a:t>
+              <a:t> again</a:t>
             </a:r>
             <a:endParaRPr kumimoji="0" lang="en-US" sz="1600" b="0" i="0" u="none" strike="noStrike" cap="none" normalizeH="0" baseline="0" dirty="0" smtClean="0">
               <a:ln>
@@ -12676,7 +12202,7 @@
     </p:spTree>
     <p:extLst>
       <p:ext uri="{BB962C8B-B14F-4D97-AF65-F5344CB8AC3E}">
-        <p14:creationId xmlns:p14="http://schemas.microsoft.com/office/powerpoint/2010/main" val="2686562081"/>
+        <p14:creationId xmlns:p14="http://schemas.microsoft.com/office/powerpoint/2010/main" val="2711424685"/>
       </p:ext>
     </p:extLst>
   </p:cSld>
@@ -12918,6 +12444,756 @@
       </p:grpSpPr>
       <p:sp>
         <p:nvSpPr>
+          <p:cNvPr id="2" name="Title 1"/>
+          <p:cNvSpPr>
+            <a:spLocks noGrp="1"/>
+          </p:cNvSpPr>
+          <p:nvPr>
+            <p:ph type="title"/>
+          </p:nvPr>
+        </p:nvSpPr>
+        <p:spPr/>
+        <p:txBody>
+          <a:bodyPr/>
+          <a:lstStyle/>
+          <a:p>
+            <a:r>
+              <a:rPr lang="en-US" dirty="0" err="1" smtClean="0"/>
+              <a:t>Debounced</a:t>
+            </a:r>
+            <a:r>
+              <a:rPr lang="en-US" dirty="0" smtClean="0"/>
+              <a:t> code with SW delay</a:t>
+            </a:r>
+            <a:endParaRPr lang="en-US" dirty="0"/>
+          </a:p>
+        </p:txBody>
+      </p:sp>
+      <p:sp>
+        <p:nvSpPr>
+          <p:cNvPr id="3" name="Content Placeholder 2"/>
+          <p:cNvSpPr>
+            <a:spLocks noGrp="1"/>
+          </p:cNvSpPr>
+          <p:nvPr>
+            <p:ph idx="1"/>
+          </p:nvPr>
+        </p:nvSpPr>
+        <p:spPr>
+          <a:xfrm>
+            <a:off x="708193" y="1574948"/>
+            <a:ext cx="7772400" cy="4724400"/>
+          </a:xfrm>
+        </p:spPr>
+        <p:txBody>
+          <a:bodyPr/>
+          <a:lstStyle/>
+          <a:p>
+            <a:pPr marL="0" indent="0">
+              <a:buNone/>
+            </a:pPr>
+            <a:r>
+              <a:rPr lang="en-US" sz="1400" b="1" dirty="0">
+                <a:solidFill>
+                  <a:srgbClr val="00B050"/>
+                </a:solidFill>
+                <a:latin typeface="Courier New" pitchFamily="49" charset="0"/>
+                <a:cs typeface="Courier New" pitchFamily="49" charset="0"/>
+              </a:rPr>
+              <a:t>; -------------------------------------------</a:t>
+            </a:r>
+          </a:p>
+          <a:p>
+            <a:pPr marL="0" indent="0">
+              <a:buNone/>
+            </a:pPr>
+            <a:r>
+              <a:rPr lang="en-US" sz="1400" b="1" dirty="0">
+                <a:solidFill>
+                  <a:srgbClr val="00B050"/>
+                </a:solidFill>
+                <a:latin typeface="Courier New" pitchFamily="49" charset="0"/>
+                <a:cs typeface="Courier New" pitchFamily="49" charset="0"/>
+              </a:rPr>
+              <a:t>; Software delay</a:t>
+            </a:r>
+          </a:p>
+          <a:p>
+            <a:pPr marL="0" indent="0">
+              <a:buNone/>
+            </a:pPr>
+            <a:r>
+              <a:rPr lang="en-US" sz="1400" b="1" dirty="0">
+                <a:solidFill>
+                  <a:srgbClr val="00B050"/>
+                </a:solidFill>
+                <a:latin typeface="Courier New" pitchFamily="49" charset="0"/>
+                <a:cs typeface="Courier New" pitchFamily="49" charset="0"/>
+              </a:rPr>
+              <a:t>; Purpose:  Delays code based on value of R5</a:t>
+            </a:r>
+          </a:p>
+          <a:p>
+            <a:pPr marL="0" indent="0">
+              <a:buNone/>
+            </a:pPr>
+            <a:r>
+              <a:rPr lang="en-US" sz="1400" b="1" dirty="0">
+                <a:solidFill>
+                  <a:srgbClr val="00B050"/>
+                </a:solidFill>
+                <a:latin typeface="Courier New" pitchFamily="49" charset="0"/>
+                <a:cs typeface="Courier New" pitchFamily="49" charset="0"/>
+              </a:rPr>
+              <a:t>;	</a:t>
+            </a:r>
+            <a:r>
+              <a:rPr lang="en-US" sz="1400" b="1" dirty="0" smtClean="0">
+                <a:solidFill>
+                  <a:srgbClr val="00B050"/>
+                </a:solidFill>
+                <a:latin typeface="Courier New" pitchFamily="49" charset="0"/>
+                <a:cs typeface="Courier New" pitchFamily="49" charset="0"/>
+              </a:rPr>
+              <a:t>   R5 </a:t>
+            </a:r>
+            <a:r>
+              <a:rPr lang="en-US" sz="1400" b="1" dirty="0">
+                <a:solidFill>
+                  <a:srgbClr val="00B050"/>
+                </a:solidFill>
+                <a:latin typeface="Courier New" pitchFamily="49" charset="0"/>
+                <a:cs typeface="Courier New" pitchFamily="49" charset="0"/>
+              </a:rPr>
+              <a:t>is currently hard coded as </a:t>
+            </a:r>
+            <a:r>
+              <a:rPr lang="en-US" sz="1400" b="1" dirty="0" smtClean="0">
+                <a:solidFill>
+                  <a:srgbClr val="00B050"/>
+                </a:solidFill>
+                <a:latin typeface="Courier New" pitchFamily="49" charset="0"/>
+                <a:cs typeface="Courier New" pitchFamily="49" charset="0"/>
+              </a:rPr>
+              <a:t>0xAAAA</a:t>
+            </a:r>
+          </a:p>
+          <a:p>
+            <a:pPr marL="0" indent="0">
+              <a:buNone/>
+            </a:pPr>
+            <a:r>
+              <a:rPr lang="en-US" sz="1400" dirty="0" smtClean="0">
+                <a:solidFill>
+                  <a:srgbClr val="00B050"/>
+                </a:solidFill>
+                <a:latin typeface="Courier New" pitchFamily="49" charset="0"/>
+                <a:cs typeface="Courier New" pitchFamily="49" charset="0"/>
+              </a:rPr>
+              <a:t>; Destroyed: None</a:t>
+            </a:r>
+          </a:p>
+          <a:p>
+            <a:pPr marL="0" indent="0">
+              <a:buNone/>
+            </a:pPr>
+            <a:r>
+              <a:rPr lang="en-US" sz="1400" b="1" dirty="0" smtClean="0">
+                <a:solidFill>
+                  <a:srgbClr val="00B050"/>
+                </a:solidFill>
+                <a:latin typeface="Courier New" pitchFamily="49" charset="0"/>
+                <a:cs typeface="Courier New" pitchFamily="49" charset="0"/>
+              </a:rPr>
+              <a:t>; Returned: None</a:t>
+            </a:r>
+            <a:endParaRPr lang="en-US" sz="1400" b="1" dirty="0">
+              <a:solidFill>
+                <a:srgbClr val="00B050"/>
+              </a:solidFill>
+              <a:latin typeface="Courier New" pitchFamily="49" charset="0"/>
+              <a:cs typeface="Courier New" pitchFamily="49" charset="0"/>
+            </a:endParaRPr>
+          </a:p>
+          <a:p>
+            <a:pPr marL="0" indent="0">
+              <a:buNone/>
+            </a:pPr>
+            <a:r>
+              <a:rPr lang="en-US" sz="1400" b="1" dirty="0">
+                <a:solidFill>
+                  <a:srgbClr val="00B050"/>
+                </a:solidFill>
+                <a:latin typeface="Courier New" pitchFamily="49" charset="0"/>
+                <a:cs typeface="Courier New" pitchFamily="49" charset="0"/>
+              </a:rPr>
+              <a:t>; -------------------------------------------</a:t>
+            </a:r>
+          </a:p>
+          <a:p>
+            <a:pPr marL="0" indent="0">
+              <a:buNone/>
+            </a:pPr>
+            <a:r>
+              <a:rPr lang="en-US" sz="1400" b="1" dirty="0" err="1">
+                <a:solidFill>
+                  <a:schemeClr val="accent2"/>
+                </a:solidFill>
+                <a:latin typeface="Courier New" pitchFamily="49" charset="0"/>
+                <a:cs typeface="Courier New" pitchFamily="49" charset="0"/>
+              </a:rPr>
+              <a:t>software_delay</a:t>
+            </a:r>
+            <a:r>
+              <a:rPr lang="en-US" sz="1400" b="1" dirty="0">
+                <a:solidFill>
+                  <a:schemeClr val="accent2"/>
+                </a:solidFill>
+                <a:latin typeface="Courier New" pitchFamily="49" charset="0"/>
+                <a:cs typeface="Courier New" pitchFamily="49" charset="0"/>
+              </a:rPr>
+              <a:t>:</a:t>
+            </a:r>
+          </a:p>
+          <a:p>
+            <a:pPr marL="0" indent="0">
+              <a:buNone/>
+            </a:pPr>
+            <a:r>
+              <a:rPr lang="en-US" sz="1400" b="1" dirty="0">
+                <a:solidFill>
+                  <a:schemeClr val="accent2"/>
+                </a:solidFill>
+                <a:latin typeface="Courier New" pitchFamily="49" charset="0"/>
+                <a:cs typeface="Courier New" pitchFamily="49" charset="0"/>
+              </a:rPr>
+              <a:t>		</a:t>
+            </a:r>
+            <a:r>
+              <a:rPr lang="en-US" sz="1400" b="1" dirty="0" smtClean="0">
+                <a:solidFill>
+                  <a:schemeClr val="accent2"/>
+                </a:solidFill>
+                <a:latin typeface="Courier New" pitchFamily="49" charset="0"/>
+                <a:cs typeface="Courier New" pitchFamily="49" charset="0"/>
+              </a:rPr>
+              <a:t>push </a:t>
+            </a:r>
+            <a:r>
+              <a:rPr lang="en-US" sz="1400" b="1" dirty="0">
+                <a:solidFill>
+                  <a:schemeClr val="accent2"/>
+                </a:solidFill>
+                <a:latin typeface="Courier New" pitchFamily="49" charset="0"/>
+                <a:cs typeface="Courier New" pitchFamily="49" charset="0"/>
+              </a:rPr>
+              <a:t>r5</a:t>
+            </a:r>
+          </a:p>
+          <a:p>
+            <a:pPr marL="0" indent="0">
+              <a:buNone/>
+            </a:pPr>
+            <a:r>
+              <a:rPr lang="en-US" sz="1400" b="1" dirty="0">
+                <a:solidFill>
+                  <a:schemeClr val="accent2"/>
+                </a:solidFill>
+                <a:latin typeface="Courier New" pitchFamily="49" charset="0"/>
+                <a:cs typeface="Courier New" pitchFamily="49" charset="0"/>
+              </a:rPr>
+              <a:t>		</a:t>
+            </a:r>
+            <a:r>
+              <a:rPr lang="en-US" sz="1400" b="1" dirty="0" err="1" smtClean="0">
+                <a:solidFill>
+                  <a:schemeClr val="accent2"/>
+                </a:solidFill>
+                <a:latin typeface="Courier New" pitchFamily="49" charset="0"/>
+                <a:cs typeface="Courier New" pitchFamily="49" charset="0"/>
+              </a:rPr>
+              <a:t>mov.w</a:t>
+            </a:r>
+            <a:r>
+              <a:rPr lang="en-US" sz="1400" b="1" dirty="0" smtClean="0">
+                <a:solidFill>
+                  <a:schemeClr val="accent2"/>
+                </a:solidFill>
+                <a:latin typeface="Courier New" pitchFamily="49" charset="0"/>
+                <a:cs typeface="Courier New" pitchFamily="49" charset="0"/>
+              </a:rPr>
+              <a:t> </a:t>
+            </a:r>
+            <a:r>
+              <a:rPr lang="en-US" sz="1400" b="1" dirty="0">
+                <a:solidFill>
+                  <a:schemeClr val="accent2"/>
+                </a:solidFill>
+                <a:latin typeface="Courier New" pitchFamily="49" charset="0"/>
+                <a:cs typeface="Courier New" pitchFamily="49" charset="0"/>
+              </a:rPr>
+              <a:t>#0xaaaa, r5</a:t>
+            </a:r>
+          </a:p>
+          <a:p>
+            <a:pPr marL="0" indent="0">
+              <a:buNone/>
+            </a:pPr>
+            <a:endParaRPr lang="en-US" sz="1400" b="1" dirty="0">
+              <a:solidFill>
+                <a:schemeClr val="accent2"/>
+              </a:solidFill>
+              <a:latin typeface="Courier New" pitchFamily="49" charset="0"/>
+              <a:cs typeface="Courier New" pitchFamily="49" charset="0"/>
+            </a:endParaRPr>
+          </a:p>
+          <a:p>
+            <a:pPr marL="0" indent="0">
+              <a:buNone/>
+            </a:pPr>
+            <a:r>
+              <a:rPr lang="en-US" sz="1400" b="1" dirty="0">
+                <a:solidFill>
+                  <a:schemeClr val="accent2"/>
+                </a:solidFill>
+                <a:latin typeface="Courier New" pitchFamily="49" charset="0"/>
+                <a:cs typeface="Courier New" pitchFamily="49" charset="0"/>
+              </a:rPr>
+              <a:t>delay:		</a:t>
+            </a:r>
+            <a:r>
+              <a:rPr lang="en-US" sz="1400" b="1" dirty="0" err="1" smtClean="0">
+                <a:solidFill>
+                  <a:schemeClr val="accent2"/>
+                </a:solidFill>
+                <a:latin typeface="Courier New" pitchFamily="49" charset="0"/>
+                <a:cs typeface="Courier New" pitchFamily="49" charset="0"/>
+              </a:rPr>
+              <a:t>dec</a:t>
+            </a:r>
+            <a:r>
+              <a:rPr lang="en-US" sz="1400" b="1" dirty="0" smtClean="0">
+                <a:solidFill>
+                  <a:schemeClr val="accent2"/>
+                </a:solidFill>
+                <a:latin typeface="Courier New" pitchFamily="49" charset="0"/>
+                <a:cs typeface="Courier New" pitchFamily="49" charset="0"/>
+              </a:rPr>
+              <a:t> </a:t>
+            </a:r>
+            <a:r>
+              <a:rPr lang="en-US" sz="1400" b="1" dirty="0">
+                <a:solidFill>
+                  <a:schemeClr val="accent2"/>
+                </a:solidFill>
+                <a:latin typeface="Courier New" pitchFamily="49" charset="0"/>
+                <a:cs typeface="Courier New" pitchFamily="49" charset="0"/>
+              </a:rPr>
+              <a:t>r5</a:t>
+            </a:r>
+          </a:p>
+          <a:p>
+            <a:pPr marL="0" indent="0">
+              <a:buNone/>
+            </a:pPr>
+            <a:r>
+              <a:rPr lang="en-US" sz="1400" b="1" dirty="0">
+                <a:solidFill>
+                  <a:schemeClr val="accent2"/>
+                </a:solidFill>
+                <a:latin typeface="Courier New" pitchFamily="49" charset="0"/>
+                <a:cs typeface="Courier New" pitchFamily="49" charset="0"/>
+              </a:rPr>
+              <a:t>		</a:t>
+            </a:r>
+            <a:r>
+              <a:rPr lang="en-US" sz="1400" b="1" dirty="0" err="1" smtClean="0">
+                <a:solidFill>
+                  <a:schemeClr val="accent2"/>
+                </a:solidFill>
+                <a:latin typeface="Courier New" pitchFamily="49" charset="0"/>
+                <a:cs typeface="Courier New" pitchFamily="49" charset="0"/>
+              </a:rPr>
+              <a:t>jnz</a:t>
+            </a:r>
+            <a:r>
+              <a:rPr lang="en-US" sz="1400" b="1" dirty="0" smtClean="0">
+                <a:solidFill>
+                  <a:schemeClr val="accent2"/>
+                </a:solidFill>
+                <a:latin typeface="Courier New" pitchFamily="49" charset="0"/>
+                <a:cs typeface="Courier New" pitchFamily="49" charset="0"/>
+              </a:rPr>
+              <a:t> </a:t>
+            </a:r>
+            <a:r>
+              <a:rPr lang="en-US" sz="1400" b="1" dirty="0">
+                <a:solidFill>
+                  <a:schemeClr val="accent2"/>
+                </a:solidFill>
+                <a:latin typeface="Courier New" pitchFamily="49" charset="0"/>
+                <a:cs typeface="Courier New" pitchFamily="49" charset="0"/>
+              </a:rPr>
+              <a:t>delay</a:t>
+            </a:r>
+          </a:p>
+          <a:p>
+            <a:pPr marL="0" indent="0">
+              <a:buNone/>
+            </a:pPr>
+            <a:r>
+              <a:rPr lang="en-US" sz="1400" b="1" dirty="0">
+                <a:solidFill>
+                  <a:schemeClr val="accent2"/>
+                </a:solidFill>
+                <a:latin typeface="Courier New" pitchFamily="49" charset="0"/>
+                <a:cs typeface="Courier New" pitchFamily="49" charset="0"/>
+              </a:rPr>
+              <a:t>		</a:t>
+            </a:r>
+            <a:r>
+              <a:rPr lang="en-US" sz="1400" b="1" dirty="0" smtClean="0">
+                <a:solidFill>
+                  <a:schemeClr val="accent2"/>
+                </a:solidFill>
+                <a:latin typeface="Courier New" pitchFamily="49" charset="0"/>
+                <a:cs typeface="Courier New" pitchFamily="49" charset="0"/>
+              </a:rPr>
+              <a:t>pop </a:t>
+            </a:r>
+            <a:r>
+              <a:rPr lang="en-US" sz="1400" b="1" dirty="0">
+                <a:solidFill>
+                  <a:schemeClr val="accent2"/>
+                </a:solidFill>
+                <a:latin typeface="Courier New" pitchFamily="49" charset="0"/>
+                <a:cs typeface="Courier New" pitchFamily="49" charset="0"/>
+              </a:rPr>
+              <a:t>r5</a:t>
+            </a:r>
+          </a:p>
+          <a:p>
+            <a:pPr marL="0" indent="0">
+              <a:buNone/>
+            </a:pPr>
+            <a:r>
+              <a:rPr lang="en-US" sz="1400" b="1" dirty="0">
+                <a:solidFill>
+                  <a:schemeClr val="accent2"/>
+                </a:solidFill>
+                <a:latin typeface="Courier New" pitchFamily="49" charset="0"/>
+                <a:cs typeface="Courier New" pitchFamily="49" charset="0"/>
+              </a:rPr>
+              <a:t>		</a:t>
+            </a:r>
+            <a:r>
+              <a:rPr lang="en-US" sz="1400" b="1" dirty="0" smtClean="0">
+                <a:solidFill>
+                  <a:schemeClr val="accent2"/>
+                </a:solidFill>
+                <a:latin typeface="Courier New" pitchFamily="49" charset="0"/>
+                <a:cs typeface="Courier New" pitchFamily="49" charset="0"/>
+              </a:rPr>
+              <a:t>ret</a:t>
+            </a:r>
+            <a:endParaRPr lang="en-US" sz="1400" b="1" dirty="0">
+              <a:solidFill>
+                <a:schemeClr val="accent2"/>
+              </a:solidFill>
+              <a:latin typeface="Courier New" pitchFamily="49" charset="0"/>
+              <a:cs typeface="Courier New" pitchFamily="49" charset="0"/>
+            </a:endParaRPr>
+          </a:p>
+          <a:p>
+            <a:pPr marL="0" indent="0">
+              <a:buNone/>
+            </a:pPr>
+            <a:r>
+              <a:rPr lang="en-US" sz="1400" b="1" dirty="0">
+                <a:solidFill>
+                  <a:srgbClr val="00B050"/>
+                </a:solidFill>
+                <a:latin typeface="Courier New" pitchFamily="49" charset="0"/>
+                <a:cs typeface="Courier New" pitchFamily="49" charset="0"/>
+              </a:rPr>
+              <a:t>; End Software delay ---------------------------</a:t>
+            </a:r>
+            <a:endParaRPr lang="en-US" sz="1400" b="1" dirty="0" smtClean="0">
+              <a:solidFill>
+                <a:srgbClr val="00B050"/>
+              </a:solidFill>
+              <a:latin typeface="Courier New" pitchFamily="49" charset="0"/>
+              <a:cs typeface="Courier New" pitchFamily="49" charset="0"/>
+            </a:endParaRPr>
+          </a:p>
+        </p:txBody>
+      </p:sp>
+      <p:sp>
+        <p:nvSpPr>
+          <p:cNvPr id="4" name="Rectangular Callout 3"/>
+          <p:cNvSpPr/>
+          <p:nvPr/>
+        </p:nvSpPr>
+        <p:spPr bwMode="auto">
+          <a:xfrm>
+            <a:off x="5716577" y="2648608"/>
+            <a:ext cx="3153103" cy="1198179"/>
+          </a:xfrm>
+          <a:prstGeom prst="wedgeRectCallout">
+            <a:avLst>
+              <a:gd name="adj1" fmla="val -111333"/>
+              <a:gd name="adj2" fmla="val 59868"/>
+            </a:avLst>
+          </a:prstGeom>
+          <a:solidFill>
+            <a:srgbClr val="FFFF00"/>
+          </a:solidFill>
+          <a:ln w="12700" cap="flat" cmpd="sng" algn="ctr">
+            <a:solidFill>
+              <a:schemeClr val="tx1"/>
+            </a:solidFill>
+            <a:prstDash val="solid"/>
+            <a:round/>
+            <a:headEnd type="none" w="med" len="med"/>
+            <a:tailEnd type="none" w="med" len="med"/>
+          </a:ln>
+          <a:effectLst/>
+        </p:spPr>
+        <p:txBody>
+          <a:bodyPr vert="horz" wrap="square" lIns="91440" tIns="45720" rIns="91440" bIns="45720" numCol="1" rtlCol="0" anchor="t" anchorCtr="0" compatLnSpc="1">
+            <a:prstTxWarp prst="textNoShape">
+              <a:avLst/>
+            </a:prstTxWarp>
+          </a:bodyPr>
+          <a:lstStyle/>
+          <a:p>
+            <a:pPr marL="0" marR="0" indent="0" algn="ctr" defTabSz="914400" rtl="0" eaLnBrk="0" fontAlgn="base" latinLnBrk="0" hangingPunct="0">
+              <a:lnSpc>
+                <a:spcPct val="100000"/>
+              </a:lnSpc>
+              <a:spcBef>
+                <a:spcPct val="0"/>
+              </a:spcBef>
+              <a:spcAft>
+                <a:spcPct val="0"/>
+              </a:spcAft>
+              <a:buClrTx/>
+              <a:buSzTx/>
+              <a:buFontTx/>
+              <a:buNone/>
+              <a:tabLst/>
+            </a:pPr>
+            <a:r>
+              <a:rPr kumimoji="0" lang="en-US" sz="1600" b="0" i="0" u="none" strike="noStrike" cap="none" normalizeH="0" baseline="0" dirty="0" smtClean="0">
+                <a:ln>
+                  <a:noFill/>
+                </a:ln>
+                <a:solidFill>
+                  <a:schemeClr val="tx1"/>
+                </a:solidFill>
+                <a:effectLst/>
+                <a:latin typeface="Arial" charset="0"/>
+              </a:rPr>
+              <a:t>For your </a:t>
+            </a:r>
+            <a:r>
+              <a:rPr kumimoji="0" lang="en-US" sz="1600" b="0" i="0" u="none" strike="noStrike" cap="none" normalizeH="0" baseline="0" dirty="0" err="1" smtClean="0">
+                <a:ln>
+                  <a:noFill/>
+                </a:ln>
+                <a:solidFill>
+                  <a:schemeClr val="tx1"/>
+                </a:solidFill>
+                <a:effectLst/>
+                <a:latin typeface="Arial" charset="0"/>
+              </a:rPr>
+              <a:t>uC</a:t>
+            </a:r>
+            <a:r>
+              <a:rPr kumimoji="0" lang="en-US" sz="1600" b="0" i="0" u="none" strike="noStrike" cap="none" normalizeH="0" baseline="0" dirty="0" smtClean="0">
+                <a:ln>
+                  <a:noFill/>
+                </a:ln>
+                <a:solidFill>
+                  <a:schemeClr val="tx1"/>
+                </a:solidFill>
+                <a:effectLst/>
+                <a:latin typeface="Arial" charset="0"/>
+              </a:rPr>
+              <a:t>, you need to determine how fast your oscillator</a:t>
+            </a:r>
+            <a:r>
+              <a:rPr kumimoji="0" lang="en-US" sz="1600" b="0" i="0" u="none" strike="noStrike" cap="none" normalizeH="0" dirty="0" smtClean="0">
+                <a:ln>
+                  <a:noFill/>
+                </a:ln>
+                <a:solidFill>
+                  <a:schemeClr val="tx1"/>
+                </a:solidFill>
+                <a:effectLst/>
+                <a:latin typeface="Arial" charset="0"/>
+              </a:rPr>
+              <a:t> is and set #0xaaaa to a value you want for </a:t>
+            </a:r>
+            <a:r>
+              <a:rPr kumimoji="0" lang="en-US" sz="1600" b="0" i="0" u="none" strike="noStrike" cap="none" normalizeH="0" dirty="0" err="1" smtClean="0">
+                <a:ln>
+                  <a:noFill/>
+                </a:ln>
+                <a:solidFill>
+                  <a:schemeClr val="tx1"/>
+                </a:solidFill>
+                <a:effectLst/>
+                <a:latin typeface="Arial" charset="0"/>
+              </a:rPr>
+              <a:t>debouncing</a:t>
+            </a:r>
+            <a:endParaRPr kumimoji="0" lang="en-US" sz="1600" b="0" i="0" u="none" strike="noStrike" cap="none" normalizeH="0" baseline="0" dirty="0" smtClean="0">
+              <a:ln>
+                <a:noFill/>
+              </a:ln>
+              <a:solidFill>
+                <a:schemeClr val="tx1"/>
+              </a:solidFill>
+              <a:effectLst/>
+              <a:latin typeface="Arial" charset="0"/>
+            </a:endParaRPr>
+          </a:p>
+        </p:txBody>
+      </p:sp>
+      <p:sp>
+        <p:nvSpPr>
+          <p:cNvPr id="5" name="Rectangular Callout 4"/>
+          <p:cNvSpPr/>
+          <p:nvPr/>
+        </p:nvSpPr>
+        <p:spPr bwMode="auto">
+          <a:xfrm>
+            <a:off x="5716577" y="4141575"/>
+            <a:ext cx="3153103" cy="1198179"/>
+          </a:xfrm>
+          <a:prstGeom prst="wedgeRectCallout">
+            <a:avLst>
+              <a:gd name="adj1" fmla="val -110583"/>
+              <a:gd name="adj2" fmla="val -49343"/>
+            </a:avLst>
+          </a:prstGeom>
+          <a:solidFill>
+            <a:srgbClr val="FFFF00"/>
+          </a:solidFill>
+          <a:ln w="12700" cap="flat" cmpd="sng" algn="ctr">
+            <a:solidFill>
+              <a:schemeClr val="tx1"/>
+            </a:solidFill>
+            <a:prstDash val="solid"/>
+            <a:round/>
+            <a:headEnd type="none" w="med" len="med"/>
+            <a:tailEnd type="none" w="med" len="med"/>
+          </a:ln>
+          <a:effectLst/>
+        </p:spPr>
+        <p:txBody>
+          <a:bodyPr vert="horz" wrap="square" lIns="91440" tIns="45720" rIns="91440" bIns="45720" numCol="1" rtlCol="0" anchor="t" anchorCtr="0" compatLnSpc="1">
+            <a:prstTxWarp prst="textNoShape">
+              <a:avLst/>
+            </a:prstTxWarp>
+          </a:bodyPr>
+          <a:lstStyle/>
+          <a:p>
+            <a:pPr marL="0" marR="0" indent="0" algn="ctr" defTabSz="914400" rtl="0" eaLnBrk="0" fontAlgn="base" latinLnBrk="0" hangingPunct="0">
+              <a:lnSpc>
+                <a:spcPct val="100000"/>
+              </a:lnSpc>
+              <a:spcBef>
+                <a:spcPct val="0"/>
+              </a:spcBef>
+              <a:spcAft>
+                <a:spcPct val="0"/>
+              </a:spcAft>
+              <a:buClrTx/>
+              <a:buSzTx/>
+              <a:buFontTx/>
+              <a:buNone/>
+              <a:tabLst/>
+            </a:pPr>
+            <a:r>
+              <a:rPr kumimoji="0" lang="en-US" sz="1600" b="0" i="0" u="none" strike="noStrike" cap="none" normalizeH="0" baseline="0" dirty="0" smtClean="0">
+                <a:ln>
+                  <a:noFill/>
+                </a:ln>
+                <a:solidFill>
+                  <a:schemeClr val="tx1"/>
+                </a:solidFill>
+                <a:effectLst/>
+                <a:latin typeface="Arial" charset="0"/>
+              </a:rPr>
+              <a:t>It might also be useful to pass in an</a:t>
+            </a:r>
+            <a:r>
+              <a:rPr kumimoji="0" lang="en-US" sz="1600" b="0" i="0" u="none" strike="noStrike" cap="none" normalizeH="0" dirty="0" smtClean="0">
+                <a:ln>
+                  <a:noFill/>
+                </a:ln>
+                <a:solidFill>
+                  <a:schemeClr val="tx1"/>
+                </a:solidFill>
+                <a:effectLst/>
+                <a:latin typeface="Arial" charset="0"/>
+              </a:rPr>
+              <a:t> argument for how long you want to delay instead of having it hardcoded</a:t>
+            </a:r>
+            <a:endParaRPr kumimoji="0" lang="en-US" sz="1600" b="0" i="0" u="none" strike="noStrike" cap="none" normalizeH="0" baseline="0" dirty="0" smtClean="0">
+              <a:ln>
+                <a:noFill/>
+              </a:ln>
+              <a:solidFill>
+                <a:schemeClr val="tx1"/>
+              </a:solidFill>
+              <a:effectLst/>
+              <a:latin typeface="Arial" charset="0"/>
+            </a:endParaRPr>
+          </a:p>
+        </p:txBody>
+      </p:sp>
+    </p:spTree>
+    <p:extLst>
+      <p:ext uri="{BB962C8B-B14F-4D97-AF65-F5344CB8AC3E}">
+        <p14:creationId xmlns:p14="http://schemas.microsoft.com/office/powerpoint/2010/main" val="2686562081"/>
+      </p:ext>
+    </p:extLst>
+  </p:cSld>
+  <p:clrMapOvr>
+    <a:masterClrMapping/>
+  </p:clrMapOvr>
+  <p:timing>
+    <p:tnLst>
+      <p:par>
+        <p:cTn id="1" dur="indefinite" restart="never" nodeType="tmRoot"/>
+      </p:par>
+    </p:tnLst>
+  </p:timing>
+</p:sld>
+</file>
+
+<file path=ppt/slides/slide21.xml><?xml version="1.0" encoding="utf-8"?>
+<p:sld xmlns:a="http://schemas.openxmlformats.org/drawingml/2006/main" xmlns:r="http://schemas.openxmlformats.org/officeDocument/2006/relationships" xmlns:p="http://schemas.openxmlformats.org/presentationml/2006/main">
+  <p:cSld>
+    <p:spTree>
+      <p:nvGrpSpPr>
+        <p:cNvPr id="1" name=""/>
+        <p:cNvGrpSpPr/>
+        <p:nvPr/>
+      </p:nvGrpSpPr>
+      <p:grpSpPr>
+        <a:xfrm>
+          <a:off x="0" y="0"/>
+          <a:ext cx="0" cy="0"/>
+          <a:chOff x="0" y="0"/>
+          <a:chExt cx="0" cy="0"/>
+        </a:xfrm>
+      </p:grpSpPr>
+      <p:sp>
+        <p:nvSpPr>
           <p:cNvPr id="5" name="Subtitle 4"/>
           <p:cNvSpPr>
             <a:spLocks noGrp="1"/>
@@ -12979,7 +13255,7 @@
 </p:sld>
 </file>
 
-<file path=ppt/slides/slide21.xml><?xml version="1.0" encoding="utf-8"?>
+<file path=ppt/slides/slide22.xml><?xml version="1.0" encoding="utf-8"?>
 <p:sld xmlns:a="http://schemas.openxmlformats.org/drawingml/2006/main" xmlns:r="http://schemas.openxmlformats.org/officeDocument/2006/relationships" xmlns:p="http://schemas.openxmlformats.org/presentationml/2006/main">
   <p:cSld>
     <p:spTree>
@@ -13253,7 +13529,7 @@
 </p:sld>
 </file>
 
-<file path=ppt/slides/slide22.xml><?xml version="1.0" encoding="utf-8"?>
+<file path=ppt/slides/slide23.xml><?xml version="1.0" encoding="utf-8"?>
 <p:sld xmlns:a="http://schemas.openxmlformats.org/drawingml/2006/main" xmlns:r="http://schemas.openxmlformats.org/officeDocument/2006/relationships" xmlns:p="http://schemas.openxmlformats.org/presentationml/2006/main">
   <p:cSld>
     <p:spTree>

--- a/source/lessons/lsn14-15/Lsn14-15.pptx
+++ b/source/lessons/lsn14-15/Lsn14-15.pptx
@@ -1373,7 +1373,7 @@
           <a:p>
             <a:fld id="{834513E8-165F-4932-9E2D-FD497CB9A4FD}" type="datetimeFigureOut">
               <a:rPr lang="en-US" smtClean="0"/>
-              <a:t>7/31/2018</a:t>
+              <a:t>8/8/2018</a:t>
             </a:fld>
             <a:endParaRPr lang="en-US"/>
           </a:p>
@@ -1650,7 +1650,7 @@
           <a:p>
             <a:fld id="{834513E8-165F-4932-9E2D-FD497CB9A4FD}" type="datetimeFigureOut">
               <a:rPr lang="en-US" smtClean="0"/>
-              <a:t>7/31/2018</a:t>
+              <a:t>8/8/2018</a:t>
             </a:fld>
             <a:endParaRPr lang="en-US"/>
           </a:p>
@@ -1903,7 +1903,7 @@
           <a:p>
             <a:fld id="{834513E8-165F-4932-9E2D-FD497CB9A4FD}" type="datetimeFigureOut">
               <a:rPr lang="en-US" smtClean="0"/>
-              <a:t>7/31/2018</a:t>
+              <a:t>8/8/2018</a:t>
             </a:fld>
             <a:endParaRPr lang="en-US"/>
           </a:p>
@@ -2073,7 +2073,7 @@
           <a:p>
             <a:fld id="{834513E8-165F-4932-9E2D-FD497CB9A4FD}" type="datetimeFigureOut">
               <a:rPr lang="en-US" smtClean="0"/>
-              <a:t>7/31/2018</a:t>
+              <a:t>8/8/2018</a:t>
             </a:fld>
             <a:endParaRPr lang="en-US"/>
           </a:p>
@@ -2253,7 +2253,7 @@
           <a:p>
             <a:fld id="{834513E8-165F-4932-9E2D-FD497CB9A4FD}" type="datetimeFigureOut">
               <a:rPr lang="en-US" smtClean="0"/>
-              <a:t>7/31/2018</a:t>
+              <a:t>8/8/2018</a:t>
             </a:fld>
             <a:endParaRPr lang="en-US"/>
           </a:p>
@@ -2997,7 +2997,7 @@
           <a:p>
             <a:fld id="{834513E8-165F-4932-9E2D-FD497CB9A4FD}" type="datetimeFigureOut">
               <a:rPr lang="en-US" smtClean="0"/>
-              <a:t>7/31/2018</a:t>
+              <a:t>8/8/2018</a:t>
             </a:fld>
             <a:endParaRPr lang="en-US"/>
           </a:p>
@@ -3167,7 +3167,7 @@
           <a:p>
             <a:fld id="{834513E8-165F-4932-9E2D-FD497CB9A4FD}" type="datetimeFigureOut">
               <a:rPr lang="en-US" smtClean="0"/>
-              <a:t>7/31/2018</a:t>
+              <a:t>8/8/2018</a:t>
             </a:fld>
             <a:endParaRPr lang="en-US"/>
           </a:p>
@@ -3413,7 +3413,7 @@
           <a:p>
             <a:fld id="{834513E8-165F-4932-9E2D-FD497CB9A4FD}" type="datetimeFigureOut">
               <a:rPr lang="en-US" smtClean="0"/>
-              <a:t>7/31/2018</a:t>
+              <a:t>8/8/2018</a:t>
             </a:fld>
             <a:endParaRPr lang="en-US"/>
           </a:p>
@@ -3645,7 +3645,7 @@
           <a:p>
             <a:fld id="{834513E8-165F-4932-9E2D-FD497CB9A4FD}" type="datetimeFigureOut">
               <a:rPr lang="en-US" smtClean="0"/>
-              <a:t>7/31/2018</a:t>
+              <a:t>8/8/2018</a:t>
             </a:fld>
             <a:endParaRPr lang="en-US"/>
           </a:p>
@@ -4012,7 +4012,7 @@
           <a:p>
             <a:fld id="{834513E8-165F-4932-9E2D-FD497CB9A4FD}" type="datetimeFigureOut">
               <a:rPr lang="en-US" smtClean="0"/>
-              <a:t>7/31/2018</a:t>
+              <a:t>8/8/2018</a:t>
             </a:fld>
             <a:endParaRPr lang="en-US"/>
           </a:p>
@@ -4130,7 +4130,7 @@
           <a:p>
             <a:fld id="{834513E8-165F-4932-9E2D-FD497CB9A4FD}" type="datetimeFigureOut">
               <a:rPr lang="en-US" smtClean="0"/>
-              <a:t>7/31/2018</a:t>
+              <a:t>8/8/2018</a:t>
             </a:fld>
             <a:endParaRPr lang="en-US"/>
           </a:p>
@@ -5946,7 +5946,7 @@
           <a:p>
             <a:fld id="{834513E8-165F-4932-9E2D-FD497CB9A4FD}" type="datetimeFigureOut">
               <a:rPr lang="en-US" smtClean="0"/>
-              <a:t>7/31/2018</a:t>
+              <a:t>8/8/2018</a:t>
             </a:fld>
             <a:endParaRPr lang="en-US"/>
           </a:p>
@@ -8672,31 +8672,8 @@
                 <a:effectLst/>
                 <a:latin typeface="Arial" charset="0"/>
               </a:rPr>
-              <a:t>Remember when we talked about </a:t>
-            </a:r>
-            <a:r>
-              <a:rPr kumimoji="0" lang="en-US" sz="1600" b="0" i="0" u="none" strike="noStrike" cap="none" normalizeH="0" baseline="0" dirty="0" smtClean="0">
-                <a:ln>
-                  <a:noFill/>
-                </a:ln>
-                <a:solidFill>
-                  <a:schemeClr val="tx1"/>
-                </a:solidFill>
-                <a:effectLst/>
-                <a:latin typeface="Arial" charset="0"/>
-              </a:rPr>
-              <a:t>clock cycles?</a:t>
-            </a:r>
-            <a:endParaRPr kumimoji="0" lang="en-US" sz="1600" b="0" i="0" u="none" strike="noStrike" cap="none" normalizeH="0" baseline="0" dirty="0" smtClean="0">
-              <a:ln>
-                <a:noFill/>
-              </a:ln>
-              <a:solidFill>
-                <a:schemeClr val="tx1"/>
-              </a:solidFill>
-              <a:effectLst/>
-              <a:latin typeface="Arial" charset="0"/>
-            </a:endParaRPr>
+              <a:t>Remember when we talked about clock cycles?</a:t>
+            </a:r>
           </a:p>
         </p:txBody>
       </p:sp>
@@ -14320,8 +14297,8 @@
               <a:t>Response delay is not </a:t>
             </a:r>
             <a:r>
-              <a:rPr lang="en-US" dirty="0" err="1" smtClean="0"/>
-              <a:t>guarrenteed</a:t>
+              <a:rPr lang="en-US" dirty="0" smtClean="0"/>
+              <a:t>guaranteed</a:t>
             </a:r>
             <a:endParaRPr lang="en-US" dirty="0" smtClean="0"/>
           </a:p>

--- a/source/lessons/lsn14-15/Lsn14-15.pptx
+++ b/source/lessons/lsn14-15/Lsn14-15.pptx
@@ -21,10 +21,10 @@
     <p:sldId id="378" r:id="rId9"/>
     <p:sldId id="381" r:id="rId10"/>
     <p:sldId id="380" r:id="rId11"/>
-    <p:sldId id="360" r:id="rId12"/>
-    <p:sldId id="361" r:id="rId13"/>
-    <p:sldId id="362" r:id="rId14"/>
-    <p:sldId id="363" r:id="rId15"/>
+    <p:sldId id="363" r:id="rId12"/>
+    <p:sldId id="360" r:id="rId13"/>
+    <p:sldId id="361" r:id="rId14"/>
+    <p:sldId id="362" r:id="rId15"/>
     <p:sldId id="367" r:id="rId16"/>
     <p:sldId id="370" r:id="rId17"/>
     <p:sldId id="371" r:id="rId18"/>
@@ -1373,7 +1373,7 @@
           <a:p>
             <a:fld id="{834513E8-165F-4932-9E2D-FD497CB9A4FD}" type="datetimeFigureOut">
               <a:rPr lang="en-US" smtClean="0"/>
-              <a:t>8/8/2018</a:t>
+              <a:t>8/16/2018</a:t>
             </a:fld>
             <a:endParaRPr lang="en-US"/>
           </a:p>
@@ -1650,7 +1650,7 @@
           <a:p>
             <a:fld id="{834513E8-165F-4932-9E2D-FD497CB9A4FD}" type="datetimeFigureOut">
               <a:rPr lang="en-US" smtClean="0"/>
-              <a:t>8/8/2018</a:t>
+              <a:t>8/16/2018</a:t>
             </a:fld>
             <a:endParaRPr lang="en-US"/>
           </a:p>
@@ -1903,7 +1903,7 @@
           <a:p>
             <a:fld id="{834513E8-165F-4932-9E2D-FD497CB9A4FD}" type="datetimeFigureOut">
               <a:rPr lang="en-US" smtClean="0"/>
-              <a:t>8/8/2018</a:t>
+              <a:t>8/16/2018</a:t>
             </a:fld>
             <a:endParaRPr lang="en-US"/>
           </a:p>
@@ -2073,7 +2073,7 @@
           <a:p>
             <a:fld id="{834513E8-165F-4932-9E2D-FD497CB9A4FD}" type="datetimeFigureOut">
               <a:rPr lang="en-US" smtClean="0"/>
-              <a:t>8/8/2018</a:t>
+              <a:t>8/16/2018</a:t>
             </a:fld>
             <a:endParaRPr lang="en-US"/>
           </a:p>
@@ -2253,7 +2253,7 @@
           <a:p>
             <a:fld id="{834513E8-165F-4932-9E2D-FD497CB9A4FD}" type="datetimeFigureOut">
               <a:rPr lang="en-US" smtClean="0"/>
-              <a:t>8/8/2018</a:t>
+              <a:t>8/16/2018</a:t>
             </a:fld>
             <a:endParaRPr lang="en-US"/>
           </a:p>
@@ -2997,7 +2997,7 @@
           <a:p>
             <a:fld id="{834513E8-165F-4932-9E2D-FD497CB9A4FD}" type="datetimeFigureOut">
               <a:rPr lang="en-US" smtClean="0"/>
-              <a:t>8/8/2018</a:t>
+              <a:t>8/16/2018</a:t>
             </a:fld>
             <a:endParaRPr lang="en-US"/>
           </a:p>
@@ -3167,7 +3167,7 @@
           <a:p>
             <a:fld id="{834513E8-165F-4932-9E2D-FD497CB9A4FD}" type="datetimeFigureOut">
               <a:rPr lang="en-US" smtClean="0"/>
-              <a:t>8/8/2018</a:t>
+              <a:t>8/16/2018</a:t>
             </a:fld>
             <a:endParaRPr lang="en-US"/>
           </a:p>
@@ -3413,7 +3413,7 @@
           <a:p>
             <a:fld id="{834513E8-165F-4932-9E2D-FD497CB9A4FD}" type="datetimeFigureOut">
               <a:rPr lang="en-US" smtClean="0"/>
-              <a:t>8/8/2018</a:t>
+              <a:t>8/16/2018</a:t>
             </a:fld>
             <a:endParaRPr lang="en-US"/>
           </a:p>
@@ -3645,7 +3645,7 @@
           <a:p>
             <a:fld id="{834513E8-165F-4932-9E2D-FD497CB9A4FD}" type="datetimeFigureOut">
               <a:rPr lang="en-US" smtClean="0"/>
-              <a:t>8/8/2018</a:t>
+              <a:t>8/16/2018</a:t>
             </a:fld>
             <a:endParaRPr lang="en-US"/>
           </a:p>
@@ -4012,7 +4012,7 @@
           <a:p>
             <a:fld id="{834513E8-165F-4932-9E2D-FD497CB9A4FD}" type="datetimeFigureOut">
               <a:rPr lang="en-US" smtClean="0"/>
-              <a:t>8/8/2018</a:t>
+              <a:t>8/16/2018</a:t>
             </a:fld>
             <a:endParaRPr lang="en-US"/>
           </a:p>
@@ -4130,7 +4130,7 @@
           <a:p>
             <a:fld id="{834513E8-165F-4932-9E2D-FD497CB9A4FD}" type="datetimeFigureOut">
               <a:rPr lang="en-US" smtClean="0"/>
-              <a:t>8/8/2018</a:t>
+              <a:t>8/16/2018</a:t>
             </a:fld>
             <a:endParaRPr lang="en-US"/>
           </a:p>
@@ -5946,7 +5946,7 @@
           <a:p>
             <a:fld id="{834513E8-165F-4932-9E2D-FD497CB9A4FD}" type="datetimeFigureOut">
               <a:rPr lang="en-US" smtClean="0"/>
-              <a:t>8/8/2018</a:t>
+              <a:t>8/16/2018</a:t>
             </a:fld>
             <a:endParaRPr lang="en-US"/>
           </a:p>
@@ -6987,49 +6987,9 @@
           </a:p>
         </p:txBody>
       </p:sp>
-      <p:sp>
-        <p:nvSpPr>
-          <p:cNvPr id="3" name="Content Placeholder 2"/>
-          <p:cNvSpPr>
-            <a:spLocks noGrp="1"/>
-          </p:cNvSpPr>
-          <p:nvPr>
-            <p:ph idx="1"/>
-          </p:nvPr>
-        </p:nvSpPr>
-        <p:spPr>
-          <a:xfrm>
-            <a:off x="489770" y="1536955"/>
-            <a:ext cx="8493642" cy="4724400"/>
-          </a:xfrm>
-        </p:spPr>
-        <p:txBody>
-          <a:bodyPr/>
-          <a:lstStyle/>
-          <a:p>
-            <a:r>
-              <a:rPr lang="en-US" sz="2000" dirty="0" err="1" smtClean="0">
-                <a:solidFill>
-                  <a:schemeClr val="accent2"/>
-                </a:solidFill>
-              </a:rPr>
-              <a:t>Debouncing</a:t>
-            </a:r>
-            <a:r>
-              <a:rPr lang="en-US" sz="2000" dirty="0" smtClean="0">
-                <a:solidFill>
-                  <a:schemeClr val="accent2"/>
-                </a:solidFill>
-              </a:rPr>
-              <a:t>:   random bounces each time…</a:t>
-            </a:r>
-            <a:endParaRPr lang="en-US" sz="1600" dirty="0"/>
-          </a:p>
-        </p:txBody>
-      </p:sp>
       <p:pic>
         <p:nvPicPr>
-          <p:cNvPr id="2050" name="Picture 2"/>
+          <p:cNvPr id="1026" name="Picture 2" descr="Bounce Example 1"/>
           <p:cNvPicPr>
             <a:picLocks noChangeAspect="1" noChangeArrowheads="1"/>
           </p:cNvPicPr>
@@ -7050,33 +7010,20 @@
         </p:blipFill>
         <p:spPr bwMode="auto">
           <a:xfrm>
-            <a:off x="1702676" y="2409769"/>
-            <a:ext cx="5930974" cy="4448231"/>
+            <a:off x="1180207" y="1449373"/>
+            <a:ext cx="6618774" cy="4964081"/>
           </a:xfrm>
           <a:prstGeom prst="rect">
             <a:avLst/>
           </a:prstGeom>
           <a:noFill/>
-          <a:ln>
-            <a:noFill/>
-          </a:ln>
           <a:extLst>
             <a:ext uri="{909E8E84-426E-40DD-AFC4-6F175D3DCCD1}">
               <a14:hiddenFill xmlns:a14="http://schemas.microsoft.com/office/drawing/2010/main">
                 <a:solidFill>
-                  <a:schemeClr val="accent1"/>
+                  <a:srgbClr val="FFFFFF"/>
                 </a:solidFill>
               </a14:hiddenFill>
-            </a:ext>
-            <a:ext uri="{91240B29-F687-4F45-9708-019B960494DF}">
-              <a14:hiddenLine xmlns:a14="http://schemas.microsoft.com/office/drawing/2010/main" w="9525">
-                <a:solidFill>
-                  <a:schemeClr val="tx1"/>
-                </a:solidFill>
-                <a:miter lim="800000"/>
-                <a:headEnd/>
-                <a:tailEnd/>
-              </a14:hiddenLine>
             </a:ext>
           </a:extLst>
         </p:spPr>
@@ -7084,7 +7031,7 @@
     </p:spTree>
     <p:extLst>
       <p:ext uri="{BB962C8B-B14F-4D97-AF65-F5344CB8AC3E}">
-        <p14:creationId xmlns:p14="http://schemas.microsoft.com/office/powerpoint/2010/main" val="3658102557"/>
+        <p14:creationId xmlns:p14="http://schemas.microsoft.com/office/powerpoint/2010/main" val="22206249"/>
       </p:ext>
     </p:extLst>
   </p:cSld>
@@ -7133,7 +7080,11 @@
           <a:bodyPr/>
           <a:lstStyle/>
           <a:p>
-            <a:endParaRPr lang="en-US"/>
+            <a:r>
+              <a:rPr lang="en-US" b="1" dirty="0" smtClean="0"/>
+              <a:t>Logic Analyzer</a:t>
+            </a:r>
+            <a:endParaRPr lang="en-US" dirty="0"/>
           </a:p>
         </p:txBody>
       </p:sp>
@@ -7147,18 +7098,39 @@
             <p:ph idx="1"/>
           </p:nvPr>
         </p:nvSpPr>
-        <p:spPr/>
+        <p:spPr>
+          <a:xfrm>
+            <a:off x="489770" y="1536955"/>
+            <a:ext cx="8493642" cy="4724400"/>
+          </a:xfrm>
+        </p:spPr>
         <p:txBody>
           <a:bodyPr/>
           <a:lstStyle/>
           <a:p>
-            <a:endParaRPr lang="en-US"/>
+            <a:r>
+              <a:rPr lang="en-US" sz="2000" dirty="0" err="1" smtClean="0">
+                <a:solidFill>
+                  <a:schemeClr val="accent2"/>
+                </a:solidFill>
+              </a:rPr>
+              <a:t>Debouncing</a:t>
+            </a:r>
+            <a:r>
+              <a:rPr lang="en-US" sz="2000" dirty="0" smtClean="0">
+                <a:solidFill>
+                  <a:schemeClr val="accent2"/>
+                </a:solidFill>
+              </a:rPr>
+              <a:t>:   random bounces each time…</a:t>
+            </a:r>
+            <a:endParaRPr lang="en-US" sz="1600" dirty="0"/>
           </a:p>
         </p:txBody>
       </p:sp>
       <p:pic>
         <p:nvPicPr>
-          <p:cNvPr id="3074" name="Picture 2"/>
+          <p:cNvPr id="2050" name="Picture 2"/>
           <p:cNvPicPr>
             <a:picLocks noChangeAspect="1" noChangeArrowheads="1"/>
           </p:cNvPicPr>
@@ -7179,8 +7151,8 @@
         </p:blipFill>
         <p:spPr bwMode="auto">
           <a:xfrm>
-            <a:off x="0" y="0"/>
-            <a:ext cx="9753600" cy="7315200"/>
+            <a:off x="1670778" y="1931304"/>
+            <a:ext cx="5930974" cy="4448231"/>
           </a:xfrm>
           <a:prstGeom prst="rect">
             <a:avLst/>
@@ -7210,10 +7182,154 @@
           </a:extLst>
         </p:spPr>
       </p:pic>
+      <p:sp>
+        <p:nvSpPr>
+          <p:cNvPr id="4" name="Rectangle 3"/>
+          <p:cNvSpPr/>
+          <p:nvPr/>
+        </p:nvSpPr>
+        <p:spPr bwMode="auto">
+          <a:xfrm>
+            <a:off x="4944140" y="2961167"/>
+            <a:ext cx="606055" cy="818707"/>
+          </a:xfrm>
+          <a:prstGeom prst="rect">
+            <a:avLst/>
+          </a:prstGeom>
+          <a:noFill/>
+          <a:ln w="12700" cap="flat" cmpd="sng" algn="ctr">
+            <a:solidFill>
+              <a:srgbClr val="FFFF00"/>
+            </a:solidFill>
+            <a:prstDash val="solid"/>
+            <a:round/>
+            <a:headEnd type="none" w="med" len="med"/>
+            <a:tailEnd type="none" w="med" len="med"/>
+          </a:ln>
+          <a:effectLst/>
+        </p:spPr>
+        <p:txBody>
+          <a:bodyPr vert="horz" wrap="square" lIns="91440" tIns="45720" rIns="91440" bIns="45720" numCol="1" rtlCol="0" anchor="t" anchorCtr="0" compatLnSpc="1">
+            <a:prstTxWarp prst="textNoShape">
+              <a:avLst/>
+            </a:prstTxWarp>
+          </a:bodyPr>
+          <a:lstStyle/>
+          <a:p>
+            <a:pPr marL="0" marR="0" indent="0" algn="ctr" defTabSz="914400" rtl="0" eaLnBrk="0" fontAlgn="base" latinLnBrk="0" hangingPunct="0">
+              <a:lnSpc>
+                <a:spcPct val="100000"/>
+              </a:lnSpc>
+              <a:spcBef>
+                <a:spcPct val="0"/>
+              </a:spcBef>
+              <a:spcAft>
+                <a:spcPct val="0"/>
+              </a:spcAft>
+              <a:buClrTx/>
+              <a:buSzTx/>
+              <a:buFontTx/>
+              <a:buNone/>
+              <a:tabLst/>
+            </a:pPr>
+            <a:endParaRPr kumimoji="0" lang="en-US" sz="1600" b="0" i="0" u="none" strike="noStrike" cap="none" normalizeH="0" baseline="0" smtClean="0">
+              <a:ln>
+                <a:noFill/>
+              </a:ln>
+              <a:solidFill>
+                <a:schemeClr val="tx1"/>
+              </a:solidFill>
+              <a:effectLst/>
+              <a:latin typeface="Arial" charset="0"/>
+            </a:endParaRPr>
+          </a:p>
+        </p:txBody>
+      </p:sp>
+      <p:sp>
+        <p:nvSpPr>
+          <p:cNvPr id="5" name="Rectangular Callout 4"/>
+          <p:cNvSpPr/>
+          <p:nvPr/>
+        </p:nvSpPr>
+        <p:spPr bwMode="auto">
+          <a:xfrm>
+            <a:off x="6741042" y="2838893"/>
+            <a:ext cx="1913860" cy="606056"/>
+          </a:xfrm>
+          <a:prstGeom prst="wedgeRectCallout">
+            <a:avLst>
+              <a:gd name="adj1" fmla="val -112777"/>
+              <a:gd name="adj2" fmla="val 39893"/>
+            </a:avLst>
+          </a:prstGeom>
+          <a:solidFill>
+            <a:srgbClr val="FFFF00"/>
+          </a:solidFill>
+          <a:ln w="12700" cap="flat" cmpd="sng" algn="ctr">
+            <a:solidFill>
+              <a:schemeClr val="tx1"/>
+            </a:solidFill>
+            <a:prstDash val="solid"/>
+            <a:round/>
+            <a:headEnd type="none" w="med" len="med"/>
+            <a:tailEnd type="none" w="med" len="med"/>
+          </a:ln>
+          <a:effectLst/>
+        </p:spPr>
+        <p:txBody>
+          <a:bodyPr vert="horz" wrap="square" lIns="91440" tIns="45720" rIns="91440" bIns="45720" numCol="1" rtlCol="0" anchor="t" anchorCtr="0" compatLnSpc="1">
+            <a:prstTxWarp prst="textNoShape">
+              <a:avLst/>
+            </a:prstTxWarp>
+          </a:bodyPr>
+          <a:lstStyle/>
+          <a:p>
+            <a:pPr marL="0" marR="0" indent="0" algn="ctr" defTabSz="914400" rtl="0" eaLnBrk="0" fontAlgn="base" latinLnBrk="0" hangingPunct="0">
+              <a:lnSpc>
+                <a:spcPct val="100000"/>
+              </a:lnSpc>
+              <a:spcBef>
+                <a:spcPct val="0"/>
+              </a:spcBef>
+              <a:spcAft>
+                <a:spcPct val="0"/>
+              </a:spcAft>
+              <a:buClrTx/>
+              <a:buSzTx/>
+              <a:buFontTx/>
+              <a:buNone/>
+              <a:tabLst/>
+            </a:pPr>
+            <a:r>
+              <a:rPr kumimoji="0" lang="en-US" sz="1600" b="0" i="0" u="none" strike="noStrike" cap="none" normalizeH="0" baseline="0" dirty="0" smtClean="0">
+                <a:ln>
+                  <a:noFill/>
+                </a:ln>
+                <a:solidFill>
+                  <a:schemeClr val="tx1"/>
+                </a:solidFill>
+                <a:effectLst/>
+                <a:latin typeface="Arial" charset="0"/>
+              </a:rPr>
+              <a:t>Let’s zoom in and see this better!</a:t>
+            </a:r>
+            <a:endParaRPr kumimoji="0" lang="en-US" sz="1600" b="0" i="0" u="none" strike="noStrike" cap="none" normalizeH="0" baseline="0" dirty="0" smtClean="0">
+              <a:ln>
+                <a:noFill/>
+              </a:ln>
+              <a:solidFill>
+                <a:schemeClr val="tx1"/>
+              </a:solidFill>
+              <a:effectLst/>
+              <a:latin typeface="Arial" charset="0"/>
+            </a:endParaRPr>
+          </a:p>
+        </p:txBody>
+      </p:sp>
     </p:spTree>
     <p:extLst>
       <p:ext uri="{BB962C8B-B14F-4D97-AF65-F5344CB8AC3E}">
-        <p14:creationId xmlns:p14="http://schemas.microsoft.com/office/powerpoint/2010/main" val="538974518"/>
+        <p14:creationId xmlns:p14="http://schemas.microsoft.com/office/powerpoint/2010/main" val="3658102557"/>
       </p:ext>
     </p:extLst>
   </p:cSld>
@@ -7263,635 +7379,67 @@
           <a:lstStyle/>
           <a:p>
             <a:r>
-              <a:rPr lang="en-US" dirty="0" err="1" smtClean="0"/>
-              <a:t>Debouncing</a:t>
-            </a:r>
-            <a:r>
               <a:rPr lang="en-US" dirty="0" smtClean="0"/>
-              <a:t> and Polling</a:t>
+              <a:t>Logic Analyzer</a:t>
             </a:r>
             <a:endParaRPr lang="en-US" dirty="0"/>
           </a:p>
         </p:txBody>
       </p:sp>
-      <p:sp>
-        <p:nvSpPr>
-          <p:cNvPr id="3" name="Content Placeholder 2"/>
-          <p:cNvSpPr>
-            <a:spLocks noGrp="1"/>
-          </p:cNvSpPr>
-          <p:nvPr>
-            <p:ph idx="1"/>
-          </p:nvPr>
-        </p:nvSpPr>
-        <p:spPr/>
-        <p:txBody>
-          <a:bodyPr/>
-          <a:lstStyle/>
-          <a:p>
-            <a:pPr marL="0" indent="0">
-              <a:buNone/>
-            </a:pPr>
-            <a:r>
-              <a:rPr lang="en-US" sz="1400" b="1" dirty="0" smtClean="0">
-                <a:solidFill>
-                  <a:schemeClr val="accent2"/>
-                </a:solidFill>
-                <a:latin typeface="Courier New" pitchFamily="49" charset="0"/>
-                <a:cs typeface="Courier New" pitchFamily="49" charset="0"/>
-              </a:rPr>
-              <a:t>              </a:t>
-            </a:r>
-            <a:r>
-              <a:rPr lang="en-US" sz="1400" b="1" dirty="0" err="1" smtClean="0">
-                <a:solidFill>
-                  <a:schemeClr val="accent2"/>
-                </a:solidFill>
-                <a:latin typeface="Courier New" pitchFamily="49" charset="0"/>
-                <a:cs typeface="Courier New" pitchFamily="49" charset="0"/>
-              </a:rPr>
-              <a:t>bis.b</a:t>
-            </a:r>
-            <a:r>
-              <a:rPr lang="en-US" sz="1400" b="1" dirty="0" smtClean="0">
-                <a:solidFill>
-                  <a:schemeClr val="accent2"/>
-                </a:solidFill>
-                <a:latin typeface="Courier New" pitchFamily="49" charset="0"/>
-                <a:cs typeface="Courier New" pitchFamily="49" charset="0"/>
-              </a:rPr>
-              <a:t>  </a:t>
-            </a:r>
-            <a:r>
-              <a:rPr lang="en-US" sz="1400" b="1" dirty="0">
-                <a:solidFill>
-                  <a:schemeClr val="accent2"/>
-                </a:solidFill>
-                <a:latin typeface="Courier New" pitchFamily="49" charset="0"/>
-                <a:cs typeface="Courier New" pitchFamily="49" charset="0"/>
-              </a:rPr>
-              <a:t>#BIT3, &amp;P1OUT</a:t>
-            </a:r>
-          </a:p>
-          <a:p>
-            <a:pPr marL="0" indent="0">
-              <a:buNone/>
-            </a:pPr>
-            <a:r>
-              <a:rPr lang="en-US" sz="1400" b="1" dirty="0" smtClean="0">
-                <a:solidFill>
-                  <a:schemeClr val="accent2"/>
-                </a:solidFill>
-                <a:latin typeface="Courier New" pitchFamily="49" charset="0"/>
-                <a:cs typeface="Courier New" pitchFamily="49" charset="0"/>
-              </a:rPr>
-              <a:t>              </a:t>
-            </a:r>
-            <a:r>
-              <a:rPr lang="en-US" sz="1400" b="1" dirty="0" err="1" smtClean="0">
-                <a:solidFill>
-                  <a:schemeClr val="accent2"/>
-                </a:solidFill>
-                <a:latin typeface="Courier New" pitchFamily="49" charset="0"/>
-                <a:cs typeface="Courier New" pitchFamily="49" charset="0"/>
-              </a:rPr>
-              <a:t>bis.b</a:t>
-            </a:r>
-            <a:r>
-              <a:rPr lang="en-US" sz="1400" b="1" dirty="0" smtClean="0">
-                <a:solidFill>
-                  <a:schemeClr val="accent2"/>
-                </a:solidFill>
-                <a:latin typeface="Courier New" pitchFamily="49" charset="0"/>
-                <a:cs typeface="Courier New" pitchFamily="49" charset="0"/>
-              </a:rPr>
-              <a:t>  </a:t>
-            </a:r>
-            <a:r>
-              <a:rPr lang="en-US" sz="1400" b="1" dirty="0">
-                <a:solidFill>
-                  <a:schemeClr val="accent2"/>
-                </a:solidFill>
-                <a:latin typeface="Courier New" pitchFamily="49" charset="0"/>
-                <a:cs typeface="Courier New" pitchFamily="49" charset="0"/>
-              </a:rPr>
-              <a:t>#BIT3, &amp;P1REN</a:t>
-            </a:r>
-          </a:p>
-          <a:p>
-            <a:pPr marL="0" indent="0">
-              <a:buNone/>
-            </a:pPr>
-            <a:r>
-              <a:rPr lang="en-US" sz="1400" b="1" dirty="0" smtClean="0">
-                <a:solidFill>
-                  <a:schemeClr val="accent2"/>
-                </a:solidFill>
-                <a:latin typeface="Courier New" pitchFamily="49" charset="0"/>
-                <a:cs typeface="Courier New" pitchFamily="49" charset="0"/>
-              </a:rPr>
-              <a:t>              </a:t>
-            </a:r>
-            <a:r>
-              <a:rPr lang="en-US" sz="1400" b="1" dirty="0" err="1" smtClean="0">
-                <a:solidFill>
-                  <a:schemeClr val="accent2"/>
-                </a:solidFill>
-                <a:latin typeface="Courier New" pitchFamily="49" charset="0"/>
-                <a:cs typeface="Courier New" pitchFamily="49" charset="0"/>
-              </a:rPr>
-              <a:t>bic.b</a:t>
-            </a:r>
-            <a:r>
-              <a:rPr lang="en-US" sz="1400" b="1" dirty="0" smtClean="0">
-                <a:solidFill>
-                  <a:schemeClr val="accent2"/>
-                </a:solidFill>
-                <a:latin typeface="Courier New" pitchFamily="49" charset="0"/>
-                <a:cs typeface="Courier New" pitchFamily="49" charset="0"/>
-              </a:rPr>
-              <a:t>  </a:t>
-            </a:r>
-            <a:r>
-              <a:rPr lang="en-US" sz="1400" b="1" dirty="0">
-                <a:solidFill>
-                  <a:schemeClr val="accent2"/>
-                </a:solidFill>
-                <a:latin typeface="Courier New" pitchFamily="49" charset="0"/>
-                <a:cs typeface="Courier New" pitchFamily="49" charset="0"/>
-              </a:rPr>
-              <a:t>#BIT3, &amp;P1DIR</a:t>
-            </a:r>
-          </a:p>
-          <a:p>
-            <a:pPr marL="0" indent="0">
-              <a:buNone/>
-            </a:pPr>
-            <a:endParaRPr lang="en-US" sz="1400" b="1" dirty="0">
-              <a:solidFill>
-                <a:schemeClr val="accent2"/>
-              </a:solidFill>
-              <a:latin typeface="Courier New" pitchFamily="49" charset="0"/>
-              <a:cs typeface="Courier New" pitchFamily="49" charset="0"/>
-            </a:endParaRPr>
-          </a:p>
-          <a:p>
-            <a:pPr marL="0" indent="0">
-              <a:buNone/>
-            </a:pPr>
-            <a:r>
-              <a:rPr lang="en-US" sz="1400" b="1" dirty="0" smtClean="0">
-                <a:solidFill>
-                  <a:schemeClr val="accent2"/>
-                </a:solidFill>
-                <a:latin typeface="Courier New" pitchFamily="49" charset="0"/>
-                <a:cs typeface="Courier New" pitchFamily="49" charset="0"/>
-              </a:rPr>
-              <a:t>              </a:t>
-            </a:r>
-            <a:r>
-              <a:rPr lang="en-US" sz="1400" b="1" dirty="0" err="1" smtClean="0">
-                <a:solidFill>
-                  <a:schemeClr val="accent2"/>
-                </a:solidFill>
-                <a:latin typeface="Courier New" pitchFamily="49" charset="0"/>
-                <a:cs typeface="Courier New" pitchFamily="49" charset="0"/>
-              </a:rPr>
-              <a:t>clr</a:t>
-            </a:r>
-            <a:r>
-              <a:rPr lang="en-US" sz="1400" b="1" dirty="0" smtClean="0">
-                <a:solidFill>
-                  <a:schemeClr val="accent2"/>
-                </a:solidFill>
-                <a:latin typeface="Courier New" pitchFamily="49" charset="0"/>
-                <a:cs typeface="Courier New" pitchFamily="49" charset="0"/>
-              </a:rPr>
-              <a:t>    r4</a:t>
-            </a:r>
-            <a:endParaRPr lang="en-US" sz="1400" b="1" dirty="0">
-              <a:solidFill>
-                <a:schemeClr val="accent2"/>
-              </a:solidFill>
-              <a:latin typeface="Courier New" pitchFamily="49" charset="0"/>
-              <a:cs typeface="Courier New" pitchFamily="49" charset="0"/>
-            </a:endParaRPr>
-          </a:p>
-          <a:p>
-            <a:pPr marL="0" indent="0">
-              <a:buNone/>
-            </a:pPr>
-            <a:endParaRPr lang="en-US" sz="1400" b="1" dirty="0">
-              <a:solidFill>
-                <a:schemeClr val="accent2"/>
-              </a:solidFill>
-              <a:latin typeface="Courier New" pitchFamily="49" charset="0"/>
-              <a:cs typeface="Courier New" pitchFamily="49" charset="0"/>
-            </a:endParaRPr>
-          </a:p>
-          <a:p>
-            <a:pPr marL="0" indent="0">
-              <a:buNone/>
-            </a:pPr>
-            <a:r>
-              <a:rPr lang="en-US" sz="1400" b="1" dirty="0" err="1">
-                <a:solidFill>
-                  <a:schemeClr val="accent2"/>
-                </a:solidFill>
-                <a:latin typeface="Courier New" pitchFamily="49" charset="0"/>
-                <a:cs typeface="Courier New" pitchFamily="49" charset="0"/>
-              </a:rPr>
-              <a:t>check_btn</a:t>
-            </a:r>
-            <a:r>
-              <a:rPr lang="en-US" sz="1400" b="1" dirty="0">
-                <a:solidFill>
-                  <a:schemeClr val="accent2"/>
-                </a:solidFill>
-                <a:latin typeface="Courier New" pitchFamily="49" charset="0"/>
-                <a:cs typeface="Courier New" pitchFamily="49" charset="0"/>
-              </a:rPr>
-              <a:t>:    </a:t>
-            </a:r>
-            <a:r>
-              <a:rPr lang="en-US" sz="1400" b="1" dirty="0" err="1">
-                <a:solidFill>
-                  <a:schemeClr val="accent2"/>
-                </a:solidFill>
-                <a:latin typeface="Courier New" pitchFamily="49" charset="0"/>
-                <a:cs typeface="Courier New" pitchFamily="49" charset="0"/>
-              </a:rPr>
-              <a:t>bit.b</a:t>
-            </a:r>
-            <a:r>
-              <a:rPr lang="en-US" sz="1400" b="1" dirty="0">
-                <a:solidFill>
-                  <a:schemeClr val="accent2"/>
-                </a:solidFill>
-                <a:latin typeface="Courier New" pitchFamily="49" charset="0"/>
-                <a:cs typeface="Courier New" pitchFamily="49" charset="0"/>
-              </a:rPr>
-              <a:t>  #BIT3, &amp;P1IN</a:t>
-            </a:r>
-          </a:p>
-          <a:p>
-            <a:pPr marL="0" indent="0">
-              <a:buNone/>
-            </a:pPr>
-            <a:r>
-              <a:rPr lang="en-US" sz="1400" b="1" dirty="0" smtClean="0">
-                <a:solidFill>
-                  <a:schemeClr val="accent2"/>
-                </a:solidFill>
-                <a:latin typeface="Courier New" pitchFamily="49" charset="0"/>
-                <a:cs typeface="Courier New" pitchFamily="49" charset="0"/>
-              </a:rPr>
-              <a:t>              </a:t>
-            </a:r>
-            <a:r>
-              <a:rPr lang="en-US" sz="1400" b="1" dirty="0" err="1" smtClean="0">
-                <a:solidFill>
-                  <a:schemeClr val="accent2"/>
-                </a:solidFill>
-                <a:latin typeface="Courier New" pitchFamily="49" charset="0"/>
-                <a:cs typeface="Courier New" pitchFamily="49" charset="0"/>
-              </a:rPr>
-              <a:t>jz</a:t>
-            </a:r>
-            <a:r>
-              <a:rPr lang="en-US" sz="1400" b="1" dirty="0" smtClean="0">
-                <a:solidFill>
-                  <a:schemeClr val="accent2"/>
-                </a:solidFill>
-                <a:latin typeface="Courier New" pitchFamily="49" charset="0"/>
-                <a:cs typeface="Courier New" pitchFamily="49" charset="0"/>
-              </a:rPr>
-              <a:t>     </a:t>
-            </a:r>
-            <a:r>
-              <a:rPr lang="en-US" sz="1400" b="1" dirty="0" err="1" smtClean="0">
-                <a:solidFill>
-                  <a:schemeClr val="accent2"/>
-                </a:solidFill>
-                <a:latin typeface="Courier New" pitchFamily="49" charset="0"/>
-                <a:cs typeface="Courier New" pitchFamily="49" charset="0"/>
-              </a:rPr>
-              <a:t>btn_pushed</a:t>
-            </a:r>
-            <a:endParaRPr lang="en-US" sz="1400" b="1" dirty="0">
-              <a:solidFill>
-                <a:schemeClr val="accent2"/>
-              </a:solidFill>
-              <a:latin typeface="Courier New" pitchFamily="49" charset="0"/>
-              <a:cs typeface="Courier New" pitchFamily="49" charset="0"/>
-            </a:endParaRPr>
-          </a:p>
-          <a:p>
-            <a:pPr marL="0" indent="0">
-              <a:buNone/>
-            </a:pPr>
-            <a:r>
-              <a:rPr lang="en-US" sz="1400" b="1" dirty="0" smtClean="0">
-                <a:solidFill>
-                  <a:schemeClr val="accent2"/>
-                </a:solidFill>
-                <a:latin typeface="Courier New" pitchFamily="49" charset="0"/>
-                <a:cs typeface="Courier New" pitchFamily="49" charset="0"/>
-              </a:rPr>
-              <a:t>              </a:t>
-            </a:r>
-            <a:r>
-              <a:rPr lang="en-US" sz="1400" b="1" dirty="0" err="1" smtClean="0">
-                <a:solidFill>
-                  <a:schemeClr val="accent2"/>
-                </a:solidFill>
-                <a:latin typeface="Courier New" pitchFamily="49" charset="0"/>
-                <a:cs typeface="Courier New" pitchFamily="49" charset="0"/>
-              </a:rPr>
-              <a:t>jmp</a:t>
-            </a:r>
-            <a:r>
-              <a:rPr lang="en-US" sz="1400" b="1" dirty="0" smtClean="0">
-                <a:solidFill>
-                  <a:schemeClr val="accent2"/>
-                </a:solidFill>
-                <a:latin typeface="Courier New" pitchFamily="49" charset="0"/>
-                <a:cs typeface="Courier New" pitchFamily="49" charset="0"/>
-              </a:rPr>
-              <a:t>    </a:t>
-            </a:r>
-            <a:r>
-              <a:rPr lang="en-US" sz="1400" b="1" dirty="0" err="1" smtClean="0">
-                <a:solidFill>
-                  <a:schemeClr val="accent2"/>
-                </a:solidFill>
-                <a:latin typeface="Courier New" pitchFamily="49" charset="0"/>
-                <a:cs typeface="Courier New" pitchFamily="49" charset="0"/>
-              </a:rPr>
-              <a:t>check_btn</a:t>
-            </a:r>
-            <a:endParaRPr lang="en-US" sz="1400" b="1" dirty="0">
-              <a:solidFill>
-                <a:schemeClr val="accent2"/>
-              </a:solidFill>
-              <a:latin typeface="Courier New" pitchFamily="49" charset="0"/>
-              <a:cs typeface="Courier New" pitchFamily="49" charset="0"/>
-            </a:endParaRPr>
-          </a:p>
-          <a:p>
-            <a:pPr marL="0" indent="0">
-              <a:buNone/>
-            </a:pPr>
-            <a:endParaRPr lang="en-US" sz="1400" b="1" dirty="0">
-              <a:solidFill>
-                <a:schemeClr val="accent2"/>
-              </a:solidFill>
-              <a:latin typeface="Courier New" pitchFamily="49" charset="0"/>
-              <a:cs typeface="Courier New" pitchFamily="49" charset="0"/>
-            </a:endParaRPr>
-          </a:p>
-          <a:p>
-            <a:pPr marL="0" indent="0">
-              <a:buNone/>
-            </a:pPr>
-            <a:r>
-              <a:rPr lang="en-US" sz="1400" b="1" dirty="0" err="1">
-                <a:solidFill>
-                  <a:schemeClr val="accent2"/>
-                </a:solidFill>
-                <a:latin typeface="Courier New" pitchFamily="49" charset="0"/>
-                <a:cs typeface="Courier New" pitchFamily="49" charset="0"/>
-              </a:rPr>
-              <a:t>btn_pushed</a:t>
-            </a:r>
-            <a:r>
-              <a:rPr lang="en-US" sz="1400" b="1" dirty="0">
-                <a:solidFill>
-                  <a:schemeClr val="accent2"/>
-                </a:solidFill>
-                <a:latin typeface="Courier New" pitchFamily="49" charset="0"/>
-                <a:cs typeface="Courier New" pitchFamily="49" charset="0"/>
-              </a:rPr>
-              <a:t>:   </a:t>
-            </a:r>
-            <a:r>
-              <a:rPr lang="en-US" sz="1400" b="1" dirty="0" err="1">
-                <a:solidFill>
-                  <a:schemeClr val="accent2"/>
-                </a:solidFill>
-                <a:latin typeface="Courier New" pitchFamily="49" charset="0"/>
-                <a:cs typeface="Courier New" pitchFamily="49" charset="0"/>
-              </a:rPr>
-              <a:t>inc</a:t>
-            </a:r>
-            <a:r>
-              <a:rPr lang="en-US" sz="1400" b="1" dirty="0">
-                <a:solidFill>
-                  <a:schemeClr val="accent2"/>
-                </a:solidFill>
-                <a:latin typeface="Courier New" pitchFamily="49" charset="0"/>
-                <a:cs typeface="Courier New" pitchFamily="49" charset="0"/>
-              </a:rPr>
-              <a:t>    </a:t>
-            </a:r>
-            <a:r>
-              <a:rPr lang="en-US" sz="1400" b="1" dirty="0" smtClean="0">
-                <a:solidFill>
-                  <a:schemeClr val="accent2"/>
-                </a:solidFill>
-                <a:latin typeface="Courier New" pitchFamily="49" charset="0"/>
-                <a:cs typeface="Courier New" pitchFamily="49" charset="0"/>
-              </a:rPr>
-              <a:t>r4</a:t>
-            </a:r>
-            <a:endParaRPr lang="en-US" sz="1400" b="1" dirty="0">
-              <a:solidFill>
-                <a:schemeClr val="accent2"/>
-              </a:solidFill>
-              <a:latin typeface="Courier New" pitchFamily="49" charset="0"/>
-              <a:cs typeface="Courier New" pitchFamily="49" charset="0"/>
-            </a:endParaRPr>
-          </a:p>
-          <a:p>
-            <a:pPr marL="0" indent="0">
-              <a:buNone/>
-            </a:pPr>
-            <a:r>
-              <a:rPr lang="en-US" sz="1400" b="1" dirty="0">
-                <a:solidFill>
-                  <a:schemeClr val="accent2"/>
-                </a:solidFill>
-                <a:latin typeface="Courier New" pitchFamily="49" charset="0"/>
-                <a:cs typeface="Courier New" pitchFamily="49" charset="0"/>
-              </a:rPr>
-              <a:t>wait:         </a:t>
-            </a:r>
-            <a:r>
-              <a:rPr lang="en-US" sz="1400" b="1" dirty="0" err="1">
-                <a:solidFill>
-                  <a:schemeClr val="accent2"/>
-                </a:solidFill>
-                <a:latin typeface="Courier New" pitchFamily="49" charset="0"/>
-                <a:cs typeface="Courier New" pitchFamily="49" charset="0"/>
-              </a:rPr>
-              <a:t>bit.b</a:t>
-            </a:r>
-            <a:r>
-              <a:rPr lang="en-US" sz="1400" b="1" dirty="0">
-                <a:solidFill>
-                  <a:schemeClr val="accent2"/>
-                </a:solidFill>
-                <a:latin typeface="Courier New" pitchFamily="49" charset="0"/>
-                <a:cs typeface="Courier New" pitchFamily="49" charset="0"/>
-              </a:rPr>
-              <a:t>  #BIT3, &amp;P1IN</a:t>
-            </a:r>
-          </a:p>
-          <a:p>
-            <a:pPr marL="0" indent="0">
-              <a:buNone/>
-            </a:pPr>
-            <a:r>
-              <a:rPr lang="en-US" sz="1400" b="1" dirty="0">
-                <a:solidFill>
-                  <a:schemeClr val="accent2"/>
-                </a:solidFill>
-                <a:latin typeface="Courier New" pitchFamily="49" charset="0"/>
-                <a:cs typeface="Courier New" pitchFamily="49" charset="0"/>
-              </a:rPr>
-              <a:t>              </a:t>
-            </a:r>
-            <a:r>
-              <a:rPr lang="en-US" sz="1400" b="1" dirty="0" err="1" smtClean="0">
-                <a:solidFill>
-                  <a:schemeClr val="accent2"/>
-                </a:solidFill>
-                <a:latin typeface="Courier New" pitchFamily="49" charset="0"/>
-                <a:cs typeface="Courier New" pitchFamily="49" charset="0"/>
-              </a:rPr>
-              <a:t>jz</a:t>
-            </a:r>
-            <a:r>
-              <a:rPr lang="en-US" sz="1400" b="1" dirty="0" smtClean="0">
-                <a:solidFill>
-                  <a:schemeClr val="accent2"/>
-                </a:solidFill>
-                <a:latin typeface="Courier New" pitchFamily="49" charset="0"/>
-                <a:cs typeface="Courier New" pitchFamily="49" charset="0"/>
-              </a:rPr>
-              <a:t>     wait</a:t>
-            </a:r>
-          </a:p>
-          <a:p>
-            <a:pPr marL="0" indent="0">
-              <a:buNone/>
-            </a:pPr>
-            <a:r>
-              <a:rPr lang="en-US" sz="1400" b="1" dirty="0">
-                <a:solidFill>
-                  <a:schemeClr val="accent2"/>
-                </a:solidFill>
-                <a:latin typeface="Courier New" pitchFamily="49" charset="0"/>
-                <a:cs typeface="Courier New" pitchFamily="49" charset="0"/>
-              </a:rPr>
-              <a:t> </a:t>
-            </a:r>
-            <a:r>
-              <a:rPr lang="en-US" sz="1400" b="1" dirty="0" smtClean="0">
-                <a:solidFill>
-                  <a:schemeClr val="accent2"/>
-                </a:solidFill>
-                <a:latin typeface="Courier New" pitchFamily="49" charset="0"/>
-                <a:cs typeface="Courier New" pitchFamily="49" charset="0"/>
-              </a:rPr>
-              <a:t>             </a:t>
-            </a:r>
-            <a:r>
-              <a:rPr lang="en-US" sz="1400" b="1" dirty="0" err="1">
-                <a:solidFill>
-                  <a:schemeClr val="accent2"/>
-                </a:solidFill>
-                <a:latin typeface="Courier New" pitchFamily="49" charset="0"/>
-                <a:cs typeface="Courier New" pitchFamily="49" charset="0"/>
-              </a:rPr>
-              <a:t>inc</a:t>
-            </a:r>
-            <a:r>
-              <a:rPr lang="en-US" sz="1400" b="1" dirty="0">
-                <a:solidFill>
-                  <a:schemeClr val="accent2"/>
-                </a:solidFill>
-                <a:latin typeface="Courier New" pitchFamily="49" charset="0"/>
-                <a:cs typeface="Courier New" pitchFamily="49" charset="0"/>
-              </a:rPr>
-              <a:t>    </a:t>
-            </a:r>
-            <a:r>
-              <a:rPr lang="en-US" sz="1400" b="1" dirty="0" smtClean="0">
-                <a:solidFill>
-                  <a:schemeClr val="accent2"/>
-                </a:solidFill>
-                <a:latin typeface="Courier New" pitchFamily="49" charset="0"/>
-                <a:cs typeface="Courier New" pitchFamily="49" charset="0"/>
-              </a:rPr>
-              <a:t>r4</a:t>
-            </a:r>
-            <a:endParaRPr lang="en-US" sz="1400" b="1" dirty="0">
-              <a:solidFill>
-                <a:schemeClr val="accent2"/>
-              </a:solidFill>
-              <a:latin typeface="Courier New" pitchFamily="49" charset="0"/>
-              <a:cs typeface="Courier New" pitchFamily="49" charset="0"/>
-            </a:endParaRPr>
-          </a:p>
-          <a:p>
-            <a:pPr marL="0" indent="0">
-              <a:buNone/>
-            </a:pPr>
-            <a:r>
-              <a:rPr lang="en-US" sz="1400" b="1" dirty="0">
-                <a:solidFill>
-                  <a:schemeClr val="accent2"/>
-                </a:solidFill>
-                <a:latin typeface="Courier New" pitchFamily="49" charset="0"/>
-                <a:cs typeface="Courier New" pitchFamily="49" charset="0"/>
-              </a:rPr>
-              <a:t>              </a:t>
-            </a:r>
-            <a:r>
-              <a:rPr lang="en-US" sz="1400" b="1" dirty="0" err="1" smtClean="0">
-                <a:solidFill>
-                  <a:schemeClr val="accent2"/>
-                </a:solidFill>
-                <a:latin typeface="Courier New" pitchFamily="49" charset="0"/>
-                <a:cs typeface="Courier New" pitchFamily="49" charset="0"/>
-              </a:rPr>
-              <a:t>jmp</a:t>
-            </a:r>
-            <a:r>
-              <a:rPr lang="en-US" sz="1400" b="1" dirty="0" smtClean="0">
-                <a:solidFill>
-                  <a:schemeClr val="accent2"/>
-                </a:solidFill>
-                <a:latin typeface="Courier New" pitchFamily="49" charset="0"/>
-                <a:cs typeface="Courier New" pitchFamily="49" charset="0"/>
-              </a:rPr>
-              <a:t>    </a:t>
-            </a:r>
-            <a:r>
-              <a:rPr lang="en-US" sz="1400" b="1" dirty="0" err="1" smtClean="0">
-                <a:solidFill>
-                  <a:schemeClr val="accent2"/>
-                </a:solidFill>
-                <a:latin typeface="Courier New" pitchFamily="49" charset="0"/>
-                <a:cs typeface="Courier New" pitchFamily="49" charset="0"/>
-              </a:rPr>
-              <a:t>check_btn</a:t>
-            </a:r>
-            <a:endParaRPr lang="en-US" sz="1400" b="1" dirty="0"/>
-          </a:p>
-        </p:txBody>
-      </p:sp>
+      <p:pic>
+        <p:nvPicPr>
+          <p:cNvPr id="3074" name="Picture 2"/>
+          <p:cNvPicPr>
+            <a:picLocks noChangeAspect="1" noChangeArrowheads="1"/>
+          </p:cNvPicPr>
+          <p:nvPr/>
+        </p:nvPicPr>
+        <p:blipFill>
+          <a:blip r:embed="rId2">
+            <a:extLst>
+              <a:ext uri="{28A0092B-C50C-407E-A947-70E740481C1C}">
+                <a14:useLocalDpi xmlns:a14="http://schemas.microsoft.com/office/drawing/2010/main" val="0"/>
+              </a:ext>
+            </a:extLst>
+          </a:blip>
+          <a:srcRect/>
+          <a:stretch>
+            <a:fillRect/>
+          </a:stretch>
+        </p:blipFill>
+        <p:spPr bwMode="auto">
+          <a:xfrm>
+            <a:off x="1504507" y="1463041"/>
+            <a:ext cx="6567376" cy="4925532"/>
+          </a:xfrm>
+          <a:prstGeom prst="rect">
+            <a:avLst/>
+          </a:prstGeom>
+          <a:noFill/>
+          <a:ln>
+            <a:noFill/>
+          </a:ln>
+          <a:extLst>
+            <a:ext uri="{909E8E84-426E-40DD-AFC4-6F175D3DCCD1}">
+              <a14:hiddenFill xmlns:a14="http://schemas.microsoft.com/office/drawing/2010/main">
+                <a:solidFill>
+                  <a:schemeClr val="accent1"/>
+                </a:solidFill>
+              </a14:hiddenFill>
+            </a:ext>
+            <a:ext uri="{91240B29-F687-4F45-9708-019B960494DF}">
+              <a14:hiddenLine xmlns:a14="http://schemas.microsoft.com/office/drawing/2010/main" w="9525">
+                <a:solidFill>
+                  <a:schemeClr val="tx1"/>
+                </a:solidFill>
+                <a:miter lim="800000"/>
+                <a:headEnd/>
+                <a:tailEnd/>
+              </a14:hiddenLine>
+            </a:ext>
+          </a:extLst>
+        </p:spPr>
+      </p:pic>
       <p:sp>
         <p:nvSpPr>
           <p:cNvPr id="4" name="Right Brace 3"/>
@@ -7899,9 +7447,9 @@
           <p:nvPr/>
         </p:nvSpPr>
         <p:spPr bwMode="auto">
-          <a:xfrm>
-            <a:off x="4233041" y="3026979"/>
-            <a:ext cx="520262" cy="788276"/>
+          <a:xfrm rot="5400000">
+            <a:off x="5022553" y="2553143"/>
+            <a:ext cx="659219" cy="1661338"/>
           </a:xfrm>
           <a:prstGeom prst="rightBrace">
             <a:avLst/>
@@ -7909,7 +7457,7 @@
           <a:noFill/>
           <a:ln w="12700" cap="flat" cmpd="sng" algn="ctr">
             <a:solidFill>
-              <a:schemeClr val="tx1"/>
+              <a:srgbClr val="FFFF00"/>
             </a:solidFill>
             <a:prstDash val="solid"/>
             <a:round/>
@@ -7963,101 +7511,8 @@
         </p:nvSpPr>
         <p:spPr>
           <a:xfrm>
-            <a:off x="4753303" y="3190284"/>
-            <a:ext cx="3081293" cy="461665"/>
-          </a:xfrm>
-          <a:prstGeom prst="rect">
-            <a:avLst/>
-          </a:prstGeom>
-          <a:noFill/>
-        </p:spPr>
-        <p:txBody>
-          <a:bodyPr wrap="none" rtlCol="0">
-            <a:spAutoFit/>
-          </a:bodyPr>
-          <a:lstStyle/>
-          <a:p>
-            <a:r>
-              <a:rPr lang="en-US" dirty="0" smtClean="0"/>
-              <a:t>Polling for button press</a:t>
-            </a:r>
-            <a:endParaRPr lang="en-US" dirty="0"/>
-          </a:p>
-        </p:txBody>
-      </p:sp>
-      <p:sp>
-        <p:nvSpPr>
-          <p:cNvPr id="6" name="Right Brace 5"/>
-          <p:cNvSpPr/>
-          <p:nvPr/>
-        </p:nvSpPr>
-        <p:spPr bwMode="auto">
-          <a:xfrm>
-            <a:off x="4233041" y="4025263"/>
-            <a:ext cx="520262" cy="1353930"/>
-          </a:xfrm>
-          <a:prstGeom prst="rightBrace">
-            <a:avLst/>
-          </a:prstGeom>
-          <a:noFill/>
-          <a:ln w="12700" cap="flat" cmpd="sng" algn="ctr">
-            <a:solidFill>
-              <a:schemeClr val="tx1"/>
-            </a:solidFill>
-            <a:prstDash val="solid"/>
-            <a:round/>
-            <a:headEnd type="none" w="med" len="med"/>
-            <a:tailEnd type="none" w="med" len="med"/>
-          </a:ln>
-          <a:effectLst/>
-        </p:spPr>
-        <p:txBody>
-          <a:bodyPr vert="horz" wrap="square" lIns="91440" tIns="45720" rIns="91440" bIns="45720" numCol="1" rtlCol="0" anchor="t" anchorCtr="0" compatLnSpc="1">
-            <a:prstTxWarp prst="textNoShape">
-              <a:avLst/>
-            </a:prstTxWarp>
-          </a:bodyPr>
-          <a:lstStyle/>
-          <a:p>
-            <a:pPr marL="0" marR="0" indent="0" algn="ctr" defTabSz="914400" rtl="0" eaLnBrk="0" fontAlgn="base" latinLnBrk="0" hangingPunct="0">
-              <a:lnSpc>
-                <a:spcPct val="100000"/>
-              </a:lnSpc>
-              <a:spcBef>
-                <a:spcPct val="0"/>
-              </a:spcBef>
-              <a:spcAft>
-                <a:spcPct val="0"/>
-              </a:spcAft>
-              <a:buClrTx/>
-              <a:buSzTx/>
-              <a:buFontTx/>
-              <a:buNone/>
-              <a:tabLst/>
-            </a:pPr>
-            <a:endParaRPr kumimoji="0" lang="en-US" sz="1600" b="0" i="0" u="none" strike="noStrike" cap="none" normalizeH="0" baseline="0" smtClean="0">
-              <a:ln>
-                <a:noFill/>
-              </a:ln>
-              <a:solidFill>
-                <a:schemeClr val="tx1"/>
-              </a:solidFill>
-              <a:effectLst/>
-              <a:latin typeface="Arial" charset="0"/>
-            </a:endParaRPr>
-          </a:p>
-        </p:txBody>
-      </p:sp>
-      <p:sp>
-        <p:nvSpPr>
-          <p:cNvPr id="7" name="TextBox 6"/>
-          <p:cNvSpPr txBox="1"/>
-          <p:nvPr/>
-        </p:nvSpPr>
-        <p:spPr>
-          <a:xfrm>
-            <a:off x="4753303" y="4286729"/>
-            <a:ext cx="3476297" cy="830997"/>
+            <a:off x="3089771" y="3665470"/>
+            <a:ext cx="4579215" cy="1200329"/>
           </a:xfrm>
           <a:prstGeom prst="rect">
             <a:avLst/>
@@ -8071,85 +7526,41 @@
           <a:lstStyle/>
           <a:p>
             <a:r>
-              <a:rPr lang="en-US" dirty="0" smtClean="0"/>
-              <a:t>Subroutine to handle button press</a:t>
-            </a:r>
-            <a:endParaRPr lang="en-US" dirty="0"/>
-          </a:p>
-        </p:txBody>
-      </p:sp>
-      <p:sp>
-        <p:nvSpPr>
-          <p:cNvPr id="8" name="Rectangle 7"/>
-          <p:cNvSpPr/>
-          <p:nvPr/>
-        </p:nvSpPr>
-        <p:spPr bwMode="auto">
-          <a:xfrm>
-            <a:off x="985345" y="5549462"/>
-            <a:ext cx="6629400" cy="740979"/>
-          </a:xfrm>
-          <a:prstGeom prst="rect">
-            <a:avLst/>
-          </a:prstGeom>
-          <a:solidFill>
-            <a:srgbClr val="0070C0"/>
-          </a:solidFill>
-          <a:ln w="12700" cap="flat" cmpd="sng" algn="ctr">
-            <a:solidFill>
-              <a:srgbClr val="00B0F0"/>
-            </a:solidFill>
-            <a:prstDash val="solid"/>
-            <a:round/>
-            <a:headEnd type="none" w="med" len="med"/>
-            <a:tailEnd type="none" w="med" len="med"/>
-          </a:ln>
-          <a:effectLst/>
-        </p:spPr>
-        <p:txBody>
-          <a:bodyPr vert="horz" wrap="square" lIns="91440" tIns="45720" rIns="91440" bIns="45720" numCol="1" rtlCol="0" anchor="ctr" anchorCtr="0" compatLnSpc="1">
-            <a:prstTxWarp prst="textNoShape">
-              <a:avLst/>
-            </a:prstTxWarp>
-          </a:bodyPr>
-          <a:lstStyle/>
-          <a:p>
-            <a:pPr marL="0" marR="0" indent="0" algn="ctr" defTabSz="914400" rtl="0" eaLnBrk="0" fontAlgn="base" latinLnBrk="0" hangingPunct="0">
-              <a:lnSpc>
-                <a:spcPct val="100000"/>
-              </a:lnSpc>
-              <a:spcBef>
-                <a:spcPct val="0"/>
-              </a:spcBef>
-              <a:spcAft>
-                <a:spcPct val="0"/>
-              </a:spcAft>
-              <a:buClrTx/>
-              <a:buSzTx/>
-              <a:buFontTx/>
-              <a:buNone/>
-              <a:tabLst/>
-            </a:pPr>
-            <a:r>
-              <a:rPr kumimoji="0" lang="en-US" sz="1600" b="0" i="0" u="none" strike="noStrike" cap="none" normalizeH="0" baseline="0" dirty="0" smtClean="0">
-                <a:ln>
-                  <a:noFill/>
-                </a:ln>
-                <a:solidFill>
-                  <a:schemeClr val="bg1"/>
-                </a:solidFill>
-                <a:effectLst/>
-                <a:latin typeface="Arial" charset="0"/>
-              </a:rPr>
-              <a:t>So how does bouncing effect this software?</a:t>
-            </a:r>
+              <a:rPr lang="en-US" dirty="0" smtClean="0">
+                <a:solidFill>
+                  <a:srgbClr val="FFFF00"/>
+                </a:solidFill>
+              </a:rPr>
+              <a:t>We need to figure out how long, </a:t>
+            </a:r>
+            <a:r>
+              <a:rPr lang="en-US" u="sng" dirty="0" smtClean="0">
+                <a:solidFill>
+                  <a:srgbClr val="FFFF00"/>
+                </a:solidFill>
+              </a:rPr>
+              <a:t>on average</a:t>
+            </a:r>
+            <a:r>
+              <a:rPr lang="en-US" dirty="0" smtClean="0">
+                <a:solidFill>
+                  <a:srgbClr val="FFFF00"/>
+                </a:solidFill>
+              </a:rPr>
+              <a:t>, the button bouncers for … the logic analyzer helps us do that!</a:t>
+            </a:r>
+            <a:endParaRPr lang="en-US" dirty="0">
+              <a:solidFill>
+                <a:srgbClr val="FFFF00"/>
+              </a:solidFill>
+            </a:endParaRPr>
           </a:p>
         </p:txBody>
       </p:sp>
     </p:spTree>
     <p:extLst>
       <p:ext uri="{BB962C8B-B14F-4D97-AF65-F5344CB8AC3E}">
-        <p14:creationId xmlns:p14="http://schemas.microsoft.com/office/powerpoint/2010/main" val="879254010"/>
+        <p14:creationId xmlns:p14="http://schemas.microsoft.com/office/powerpoint/2010/main" val="538974518"/>
       </p:ext>
     </p:extLst>
   </p:cSld>
@@ -8219,7 +7630,7 @@
         <p:spPr>
           <a:xfrm>
             <a:off x="487266" y="1548858"/>
-            <a:ext cx="7772400" cy="4724400"/>
+            <a:ext cx="7772400" cy="4734984"/>
           </a:xfrm>
         </p:spPr>
         <p:txBody>
@@ -8234,7 +7645,7 @@
                 <a:latin typeface="Courier New" pitchFamily="49" charset="0"/>
                 <a:cs typeface="Courier New" pitchFamily="49" charset="0"/>
               </a:rPr>
-              <a:t>How long is this software delay?</a:t>
+              <a:t>If we know how long we need to delay for, we can write a subroutine to “sleep” for that amount of time before we try to read the button again.</a:t>
             </a:r>
           </a:p>
           <a:p>
@@ -8572,6 +7983,30 @@
                 <a:cs typeface="Courier New" pitchFamily="49" charset="0"/>
               </a:rPr>
               <a:t>ret</a:t>
+            </a:r>
+          </a:p>
+          <a:p>
+            <a:pPr marL="0" indent="0">
+              <a:buNone/>
+            </a:pPr>
+            <a:endParaRPr lang="en-US" sz="1400" b="1" dirty="0" smtClean="0">
+              <a:solidFill>
+                <a:schemeClr val="accent2"/>
+              </a:solidFill>
+              <a:latin typeface="Courier New" pitchFamily="49" charset="0"/>
+              <a:cs typeface="Courier New" pitchFamily="49" charset="0"/>
+            </a:endParaRPr>
+          </a:p>
+          <a:p>
+            <a:pPr marL="0" indent="0">
+              <a:buNone/>
+            </a:pPr>
+            <a:r>
+              <a:rPr lang="en-US" sz="1400" dirty="0">
+                <a:latin typeface="Courier New" pitchFamily="49" charset="0"/>
+                <a:cs typeface="Courier New" pitchFamily="49" charset="0"/>
+              </a:rPr>
+              <a:t>How long is this software delay?</a:t>
             </a:r>
           </a:p>
           <a:p>
@@ -8617,8 +8052,8 @@
         </p:nvSpPr>
         <p:spPr bwMode="auto">
           <a:xfrm>
-            <a:off x="4966137" y="2885090"/>
-            <a:ext cx="2435773" cy="1623848"/>
+            <a:off x="6071923" y="3241280"/>
+            <a:ext cx="2652091" cy="1623848"/>
           </a:xfrm>
           <a:prstGeom prst="leftArrow">
             <a:avLst/>
@@ -8723,7 +8158,7 @@
                                         <p:tgtEl>
                                           <p:spTgt spid="3">
                                             <p:txEl>
-                                              <p:pRg st="13" end="13"/>
+                                              <p:pRg st="15" end="15"/>
                                             </p:txEl>
                                           </p:spTgt>
                                         </p:tgtEl>
@@ -8821,8 +8256,8 @@
         </p:nvSpPr>
         <p:spPr>
           <a:xfrm>
-            <a:off x="542446" y="1470030"/>
-            <a:ext cx="7772400" cy="4724400"/>
+            <a:off x="393405" y="1470030"/>
+            <a:ext cx="8357189" cy="4724400"/>
           </a:xfrm>
         </p:spPr>
         <p:txBody>
@@ -9172,17 +8607,77 @@
                 <a:latin typeface="Courier New" pitchFamily="49" charset="0"/>
                 <a:cs typeface="Courier New" pitchFamily="49" charset="0"/>
               </a:rPr>
-              <a:t>                                                 </a:t>
+              <a:t>                                         </a:t>
             </a:r>
             <a:r>
               <a:rPr lang="en-US" sz="1400" b="1" dirty="0" smtClean="0">
                 <a:solidFill>
+                  <a:srgbClr val="00B050"/>
+                </a:solidFill>
+                <a:latin typeface="Courier New" pitchFamily="49" charset="0"/>
+                <a:cs typeface="Courier New" pitchFamily="49" charset="0"/>
+              </a:rPr>
+              <a:t>     </a:t>
+            </a:r>
+            <a:r>
+              <a:rPr lang="en-US" sz="1400" b="1" dirty="0" smtClean="0">
+                <a:solidFill>
                   <a:srgbClr val="FF0000"/>
                 </a:solidFill>
                 <a:latin typeface="Courier New" pitchFamily="49" charset="0"/>
                 <a:cs typeface="Courier New" pitchFamily="49" charset="0"/>
               </a:rPr>
-              <a:t>; no 1 cycle !!!</a:t>
+              <a:t>; </a:t>
+            </a:r>
+            <a:r>
+              <a:rPr lang="en-US" sz="1400" b="1" dirty="0" smtClean="0">
+                <a:solidFill>
+                  <a:srgbClr val="FF0000"/>
+                </a:solidFill>
+                <a:latin typeface="Courier New" pitchFamily="49" charset="0"/>
+                <a:cs typeface="Courier New" pitchFamily="49" charset="0"/>
+              </a:rPr>
+              <a:t>no </a:t>
+            </a:r>
+            <a:r>
+              <a:rPr lang="en-US" sz="1400" b="1" dirty="0" smtClean="0">
+                <a:solidFill>
+                  <a:srgbClr val="FF0000"/>
+                </a:solidFill>
+                <a:latin typeface="Courier New" pitchFamily="49" charset="0"/>
+                <a:cs typeface="Courier New" pitchFamily="49" charset="0"/>
+              </a:rPr>
+              <a:t>1, emulated sub </a:t>
+            </a:r>
+            <a:r>
+              <a:rPr lang="en-US" sz="1400" b="1" dirty="0" err="1" smtClean="0">
+                <a:solidFill>
+                  <a:srgbClr val="FF0000"/>
+                </a:solidFill>
+                <a:latin typeface="Courier New" pitchFamily="49" charset="0"/>
+                <a:cs typeface="Courier New" pitchFamily="49" charset="0"/>
+              </a:rPr>
+              <a:t>rm</a:t>
+            </a:r>
+            <a:r>
+              <a:rPr lang="en-US" sz="1400" b="1" dirty="0" smtClean="0">
+                <a:solidFill>
+                  <a:srgbClr val="FF0000"/>
+                </a:solidFill>
+                <a:latin typeface="Courier New" pitchFamily="49" charset="0"/>
+                <a:cs typeface="Courier New" pitchFamily="49" charset="0"/>
+              </a:rPr>
+              <a:t>, </a:t>
+            </a:r>
+            <a:r>
+              <a:rPr lang="en-US" sz="1400" b="1" dirty="0" err="1" smtClean="0">
+                <a:solidFill>
+                  <a:srgbClr val="FF0000"/>
+                </a:solidFill>
+                <a:latin typeface="Courier New" pitchFamily="49" charset="0"/>
+                <a:cs typeface="Courier New" pitchFamily="49" charset="0"/>
+              </a:rPr>
+              <a:t>rm</a:t>
             </a:r>
             <a:endParaRPr lang="en-US" sz="1400" b="1" dirty="0">
               <a:solidFill>
@@ -9370,7 +8865,27 @@
                 <a:latin typeface="Courier New" pitchFamily="49" charset="0"/>
                 <a:cs typeface="Courier New" pitchFamily="49" charset="0"/>
               </a:rPr>
-              <a:t>                                                  </a:t>
+              <a:t>                                         </a:t>
+            </a:r>
+            <a:r>
+              <a:rPr lang="en-US" sz="1400" b="1" dirty="0" smtClean="0">
+                <a:solidFill>
+                  <a:srgbClr val="00B050"/>
+                </a:solidFill>
+                <a:latin typeface="Courier New" pitchFamily="49" charset="0"/>
+                <a:cs typeface="Courier New" pitchFamily="49" charset="0"/>
+              </a:rPr>
+              <a:t>      </a:t>
+            </a:r>
+            <a:r>
+              <a:rPr lang="en-US" sz="1400" b="1" dirty="0" smtClean="0">
+                <a:solidFill>
+                  <a:srgbClr val="FF0000"/>
+                </a:solidFill>
+                <a:latin typeface="Courier New" pitchFamily="49" charset="0"/>
+                <a:cs typeface="Courier New" pitchFamily="49" charset="0"/>
+              </a:rPr>
+              <a:t>; </a:t>
             </a:r>
             <a:r>
               <a:rPr lang="en-US" sz="1400" b="1" dirty="0">
@@ -9380,7 +8895,7 @@
                 <a:latin typeface="Courier New" pitchFamily="49" charset="0"/>
                 <a:cs typeface="Courier New" pitchFamily="49" charset="0"/>
               </a:rPr>
-              <a:t>; no </a:t>
+              <a:t>no </a:t>
             </a:r>
             <a:r>
               <a:rPr lang="en-US" sz="1400" b="1" dirty="0" smtClean="0">
@@ -9390,20 +8905,28 @@
                 <a:latin typeface="Courier New" pitchFamily="49" charset="0"/>
                 <a:cs typeface="Courier New" pitchFamily="49" charset="0"/>
               </a:rPr>
-              <a:t>3 cycles !!!</a:t>
-            </a:r>
-            <a:endParaRPr lang="en-US" sz="1400" b="1" dirty="0" smtClean="0">
-              <a:solidFill>
-                <a:schemeClr val="accent2"/>
-              </a:solidFill>
-              <a:latin typeface="Courier New" pitchFamily="49" charset="0"/>
-              <a:cs typeface="Courier New" pitchFamily="49" charset="0"/>
-            </a:endParaRPr>
-          </a:p>
-          <a:p>
-            <a:pPr marL="0" indent="0">
-              <a:buNone/>
-            </a:pPr>
+              <a:t>3, emulated </a:t>
+            </a:r>
+            <a:r>
+              <a:rPr lang="en-US" sz="1400" b="1" dirty="0" err="1" smtClean="0">
+                <a:solidFill>
+                  <a:srgbClr val="FF0000"/>
+                </a:solidFill>
+                <a:latin typeface="Courier New" pitchFamily="49" charset="0"/>
+                <a:cs typeface="Courier New" pitchFamily="49" charset="0"/>
+              </a:rPr>
+              <a:t>mov</a:t>
+            </a:r>
+            <a:r>
+              <a:rPr lang="en-US" sz="1400" b="1" dirty="0" smtClean="0">
+                <a:solidFill>
+                  <a:srgbClr val="FF0000"/>
+                </a:solidFill>
+                <a:latin typeface="Courier New" pitchFamily="49" charset="0"/>
+                <a:cs typeface="Courier New" pitchFamily="49" charset="0"/>
+              </a:rPr>
+              <a:t> @SP+, PC</a:t>
+            </a:r>
             <a:endParaRPr lang="en-US" sz="1400" b="1" dirty="0">
               <a:solidFill>
                 <a:schemeClr val="accent2"/>
@@ -9459,7 +8982,20 @@
             </a:pPr>
             <a:r>
               <a:rPr lang="en-US" sz="1400" b="1" dirty="0" smtClean="0"/>
-              <a:t>So, How long in time is this?</a:t>
+              <a:t>So, How long in time is this</a:t>
+            </a:r>
+            <a:r>
+              <a:rPr lang="en-US" sz="1400" b="1" dirty="0" smtClean="0"/>
+              <a:t>? </a:t>
+            </a:r>
+          </a:p>
+          <a:p>
+            <a:pPr marL="0" indent="0">
+              <a:buNone/>
+            </a:pPr>
+            <a:r>
+              <a:rPr lang="en-US" sz="1400" b="1" dirty="0" smtClean="0"/>
+              <a:t>… well, hold on before you answer this, we need more info</a:t>
             </a:r>
             <a:endParaRPr lang="en-US" sz="1400" dirty="0" smtClean="0"/>
           </a:p>
@@ -9581,6 +9117,55 @@
                       </p:childTnLst>
                     </p:cTn>
                   </p:par>
+                  <p:par>
+                    <p:cTn id="11" fill="hold">
+                      <p:stCondLst>
+                        <p:cond delay="indefinite"/>
+                      </p:stCondLst>
+                      <p:childTnLst>
+                        <p:par>
+                          <p:cTn id="12" fill="hold">
+                            <p:stCondLst>
+                              <p:cond delay="0"/>
+                            </p:stCondLst>
+                            <p:childTnLst>
+                              <p:par>
+                                <p:cTn id="13" presetID="1" presetClass="entr" presetSubtype="0" fill="hold" nodeType="clickEffect">
+                                  <p:stCondLst>
+                                    <p:cond delay="0"/>
+                                  </p:stCondLst>
+                                  <p:childTnLst>
+                                    <p:set>
+                                      <p:cBhvr>
+                                        <p:cTn id="14" dur="1" fill="hold">
+                                          <p:stCondLst>
+                                            <p:cond delay="0"/>
+                                          </p:stCondLst>
+                                        </p:cTn>
+                                        <p:tgtEl>
+                                          <p:spTgt spid="3">
+                                            <p:txEl>
+                                              <p:pRg st="17" end="17"/>
+                                            </p:txEl>
+                                          </p:spTgt>
+                                        </p:tgtEl>
+                                        <p:attrNameLst>
+                                          <p:attrName>style.visibility</p:attrName>
+                                        </p:attrNameLst>
+                                      </p:cBhvr>
+                                      <p:to>
+                                        <p:strVal val="visible"/>
+                                      </p:to>
+                                    </p:set>
+                                  </p:childTnLst>
+                                </p:cTn>
+                              </p:par>
+                            </p:childTnLst>
+                          </p:cTn>
+                        </p:par>
+                      </p:childTnLst>
+                    </p:cTn>
+                  </p:par>
                 </p:childTnLst>
               </p:cTn>
               <p:prevCondLst>
@@ -9761,7 +9346,31 @@
             </a:r>
             <a:r>
               <a:rPr lang="en-US" sz="1600" dirty="0"/>
-              <a:t>TI stores the proper calibrated values for DCOCTL and BCSCTL1 for 1MHz, 8MHz, 12MHz, and 16MHz in protected </a:t>
+              <a:t>TI stores the proper calibrated values for </a:t>
+            </a:r>
+            <a:r>
+              <a:rPr lang="en-US" sz="1600" dirty="0">
+                <a:solidFill>
+                  <a:srgbClr val="FF0000"/>
+                </a:solidFill>
+              </a:rPr>
+              <a:t>DCOCTL</a:t>
+            </a:r>
+            <a:r>
+              <a:rPr lang="en-US" sz="1600" dirty="0"/>
+              <a:t> and </a:t>
+            </a:r>
+            <a:r>
+              <a:rPr lang="en-US" sz="1600" dirty="0">
+                <a:solidFill>
+                  <a:srgbClr val="FF0000"/>
+                </a:solidFill>
+              </a:rPr>
+              <a:t>BCSCTL1</a:t>
+            </a:r>
+            <a:r>
+              <a:rPr lang="en-US" sz="1600" dirty="0"/>
+              <a:t> for 1MHz, 8MHz, 12MHz, and 16MHz in protected </a:t>
             </a:r>
             <a:r>
               <a:rPr lang="en-US" sz="1600" dirty="0" smtClean="0"/>
@@ -10105,6 +9714,13 @@
   <p:clrMapOvr>
     <a:masterClrMapping/>
   </p:clrMapOvr>
+  <p:timing>
+    <p:tnLst>
+      <p:par>
+        <p:cTn id="1" dur="indefinite" restart="never" nodeType="tmRoot"/>
+      </p:par>
+    </p:tnLst>
+  </p:timing>
 </p:sld>
 </file>
 
@@ -10722,7 +10338,7 @@
 </file>
 
 <file path=ppt/slides/slide18.xml><?xml version="1.0" encoding="utf-8"?>
-<p:sld xmlns:a="http://schemas.openxmlformats.org/drawingml/2006/main" xmlns:r="http://schemas.openxmlformats.org/officeDocument/2006/relationships" xmlns:p="http://schemas.openxmlformats.org/presentationml/2006/main" show="0">
+<p:sld xmlns:a="http://schemas.openxmlformats.org/drawingml/2006/main" xmlns:r="http://schemas.openxmlformats.org/officeDocument/2006/relationships" xmlns:p="http://schemas.openxmlformats.org/presentationml/2006/main">
   <p:cSld>
     <p:spTree>
       <p:nvGrpSpPr>
@@ -10763,30 +10379,6 @@
       </p:sp>
       <p:sp>
         <p:nvSpPr>
-          <p:cNvPr id="3" name="Content Placeholder 2"/>
-          <p:cNvSpPr>
-            <a:spLocks noGrp="1"/>
-          </p:cNvSpPr>
-          <p:nvPr>
-            <p:ph idx="1"/>
-          </p:nvPr>
-        </p:nvSpPr>
-        <p:spPr>
-          <a:xfrm>
-            <a:off x="395177" y="669852"/>
-            <a:ext cx="8493642" cy="4724400"/>
-          </a:xfrm>
-        </p:spPr>
-        <p:txBody>
-          <a:bodyPr/>
-          <a:lstStyle/>
-          <a:p>
-            <a:endParaRPr lang="en-US" sz="1600" dirty="0"/>
-          </a:p>
-        </p:txBody>
-      </p:sp>
-      <p:sp>
-        <p:nvSpPr>
           <p:cNvPr id="4" name="TextBox 3"/>
           <p:cNvSpPr txBox="1"/>
           <p:nvPr/>
@@ -11020,8 +10612,8 @@
         </p:blipFill>
         <p:spPr bwMode="auto">
           <a:xfrm>
-            <a:off x="687823" y="712099"/>
-            <a:ext cx="7930195" cy="5947646"/>
+            <a:off x="425303" y="1475012"/>
+            <a:ext cx="6565644" cy="4924233"/>
           </a:xfrm>
           <a:prstGeom prst="rect">
             <a:avLst/>
@@ -11051,6 +10643,100 @@
           </a:extLst>
         </p:spPr>
       </p:pic>
+      <p:sp>
+        <p:nvSpPr>
+          <p:cNvPr id="5" name="Rectangular Callout 4"/>
+          <p:cNvSpPr/>
+          <p:nvPr/>
+        </p:nvSpPr>
+        <p:spPr bwMode="auto">
+          <a:xfrm>
+            <a:off x="5462516" y="3472139"/>
+            <a:ext cx="3056861" cy="1610833"/>
+          </a:xfrm>
+          <a:prstGeom prst="wedgeRectCallout">
+            <a:avLst>
+              <a:gd name="adj1" fmla="val -72833"/>
+              <a:gd name="adj2" fmla="val -8128"/>
+            </a:avLst>
+          </a:prstGeom>
+          <a:solidFill>
+            <a:srgbClr val="FFFF00"/>
+          </a:solidFill>
+          <a:ln w="12700" cap="flat" cmpd="sng" algn="ctr">
+            <a:solidFill>
+              <a:schemeClr val="tx1"/>
+            </a:solidFill>
+            <a:prstDash val="solid"/>
+            <a:round/>
+            <a:headEnd type="none" w="med" len="med"/>
+            <a:tailEnd type="none" w="med" len="med"/>
+          </a:ln>
+          <a:effectLst/>
+        </p:spPr>
+        <p:txBody>
+          <a:bodyPr vert="horz" wrap="square" lIns="91440" tIns="45720" rIns="91440" bIns="45720" numCol="1" rtlCol="0" anchor="t" anchorCtr="0" compatLnSpc="1">
+            <a:prstTxWarp prst="textNoShape">
+              <a:avLst/>
+            </a:prstTxWarp>
+          </a:bodyPr>
+          <a:lstStyle/>
+          <a:p>
+            <a:pPr marL="0" marR="0" indent="0" algn="ctr" defTabSz="914400" rtl="0" eaLnBrk="0" fontAlgn="base" latinLnBrk="0" hangingPunct="0">
+              <a:lnSpc>
+                <a:spcPct val="100000"/>
+              </a:lnSpc>
+              <a:spcBef>
+                <a:spcPct val="0"/>
+              </a:spcBef>
+              <a:spcAft>
+                <a:spcPct val="0"/>
+              </a:spcAft>
+              <a:buClrTx/>
+              <a:buSzTx/>
+              <a:buFontTx/>
+              <a:buNone/>
+              <a:tabLst/>
+            </a:pPr>
+            <a:r>
+              <a:rPr kumimoji="0" lang="en-US" sz="1600" b="0" i="0" u="none" strike="noStrike" cap="none" normalizeH="0" baseline="0" dirty="0" smtClean="0">
+                <a:ln>
+                  <a:noFill/>
+                </a:ln>
+                <a:solidFill>
+                  <a:schemeClr val="tx1"/>
+                </a:solidFill>
+                <a:effectLst/>
+                <a:latin typeface="Arial" charset="0"/>
+              </a:rPr>
+              <a:t>Once you</a:t>
+            </a:r>
+            <a:r>
+              <a:rPr kumimoji="0" lang="en-US" sz="1600" b="0" i="0" u="none" strike="noStrike" cap="none" normalizeH="0" dirty="0" smtClean="0">
+                <a:ln>
+                  <a:noFill/>
+                </a:ln>
+                <a:solidFill>
+                  <a:schemeClr val="tx1"/>
+                </a:solidFill>
+                <a:effectLst/>
+                <a:latin typeface="Arial" charset="0"/>
+              </a:rPr>
+              <a:t> have your SW delay done, you can use it to toggle a pin high and low. Here we are measuring how long the delay is to verify we calculated everything correctly</a:t>
+            </a:r>
+            <a:endParaRPr kumimoji="0" lang="en-US" sz="1600" b="0" i="0" u="none" strike="noStrike" cap="none" normalizeH="0" baseline="0" dirty="0" smtClean="0">
+              <a:ln>
+                <a:noFill/>
+              </a:ln>
+              <a:solidFill>
+                <a:schemeClr val="tx1"/>
+              </a:solidFill>
+              <a:effectLst/>
+              <a:latin typeface="Arial" charset="0"/>
+            </a:endParaRPr>
+          </a:p>
+        </p:txBody>
+      </p:sp>
     </p:spTree>
     <p:extLst>
       <p:ext uri="{BB962C8B-B14F-4D97-AF65-F5344CB8AC3E}">
@@ -14174,6 +13860,13 @@
   <p:clrMapOvr>
     <a:masterClrMapping/>
   </p:clrMapOvr>
+  <p:timing>
+    <p:tnLst>
+      <p:par>
+        <p:cTn id="1" dur="indefinite" restart="never" nodeType="tmRoot"/>
+      </p:par>
+    </p:tnLst>
+  </p:timing>
 </p:sld>
 </file>
 
@@ -14294,13 +13987,8 @@
             <a:pPr lvl="2"/>
             <a:r>
               <a:rPr lang="en-US" dirty="0" smtClean="0"/>
-              <a:t>Response delay is not </a:t>
-            </a:r>
-            <a:r>
-              <a:rPr lang="en-US" dirty="0" smtClean="0"/>
-              <a:t>guaranteed</a:t>
-            </a:r>
-            <a:endParaRPr lang="en-US" dirty="0" smtClean="0"/>
+              <a:t>Response delay is not guaranteed</a:t>
+            </a:r>
           </a:p>
           <a:p>
             <a:pPr lvl="2"/>
@@ -14322,6 +14010,13 @@
   <p:clrMapOvr>
     <a:masterClrMapping/>
   </p:clrMapOvr>
+  <p:timing>
+    <p:tnLst>
+      <p:par>
+        <p:cTn id="1" dur="indefinite" restart="never" nodeType="tmRoot"/>
+      </p:par>
+    </p:tnLst>
+  </p:timing>
 </p:sld>
 </file>
 
@@ -15981,58 +15676,974 @@
           <a:lstStyle/>
           <a:p>
             <a:r>
-              <a:rPr lang="en-US" b="1" dirty="0" smtClean="0"/>
-              <a:t>Logic Analyzer</a:t>
+              <a:rPr lang="en-US" dirty="0" err="1" smtClean="0"/>
+              <a:t>Debouncing</a:t>
+            </a:r>
+            <a:r>
+              <a:rPr lang="en-US" dirty="0" smtClean="0"/>
+              <a:t> and Polling</a:t>
             </a:r>
             <a:endParaRPr lang="en-US" dirty="0"/>
           </a:p>
         </p:txBody>
       </p:sp>
-      <p:pic>
-        <p:nvPicPr>
-          <p:cNvPr id="1026" name="Picture 2" descr="Bounce Example 1"/>
-          <p:cNvPicPr>
-            <a:picLocks noChangeAspect="1" noChangeArrowheads="1"/>
-          </p:cNvPicPr>
+      <p:sp>
+        <p:nvSpPr>
+          <p:cNvPr id="3" name="Content Placeholder 2"/>
+          <p:cNvSpPr>
+            <a:spLocks noGrp="1"/>
+          </p:cNvSpPr>
+          <p:nvPr>
+            <p:ph idx="1"/>
+          </p:nvPr>
+        </p:nvSpPr>
+        <p:spPr/>
+        <p:txBody>
+          <a:bodyPr/>
+          <a:lstStyle/>
+          <a:p>
+            <a:pPr marL="0" indent="0">
+              <a:buNone/>
+            </a:pPr>
+            <a:r>
+              <a:rPr lang="en-US" sz="1400" b="1" dirty="0" smtClean="0">
+                <a:solidFill>
+                  <a:schemeClr val="accent2"/>
+                </a:solidFill>
+                <a:latin typeface="Courier New" pitchFamily="49" charset="0"/>
+                <a:cs typeface="Courier New" pitchFamily="49" charset="0"/>
+              </a:rPr>
+              <a:t>              </a:t>
+            </a:r>
+            <a:r>
+              <a:rPr lang="en-US" sz="1400" b="1" dirty="0" err="1" smtClean="0">
+                <a:solidFill>
+                  <a:schemeClr val="accent2"/>
+                </a:solidFill>
+                <a:latin typeface="Courier New" pitchFamily="49" charset="0"/>
+                <a:cs typeface="Courier New" pitchFamily="49" charset="0"/>
+              </a:rPr>
+              <a:t>bis.b</a:t>
+            </a:r>
+            <a:r>
+              <a:rPr lang="en-US" sz="1400" b="1" dirty="0" smtClean="0">
+                <a:solidFill>
+                  <a:schemeClr val="accent2"/>
+                </a:solidFill>
+                <a:latin typeface="Courier New" pitchFamily="49" charset="0"/>
+                <a:cs typeface="Courier New" pitchFamily="49" charset="0"/>
+              </a:rPr>
+              <a:t>  </a:t>
+            </a:r>
+            <a:r>
+              <a:rPr lang="en-US" sz="1400" b="1" dirty="0">
+                <a:solidFill>
+                  <a:schemeClr val="accent2"/>
+                </a:solidFill>
+                <a:latin typeface="Courier New" pitchFamily="49" charset="0"/>
+                <a:cs typeface="Courier New" pitchFamily="49" charset="0"/>
+              </a:rPr>
+              <a:t>#BIT3, &amp;P1OUT</a:t>
+            </a:r>
+          </a:p>
+          <a:p>
+            <a:pPr marL="0" indent="0">
+              <a:buNone/>
+            </a:pPr>
+            <a:r>
+              <a:rPr lang="en-US" sz="1400" b="1" dirty="0" smtClean="0">
+                <a:solidFill>
+                  <a:schemeClr val="accent2"/>
+                </a:solidFill>
+                <a:latin typeface="Courier New" pitchFamily="49" charset="0"/>
+                <a:cs typeface="Courier New" pitchFamily="49" charset="0"/>
+              </a:rPr>
+              <a:t>              </a:t>
+            </a:r>
+            <a:r>
+              <a:rPr lang="en-US" sz="1400" b="1" dirty="0" err="1" smtClean="0">
+                <a:solidFill>
+                  <a:schemeClr val="accent2"/>
+                </a:solidFill>
+                <a:latin typeface="Courier New" pitchFamily="49" charset="0"/>
+                <a:cs typeface="Courier New" pitchFamily="49" charset="0"/>
+              </a:rPr>
+              <a:t>bis.b</a:t>
+            </a:r>
+            <a:r>
+              <a:rPr lang="en-US" sz="1400" b="1" dirty="0" smtClean="0">
+                <a:solidFill>
+                  <a:schemeClr val="accent2"/>
+                </a:solidFill>
+                <a:latin typeface="Courier New" pitchFamily="49" charset="0"/>
+                <a:cs typeface="Courier New" pitchFamily="49" charset="0"/>
+              </a:rPr>
+              <a:t>  </a:t>
+            </a:r>
+            <a:r>
+              <a:rPr lang="en-US" sz="1400" b="1" dirty="0">
+                <a:solidFill>
+                  <a:schemeClr val="accent2"/>
+                </a:solidFill>
+                <a:latin typeface="Courier New" pitchFamily="49" charset="0"/>
+                <a:cs typeface="Courier New" pitchFamily="49" charset="0"/>
+              </a:rPr>
+              <a:t>#BIT3, &amp;P1REN</a:t>
+            </a:r>
+          </a:p>
+          <a:p>
+            <a:pPr marL="0" indent="0">
+              <a:buNone/>
+            </a:pPr>
+            <a:r>
+              <a:rPr lang="en-US" sz="1400" b="1" dirty="0" smtClean="0">
+                <a:solidFill>
+                  <a:schemeClr val="accent2"/>
+                </a:solidFill>
+                <a:latin typeface="Courier New" pitchFamily="49" charset="0"/>
+                <a:cs typeface="Courier New" pitchFamily="49" charset="0"/>
+              </a:rPr>
+              <a:t>              </a:t>
+            </a:r>
+            <a:r>
+              <a:rPr lang="en-US" sz="1400" b="1" dirty="0" err="1" smtClean="0">
+                <a:solidFill>
+                  <a:schemeClr val="accent2"/>
+                </a:solidFill>
+                <a:latin typeface="Courier New" pitchFamily="49" charset="0"/>
+                <a:cs typeface="Courier New" pitchFamily="49" charset="0"/>
+              </a:rPr>
+              <a:t>bic.b</a:t>
+            </a:r>
+            <a:r>
+              <a:rPr lang="en-US" sz="1400" b="1" dirty="0" smtClean="0">
+                <a:solidFill>
+                  <a:schemeClr val="accent2"/>
+                </a:solidFill>
+                <a:latin typeface="Courier New" pitchFamily="49" charset="0"/>
+                <a:cs typeface="Courier New" pitchFamily="49" charset="0"/>
+              </a:rPr>
+              <a:t>  </a:t>
+            </a:r>
+            <a:r>
+              <a:rPr lang="en-US" sz="1400" b="1" dirty="0">
+                <a:solidFill>
+                  <a:schemeClr val="accent2"/>
+                </a:solidFill>
+                <a:latin typeface="Courier New" pitchFamily="49" charset="0"/>
+                <a:cs typeface="Courier New" pitchFamily="49" charset="0"/>
+              </a:rPr>
+              <a:t>#BIT3, &amp;P1DIR</a:t>
+            </a:r>
+          </a:p>
+          <a:p>
+            <a:pPr marL="0" indent="0">
+              <a:buNone/>
+            </a:pPr>
+            <a:endParaRPr lang="en-US" sz="1400" b="1" dirty="0">
+              <a:solidFill>
+                <a:schemeClr val="accent2"/>
+              </a:solidFill>
+              <a:latin typeface="Courier New" pitchFamily="49" charset="0"/>
+              <a:cs typeface="Courier New" pitchFamily="49" charset="0"/>
+            </a:endParaRPr>
+          </a:p>
+          <a:p>
+            <a:pPr marL="0" indent="0">
+              <a:buNone/>
+            </a:pPr>
+            <a:r>
+              <a:rPr lang="en-US" sz="1400" b="1" dirty="0" smtClean="0">
+                <a:solidFill>
+                  <a:schemeClr val="accent2"/>
+                </a:solidFill>
+                <a:latin typeface="Courier New" pitchFamily="49" charset="0"/>
+                <a:cs typeface="Courier New" pitchFamily="49" charset="0"/>
+              </a:rPr>
+              <a:t>              </a:t>
+            </a:r>
+            <a:r>
+              <a:rPr lang="en-US" sz="1400" b="1" dirty="0" err="1" smtClean="0">
+                <a:solidFill>
+                  <a:schemeClr val="accent2"/>
+                </a:solidFill>
+                <a:latin typeface="Courier New" pitchFamily="49" charset="0"/>
+                <a:cs typeface="Courier New" pitchFamily="49" charset="0"/>
+              </a:rPr>
+              <a:t>clr</a:t>
+            </a:r>
+            <a:r>
+              <a:rPr lang="en-US" sz="1400" b="1" dirty="0" smtClean="0">
+                <a:solidFill>
+                  <a:schemeClr val="accent2"/>
+                </a:solidFill>
+                <a:latin typeface="Courier New" pitchFamily="49" charset="0"/>
+                <a:cs typeface="Courier New" pitchFamily="49" charset="0"/>
+              </a:rPr>
+              <a:t>    r4</a:t>
+            </a:r>
+            <a:endParaRPr lang="en-US" sz="1400" b="1" dirty="0">
+              <a:solidFill>
+                <a:schemeClr val="accent2"/>
+              </a:solidFill>
+              <a:latin typeface="Courier New" pitchFamily="49" charset="0"/>
+              <a:cs typeface="Courier New" pitchFamily="49" charset="0"/>
+            </a:endParaRPr>
+          </a:p>
+          <a:p>
+            <a:pPr marL="0" indent="0">
+              <a:buNone/>
+            </a:pPr>
+            <a:endParaRPr lang="en-US" sz="1400" b="1" dirty="0">
+              <a:solidFill>
+                <a:schemeClr val="accent2"/>
+              </a:solidFill>
+              <a:latin typeface="Courier New" pitchFamily="49" charset="0"/>
+              <a:cs typeface="Courier New" pitchFamily="49" charset="0"/>
+            </a:endParaRPr>
+          </a:p>
+          <a:p>
+            <a:pPr marL="0" indent="0">
+              <a:buNone/>
+            </a:pPr>
+            <a:r>
+              <a:rPr lang="en-US" sz="1400" b="1" dirty="0" err="1">
+                <a:solidFill>
+                  <a:schemeClr val="accent2"/>
+                </a:solidFill>
+                <a:latin typeface="Courier New" pitchFamily="49" charset="0"/>
+                <a:cs typeface="Courier New" pitchFamily="49" charset="0"/>
+              </a:rPr>
+              <a:t>check_btn</a:t>
+            </a:r>
+            <a:r>
+              <a:rPr lang="en-US" sz="1400" b="1" dirty="0">
+                <a:solidFill>
+                  <a:schemeClr val="accent2"/>
+                </a:solidFill>
+                <a:latin typeface="Courier New" pitchFamily="49" charset="0"/>
+                <a:cs typeface="Courier New" pitchFamily="49" charset="0"/>
+              </a:rPr>
+              <a:t>:    </a:t>
+            </a:r>
+            <a:r>
+              <a:rPr lang="en-US" sz="1400" b="1" dirty="0" err="1">
+                <a:solidFill>
+                  <a:schemeClr val="accent2"/>
+                </a:solidFill>
+                <a:latin typeface="Courier New" pitchFamily="49" charset="0"/>
+                <a:cs typeface="Courier New" pitchFamily="49" charset="0"/>
+              </a:rPr>
+              <a:t>bit.b</a:t>
+            </a:r>
+            <a:r>
+              <a:rPr lang="en-US" sz="1400" b="1" dirty="0">
+                <a:solidFill>
+                  <a:schemeClr val="accent2"/>
+                </a:solidFill>
+                <a:latin typeface="Courier New" pitchFamily="49" charset="0"/>
+                <a:cs typeface="Courier New" pitchFamily="49" charset="0"/>
+              </a:rPr>
+              <a:t>  #BIT3, &amp;P1IN</a:t>
+            </a:r>
+          </a:p>
+          <a:p>
+            <a:pPr marL="0" indent="0">
+              <a:buNone/>
+            </a:pPr>
+            <a:r>
+              <a:rPr lang="en-US" sz="1400" b="1" dirty="0" smtClean="0">
+                <a:solidFill>
+                  <a:schemeClr val="accent2"/>
+                </a:solidFill>
+                <a:latin typeface="Courier New" pitchFamily="49" charset="0"/>
+                <a:cs typeface="Courier New" pitchFamily="49" charset="0"/>
+              </a:rPr>
+              <a:t>              </a:t>
+            </a:r>
+            <a:r>
+              <a:rPr lang="en-US" sz="1400" b="1" dirty="0" err="1" smtClean="0">
+                <a:solidFill>
+                  <a:schemeClr val="accent2"/>
+                </a:solidFill>
+                <a:latin typeface="Courier New" pitchFamily="49" charset="0"/>
+                <a:cs typeface="Courier New" pitchFamily="49" charset="0"/>
+              </a:rPr>
+              <a:t>jz</a:t>
+            </a:r>
+            <a:r>
+              <a:rPr lang="en-US" sz="1400" b="1" dirty="0" smtClean="0">
+                <a:solidFill>
+                  <a:schemeClr val="accent2"/>
+                </a:solidFill>
+                <a:latin typeface="Courier New" pitchFamily="49" charset="0"/>
+                <a:cs typeface="Courier New" pitchFamily="49" charset="0"/>
+              </a:rPr>
+              <a:t>     </a:t>
+            </a:r>
+            <a:r>
+              <a:rPr lang="en-US" sz="1400" b="1" dirty="0" err="1" smtClean="0">
+                <a:solidFill>
+                  <a:schemeClr val="accent2"/>
+                </a:solidFill>
+                <a:latin typeface="Courier New" pitchFamily="49" charset="0"/>
+                <a:cs typeface="Courier New" pitchFamily="49" charset="0"/>
+              </a:rPr>
+              <a:t>btn_pushed</a:t>
+            </a:r>
+            <a:endParaRPr lang="en-US" sz="1400" b="1" dirty="0">
+              <a:solidFill>
+                <a:schemeClr val="accent2"/>
+              </a:solidFill>
+              <a:latin typeface="Courier New" pitchFamily="49" charset="0"/>
+              <a:cs typeface="Courier New" pitchFamily="49" charset="0"/>
+            </a:endParaRPr>
+          </a:p>
+          <a:p>
+            <a:pPr marL="0" indent="0">
+              <a:buNone/>
+            </a:pPr>
+            <a:r>
+              <a:rPr lang="en-US" sz="1400" b="1" dirty="0" smtClean="0">
+                <a:solidFill>
+                  <a:schemeClr val="accent2"/>
+                </a:solidFill>
+                <a:latin typeface="Courier New" pitchFamily="49" charset="0"/>
+                <a:cs typeface="Courier New" pitchFamily="49" charset="0"/>
+              </a:rPr>
+              <a:t>              </a:t>
+            </a:r>
+            <a:r>
+              <a:rPr lang="en-US" sz="1400" b="1" dirty="0" err="1" smtClean="0">
+                <a:solidFill>
+                  <a:schemeClr val="accent2"/>
+                </a:solidFill>
+                <a:latin typeface="Courier New" pitchFamily="49" charset="0"/>
+                <a:cs typeface="Courier New" pitchFamily="49" charset="0"/>
+              </a:rPr>
+              <a:t>jmp</a:t>
+            </a:r>
+            <a:r>
+              <a:rPr lang="en-US" sz="1400" b="1" dirty="0" smtClean="0">
+                <a:solidFill>
+                  <a:schemeClr val="accent2"/>
+                </a:solidFill>
+                <a:latin typeface="Courier New" pitchFamily="49" charset="0"/>
+                <a:cs typeface="Courier New" pitchFamily="49" charset="0"/>
+              </a:rPr>
+              <a:t>    </a:t>
+            </a:r>
+            <a:r>
+              <a:rPr lang="en-US" sz="1400" b="1" dirty="0" err="1" smtClean="0">
+                <a:solidFill>
+                  <a:schemeClr val="accent2"/>
+                </a:solidFill>
+                <a:latin typeface="Courier New" pitchFamily="49" charset="0"/>
+                <a:cs typeface="Courier New" pitchFamily="49" charset="0"/>
+              </a:rPr>
+              <a:t>check_btn</a:t>
+            </a:r>
+            <a:endParaRPr lang="en-US" sz="1400" b="1" dirty="0">
+              <a:solidFill>
+                <a:schemeClr val="accent2"/>
+              </a:solidFill>
+              <a:latin typeface="Courier New" pitchFamily="49" charset="0"/>
+              <a:cs typeface="Courier New" pitchFamily="49" charset="0"/>
+            </a:endParaRPr>
+          </a:p>
+          <a:p>
+            <a:pPr marL="0" indent="0">
+              <a:buNone/>
+            </a:pPr>
+            <a:endParaRPr lang="en-US" sz="1400" b="1" dirty="0">
+              <a:solidFill>
+                <a:schemeClr val="accent2"/>
+              </a:solidFill>
+              <a:latin typeface="Courier New" pitchFamily="49" charset="0"/>
+              <a:cs typeface="Courier New" pitchFamily="49" charset="0"/>
+            </a:endParaRPr>
+          </a:p>
+          <a:p>
+            <a:pPr marL="0" indent="0">
+              <a:buNone/>
+            </a:pPr>
+            <a:r>
+              <a:rPr lang="en-US" sz="1400" b="1" dirty="0" err="1">
+                <a:solidFill>
+                  <a:schemeClr val="accent2"/>
+                </a:solidFill>
+                <a:latin typeface="Courier New" pitchFamily="49" charset="0"/>
+                <a:cs typeface="Courier New" pitchFamily="49" charset="0"/>
+              </a:rPr>
+              <a:t>btn_pushed</a:t>
+            </a:r>
+            <a:r>
+              <a:rPr lang="en-US" sz="1400" b="1" dirty="0">
+                <a:solidFill>
+                  <a:schemeClr val="accent2"/>
+                </a:solidFill>
+                <a:latin typeface="Courier New" pitchFamily="49" charset="0"/>
+                <a:cs typeface="Courier New" pitchFamily="49" charset="0"/>
+              </a:rPr>
+              <a:t>:   </a:t>
+            </a:r>
+            <a:r>
+              <a:rPr lang="en-US" sz="1400" b="1" dirty="0" err="1">
+                <a:solidFill>
+                  <a:schemeClr val="accent2"/>
+                </a:solidFill>
+                <a:latin typeface="Courier New" pitchFamily="49" charset="0"/>
+                <a:cs typeface="Courier New" pitchFamily="49" charset="0"/>
+              </a:rPr>
+              <a:t>inc</a:t>
+            </a:r>
+            <a:r>
+              <a:rPr lang="en-US" sz="1400" b="1" dirty="0">
+                <a:solidFill>
+                  <a:schemeClr val="accent2"/>
+                </a:solidFill>
+                <a:latin typeface="Courier New" pitchFamily="49" charset="0"/>
+                <a:cs typeface="Courier New" pitchFamily="49" charset="0"/>
+              </a:rPr>
+              <a:t>    </a:t>
+            </a:r>
+            <a:r>
+              <a:rPr lang="en-US" sz="1400" b="1" dirty="0" smtClean="0">
+                <a:solidFill>
+                  <a:schemeClr val="accent2"/>
+                </a:solidFill>
+                <a:latin typeface="Courier New" pitchFamily="49" charset="0"/>
+                <a:cs typeface="Courier New" pitchFamily="49" charset="0"/>
+              </a:rPr>
+              <a:t>r4</a:t>
+            </a:r>
+            <a:endParaRPr lang="en-US" sz="1400" b="1" dirty="0">
+              <a:solidFill>
+                <a:schemeClr val="accent2"/>
+              </a:solidFill>
+              <a:latin typeface="Courier New" pitchFamily="49" charset="0"/>
+              <a:cs typeface="Courier New" pitchFamily="49" charset="0"/>
+            </a:endParaRPr>
+          </a:p>
+          <a:p>
+            <a:pPr marL="0" indent="0">
+              <a:buNone/>
+            </a:pPr>
+            <a:r>
+              <a:rPr lang="en-US" sz="1400" b="1" dirty="0">
+                <a:solidFill>
+                  <a:schemeClr val="accent2"/>
+                </a:solidFill>
+                <a:latin typeface="Courier New" pitchFamily="49" charset="0"/>
+                <a:cs typeface="Courier New" pitchFamily="49" charset="0"/>
+              </a:rPr>
+              <a:t>wait:         </a:t>
+            </a:r>
+            <a:r>
+              <a:rPr lang="en-US" sz="1400" b="1" dirty="0" err="1">
+                <a:solidFill>
+                  <a:schemeClr val="accent2"/>
+                </a:solidFill>
+                <a:latin typeface="Courier New" pitchFamily="49" charset="0"/>
+                <a:cs typeface="Courier New" pitchFamily="49" charset="0"/>
+              </a:rPr>
+              <a:t>bit.b</a:t>
+            </a:r>
+            <a:r>
+              <a:rPr lang="en-US" sz="1400" b="1" dirty="0">
+                <a:solidFill>
+                  <a:schemeClr val="accent2"/>
+                </a:solidFill>
+                <a:latin typeface="Courier New" pitchFamily="49" charset="0"/>
+                <a:cs typeface="Courier New" pitchFamily="49" charset="0"/>
+              </a:rPr>
+              <a:t>  #BIT3, &amp;P1IN</a:t>
+            </a:r>
+          </a:p>
+          <a:p>
+            <a:pPr marL="0" indent="0">
+              <a:buNone/>
+            </a:pPr>
+            <a:r>
+              <a:rPr lang="en-US" sz="1400" b="1" dirty="0">
+                <a:solidFill>
+                  <a:schemeClr val="accent2"/>
+                </a:solidFill>
+                <a:latin typeface="Courier New" pitchFamily="49" charset="0"/>
+                <a:cs typeface="Courier New" pitchFamily="49" charset="0"/>
+              </a:rPr>
+              <a:t>              </a:t>
+            </a:r>
+            <a:r>
+              <a:rPr lang="en-US" sz="1400" b="1" dirty="0" err="1" smtClean="0">
+                <a:solidFill>
+                  <a:schemeClr val="accent2"/>
+                </a:solidFill>
+                <a:latin typeface="Courier New" pitchFamily="49" charset="0"/>
+                <a:cs typeface="Courier New" pitchFamily="49" charset="0"/>
+              </a:rPr>
+              <a:t>jz</a:t>
+            </a:r>
+            <a:r>
+              <a:rPr lang="en-US" sz="1400" b="1" dirty="0" smtClean="0">
+                <a:solidFill>
+                  <a:schemeClr val="accent2"/>
+                </a:solidFill>
+                <a:latin typeface="Courier New" pitchFamily="49" charset="0"/>
+                <a:cs typeface="Courier New" pitchFamily="49" charset="0"/>
+              </a:rPr>
+              <a:t>     wait</a:t>
+            </a:r>
+          </a:p>
+          <a:p>
+            <a:pPr marL="0" indent="0">
+              <a:buNone/>
+            </a:pPr>
+            <a:r>
+              <a:rPr lang="en-US" sz="1400" b="1" dirty="0">
+                <a:solidFill>
+                  <a:schemeClr val="accent2"/>
+                </a:solidFill>
+                <a:latin typeface="Courier New" pitchFamily="49" charset="0"/>
+                <a:cs typeface="Courier New" pitchFamily="49" charset="0"/>
+              </a:rPr>
+              <a:t> </a:t>
+            </a:r>
+            <a:r>
+              <a:rPr lang="en-US" sz="1400" b="1" dirty="0" smtClean="0">
+                <a:solidFill>
+                  <a:schemeClr val="accent2"/>
+                </a:solidFill>
+                <a:latin typeface="Courier New" pitchFamily="49" charset="0"/>
+                <a:cs typeface="Courier New" pitchFamily="49" charset="0"/>
+              </a:rPr>
+              <a:t>             </a:t>
+            </a:r>
+            <a:r>
+              <a:rPr lang="en-US" sz="1400" b="1" dirty="0" err="1">
+                <a:solidFill>
+                  <a:schemeClr val="accent2"/>
+                </a:solidFill>
+                <a:latin typeface="Courier New" pitchFamily="49" charset="0"/>
+                <a:cs typeface="Courier New" pitchFamily="49" charset="0"/>
+              </a:rPr>
+              <a:t>inc</a:t>
+            </a:r>
+            <a:r>
+              <a:rPr lang="en-US" sz="1400" b="1" dirty="0">
+                <a:solidFill>
+                  <a:schemeClr val="accent2"/>
+                </a:solidFill>
+                <a:latin typeface="Courier New" pitchFamily="49" charset="0"/>
+                <a:cs typeface="Courier New" pitchFamily="49" charset="0"/>
+              </a:rPr>
+              <a:t>    </a:t>
+            </a:r>
+            <a:r>
+              <a:rPr lang="en-US" sz="1400" b="1" dirty="0" smtClean="0">
+                <a:solidFill>
+                  <a:schemeClr val="accent2"/>
+                </a:solidFill>
+                <a:latin typeface="Courier New" pitchFamily="49" charset="0"/>
+                <a:cs typeface="Courier New" pitchFamily="49" charset="0"/>
+              </a:rPr>
+              <a:t>r4</a:t>
+            </a:r>
+            <a:endParaRPr lang="en-US" sz="1400" b="1" dirty="0">
+              <a:solidFill>
+                <a:schemeClr val="accent2"/>
+              </a:solidFill>
+              <a:latin typeface="Courier New" pitchFamily="49" charset="0"/>
+              <a:cs typeface="Courier New" pitchFamily="49" charset="0"/>
+            </a:endParaRPr>
+          </a:p>
+          <a:p>
+            <a:pPr marL="0" indent="0">
+              <a:buNone/>
+            </a:pPr>
+            <a:r>
+              <a:rPr lang="en-US" sz="1400" b="1" dirty="0">
+                <a:solidFill>
+                  <a:schemeClr val="accent2"/>
+                </a:solidFill>
+                <a:latin typeface="Courier New" pitchFamily="49" charset="0"/>
+                <a:cs typeface="Courier New" pitchFamily="49" charset="0"/>
+              </a:rPr>
+              <a:t>              </a:t>
+            </a:r>
+            <a:r>
+              <a:rPr lang="en-US" sz="1400" b="1" dirty="0" err="1" smtClean="0">
+                <a:solidFill>
+                  <a:schemeClr val="accent2"/>
+                </a:solidFill>
+                <a:latin typeface="Courier New" pitchFamily="49" charset="0"/>
+                <a:cs typeface="Courier New" pitchFamily="49" charset="0"/>
+              </a:rPr>
+              <a:t>jmp</a:t>
+            </a:r>
+            <a:r>
+              <a:rPr lang="en-US" sz="1400" b="1" dirty="0" smtClean="0">
+                <a:solidFill>
+                  <a:schemeClr val="accent2"/>
+                </a:solidFill>
+                <a:latin typeface="Courier New" pitchFamily="49" charset="0"/>
+                <a:cs typeface="Courier New" pitchFamily="49" charset="0"/>
+              </a:rPr>
+              <a:t>    </a:t>
+            </a:r>
+            <a:r>
+              <a:rPr lang="en-US" sz="1400" b="1" dirty="0" err="1" smtClean="0">
+                <a:solidFill>
+                  <a:schemeClr val="accent2"/>
+                </a:solidFill>
+                <a:latin typeface="Courier New" pitchFamily="49" charset="0"/>
+                <a:cs typeface="Courier New" pitchFamily="49" charset="0"/>
+              </a:rPr>
+              <a:t>check_btn</a:t>
+            </a:r>
+            <a:endParaRPr lang="en-US" sz="1400" b="1" dirty="0"/>
+          </a:p>
+        </p:txBody>
+      </p:sp>
+      <p:sp>
+        <p:nvSpPr>
+          <p:cNvPr id="4" name="Right Brace 3"/>
+          <p:cNvSpPr/>
           <p:nvPr/>
-        </p:nvPicPr>
-        <p:blipFill>
-          <a:blip r:embed="rId2">
-            <a:extLst>
-              <a:ext uri="{28A0092B-C50C-407E-A947-70E740481C1C}">
-                <a14:useLocalDpi xmlns:a14="http://schemas.microsoft.com/office/drawing/2010/main" val="0"/>
-              </a:ext>
-            </a:extLst>
-          </a:blip>
-          <a:srcRect/>
-          <a:stretch>
-            <a:fillRect/>
-          </a:stretch>
-        </p:blipFill>
+        </p:nvSpPr>
         <p:spPr bwMode="auto">
           <a:xfrm>
-            <a:off x="972872" y="1646076"/>
-            <a:ext cx="6949232" cy="5211924"/>
+            <a:off x="4233041" y="3026979"/>
+            <a:ext cx="520262" cy="788276"/>
+          </a:xfrm>
+          <a:prstGeom prst="rightBrace">
+            <a:avLst/>
+          </a:prstGeom>
+          <a:noFill/>
+          <a:ln w="12700" cap="flat" cmpd="sng" algn="ctr">
+            <a:solidFill>
+              <a:schemeClr val="tx1"/>
+            </a:solidFill>
+            <a:prstDash val="solid"/>
+            <a:round/>
+            <a:headEnd type="none" w="med" len="med"/>
+            <a:tailEnd type="none" w="med" len="med"/>
+          </a:ln>
+          <a:effectLst/>
+        </p:spPr>
+        <p:txBody>
+          <a:bodyPr vert="horz" wrap="square" lIns="91440" tIns="45720" rIns="91440" bIns="45720" numCol="1" rtlCol="0" anchor="t" anchorCtr="0" compatLnSpc="1">
+            <a:prstTxWarp prst="textNoShape">
+              <a:avLst/>
+            </a:prstTxWarp>
+          </a:bodyPr>
+          <a:lstStyle/>
+          <a:p>
+            <a:pPr marL="0" marR="0" indent="0" algn="ctr" defTabSz="914400" rtl="0" eaLnBrk="0" fontAlgn="base" latinLnBrk="0" hangingPunct="0">
+              <a:lnSpc>
+                <a:spcPct val="100000"/>
+              </a:lnSpc>
+              <a:spcBef>
+                <a:spcPct val="0"/>
+              </a:spcBef>
+              <a:spcAft>
+                <a:spcPct val="0"/>
+              </a:spcAft>
+              <a:buClrTx/>
+              <a:buSzTx/>
+              <a:buFontTx/>
+              <a:buNone/>
+              <a:tabLst/>
+            </a:pPr>
+            <a:endParaRPr kumimoji="0" lang="en-US" sz="1600" b="0" i="0" u="none" strike="noStrike" cap="none" normalizeH="0" baseline="0" smtClean="0">
+              <a:ln>
+                <a:noFill/>
+              </a:ln>
+              <a:solidFill>
+                <a:schemeClr val="tx1"/>
+              </a:solidFill>
+              <a:effectLst/>
+              <a:latin typeface="Arial" charset="0"/>
+            </a:endParaRPr>
+          </a:p>
+        </p:txBody>
+      </p:sp>
+      <p:sp>
+        <p:nvSpPr>
+          <p:cNvPr id="5" name="TextBox 4"/>
+          <p:cNvSpPr txBox="1"/>
+          <p:nvPr/>
+        </p:nvSpPr>
+        <p:spPr>
+          <a:xfrm>
+            <a:off x="4753303" y="3190284"/>
+            <a:ext cx="3081293" cy="461665"/>
           </a:xfrm>
           <a:prstGeom prst="rect">
             <a:avLst/>
           </a:prstGeom>
           <a:noFill/>
-          <a:extLst>
-            <a:ext uri="{909E8E84-426E-40DD-AFC4-6F175D3DCCD1}">
-              <a14:hiddenFill xmlns:a14="http://schemas.microsoft.com/office/drawing/2010/main">
-                <a:solidFill>
-                  <a:srgbClr val="FFFFFF"/>
-                </a:solidFill>
-              </a14:hiddenFill>
-            </a:ext>
-          </a:extLst>
         </p:spPr>
-      </p:pic>
+        <p:txBody>
+          <a:bodyPr wrap="none" rtlCol="0">
+            <a:spAutoFit/>
+          </a:bodyPr>
+          <a:lstStyle/>
+          <a:p>
+            <a:r>
+              <a:rPr lang="en-US" dirty="0" smtClean="0"/>
+              <a:t>Polling for button press</a:t>
+            </a:r>
+            <a:endParaRPr lang="en-US" dirty="0"/>
+          </a:p>
+        </p:txBody>
+      </p:sp>
+      <p:sp>
+        <p:nvSpPr>
+          <p:cNvPr id="6" name="Right Brace 5"/>
+          <p:cNvSpPr/>
+          <p:nvPr/>
+        </p:nvSpPr>
+        <p:spPr bwMode="auto">
+          <a:xfrm>
+            <a:off x="4233041" y="4025263"/>
+            <a:ext cx="520262" cy="1353930"/>
+          </a:xfrm>
+          <a:prstGeom prst="rightBrace">
+            <a:avLst/>
+          </a:prstGeom>
+          <a:noFill/>
+          <a:ln w="12700" cap="flat" cmpd="sng" algn="ctr">
+            <a:solidFill>
+              <a:schemeClr val="tx1"/>
+            </a:solidFill>
+            <a:prstDash val="solid"/>
+            <a:round/>
+            <a:headEnd type="none" w="med" len="med"/>
+            <a:tailEnd type="none" w="med" len="med"/>
+          </a:ln>
+          <a:effectLst/>
+        </p:spPr>
+        <p:txBody>
+          <a:bodyPr vert="horz" wrap="square" lIns="91440" tIns="45720" rIns="91440" bIns="45720" numCol="1" rtlCol="0" anchor="t" anchorCtr="0" compatLnSpc="1">
+            <a:prstTxWarp prst="textNoShape">
+              <a:avLst/>
+            </a:prstTxWarp>
+          </a:bodyPr>
+          <a:lstStyle/>
+          <a:p>
+            <a:pPr marL="0" marR="0" indent="0" algn="ctr" defTabSz="914400" rtl="0" eaLnBrk="0" fontAlgn="base" latinLnBrk="0" hangingPunct="0">
+              <a:lnSpc>
+                <a:spcPct val="100000"/>
+              </a:lnSpc>
+              <a:spcBef>
+                <a:spcPct val="0"/>
+              </a:spcBef>
+              <a:spcAft>
+                <a:spcPct val="0"/>
+              </a:spcAft>
+              <a:buClrTx/>
+              <a:buSzTx/>
+              <a:buFontTx/>
+              <a:buNone/>
+              <a:tabLst/>
+            </a:pPr>
+            <a:endParaRPr kumimoji="0" lang="en-US" sz="1600" b="0" i="0" u="none" strike="noStrike" cap="none" normalizeH="0" baseline="0" smtClean="0">
+              <a:ln>
+                <a:noFill/>
+              </a:ln>
+              <a:solidFill>
+                <a:schemeClr val="tx1"/>
+              </a:solidFill>
+              <a:effectLst/>
+              <a:latin typeface="Arial" charset="0"/>
+            </a:endParaRPr>
+          </a:p>
+        </p:txBody>
+      </p:sp>
+      <p:sp>
+        <p:nvSpPr>
+          <p:cNvPr id="7" name="TextBox 6"/>
+          <p:cNvSpPr txBox="1"/>
+          <p:nvPr/>
+        </p:nvSpPr>
+        <p:spPr>
+          <a:xfrm>
+            <a:off x="4753303" y="4286729"/>
+            <a:ext cx="3476297" cy="830997"/>
+          </a:xfrm>
+          <a:prstGeom prst="rect">
+            <a:avLst/>
+          </a:prstGeom>
+          <a:noFill/>
+        </p:spPr>
+        <p:txBody>
+          <a:bodyPr wrap="square" rtlCol="0">
+            <a:spAutoFit/>
+          </a:bodyPr>
+          <a:lstStyle/>
+          <a:p>
+            <a:r>
+              <a:rPr lang="en-US" dirty="0" smtClean="0"/>
+              <a:t>Subroutine to handle button press</a:t>
+            </a:r>
+            <a:endParaRPr lang="en-US" dirty="0"/>
+          </a:p>
+        </p:txBody>
+      </p:sp>
+      <p:sp>
+        <p:nvSpPr>
+          <p:cNvPr id="8" name="Rectangle 7"/>
+          <p:cNvSpPr/>
+          <p:nvPr/>
+        </p:nvSpPr>
+        <p:spPr bwMode="auto">
+          <a:xfrm>
+            <a:off x="985345" y="5549462"/>
+            <a:ext cx="6629400" cy="740979"/>
+          </a:xfrm>
+          <a:prstGeom prst="rect">
+            <a:avLst/>
+          </a:prstGeom>
+          <a:solidFill>
+            <a:srgbClr val="0070C0"/>
+          </a:solidFill>
+          <a:ln w="12700" cap="flat" cmpd="sng" algn="ctr">
+            <a:solidFill>
+              <a:srgbClr val="00B0F0"/>
+            </a:solidFill>
+            <a:prstDash val="solid"/>
+            <a:round/>
+            <a:headEnd type="none" w="med" len="med"/>
+            <a:tailEnd type="none" w="med" len="med"/>
+          </a:ln>
+          <a:effectLst/>
+        </p:spPr>
+        <p:txBody>
+          <a:bodyPr vert="horz" wrap="square" lIns="91440" tIns="45720" rIns="91440" bIns="45720" numCol="1" rtlCol="0" anchor="ctr" anchorCtr="0" compatLnSpc="1">
+            <a:prstTxWarp prst="textNoShape">
+              <a:avLst/>
+            </a:prstTxWarp>
+          </a:bodyPr>
+          <a:lstStyle/>
+          <a:p>
+            <a:pPr marL="0" marR="0" indent="0" algn="ctr" defTabSz="914400" rtl="0" eaLnBrk="0" fontAlgn="base" latinLnBrk="0" hangingPunct="0">
+              <a:lnSpc>
+                <a:spcPct val="100000"/>
+              </a:lnSpc>
+              <a:spcBef>
+                <a:spcPct val="0"/>
+              </a:spcBef>
+              <a:spcAft>
+                <a:spcPct val="0"/>
+              </a:spcAft>
+              <a:buClrTx/>
+              <a:buSzTx/>
+              <a:buFontTx/>
+              <a:buNone/>
+              <a:tabLst/>
+            </a:pPr>
+            <a:r>
+              <a:rPr kumimoji="0" lang="en-US" sz="1600" b="0" i="0" u="none" strike="noStrike" cap="none" normalizeH="0" baseline="0" dirty="0" smtClean="0">
+                <a:ln>
+                  <a:noFill/>
+                </a:ln>
+                <a:solidFill>
+                  <a:schemeClr val="bg1"/>
+                </a:solidFill>
+                <a:effectLst/>
+                <a:latin typeface="Arial" charset="0"/>
+              </a:rPr>
+              <a:t>So how does bouncing effect this software?</a:t>
+            </a:r>
+          </a:p>
+        </p:txBody>
+      </p:sp>
+      <p:sp>
+        <p:nvSpPr>
+          <p:cNvPr id="9" name="Rectangular Callout 8"/>
+          <p:cNvSpPr/>
+          <p:nvPr/>
+        </p:nvSpPr>
+        <p:spPr bwMode="auto">
+          <a:xfrm>
+            <a:off x="4970721" y="1786270"/>
+            <a:ext cx="3046228" cy="919716"/>
+          </a:xfrm>
+          <a:prstGeom prst="wedgeRectCallout">
+            <a:avLst>
+              <a:gd name="adj1" fmla="val -140903"/>
+              <a:gd name="adj2" fmla="val 123194"/>
+            </a:avLst>
+          </a:prstGeom>
+          <a:solidFill>
+            <a:srgbClr val="FFFF00"/>
+          </a:solidFill>
+          <a:ln w="12700" cap="flat" cmpd="sng" algn="ctr">
+            <a:solidFill>
+              <a:schemeClr val="tx1"/>
+            </a:solidFill>
+            <a:prstDash val="solid"/>
+            <a:round/>
+            <a:headEnd type="none" w="med" len="med"/>
+            <a:tailEnd type="none" w="med" len="med"/>
+          </a:ln>
+          <a:effectLst/>
+        </p:spPr>
+        <p:txBody>
+          <a:bodyPr vert="horz" wrap="square" lIns="91440" tIns="45720" rIns="91440" bIns="45720" numCol="1" rtlCol="0" anchor="t" anchorCtr="0" compatLnSpc="1">
+            <a:prstTxWarp prst="textNoShape">
+              <a:avLst/>
+            </a:prstTxWarp>
+          </a:bodyPr>
+          <a:lstStyle/>
+          <a:p>
+            <a:pPr marL="0" marR="0" indent="0" algn="ctr" defTabSz="914400" rtl="0" eaLnBrk="0" fontAlgn="base" latinLnBrk="0" hangingPunct="0">
+              <a:lnSpc>
+                <a:spcPct val="100000"/>
+              </a:lnSpc>
+              <a:spcBef>
+                <a:spcPct val="0"/>
+              </a:spcBef>
+              <a:spcAft>
+                <a:spcPct val="0"/>
+              </a:spcAft>
+              <a:buClrTx/>
+              <a:buSzTx/>
+              <a:buFontTx/>
+              <a:buNone/>
+              <a:tabLst/>
+            </a:pPr>
+            <a:r>
+              <a:rPr kumimoji="0" lang="en-US" sz="1600" b="0" i="0" u="none" strike="noStrike" cap="none" normalizeH="0" baseline="0" dirty="0" smtClean="0">
+                <a:ln>
+                  <a:noFill/>
+                </a:ln>
+                <a:solidFill>
+                  <a:schemeClr val="tx1"/>
+                </a:solidFill>
+                <a:effectLst/>
+                <a:latin typeface="Arial" charset="0"/>
+              </a:rPr>
+              <a:t>When pressed, our buttons give a 0 (False). Said another way, they are active low.</a:t>
+            </a:r>
+            <a:endParaRPr kumimoji="0" lang="en-US" sz="1600" b="0" i="0" u="none" strike="noStrike" cap="none" normalizeH="0" baseline="0" dirty="0" smtClean="0">
+              <a:ln>
+                <a:noFill/>
+              </a:ln>
+              <a:solidFill>
+                <a:schemeClr val="tx1"/>
+              </a:solidFill>
+              <a:effectLst/>
+              <a:latin typeface="Arial" charset="0"/>
+            </a:endParaRPr>
+          </a:p>
+        </p:txBody>
+      </p:sp>
     </p:spTree>
     <p:extLst>
       <p:ext uri="{BB962C8B-B14F-4D97-AF65-F5344CB8AC3E}">
-        <p14:creationId xmlns:p14="http://schemas.microsoft.com/office/powerpoint/2010/main" val="22206249"/>
+        <p14:creationId xmlns:p14="http://schemas.microsoft.com/office/powerpoint/2010/main" val="879254010"/>
       </p:ext>
     </p:extLst>
   </p:cSld>

--- a/source/lessons/lsn14-15/Lsn14-15.pptx
+++ b/source/lessons/lsn14-15/Lsn14-15.pptx
@@ -7,10 +7,10 @@
     <p:sldMasterId id="2147483667" r:id="rId3"/>
   </p:sldMasterIdLst>
   <p:notesMasterIdLst>
-    <p:notesMasterId r:id="rId27"/>
+    <p:notesMasterId r:id="rId28"/>
   </p:notesMasterIdLst>
   <p:handoutMasterIdLst>
-    <p:handoutMasterId r:id="rId28"/>
+    <p:handoutMasterId r:id="rId29"/>
   </p:handoutMasterIdLst>
   <p:sldIdLst>
     <p:sldId id="352" r:id="rId4"/>
@@ -33,9 +33,10 @@
     <p:sldId id="374" r:id="rId21"/>
     <p:sldId id="375" r:id="rId22"/>
     <p:sldId id="376" r:id="rId23"/>
-    <p:sldId id="353" r:id="rId24"/>
-    <p:sldId id="358" r:id="rId25"/>
-    <p:sldId id="373" r:id="rId26"/>
+    <p:sldId id="383" r:id="rId24"/>
+    <p:sldId id="353" r:id="rId25"/>
+    <p:sldId id="358" r:id="rId26"/>
+    <p:sldId id="373" r:id="rId27"/>
   </p:sldIdLst>
   <p:sldSz cx="9144000" cy="6858000" type="screen4x3"/>
   <p:notesSz cx="7010400" cy="9296400"/>
@@ -1373,7 +1374,7 @@
           <a:p>
             <a:fld id="{834513E8-165F-4932-9E2D-FD497CB9A4FD}" type="datetimeFigureOut">
               <a:rPr lang="en-US" smtClean="0"/>
-              <a:t>8/16/2018</a:t>
+              <a:t>8/21/2018</a:t>
             </a:fld>
             <a:endParaRPr lang="en-US"/>
           </a:p>
@@ -1650,7 +1651,7 @@
           <a:p>
             <a:fld id="{834513E8-165F-4932-9E2D-FD497CB9A4FD}" type="datetimeFigureOut">
               <a:rPr lang="en-US" smtClean="0"/>
-              <a:t>8/16/2018</a:t>
+              <a:t>8/21/2018</a:t>
             </a:fld>
             <a:endParaRPr lang="en-US"/>
           </a:p>
@@ -1903,7 +1904,7 @@
           <a:p>
             <a:fld id="{834513E8-165F-4932-9E2D-FD497CB9A4FD}" type="datetimeFigureOut">
               <a:rPr lang="en-US" smtClean="0"/>
-              <a:t>8/16/2018</a:t>
+              <a:t>8/21/2018</a:t>
             </a:fld>
             <a:endParaRPr lang="en-US"/>
           </a:p>
@@ -2073,7 +2074,7 @@
           <a:p>
             <a:fld id="{834513E8-165F-4932-9E2D-FD497CB9A4FD}" type="datetimeFigureOut">
               <a:rPr lang="en-US" smtClean="0"/>
-              <a:t>8/16/2018</a:t>
+              <a:t>8/21/2018</a:t>
             </a:fld>
             <a:endParaRPr lang="en-US"/>
           </a:p>
@@ -2253,7 +2254,7 @@
           <a:p>
             <a:fld id="{834513E8-165F-4932-9E2D-FD497CB9A4FD}" type="datetimeFigureOut">
               <a:rPr lang="en-US" smtClean="0"/>
-              <a:t>8/16/2018</a:t>
+              <a:t>8/21/2018</a:t>
             </a:fld>
             <a:endParaRPr lang="en-US"/>
           </a:p>
@@ -2997,7 +2998,7 @@
           <a:p>
             <a:fld id="{834513E8-165F-4932-9E2D-FD497CB9A4FD}" type="datetimeFigureOut">
               <a:rPr lang="en-US" smtClean="0"/>
-              <a:t>8/16/2018</a:t>
+              <a:t>8/21/2018</a:t>
             </a:fld>
             <a:endParaRPr lang="en-US"/>
           </a:p>
@@ -3167,7 +3168,7 @@
           <a:p>
             <a:fld id="{834513E8-165F-4932-9E2D-FD497CB9A4FD}" type="datetimeFigureOut">
               <a:rPr lang="en-US" smtClean="0"/>
-              <a:t>8/16/2018</a:t>
+              <a:t>8/21/2018</a:t>
             </a:fld>
             <a:endParaRPr lang="en-US"/>
           </a:p>
@@ -3413,7 +3414,7 @@
           <a:p>
             <a:fld id="{834513E8-165F-4932-9E2D-FD497CB9A4FD}" type="datetimeFigureOut">
               <a:rPr lang="en-US" smtClean="0"/>
-              <a:t>8/16/2018</a:t>
+              <a:t>8/21/2018</a:t>
             </a:fld>
             <a:endParaRPr lang="en-US"/>
           </a:p>
@@ -3645,7 +3646,7 @@
           <a:p>
             <a:fld id="{834513E8-165F-4932-9E2D-FD497CB9A4FD}" type="datetimeFigureOut">
               <a:rPr lang="en-US" smtClean="0"/>
-              <a:t>8/16/2018</a:t>
+              <a:t>8/21/2018</a:t>
             </a:fld>
             <a:endParaRPr lang="en-US"/>
           </a:p>
@@ -4012,7 +4013,7 @@
           <a:p>
             <a:fld id="{834513E8-165F-4932-9E2D-FD497CB9A4FD}" type="datetimeFigureOut">
               <a:rPr lang="en-US" smtClean="0"/>
-              <a:t>8/16/2018</a:t>
+              <a:t>8/21/2018</a:t>
             </a:fld>
             <a:endParaRPr lang="en-US"/>
           </a:p>
@@ -4130,7 +4131,7 @@
           <a:p>
             <a:fld id="{834513E8-165F-4932-9E2D-FD497CB9A4FD}" type="datetimeFigureOut">
               <a:rPr lang="en-US" smtClean="0"/>
-              <a:t>8/16/2018</a:t>
+              <a:t>8/21/2018</a:t>
             </a:fld>
             <a:endParaRPr lang="en-US"/>
           </a:p>
@@ -5946,7 +5947,7 @@
           <a:p>
             <a:fld id="{834513E8-165F-4932-9E2D-FD497CB9A4FD}" type="datetimeFigureOut">
               <a:rPr lang="en-US" smtClean="0"/>
-              <a:t>8/16/2018</a:t>
+              <a:t>8/21/2018</a:t>
             </a:fld>
             <a:endParaRPr lang="en-US"/>
           </a:p>
@@ -7313,16 +7314,6 @@
               </a:rPr>
               <a:t>Let’s zoom in and see this better!</a:t>
             </a:r>
-            <a:endParaRPr kumimoji="0" lang="en-US" sz="1600" b="0" i="0" u="none" strike="noStrike" cap="none" normalizeH="0" baseline="0" dirty="0" smtClean="0">
-              <a:ln>
-                <a:noFill/>
-              </a:ln>
-              <a:solidFill>
-                <a:schemeClr val="tx1"/>
-              </a:solidFill>
-              <a:effectLst/>
-              <a:latin typeface="Arial" charset="0"/>
-            </a:endParaRPr>
           </a:p>
         </p:txBody>
       </p:sp>
@@ -8607,47 +8598,17 @@
                 <a:latin typeface="Courier New" pitchFamily="49" charset="0"/>
                 <a:cs typeface="Courier New" pitchFamily="49" charset="0"/>
               </a:rPr>
-              <a:t>                                         </a:t>
+              <a:t>                                              </a:t>
             </a:r>
             <a:r>
               <a:rPr lang="en-US" sz="1400" b="1" dirty="0" smtClean="0">
                 <a:solidFill>
-                  <a:srgbClr val="00B050"/>
-                </a:solidFill>
-                <a:latin typeface="Courier New" pitchFamily="49" charset="0"/>
-                <a:cs typeface="Courier New" pitchFamily="49" charset="0"/>
-              </a:rPr>
-              <a:t>     </a:t>
-            </a:r>
-            <a:r>
-              <a:rPr lang="en-US" sz="1400" b="1" dirty="0" smtClean="0">
-                <a:solidFill>
                   <a:srgbClr val="FF0000"/>
                 </a:solidFill>
                 <a:latin typeface="Courier New" pitchFamily="49" charset="0"/>
                 <a:cs typeface="Courier New" pitchFamily="49" charset="0"/>
               </a:rPr>
-              <a:t>; </a:t>
-            </a:r>
-            <a:r>
-              <a:rPr lang="en-US" sz="1400" b="1" dirty="0" smtClean="0">
-                <a:solidFill>
-                  <a:srgbClr val="FF0000"/>
-                </a:solidFill>
-                <a:latin typeface="Courier New" pitchFamily="49" charset="0"/>
-                <a:cs typeface="Courier New" pitchFamily="49" charset="0"/>
-              </a:rPr>
-              <a:t>no </a:t>
-            </a:r>
-            <a:r>
-              <a:rPr lang="en-US" sz="1400" b="1" dirty="0" smtClean="0">
-                <a:solidFill>
-                  <a:srgbClr val="FF0000"/>
-                </a:solidFill>
-                <a:latin typeface="Courier New" pitchFamily="49" charset="0"/>
-                <a:cs typeface="Courier New" pitchFamily="49" charset="0"/>
-              </a:rPr>
-              <a:t>1, emulated sub </a:t>
+              <a:t>; no 1, emulated sub </a:t>
             </a:r>
             <a:r>
               <a:rPr lang="en-US" sz="1400" b="1" dirty="0" err="1" smtClean="0">
@@ -8982,11 +8943,7 @@
             </a:pPr>
             <a:r>
               <a:rPr lang="en-US" sz="1400" b="1" dirty="0" smtClean="0"/>
-              <a:t>So, How long in time is this</a:t>
-            </a:r>
-            <a:r>
-              <a:rPr lang="en-US" sz="1400" b="1" dirty="0" smtClean="0"/>
-              <a:t>? </a:t>
+              <a:t>So, How long in time is this? </a:t>
             </a:r>
           </a:p>
           <a:p>
@@ -12046,7 +12003,7 @@
         <p:spPr>
           <a:xfrm>
             <a:off x="4348391" y="4811526"/>
-            <a:ext cx="4543097" cy="1200329"/>
+            <a:ext cx="4543097" cy="1015663"/>
           </a:xfrm>
           <a:prstGeom prst="rect">
             <a:avLst/>
@@ -12060,10 +12017,69 @@
           <a:lstStyle/>
           <a:p>
             <a:r>
-              <a:rPr lang="en-US" dirty="0" smtClean="0"/>
+              <a:rPr lang="en-US" sz="2000" dirty="0" smtClean="0"/>
               <a:t>Being able to “see” what is coming into and out of our microcontroller is very useful (debugging)</a:t>
             </a:r>
-            <a:endParaRPr lang="en-US" dirty="0"/>
+            <a:endParaRPr lang="en-US" sz="2000" dirty="0"/>
+          </a:p>
+        </p:txBody>
+      </p:sp>
+      <p:sp>
+        <p:nvSpPr>
+          <p:cNvPr id="6" name="Rectangle 5"/>
+          <p:cNvSpPr/>
+          <p:nvPr/>
+        </p:nvSpPr>
+        <p:spPr>
+          <a:xfrm>
+            <a:off x="365760" y="5671943"/>
+            <a:ext cx="5789983" cy="923330"/>
+          </a:xfrm>
+          <a:prstGeom prst="rect">
+            <a:avLst/>
+          </a:prstGeom>
+          <a:noFill/>
+        </p:spPr>
+        <p:txBody>
+          <a:bodyPr wrap="none" lIns="91440" tIns="45720" rIns="91440" bIns="45720">
+            <a:spAutoFit/>
+          </a:bodyPr>
+          <a:lstStyle/>
+          <a:p>
+            <a:pPr algn="ctr"/>
+            <a:r>
+              <a:rPr lang="en-US" sz="5400" b="1" cap="none" spc="0" dirty="0" smtClean="0">
+                <a:ln w="22225">
+                  <a:solidFill>
+                    <a:schemeClr val="accent2"/>
+                  </a:solidFill>
+                  <a:prstDash val="solid"/>
+                </a:ln>
+                <a:solidFill>
+                  <a:schemeClr val="accent2">
+                    <a:lumMod val="40000"/>
+                    <a:lumOff val="60000"/>
+                  </a:schemeClr>
+                </a:solidFill>
+                <a:effectLst/>
+              </a:rPr>
+              <a:t>Go To Lab for ICE</a:t>
+            </a:r>
+            <a:endParaRPr lang="en-US" sz="5400" b="1" cap="none" spc="0" dirty="0">
+              <a:ln w="22225">
+                <a:solidFill>
+                  <a:schemeClr val="accent2"/>
+                </a:solidFill>
+                <a:prstDash val="solid"/>
+              </a:ln>
+              <a:solidFill>
+                <a:schemeClr val="accent2">
+                  <a:lumMod val="40000"/>
+                  <a:lumOff val="60000"/>
+                </a:schemeClr>
+              </a:solidFill>
+              <a:effectLst/>
+            </a:endParaRPr>
           </a:p>
         </p:txBody>
       </p:sp>
@@ -12857,6 +12873,117 @@
       </p:grpSpPr>
       <p:sp>
         <p:nvSpPr>
+          <p:cNvPr id="2" name="Title 1"/>
+          <p:cNvSpPr>
+            <a:spLocks noGrp="1"/>
+          </p:cNvSpPr>
+          <p:nvPr>
+            <p:ph type="title"/>
+          </p:nvPr>
+        </p:nvSpPr>
+        <p:spPr/>
+        <p:txBody>
+          <a:bodyPr/>
+          <a:lstStyle/>
+          <a:p>
+            <a:r>
+              <a:rPr lang="en-US" dirty="0" smtClean="0"/>
+              <a:t>ICE</a:t>
+            </a:r>
+            <a:endParaRPr lang="en-US" dirty="0"/>
+          </a:p>
+        </p:txBody>
+      </p:sp>
+      <p:sp>
+        <p:nvSpPr>
+          <p:cNvPr id="3" name="Content Placeholder 2"/>
+          <p:cNvSpPr>
+            <a:spLocks noGrp="1"/>
+          </p:cNvSpPr>
+          <p:nvPr>
+            <p:ph idx="1"/>
+          </p:nvPr>
+        </p:nvSpPr>
+        <p:spPr/>
+        <p:txBody>
+          <a:bodyPr/>
+          <a:lstStyle/>
+          <a:p>
+            <a:r>
+              <a:rPr lang="en-US" dirty="0" smtClean="0"/>
+              <a:t>Now let’s do this in class</a:t>
+            </a:r>
+          </a:p>
+          <a:p>
+            <a:pPr lvl="1"/>
+            <a:r>
+              <a:rPr lang="en-US" dirty="0" smtClean="0"/>
+              <a:t>Use the DCO calibration </a:t>
+            </a:r>
+            <a:r>
+              <a:rPr lang="en-US" dirty="0" err="1" smtClean="0"/>
+              <a:t>asm</a:t>
+            </a:r>
+            <a:r>
+              <a:rPr lang="en-US" dirty="0" smtClean="0"/>
+              <a:t> (on website for this lesson) to measure your button’s bounce</a:t>
+            </a:r>
+          </a:p>
+          <a:p>
+            <a:pPr lvl="2"/>
+            <a:r>
+              <a:rPr lang="en-US" dirty="0" smtClean="0"/>
+              <a:t>You will need to use a logic analyzer</a:t>
+            </a:r>
+          </a:p>
+          <a:p>
+            <a:pPr lvl="1"/>
+            <a:r>
+              <a:rPr lang="en-US" dirty="0" smtClean="0"/>
+              <a:t>Write a SW delay as discussed in class</a:t>
+            </a:r>
+          </a:p>
+        </p:txBody>
+      </p:sp>
+    </p:spTree>
+    <p:extLst>
+      <p:ext uri="{BB962C8B-B14F-4D97-AF65-F5344CB8AC3E}">
+        <p14:creationId xmlns:p14="http://schemas.microsoft.com/office/powerpoint/2010/main" val="3015899397"/>
+      </p:ext>
+    </p:extLst>
+  </p:cSld>
+  <p:clrMapOvr>
+    <a:masterClrMapping/>
+  </p:clrMapOvr>
+  <p:timing>
+    <p:tnLst>
+      <p:par>
+        <p:cTn id="1" dur="indefinite" restart="never" nodeType="tmRoot"/>
+      </p:par>
+    </p:tnLst>
+  </p:timing>
+</p:sld>
+</file>
+
+<file path=ppt/slides/slide22.xml><?xml version="1.0" encoding="utf-8"?>
+<p:sld xmlns:a="http://schemas.openxmlformats.org/drawingml/2006/main" xmlns:r="http://schemas.openxmlformats.org/officeDocument/2006/relationships" xmlns:p="http://schemas.openxmlformats.org/presentationml/2006/main">
+  <p:cSld>
+    <p:spTree>
+      <p:nvGrpSpPr>
+        <p:cNvPr id="1" name=""/>
+        <p:cNvGrpSpPr/>
+        <p:nvPr/>
+      </p:nvGrpSpPr>
+      <p:grpSpPr>
+        <a:xfrm>
+          <a:off x="0" y="0"/>
+          <a:ext cx="0" cy="0"/>
+          <a:chOff x="0" y="0"/>
+          <a:chExt cx="0" cy="0"/>
+        </a:xfrm>
+      </p:grpSpPr>
+      <p:sp>
+        <p:nvSpPr>
           <p:cNvPr id="5" name="Subtitle 4"/>
           <p:cNvSpPr>
             <a:spLocks noGrp="1"/>
@@ -12918,7 +13045,7 @@
 </p:sld>
 </file>
 
-<file path=ppt/slides/slide22.xml><?xml version="1.0" encoding="utf-8"?>
+<file path=ppt/slides/slide23.xml><?xml version="1.0" encoding="utf-8"?>
 <p:sld xmlns:a="http://schemas.openxmlformats.org/drawingml/2006/main" xmlns:r="http://schemas.openxmlformats.org/officeDocument/2006/relationships" xmlns:p="http://schemas.openxmlformats.org/presentationml/2006/main">
   <p:cSld>
     <p:spTree>
@@ -13192,7 +13319,7 @@
 </p:sld>
 </file>
 
-<file path=ppt/slides/slide23.xml><?xml version="1.0" encoding="utf-8"?>
+<file path=ppt/slides/slide24.xml><?xml version="1.0" encoding="utf-8"?>
 <p:sld xmlns:a="http://schemas.openxmlformats.org/drawingml/2006/main" xmlns:r="http://schemas.openxmlformats.org/officeDocument/2006/relationships" xmlns:p="http://schemas.openxmlformats.org/presentationml/2006/main">
   <p:cSld>
     <p:spTree>
@@ -16627,16 +16754,6 @@
               </a:rPr>
               <a:t>When pressed, our buttons give a 0 (False). Said another way, they are active low.</a:t>
             </a:r>
-            <a:endParaRPr kumimoji="0" lang="en-US" sz="1600" b="0" i="0" u="none" strike="noStrike" cap="none" normalizeH="0" baseline="0" dirty="0" smtClean="0">
-              <a:ln>
-                <a:noFill/>
-              </a:ln>
-              <a:solidFill>
-                <a:schemeClr val="tx1"/>
-              </a:solidFill>
-              <a:effectLst/>
-              <a:latin typeface="Arial" charset="0"/>
-            </a:endParaRPr>
           </a:p>
         </p:txBody>
       </p:sp>
@@ -16653,9 +16770,80 @@
   <p:timing>
     <p:tnLst>
       <p:par>
-        <p:cTn id="1" dur="indefinite" restart="never" nodeType="tmRoot"/>
+        <p:cTn id="1" dur="indefinite" restart="never" nodeType="tmRoot">
+          <p:childTnLst>
+            <p:seq concurrent="1" nextAc="seek">
+              <p:cTn id="2" dur="indefinite" nodeType="mainSeq">
+                <p:childTnLst>
+                  <p:par>
+                    <p:cTn id="3" fill="hold">
+                      <p:stCondLst>
+                        <p:cond delay="indefinite"/>
+                      </p:stCondLst>
+                      <p:childTnLst>
+                        <p:par>
+                          <p:cTn id="4" fill="hold">
+                            <p:stCondLst>
+                              <p:cond delay="0"/>
+                            </p:stCondLst>
+                            <p:childTnLst>
+                              <p:par>
+                                <p:cTn id="5" presetID="1" presetClass="entr" presetSubtype="0" fill="hold" grpId="0" nodeType="clickEffect">
+                                  <p:stCondLst>
+                                    <p:cond delay="0"/>
+                                  </p:stCondLst>
+                                  <p:childTnLst>
+                                    <p:set>
+                                      <p:cBhvr>
+                                        <p:cTn id="6" dur="1" fill="hold">
+                                          <p:stCondLst>
+                                            <p:cond delay="0"/>
+                                          </p:stCondLst>
+                                        </p:cTn>
+                                        <p:tgtEl>
+                                          <p:spTgt spid="9"/>
+                                        </p:tgtEl>
+                                        <p:attrNameLst>
+                                          <p:attrName>style.visibility</p:attrName>
+                                        </p:attrNameLst>
+                                      </p:cBhvr>
+                                      <p:to>
+                                        <p:strVal val="visible"/>
+                                      </p:to>
+                                    </p:set>
+                                  </p:childTnLst>
+                                </p:cTn>
+                              </p:par>
+                            </p:childTnLst>
+                          </p:cTn>
+                        </p:par>
+                      </p:childTnLst>
+                    </p:cTn>
+                  </p:par>
+                </p:childTnLst>
+              </p:cTn>
+              <p:prevCondLst>
+                <p:cond evt="onPrev" delay="0">
+                  <p:tgtEl>
+                    <p:sldTgt/>
+                  </p:tgtEl>
+                </p:cond>
+              </p:prevCondLst>
+              <p:nextCondLst>
+                <p:cond evt="onNext" delay="0">
+                  <p:tgtEl>
+                    <p:sldTgt/>
+                  </p:tgtEl>
+                </p:cond>
+              </p:nextCondLst>
+            </p:seq>
+          </p:childTnLst>
+        </p:cTn>
       </p:par>
     </p:tnLst>
+    <p:bldLst>
+      <p:bldP spid="9" grpId="0" animBg="1"/>
+    </p:bldLst>
   </p:timing>
 </p:sld>
 </file>

--- a/source/lessons/lsn14-15/Lsn14-15.pptx
+++ b/source/lessons/lsn14-15/Lsn14-15.pptx
@@ -1374,7 +1374,7 @@
           <a:p>
             <a:fld id="{834513E8-165F-4932-9E2D-FD497CB9A4FD}" type="datetimeFigureOut">
               <a:rPr lang="en-US" smtClean="0"/>
-              <a:t>8/21/2018</a:t>
+              <a:t>9/11/2018</a:t>
             </a:fld>
             <a:endParaRPr lang="en-US"/>
           </a:p>
@@ -1651,7 +1651,7 @@
           <a:p>
             <a:fld id="{834513E8-165F-4932-9E2D-FD497CB9A4FD}" type="datetimeFigureOut">
               <a:rPr lang="en-US" smtClean="0"/>
-              <a:t>8/21/2018</a:t>
+              <a:t>9/11/2018</a:t>
             </a:fld>
             <a:endParaRPr lang="en-US"/>
           </a:p>
@@ -1904,7 +1904,7 @@
           <a:p>
             <a:fld id="{834513E8-165F-4932-9E2D-FD497CB9A4FD}" type="datetimeFigureOut">
               <a:rPr lang="en-US" smtClean="0"/>
-              <a:t>8/21/2018</a:t>
+              <a:t>9/11/2018</a:t>
             </a:fld>
             <a:endParaRPr lang="en-US"/>
           </a:p>
@@ -2074,7 +2074,7 @@
           <a:p>
             <a:fld id="{834513E8-165F-4932-9E2D-FD497CB9A4FD}" type="datetimeFigureOut">
               <a:rPr lang="en-US" smtClean="0"/>
-              <a:t>8/21/2018</a:t>
+              <a:t>9/11/2018</a:t>
             </a:fld>
             <a:endParaRPr lang="en-US"/>
           </a:p>
@@ -2254,7 +2254,7 @@
           <a:p>
             <a:fld id="{834513E8-165F-4932-9E2D-FD497CB9A4FD}" type="datetimeFigureOut">
               <a:rPr lang="en-US" smtClean="0"/>
-              <a:t>8/21/2018</a:t>
+              <a:t>9/11/2018</a:t>
             </a:fld>
             <a:endParaRPr lang="en-US"/>
           </a:p>
@@ -2998,7 +2998,7 @@
           <a:p>
             <a:fld id="{834513E8-165F-4932-9E2D-FD497CB9A4FD}" type="datetimeFigureOut">
               <a:rPr lang="en-US" smtClean="0"/>
-              <a:t>8/21/2018</a:t>
+              <a:t>9/11/2018</a:t>
             </a:fld>
             <a:endParaRPr lang="en-US"/>
           </a:p>
@@ -3168,7 +3168,7 @@
           <a:p>
             <a:fld id="{834513E8-165F-4932-9E2D-FD497CB9A4FD}" type="datetimeFigureOut">
               <a:rPr lang="en-US" smtClean="0"/>
-              <a:t>8/21/2018</a:t>
+              <a:t>9/11/2018</a:t>
             </a:fld>
             <a:endParaRPr lang="en-US"/>
           </a:p>
@@ -3414,7 +3414,7 @@
           <a:p>
             <a:fld id="{834513E8-165F-4932-9E2D-FD497CB9A4FD}" type="datetimeFigureOut">
               <a:rPr lang="en-US" smtClean="0"/>
-              <a:t>8/21/2018</a:t>
+              <a:t>9/11/2018</a:t>
             </a:fld>
             <a:endParaRPr lang="en-US"/>
           </a:p>
@@ -3646,7 +3646,7 @@
           <a:p>
             <a:fld id="{834513E8-165F-4932-9E2D-FD497CB9A4FD}" type="datetimeFigureOut">
               <a:rPr lang="en-US" smtClean="0"/>
-              <a:t>8/21/2018</a:t>
+              <a:t>9/11/2018</a:t>
             </a:fld>
             <a:endParaRPr lang="en-US"/>
           </a:p>
@@ -4013,7 +4013,7 @@
           <a:p>
             <a:fld id="{834513E8-165F-4932-9E2D-FD497CB9A4FD}" type="datetimeFigureOut">
               <a:rPr lang="en-US" smtClean="0"/>
-              <a:t>8/21/2018</a:t>
+              <a:t>9/11/2018</a:t>
             </a:fld>
             <a:endParaRPr lang="en-US"/>
           </a:p>
@@ -4131,7 +4131,7 @@
           <a:p>
             <a:fld id="{834513E8-165F-4932-9E2D-FD497CB9A4FD}" type="datetimeFigureOut">
               <a:rPr lang="en-US" smtClean="0"/>
-              <a:t>8/21/2018</a:t>
+              <a:t>9/11/2018</a:t>
             </a:fld>
             <a:endParaRPr lang="en-US"/>
           </a:p>
@@ -5947,7 +5947,7 @@
           <a:p>
             <a:fld id="{834513E8-165F-4932-9E2D-FD497CB9A4FD}" type="datetimeFigureOut">
               <a:rPr lang="en-US" smtClean="0"/>
-              <a:t>8/21/2018</a:t>
+              <a:t>9/11/2018</a:t>
             </a:fld>
             <a:endParaRPr lang="en-US"/>
           </a:p>
@@ -12032,8 +12032,8 @@
         </p:nvSpPr>
         <p:spPr>
           <a:xfrm>
-            <a:off x="365760" y="5671943"/>
-            <a:ext cx="5789983" cy="923330"/>
+            <a:off x="252512" y="5787440"/>
+            <a:ext cx="5960542" cy="646331"/>
           </a:xfrm>
           <a:prstGeom prst="rect">
             <a:avLst/>
@@ -12048,7 +12048,7 @@
           <a:p>
             <a:pPr algn="ctr"/>
             <a:r>
-              <a:rPr lang="en-US" sz="5400" b="1" cap="none" spc="0" dirty="0" smtClean="0">
+              <a:rPr lang="en-US" sz="3600" b="1" cap="none" spc="0" dirty="0" smtClean="0">
                 <a:ln w="22225">
                   <a:solidFill>
                     <a:schemeClr val="accent2"/>
@@ -12063,9 +12063,61 @@
                 </a:solidFill>
                 <a:effectLst/>
               </a:rPr>
-              <a:t>Go To Lab for ICE</a:t>
-            </a:r>
-            <a:endParaRPr lang="en-US" sz="5400" b="1" cap="none" spc="0" dirty="0">
+              <a:t>Go To Lab for </a:t>
+            </a:r>
+            <a:r>
+              <a:rPr lang="en-US" sz="3600" b="1" cap="none" spc="0" dirty="0" smtClean="0">
+                <a:ln w="22225">
+                  <a:solidFill>
+                    <a:schemeClr val="accent2"/>
+                  </a:solidFill>
+                  <a:prstDash val="solid"/>
+                </a:ln>
+                <a:solidFill>
+                  <a:schemeClr val="accent2">
+                    <a:lumMod val="40000"/>
+                    <a:lumOff val="60000"/>
+                  </a:schemeClr>
+                </a:solidFill>
+                <a:effectLst/>
+              </a:rPr>
+              <a:t>ICE3</a:t>
+            </a:r>
+            <a:r>
+              <a:rPr lang="en-US" sz="3600" b="1" dirty="0">
+                <a:ln w="22225">
+                  <a:solidFill>
+                    <a:schemeClr val="accent2"/>
+                  </a:solidFill>
+                  <a:prstDash val="solid"/>
+                </a:ln>
+                <a:solidFill>
+                  <a:schemeClr val="accent2">
+                    <a:lumMod val="40000"/>
+                    <a:lumOff val="60000"/>
+                  </a:schemeClr>
+                </a:solidFill>
+              </a:rPr>
+              <a:t> </a:t>
+            </a:r>
+            <a:r>
+              <a:rPr lang="en-US" sz="3600" b="1" dirty="0" smtClean="0">
+                <a:ln w="22225">
+                  <a:solidFill>
+                    <a:schemeClr val="accent2"/>
+                  </a:solidFill>
+                  <a:prstDash val="solid"/>
+                </a:ln>
+                <a:solidFill>
+                  <a:schemeClr val="accent2">
+                    <a:lumMod val="40000"/>
+                    <a:lumOff val="60000"/>
+                  </a:schemeClr>
+                </a:solidFill>
+              </a:rPr>
+              <a:t>(graded)</a:t>
+            </a:r>
+            <a:endParaRPr lang="en-US" sz="3600" b="1" cap="none" spc="0" dirty="0" smtClean="0">
               <a:ln w="22225">
                 <a:solidFill>
                   <a:schemeClr val="accent2"/>
@@ -12918,30 +12970,13 @@
             <a:pPr lvl="1"/>
             <a:r>
               <a:rPr lang="en-US" dirty="0" smtClean="0"/>
-              <a:t>Use the DCO calibration </a:t>
-            </a:r>
-            <a:r>
-              <a:rPr lang="en-US" dirty="0" err="1" smtClean="0"/>
-              <a:t>asm</a:t>
-            </a:r>
-            <a:r>
-              <a:rPr lang="en-US" dirty="0" smtClean="0"/>
-              <a:t> (on website for this lesson) to measure your button’s bounce</a:t>
-            </a:r>
-          </a:p>
-          <a:p>
-            <a:pPr lvl="2"/>
-            <a:r>
-              <a:rPr lang="en-US" dirty="0" smtClean="0"/>
-              <a:t>You will need to use a logic analyzer</a:t>
-            </a:r>
-          </a:p>
-          <a:p>
-            <a:pPr lvl="1"/>
-            <a:r>
-              <a:rPr lang="en-US" dirty="0" smtClean="0"/>
-              <a:t>Write a SW delay as discussed in class</a:t>
-            </a:r>
+              <a:t>Do the ICE from the website </a:t>
+            </a:r>
+            <a:r>
+              <a:rPr lang="en-US" smtClean="0"/>
+              <a:t>for this lesson</a:t>
+            </a:r>
+            <a:endParaRPr lang="en-US" dirty="0" smtClean="0"/>
           </a:p>
         </p:txBody>
       </p:sp>

--- a/source/lessons/lsn14-15/Lsn14-15.pptx
+++ b/source/lessons/lsn14-15/Lsn14-15.pptx
@@ -1374,7 +1374,7 @@
           <a:p>
             <a:fld id="{834513E8-165F-4932-9E2D-FD497CB9A4FD}" type="datetimeFigureOut">
               <a:rPr lang="en-US" smtClean="0"/>
-              <a:t>9/11/2018</a:t>
+              <a:t>9/17/2018</a:t>
             </a:fld>
             <a:endParaRPr lang="en-US"/>
           </a:p>
@@ -1651,7 +1651,7 @@
           <a:p>
             <a:fld id="{834513E8-165F-4932-9E2D-FD497CB9A4FD}" type="datetimeFigureOut">
               <a:rPr lang="en-US" smtClean="0"/>
-              <a:t>9/11/2018</a:t>
+              <a:t>9/17/2018</a:t>
             </a:fld>
             <a:endParaRPr lang="en-US"/>
           </a:p>
@@ -1904,7 +1904,7 @@
           <a:p>
             <a:fld id="{834513E8-165F-4932-9E2D-FD497CB9A4FD}" type="datetimeFigureOut">
               <a:rPr lang="en-US" smtClean="0"/>
-              <a:t>9/11/2018</a:t>
+              <a:t>9/17/2018</a:t>
             </a:fld>
             <a:endParaRPr lang="en-US"/>
           </a:p>
@@ -2074,7 +2074,7 @@
           <a:p>
             <a:fld id="{834513E8-165F-4932-9E2D-FD497CB9A4FD}" type="datetimeFigureOut">
               <a:rPr lang="en-US" smtClean="0"/>
-              <a:t>9/11/2018</a:t>
+              <a:t>9/17/2018</a:t>
             </a:fld>
             <a:endParaRPr lang="en-US"/>
           </a:p>
@@ -2254,7 +2254,7 @@
           <a:p>
             <a:fld id="{834513E8-165F-4932-9E2D-FD497CB9A4FD}" type="datetimeFigureOut">
               <a:rPr lang="en-US" smtClean="0"/>
-              <a:t>9/11/2018</a:t>
+              <a:t>9/17/2018</a:t>
             </a:fld>
             <a:endParaRPr lang="en-US"/>
           </a:p>
@@ -2998,7 +2998,7 @@
           <a:p>
             <a:fld id="{834513E8-165F-4932-9E2D-FD497CB9A4FD}" type="datetimeFigureOut">
               <a:rPr lang="en-US" smtClean="0"/>
-              <a:t>9/11/2018</a:t>
+              <a:t>9/17/2018</a:t>
             </a:fld>
             <a:endParaRPr lang="en-US"/>
           </a:p>
@@ -3168,7 +3168,7 @@
           <a:p>
             <a:fld id="{834513E8-165F-4932-9E2D-FD497CB9A4FD}" type="datetimeFigureOut">
               <a:rPr lang="en-US" smtClean="0"/>
-              <a:t>9/11/2018</a:t>
+              <a:t>9/17/2018</a:t>
             </a:fld>
             <a:endParaRPr lang="en-US"/>
           </a:p>
@@ -3414,7 +3414,7 @@
           <a:p>
             <a:fld id="{834513E8-165F-4932-9E2D-FD497CB9A4FD}" type="datetimeFigureOut">
               <a:rPr lang="en-US" smtClean="0"/>
-              <a:t>9/11/2018</a:t>
+              <a:t>9/17/2018</a:t>
             </a:fld>
             <a:endParaRPr lang="en-US"/>
           </a:p>
@@ -3646,7 +3646,7 @@
           <a:p>
             <a:fld id="{834513E8-165F-4932-9E2D-FD497CB9A4FD}" type="datetimeFigureOut">
               <a:rPr lang="en-US" smtClean="0"/>
-              <a:t>9/11/2018</a:t>
+              <a:t>9/17/2018</a:t>
             </a:fld>
             <a:endParaRPr lang="en-US"/>
           </a:p>
@@ -4013,7 +4013,7 @@
           <a:p>
             <a:fld id="{834513E8-165F-4932-9E2D-FD497CB9A4FD}" type="datetimeFigureOut">
               <a:rPr lang="en-US" smtClean="0"/>
-              <a:t>9/11/2018</a:t>
+              <a:t>9/17/2018</a:t>
             </a:fld>
             <a:endParaRPr lang="en-US"/>
           </a:p>
@@ -4131,7 +4131,7 @@
           <a:p>
             <a:fld id="{834513E8-165F-4932-9E2D-FD497CB9A4FD}" type="datetimeFigureOut">
               <a:rPr lang="en-US" smtClean="0"/>
-              <a:t>9/11/2018</a:t>
+              <a:t>9/17/2018</a:t>
             </a:fld>
             <a:endParaRPr lang="en-US"/>
           </a:p>
@@ -5947,7 +5947,7 @@
           <a:p>
             <a:fld id="{834513E8-165F-4932-9E2D-FD497CB9A4FD}" type="datetimeFigureOut">
               <a:rPr lang="en-US" smtClean="0"/>
-              <a:t>9/11/2018</a:t>
+              <a:t>9/17/2018</a:t>
             </a:fld>
             <a:endParaRPr lang="en-US"/>
           </a:p>
@@ -8952,7 +8952,11 @@
             </a:pPr>
             <a:r>
               <a:rPr lang="en-US" sz="1400" b="1" dirty="0" smtClean="0"/>
-              <a:t>… well, hold on before you answer this, we need more info</a:t>
+              <a:t>… well, hold on before you answer this, we need more </a:t>
+            </a:r>
+            <a:r>
+              <a:rPr lang="en-US" sz="1400" b="1" dirty="0" smtClean="0"/>
+              <a:t>info … how fast is our clock???</a:t>
             </a:r>
             <a:endParaRPr lang="en-US" sz="1400" dirty="0" smtClean="0"/>
           </a:p>
@@ -9658,6 +9662,100 @@
               <a:rPr lang="en-US" sz="1800" dirty="0"/>
               <a:t> forever</a:t>
             </a:r>
+          </a:p>
+        </p:txBody>
+      </p:sp>
+      <p:sp>
+        <p:nvSpPr>
+          <p:cNvPr id="4" name="Rectangular Callout 3"/>
+          <p:cNvSpPr/>
+          <p:nvPr/>
+        </p:nvSpPr>
+        <p:spPr bwMode="auto">
+          <a:xfrm>
+            <a:off x="5224391" y="5072339"/>
+            <a:ext cx="3056861" cy="718861"/>
+          </a:xfrm>
+          <a:prstGeom prst="wedgeRectCallout">
+            <a:avLst>
+              <a:gd name="adj1" fmla="val -90282"/>
+              <a:gd name="adj2" fmla="val -169780"/>
+            </a:avLst>
+          </a:prstGeom>
+          <a:solidFill>
+            <a:srgbClr val="FFFF00"/>
+          </a:solidFill>
+          <a:ln w="12700" cap="flat" cmpd="sng" algn="ctr">
+            <a:solidFill>
+              <a:schemeClr val="tx1"/>
+            </a:solidFill>
+            <a:prstDash val="solid"/>
+            <a:round/>
+            <a:headEnd type="none" w="med" len="med"/>
+            <a:tailEnd type="none" w="med" len="med"/>
+          </a:ln>
+          <a:effectLst/>
+        </p:spPr>
+        <p:txBody>
+          <a:bodyPr vert="horz" wrap="square" lIns="91440" tIns="45720" rIns="91440" bIns="45720" numCol="1" rtlCol="0" anchor="t" anchorCtr="0" compatLnSpc="1">
+            <a:prstTxWarp prst="textNoShape">
+              <a:avLst/>
+            </a:prstTxWarp>
+          </a:bodyPr>
+          <a:lstStyle/>
+          <a:p>
+            <a:pPr marL="0" marR="0" indent="0" algn="ctr" defTabSz="914400" rtl="0" eaLnBrk="0" fontAlgn="base" latinLnBrk="0" hangingPunct="0">
+              <a:lnSpc>
+                <a:spcPct val="100000"/>
+              </a:lnSpc>
+              <a:spcBef>
+                <a:spcPct val="0"/>
+              </a:spcBef>
+              <a:spcAft>
+                <a:spcPct val="0"/>
+              </a:spcAft>
+              <a:buClrTx/>
+              <a:buSzTx/>
+              <a:buFontTx/>
+              <a:buNone/>
+              <a:tabLst/>
+            </a:pPr>
+            <a:r>
+              <a:rPr kumimoji="0" lang="en-US" sz="1600" b="0" i="0" u="none" strike="noStrike" cap="none" normalizeH="0" baseline="0" dirty="0" smtClean="0">
+                <a:ln>
+                  <a:noFill/>
+                </a:ln>
+                <a:solidFill>
+                  <a:schemeClr val="tx1"/>
+                </a:solidFill>
+                <a:effectLst/>
+                <a:latin typeface="Arial" charset="0"/>
+              </a:rPr>
+              <a:t>All this does is routes the SMCLK signal out</a:t>
+            </a:r>
+            <a:r>
+              <a:rPr kumimoji="0" lang="en-US" sz="1600" b="0" i="0" u="none" strike="noStrike" cap="none" normalizeH="0" dirty="0" smtClean="0">
+                <a:ln>
+                  <a:noFill/>
+                </a:ln>
+                <a:solidFill>
+                  <a:schemeClr val="tx1"/>
+                </a:solidFill>
+                <a:effectLst/>
+                <a:latin typeface="Arial" charset="0"/>
+              </a:rPr>
+              <a:t> Port 1, Pin 4</a:t>
+            </a:r>
+            <a:endParaRPr kumimoji="0" lang="en-US" sz="1600" b="0" i="0" u="none" strike="noStrike" cap="none" normalizeH="0" baseline="0" dirty="0" smtClean="0">
+              <a:ln>
+                <a:noFill/>
+              </a:ln>
+              <a:solidFill>
+                <a:schemeClr val="tx1"/>
+              </a:solidFill>
+              <a:effectLst/>
+              <a:latin typeface="Arial" charset="0"/>
+            </a:endParaRPr>
           </a:p>
         </p:txBody>
       </p:sp>
@@ -10777,7 +10875,7 @@
         </p:spPr>
         <p:txBody>
           <a:bodyPr>
-            <a:normAutofit fontScale="92500" lnSpcReduction="20000"/>
+            <a:normAutofit fontScale="92500" lnSpcReduction="10000"/>
           </a:bodyPr>
           <a:lstStyle/>
           <a:p>
@@ -10785,14 +10883,59 @@
               <a:buNone/>
             </a:pPr>
             <a:r>
+              <a:rPr lang="en-US" sz="1400" dirty="0">
+                <a:solidFill>
+                  <a:schemeClr val="accent2"/>
+                </a:solidFill>
+                <a:latin typeface="Courier New" pitchFamily="49" charset="0"/>
+                <a:cs typeface="Courier New" pitchFamily="49" charset="0"/>
+              </a:rPr>
+              <a:t>	</a:t>
+            </a:r>
+            <a:r>
+              <a:rPr lang="en-US" sz="1400" dirty="0" smtClean="0">
+                <a:solidFill>
+                  <a:schemeClr val="accent2"/>
+                </a:solidFill>
+                <a:latin typeface="Courier New" pitchFamily="49" charset="0"/>
+                <a:cs typeface="Courier New" pitchFamily="49" charset="0"/>
+              </a:rPr>
+              <a:t>     </a:t>
+            </a:r>
+            <a:r>
+              <a:rPr lang="en-US" sz="1400" b="1" dirty="0" smtClean="0">
+                <a:solidFill>
+                  <a:srgbClr val="00B050"/>
+                </a:solidFill>
+                <a:latin typeface="Courier New" pitchFamily="49" charset="0"/>
+                <a:cs typeface="Courier New" pitchFamily="49" charset="0"/>
+              </a:rPr>
+              <a:t>; </a:t>
+            </a:r>
+            <a:r>
               <a:rPr lang="en-US" sz="1400" b="1" dirty="0">
                 <a:solidFill>
-                  <a:schemeClr val="accent2"/>
-                </a:solidFill>
-                <a:latin typeface="Courier New" pitchFamily="49" charset="0"/>
-                <a:cs typeface="Courier New" pitchFamily="49" charset="0"/>
-              </a:rPr>
-              <a:t>		</a:t>
+                  <a:srgbClr val="00B050"/>
+                </a:solidFill>
+                <a:latin typeface="Courier New" pitchFamily="49" charset="0"/>
+                <a:cs typeface="Courier New" pitchFamily="49" charset="0"/>
+              </a:rPr>
+              <a:t>Setup P1.3 for button input</a:t>
+            </a:r>
+          </a:p>
+          <a:p>
+            <a:pPr marL="0" indent="0">
+              <a:buNone/>
+            </a:pPr>
+            <a:r>
+              <a:rPr lang="en-US" sz="1400" b="1" dirty="0">
+                <a:solidFill>
+                  <a:schemeClr val="accent2"/>
+                </a:solidFill>
+                <a:latin typeface="Courier New" pitchFamily="49" charset="0"/>
+                <a:cs typeface="Courier New" pitchFamily="49" charset="0"/>
+              </a:rPr>
+              <a:t>              </a:t>
             </a:r>
             <a:r>
               <a:rPr lang="en-US" sz="1400" b="1" dirty="0" smtClean="0">
@@ -10802,27 +10945,37 @@
                 <a:latin typeface="Courier New" pitchFamily="49" charset="0"/>
                 <a:cs typeface="Courier New" pitchFamily="49" charset="0"/>
               </a:rPr>
-              <a:t>    </a:t>
+              <a:t> </a:t>
+            </a:r>
+            <a:r>
+              <a:rPr lang="en-US" sz="1400" b="1" dirty="0" err="1" smtClean="0">
+                <a:solidFill>
+                  <a:schemeClr val="accent2"/>
+                </a:solidFill>
+                <a:latin typeface="Courier New" pitchFamily="49" charset="0"/>
+                <a:cs typeface="Courier New" pitchFamily="49" charset="0"/>
+              </a:rPr>
+              <a:t>bis.b</a:t>
             </a:r>
             <a:r>
               <a:rPr lang="en-US" sz="1400" b="1" dirty="0" smtClean="0">
                 <a:solidFill>
-                  <a:srgbClr val="00B050"/>
-                </a:solidFill>
-                <a:latin typeface="Courier New" pitchFamily="49" charset="0"/>
-                <a:cs typeface="Courier New" pitchFamily="49" charset="0"/>
-              </a:rPr>
-              <a:t>; </a:t>
+                  <a:schemeClr val="accent2"/>
+                </a:solidFill>
+                <a:latin typeface="Courier New" pitchFamily="49" charset="0"/>
+                <a:cs typeface="Courier New" pitchFamily="49" charset="0"/>
+              </a:rPr>
+              <a:t>  </a:t>
             </a:r>
             <a:r>
               <a:rPr lang="en-US" sz="1400" b="1" dirty="0">
                 <a:solidFill>
-                  <a:srgbClr val="00B050"/>
-                </a:solidFill>
-                <a:latin typeface="Courier New" pitchFamily="49" charset="0"/>
-                <a:cs typeface="Courier New" pitchFamily="49" charset="0"/>
-              </a:rPr>
-              <a:t>Setup P1.3 for button input</a:t>
+                  <a:schemeClr val="accent2"/>
+                </a:solidFill>
+                <a:latin typeface="Courier New" pitchFamily="49" charset="0"/>
+                <a:cs typeface="Courier New" pitchFamily="49" charset="0"/>
+              </a:rPr>
+              <a:t>#BIT3, &amp;P1OUT</a:t>
             </a:r>
           </a:p>
           <a:p>
@@ -10837,10 +10990,10 @@
                 <a:latin typeface="Courier New" pitchFamily="49" charset="0"/>
                 <a:cs typeface="Courier New" pitchFamily="49" charset="0"/>
               </a:rPr>
-              <a:t>                     </a:t>
-            </a:r>
-            <a:r>
-              <a:rPr lang="en-US" sz="1400" b="1" dirty="0" err="1">
+              <a:t>               </a:t>
+            </a:r>
+            <a:r>
+              <a:rPr lang="en-US" sz="1400" b="1" dirty="0" err="1" smtClean="0">
                 <a:solidFill>
                   <a:schemeClr val="accent2"/>
                 </a:solidFill>
@@ -10850,6 +11003,16 @@
               <a:t>bis.b</a:t>
             </a:r>
             <a:r>
+              <a:rPr lang="en-US" sz="1400" b="1" dirty="0" smtClean="0">
+                <a:solidFill>
+                  <a:schemeClr val="accent2"/>
+                </a:solidFill>
+                <a:latin typeface="Courier New" pitchFamily="49" charset="0"/>
+                <a:cs typeface="Courier New" pitchFamily="49" charset="0"/>
+              </a:rPr>
+              <a:t>  </a:t>
+            </a:r>
+            <a:r>
               <a:rPr lang="en-US" sz="1400" b="1" dirty="0">
                 <a:solidFill>
                   <a:schemeClr val="accent2"/>
@@ -10857,7 +11020,7 @@
                 <a:latin typeface="Courier New" pitchFamily="49" charset="0"/>
                 <a:cs typeface="Courier New" pitchFamily="49" charset="0"/>
               </a:rPr>
-              <a:t>  #BIT3, &amp;P1OUT</a:t>
+              <a:t>#BIT3, &amp;P1REN</a:t>
             </a:r>
           </a:p>
           <a:p>
@@ -10872,17 +11035,37 @@
                 <a:latin typeface="Courier New" pitchFamily="49" charset="0"/>
                 <a:cs typeface="Courier New" pitchFamily="49" charset="0"/>
               </a:rPr>
-              <a:t>                     </a:t>
-            </a:r>
-            <a:r>
-              <a:rPr lang="en-US" sz="1400" b="1" dirty="0" err="1">
-                <a:solidFill>
-                  <a:schemeClr val="accent2"/>
-                </a:solidFill>
-                <a:latin typeface="Courier New" pitchFamily="49" charset="0"/>
-                <a:cs typeface="Courier New" pitchFamily="49" charset="0"/>
-              </a:rPr>
-              <a:t>bis.b</a:t>
+              <a:t>              </a:t>
+            </a:r>
+            <a:r>
+              <a:rPr lang="en-US" sz="1400" b="1" dirty="0" smtClean="0">
+                <a:solidFill>
+                  <a:schemeClr val="accent2"/>
+                </a:solidFill>
+                <a:latin typeface="Courier New" pitchFamily="49" charset="0"/>
+                <a:cs typeface="Courier New" pitchFamily="49" charset="0"/>
+              </a:rPr>
+              <a:t> </a:t>
+            </a:r>
+            <a:r>
+              <a:rPr lang="en-US" sz="1400" b="1" dirty="0" err="1" smtClean="0">
+                <a:solidFill>
+                  <a:schemeClr val="accent2"/>
+                </a:solidFill>
+                <a:latin typeface="Courier New" pitchFamily="49" charset="0"/>
+                <a:cs typeface="Courier New" pitchFamily="49" charset="0"/>
+              </a:rPr>
+              <a:t>bic.b</a:t>
+            </a:r>
+            <a:r>
+              <a:rPr lang="en-US" sz="1400" b="1" dirty="0" smtClean="0">
+                <a:solidFill>
+                  <a:schemeClr val="accent2"/>
+                </a:solidFill>
+                <a:latin typeface="Courier New" pitchFamily="49" charset="0"/>
+                <a:cs typeface="Courier New" pitchFamily="49" charset="0"/>
+              </a:rPr>
+              <a:t>  </a:t>
             </a:r>
             <a:r>
               <a:rPr lang="en-US" sz="1400" b="1" dirty="0">
@@ -10892,42 +11075,7 @@
                 <a:latin typeface="Courier New" pitchFamily="49" charset="0"/>
                 <a:cs typeface="Courier New" pitchFamily="49" charset="0"/>
               </a:rPr>
-              <a:t>  #BIT3, &amp;P1REN</a:t>
-            </a:r>
-          </a:p>
-          <a:p>
-            <a:pPr marL="0" indent="0">
-              <a:buNone/>
-            </a:pPr>
-            <a:r>
-              <a:rPr lang="en-US" sz="1400" b="1" dirty="0">
-                <a:solidFill>
-                  <a:schemeClr val="accent2"/>
-                </a:solidFill>
-                <a:latin typeface="Courier New" pitchFamily="49" charset="0"/>
-                <a:cs typeface="Courier New" pitchFamily="49" charset="0"/>
-              </a:rPr>
-              <a:t>                     </a:t>
-            </a:r>
-            <a:r>
-              <a:rPr lang="en-US" sz="1400" b="1" dirty="0" err="1">
-                <a:solidFill>
-                  <a:schemeClr val="accent2"/>
-                </a:solidFill>
-                <a:latin typeface="Courier New" pitchFamily="49" charset="0"/>
-                <a:cs typeface="Courier New" pitchFamily="49" charset="0"/>
-              </a:rPr>
-              <a:t>bic.b</a:t>
-            </a:r>
-            <a:r>
-              <a:rPr lang="en-US" sz="1400" b="1" dirty="0">
-                <a:solidFill>
-                  <a:schemeClr val="accent2"/>
-                </a:solidFill>
-                <a:latin typeface="Courier New" pitchFamily="49" charset="0"/>
-                <a:cs typeface="Courier New" pitchFamily="49" charset="0"/>
-              </a:rPr>
-              <a:t>  #BIT3, &amp;P1DIR</a:t>
+              <a:t>#BIT3, &amp;P1DIR</a:t>
             </a:r>
           </a:p>
           <a:p>
@@ -10954,10 +11102,10 @@
                 <a:latin typeface="Courier New" pitchFamily="49" charset="0"/>
                 <a:cs typeface="Courier New" pitchFamily="49" charset="0"/>
               </a:rPr>
-              <a:t>                     </a:t>
-            </a:r>
-            <a:r>
-              <a:rPr lang="en-US" sz="1400" b="1" dirty="0" err="1">
+              <a:t>               </a:t>
+            </a:r>
+            <a:r>
+              <a:rPr lang="en-US" sz="1400" b="1" dirty="0" err="1" smtClean="0">
                 <a:solidFill>
                   <a:schemeClr val="accent2"/>
                 </a:solidFill>
@@ -10967,7 +11115,7 @@
               <a:t>clr</a:t>
             </a:r>
             <a:r>
-              <a:rPr lang="en-US" sz="1400" b="1" dirty="0">
+              <a:rPr lang="en-US" sz="1400" b="1" dirty="0" smtClean="0">
                 <a:solidFill>
                   <a:schemeClr val="accent2"/>
                 </a:solidFill>
@@ -11138,10 +11286,10 @@
                 <a:latin typeface="Courier New" pitchFamily="49" charset="0"/>
                 <a:cs typeface="Courier New" pitchFamily="49" charset="0"/>
               </a:rPr>
-              <a:t>:           </a:t>
-            </a:r>
-            <a:r>
-              <a:rPr lang="en-US" sz="1400" b="1" dirty="0" err="1">
+              <a:t>:     </a:t>
+            </a:r>
+            <a:r>
+              <a:rPr lang="en-US" sz="1400" b="1" dirty="0" err="1" smtClean="0">
                 <a:solidFill>
                   <a:schemeClr val="accent2"/>
                 </a:solidFill>
@@ -11151,6 +11299,16 @@
               <a:t>bit.b</a:t>
             </a:r>
             <a:r>
+              <a:rPr lang="en-US" sz="1400" b="1" dirty="0" smtClean="0">
+                <a:solidFill>
+                  <a:schemeClr val="accent2"/>
+                </a:solidFill>
+                <a:latin typeface="Courier New" pitchFamily="49" charset="0"/>
+                <a:cs typeface="Courier New" pitchFamily="49" charset="0"/>
+              </a:rPr>
+              <a:t>  </a:t>
+            </a:r>
+            <a:r>
               <a:rPr lang="en-US" sz="1400" b="1" dirty="0">
                 <a:solidFill>
                   <a:schemeClr val="accent2"/>
@@ -11158,7 +11316,7 @@
                 <a:latin typeface="Courier New" pitchFamily="49" charset="0"/>
                 <a:cs typeface="Courier New" pitchFamily="49" charset="0"/>
               </a:rPr>
-              <a:t>  #BIT3, &amp;P1IN</a:t>
+              <a:t>#BIT3, &amp;P1IN</a:t>
             </a:r>
           </a:p>
           <a:p>
@@ -11173,10 +11331,10 @@
                 <a:latin typeface="Courier New" pitchFamily="49" charset="0"/>
                 <a:cs typeface="Courier New" pitchFamily="49" charset="0"/>
               </a:rPr>
-              <a:t>                     </a:t>
-            </a:r>
-            <a:r>
-              <a:rPr lang="en-US" sz="1400" b="1" dirty="0" err="1">
+              <a:t>               </a:t>
+            </a:r>
+            <a:r>
+              <a:rPr lang="en-US" sz="1400" b="1" dirty="0" err="1" smtClean="0">
                 <a:solidFill>
                   <a:schemeClr val="accent2"/>
                 </a:solidFill>
@@ -11186,7 +11344,7 @@
               <a:t>jnz</a:t>
             </a:r>
             <a:r>
-              <a:rPr lang="en-US" sz="1400" b="1" dirty="0">
+              <a:rPr lang="en-US" sz="1400" b="1" dirty="0" smtClean="0">
                 <a:solidFill>
                   <a:schemeClr val="accent2"/>
                 </a:solidFill>
@@ -11237,10 +11395,20 @@
                 <a:latin typeface="Courier New" pitchFamily="49" charset="0"/>
                 <a:cs typeface="Courier New" pitchFamily="49" charset="0"/>
               </a:rPr>
-              <a:t>                     </a:t>
-            </a:r>
-            <a:r>
-              <a:rPr lang="en-US" sz="1400" b="1" dirty="0" err="1">
+              <a:t>              </a:t>
+            </a:r>
+            <a:r>
+              <a:rPr lang="en-US" sz="1400" b="1" dirty="0" smtClean="0">
+                <a:solidFill>
+                  <a:schemeClr val="accent2"/>
+                </a:solidFill>
+                <a:latin typeface="Courier New" pitchFamily="49" charset="0"/>
+                <a:cs typeface="Courier New" pitchFamily="49" charset="0"/>
+              </a:rPr>
+              <a:t> </a:t>
+            </a:r>
+            <a:r>
+              <a:rPr lang="en-US" sz="1400" b="1" dirty="0" err="1" smtClean="0">
                 <a:solidFill>
                   <a:schemeClr val="accent2"/>
                 </a:solidFill>
@@ -11250,7 +11418,7 @@
               <a:t>inc</a:t>
             </a:r>
             <a:r>
-              <a:rPr lang="en-US" sz="1400" b="1" dirty="0">
+              <a:rPr lang="en-US" sz="1400" b="1" dirty="0" smtClean="0">
                 <a:solidFill>
                   <a:schemeClr val="accent2"/>
                 </a:solidFill>
@@ -11259,6 +11427,13 @@
               </a:rPr>
               <a:t> R4</a:t>
             </a:r>
+            <a:endParaRPr lang="en-US" sz="1400" b="1" dirty="0">
+              <a:solidFill>
+                <a:schemeClr val="accent2"/>
+              </a:solidFill>
+              <a:latin typeface="Courier New" pitchFamily="49" charset="0"/>
+              <a:cs typeface="Courier New" pitchFamily="49" charset="0"/>
+            </a:endParaRPr>
           </a:p>
           <a:p>
             <a:pPr marL="0" indent="0">
@@ -11284,10 +11459,30 @@
                 <a:latin typeface="Courier New" pitchFamily="49" charset="0"/>
                 <a:cs typeface="Courier New" pitchFamily="49" charset="0"/>
               </a:rPr>
-              <a:t>                     call   #</a:t>
-            </a:r>
-            <a:r>
-              <a:rPr lang="en-US" sz="1400" b="1" dirty="0" err="1">
+              <a:t>               </a:t>
+            </a:r>
+            <a:r>
+              <a:rPr lang="en-US" sz="1400" b="1" dirty="0" smtClean="0">
+                <a:solidFill>
+                  <a:schemeClr val="accent2"/>
+                </a:solidFill>
+                <a:latin typeface="Courier New" pitchFamily="49" charset="0"/>
+                <a:cs typeface="Courier New" pitchFamily="49" charset="0"/>
+              </a:rPr>
+              <a:t>call   </a:t>
+            </a:r>
+            <a:r>
+              <a:rPr lang="en-US" sz="1400" b="1" dirty="0">
+                <a:solidFill>
+                  <a:schemeClr val="accent2"/>
+                </a:solidFill>
+                <a:latin typeface="Courier New" pitchFamily="49" charset="0"/>
+                <a:cs typeface="Courier New" pitchFamily="49" charset="0"/>
+              </a:rPr>
+              <a:t>#</a:t>
+            </a:r>
+            <a:r>
+              <a:rPr lang="en-US" sz="1400" b="1" dirty="0" err="1" smtClean="0">
                 <a:solidFill>
                   <a:schemeClr val="accent2"/>
                 </a:solidFill>
@@ -11309,6 +11504,16 @@
               <a:buNone/>
             </a:pPr>
             <a:r>
+              <a:rPr lang="en-US" sz="1400" b="1" dirty="0" err="1">
+                <a:solidFill>
+                  <a:schemeClr val="accent2"/>
+                </a:solidFill>
+                <a:latin typeface="Courier New" pitchFamily="49" charset="0"/>
+                <a:cs typeface="Courier New" pitchFamily="49" charset="0"/>
+              </a:rPr>
+              <a:t>btn_pushed</a:t>
+            </a:r>
+            <a:r>
               <a:rPr lang="en-US" sz="1400" b="1" dirty="0">
                 <a:solidFill>
                   <a:schemeClr val="accent2"/>
@@ -11316,7 +11521,271 @@
                 <a:latin typeface="Courier New" pitchFamily="49" charset="0"/>
                 <a:cs typeface="Courier New" pitchFamily="49" charset="0"/>
               </a:rPr>
-              <a:t>                     </a:t>
+              <a:t>:    </a:t>
+            </a:r>
+            <a:r>
+              <a:rPr lang="en-US" sz="1400" b="1" dirty="0" err="1" smtClean="0">
+                <a:solidFill>
+                  <a:schemeClr val="accent2"/>
+                </a:solidFill>
+                <a:latin typeface="Courier New" pitchFamily="49" charset="0"/>
+                <a:cs typeface="Courier New" pitchFamily="49" charset="0"/>
+              </a:rPr>
+              <a:t>bit.b</a:t>
+            </a:r>
+            <a:r>
+              <a:rPr lang="en-US" sz="1400" b="1" dirty="0" smtClean="0">
+                <a:solidFill>
+                  <a:schemeClr val="accent2"/>
+                </a:solidFill>
+                <a:latin typeface="Courier New" pitchFamily="49" charset="0"/>
+                <a:cs typeface="Courier New" pitchFamily="49" charset="0"/>
+              </a:rPr>
+              <a:t>  </a:t>
+            </a:r>
+            <a:r>
+              <a:rPr lang="en-US" sz="1400" b="1" dirty="0">
+                <a:solidFill>
+                  <a:schemeClr val="accent2"/>
+                </a:solidFill>
+                <a:latin typeface="Courier New" pitchFamily="49" charset="0"/>
+                <a:cs typeface="Courier New" pitchFamily="49" charset="0"/>
+              </a:rPr>
+              <a:t>#BIT3, &amp;</a:t>
+            </a:r>
+            <a:r>
+              <a:rPr lang="en-US" sz="1400" b="1" dirty="0" smtClean="0">
+                <a:solidFill>
+                  <a:schemeClr val="accent2"/>
+                </a:solidFill>
+                <a:latin typeface="Courier New" pitchFamily="49" charset="0"/>
+                <a:cs typeface="Courier New" pitchFamily="49" charset="0"/>
+              </a:rPr>
+              <a:t>P1IN  </a:t>
+            </a:r>
+            <a:r>
+              <a:rPr lang="en-US" sz="1400" b="1" dirty="0" smtClean="0">
+                <a:solidFill>
+                  <a:srgbClr val="00B050"/>
+                </a:solidFill>
+                <a:latin typeface="Courier New" pitchFamily="49" charset="0"/>
+                <a:cs typeface="Courier New" pitchFamily="49" charset="0"/>
+              </a:rPr>
+              <a:t>; is button still pressed?</a:t>
+            </a:r>
+            <a:endParaRPr lang="en-US" sz="1400" b="1" dirty="0">
+              <a:solidFill>
+                <a:srgbClr val="00B050"/>
+              </a:solidFill>
+              <a:latin typeface="Courier New" pitchFamily="49" charset="0"/>
+              <a:cs typeface="Courier New" pitchFamily="49" charset="0"/>
+            </a:endParaRPr>
+          </a:p>
+          <a:p>
+            <a:pPr marL="0" indent="0">
+              <a:buNone/>
+            </a:pPr>
+            <a:r>
+              <a:rPr lang="en-US" sz="1400" b="1" dirty="0">
+                <a:solidFill>
+                  <a:schemeClr val="accent2"/>
+                </a:solidFill>
+                <a:latin typeface="Courier New" pitchFamily="49" charset="0"/>
+                <a:cs typeface="Courier New" pitchFamily="49" charset="0"/>
+              </a:rPr>
+              <a:t>               </a:t>
+            </a:r>
+            <a:r>
+              <a:rPr lang="en-US" sz="1400" b="1" dirty="0" err="1" smtClean="0">
+                <a:solidFill>
+                  <a:schemeClr val="accent2"/>
+                </a:solidFill>
+                <a:latin typeface="Courier New" pitchFamily="49" charset="0"/>
+                <a:cs typeface="Courier New" pitchFamily="49" charset="0"/>
+              </a:rPr>
+              <a:t>jz</a:t>
+            </a:r>
+            <a:r>
+              <a:rPr lang="en-US" sz="1400" b="1" dirty="0" smtClean="0">
+                <a:solidFill>
+                  <a:schemeClr val="accent2"/>
+                </a:solidFill>
+                <a:latin typeface="Courier New" pitchFamily="49" charset="0"/>
+                <a:cs typeface="Courier New" pitchFamily="49" charset="0"/>
+              </a:rPr>
+              <a:t>     </a:t>
+            </a:r>
+            <a:r>
+              <a:rPr lang="en-US" sz="1400" b="1" dirty="0" err="1" smtClean="0">
+                <a:solidFill>
+                  <a:schemeClr val="accent2"/>
+                </a:solidFill>
+                <a:latin typeface="Courier New" pitchFamily="49" charset="0"/>
+                <a:cs typeface="Courier New" pitchFamily="49" charset="0"/>
+              </a:rPr>
+              <a:t>btn_pushed</a:t>
+            </a:r>
+            <a:r>
+              <a:rPr lang="en-US" sz="1400" b="1" dirty="0" smtClean="0">
+                <a:solidFill>
+                  <a:schemeClr val="accent2"/>
+                </a:solidFill>
+                <a:latin typeface="Courier New" pitchFamily="49" charset="0"/>
+                <a:cs typeface="Courier New" pitchFamily="49" charset="0"/>
+              </a:rPr>
+              <a:t>    </a:t>
+            </a:r>
+            <a:r>
+              <a:rPr lang="en-US" sz="1400" b="1" dirty="0" smtClean="0">
+                <a:solidFill>
+                  <a:srgbClr val="00B050"/>
+                </a:solidFill>
+                <a:latin typeface="Courier New" pitchFamily="49" charset="0"/>
+                <a:cs typeface="Courier New" pitchFamily="49" charset="0"/>
+              </a:rPr>
+              <a:t>; if yes, </a:t>
+            </a:r>
+            <a:r>
+              <a:rPr lang="en-US" sz="1400" b="1" dirty="0" err="1" smtClean="0">
+                <a:solidFill>
+                  <a:srgbClr val="00B050"/>
+                </a:solidFill>
+                <a:latin typeface="Courier New" pitchFamily="49" charset="0"/>
+                <a:cs typeface="Courier New" pitchFamily="49" charset="0"/>
+              </a:rPr>
+              <a:t>jmp</a:t>
+            </a:r>
+            <a:r>
+              <a:rPr lang="en-US" sz="1400" b="1" dirty="0" smtClean="0">
+                <a:solidFill>
+                  <a:srgbClr val="00B050"/>
+                </a:solidFill>
+                <a:latin typeface="Courier New" pitchFamily="49" charset="0"/>
+                <a:cs typeface="Courier New" pitchFamily="49" charset="0"/>
+              </a:rPr>
+              <a:t> back to </a:t>
+            </a:r>
+            <a:r>
+              <a:rPr lang="en-US" sz="1400" b="1" dirty="0" err="1" smtClean="0">
+                <a:solidFill>
+                  <a:srgbClr val="00B050"/>
+                </a:solidFill>
+                <a:latin typeface="Courier New" pitchFamily="49" charset="0"/>
+                <a:cs typeface="Courier New" pitchFamily="49" charset="0"/>
+              </a:rPr>
+              <a:t>btn_pushed</a:t>
+            </a:r>
+            <a:endParaRPr lang="en-US" sz="1400" b="1" dirty="0" smtClean="0">
+              <a:solidFill>
+                <a:srgbClr val="00B050"/>
+              </a:solidFill>
+              <a:latin typeface="Courier New" pitchFamily="49" charset="0"/>
+              <a:cs typeface="Courier New" pitchFamily="49" charset="0"/>
+            </a:endParaRPr>
+          </a:p>
+          <a:p>
+            <a:pPr marL="0" indent="0">
+              <a:buNone/>
+            </a:pPr>
+            <a:r>
+              <a:rPr lang="en-US" sz="1400" b="1" dirty="0">
+                <a:solidFill>
+                  <a:schemeClr val="accent2"/>
+                </a:solidFill>
+                <a:latin typeface="Courier New" pitchFamily="49" charset="0"/>
+                <a:cs typeface="Courier New" pitchFamily="49" charset="0"/>
+              </a:rPr>
+              <a:t>	</a:t>
+            </a:r>
+            <a:r>
+              <a:rPr lang="en-US" sz="1400" b="1" dirty="0" smtClean="0">
+                <a:solidFill>
+                  <a:schemeClr val="accent2"/>
+                </a:solidFill>
+                <a:latin typeface="Courier New" pitchFamily="49" charset="0"/>
+                <a:cs typeface="Courier New" pitchFamily="49" charset="0"/>
+              </a:rPr>
+              <a:t>	    </a:t>
+            </a:r>
+          </a:p>
+          <a:p>
+            <a:pPr marL="0" indent="0">
+              <a:buNone/>
+            </a:pPr>
+            <a:r>
+              <a:rPr lang="en-US" sz="1400" dirty="0">
+                <a:solidFill>
+                  <a:schemeClr val="accent2"/>
+                </a:solidFill>
+                <a:latin typeface="Courier New" pitchFamily="49" charset="0"/>
+                <a:cs typeface="Courier New" pitchFamily="49" charset="0"/>
+              </a:rPr>
+              <a:t> </a:t>
+            </a:r>
+            <a:r>
+              <a:rPr lang="en-US" sz="1400" dirty="0" smtClean="0">
+                <a:solidFill>
+                  <a:schemeClr val="accent2"/>
+                </a:solidFill>
+                <a:latin typeface="Courier New" pitchFamily="49" charset="0"/>
+                <a:cs typeface="Courier New" pitchFamily="49" charset="0"/>
+              </a:rPr>
+              <a:t>              </a:t>
+            </a:r>
+            <a:r>
+              <a:rPr lang="en-US" sz="1400" b="1" dirty="0" smtClean="0">
+                <a:solidFill>
+                  <a:srgbClr val="00B050"/>
+                </a:solidFill>
+                <a:latin typeface="Courier New" pitchFamily="49" charset="0"/>
+                <a:cs typeface="Courier New" pitchFamily="49" charset="0"/>
+              </a:rPr>
+              <a:t>; Button is finally </a:t>
+            </a:r>
+            <a:r>
+              <a:rPr lang="en-US" sz="1400" b="1" dirty="0">
+                <a:solidFill>
+                  <a:srgbClr val="00B050"/>
+                </a:solidFill>
+                <a:latin typeface="Courier New" pitchFamily="49" charset="0"/>
+                <a:cs typeface="Courier New" pitchFamily="49" charset="0"/>
+              </a:rPr>
+              <a:t>released</a:t>
+            </a:r>
+          </a:p>
+          <a:p>
+            <a:pPr marL="0" indent="0">
+              <a:buNone/>
+            </a:pPr>
+            <a:r>
+              <a:rPr lang="en-US" sz="1400" b="1" dirty="0">
+                <a:solidFill>
+                  <a:schemeClr val="accent2"/>
+                </a:solidFill>
+                <a:latin typeface="Courier New" pitchFamily="49" charset="0"/>
+                <a:cs typeface="Courier New" pitchFamily="49" charset="0"/>
+              </a:rPr>
+              <a:t>               </a:t>
+            </a:r>
+            <a:r>
+              <a:rPr lang="en-US" sz="1400" b="1" dirty="0" smtClean="0">
+                <a:solidFill>
+                  <a:schemeClr val="accent2"/>
+                </a:solidFill>
+                <a:latin typeface="Courier New" pitchFamily="49" charset="0"/>
+                <a:cs typeface="Courier New" pitchFamily="49" charset="0"/>
+              </a:rPr>
+              <a:t>call   </a:t>
+            </a:r>
+            <a:r>
+              <a:rPr lang="en-US" sz="1400" b="1" dirty="0">
+                <a:solidFill>
+                  <a:schemeClr val="accent2"/>
+                </a:solidFill>
+                <a:latin typeface="Courier New" pitchFamily="49" charset="0"/>
+                <a:cs typeface="Courier New" pitchFamily="49" charset="0"/>
+              </a:rPr>
+              <a:t>#</a:t>
             </a:r>
             <a:r>
               <a:rPr lang="en-US" sz="1400" b="1" dirty="0" err="1">
@@ -11326,27 +11795,7 @@
                 <a:latin typeface="Courier New" pitchFamily="49" charset="0"/>
                 <a:cs typeface="Courier New" pitchFamily="49" charset="0"/>
               </a:rPr>
-              <a:t>jmp</a:t>
-            </a:r>
-            <a:r>
-              <a:rPr lang="en-US" sz="1400" b="1" dirty="0">
-                <a:solidFill>
-                  <a:schemeClr val="accent2"/>
-                </a:solidFill>
-                <a:latin typeface="Courier New" pitchFamily="49" charset="0"/>
-                <a:cs typeface="Courier New" pitchFamily="49" charset="0"/>
-              </a:rPr>
-              <a:t>    </a:t>
-            </a:r>
-            <a:r>
-              <a:rPr lang="en-US" sz="1400" b="1" dirty="0" err="1">
-                <a:solidFill>
-                  <a:schemeClr val="accent2"/>
-                </a:solidFill>
-                <a:latin typeface="Courier New" pitchFamily="49" charset="0"/>
-                <a:cs typeface="Courier New" pitchFamily="49" charset="0"/>
-              </a:rPr>
-              <a:t>btn_pushed</a:t>
+              <a:t>software_delay</a:t>
             </a:r>
             <a:endParaRPr lang="en-US" sz="1400" b="1" dirty="0">
               <a:solidFill>
@@ -11360,28 +11809,6 @@
             <a:pPr marL="0" indent="0">
               <a:buNone/>
             </a:pPr>
-            <a:endParaRPr lang="en-US" sz="1400" b="1" dirty="0">
-              <a:solidFill>
-                <a:schemeClr val="accent2"/>
-              </a:solidFill>
-              <a:latin typeface="Courier New" pitchFamily="49" charset="0"/>
-              <a:cs typeface="Courier New" pitchFamily="49" charset="0"/>
-            </a:endParaRPr>
-          </a:p>
-          <a:p>
-            <a:pPr marL="0" indent="0">
-              <a:buNone/>
-            </a:pPr>
-            <a:r>
-              <a:rPr lang="en-US" sz="1400" b="1" dirty="0" err="1">
-                <a:solidFill>
-                  <a:schemeClr val="accent2"/>
-                </a:solidFill>
-                <a:latin typeface="Courier New" pitchFamily="49" charset="0"/>
-                <a:cs typeface="Courier New" pitchFamily="49" charset="0"/>
-              </a:rPr>
-              <a:t>btn_pushed</a:t>
-            </a:r>
             <a:r>
               <a:rPr lang="en-US" sz="1400" b="1" dirty="0">
                 <a:solidFill>
@@ -11390,62 +11817,7 @@
                 <a:latin typeface="Courier New" pitchFamily="49" charset="0"/>
                 <a:cs typeface="Courier New" pitchFamily="49" charset="0"/>
               </a:rPr>
-              <a:t>:          </a:t>
-            </a:r>
-            <a:r>
-              <a:rPr lang="en-US" sz="1400" b="1" dirty="0" err="1">
-                <a:solidFill>
-                  <a:schemeClr val="accent2"/>
-                </a:solidFill>
-                <a:latin typeface="Courier New" pitchFamily="49" charset="0"/>
-                <a:cs typeface="Courier New" pitchFamily="49" charset="0"/>
-              </a:rPr>
-              <a:t>bit.b</a:t>
-            </a:r>
-            <a:r>
-              <a:rPr lang="en-US" sz="1400" b="1" dirty="0">
-                <a:solidFill>
-                  <a:schemeClr val="accent2"/>
-                </a:solidFill>
-                <a:latin typeface="Courier New" pitchFamily="49" charset="0"/>
-                <a:cs typeface="Courier New" pitchFamily="49" charset="0"/>
-              </a:rPr>
-              <a:t>  #BIT3, &amp;P1IN</a:t>
-            </a:r>
-          </a:p>
-          <a:p>
-            <a:pPr marL="0" indent="0">
-              <a:buNone/>
-            </a:pPr>
-            <a:r>
-              <a:rPr lang="en-US" sz="1400" b="1" dirty="0">
-                <a:solidFill>
-                  <a:schemeClr val="accent2"/>
-                </a:solidFill>
-                <a:latin typeface="Courier New" pitchFamily="49" charset="0"/>
-                <a:cs typeface="Courier New" pitchFamily="49" charset="0"/>
-              </a:rPr>
-              <a:t>                     </a:t>
-            </a:r>
-            <a:r>
-              <a:rPr lang="en-US" sz="1400" b="1" dirty="0" err="1">
-                <a:solidFill>
-                  <a:schemeClr val="accent2"/>
-                </a:solidFill>
-                <a:latin typeface="Courier New" pitchFamily="49" charset="0"/>
-                <a:cs typeface="Courier New" pitchFamily="49" charset="0"/>
-              </a:rPr>
-              <a:t>jz</a:t>
-            </a:r>
-            <a:r>
-              <a:rPr lang="en-US" sz="1400" b="1" dirty="0">
-                <a:solidFill>
-                  <a:schemeClr val="accent2"/>
-                </a:solidFill>
-                <a:latin typeface="Courier New" pitchFamily="49" charset="0"/>
-                <a:cs typeface="Courier New" pitchFamily="49" charset="0"/>
-              </a:rPr>
-              <a:t>     </a:t>
+              <a:t>               </a:t>
             </a:r>
             <a:r>
               <a:rPr lang="en-US" sz="1400" b="1" dirty="0" err="1" smtClean="0">
@@ -11455,154 +11827,10 @@
                 <a:latin typeface="Courier New" pitchFamily="49" charset="0"/>
                 <a:cs typeface="Courier New" pitchFamily="49" charset="0"/>
               </a:rPr>
-              <a:t>btn_pushed</a:t>
-            </a:r>
-            <a:endParaRPr lang="en-US" sz="1400" b="1" dirty="0" smtClean="0">
-              <a:solidFill>
-                <a:schemeClr val="accent2"/>
-              </a:solidFill>
-              <a:latin typeface="Courier New" pitchFamily="49" charset="0"/>
-              <a:cs typeface="Courier New" pitchFamily="49" charset="0"/>
-            </a:endParaRPr>
-          </a:p>
-          <a:p>
-            <a:pPr marL="0" indent="0">
-              <a:buNone/>
-            </a:pPr>
-            <a:r>
-              <a:rPr lang="en-US" sz="1400" b="1" dirty="0">
-                <a:solidFill>
-                  <a:schemeClr val="accent2"/>
-                </a:solidFill>
-                <a:latin typeface="Courier New" pitchFamily="49" charset="0"/>
-                <a:cs typeface="Courier New" pitchFamily="49" charset="0"/>
-              </a:rPr>
-              <a:t>	</a:t>
+              <a:t>jmp</a:t>
             </a:r>
             <a:r>
               <a:rPr lang="en-US" sz="1400" b="1" dirty="0" smtClean="0">
-                <a:solidFill>
-                  <a:schemeClr val="accent2"/>
-                </a:solidFill>
-                <a:latin typeface="Courier New" pitchFamily="49" charset="0"/>
-                <a:cs typeface="Courier New" pitchFamily="49" charset="0"/>
-              </a:rPr>
-              <a:t>	    </a:t>
-            </a:r>
-          </a:p>
-          <a:p>
-            <a:pPr marL="0" indent="0">
-              <a:buNone/>
-            </a:pPr>
-            <a:r>
-              <a:rPr lang="en-US" sz="1400" b="1" dirty="0">
-                <a:solidFill>
-                  <a:schemeClr val="accent2"/>
-                </a:solidFill>
-                <a:latin typeface="Courier New" pitchFamily="49" charset="0"/>
-                <a:cs typeface="Courier New" pitchFamily="49" charset="0"/>
-              </a:rPr>
-              <a:t>	</a:t>
-            </a:r>
-            <a:r>
-              <a:rPr lang="en-US" sz="1400" b="1" dirty="0" smtClean="0">
-                <a:solidFill>
-                  <a:schemeClr val="accent2"/>
-                </a:solidFill>
-                <a:latin typeface="Courier New" pitchFamily="49" charset="0"/>
-                <a:cs typeface="Courier New" pitchFamily="49" charset="0"/>
-              </a:rPr>
-              <a:t>	  </a:t>
-            </a:r>
-            <a:r>
-              <a:rPr lang="en-US" sz="1400" b="1" dirty="0" smtClean="0">
-                <a:solidFill>
-                  <a:srgbClr val="00B050"/>
-                </a:solidFill>
-                <a:latin typeface="Courier New" pitchFamily="49" charset="0"/>
-                <a:cs typeface="Courier New" pitchFamily="49" charset="0"/>
-              </a:rPr>
-              <a:t>; </a:t>
-            </a:r>
-            <a:r>
-              <a:rPr lang="en-US" sz="1400" b="1" dirty="0" err="1">
-                <a:solidFill>
-                  <a:srgbClr val="00B050"/>
-                </a:solidFill>
-                <a:latin typeface="Courier New" pitchFamily="49" charset="0"/>
-                <a:cs typeface="Courier New" pitchFamily="49" charset="0"/>
-              </a:rPr>
-              <a:t>Btn</a:t>
-            </a:r>
-            <a:r>
-              <a:rPr lang="en-US" sz="1400" b="1" dirty="0">
-                <a:solidFill>
-                  <a:srgbClr val="00B050"/>
-                </a:solidFill>
-                <a:latin typeface="Courier New" pitchFamily="49" charset="0"/>
-                <a:cs typeface="Courier New" pitchFamily="49" charset="0"/>
-              </a:rPr>
-              <a:t> released</a:t>
-            </a:r>
-          </a:p>
-          <a:p>
-            <a:pPr marL="0" indent="0">
-              <a:buNone/>
-            </a:pPr>
-            <a:r>
-              <a:rPr lang="en-US" sz="1400" b="1" dirty="0">
-                <a:solidFill>
-                  <a:schemeClr val="accent2"/>
-                </a:solidFill>
-                <a:latin typeface="Courier New" pitchFamily="49" charset="0"/>
-                <a:cs typeface="Courier New" pitchFamily="49" charset="0"/>
-              </a:rPr>
-              <a:t>                     call   #</a:t>
-            </a:r>
-            <a:r>
-              <a:rPr lang="en-US" sz="1400" b="1" dirty="0" err="1">
-                <a:solidFill>
-                  <a:schemeClr val="accent2"/>
-                </a:solidFill>
-                <a:latin typeface="Courier New" pitchFamily="49" charset="0"/>
-                <a:cs typeface="Courier New" pitchFamily="49" charset="0"/>
-              </a:rPr>
-              <a:t>software_delay</a:t>
-            </a:r>
-            <a:endParaRPr lang="en-US" sz="1400" b="1" dirty="0">
-              <a:solidFill>
-                <a:schemeClr val="accent2"/>
-              </a:solidFill>
-              <a:latin typeface="Courier New" pitchFamily="49" charset="0"/>
-              <a:cs typeface="Courier New" pitchFamily="49" charset="0"/>
-            </a:endParaRPr>
-          </a:p>
-          <a:p>
-            <a:pPr marL="0" indent="0">
-              <a:buNone/>
-            </a:pPr>
-            <a:r>
-              <a:rPr lang="en-US" sz="1400" b="1" dirty="0">
-                <a:solidFill>
-                  <a:schemeClr val="accent2"/>
-                </a:solidFill>
-                <a:latin typeface="Courier New" pitchFamily="49" charset="0"/>
-                <a:cs typeface="Courier New" pitchFamily="49" charset="0"/>
-              </a:rPr>
-              <a:t>                     </a:t>
-            </a:r>
-            <a:r>
-              <a:rPr lang="en-US" sz="1400" b="1" dirty="0" err="1">
-                <a:solidFill>
-                  <a:schemeClr val="accent2"/>
-                </a:solidFill>
-                <a:latin typeface="Courier New" pitchFamily="49" charset="0"/>
-                <a:cs typeface="Courier New" pitchFamily="49" charset="0"/>
-              </a:rPr>
-              <a:t>jmp</a:t>
-            </a:r>
-            <a:r>
-              <a:rPr lang="en-US" sz="1400" b="1" dirty="0">
                 <a:solidFill>
                   <a:schemeClr val="accent2"/>
                 </a:solidFill>
@@ -11639,13 +11867,13 @@
         </p:nvSpPr>
         <p:spPr bwMode="auto">
           <a:xfrm>
-            <a:off x="5716576" y="3487307"/>
+            <a:off x="4364026" y="3584524"/>
             <a:ext cx="3153103" cy="320066"/>
           </a:xfrm>
           <a:prstGeom prst="wedgeRectCallout">
             <a:avLst>
-              <a:gd name="adj1" fmla="val -117833"/>
-              <a:gd name="adj2" fmla="val 127983"/>
+              <a:gd name="adj1" fmla="val -94271"/>
+              <a:gd name="adj2" fmla="val 169646"/>
             </a:avLst>
           </a:prstGeom>
           <a:solidFill>
@@ -11710,7 +11938,13 @@
                 <a:effectLst/>
                 <a:latin typeface="Arial" charset="0"/>
               </a:rPr>
-              <a:t> detected</a:t>
+              <a:t> </a:t>
+            </a:r>
+            <a:r>
+              <a:rPr lang="en-US" sz="1600" dirty="0" smtClean="0">
+                <a:latin typeface="Arial" charset="0"/>
+              </a:rPr>
+              <a:t>counted</a:t>
             </a:r>
             <a:endParaRPr kumimoji="0" lang="en-US" sz="1600" b="0" i="0" u="none" strike="noStrike" cap="none" normalizeH="0" baseline="0" dirty="0" smtClean="0">
               <a:ln>
@@ -11733,13 +11967,13 @@
         </p:nvSpPr>
         <p:spPr bwMode="auto">
           <a:xfrm>
-            <a:off x="5716575" y="4977148"/>
+            <a:off x="5349240" y="4010025"/>
             <a:ext cx="3153103" cy="840328"/>
           </a:xfrm>
           <a:prstGeom prst="wedgeRectCallout">
             <a:avLst>
-              <a:gd name="adj1" fmla="val -69583"/>
-              <a:gd name="adj2" fmla="val -104688"/>
+              <a:gd name="adj1" fmla="val -77739"/>
+              <a:gd name="adj2" fmla="val 36998"/>
             </a:avLst>
           </a:prstGeom>
           <a:solidFill>
@@ -12032,8 +12266,8 @@
         </p:nvSpPr>
         <p:spPr>
           <a:xfrm>
-            <a:off x="252512" y="5787440"/>
-            <a:ext cx="5960542" cy="646331"/>
+            <a:off x="365760" y="5790829"/>
+            <a:ext cx="4152354" cy="646331"/>
           </a:xfrm>
           <a:prstGeom prst="rect">
             <a:avLst/>
@@ -12082,40 +12316,6 @@
                 <a:effectLst/>
               </a:rPr>
               <a:t>ICE3</a:t>
-            </a:r>
-            <a:r>
-              <a:rPr lang="en-US" sz="3600" b="1" dirty="0">
-                <a:ln w="22225">
-                  <a:solidFill>
-                    <a:schemeClr val="accent2"/>
-                  </a:solidFill>
-                  <a:prstDash val="solid"/>
-                </a:ln>
-                <a:solidFill>
-                  <a:schemeClr val="accent2">
-                    <a:lumMod val="40000"/>
-                    <a:lumOff val="60000"/>
-                  </a:schemeClr>
-                </a:solidFill>
-              </a:rPr>
-              <a:t> </a:t>
-            </a:r>
-            <a:r>
-              <a:rPr lang="en-US" sz="3600" b="1" dirty="0" smtClean="0">
-                <a:ln w="22225">
-                  <a:solidFill>
-                    <a:schemeClr val="accent2"/>
-                  </a:solidFill>
-                  <a:prstDash val="solid"/>
-                </a:ln>
-                <a:solidFill>
-                  <a:schemeClr val="accent2">
-                    <a:lumMod val="40000"/>
-                    <a:lumOff val="60000"/>
-                  </a:schemeClr>
-                </a:solidFill>
-              </a:rPr>
-              <a:t>(graded)</a:t>
             </a:r>
             <a:endParaRPr lang="en-US" sz="3600" b="1" cap="none" spc="0" dirty="0" smtClean="0">
               <a:ln w="22225">
@@ -12667,13 +12867,13 @@
         </p:nvSpPr>
         <p:spPr bwMode="auto">
           <a:xfrm>
-            <a:off x="5716577" y="2648608"/>
+            <a:off x="5430827" y="4248808"/>
             <a:ext cx="3153103" cy="1198179"/>
           </a:xfrm>
           <a:prstGeom prst="wedgeRectCallout">
             <a:avLst>
-              <a:gd name="adj1" fmla="val -111333"/>
-              <a:gd name="adj2" fmla="val 59868"/>
+              <a:gd name="adj1" fmla="val -104687"/>
+              <a:gd name="adj2" fmla="val -59375"/>
             </a:avLst>
           </a:prstGeom>
           <a:solidFill>
@@ -12778,100 +12978,6 @@
                 <a:latin typeface="Arial" charset="0"/>
               </a:rPr>
               <a:t>debouncing</a:t>
-            </a:r>
-            <a:endParaRPr kumimoji="0" lang="en-US" sz="1600" b="0" i="0" u="none" strike="noStrike" cap="none" normalizeH="0" baseline="0" dirty="0" smtClean="0">
-              <a:ln>
-                <a:noFill/>
-              </a:ln>
-              <a:solidFill>
-                <a:schemeClr val="tx1"/>
-              </a:solidFill>
-              <a:effectLst/>
-              <a:latin typeface="Arial" charset="0"/>
-            </a:endParaRPr>
-          </a:p>
-        </p:txBody>
-      </p:sp>
-      <p:sp>
-        <p:nvSpPr>
-          <p:cNvPr id="5" name="Rectangular Callout 4"/>
-          <p:cNvSpPr/>
-          <p:nvPr/>
-        </p:nvSpPr>
-        <p:spPr bwMode="auto">
-          <a:xfrm>
-            <a:off x="5716577" y="4141575"/>
-            <a:ext cx="3153103" cy="1198179"/>
-          </a:xfrm>
-          <a:prstGeom prst="wedgeRectCallout">
-            <a:avLst>
-              <a:gd name="adj1" fmla="val -110583"/>
-              <a:gd name="adj2" fmla="val -49343"/>
-            </a:avLst>
-          </a:prstGeom>
-          <a:solidFill>
-            <a:srgbClr val="FFFF00"/>
-          </a:solidFill>
-          <a:ln w="12700" cap="flat" cmpd="sng" algn="ctr">
-            <a:solidFill>
-              <a:schemeClr val="tx1"/>
-            </a:solidFill>
-            <a:prstDash val="solid"/>
-            <a:round/>
-            <a:headEnd type="none" w="med" len="med"/>
-            <a:tailEnd type="none" w="med" len="med"/>
-          </a:ln>
-          <a:effectLst/>
-        </p:spPr>
-        <p:txBody>
-          <a:bodyPr vert="horz" wrap="square" lIns="91440" tIns="45720" rIns="91440" bIns="45720" numCol="1" rtlCol="0" anchor="t" anchorCtr="0" compatLnSpc="1">
-            <a:prstTxWarp prst="textNoShape">
-              <a:avLst/>
-            </a:prstTxWarp>
-          </a:bodyPr>
-          <a:lstStyle/>
-          <a:p>
-            <a:pPr marL="0" marR="0" indent="0" algn="ctr" defTabSz="914400" rtl="0" eaLnBrk="0" fontAlgn="base" latinLnBrk="0" hangingPunct="0">
-              <a:lnSpc>
-                <a:spcPct val="100000"/>
-              </a:lnSpc>
-              <a:spcBef>
-                <a:spcPct val="0"/>
-              </a:spcBef>
-              <a:spcAft>
-                <a:spcPct val="0"/>
-              </a:spcAft>
-              <a:buClrTx/>
-              <a:buSzTx/>
-              <a:buFontTx/>
-              <a:buNone/>
-              <a:tabLst/>
-            </a:pPr>
-            <a:r>
-              <a:rPr kumimoji="0" lang="en-US" sz="1600" b="0" i="0" u="none" strike="noStrike" cap="none" normalizeH="0" baseline="0" dirty="0" smtClean="0">
-                <a:ln>
-                  <a:noFill/>
-                </a:ln>
-                <a:solidFill>
-                  <a:schemeClr val="tx1"/>
-                </a:solidFill>
-                <a:effectLst/>
-                <a:latin typeface="Arial" charset="0"/>
-              </a:rPr>
-              <a:t>It might also be useful to pass in an</a:t>
-            </a:r>
-            <a:r>
-              <a:rPr kumimoji="0" lang="en-US" sz="1600" b="0" i="0" u="none" strike="noStrike" cap="none" normalizeH="0" dirty="0" smtClean="0">
-                <a:ln>
-                  <a:noFill/>
-                </a:ln>
-                <a:solidFill>
-                  <a:schemeClr val="tx1"/>
-                </a:solidFill>
-                <a:effectLst/>
-                <a:latin typeface="Arial" charset="0"/>
-              </a:rPr>
-              <a:t> argument for how long you want to delay instead of having it hardcoded</a:t>
             </a:r>
             <a:endParaRPr kumimoji="0" lang="en-US" sz="1600" b="0" i="0" u="none" strike="noStrike" cap="none" normalizeH="0" baseline="0" dirty="0" smtClean="0">
               <a:ln>
@@ -12940,7 +13046,7 @@
           <a:p>
             <a:r>
               <a:rPr lang="en-US" dirty="0" smtClean="0"/>
-              <a:t>ICE</a:t>
+              <a:t>ICE 3</a:t>
             </a:r>
             <a:endParaRPr lang="en-US" dirty="0"/>
           </a:p>
@@ -12963,18 +13069,56 @@
           <a:p>
             <a:r>
               <a:rPr lang="en-US" dirty="0" smtClean="0"/>
-              <a:t>Now let’s do this in class</a:t>
+              <a:t>This is needed for Lab 2 to work correctly</a:t>
             </a:r>
           </a:p>
           <a:p>
             <a:pPr lvl="1"/>
             <a:r>
               <a:rPr lang="en-US" dirty="0" smtClean="0"/>
-              <a:t>Do the ICE from the website </a:t>
-            </a:r>
-            <a:r>
-              <a:rPr lang="en-US" smtClean="0"/>
-              <a:t>for this lesson</a:t>
+              <a:t>You are basically getting a head start on the lab</a:t>
+            </a:r>
+          </a:p>
+          <a:p>
+            <a:pPr lvl="1"/>
+            <a:endParaRPr lang="en-US" dirty="0" smtClean="0"/>
+          </a:p>
+          <a:p>
+            <a:r>
+              <a:rPr lang="en-US" dirty="0" smtClean="0"/>
+              <a:t>Do the ICE from the website for this </a:t>
+            </a:r>
+            <a:r>
+              <a:rPr lang="en-US" dirty="0" smtClean="0"/>
+              <a:t>lesson</a:t>
+            </a:r>
+          </a:p>
+          <a:p>
+            <a:pPr lvl="1"/>
+            <a:r>
+              <a:rPr lang="en-US" dirty="0" smtClean="0"/>
+              <a:t>Measure how long your button bounces for</a:t>
+            </a:r>
+          </a:p>
+          <a:p>
+            <a:pPr lvl="1"/>
+            <a:r>
+              <a:rPr lang="en-US" dirty="0" smtClean="0"/>
+              <a:t>Measure the SMCLK on pin 1.4 to figure out how long a clock cycle is for your MSP430</a:t>
+            </a:r>
+          </a:p>
+          <a:p>
+            <a:pPr lvl="1"/>
+            <a:r>
+              <a:rPr lang="en-US" dirty="0" smtClean="0"/>
+              <a:t>Mine came in round 912nsec (0.912 E-6 sec) for 1MHz clock</a:t>
+            </a:r>
+          </a:p>
+          <a:p>
+            <a:pPr lvl="1"/>
+            <a:r>
+              <a:rPr lang="en-US" dirty="0" smtClean="0"/>
+              <a:t>It should be 1usec (1E-6 sec) for a 1 MHz clock</a:t>
             </a:r>
             <a:endParaRPr lang="en-US" dirty="0" smtClean="0"/>
           </a:p>
@@ -16042,11 +16186,31 @@
                 <a:latin typeface="Courier New" pitchFamily="49" charset="0"/>
                 <a:cs typeface="Courier New" pitchFamily="49" charset="0"/>
               </a:rPr>
-              <a:t>    r4</a:t>
+              <a:t>    </a:t>
+            </a:r>
+            <a:r>
+              <a:rPr lang="en-US" sz="1400" b="1" dirty="0" smtClean="0">
+                <a:solidFill>
+                  <a:schemeClr val="accent2"/>
+                </a:solidFill>
+                <a:latin typeface="Courier New" pitchFamily="49" charset="0"/>
+                <a:cs typeface="Courier New" pitchFamily="49" charset="0"/>
+              </a:rPr>
+              <a:t>r4     </a:t>
+            </a:r>
+            <a:r>
+              <a:rPr lang="en-US" sz="1400" b="1" dirty="0" smtClean="0">
+                <a:solidFill>
+                  <a:srgbClr val="00B050"/>
+                </a:solidFill>
+                <a:latin typeface="Courier New" pitchFamily="49" charset="0"/>
+                <a:cs typeface="Courier New" pitchFamily="49" charset="0"/>
+              </a:rPr>
+              <a:t>; counter for pushes</a:t>
             </a:r>
             <a:endParaRPr lang="en-US" sz="1400" b="1" dirty="0">
               <a:solidFill>
-                <a:schemeClr val="accent2"/>
+                <a:srgbClr val="00B050"/>
               </a:solidFill>
               <a:latin typeface="Courier New" pitchFamily="49" charset="0"/>
               <a:cs typeface="Courier New" pitchFamily="49" charset="0"/>
@@ -16354,22 +16518,7 @@
                 <a:latin typeface="Courier New" pitchFamily="49" charset="0"/>
                 <a:cs typeface="Courier New" pitchFamily="49" charset="0"/>
               </a:rPr>
-              <a:t>     wait</a:t>
-            </a:r>
-          </a:p>
-          <a:p>
-            <a:pPr marL="0" indent="0">
-              <a:buNone/>
-            </a:pPr>
-            <a:r>
-              <a:rPr lang="en-US" sz="1400" b="1" dirty="0">
-                <a:solidFill>
-                  <a:schemeClr val="accent2"/>
-                </a:solidFill>
-                <a:latin typeface="Courier New" pitchFamily="49" charset="0"/>
-                <a:cs typeface="Courier New" pitchFamily="49" charset="0"/>
-              </a:rPr>
-              <a:t> </a:t>
+              <a:t>     </a:t>
             </a:r>
             <a:r>
               <a:rPr lang="en-US" sz="1400" b="1" dirty="0" smtClean="0">
@@ -16379,37 +16528,7 @@
                 <a:latin typeface="Courier New" pitchFamily="49" charset="0"/>
                 <a:cs typeface="Courier New" pitchFamily="49" charset="0"/>
               </a:rPr>
-              <a:t>             </a:t>
-            </a:r>
-            <a:r>
-              <a:rPr lang="en-US" sz="1400" b="1" dirty="0" err="1">
-                <a:solidFill>
-                  <a:schemeClr val="accent2"/>
-                </a:solidFill>
-                <a:latin typeface="Courier New" pitchFamily="49" charset="0"/>
-                <a:cs typeface="Courier New" pitchFamily="49" charset="0"/>
-              </a:rPr>
-              <a:t>inc</a:t>
-            </a:r>
-            <a:r>
-              <a:rPr lang="en-US" sz="1400" b="1" dirty="0">
-                <a:solidFill>
-                  <a:schemeClr val="accent2"/>
-                </a:solidFill>
-                <a:latin typeface="Courier New" pitchFamily="49" charset="0"/>
-                <a:cs typeface="Courier New" pitchFamily="49" charset="0"/>
-              </a:rPr>
-              <a:t>    </a:t>
-            </a:r>
-            <a:r>
-              <a:rPr lang="en-US" sz="1400" b="1" dirty="0" smtClean="0">
-                <a:solidFill>
-                  <a:schemeClr val="accent2"/>
-                </a:solidFill>
-                <a:latin typeface="Courier New" pitchFamily="49" charset="0"/>
-                <a:cs typeface="Courier New" pitchFamily="49" charset="0"/>
-              </a:rPr>
-              <a:t>r4</a:t>
+              <a:t>wait</a:t>
             </a:r>
             <a:endParaRPr lang="en-US" sz="1400" b="1" dirty="0">
               <a:solidFill>
@@ -16569,7 +16688,7 @@
         <p:spPr bwMode="auto">
           <a:xfrm>
             <a:off x="4233041" y="4025263"/>
-            <a:ext cx="520262" cy="1353930"/>
+            <a:ext cx="520262" cy="1092463"/>
           </a:xfrm>
           <a:prstGeom prst="rightBrace">
             <a:avLst/>
@@ -16631,7 +16750,7 @@
         </p:nvSpPr>
         <p:spPr>
           <a:xfrm>
-            <a:off x="4753303" y="4286729"/>
+            <a:off x="4753303" y="4153364"/>
             <a:ext cx="3476297" cy="830997"/>
           </a:xfrm>
           <a:prstGeom prst="rect">
@@ -16729,13 +16848,13 @@
         </p:nvSpPr>
         <p:spPr bwMode="auto">
           <a:xfrm>
-            <a:off x="4970721" y="1786270"/>
+            <a:off x="5732012" y="1751634"/>
             <a:ext cx="3046228" cy="919716"/>
           </a:xfrm>
           <a:prstGeom prst="wedgeRectCallout">
             <a:avLst>
-              <a:gd name="adj1" fmla="val -140903"/>
-              <a:gd name="adj2" fmla="val 123194"/>
+              <a:gd name="adj1" fmla="val -111823"/>
+              <a:gd name="adj2" fmla="val 133550"/>
             </a:avLst>
           </a:prstGeom>
           <a:solidFill>
